--- a/cpeck/diplom.pptx
+++ b/cpeck/diplom.pptx
@@ -4895,14 +4895,14 @@
             <p:ph idx="1"/>
             <p:extLst>
               <p:ext uri="{D42A27DB-BD31-4B8C-83A1-F6EECF244321}">
-                <p14:modId xmlns:p14="http://schemas.microsoft.com/office/powerpoint/2010/main" val="2909263707"/>
+                <p14:modId xmlns:p14="http://schemas.microsoft.com/office/powerpoint/2010/main" val="2919229484"/>
               </p:ext>
             </p:extLst>
           </p:nvPr>
         </p:nvGraphicFramePr>
         <p:xfrm>
-          <a:off x="509578" y="1821317"/>
-          <a:ext cx="11172828" cy="4057176"/>
+          <a:off x="1295394" y="1520805"/>
+          <a:ext cx="10058406" cy="4731072"/>
         </p:xfrm>
         <a:graphic>
           <a:graphicData uri="http://schemas.openxmlformats.org/drawingml/2006/table">
@@ -4911,56 +4911,42 @@
                 <a:tableStyleId>{5C22544A-7EE6-4342-B048-85BDC9FD1C3A}</a:tableStyleId>
               </a:tblPr>
               <a:tblGrid>
-                <a:gridCol w="1504951">
+                <a:gridCol w="1806455">
                   <a:extLst>
                     <a:ext uri="{9D8B030D-6E8A-4147-A177-3AD203B41FA5}">
                       <a16:colId xmlns:a16="http://schemas.microsoft.com/office/drawing/2014/main" val="2304300751"/>
                     </a:ext>
                   </a:extLst>
                 </a:gridCol>
-                <a:gridCol w="1288253">
+                <a:gridCol w="1546343">
                   <a:extLst>
                     <a:ext uri="{9D8B030D-6E8A-4147-A177-3AD203B41FA5}">
                       <a16:colId xmlns:a16="http://schemas.microsoft.com/office/drawing/2014/main" val="26178623"/>
                     </a:ext>
                   </a:extLst>
                 </a:gridCol>
-                <a:gridCol w="1396604">
+                <a:gridCol w="1676402">
                   <a:extLst>
                     <a:ext uri="{9D8B030D-6E8A-4147-A177-3AD203B41FA5}">
                       <a16:colId xmlns:a16="http://schemas.microsoft.com/office/drawing/2014/main" val="2746898810"/>
                     </a:ext>
                   </a:extLst>
                 </a:gridCol>
-                <a:gridCol w="1396604">
+                <a:gridCol w="1676402">
                   <a:extLst>
                     <a:ext uri="{9D8B030D-6E8A-4147-A177-3AD203B41FA5}">
                       <a16:colId xmlns:a16="http://schemas.microsoft.com/office/drawing/2014/main" val="4047793946"/>
                     </a:ext>
                   </a:extLst>
                 </a:gridCol>
-                <a:gridCol w="1396604">
+                <a:gridCol w="1676402">
                   <a:extLst>
                     <a:ext uri="{9D8B030D-6E8A-4147-A177-3AD203B41FA5}">
                       <a16:colId xmlns:a16="http://schemas.microsoft.com/office/drawing/2014/main" val="948101119"/>
                     </a:ext>
                   </a:extLst>
                 </a:gridCol>
-                <a:gridCol w="1396604">
-                  <a:extLst>
-                    <a:ext uri="{9D8B030D-6E8A-4147-A177-3AD203B41FA5}">
-                      <a16:colId xmlns:a16="http://schemas.microsoft.com/office/drawing/2014/main" val="2214595903"/>
-                    </a:ext>
-                  </a:extLst>
-                </a:gridCol>
-                <a:gridCol w="1396604">
-                  <a:extLst>
-                    <a:ext uri="{9D8B030D-6E8A-4147-A177-3AD203B41FA5}">
-                      <a16:colId xmlns:a16="http://schemas.microsoft.com/office/drawing/2014/main" val="68537811"/>
-                    </a:ext>
-                  </a:extLst>
-                </a:gridCol>
-                <a:gridCol w="1396604">
+                <a:gridCol w="1676402">
                   <a:extLst>
                     <a:ext uri="{9D8B030D-6E8A-4147-A177-3AD203B41FA5}">
                       <a16:colId xmlns:a16="http://schemas.microsoft.com/office/drawing/2014/main" val="4276960178"/>
@@ -5051,8 +5037,19 @@
                           <a:latin typeface="Times New Roman" panose="02020603050405020304" pitchFamily="18" charset="0"/>
                           <a:cs typeface="Times New Roman" panose="02020603050405020304" pitchFamily="18" charset="0"/>
                         </a:rPr>
-                        <a:t> городов</a:t>
+                        <a:t> </a:t>
                       </a:r>
+                      <a:r>
+                        <a:rPr lang="ru-RU" sz="1600" baseline="0" dirty="0" smtClean="0">
+                          <a:latin typeface="Times New Roman" panose="02020603050405020304" pitchFamily="18" charset="0"/>
+                          <a:cs typeface="Times New Roman" panose="02020603050405020304" pitchFamily="18" charset="0"/>
+                        </a:rPr>
+                        <a:t>объект</a:t>
+                      </a:r>
+                      <a:endParaRPr lang="ru-RU" sz="1600" baseline="0" dirty="0" smtClean="0">
+                        <a:latin typeface="Times New Roman" panose="02020603050405020304" pitchFamily="18" charset="0"/>
+                        <a:cs typeface="Times New Roman" panose="02020603050405020304" pitchFamily="18" charset="0"/>
+                      </a:endParaRPr>
                     </a:p>
                     <a:p>
                       <a:pPr algn="ctr"/>
@@ -5082,8 +5079,19 @@
                           <a:latin typeface="Times New Roman" panose="02020603050405020304" pitchFamily="18" charset="0"/>
                           <a:cs typeface="Times New Roman" panose="02020603050405020304" pitchFamily="18" charset="0"/>
                         </a:rPr>
-                        <a:t>25 городов</a:t>
+                        <a:t>25 </a:t>
                       </a:r>
+                      <a:r>
+                        <a:rPr lang="ru-RU" sz="1600" baseline="0" dirty="0" smtClean="0">
+                          <a:latin typeface="Times New Roman" panose="02020603050405020304" pitchFamily="18" charset="0"/>
+                          <a:cs typeface="Times New Roman" panose="02020603050405020304" pitchFamily="18" charset="0"/>
+                        </a:rPr>
+                        <a:t>объект</a:t>
+                      </a:r>
+                      <a:endParaRPr lang="ru-RU" sz="1600" dirty="0" smtClean="0">
+                        <a:latin typeface="Times New Roman" panose="02020603050405020304" pitchFamily="18" charset="0"/>
+                        <a:cs typeface="Times New Roman" panose="02020603050405020304" pitchFamily="18" charset="0"/>
+                      </a:endParaRPr>
                     </a:p>
                     <a:p>
                       <a:pPr algn="ctr"/>
@@ -5113,8 +5121,19 @@
                           <a:latin typeface="Times New Roman" panose="02020603050405020304" pitchFamily="18" charset="0"/>
                           <a:cs typeface="Times New Roman" panose="02020603050405020304" pitchFamily="18" charset="0"/>
                         </a:rPr>
-                        <a:t>50 городов</a:t>
+                        <a:t>50 </a:t>
                       </a:r>
+                      <a:r>
+                        <a:rPr lang="ru-RU" sz="1600" baseline="0" dirty="0" smtClean="0">
+                          <a:latin typeface="Times New Roman" panose="02020603050405020304" pitchFamily="18" charset="0"/>
+                          <a:cs typeface="Times New Roman" panose="02020603050405020304" pitchFamily="18" charset="0"/>
+                        </a:rPr>
+                        <a:t>объект</a:t>
+                      </a:r>
+                      <a:endParaRPr lang="ru-RU" sz="1600" dirty="0" smtClean="0">
+                        <a:latin typeface="Times New Roman" panose="02020603050405020304" pitchFamily="18" charset="0"/>
+                        <a:cs typeface="Times New Roman" panose="02020603050405020304" pitchFamily="18" charset="0"/>
+                      </a:endParaRPr>
                     </a:p>
                     <a:p>
                       <a:pPr algn="ctr"/>
@@ -5123,7 +5142,21 @@
                           <a:latin typeface="Times New Roman" panose="02020603050405020304" pitchFamily="18" charset="0"/>
                           <a:cs typeface="Times New Roman" panose="02020603050405020304" pitchFamily="18" charset="0"/>
                         </a:rPr>
-                        <a:t>машин</a:t>
+                        <a:t>6</a:t>
+                      </a:r>
+                      <a:r>
+                        <a:rPr lang="ru-RU" sz="1600" baseline="0" dirty="0" smtClean="0">
+                          <a:latin typeface="Times New Roman" panose="02020603050405020304" pitchFamily="18" charset="0"/>
+                          <a:cs typeface="Times New Roman" panose="02020603050405020304" pitchFamily="18" charset="0"/>
+                        </a:rPr>
+                        <a:t> м</a:t>
+                      </a:r>
+                      <a:r>
+                        <a:rPr lang="ru-RU" sz="1600" dirty="0" smtClean="0">
+                          <a:latin typeface="Times New Roman" panose="02020603050405020304" pitchFamily="18" charset="0"/>
+                          <a:cs typeface="Times New Roman" panose="02020603050405020304" pitchFamily="18" charset="0"/>
+                        </a:rPr>
+                        <a:t>ашин</a:t>
                       </a:r>
                       <a:endParaRPr lang="ru-RU" sz="1600" dirty="0">
                         <a:latin typeface="Times New Roman" panose="02020603050405020304" pitchFamily="18" charset="0"/>
@@ -5144,73 +5177,29 @@
                           <a:latin typeface="Times New Roman" panose="02020603050405020304" pitchFamily="18" charset="0"/>
                           <a:cs typeface="Times New Roman" panose="02020603050405020304" pitchFamily="18" charset="0"/>
                         </a:rPr>
-                        <a:t>75 городов</a:t>
+                        <a:t>150 </a:t>
                       </a:r>
+                      <a:r>
+                        <a:rPr lang="ru-RU" sz="1600" baseline="0" dirty="0" smtClean="0">
+                          <a:latin typeface="Times New Roman" panose="02020603050405020304" pitchFamily="18" charset="0"/>
+                          <a:cs typeface="Times New Roman" panose="02020603050405020304" pitchFamily="18" charset="0"/>
+                        </a:rPr>
+                        <a:t>объект</a:t>
+                      </a:r>
+                      <a:endParaRPr lang="ru-RU" sz="1600" dirty="0" smtClean="0">
+                        <a:latin typeface="Times New Roman" panose="02020603050405020304" pitchFamily="18" charset="0"/>
+                        <a:cs typeface="Times New Roman" panose="02020603050405020304" pitchFamily="18" charset="0"/>
+                      </a:endParaRPr>
                     </a:p>
                     <a:p>
                       <a:pPr algn="ctr"/>
                       <a:r>
-                        <a:rPr lang="ru-RU" sz="1600" dirty="0" smtClean="0">
+                        <a:rPr lang="en-US" sz="1600" dirty="0" smtClean="0">
                           <a:latin typeface="Times New Roman" panose="02020603050405020304" pitchFamily="18" charset="0"/>
                           <a:cs typeface="Times New Roman" panose="02020603050405020304" pitchFamily="18" charset="0"/>
                         </a:rPr>
-                        <a:t>машин</a:t>
+                        <a:t>12 </a:t>
                       </a:r>
-                      <a:endParaRPr lang="ru-RU" sz="1600" dirty="0">
-                        <a:latin typeface="Times New Roman" panose="02020603050405020304" pitchFamily="18" charset="0"/>
-                        <a:cs typeface="Times New Roman" panose="02020603050405020304" pitchFamily="18" charset="0"/>
-                      </a:endParaRPr>
-                    </a:p>
-                  </a:txBody>
-                  <a:tcPr/>
-                </a:tc>
-                <a:tc>
-                  <a:txBody>
-                    <a:bodyPr/>
-                    <a:lstStyle/>
-                    <a:p>
-                      <a:pPr algn="ctr"/>
-                      <a:r>
-                        <a:rPr lang="ru-RU" sz="1600" dirty="0" smtClean="0">
-                          <a:latin typeface="Times New Roman" panose="02020603050405020304" pitchFamily="18" charset="0"/>
-                          <a:cs typeface="Times New Roman" panose="02020603050405020304" pitchFamily="18" charset="0"/>
-                        </a:rPr>
-                        <a:t>100 городов</a:t>
-                      </a:r>
-                    </a:p>
-                    <a:p>
-                      <a:pPr algn="ctr"/>
-                      <a:r>
-                        <a:rPr lang="ru-RU" sz="1600" dirty="0" smtClean="0">
-                          <a:latin typeface="Times New Roman" panose="02020603050405020304" pitchFamily="18" charset="0"/>
-                          <a:cs typeface="Times New Roman" panose="02020603050405020304" pitchFamily="18" charset="0"/>
-                        </a:rPr>
-                        <a:t>машин</a:t>
-                      </a:r>
-                      <a:endParaRPr lang="ru-RU" sz="1600" dirty="0">
-                        <a:latin typeface="Times New Roman" panose="02020603050405020304" pitchFamily="18" charset="0"/>
-                        <a:cs typeface="Times New Roman" panose="02020603050405020304" pitchFamily="18" charset="0"/>
-                      </a:endParaRPr>
-                    </a:p>
-                  </a:txBody>
-                  <a:tcPr/>
-                </a:tc>
-                <a:tc>
-                  <a:txBody>
-                    <a:bodyPr/>
-                    <a:lstStyle/>
-                    <a:p>
-                      <a:pPr algn="ctr"/>
-                      <a:r>
-                        <a:rPr lang="ru-RU" sz="1600" dirty="0" smtClean="0">
-                          <a:latin typeface="Times New Roman" panose="02020603050405020304" pitchFamily="18" charset="0"/>
-                          <a:cs typeface="Times New Roman" panose="02020603050405020304" pitchFamily="18" charset="0"/>
-                        </a:rPr>
-                        <a:t>150 городов</a:t>
-                      </a:r>
-                    </a:p>
-                    <a:p>
-                      <a:pPr algn="ctr"/>
                       <a:r>
                         <a:rPr lang="ru-RU" sz="1600" dirty="0" smtClean="0">
                           <a:latin typeface="Times New Roman" panose="02020603050405020304" pitchFamily="18" charset="0"/>
@@ -5308,26 +5297,6 @@
                     <a:bodyPr/>
                     <a:lstStyle/>
                     <a:p>
-                      <a:endParaRPr lang="ru-RU"/>
-                    </a:p>
-                  </a:txBody>
-                  <a:tcPr/>
-                </a:tc>
-                <a:tc>
-                  <a:txBody>
-                    <a:bodyPr/>
-                    <a:lstStyle/>
-                    <a:p>
-                      <a:endParaRPr lang="ru-RU"/>
-                    </a:p>
-                  </a:txBody>
-                  <a:tcPr/>
-                </a:tc>
-                <a:tc>
-                  <a:txBody>
-                    <a:bodyPr/>
-                    <a:lstStyle/>
-                    <a:p>
                       <a:endParaRPr lang="ru-RU" dirty="0"/>
                     </a:p>
                   </a:txBody>
@@ -5339,7 +5308,7 @@
                   </a:ext>
                 </a:extLst>
               </a:tr>
-              <a:tr h="492369">
+              <a:tr h="516601">
                 <a:tc vMerge="1">
                   <a:txBody>
                     <a:bodyPr/>
@@ -5397,7 +5366,7 @@
                       </a:r>
                       <a:r>
                         <a:rPr lang="ru-RU" dirty="0" smtClean="0"/>
-                        <a:t>мин</a:t>
+                        <a:t>сек</a:t>
                       </a:r>
                       <a:endParaRPr lang="ru-RU" dirty="0"/>
                     </a:p>
@@ -5423,26 +5392,6 @@
                     <a:bodyPr/>
                     <a:lstStyle/>
                     <a:p>
-                      <a:endParaRPr lang="ru-RU"/>
-                    </a:p>
-                  </a:txBody>
-                  <a:tcPr/>
-                </a:tc>
-                <a:tc>
-                  <a:txBody>
-                    <a:bodyPr/>
-                    <a:lstStyle/>
-                    <a:p>
-                      <a:endParaRPr lang="ru-RU"/>
-                    </a:p>
-                  </a:txBody>
-                  <a:tcPr/>
-                </a:tc>
-                <a:tc>
-                  <a:txBody>
-                    <a:bodyPr/>
-                    <a:lstStyle/>
-                    <a:p>
                       <a:endParaRPr lang="ru-RU" dirty="0"/>
                     </a:p>
                   </a:txBody>
@@ -5455,7 +5404,7 @@
                 </a:extLst>
               </a:tr>
               <a:tr h="673896">
-                <a:tc rowSpan="2">
+                <a:tc rowSpan="3">
                   <a:txBody>
                     <a:bodyPr/>
                     <a:lstStyle/>
@@ -5504,7 +5453,7 @@
                     <a:p>
                       <a:r>
                         <a:rPr lang="en-US" dirty="0" smtClean="0"/>
-                        <a:t>130</a:t>
+                        <a:t>62402.495577486574</a:t>
                       </a:r>
                       <a:endParaRPr lang="ru-RU" dirty="0"/>
                     </a:p>
@@ -5516,27 +5465,11 @@
                     <a:bodyPr/>
                     <a:lstStyle/>
                     <a:p>
-                      <a:endParaRPr lang="ru-RU"/>
-                    </a:p>
-                  </a:txBody>
-                  <a:tcPr/>
-                </a:tc>
-                <a:tc>
-                  <a:txBody>
-                    <a:bodyPr/>
-                    <a:lstStyle/>
-                    <a:p>
-                      <a:endParaRPr lang="ru-RU"/>
-                    </a:p>
-                  </a:txBody>
-                  <a:tcPr/>
-                </a:tc>
-                <a:tc>
-                  <a:txBody>
-                    <a:bodyPr/>
-                    <a:lstStyle/>
-                    <a:p>
-                      <a:endParaRPr lang="ru-RU"/>
+                      <a:r>
+                        <a:rPr lang="ru-RU" dirty="0" smtClean="0"/>
+                        <a:t>616018.0064507627</a:t>
+                      </a:r>
+                      <a:endParaRPr lang="ru-RU" dirty="0"/>
                     </a:p>
                   </a:txBody>
                   <a:tcPr/>
@@ -5624,6 +5557,10 @@
                     <a:bodyPr/>
                     <a:lstStyle/>
                     <a:p>
+                      <a:r>
+                        <a:rPr lang="en-US" dirty="0" smtClean="0"/>
+                        <a:t>2271.709816455841 seconds</a:t>
+                      </a:r>
                       <a:endParaRPr lang="ru-RU" dirty="0"/>
                     </a:p>
                   </a:txBody>
@@ -5634,27 +5571,11 @@
                     <a:bodyPr/>
                     <a:lstStyle/>
                     <a:p>
-                      <a:endParaRPr lang="ru-RU"/>
-                    </a:p>
-                  </a:txBody>
-                  <a:tcPr/>
-                </a:tc>
-                <a:tc>
-                  <a:txBody>
-                    <a:bodyPr/>
-                    <a:lstStyle/>
-                    <a:p>
-                      <a:endParaRPr lang="ru-RU"/>
-                    </a:p>
-                  </a:txBody>
-                  <a:tcPr/>
-                </a:tc>
-                <a:tc>
-                  <a:txBody>
-                    <a:bodyPr/>
-                    <a:lstStyle/>
-                    <a:p>
-                      <a:endParaRPr lang="ru-RU"/>
+                      <a:r>
+                        <a:rPr lang="en-US" dirty="0" smtClean="0"/>
+                        <a:t>14582.458428144455 seconds</a:t>
+                      </a:r>
+                      <a:endParaRPr lang="ru-RU" dirty="0"/>
                     </a:p>
                   </a:txBody>
                   <a:tcPr/>
@@ -5672,6 +5593,101 @@
                 <a:extLst>
                   <a:ext uri="{0D108BD9-81ED-4DB2-BD59-A6C34878D82A}">
                     <a16:rowId xmlns:a16="http://schemas.microsoft.com/office/drawing/2014/main" val="1651615049"/>
+                  </a:ext>
+                </a:extLst>
+              </a:tr>
+              <a:tr h="673896">
+                <a:tc vMerge="1">
+                  <a:txBody>
+                    <a:bodyPr/>
+                    <a:lstStyle/>
+                    <a:p>
+                      <a:endParaRPr lang="ru-RU" dirty="0"/>
+                    </a:p>
+                  </a:txBody>
+                  <a:tcPr/>
+                </a:tc>
+                <a:tc>
+                  <a:txBody>
+                    <a:bodyPr/>
+                    <a:lstStyle/>
+                    <a:p>
+                      <a:r>
+                        <a:rPr lang="ru-RU" dirty="0" smtClean="0"/>
+                        <a:t>Параметры</a:t>
+                      </a:r>
+                      <a:endParaRPr lang="ru-RU" dirty="0"/>
+                    </a:p>
+                  </a:txBody>
+                  <a:tcPr/>
+                </a:tc>
+                <a:tc>
+                  <a:txBody>
+                    <a:bodyPr/>
+                    <a:lstStyle/>
+                    <a:p>
+                      <a:endParaRPr lang="ru-RU" dirty="0"/>
+                    </a:p>
+                  </a:txBody>
+                  <a:tcPr/>
+                </a:tc>
+                <a:tc>
+                  <a:txBody>
+                    <a:bodyPr/>
+                    <a:lstStyle/>
+                    <a:p>
+                      <a:r>
+                        <a:rPr lang="ru-RU" dirty="0" smtClean="0"/>
+                        <a:t>Популяция =500</a:t>
+                      </a:r>
+                      <a:endParaRPr lang="ru-RU" dirty="0"/>
+                    </a:p>
+                  </a:txBody>
+                  <a:tcPr/>
+                </a:tc>
+                <a:tc>
+                  <a:txBody>
+                    <a:bodyPr/>
+                    <a:lstStyle/>
+                    <a:p>
+                      <a:pPr marL="0" marR="0" lvl="0" indent="0" algn="l" defTabSz="914400" rtl="0" eaLnBrk="1" fontAlgn="auto" latinLnBrk="0" hangingPunct="1">
+                        <a:lnSpc>
+                          <a:spcPct val="100000"/>
+                        </a:lnSpc>
+                        <a:spcBef>
+                          <a:spcPts val="0"/>
+                        </a:spcBef>
+                        <a:spcAft>
+                          <a:spcPts val="0"/>
+                        </a:spcAft>
+                        <a:buClrTx/>
+                        <a:buSzTx/>
+                        <a:buFontTx/>
+                        <a:buNone/>
+                        <a:tabLst/>
+                        <a:defRPr/>
+                      </a:pPr>
+                      <a:r>
+                        <a:rPr lang="ru-RU" dirty="0" smtClean="0"/>
+                        <a:t>Популяция =250</a:t>
+                      </a:r>
+                    </a:p>
+                  </a:txBody>
+                  <a:tcPr/>
+                </a:tc>
+                <a:tc>
+                  <a:txBody>
+                    <a:bodyPr/>
+                    <a:lstStyle/>
+                    <a:p>
+                      <a:endParaRPr lang="ru-RU" dirty="0"/>
+                    </a:p>
+                  </a:txBody>
+                  <a:tcPr/>
+                </a:tc>
+                <a:extLst>
+                  <a:ext uri="{0D108BD9-81ED-4DB2-BD59-A6C34878D82A}">
+                    <a16:rowId xmlns:a16="http://schemas.microsoft.com/office/drawing/2014/main" val="2301028040"/>
                   </a:ext>
                 </a:extLst>
               </a:tr>
@@ -11806,7 +11822,15 @@
             </a:r>
             <a:r>
               <a:rPr lang="ru-RU" dirty="0" smtClean="0"/>
-              <a:t>переставляет любого клиента в случайного клиента</a:t>
+              <a:t>переставляет любого объекта </a:t>
+            </a:r>
+            <a:r>
+              <a:rPr lang="ru-RU" dirty="0"/>
+              <a:t>к</a:t>
+            </a:r>
+            <a:r>
+              <a:rPr lang="ru-RU" dirty="0" smtClean="0"/>
+              <a:t> случайному объекту</a:t>
             </a:r>
             <a:endParaRPr lang="en-US" dirty="0" smtClean="0"/>
           </a:p>
@@ -11821,19 +11845,13 @@
             </a:r>
             <a:r>
               <a:rPr lang="en-US" dirty="0" smtClean="0"/>
-              <a:t>- </a:t>
-            </a:r>
-          </a:p>
-          <a:p>
-            <a:r>
-              <a:rPr lang="en-US" dirty="0" smtClean="0"/>
-              <a:t>Exchange</a:t>
+              <a:t>– </a:t>
             </a:r>
             <a:r>
               <a:rPr lang="ru-RU" dirty="0" smtClean="0"/>
-              <a:t> - </a:t>
-            </a:r>
-            <a:endParaRPr lang="ru-RU" dirty="0"/>
+              <a:t>поменять местами продолжение двух маршрутов начиная со случайных объектов</a:t>
+            </a:r>
+            <a:endParaRPr lang="en-US" dirty="0" smtClean="0"/>
           </a:p>
         </p:txBody>
       </p:sp>

--- a/cpeck/diplom.pptx
+++ b/cpeck/diplom.pptx
@@ -212,7 +212,7 @@
           <a:p>
             <a:fld id="{BBF85703-EE90-4580-85AF-EA7094EE9115}" type="datetimeFigureOut">
               <a:rPr lang="ru-RU" smtClean="0"/>
-              <a:t>08/04/2020</a:t>
+              <a:t>11/04/2020</a:t>
             </a:fld>
             <a:endParaRPr lang="ru-RU"/>
           </a:p>
@@ -593,8 +593,186 @@
         </p:nvSpPr>
         <p:spPr/>
       </p:sp>
-      <mc:AlternateContent xmlns:mc="http://schemas.openxmlformats.org/markup-compatibility/2006">
-        <mc:Choice xmlns:a14="http://schemas.microsoft.com/office/drawing/2010/main" Requires="a14">
+      <p:sp>
+        <p:nvSpPr>
+          <p:cNvPr id="3" name="Заметки 2"/>
+          <p:cNvSpPr>
+            <a:spLocks noGrp="1"/>
+          </p:cNvSpPr>
+          <p:nvPr>
+            <p:ph type="body" idx="1"/>
+          </p:nvPr>
+        </p:nvSpPr>
+        <p:spPr/>
+        <p:txBody>
+          <a:bodyPr/>
+          <a:lstStyle/>
+          <a:p>
+            <a:r>
+              <a:rPr lang="ru-RU" dirty="0" smtClean="0"/>
+              <a:t>Такая задача является задачей</a:t>
+            </a:r>
+            <a:r>
+              <a:rPr lang="en-US" dirty="0" smtClean="0"/>
+              <a:t> </a:t>
+            </a:r>
+            <a:r>
+              <a:rPr lang="ru-RU" dirty="0" smtClean="0"/>
+              <a:t>частичного целочисленного линейного</a:t>
+            </a:r>
+            <a:r>
+              <a:rPr lang="ru-RU" baseline="0" dirty="0" smtClean="0"/>
+              <a:t> программирования,  и такая модель позволяет применить </a:t>
+            </a:r>
+            <a:r>
+              <a:rPr lang="ru-RU" baseline="0" dirty="0" err="1" smtClean="0"/>
+              <a:t>комерческий</a:t>
+            </a:r>
+            <a:r>
+              <a:rPr lang="ru-RU" baseline="0" dirty="0" smtClean="0"/>
+              <a:t> программный пакет </a:t>
+            </a:r>
+            <a:r>
+              <a:rPr lang="en-US" baseline="0" dirty="0" err="1" smtClean="0"/>
+              <a:t>Gurobi</a:t>
+            </a:r>
+            <a:r>
+              <a:rPr lang="ru-RU" baseline="0" dirty="0" smtClean="0"/>
+              <a:t>, который работает только на малых размерностей.</a:t>
+            </a:r>
+            <a:endParaRPr lang="ru-RU" dirty="0" smtClean="0"/>
+          </a:p>
+          <a:p>
+            <a:r>
+              <a:rPr lang="ru-RU" dirty="0" smtClean="0"/>
+              <a:t>1-3) Все БУ изначально находятся в депо, не работают там</a:t>
+            </a:r>
+            <a:endParaRPr lang="ru-RU" baseline="0" dirty="0" smtClean="0"/>
+          </a:p>
+          <a:p>
+            <a:r>
+              <a:rPr lang="ru-RU" dirty="0" smtClean="0"/>
+              <a:t>4) Если приехали то и уехали на </a:t>
+            </a:r>
+            <a:r>
+              <a:rPr lang="ru-RU" dirty="0" err="1" smtClean="0"/>
+              <a:t>соответсвующей</a:t>
+            </a:r>
+            <a:r>
+              <a:rPr lang="ru-RU" baseline="0" dirty="0" smtClean="0"/>
+              <a:t> машине</a:t>
+            </a:r>
+          </a:p>
+          <a:p>
+            <a:r>
+              <a:rPr lang="ru-RU" baseline="0" dirty="0" smtClean="0"/>
+              <a:t>5) Учет общего кол-ва работ на каждом объекте</a:t>
+            </a:r>
+          </a:p>
+          <a:p>
+            <a:r>
+              <a:rPr lang="ru-RU" baseline="0" dirty="0" smtClean="0"/>
+              <a:t>6) Кол-во машин на объекте не больше чем скважин</a:t>
+            </a:r>
+          </a:p>
+          <a:p>
+            <a:r>
+              <a:rPr lang="ru-RU" baseline="0" dirty="0" smtClean="0"/>
+              <a:t>7) Осуществляем бурение на объекте если приехали на него</a:t>
+            </a:r>
+          </a:p>
+          <a:p>
+            <a:r>
+              <a:rPr lang="ru-RU" dirty="0" smtClean="0"/>
+              <a:t>8) Временные</a:t>
+            </a:r>
+            <a:r>
+              <a:rPr lang="ru-RU" baseline="0" dirty="0" smtClean="0"/>
+              <a:t> окна</a:t>
+            </a:r>
+          </a:p>
+          <a:p>
+            <a:r>
+              <a:rPr lang="ru-RU" baseline="0" dirty="0" smtClean="0"/>
+              <a:t>9) Запрещает циклы не проходящие через депо</a:t>
+            </a:r>
+          </a:p>
+          <a:p>
+            <a:r>
+              <a:rPr lang="ru-RU" baseline="0" dirty="0" smtClean="0"/>
+              <a:t>10) Область изменения каждой переменной</a:t>
+            </a:r>
+            <a:endParaRPr lang="ru-RU" dirty="0"/>
+          </a:p>
+        </p:txBody>
+      </p:sp>
+      <p:sp>
+        <p:nvSpPr>
+          <p:cNvPr id="4" name="Номер слайда 3"/>
+          <p:cNvSpPr>
+            <a:spLocks noGrp="1"/>
+          </p:cNvSpPr>
+          <p:nvPr>
+            <p:ph type="sldNum" sz="quarter" idx="10"/>
+          </p:nvPr>
+        </p:nvSpPr>
+        <p:spPr/>
+        <p:txBody>
+          <a:bodyPr/>
+          <a:lstStyle/>
+          <a:p>
+            <a:fld id="{E248CA70-3485-4D35-BDD2-BE9B93897E26}" type="slidenum">
+              <a:rPr lang="ru-RU" smtClean="0"/>
+              <a:t>4</a:t>
+            </a:fld>
+            <a:endParaRPr lang="ru-RU"/>
+          </a:p>
+        </p:txBody>
+      </p:sp>
+    </p:spTree>
+    <p:extLst>
+      <p:ext uri="{BB962C8B-B14F-4D97-AF65-F5344CB8AC3E}">
+        <p14:creationId xmlns:p14="http://schemas.microsoft.com/office/powerpoint/2010/main" val="1111059772"/>
+      </p:ext>
+    </p:extLst>
+  </p:cSld>
+  <p:clrMapOvr>
+    <a:masterClrMapping/>
+  </p:clrMapOvr>
+</p:notes>
+</file>
+
+<file path=ppt/notesSlides/notesSlide3.xml><?xml version="1.0" encoding="utf-8"?>
+<p:notes xmlns:a="http://schemas.openxmlformats.org/drawingml/2006/main" xmlns:r="http://schemas.openxmlformats.org/officeDocument/2006/relationships" xmlns:p="http://schemas.openxmlformats.org/presentationml/2006/main">
+  <p:cSld>
+    <p:spTree>
+      <p:nvGrpSpPr>
+        <p:cNvPr id="1" name=""/>
+        <p:cNvGrpSpPr/>
+        <p:nvPr/>
+      </p:nvGrpSpPr>
+      <p:grpSpPr>
+        <a:xfrm>
+          <a:off x="0" y="0"/>
+          <a:ext cx="0" cy="0"/>
+          <a:chOff x="0" y="0"/>
+          <a:chExt cx="0" cy="0"/>
+        </a:xfrm>
+      </p:grpSpPr>
+      <p:sp>
+        <p:nvSpPr>
+          <p:cNvPr id="2" name="Образ слайда 1"/>
+          <p:cNvSpPr>
+            <a:spLocks noGrp="1" noRot="1" noChangeAspect="1"/>
+          </p:cNvSpPr>
+          <p:nvPr>
+            <p:ph type="sldImg"/>
+          </p:nvPr>
+        </p:nvSpPr>
+        <p:spPr/>
+      </p:sp>
+      <mc:AlternateContent xmlns:mc="http://schemas.openxmlformats.org/markup-compatibility/2006" xmlns:a14="http://schemas.microsoft.com/office/drawing/2010/main">
+        <mc:Choice Requires="a14">
           <p:sp>
             <p:nvSpPr>
               <p:cNvPr id="3" name="Заметки 2"/>
@@ -655,197 +833,329 @@
                     <a:latin typeface="Times New Roman" panose="02020603050405020304" pitchFamily="18" charset="0"/>
                     <a:cs typeface="Times New Roman" panose="02020603050405020304" pitchFamily="18" charset="0"/>
                   </a:rPr>
+                  <a:t>Идея заимствована у живой природы и состоит в организации эволюции, целью которой является получение оптимального решения в сложной комбинаторной задаче</a:t>
+                </a:r>
+              </a:p>
+              <a:p>
+                <a:pPr marL="457200" marR="0" lvl="0" indent="-457200" algn="l" defTabSz="914400" rtl="0" eaLnBrk="1" fontAlgn="auto" latinLnBrk="0" hangingPunct="1">
+                  <a:lnSpc>
+                    <a:spcPct val="100000"/>
+                  </a:lnSpc>
+                  <a:spcBef>
+                    <a:spcPts val="0"/>
+                  </a:spcBef>
+                  <a:spcAft>
+                    <a:spcPts val="0"/>
+                  </a:spcAft>
+                  <a:buClrTx/>
+                  <a:buSzTx/>
+                  <a:buFont typeface="+mj-lt"/>
+                  <a:buAutoNum type="arabicParenR"/>
+                  <a:tabLst/>
+                  <a:defRPr/>
+                </a:pPr>
+                <a:endParaRPr lang="ru-RU" dirty="0" smtClean="0"/>
+              </a:p>
+              <a:p>
+                <a:pPr marL="0" marR="0" lvl="0" indent="0" algn="l" defTabSz="914400" rtl="0" eaLnBrk="1" fontAlgn="auto" latinLnBrk="0" hangingPunct="1">
+                  <a:lnSpc>
+                    <a:spcPct val="100000"/>
+                  </a:lnSpc>
+                  <a:spcBef>
+                    <a:spcPts val="0"/>
+                  </a:spcBef>
+                  <a:spcAft>
+                    <a:spcPts val="0"/>
+                  </a:spcAft>
+                  <a:buClrTx/>
+                  <a:buSzTx/>
+                  <a:buFontTx/>
+                  <a:buNone/>
+                  <a:tabLst/>
+                  <a:defRPr/>
+                </a:pPr>
+                <a:r>
+                  <a:rPr lang="ru-RU" dirty="0" smtClean="0"/>
+                  <a:t>2)</a:t>
+                </a:r>
+                <a:r>
+                  <a:rPr lang="ru-RU" baseline="0" dirty="0" smtClean="0"/>
+                  <a:t> К сожалению эта процедура может потребовать больше буровых установок чем у меня есть, поэтому я буду их брать в аренду, за это я буду накладывать штрафную функцию. В дальнейшем увеличивать штраф в надежде на то что от них мне удастся избавиться</a:t>
+                </a:r>
+                <a:endParaRPr lang="ru-RU" dirty="0" smtClean="0"/>
+              </a:p>
+              <a:p>
+                <a:pPr marL="0" marR="0" lvl="0" indent="0" algn="l" defTabSz="914400" rtl="0" eaLnBrk="1" fontAlgn="auto" latinLnBrk="0" hangingPunct="1">
+                  <a:lnSpc>
+                    <a:spcPct val="100000"/>
+                  </a:lnSpc>
+                  <a:spcBef>
+                    <a:spcPts val="0"/>
+                  </a:spcBef>
+                  <a:spcAft>
+                    <a:spcPts val="0"/>
+                  </a:spcAft>
+                  <a:buClrTx/>
+                  <a:buSzTx/>
+                  <a:buFontTx/>
+                  <a:buNone/>
+                  <a:tabLst/>
+                  <a:defRPr/>
+                </a:pPr>
+                <a:r>
+                  <a:rPr lang="ru-RU" dirty="0" smtClean="0"/>
+                  <a:t>3)</a:t>
+                </a:r>
+                <a:r>
+                  <a:rPr lang="ru-RU" baseline="0" dirty="0" smtClean="0"/>
+                  <a:t> Но основная проблема в </a:t>
+                </a:r>
+                <a:r>
+                  <a:rPr lang="ru-RU" baseline="0" dirty="0" err="1" smtClean="0"/>
+                  <a:t>использвании</a:t>
+                </a:r>
+                <a:r>
+                  <a:rPr lang="ru-RU" baseline="0" dirty="0" smtClean="0"/>
+                  <a:t> оператора </a:t>
+                </a:r>
+                <a:r>
+                  <a:rPr lang="en-US" baseline="0" dirty="0" smtClean="0"/>
+                  <a:t>relocate</a:t>
+                </a:r>
+                <a:r>
+                  <a:rPr lang="ru-RU" baseline="0" dirty="0" smtClean="0"/>
+                  <a:t>, это нарушение ограничения 8 на временные окна. Поэтому если где-то опоздал, то платим штраф и потом этот штраф увеличиваю, в надежде получить допустимое решение</a:t>
+                </a:r>
+              </a:p>
+              <a:p>
+                <a:pPr marL="0" marR="0" lvl="0" indent="0" algn="l" defTabSz="914400" rtl="0" eaLnBrk="1" fontAlgn="auto" latinLnBrk="0" hangingPunct="1">
+                  <a:lnSpc>
+                    <a:spcPct val="100000"/>
+                  </a:lnSpc>
+                  <a:spcBef>
+                    <a:spcPts val="0"/>
+                  </a:spcBef>
+                  <a:spcAft>
+                    <a:spcPts val="0"/>
+                  </a:spcAft>
+                  <a:buClrTx/>
+                  <a:buSzTx/>
+                  <a:buFontTx/>
+                  <a:buNone/>
+                  <a:tabLst/>
+                  <a:defRPr/>
+                </a:pPr>
+                <a:endParaRPr lang="ru-RU" dirty="0" smtClean="0"/>
+              </a:p>
+              <a:p>
+                <a:pPr marL="0" marR="0" lvl="0" indent="0" algn="l" defTabSz="914400" rtl="0" eaLnBrk="1" fontAlgn="auto" latinLnBrk="0" hangingPunct="1">
+                  <a:lnSpc>
+                    <a:spcPct val="100000"/>
+                  </a:lnSpc>
+                  <a:spcBef>
+                    <a:spcPts val="0"/>
+                  </a:spcBef>
+                  <a:spcAft>
+                    <a:spcPts val="0"/>
+                  </a:spcAft>
+                  <a:buClrTx/>
+                  <a:buSzTx/>
+                  <a:buFontTx/>
+                  <a:buNone/>
+                  <a:tabLst/>
+                  <a:defRPr/>
+                </a:pPr>
+                <a:r>
+                  <a:rPr lang="ru-RU" dirty="0" smtClean="0"/>
+                  <a:t>4.1.) Сценарий</a:t>
+                </a:r>
+                <a:r>
+                  <a:rPr lang="ru-RU" baseline="0" dirty="0" smtClean="0"/>
+                  <a:t> выбора родителей может быть разным.</a:t>
+                </a:r>
+                <a:r>
+                  <a:rPr lang="ru-RU" dirty="0" smtClean="0"/>
+                  <a:t> Например, два случайных родителя, одного</a:t>
+                </a:r>
+                <a:r>
+                  <a:rPr lang="ru-RU" baseline="0" dirty="0" smtClean="0"/>
+                  <a:t> с наилучшим показателем целевой функции, а второго любого</a:t>
+                </a:r>
+                <a:r>
+                  <a:rPr lang="en-US" baseline="0" dirty="0" smtClean="0"/>
+                  <a:t>, </a:t>
+                </a:r>
+                <a:r>
+                  <a:rPr lang="ru-RU" baseline="0" dirty="0" smtClean="0"/>
+                  <a:t>одного </a:t>
+                </a:r>
+                <a:r>
+                  <a:rPr lang="ru-RU" baseline="0" dirty="0" err="1" smtClean="0"/>
+                  <a:t>рандомного</a:t>
+                </a:r>
+                <a:r>
+                  <a:rPr lang="ru-RU" baseline="0" dirty="0" smtClean="0"/>
+                  <a:t>, а второго наихудшего</a:t>
+                </a:r>
+                <a:r>
+                  <a:rPr lang="en-US" baseline="0" dirty="0" smtClean="0"/>
+                  <a:t> </a:t>
+                </a:r>
+                <a:r>
+                  <a:rPr lang="ru-RU" baseline="0" dirty="0" smtClean="0"/>
+                  <a:t>или одного наилучшего а второго наихудшего. И эти способы можно чередовать</a:t>
+                </a:r>
+                <a:endParaRPr lang="ru-RU" dirty="0" smtClean="0"/>
+              </a:p>
+              <a:p>
+                <a:r>
+                  <a:rPr lang="ru-RU" dirty="0" smtClean="0"/>
+                  <a:t>4.4) Удаление решение тоже можно сделать по разному удалять худшего</a:t>
+                </a:r>
+                <a:r>
+                  <a:rPr lang="ru-RU" baseline="0" dirty="0" smtClean="0"/>
+                  <a:t> родителя или просто худшие решение</a:t>
+                </a:r>
+                <a:endParaRPr lang="ru-RU" dirty="0" smtClean="0"/>
+              </a:p>
+            </p:txBody>
+          </p:sp>
+        </mc:Choice>
+        <mc:Fallback xmlns="">
+          <p:sp>
+            <p:nvSpPr>
+              <p:cNvPr id="3" name="Заметки 2"/>
+              <p:cNvSpPr>
+                <a:spLocks noGrp="1"/>
+              </p:cNvSpPr>
+              <p:nvPr>
+                <p:ph type="body" idx="1"/>
+              </p:nvPr>
+            </p:nvSpPr>
+            <p:spPr/>
+            <p:txBody>
+              <a:bodyPr/>
+              <a:lstStyle/>
+              <a:p>
+                <a:pPr marL="0" marR="0" lvl="0" indent="0" algn="l" defTabSz="914400" rtl="0" eaLnBrk="1" fontAlgn="auto" latinLnBrk="0" hangingPunct="1">
+                  <a:lnSpc>
+                    <a:spcPct val="100000"/>
+                  </a:lnSpc>
+                  <a:spcBef>
+                    <a:spcPts val="0"/>
+                  </a:spcBef>
+                  <a:spcAft>
+                    <a:spcPts val="0"/>
+                  </a:spcAft>
+                  <a:buClrTx/>
+                  <a:buSzTx/>
+                  <a:buFontTx/>
+                  <a:buNone/>
+                  <a:tabLst/>
+                  <a:defRPr/>
+                </a:pPr>
+                <a:r>
+                  <a:rPr lang="ru-RU" dirty="0" smtClean="0"/>
+                  <a:t>Сначала :</a:t>
+                </a:r>
+              </a:p>
+              <a:p>
+                <a:pPr marL="457200" marR="0" lvl="0" indent="-457200" algn="l" defTabSz="914400" rtl="0" eaLnBrk="1" fontAlgn="auto" latinLnBrk="0" hangingPunct="1">
+                  <a:lnSpc>
+                    <a:spcPct val="100000"/>
+                  </a:lnSpc>
+                  <a:spcBef>
+                    <a:spcPts val="0"/>
+                  </a:spcBef>
+                  <a:spcAft>
+                    <a:spcPts val="0"/>
+                  </a:spcAft>
+                  <a:buClrTx/>
+                  <a:buSzTx/>
+                  <a:buFont typeface="+mj-lt"/>
+                  <a:buAutoNum type="arabicParenR"/>
+                  <a:tabLst/>
+                  <a:defRPr/>
+                </a:pPr>
+                <a:r>
+                  <a:rPr lang="ru-RU" dirty="0" smtClean="0">
+                    <a:latin typeface="Times New Roman" panose="02020603050405020304" pitchFamily="18" charset="0"/>
+                    <a:cs typeface="Times New Roman" panose="02020603050405020304" pitchFamily="18" charset="0"/>
+                  </a:rPr>
                   <a:t>Идея заимствована у живой природы и состоит в организации эволюции, целью которой является получение оптимального решения в сложной комбинаторной задаче: </a:t>
                 </a:r>
-                <a14:m>
-                  <m:oMath xmlns:m="http://schemas.openxmlformats.org/officeDocument/2006/math">
-                    <m:r>
-                      <a:rPr lang="en-US" b="0" i="1" smtClean="0">
-                        <a:latin typeface="Cambria Math" panose="02040503050406030204" pitchFamily="18" charset="0"/>
-                      </a:rPr>
-                      <m:t>𝑚𝑖𝑛</m:t>
-                    </m:r>
-                    <m:nary>
-                      <m:naryPr>
-                        <m:chr m:val="∑"/>
-                        <m:supHide m:val="on"/>
-                        <m:ctrlPr>
-                          <a:rPr lang="en-US" b="0" i="1" smtClean="0">
-                            <a:latin typeface="Cambria Math" panose="02040503050406030204" pitchFamily="18" charset="0"/>
-                          </a:rPr>
-                        </m:ctrlPr>
-                      </m:naryPr>
-                      <m:sub>
-                        <m:r>
-                          <m:rPr>
-                            <m:brk m:alnAt="7"/>
-                          </m:rPr>
-                          <a:rPr lang="en-US" b="0" i="1" smtClean="0">
-                            <a:latin typeface="Cambria Math" panose="02040503050406030204" pitchFamily="18" charset="0"/>
-                          </a:rPr>
-                          <m:t>𝑘</m:t>
-                        </m:r>
-                        <m:r>
-                          <a:rPr lang="en-US" b="0" i="1" smtClean="0">
-                            <a:latin typeface="Cambria Math" panose="02040503050406030204" pitchFamily="18" charset="0"/>
-                            <a:ea typeface="Cambria Math" panose="02040503050406030204" pitchFamily="18" charset="0"/>
-                          </a:rPr>
-                          <m:t>∈</m:t>
-                        </m:r>
-                        <m:r>
-                          <a:rPr lang="en-US" b="0" i="1" smtClean="0">
-                            <a:latin typeface="Cambria Math" panose="02040503050406030204" pitchFamily="18" charset="0"/>
-                            <a:ea typeface="Cambria Math" panose="02040503050406030204" pitchFamily="18" charset="0"/>
-                          </a:rPr>
-                          <m:t>𝐾𝐴</m:t>
-                        </m:r>
-                      </m:sub>
-                      <m:sup/>
-                      <m:e>
-                        <m:nary>
-                          <m:naryPr>
-                            <m:chr m:val="∑"/>
-                            <m:supHide m:val="on"/>
-                            <m:ctrlPr>
-                              <a:rPr lang="en-US" b="0" i="1" smtClean="0">
-                                <a:latin typeface="Cambria Math" panose="02040503050406030204" pitchFamily="18" charset="0"/>
-                              </a:rPr>
-                            </m:ctrlPr>
-                          </m:naryPr>
-                          <m:sub>
-                            <m:r>
-                              <m:rPr>
-                                <m:brk m:alnAt="7"/>
-                              </m:rPr>
-                              <a:rPr lang="en-US" b="0" i="1" smtClean="0">
-                                <a:latin typeface="Cambria Math" panose="02040503050406030204" pitchFamily="18" charset="0"/>
-                              </a:rPr>
-                              <m:t>𝑖</m:t>
-                            </m:r>
-                            <m:r>
-                              <a:rPr lang="en-US" i="1">
-                                <a:latin typeface="Cambria Math" panose="02040503050406030204" pitchFamily="18" charset="0"/>
-                                <a:ea typeface="Cambria Math" panose="02040503050406030204" pitchFamily="18" charset="0"/>
-                              </a:rPr>
-                              <m:t>∈</m:t>
-                            </m:r>
-                            <m:r>
-                              <a:rPr lang="en-US" b="0" i="1" smtClean="0">
-                                <a:latin typeface="Cambria Math" panose="02040503050406030204" pitchFamily="18" charset="0"/>
-                                <a:ea typeface="Cambria Math" panose="02040503050406030204" pitchFamily="18" charset="0"/>
-                              </a:rPr>
-                              <m:t>𝑁</m:t>
-                            </m:r>
-                          </m:sub>
-                          <m:sup/>
-                          <m:e>
-                            <m:nary>
-                              <m:naryPr>
-                                <m:chr m:val="∑"/>
-                                <m:supHide m:val="on"/>
-                                <m:ctrlPr>
-                                  <a:rPr lang="en-US" b="0" i="1" smtClean="0">
-                                    <a:latin typeface="Cambria Math" panose="02040503050406030204" pitchFamily="18" charset="0"/>
-                                  </a:rPr>
-                                </m:ctrlPr>
-                              </m:naryPr>
-                              <m:sub>
-                                <m:r>
-                                  <m:rPr>
-                                    <m:brk m:alnAt="7"/>
-                                  </m:rPr>
-                                  <a:rPr lang="en-US" b="0" i="1" smtClean="0">
-                                    <a:latin typeface="Cambria Math" panose="02040503050406030204" pitchFamily="18" charset="0"/>
-                                  </a:rPr>
-                                  <m:t>𝑗</m:t>
-                                </m:r>
-                                <m:r>
-                                  <a:rPr lang="en-US" i="1">
-                                    <a:latin typeface="Cambria Math" panose="02040503050406030204" pitchFamily="18" charset="0"/>
-                                    <a:ea typeface="Cambria Math" panose="02040503050406030204" pitchFamily="18" charset="0"/>
-                                  </a:rPr>
-                                  <m:t>∈</m:t>
-                                </m:r>
-                                <m:r>
-                                  <a:rPr lang="en-US" b="0" i="1" smtClean="0">
-                                    <a:latin typeface="Cambria Math" panose="02040503050406030204" pitchFamily="18" charset="0"/>
-                                    <a:ea typeface="Cambria Math" panose="02040503050406030204" pitchFamily="18" charset="0"/>
-                                  </a:rPr>
-                                  <m:t>𝑁</m:t>
-                                </m:r>
-                              </m:sub>
-                              <m:sup/>
-                              <m:e>
-                                <m:sSub>
-                                  <m:sSubPr>
-                                    <m:ctrlPr>
-                                      <a:rPr lang="en-US" b="0" i="1" smtClean="0">
-                                        <a:latin typeface="Cambria Math" panose="02040503050406030204" pitchFamily="18" charset="0"/>
-                                      </a:rPr>
-                                    </m:ctrlPr>
-                                  </m:sSubPr>
-                                  <m:e>
-                                    <m:r>
-                                      <a:rPr lang="en-US" b="0" i="1" smtClean="0">
-                                        <a:latin typeface="Cambria Math" panose="02040503050406030204" pitchFamily="18" charset="0"/>
-                                      </a:rPr>
-                                      <m:t>𝑑</m:t>
-                                    </m:r>
-                                  </m:e>
-                                  <m:sub>
-                                    <m:r>
-                                      <a:rPr lang="en-US" b="0" i="1" smtClean="0">
-                                        <a:latin typeface="Cambria Math" panose="02040503050406030204" pitchFamily="18" charset="0"/>
-                                      </a:rPr>
-                                      <m:t>𝑖𝑗</m:t>
-                                    </m:r>
-                                  </m:sub>
-                                </m:sSub>
-                                <m:sSub>
-                                  <m:sSubPr>
-                                    <m:ctrlPr>
-                                      <a:rPr lang="en-US" b="0" i="1" smtClean="0">
-                                        <a:latin typeface="Cambria Math" panose="02040503050406030204" pitchFamily="18" charset="0"/>
-                                      </a:rPr>
-                                    </m:ctrlPr>
-                                  </m:sSubPr>
-                                  <m:e>
-                                    <m:r>
-                                      <a:rPr lang="en-US" b="0" i="1" smtClean="0">
-                                        <a:latin typeface="Cambria Math" panose="02040503050406030204" pitchFamily="18" charset="0"/>
-                                      </a:rPr>
-                                      <m:t>𝑥</m:t>
-                                    </m:r>
-                                  </m:e>
-                                  <m:sub>
-                                    <m:r>
-                                      <a:rPr lang="en-US" b="0" i="1" smtClean="0">
-                                        <a:latin typeface="Cambria Math" panose="02040503050406030204" pitchFamily="18" charset="0"/>
-                                      </a:rPr>
-                                      <m:t>𝑖𝑗𝑘</m:t>
-                                    </m:r>
-                                  </m:sub>
-                                </m:sSub>
-                              </m:e>
-                            </m:nary>
-                            <m:r>
-                              <a:rPr lang="en-US" b="0" i="1" smtClean="0">
-                                <a:latin typeface="Cambria Math" panose="02040503050406030204" pitchFamily="18" charset="0"/>
-                              </a:rPr>
-                              <m:t>+</m:t>
-                            </m:r>
-                            <m:r>
-                              <a:rPr lang="en-US" b="0" i="1" smtClean="0">
-                                <a:latin typeface="Cambria Math" panose="02040503050406030204" pitchFamily="18" charset="0"/>
-                              </a:rPr>
-                              <m:t>𝐹</m:t>
-                            </m:r>
-                          </m:e>
-                        </m:nary>
-                      </m:e>
-                    </m:nary>
-                  </m:oMath>
-                </a14:m>
+                <a:r>
+                  <a:rPr lang="en-US" b="0" i="0" smtClean="0">
+                    <a:latin typeface="Cambria Math" panose="02040503050406030204" pitchFamily="18" charset="0"/>
+                  </a:rPr>
+                  <a:t>𝑚𝑖𝑛∑</a:t>
+                </a:r>
+                <a:r>
+                  <a:rPr lang="en-US" b="0" i="0" smtClean="0">
+                    <a:latin typeface="Cambria Math" panose="02040503050406030204" pitchFamily="18" charset="0"/>
+                    <a:ea typeface="Cambria Math" panose="02040503050406030204" pitchFamily="18" charset="0"/>
+                  </a:rPr>
+                  <a:t>_(</a:t>
+                </a:r>
+                <a:r>
+                  <a:rPr lang="en-US" b="0" i="0" smtClean="0">
+                    <a:latin typeface="Cambria Math" panose="02040503050406030204" pitchFamily="18" charset="0"/>
+                  </a:rPr>
+                  <a:t>𝑘</a:t>
+                </a:r>
+                <a:r>
+                  <a:rPr lang="en-US" b="0" i="0" smtClean="0">
+                    <a:latin typeface="Cambria Math" panose="02040503050406030204" pitchFamily="18" charset="0"/>
+                    <a:ea typeface="Cambria Math" panose="02040503050406030204" pitchFamily="18" charset="0"/>
+                  </a:rPr>
+                  <a:t>∈𝐾𝐴)▒∑_(</a:t>
+                </a:r>
+                <a:r>
+                  <a:rPr lang="en-US" b="0" i="0" smtClean="0">
+                    <a:latin typeface="Cambria Math" panose="02040503050406030204" pitchFamily="18" charset="0"/>
+                  </a:rPr>
+                  <a:t>𝑖</a:t>
+                </a:r>
+                <a:r>
+                  <a:rPr lang="en-US" i="0">
+                    <a:latin typeface="Cambria Math" panose="02040503050406030204" pitchFamily="18" charset="0"/>
+                    <a:ea typeface="Cambria Math" panose="02040503050406030204" pitchFamily="18" charset="0"/>
+                  </a:rPr>
+                  <a:t>∈</a:t>
+                </a:r>
+                <a:r>
+                  <a:rPr lang="en-US" b="0" i="0" smtClean="0">
+                    <a:latin typeface="Cambria Math" panose="02040503050406030204" pitchFamily="18" charset="0"/>
+                    <a:ea typeface="Cambria Math" panose="02040503050406030204" pitchFamily="18" charset="0"/>
+                  </a:rPr>
+                  <a:t>𝑁)▒〖∑_(</a:t>
+                </a:r>
+                <a:r>
+                  <a:rPr lang="en-US" b="0" i="0" smtClean="0">
+                    <a:latin typeface="Cambria Math" panose="02040503050406030204" pitchFamily="18" charset="0"/>
+                  </a:rPr>
+                  <a:t>𝑗</a:t>
+                </a:r>
+                <a:r>
+                  <a:rPr lang="en-US" i="0">
+                    <a:latin typeface="Cambria Math" panose="02040503050406030204" pitchFamily="18" charset="0"/>
+                    <a:ea typeface="Cambria Math" panose="02040503050406030204" pitchFamily="18" charset="0"/>
+                  </a:rPr>
+                  <a:t>∈</a:t>
+                </a:r>
+                <a:r>
+                  <a:rPr lang="en-US" b="0" i="0" smtClean="0">
+                    <a:latin typeface="Cambria Math" panose="02040503050406030204" pitchFamily="18" charset="0"/>
+                    <a:ea typeface="Cambria Math" panose="02040503050406030204" pitchFamily="18" charset="0"/>
+                  </a:rPr>
+                  <a:t>𝑁)▒〖</a:t>
+                </a:r>
+                <a:r>
+                  <a:rPr lang="en-US" b="0" i="0" smtClean="0">
+                    <a:latin typeface="Cambria Math" panose="02040503050406030204" pitchFamily="18" charset="0"/>
+                  </a:rPr>
+                  <a:t>𝑑_𝑖𝑗 𝑥_𝑖𝑗𝑘 〗+𝐹〗</a:t>
+                </a:r>
                 <a:r>
                   <a:rPr lang="ru-RU" dirty="0" smtClean="0">
                     <a:latin typeface="Times New Roman" panose="02020603050405020304" pitchFamily="18" charset="0"/>
@@ -898,122 +1208,36 @@
                   </a:rPr>
                   <a:t>Начальная популяция </a:t>
                 </a:r>
-                <a14:m>
-                  <m:oMath xmlns:m="http://schemas.openxmlformats.org/officeDocument/2006/math">
-                    <m:r>
-                      <a:rPr lang="en-US" b="0" i="1" smtClean="0">
-                        <a:latin typeface="Cambria Math" panose="02040503050406030204" pitchFamily="18" charset="0"/>
-                      </a:rPr>
-                      <m:t>𝑃</m:t>
-                    </m:r>
-                    <m:r>
-                      <a:rPr lang="en-US" b="0" i="1" smtClean="0">
-                        <a:latin typeface="Cambria Math" panose="02040503050406030204" pitchFamily="18" charset="0"/>
-                      </a:rPr>
-                      <m:t>=</m:t>
-                    </m:r>
-                    <m:d>
-                      <m:dPr>
-                        <m:begChr m:val="{"/>
-                        <m:endChr m:val="}"/>
-                        <m:ctrlPr>
-                          <a:rPr lang="en-US" b="0" i="1" smtClean="0">
-                            <a:latin typeface="Cambria Math" panose="02040503050406030204" pitchFamily="18" charset="0"/>
-                          </a:rPr>
-                        </m:ctrlPr>
-                      </m:dPr>
-                      <m:e>
-                        <m:sSub>
-                          <m:sSubPr>
-                            <m:ctrlPr>
-                              <a:rPr lang="en-US" b="0" i="1" smtClean="0">
-                                <a:latin typeface="Cambria Math" panose="02040503050406030204" pitchFamily="18" charset="0"/>
-                              </a:rPr>
-                            </m:ctrlPr>
-                          </m:sSubPr>
-                          <m:e>
-                            <m:r>
-                              <a:rPr lang="en-US" b="0" i="1" smtClean="0">
-                                <a:latin typeface="Cambria Math" panose="02040503050406030204" pitchFamily="18" charset="0"/>
-                              </a:rPr>
-                              <m:t>𝑆</m:t>
-                            </m:r>
-                          </m:e>
-                          <m:sub>
-                            <m:r>
-                              <a:rPr lang="en-US" b="0" i="1" smtClean="0">
-                                <a:latin typeface="Cambria Math" panose="02040503050406030204" pitchFamily="18" charset="0"/>
-                              </a:rPr>
-                              <m:t>1</m:t>
-                            </m:r>
-                          </m:sub>
-                        </m:sSub>
-                        <m:r>
-                          <a:rPr lang="en-US" b="0" i="1" smtClean="0">
-                            <a:latin typeface="Cambria Math" panose="02040503050406030204" pitchFamily="18" charset="0"/>
-                          </a:rPr>
-                          <m:t>,</m:t>
-                        </m:r>
-                        <m:sSub>
-                          <m:sSubPr>
-                            <m:ctrlPr>
-                              <a:rPr lang="en-US" i="1">
-                                <a:latin typeface="Cambria Math" panose="02040503050406030204" pitchFamily="18" charset="0"/>
-                              </a:rPr>
-                            </m:ctrlPr>
-                          </m:sSubPr>
-                          <m:e>
-                            <m:r>
-                              <a:rPr lang="en-US" i="1">
-                                <a:latin typeface="Cambria Math" panose="02040503050406030204" pitchFamily="18" charset="0"/>
-                              </a:rPr>
-                              <m:t>𝑆</m:t>
-                            </m:r>
-                          </m:e>
-                          <m:sub>
-                            <m:r>
-                              <a:rPr lang="en-US" b="0" i="1" smtClean="0">
-                                <a:latin typeface="Cambria Math" panose="02040503050406030204" pitchFamily="18" charset="0"/>
-                              </a:rPr>
-                              <m:t>2</m:t>
-                            </m:r>
-                          </m:sub>
-                        </m:sSub>
-                        <m:r>
-                          <a:rPr lang="en-US" b="0" i="1" smtClean="0">
-                            <a:latin typeface="Cambria Math" panose="02040503050406030204" pitchFamily="18" charset="0"/>
-                          </a:rPr>
-                          <m:t>, …,</m:t>
-                        </m:r>
-                        <m:sSub>
-                          <m:sSubPr>
-                            <m:ctrlPr>
-                              <a:rPr lang="en-US" i="1">
-                                <a:latin typeface="Cambria Math" panose="02040503050406030204" pitchFamily="18" charset="0"/>
-                              </a:rPr>
-                            </m:ctrlPr>
-                          </m:sSubPr>
-                          <m:e>
-                            <m:r>
-                              <a:rPr lang="en-US" i="1">
-                                <a:latin typeface="Cambria Math" panose="02040503050406030204" pitchFamily="18" charset="0"/>
-                              </a:rPr>
-                              <m:t>𝑆</m:t>
-                            </m:r>
-                          </m:e>
-                          <m:sub>
-                            <m:r>
-                              <a:rPr lang="en-US" b="0" i="1" smtClean="0">
-                                <a:latin typeface="Cambria Math" panose="02040503050406030204" pitchFamily="18" charset="0"/>
-                              </a:rPr>
-                              <m:t>𝑝</m:t>
-                            </m:r>
-                          </m:sub>
-                        </m:sSub>
-                      </m:e>
-                    </m:d>
-                  </m:oMath>
-                </a14:m>
+                <a:r>
+                  <a:rPr lang="en-US" b="0" i="0" smtClean="0">
+                    <a:latin typeface="Cambria Math" panose="02040503050406030204" pitchFamily="18" charset="0"/>
+                  </a:rPr>
+                  <a:t>𝑃={𝑆_1,</a:t>
+                </a:r>
+                <a:r>
+                  <a:rPr lang="en-US" i="0">
+                    <a:latin typeface="Cambria Math" panose="02040503050406030204" pitchFamily="18" charset="0"/>
+                  </a:rPr>
+                  <a:t>𝑆_</a:t>
+                </a:r>
+                <a:r>
+                  <a:rPr lang="en-US" b="0" i="0" smtClean="0">
+                    <a:latin typeface="Cambria Math" panose="02040503050406030204" pitchFamily="18" charset="0"/>
+                  </a:rPr>
+                  <a:t>2, …,</a:t>
+                </a:r>
+                <a:r>
+                  <a:rPr lang="en-US" i="0">
+                    <a:latin typeface="Cambria Math" panose="02040503050406030204" pitchFamily="18" charset="0"/>
+                  </a:rPr>
+                  <a:t>𝑆_</a:t>
+                </a:r>
+                <a:r>
+                  <a:rPr lang="en-US" b="0" i="0" smtClean="0">
+                    <a:latin typeface="Cambria Math" panose="02040503050406030204" pitchFamily="18" charset="0"/>
+                  </a:rPr>
+                  <a:t>𝑝 }</a:t>
+                </a:r>
                 <a:r>
                   <a:rPr lang="en-US" dirty="0" smtClean="0">
                     <a:latin typeface="Times New Roman" panose="02020603050405020304" pitchFamily="18" charset="0"/>
@@ -1164,374 +1388,6 @@
               </a:p>
             </p:txBody>
           </p:sp>
-        </mc:Choice>
-        <mc:Fallback>
-          <p:sp>
-            <p:nvSpPr>
-              <p:cNvPr id="3" name="Заметки 2"/>
-              <p:cNvSpPr>
-                <a:spLocks noGrp="1"/>
-              </p:cNvSpPr>
-              <p:nvPr>
-                <p:ph type="body" idx="1"/>
-              </p:nvPr>
-            </p:nvSpPr>
-            <p:spPr/>
-            <p:txBody>
-              <a:bodyPr/>
-              <a:lstStyle/>
-              <a:p>
-                <a:pPr marL="0" marR="0" lvl="0" indent="0" algn="l" defTabSz="914400" rtl="0" eaLnBrk="1" fontAlgn="auto" latinLnBrk="0" hangingPunct="1">
-                  <a:lnSpc>
-                    <a:spcPct val="100000"/>
-                  </a:lnSpc>
-                  <a:spcBef>
-                    <a:spcPts val="0"/>
-                  </a:spcBef>
-                  <a:spcAft>
-                    <a:spcPts val="0"/>
-                  </a:spcAft>
-                  <a:buClrTx/>
-                  <a:buSzTx/>
-                  <a:buFontTx/>
-                  <a:buNone/>
-                  <a:tabLst/>
-                  <a:defRPr/>
-                </a:pPr>
-                <a:r>
-                  <a:rPr lang="ru-RU" dirty="0" smtClean="0"/>
-                  <a:t>Сначала :</a:t>
-                </a:r>
-              </a:p>
-              <a:p>
-                <a:pPr marL="457200" marR="0" lvl="0" indent="-457200" algn="l" defTabSz="914400" rtl="0" eaLnBrk="1" fontAlgn="auto" latinLnBrk="0" hangingPunct="1">
-                  <a:lnSpc>
-                    <a:spcPct val="100000"/>
-                  </a:lnSpc>
-                  <a:spcBef>
-                    <a:spcPts val="0"/>
-                  </a:spcBef>
-                  <a:spcAft>
-                    <a:spcPts val="0"/>
-                  </a:spcAft>
-                  <a:buClrTx/>
-                  <a:buSzTx/>
-                  <a:buFont typeface="+mj-lt"/>
-                  <a:buAutoNum type="arabicParenR"/>
-                  <a:tabLst/>
-                  <a:defRPr/>
-                </a:pPr>
-                <a:r>
-                  <a:rPr lang="ru-RU" dirty="0" smtClean="0">
-                    <a:latin typeface="Times New Roman" panose="02020603050405020304" pitchFamily="18" charset="0"/>
-                    <a:cs typeface="Times New Roman" panose="02020603050405020304" pitchFamily="18" charset="0"/>
-                  </a:rPr>
-                  <a:t>Идея заимствована у живой природы и состоит в организации эволюции, целью которой является получение оптимального решения в сложной комбинаторной задаче: </a:t>
-                </a:r>
-                <a:r>
-                  <a:rPr lang="en-US" b="0" i="0" smtClean="0">
-                    <a:latin typeface="Cambria Math" panose="02040503050406030204" pitchFamily="18" charset="0"/>
-                  </a:rPr>
-                  <a:t>𝑚𝑖𝑛∑</a:t>
-                </a:r>
-                <a:r>
-                  <a:rPr lang="en-US" b="0" i="0" smtClean="0">
-                    <a:latin typeface="Cambria Math" panose="02040503050406030204" pitchFamily="18" charset="0"/>
-                    <a:ea typeface="Cambria Math" panose="02040503050406030204" pitchFamily="18" charset="0"/>
-                  </a:rPr>
-                  <a:t>_(</a:t>
-                </a:r>
-                <a:r>
-                  <a:rPr lang="en-US" b="0" i="0" smtClean="0">
-                    <a:latin typeface="Cambria Math" panose="02040503050406030204" pitchFamily="18" charset="0"/>
-                  </a:rPr>
-                  <a:t>𝑘</a:t>
-                </a:r>
-                <a:r>
-                  <a:rPr lang="en-US" b="0" i="0" smtClean="0">
-                    <a:latin typeface="Cambria Math" panose="02040503050406030204" pitchFamily="18" charset="0"/>
-                    <a:ea typeface="Cambria Math" panose="02040503050406030204" pitchFamily="18" charset="0"/>
-                  </a:rPr>
-                  <a:t>∈𝐾𝐴)▒∑_(</a:t>
-                </a:r>
-                <a:r>
-                  <a:rPr lang="en-US" b="0" i="0" smtClean="0">
-                    <a:latin typeface="Cambria Math" panose="02040503050406030204" pitchFamily="18" charset="0"/>
-                  </a:rPr>
-                  <a:t>𝑖</a:t>
-                </a:r>
-                <a:r>
-                  <a:rPr lang="en-US" i="0">
-                    <a:latin typeface="Cambria Math" panose="02040503050406030204" pitchFamily="18" charset="0"/>
-                    <a:ea typeface="Cambria Math" panose="02040503050406030204" pitchFamily="18" charset="0"/>
-                  </a:rPr>
-                  <a:t>∈</a:t>
-                </a:r>
-                <a:r>
-                  <a:rPr lang="en-US" b="0" i="0" smtClean="0">
-                    <a:latin typeface="Cambria Math" panose="02040503050406030204" pitchFamily="18" charset="0"/>
-                    <a:ea typeface="Cambria Math" panose="02040503050406030204" pitchFamily="18" charset="0"/>
-                  </a:rPr>
-                  <a:t>𝑁)▒〖∑_(</a:t>
-                </a:r>
-                <a:r>
-                  <a:rPr lang="en-US" b="0" i="0" smtClean="0">
-                    <a:latin typeface="Cambria Math" panose="02040503050406030204" pitchFamily="18" charset="0"/>
-                  </a:rPr>
-                  <a:t>𝑗</a:t>
-                </a:r>
-                <a:r>
-                  <a:rPr lang="en-US" i="0">
-                    <a:latin typeface="Cambria Math" panose="02040503050406030204" pitchFamily="18" charset="0"/>
-                    <a:ea typeface="Cambria Math" panose="02040503050406030204" pitchFamily="18" charset="0"/>
-                  </a:rPr>
-                  <a:t>∈</a:t>
-                </a:r>
-                <a:r>
-                  <a:rPr lang="en-US" b="0" i="0" smtClean="0">
-                    <a:latin typeface="Cambria Math" panose="02040503050406030204" pitchFamily="18" charset="0"/>
-                    <a:ea typeface="Cambria Math" panose="02040503050406030204" pitchFamily="18" charset="0"/>
-                  </a:rPr>
-                  <a:t>𝑁)▒〖</a:t>
-                </a:r>
-                <a:r>
-                  <a:rPr lang="en-US" b="0" i="0" smtClean="0">
-                    <a:latin typeface="Cambria Math" panose="02040503050406030204" pitchFamily="18" charset="0"/>
-                  </a:rPr>
-                  <a:t>𝑑_𝑖𝑗 𝑥_𝑖𝑗𝑘 〗+𝐹〗</a:t>
-                </a:r>
-                <a:r>
-                  <a:rPr lang="ru-RU" dirty="0" smtClean="0">
-                    <a:latin typeface="Times New Roman" panose="02020603050405020304" pitchFamily="18" charset="0"/>
-                    <a:cs typeface="Times New Roman" panose="02020603050405020304" pitchFamily="18" charset="0"/>
-                  </a:rPr>
-                  <a:t>. </a:t>
-                </a:r>
-                <a:r>
-                  <a:rPr lang="en-US" dirty="0" smtClean="0"/>
-                  <a:t>)</a:t>
-                </a:r>
-                <a:r>
-                  <a:rPr lang="en-US" baseline="0" dirty="0" smtClean="0"/>
-                  <a:t> </a:t>
-                </a:r>
-                <a:r>
-                  <a:rPr lang="ru-RU" baseline="0" dirty="0" smtClean="0"/>
-                  <a:t>Где </a:t>
-                </a:r>
-                <a:r>
-                  <a:rPr lang="en-US" baseline="0" dirty="0" smtClean="0"/>
-                  <a:t>F –</a:t>
-                </a:r>
-                <a:r>
-                  <a:rPr lang="ru-RU" baseline="0" dirty="0" smtClean="0"/>
-                  <a:t>это штрафные функции за не выполненную работу в срок</a:t>
-                </a:r>
-                <a:r>
-                  <a:rPr lang="en-US" baseline="0" dirty="0" smtClean="0"/>
-                  <a:t> </a:t>
-                </a:r>
-                <a:r>
-                  <a:rPr lang="ru-RU" baseline="0" dirty="0" smtClean="0"/>
-                  <a:t>и арендованные машины. Штрафные функции это настраиваемый параметр, который меняется в зависимости от числа итерации.</a:t>
-                </a:r>
-                <a:endParaRPr lang="ru-RU" dirty="0" smtClean="0">
-                  <a:latin typeface="Times New Roman" panose="02020603050405020304" pitchFamily="18" charset="0"/>
-                  <a:cs typeface="Times New Roman" panose="02020603050405020304" pitchFamily="18" charset="0"/>
-                </a:endParaRPr>
-              </a:p>
-              <a:p>
-                <a:pPr marL="457200" indent="-457200">
-                  <a:buFont typeface="+mj-lt"/>
-                  <a:buAutoNum type="arabicParenR"/>
-                </a:pPr>
-                <a:r>
-                  <a:rPr lang="ru-RU" dirty="0">
-                    <a:latin typeface="Times New Roman" panose="02020603050405020304" pitchFamily="18" charset="0"/>
-                    <a:cs typeface="Times New Roman" panose="02020603050405020304" pitchFamily="18" charset="0"/>
-                  </a:rPr>
-                  <a:t>Начальная популяция </a:t>
-                </a:r>
-                <a:r>
-                  <a:rPr lang="en-US" b="0" i="0" smtClean="0">
-                    <a:latin typeface="Cambria Math" panose="02040503050406030204" pitchFamily="18" charset="0"/>
-                  </a:rPr>
-                  <a:t>𝑃={𝑆_1,</a:t>
-                </a:r>
-                <a:r>
-                  <a:rPr lang="en-US" i="0">
-                    <a:latin typeface="Cambria Math" panose="02040503050406030204" pitchFamily="18" charset="0"/>
-                  </a:rPr>
-                  <a:t>𝑆_</a:t>
-                </a:r>
-                <a:r>
-                  <a:rPr lang="en-US" b="0" i="0" smtClean="0">
-                    <a:latin typeface="Cambria Math" panose="02040503050406030204" pitchFamily="18" charset="0"/>
-                  </a:rPr>
-                  <a:t>2, …,</a:t>
-                </a:r>
-                <a:r>
-                  <a:rPr lang="en-US" i="0">
-                    <a:latin typeface="Cambria Math" panose="02040503050406030204" pitchFamily="18" charset="0"/>
-                  </a:rPr>
-                  <a:t>𝑆_</a:t>
-                </a:r>
-                <a:r>
-                  <a:rPr lang="en-US" b="0" i="0" smtClean="0">
-                    <a:latin typeface="Cambria Math" panose="02040503050406030204" pitchFamily="18" charset="0"/>
-                  </a:rPr>
-                  <a:t>𝑝 }</a:t>
-                </a:r>
-                <a:r>
-                  <a:rPr lang="en-US" dirty="0" smtClean="0">
-                    <a:latin typeface="Times New Roman" panose="02020603050405020304" pitchFamily="18" charset="0"/>
-                    <a:cs typeface="Times New Roman" panose="02020603050405020304" pitchFamily="18" charset="0"/>
-                  </a:rPr>
-                  <a:t> </a:t>
-                </a:r>
-                <a:r>
-                  <a:rPr lang="en-US" dirty="0" smtClean="0">
-                    <a:latin typeface="Times New Roman" panose="02020603050405020304" pitchFamily="18" charset="0"/>
-                    <a:cs typeface="Times New Roman" panose="02020603050405020304" pitchFamily="18" charset="0"/>
-                  </a:rPr>
-                  <a:t>- </a:t>
-                </a:r>
-                <a:r>
-                  <a:rPr lang="ru-RU" dirty="0" smtClean="0">
-                    <a:latin typeface="Times New Roman" panose="02020603050405020304" pitchFamily="18" charset="0"/>
-                    <a:cs typeface="Times New Roman" panose="02020603050405020304" pitchFamily="18" charset="0"/>
-                  </a:rPr>
-                  <a:t>набор </a:t>
-                </a:r>
-                <a:r>
-                  <a:rPr lang="ru-RU" dirty="0">
-                    <a:latin typeface="Times New Roman" panose="02020603050405020304" pitchFamily="18" charset="0"/>
-                    <a:cs typeface="Times New Roman" panose="02020603050405020304" pitchFamily="18" charset="0"/>
-                  </a:rPr>
-                  <a:t>допустимых решений исходной задачи</a:t>
-                </a:r>
-                <a:r>
-                  <a:rPr lang="ru-RU" dirty="0" smtClean="0">
-                    <a:latin typeface="Times New Roman" panose="02020603050405020304" pitchFamily="18" charset="0"/>
-                    <a:cs typeface="Times New Roman" panose="02020603050405020304" pitchFamily="18" charset="0"/>
-                  </a:rPr>
-                  <a:t>.</a:t>
-                </a:r>
-              </a:p>
-              <a:p>
-                <a:pPr marL="457200" indent="-457200">
-                  <a:buFont typeface="+mj-lt"/>
-                  <a:buAutoNum type="arabicParenR"/>
-                </a:pPr>
-                <a:r>
-                  <a:rPr lang="ru-RU" dirty="0">
-                    <a:latin typeface="Times New Roman" panose="02020603050405020304" pitchFamily="18" charset="0"/>
-                    <a:cs typeface="Times New Roman" panose="02020603050405020304" pitchFamily="18" charset="0"/>
-                  </a:rPr>
-                  <a:t>Шаг эволюции: выбираем из популяции два решения, скрещиваем их, применяем мутацию, локальную перестройку и добавляем в популяцию, затем наихудшее решение удаляем из популяции. </a:t>
-                </a:r>
-                <a:endParaRPr lang="ru-RU" dirty="0" smtClean="0">
-                  <a:latin typeface="Times New Roman" panose="02020603050405020304" pitchFamily="18" charset="0"/>
-                  <a:cs typeface="Times New Roman" panose="02020603050405020304" pitchFamily="18" charset="0"/>
-                </a:endParaRPr>
-              </a:p>
-              <a:p>
-                <a:pPr marL="0" marR="0" lvl="0" indent="0" algn="l" defTabSz="914400" rtl="0" eaLnBrk="1" fontAlgn="auto" latinLnBrk="0" hangingPunct="1">
-                  <a:lnSpc>
-                    <a:spcPct val="100000"/>
-                  </a:lnSpc>
-                  <a:spcBef>
-                    <a:spcPts val="0"/>
-                  </a:spcBef>
-                  <a:spcAft>
-                    <a:spcPts val="0"/>
-                  </a:spcAft>
-                  <a:buClrTx/>
-                  <a:buSzTx/>
-                  <a:buFontTx/>
-                  <a:buNone/>
-                  <a:tabLst/>
-                  <a:defRPr/>
-                </a:pPr>
-                <a:endParaRPr lang="ru-RU" dirty="0" smtClean="0"/>
-              </a:p>
-              <a:p>
-                <a:pPr marL="0" marR="0" lvl="0" indent="0" algn="l" defTabSz="914400" rtl="0" eaLnBrk="1" fontAlgn="auto" latinLnBrk="0" hangingPunct="1">
-                  <a:lnSpc>
-                    <a:spcPct val="100000"/>
-                  </a:lnSpc>
-                  <a:spcBef>
-                    <a:spcPts val="0"/>
-                  </a:spcBef>
-                  <a:spcAft>
-                    <a:spcPts val="0"/>
-                  </a:spcAft>
-                  <a:buClrTx/>
-                  <a:buSzTx/>
-                  <a:buFontTx/>
-                  <a:buNone/>
-                  <a:tabLst/>
-                  <a:defRPr/>
-                </a:pPr>
-                <a:r>
-                  <a:rPr lang="ru-RU" dirty="0" smtClean="0"/>
-                  <a:t>4.1</a:t>
-                </a:r>
-                <a:r>
-                  <a:rPr lang="ru-RU" dirty="0" smtClean="0"/>
-                  <a:t>.) Сценарий</a:t>
-                </a:r>
-                <a:r>
-                  <a:rPr lang="ru-RU" baseline="0" dirty="0" smtClean="0"/>
-                  <a:t> выбора родителей может быть разным.</a:t>
-                </a:r>
-                <a:r>
-                  <a:rPr lang="ru-RU" dirty="0" smtClean="0"/>
-                  <a:t> Например, два случайных родителя, одного</a:t>
-                </a:r>
-                <a:r>
-                  <a:rPr lang="ru-RU" baseline="0" dirty="0" smtClean="0"/>
-                  <a:t> с наилучшим показателем целевой функции, а второго любого</a:t>
-                </a:r>
-                <a:r>
-                  <a:rPr lang="en-US" baseline="0" dirty="0" smtClean="0"/>
-                  <a:t>, </a:t>
-                </a:r>
-                <a:r>
-                  <a:rPr lang="ru-RU" baseline="0" dirty="0" smtClean="0"/>
-                  <a:t>одного </a:t>
-                </a:r>
-                <a:r>
-                  <a:rPr lang="ru-RU" baseline="0" dirty="0" err="1" smtClean="0"/>
-                  <a:t>рандомного</a:t>
-                </a:r>
-                <a:r>
-                  <a:rPr lang="ru-RU" baseline="0" dirty="0" smtClean="0"/>
-                  <a:t>, а второго наихудшего</a:t>
-                </a:r>
-                <a:r>
-                  <a:rPr lang="en-US" baseline="0" dirty="0" smtClean="0"/>
-                  <a:t> </a:t>
-                </a:r>
-                <a:r>
-                  <a:rPr lang="ru-RU" baseline="0" dirty="0" smtClean="0"/>
-                  <a:t>или одного наилучшего а второго наихудшего. И эти способы можно чередовать</a:t>
-                </a:r>
-                <a:endParaRPr lang="ru-RU" dirty="0" smtClean="0"/>
-              </a:p>
-              <a:p>
-                <a:r>
-                  <a:rPr lang="ru-RU" dirty="0" smtClean="0"/>
-                  <a:t>4.4) Удаление решение тоже можно сделать по разному удалять худшего</a:t>
-                </a:r>
-                <a:r>
-                  <a:rPr lang="ru-RU" baseline="0" dirty="0" smtClean="0"/>
-                  <a:t> родителя или просто худшие решение</a:t>
-                </a:r>
-                <a:endParaRPr lang="ru-RU" dirty="0" smtClean="0"/>
-              </a:p>
-            </p:txBody>
-          </p:sp>
         </mc:Fallback>
       </mc:AlternateContent>
       <p:sp>
@@ -1561,140 +1417,6 @@
     <p:extLst>
       <p:ext uri="{BB962C8B-B14F-4D97-AF65-F5344CB8AC3E}">
         <p14:creationId xmlns:p14="http://schemas.microsoft.com/office/powerpoint/2010/main" val="1670539146"/>
-      </p:ext>
-    </p:extLst>
-  </p:cSld>
-  <p:clrMapOvr>
-    <a:masterClrMapping/>
-  </p:clrMapOvr>
-</p:notes>
-</file>
-
-<file path=ppt/notesSlides/notesSlide3.xml><?xml version="1.0" encoding="utf-8"?>
-<p:notes xmlns:a="http://schemas.openxmlformats.org/drawingml/2006/main" xmlns:r="http://schemas.openxmlformats.org/officeDocument/2006/relationships" xmlns:p="http://schemas.openxmlformats.org/presentationml/2006/main">
-  <p:cSld>
-    <p:spTree>
-      <p:nvGrpSpPr>
-        <p:cNvPr id="1" name=""/>
-        <p:cNvGrpSpPr/>
-        <p:nvPr/>
-      </p:nvGrpSpPr>
-      <p:grpSpPr>
-        <a:xfrm>
-          <a:off x="0" y="0"/>
-          <a:ext cx="0" cy="0"/>
-          <a:chOff x="0" y="0"/>
-          <a:chExt cx="0" cy="0"/>
-        </a:xfrm>
-      </p:grpSpPr>
-      <p:sp>
-        <p:nvSpPr>
-          <p:cNvPr id="2" name="Образ слайда 1"/>
-          <p:cNvSpPr>
-            <a:spLocks noGrp="1" noRot="1" noChangeAspect="1"/>
-          </p:cNvSpPr>
-          <p:nvPr>
-            <p:ph type="sldImg"/>
-          </p:nvPr>
-        </p:nvSpPr>
-        <p:spPr/>
-      </p:sp>
-      <p:sp>
-        <p:nvSpPr>
-          <p:cNvPr id="3" name="Заметки 2"/>
-          <p:cNvSpPr>
-            <a:spLocks noGrp="1"/>
-          </p:cNvSpPr>
-          <p:nvPr>
-            <p:ph type="body" idx="1"/>
-          </p:nvPr>
-        </p:nvSpPr>
-        <p:spPr/>
-        <p:txBody>
-          <a:bodyPr/>
-          <a:lstStyle/>
-          <a:p>
-            <a:r>
-              <a:rPr lang="ru-RU" dirty="0" smtClean="0"/>
-              <a:t>На вход</a:t>
-            </a:r>
-            <a:r>
-              <a:rPr lang="ru-RU" baseline="0" dirty="0" smtClean="0"/>
-              <a:t> этим </a:t>
-            </a:r>
-            <a:r>
-              <a:rPr lang="ru-RU" baseline="0" dirty="0" err="1" smtClean="0"/>
-              <a:t>кроссоверам</a:t>
-            </a:r>
-            <a:r>
-              <a:rPr lang="ru-RU" baseline="0" dirty="0" smtClean="0"/>
-              <a:t>  подается два решения. На выход получаем новое третье решение, полученное из первых двух. </a:t>
-            </a:r>
-            <a:r>
-              <a:rPr lang="ru-RU" dirty="0" smtClean="0"/>
-              <a:t>Остальные </a:t>
-            </a:r>
-            <a:r>
-              <a:rPr lang="ru-RU" dirty="0" err="1" smtClean="0"/>
-              <a:t>кроссоверы</a:t>
-            </a:r>
-            <a:r>
-              <a:rPr lang="ru-RU" baseline="0" dirty="0" smtClean="0"/>
-              <a:t> основываются на АЕХ.</a:t>
-            </a:r>
-          </a:p>
-          <a:p>
-            <a:r>
-              <a:rPr lang="ru-RU" baseline="0" dirty="0" smtClean="0"/>
-              <a:t> Оставшиеся два </a:t>
-            </a:r>
-            <a:r>
-              <a:rPr lang="ru-RU" baseline="0" dirty="0" err="1" smtClean="0"/>
-              <a:t>кроссовера</a:t>
-            </a:r>
-            <a:r>
-              <a:rPr lang="ru-RU" baseline="0" dirty="0" smtClean="0"/>
-              <a:t>, являются упрощенным вариантом </a:t>
-            </a:r>
-            <a:r>
-              <a:rPr lang="en-US" dirty="0" err="1" smtClean="0"/>
-              <a:t>HGreX</a:t>
-            </a:r>
-            <a:r>
-              <a:rPr lang="ru-RU" dirty="0" smtClean="0"/>
-              <a:t>. </a:t>
-            </a:r>
-            <a:endParaRPr lang="en-US" baseline="0" dirty="0" smtClean="0"/>
-          </a:p>
-        </p:txBody>
-      </p:sp>
-      <p:sp>
-        <p:nvSpPr>
-          <p:cNvPr id="4" name="Номер слайда 3"/>
-          <p:cNvSpPr>
-            <a:spLocks noGrp="1"/>
-          </p:cNvSpPr>
-          <p:nvPr>
-            <p:ph type="sldNum" sz="quarter" idx="10"/>
-          </p:nvPr>
-        </p:nvSpPr>
-        <p:spPr/>
-        <p:txBody>
-          <a:bodyPr/>
-          <a:lstStyle/>
-          <a:p>
-            <a:fld id="{E248CA70-3485-4D35-BDD2-BE9B93897E26}" type="slidenum">
-              <a:rPr lang="ru-RU" smtClean="0"/>
-              <a:t>6</a:t>
-            </a:fld>
-            <a:endParaRPr lang="ru-RU"/>
-          </a:p>
-        </p:txBody>
-      </p:sp>
-    </p:spTree>
-    <p:extLst>
-      <p:ext uri="{BB962C8B-B14F-4D97-AF65-F5344CB8AC3E}">
-        <p14:creationId xmlns:p14="http://schemas.microsoft.com/office/powerpoint/2010/main" val="553318749"/>
       </p:ext>
     </p:extLst>
   </p:cSld>
@@ -1748,6 +1470,140 @@
           <a:bodyPr/>
           <a:lstStyle/>
           <a:p>
+            <a:r>
+              <a:rPr lang="ru-RU" dirty="0" smtClean="0"/>
+              <a:t>На вход</a:t>
+            </a:r>
+            <a:r>
+              <a:rPr lang="ru-RU" baseline="0" dirty="0" smtClean="0"/>
+              <a:t> этим </a:t>
+            </a:r>
+            <a:r>
+              <a:rPr lang="ru-RU" baseline="0" dirty="0" err="1" smtClean="0"/>
+              <a:t>кроссоверам</a:t>
+            </a:r>
+            <a:r>
+              <a:rPr lang="ru-RU" baseline="0" dirty="0" smtClean="0"/>
+              <a:t>  подается два решения. На выход получаем новое третье решение, полученное из первых двух. </a:t>
+            </a:r>
+            <a:r>
+              <a:rPr lang="ru-RU" dirty="0" smtClean="0"/>
+              <a:t>Остальные </a:t>
+            </a:r>
+            <a:r>
+              <a:rPr lang="ru-RU" dirty="0" err="1" smtClean="0"/>
+              <a:t>кроссоверы</a:t>
+            </a:r>
+            <a:r>
+              <a:rPr lang="ru-RU" baseline="0" dirty="0" smtClean="0"/>
+              <a:t> основываются на АЕХ.</a:t>
+            </a:r>
+          </a:p>
+          <a:p>
+            <a:r>
+              <a:rPr lang="ru-RU" baseline="0" dirty="0" smtClean="0"/>
+              <a:t> Оставшиеся два </a:t>
+            </a:r>
+            <a:r>
+              <a:rPr lang="ru-RU" baseline="0" dirty="0" err="1" smtClean="0"/>
+              <a:t>кроссовера</a:t>
+            </a:r>
+            <a:r>
+              <a:rPr lang="ru-RU" baseline="0" dirty="0" smtClean="0"/>
+              <a:t>, являются упрощенным вариантом </a:t>
+            </a:r>
+            <a:r>
+              <a:rPr lang="en-US" dirty="0" err="1" smtClean="0"/>
+              <a:t>HGreX</a:t>
+            </a:r>
+            <a:r>
+              <a:rPr lang="ru-RU" dirty="0" smtClean="0"/>
+              <a:t>. </a:t>
+            </a:r>
+            <a:endParaRPr lang="en-US" baseline="0" dirty="0" smtClean="0"/>
+          </a:p>
+        </p:txBody>
+      </p:sp>
+      <p:sp>
+        <p:nvSpPr>
+          <p:cNvPr id="4" name="Номер слайда 3"/>
+          <p:cNvSpPr>
+            <a:spLocks noGrp="1"/>
+          </p:cNvSpPr>
+          <p:nvPr>
+            <p:ph type="sldNum" sz="quarter" idx="10"/>
+          </p:nvPr>
+        </p:nvSpPr>
+        <p:spPr/>
+        <p:txBody>
+          <a:bodyPr/>
+          <a:lstStyle/>
+          <a:p>
+            <a:fld id="{E248CA70-3485-4D35-BDD2-BE9B93897E26}" type="slidenum">
+              <a:rPr lang="ru-RU" smtClean="0"/>
+              <a:t>6</a:t>
+            </a:fld>
+            <a:endParaRPr lang="ru-RU"/>
+          </a:p>
+        </p:txBody>
+      </p:sp>
+    </p:spTree>
+    <p:extLst>
+      <p:ext uri="{BB962C8B-B14F-4D97-AF65-F5344CB8AC3E}">
+        <p14:creationId xmlns:p14="http://schemas.microsoft.com/office/powerpoint/2010/main" val="553318749"/>
+      </p:ext>
+    </p:extLst>
+  </p:cSld>
+  <p:clrMapOvr>
+    <a:masterClrMapping/>
+  </p:clrMapOvr>
+</p:notes>
+</file>
+
+<file path=ppt/notesSlides/notesSlide5.xml><?xml version="1.0" encoding="utf-8"?>
+<p:notes xmlns:a="http://schemas.openxmlformats.org/drawingml/2006/main" xmlns:r="http://schemas.openxmlformats.org/officeDocument/2006/relationships" xmlns:p="http://schemas.openxmlformats.org/presentationml/2006/main">
+  <p:cSld>
+    <p:spTree>
+      <p:nvGrpSpPr>
+        <p:cNvPr id="1" name=""/>
+        <p:cNvGrpSpPr/>
+        <p:nvPr/>
+      </p:nvGrpSpPr>
+      <p:grpSpPr>
+        <a:xfrm>
+          <a:off x="0" y="0"/>
+          <a:ext cx="0" cy="0"/>
+          <a:chOff x="0" y="0"/>
+          <a:chExt cx="0" cy="0"/>
+        </a:xfrm>
+      </p:grpSpPr>
+      <p:sp>
+        <p:nvSpPr>
+          <p:cNvPr id="2" name="Образ слайда 1"/>
+          <p:cNvSpPr>
+            <a:spLocks noGrp="1" noRot="1" noChangeAspect="1"/>
+          </p:cNvSpPr>
+          <p:nvPr>
+            <p:ph type="sldImg"/>
+          </p:nvPr>
+        </p:nvSpPr>
+        <p:spPr/>
+      </p:sp>
+      <p:sp>
+        <p:nvSpPr>
+          <p:cNvPr id="3" name="Заметки 2"/>
+          <p:cNvSpPr>
+            <a:spLocks noGrp="1"/>
+          </p:cNvSpPr>
+          <p:nvPr>
+            <p:ph type="body" idx="1"/>
+          </p:nvPr>
+        </p:nvSpPr>
+        <p:spPr/>
+        <p:txBody>
+          <a:bodyPr/>
+          <a:lstStyle/>
+          <a:p>
             <a:endParaRPr lang="ru-RU" dirty="0"/>
           </a:p>
         </p:txBody>
@@ -1788,7 +1644,212 @@
 </p:notes>
 </file>
 
-<file path=ppt/notesSlides/notesSlide5.xml><?xml version="1.0" encoding="utf-8"?>
+<file path=ppt/notesSlides/notesSlide6.xml><?xml version="1.0" encoding="utf-8"?>
+<p:notes xmlns:a="http://schemas.openxmlformats.org/drawingml/2006/main" xmlns:r="http://schemas.openxmlformats.org/officeDocument/2006/relationships" xmlns:p="http://schemas.openxmlformats.org/presentationml/2006/main">
+  <p:cSld>
+    <p:spTree>
+      <p:nvGrpSpPr>
+        <p:cNvPr id="1" name=""/>
+        <p:cNvGrpSpPr/>
+        <p:nvPr/>
+      </p:nvGrpSpPr>
+      <p:grpSpPr>
+        <a:xfrm>
+          <a:off x="0" y="0"/>
+          <a:ext cx="0" cy="0"/>
+          <a:chOff x="0" y="0"/>
+          <a:chExt cx="0" cy="0"/>
+        </a:xfrm>
+      </p:grpSpPr>
+      <p:sp>
+        <p:nvSpPr>
+          <p:cNvPr id="2" name="Образ слайда 1"/>
+          <p:cNvSpPr>
+            <a:spLocks noGrp="1" noRot="1" noChangeAspect="1"/>
+          </p:cNvSpPr>
+          <p:nvPr>
+            <p:ph type="sldImg"/>
+          </p:nvPr>
+        </p:nvSpPr>
+        <p:spPr/>
+      </p:sp>
+      <p:sp>
+        <p:nvSpPr>
+          <p:cNvPr id="3" name="Заметки 2"/>
+          <p:cNvSpPr>
+            <a:spLocks noGrp="1"/>
+          </p:cNvSpPr>
+          <p:nvPr>
+            <p:ph type="body" idx="1"/>
+          </p:nvPr>
+        </p:nvSpPr>
+        <p:spPr/>
+        <p:txBody>
+          <a:bodyPr/>
+          <a:lstStyle/>
+          <a:p>
+            <a:r>
+              <a:rPr lang="en-US" dirty="0" smtClean="0"/>
+              <a:t>2) </a:t>
+            </a:r>
+            <a:r>
+              <a:rPr lang="ru-RU" dirty="0" smtClean="0"/>
+              <a:t>Берем</a:t>
+            </a:r>
+            <a:r>
+              <a:rPr lang="ru-RU" baseline="0" dirty="0" smtClean="0"/>
+              <a:t> два маршрута и разрываем их а  потом склеиваем их но по другому</a:t>
+            </a:r>
+          </a:p>
+          <a:p>
+            <a:endParaRPr lang="ru-RU" baseline="0" dirty="0" smtClean="0"/>
+          </a:p>
+          <a:p>
+            <a:r>
+              <a:rPr lang="ru-RU" dirty="0" smtClean="0"/>
+              <a:t>меняет местами продолжение двух маршрутов, начиная со случайных объектов</a:t>
+            </a:r>
+            <a:r>
+              <a:rPr lang="en-US" dirty="0" smtClean="0"/>
+              <a:t>. </a:t>
+            </a:r>
+            <a:endParaRPr lang="ru-RU" dirty="0"/>
+          </a:p>
+        </p:txBody>
+      </p:sp>
+      <p:sp>
+        <p:nvSpPr>
+          <p:cNvPr id="4" name="Номер слайда 3"/>
+          <p:cNvSpPr>
+            <a:spLocks noGrp="1"/>
+          </p:cNvSpPr>
+          <p:nvPr>
+            <p:ph type="sldNum" sz="quarter" idx="10"/>
+          </p:nvPr>
+        </p:nvSpPr>
+        <p:spPr/>
+        <p:txBody>
+          <a:bodyPr/>
+          <a:lstStyle/>
+          <a:p>
+            <a:fld id="{E248CA70-3485-4D35-BDD2-BE9B93897E26}" type="slidenum">
+              <a:rPr lang="ru-RU" smtClean="0"/>
+              <a:t>9</a:t>
+            </a:fld>
+            <a:endParaRPr lang="ru-RU"/>
+          </a:p>
+        </p:txBody>
+      </p:sp>
+    </p:spTree>
+    <p:extLst>
+      <p:ext uri="{BB962C8B-B14F-4D97-AF65-F5344CB8AC3E}">
+        <p14:creationId xmlns:p14="http://schemas.microsoft.com/office/powerpoint/2010/main" val="1704084219"/>
+      </p:ext>
+    </p:extLst>
+  </p:cSld>
+  <p:clrMapOvr>
+    <a:masterClrMapping/>
+  </p:clrMapOvr>
+</p:notes>
+</file>
+
+<file path=ppt/notesSlides/notesSlide7.xml><?xml version="1.0" encoding="utf-8"?>
+<p:notes xmlns:a="http://schemas.openxmlformats.org/drawingml/2006/main" xmlns:r="http://schemas.openxmlformats.org/officeDocument/2006/relationships" xmlns:p="http://schemas.openxmlformats.org/presentationml/2006/main">
+  <p:cSld>
+    <p:spTree>
+      <p:nvGrpSpPr>
+        <p:cNvPr id="1" name=""/>
+        <p:cNvGrpSpPr/>
+        <p:nvPr/>
+      </p:nvGrpSpPr>
+      <p:grpSpPr>
+        <a:xfrm>
+          <a:off x="0" y="0"/>
+          <a:ext cx="0" cy="0"/>
+          <a:chOff x="0" y="0"/>
+          <a:chExt cx="0" cy="0"/>
+        </a:xfrm>
+      </p:grpSpPr>
+      <p:sp>
+        <p:nvSpPr>
+          <p:cNvPr id="2" name="Образ слайда 1"/>
+          <p:cNvSpPr>
+            <a:spLocks noGrp="1" noRot="1" noChangeAspect="1"/>
+          </p:cNvSpPr>
+          <p:nvPr>
+            <p:ph type="sldImg"/>
+          </p:nvPr>
+        </p:nvSpPr>
+        <p:spPr/>
+      </p:sp>
+      <p:sp>
+        <p:nvSpPr>
+          <p:cNvPr id="3" name="Заметки 2"/>
+          <p:cNvSpPr>
+            <a:spLocks noGrp="1"/>
+          </p:cNvSpPr>
+          <p:nvPr>
+            <p:ph type="body" idx="1"/>
+          </p:nvPr>
+        </p:nvSpPr>
+        <p:spPr/>
+        <p:txBody>
+          <a:bodyPr/>
+          <a:lstStyle/>
+          <a:p>
+            <a:r>
+              <a:rPr lang="ru-RU" dirty="0" smtClean="0"/>
+              <a:t>50 – объектов не</a:t>
+            </a:r>
+            <a:r>
+              <a:rPr lang="ru-RU" baseline="0" dirty="0" smtClean="0"/>
+              <a:t> </a:t>
+            </a:r>
+            <a:r>
+              <a:rPr lang="ru-RU" baseline="0" dirty="0" err="1" smtClean="0"/>
+              <a:t>дорешал</a:t>
+            </a:r>
+            <a:endParaRPr lang="ru-RU" dirty="0"/>
+          </a:p>
+        </p:txBody>
+      </p:sp>
+      <p:sp>
+        <p:nvSpPr>
+          <p:cNvPr id="4" name="Номер слайда 3"/>
+          <p:cNvSpPr>
+            <a:spLocks noGrp="1"/>
+          </p:cNvSpPr>
+          <p:nvPr>
+            <p:ph type="sldNum" sz="quarter" idx="10"/>
+          </p:nvPr>
+        </p:nvSpPr>
+        <p:spPr/>
+        <p:txBody>
+          <a:bodyPr/>
+          <a:lstStyle/>
+          <a:p>
+            <a:fld id="{E248CA70-3485-4D35-BDD2-BE9B93897E26}" type="slidenum">
+              <a:rPr lang="ru-RU" smtClean="0"/>
+              <a:t>10</a:t>
+            </a:fld>
+            <a:endParaRPr lang="ru-RU"/>
+          </a:p>
+        </p:txBody>
+      </p:sp>
+    </p:spTree>
+    <p:extLst>
+      <p:ext uri="{BB962C8B-B14F-4D97-AF65-F5344CB8AC3E}">
+        <p14:creationId xmlns:p14="http://schemas.microsoft.com/office/powerpoint/2010/main" val="1023082172"/>
+      </p:ext>
+    </p:extLst>
+  </p:cSld>
+  <p:clrMapOvr>
+    <a:masterClrMapping/>
+  </p:clrMapOvr>
+</p:notes>
+</file>
+
+<file path=ppt/notesSlides/notesSlide8.xml><?xml version="1.0" encoding="utf-8"?>
 <p:notes xmlns:a="http://schemas.openxmlformats.org/drawingml/2006/main" xmlns:r="http://schemas.openxmlformats.org/officeDocument/2006/relationships" xmlns:p="http://schemas.openxmlformats.org/presentationml/2006/main">
   <p:cSld>
     <p:spTree>
@@ -2011,7 +2072,7 @@
           <a:p>
             <a:fld id="{F9CC9E3F-DD9F-46B3-BA2B-82CCB0AB45D8}" type="datetime1">
               <a:rPr lang="ru-RU" smtClean="0"/>
-              <a:t>08/04/2020</a:t>
+              <a:t>11/04/2020</a:t>
             </a:fld>
             <a:endParaRPr lang="ru-RU"/>
           </a:p>
@@ -2181,7 +2242,7 @@
           <a:p>
             <a:fld id="{381955DC-8BDE-43A9-8606-2B798AFC22DA}" type="datetime1">
               <a:rPr lang="ru-RU" smtClean="0"/>
-              <a:t>08/04/2020</a:t>
+              <a:t>11/04/2020</a:t>
             </a:fld>
             <a:endParaRPr lang="ru-RU"/>
           </a:p>
@@ -2361,7 +2422,7 @@
           <a:p>
             <a:fld id="{19C577BF-68FF-4817-871A-5FAB63D65E6E}" type="datetime1">
               <a:rPr lang="ru-RU" smtClean="0"/>
-              <a:t>08/04/2020</a:t>
+              <a:t>11/04/2020</a:t>
             </a:fld>
             <a:endParaRPr lang="ru-RU"/>
           </a:p>
@@ -2531,7 +2592,7 @@
           <a:p>
             <a:fld id="{3A606278-A98A-4E8F-B825-8DD968401051}" type="datetime1">
               <a:rPr lang="ru-RU" smtClean="0"/>
-              <a:t>08/04/2020</a:t>
+              <a:t>11/04/2020</a:t>
             </a:fld>
             <a:endParaRPr lang="ru-RU"/>
           </a:p>
@@ -2777,7 +2838,7 @@
           <a:p>
             <a:fld id="{32187602-E65D-4461-AD47-ACF81819BB9A}" type="datetime1">
               <a:rPr lang="ru-RU" smtClean="0"/>
-              <a:t>08/04/2020</a:t>
+              <a:t>11/04/2020</a:t>
             </a:fld>
             <a:endParaRPr lang="ru-RU"/>
           </a:p>
@@ -3009,7 +3070,7 @@
           <a:p>
             <a:fld id="{BC2802B6-2672-4DB5-A19C-63F7E463C685}" type="datetime1">
               <a:rPr lang="ru-RU" smtClean="0"/>
-              <a:t>08/04/2020</a:t>
+              <a:t>11/04/2020</a:t>
             </a:fld>
             <a:endParaRPr lang="ru-RU"/>
           </a:p>
@@ -3376,7 +3437,7 @@
           <a:p>
             <a:fld id="{5F894B04-852D-4FA4-9DBB-0E4D3B1D8C25}" type="datetime1">
               <a:rPr lang="ru-RU" smtClean="0"/>
-              <a:t>08/04/2020</a:t>
+              <a:t>11/04/2020</a:t>
             </a:fld>
             <a:endParaRPr lang="ru-RU"/>
           </a:p>
@@ -3494,7 +3555,7 @@
           <a:p>
             <a:fld id="{C73CEC1E-ED97-424B-A00A-82668925A04A}" type="datetime1">
               <a:rPr lang="ru-RU" smtClean="0"/>
-              <a:t>08/04/2020</a:t>
+              <a:t>11/04/2020</a:t>
             </a:fld>
             <a:endParaRPr lang="ru-RU"/>
           </a:p>
@@ -3589,7 +3650,7 @@
           <a:p>
             <a:fld id="{305FB56C-CE87-4542-9CAF-F110C3D8BB23}" type="datetime1">
               <a:rPr lang="ru-RU" smtClean="0"/>
-              <a:t>08/04/2020</a:t>
+              <a:t>11/04/2020</a:t>
             </a:fld>
             <a:endParaRPr lang="ru-RU"/>
           </a:p>
@@ -3866,7 +3927,7 @@
           <a:p>
             <a:fld id="{E8526DC7-5238-458A-9F3B-12AEE5076CBE}" type="datetime1">
               <a:rPr lang="ru-RU" smtClean="0"/>
-              <a:t>08/04/2020</a:t>
+              <a:t>11/04/2020</a:t>
             </a:fld>
             <a:endParaRPr lang="ru-RU"/>
           </a:p>
@@ -4119,7 +4180,7 @@
           <a:p>
             <a:fld id="{77CA1DD9-FED3-41BB-B05E-B7ABE45C97C0}" type="datetime1">
               <a:rPr lang="ru-RU" smtClean="0"/>
-              <a:t>08/04/2020</a:t>
+              <a:t>11/04/2020</a:t>
             </a:fld>
             <a:endParaRPr lang="ru-RU"/>
           </a:p>
@@ -4332,7 +4393,7 @@
           <a:p>
             <a:fld id="{A02FE817-CB1E-478C-9DF4-A675946A3299}" type="datetime1">
               <a:rPr lang="ru-RU" smtClean="0"/>
-              <a:t>08/04/2020</a:t>
+              <a:t>11/04/2020</a:t>
             </a:fld>
             <a:endParaRPr lang="ru-RU"/>
           </a:p>
@@ -4863,7 +4924,7 @@
         </p:nvSpPr>
         <p:spPr>
           <a:xfrm>
-            <a:off x="1295394" y="610343"/>
+            <a:off x="1295394" y="321411"/>
             <a:ext cx="9601196" cy="1303867"/>
           </a:xfrm>
         </p:spPr>
@@ -4895,14 +4956,14 @@
             <p:ph idx="1"/>
             <p:extLst>
               <p:ext uri="{D42A27DB-BD31-4B8C-83A1-F6EECF244321}">
-                <p14:modId xmlns:p14="http://schemas.microsoft.com/office/powerpoint/2010/main" val="2919229484"/>
+                <p14:modId xmlns:p14="http://schemas.microsoft.com/office/powerpoint/2010/main" val="1027421018"/>
               </p:ext>
             </p:extLst>
           </p:nvPr>
         </p:nvGraphicFramePr>
         <p:xfrm>
-          <a:off x="1295394" y="1520805"/>
-          <a:ext cx="10058406" cy="4731072"/>
+          <a:off x="1295394" y="1625278"/>
+          <a:ext cx="10058407" cy="3869538"/>
         </p:xfrm>
         <a:graphic>
           <a:graphicData uri="http://schemas.openxmlformats.org/drawingml/2006/table">
@@ -4911,45 +4972,38 @@
                 <a:tableStyleId>{5C22544A-7EE6-4342-B048-85BDC9FD1C3A}</a:tableStyleId>
               </a:tblPr>
               <a:tblGrid>
-                <a:gridCol w="1806455">
+                <a:gridCol w="1586702">
                   <a:extLst>
                     <a:ext uri="{9D8B030D-6E8A-4147-A177-3AD203B41FA5}">
                       <a16:colId xmlns:a16="http://schemas.microsoft.com/office/drawing/2014/main" val="2304300751"/>
                     </a:ext>
                   </a:extLst>
                 </a:gridCol>
-                <a:gridCol w="1546343">
+                <a:gridCol w="2436656">
                   <a:extLst>
                     <a:ext uri="{9D8B030D-6E8A-4147-A177-3AD203B41FA5}">
                       <a16:colId xmlns:a16="http://schemas.microsoft.com/office/drawing/2014/main" val="26178623"/>
                     </a:ext>
                   </a:extLst>
                 </a:gridCol>
-                <a:gridCol w="1676402">
+                <a:gridCol w="2011683">
                   <a:extLst>
                     <a:ext uri="{9D8B030D-6E8A-4147-A177-3AD203B41FA5}">
                       <a16:colId xmlns:a16="http://schemas.microsoft.com/office/drawing/2014/main" val="2746898810"/>
                     </a:ext>
                   </a:extLst>
                 </a:gridCol>
-                <a:gridCol w="1676402">
+                <a:gridCol w="2011683">
                   <a:extLst>
                     <a:ext uri="{9D8B030D-6E8A-4147-A177-3AD203B41FA5}">
                       <a16:colId xmlns:a16="http://schemas.microsoft.com/office/drawing/2014/main" val="4047793946"/>
                     </a:ext>
                   </a:extLst>
                 </a:gridCol>
-                <a:gridCol w="1676402">
+                <a:gridCol w="2011683">
                   <a:extLst>
                     <a:ext uri="{9D8B030D-6E8A-4147-A177-3AD203B41FA5}">
                       <a16:colId xmlns:a16="http://schemas.microsoft.com/office/drawing/2014/main" val="948101119"/>
-                    </a:ext>
-                  </a:extLst>
-                </a:gridCol>
-                <a:gridCol w="1676402">
-                  <a:extLst>
-                    <a:ext uri="{9D8B030D-6E8A-4147-A177-3AD203B41FA5}">
-                      <a16:colId xmlns:a16="http://schemas.microsoft.com/office/drawing/2014/main" val="4276960178"/>
                     </a:ext>
                   </a:extLst>
                 </a:gridCol>
@@ -4962,7 +5016,7 @@
                     <a:p>
                       <a:r>
                         <a:rPr lang="ru-RU" dirty="0" smtClean="0"/>
-                        <a:t>         </a:t>
+                        <a:t>                   </a:t>
                       </a:r>
                       <a:r>
                         <a:rPr lang="en-US" dirty="0" smtClean="0"/>
@@ -5037,19 +5091,8 @@
                           <a:latin typeface="Times New Roman" panose="02020603050405020304" pitchFamily="18" charset="0"/>
                           <a:cs typeface="Times New Roman" panose="02020603050405020304" pitchFamily="18" charset="0"/>
                         </a:rPr>
-                        <a:t> </a:t>
+                        <a:t> объект</a:t>
                       </a:r>
-                      <a:r>
-                        <a:rPr lang="ru-RU" sz="1600" baseline="0" dirty="0" smtClean="0">
-                          <a:latin typeface="Times New Roman" panose="02020603050405020304" pitchFamily="18" charset="0"/>
-                          <a:cs typeface="Times New Roman" panose="02020603050405020304" pitchFamily="18" charset="0"/>
-                        </a:rPr>
-                        <a:t>объект</a:t>
-                      </a:r>
-                      <a:endParaRPr lang="ru-RU" sz="1600" baseline="0" dirty="0" smtClean="0">
-                        <a:latin typeface="Times New Roman" panose="02020603050405020304" pitchFamily="18" charset="0"/>
-                        <a:cs typeface="Times New Roman" panose="02020603050405020304" pitchFamily="18" charset="0"/>
-                      </a:endParaRPr>
                     </a:p>
                     <a:p>
                       <a:pPr algn="ctr"/>
@@ -5075,11 +5118,18 @@
                     <a:p>
                       <a:pPr algn="ctr"/>
                       <a:r>
+                        <a:rPr lang="en-US" sz="1600" dirty="0" smtClean="0">
+                          <a:latin typeface="Times New Roman" panose="02020603050405020304" pitchFamily="18" charset="0"/>
+                          <a:cs typeface="Times New Roman" panose="02020603050405020304" pitchFamily="18" charset="0"/>
+                        </a:rPr>
+                        <a:t>15</a:t>
+                      </a:r>
+                      <a:r>
                         <a:rPr lang="ru-RU" sz="1600" dirty="0" smtClean="0">
                           <a:latin typeface="Times New Roman" panose="02020603050405020304" pitchFamily="18" charset="0"/>
                           <a:cs typeface="Times New Roman" panose="02020603050405020304" pitchFamily="18" charset="0"/>
                         </a:rPr>
-                        <a:t>25 </a:t>
+                        <a:t> </a:t>
                       </a:r>
                       <a:r>
                         <a:rPr lang="ru-RU" sz="1600" baseline="0" dirty="0" smtClean="0">
@@ -5121,7 +5171,7 @@
                           <a:latin typeface="Times New Roman" panose="02020603050405020304" pitchFamily="18" charset="0"/>
                           <a:cs typeface="Times New Roman" panose="02020603050405020304" pitchFamily="18" charset="0"/>
                         </a:rPr>
-                        <a:t>50 </a:t>
+                        <a:t>45 </a:t>
                       </a:r>
                       <a:r>
                         <a:rPr lang="ru-RU" sz="1600" baseline="0" dirty="0" smtClean="0">
@@ -5166,55 +5216,6 @@
                   </a:txBody>
                   <a:tcPr/>
                 </a:tc>
-                <a:tc>
-                  <a:txBody>
-                    <a:bodyPr/>
-                    <a:lstStyle/>
-                    <a:p>
-                      <a:pPr algn="ctr"/>
-                      <a:r>
-                        <a:rPr lang="ru-RU" sz="1600" dirty="0" smtClean="0">
-                          <a:latin typeface="Times New Roman" panose="02020603050405020304" pitchFamily="18" charset="0"/>
-                          <a:cs typeface="Times New Roman" panose="02020603050405020304" pitchFamily="18" charset="0"/>
-                        </a:rPr>
-                        <a:t>150 </a:t>
-                      </a:r>
-                      <a:r>
-                        <a:rPr lang="ru-RU" sz="1600" baseline="0" dirty="0" smtClean="0">
-                          <a:latin typeface="Times New Roman" panose="02020603050405020304" pitchFamily="18" charset="0"/>
-                          <a:cs typeface="Times New Roman" panose="02020603050405020304" pitchFamily="18" charset="0"/>
-                        </a:rPr>
-                        <a:t>объект</a:t>
-                      </a:r>
-                      <a:endParaRPr lang="ru-RU" sz="1600" dirty="0" smtClean="0">
-                        <a:latin typeface="Times New Roman" panose="02020603050405020304" pitchFamily="18" charset="0"/>
-                        <a:cs typeface="Times New Roman" panose="02020603050405020304" pitchFamily="18" charset="0"/>
-                      </a:endParaRPr>
-                    </a:p>
-                    <a:p>
-                      <a:pPr algn="ctr"/>
-                      <a:r>
-                        <a:rPr lang="en-US" sz="1600" dirty="0" smtClean="0">
-                          <a:latin typeface="Times New Roman" panose="02020603050405020304" pitchFamily="18" charset="0"/>
-                          <a:cs typeface="Times New Roman" panose="02020603050405020304" pitchFamily="18" charset="0"/>
-                        </a:rPr>
-                        <a:t>12 </a:t>
-                      </a:r>
-                      <a:r>
-                        <a:rPr lang="ru-RU" sz="1600" dirty="0" smtClean="0">
-                          <a:latin typeface="Times New Roman" panose="02020603050405020304" pitchFamily="18" charset="0"/>
-                          <a:cs typeface="Times New Roman" panose="02020603050405020304" pitchFamily="18" charset="0"/>
-                        </a:rPr>
-                        <a:t>машин</a:t>
-                      </a:r>
-                      <a:endParaRPr lang="ru-RU" sz="1600" dirty="0">
-                        <a:latin typeface="Times New Roman" panose="02020603050405020304" pitchFamily="18" charset="0"/>
-                        <a:cs typeface="Times New Roman" panose="02020603050405020304" pitchFamily="18" charset="0"/>
-                      </a:endParaRPr>
-                    </a:p>
-                  </a:txBody>
-                  <a:tcPr/>
-                </a:tc>
                 <a:extLst>
                   <a:ext uri="{0D108BD9-81ED-4DB2-BD59-A6C34878D82A}">
                     <a16:rowId xmlns:a16="http://schemas.microsoft.com/office/drawing/2014/main" val="2589612196"/>
@@ -5227,6 +5228,15 @@
                     <a:bodyPr/>
                     <a:lstStyle/>
                     <a:p>
+                      <a:pPr algn="ctr"/>
+                      <a:endParaRPr lang="ru-RU" dirty="0" smtClean="0"/>
+                    </a:p>
+                    <a:p>
+                      <a:pPr algn="ctr"/>
+                      <a:endParaRPr lang="ru-RU" dirty="0" smtClean="0"/>
+                    </a:p>
+                    <a:p>
+                      <a:pPr algn="ctr"/>
                       <a:r>
                         <a:rPr lang="en-US" dirty="0" err="1" smtClean="0"/>
                         <a:t>Gurobi</a:t>
@@ -5285,18 +5295,8 @@
                     <a:p>
                       <a:r>
                         <a:rPr lang="ru-RU" dirty="0" smtClean="0"/>
-                        <a:t>1908</a:t>
+                        <a:t>247</a:t>
                       </a:r>
-                      <a:endParaRPr lang="ru-RU" dirty="0"/>
-                    </a:p>
-                  </a:txBody>
-                  <a:tcPr/>
-                </a:tc>
-                <a:tc>
-                  <a:txBody>
-                    <a:bodyPr/>
-                    <a:lstStyle/>
-                    <a:p>
                       <a:endParaRPr lang="ru-RU" dirty="0"/>
                     </a:p>
                   </a:txBody>
@@ -5349,24 +5349,12 @@
                     <a:lstStyle/>
                     <a:p>
                       <a:r>
-                        <a:rPr lang="ru-RU" dirty="0" smtClean="0"/>
-                        <a:t>1</a:t>
+                        <a:rPr lang="en-US" dirty="0" smtClean="0"/>
+                        <a:t>79 </a:t>
                       </a:r>
                       <a:r>
                         <a:rPr lang="en-US" dirty="0" smtClean="0"/>
-                        <a:t>2</a:t>
-                      </a:r>
-                      <a:r>
-                        <a:rPr lang="ru-RU" dirty="0" smtClean="0"/>
-                        <a:t>0</a:t>
-                      </a:r>
-                      <a:r>
-                        <a:rPr lang="en-US" dirty="0" smtClean="0"/>
-                        <a:t> </a:t>
-                      </a:r>
-                      <a:r>
-                        <a:rPr lang="ru-RU" dirty="0" smtClean="0"/>
-                        <a:t>сек</a:t>
+                        <a:t>seconds</a:t>
                       </a:r>
                       <a:endParaRPr lang="ru-RU" dirty="0"/>
                     </a:p>
@@ -5379,19 +5367,17 @@
                     <a:lstStyle/>
                     <a:p>
                       <a:r>
+                        <a:rPr lang="en-US" dirty="0" smtClean="0"/>
+                        <a:t>1547</a:t>
+                      </a:r>
+                      <a:r>
                         <a:rPr lang="ru-RU" dirty="0" smtClean="0"/>
-                        <a:t>370 сек</a:t>
+                        <a:t> </a:t>
                       </a:r>
-                      <a:endParaRPr lang="ru-RU" dirty="0"/>
-                    </a:p>
-                  </a:txBody>
-                  <a:tcPr/>
-                </a:tc>
-                <a:tc>
-                  <a:txBody>
-                    <a:bodyPr/>
-                    <a:lstStyle/>
-                    <a:p>
+                      <a:r>
+                        <a:rPr lang="en-US" dirty="0" smtClean="0"/>
+                        <a:t>seconds</a:t>
+                      </a:r>
                       <a:endParaRPr lang="ru-RU" dirty="0"/>
                     </a:p>
                   </a:txBody>
@@ -5409,6 +5395,19 @@
                     <a:bodyPr/>
                     <a:lstStyle/>
                     <a:p>
+                      <a:pPr algn="ctr"/>
+                      <a:endParaRPr lang="ru-RU" dirty="0" smtClean="0"/>
+                    </a:p>
+                    <a:p>
+                      <a:pPr algn="ctr"/>
+                      <a:endParaRPr lang="ru-RU" dirty="0" smtClean="0"/>
+                    </a:p>
+                    <a:p>
+                      <a:pPr algn="ctr"/>
+                      <a:endParaRPr lang="ru-RU" dirty="0" smtClean="0"/>
+                    </a:p>
+                    <a:p>
+                      <a:pPr algn="ctr"/>
                       <a:r>
                         <a:rPr lang="ru-RU" dirty="0" smtClean="0"/>
                         <a:t>Генетический алгоритм</a:t>
@@ -5439,7 +5438,7 @@
                     <a:p>
                       <a:r>
                         <a:rPr lang="ru-RU" dirty="0" smtClean="0"/>
-                        <a:t>1031</a:t>
+                        <a:t>393</a:t>
                       </a:r>
                       <a:endParaRPr lang="ru-RU" dirty="0"/>
                     </a:p>
@@ -5453,7 +5452,7 @@
                     <a:p>
                       <a:r>
                         <a:rPr lang="en-US" dirty="0" smtClean="0"/>
-                        <a:t>62402.495577486574</a:t>
+                        <a:t>4592</a:t>
                       </a:r>
                       <a:endParaRPr lang="ru-RU" dirty="0"/>
                     </a:p>
@@ -5466,19 +5465,9 @@
                     <a:lstStyle/>
                     <a:p>
                       <a:r>
-                        <a:rPr lang="ru-RU" dirty="0" smtClean="0"/>
-                        <a:t>616018.0064507627</a:t>
+                        <a:rPr lang="en-US" dirty="0" smtClean="0"/>
+                        <a:t>81006.15</a:t>
                       </a:r>
-                      <a:endParaRPr lang="ru-RU" dirty="0"/>
-                    </a:p>
-                  </a:txBody>
-                  <a:tcPr/>
-                </a:tc>
-                <a:tc>
-                  <a:txBody>
-                    <a:bodyPr/>
-                    <a:lstStyle/>
-                    <a:p>
                       <a:endParaRPr lang="ru-RU" dirty="0"/>
                     </a:p>
                   </a:txBody>
@@ -5541,11 +5530,15 @@
                     <a:p>
                       <a:r>
                         <a:rPr lang="en-US" baseline="0" dirty="0" smtClean="0"/>
-                        <a:t>~ 0.6</a:t>
+                        <a:t>~ </a:t>
                       </a:r>
                       <a:r>
                         <a:rPr lang="ru-RU" baseline="0" dirty="0" smtClean="0"/>
-                        <a:t>сек</a:t>
+                        <a:t>1.8</a:t>
+                      </a:r>
+                      <a:r>
+                        <a:rPr lang="en-US" baseline="0" dirty="0" smtClean="0"/>
+                        <a:t> seconds</a:t>
                       </a:r>
                       <a:endParaRPr lang="ru-RU" dirty="0"/>
                     </a:p>
@@ -5559,7 +5552,11 @@
                     <a:p>
                       <a:r>
                         <a:rPr lang="en-US" dirty="0" smtClean="0"/>
-                        <a:t>2271.709816455841 seconds</a:t>
+                        <a:t>75,54 </a:t>
+                      </a:r>
+                      <a:r>
+                        <a:rPr lang="en-US" dirty="0" smtClean="0"/>
+                        <a:t>seconds</a:t>
                       </a:r>
                       <a:endParaRPr lang="ru-RU" dirty="0"/>
                     </a:p>
@@ -5573,18 +5570,12 @@
                     <a:p>
                       <a:r>
                         <a:rPr lang="en-US" dirty="0" smtClean="0"/>
-                        <a:t>14582.458428144455 seconds</a:t>
+                        <a:t>8.5 </a:t>
                       </a:r>
-                      <a:endParaRPr lang="ru-RU" dirty="0"/>
-                    </a:p>
-                  </a:txBody>
-                  <a:tcPr/>
-                </a:tc>
-                <a:tc>
-                  <a:txBody>
-                    <a:bodyPr/>
-                    <a:lstStyle/>
-                    <a:p>
+                      <a:r>
+                        <a:rPr lang="en-US" dirty="0" smtClean="0"/>
+                        <a:t>hours</a:t>
+                      </a:r>
                       <a:endParaRPr lang="ru-RU" dirty="0"/>
                     </a:p>
                   </a:txBody>
@@ -5626,7 +5617,46 @@
                     <a:bodyPr/>
                     <a:lstStyle/>
                     <a:p>
-                      <a:endParaRPr lang="ru-RU" dirty="0"/>
+                      <a:r>
+                        <a:rPr lang="ru-RU" dirty="0" smtClean="0"/>
+                        <a:t>Популяция</a:t>
+                      </a:r>
+                      <a:r>
+                        <a:rPr lang="ru-RU" baseline="0" dirty="0" smtClean="0"/>
+                        <a:t> = </a:t>
+                      </a:r>
+                      <a:r>
+                        <a:rPr lang="ru-RU" baseline="0" dirty="0" smtClean="0"/>
+                        <a:t>5</a:t>
+                      </a:r>
+                    </a:p>
+                    <a:p>
+                      <a:pPr marL="0" marR="0" lvl="0" indent="0" algn="l" defTabSz="914400" rtl="0" eaLnBrk="1" fontAlgn="auto" latinLnBrk="0" hangingPunct="1">
+                        <a:lnSpc>
+                          <a:spcPct val="100000"/>
+                        </a:lnSpc>
+                        <a:spcBef>
+                          <a:spcPts val="0"/>
+                        </a:spcBef>
+                        <a:spcAft>
+                          <a:spcPts val="0"/>
+                        </a:spcAft>
+                        <a:buClrTx/>
+                        <a:buSzTx/>
+                        <a:buFontTx/>
+                        <a:buNone/>
+                        <a:tabLst/>
+                        <a:defRPr/>
+                      </a:pPr>
+                      <a:r>
+                        <a:rPr lang="ru-RU" dirty="0" smtClean="0"/>
+                        <a:t>Скрещиваний</a:t>
+                      </a:r>
+                      <a:r>
+                        <a:rPr lang="ru-RU" baseline="0" dirty="0" smtClean="0"/>
+                        <a:t> = 15</a:t>
+                      </a:r>
+                      <a:endParaRPr lang="ru-RU" dirty="0" smtClean="0"/>
                     </a:p>
                   </a:txBody>
                   <a:tcPr/>
@@ -5638,7 +5668,21 @@
                     <a:p>
                       <a:r>
                         <a:rPr lang="ru-RU" dirty="0" smtClean="0"/>
-                        <a:t>Популяция =500</a:t>
+                        <a:t>Популяция =</a:t>
+                      </a:r>
+                      <a:r>
+                        <a:rPr lang="en-US" dirty="0" smtClean="0"/>
+                        <a:t>8</a:t>
+                      </a:r>
+                    </a:p>
+                    <a:p>
+                      <a:r>
+                        <a:rPr lang="ru-RU" dirty="0" smtClean="0"/>
+                        <a:t>Скрещиваний</a:t>
+                      </a:r>
+                      <a:r>
+                        <a:rPr lang="ru-RU" baseline="0" dirty="0" smtClean="0"/>
+                        <a:t> = 24</a:t>
                       </a:r>
                       <a:endParaRPr lang="ru-RU" dirty="0"/>
                     </a:p>
@@ -5669,18 +5713,41 @@
                       </a:pPr>
                       <a:r>
                         <a:rPr lang="ru-RU" dirty="0" smtClean="0"/>
-                        <a:t>Популяция =250</a:t>
+                        <a:t>Популяция =</a:t>
                       </a:r>
+                      <a:r>
+                        <a:rPr lang="en-US" dirty="0" smtClean="0"/>
+                        <a:t>25</a:t>
+                      </a:r>
+                      <a:endParaRPr lang="ru-RU" dirty="0" smtClean="0"/>
                     </a:p>
-                  </a:txBody>
-                  <a:tcPr/>
-                </a:tc>
-                <a:tc>
-                  <a:txBody>
-                    <a:bodyPr/>
-                    <a:lstStyle/>
                     <a:p>
-                      <a:endParaRPr lang="ru-RU" dirty="0"/>
+                      <a:pPr marL="0" marR="0" lvl="0" indent="0" algn="l" defTabSz="914400" rtl="0" eaLnBrk="1" fontAlgn="auto" latinLnBrk="0" hangingPunct="1">
+                        <a:lnSpc>
+                          <a:spcPct val="100000"/>
+                        </a:lnSpc>
+                        <a:spcBef>
+                          <a:spcPts val="0"/>
+                        </a:spcBef>
+                        <a:spcAft>
+                          <a:spcPts val="0"/>
+                        </a:spcAft>
+                        <a:buClrTx/>
+                        <a:buSzTx/>
+                        <a:buFontTx/>
+                        <a:buNone/>
+                        <a:tabLst/>
+                        <a:defRPr/>
+                      </a:pPr>
+                      <a:r>
+                        <a:rPr lang="ru-RU" dirty="0" smtClean="0"/>
+                        <a:t>Скрещиваний</a:t>
+                      </a:r>
+                      <a:r>
+                        <a:rPr lang="ru-RU" baseline="0" dirty="0" smtClean="0"/>
+                        <a:t> = 75</a:t>
+                      </a:r>
+                      <a:endParaRPr lang="ru-RU" dirty="0" smtClean="0"/>
                     </a:p>
                   </a:txBody>
                   <a:tcPr/>
@@ -5828,7 +5895,27 @@
                 <a:latin typeface="Times New Roman" panose="02020603050405020304" pitchFamily="18" charset="0"/>
                 <a:cs typeface="Times New Roman" panose="02020603050405020304" pitchFamily="18" charset="0"/>
               </a:rPr>
-              <a:t>Реализовать больше операторов для локального поиска.</a:t>
+              <a:t>Реализовать больше операторов для локального поиска</a:t>
+            </a:r>
+            <a:r>
+              <a:rPr lang="ru-RU" dirty="0" smtClean="0">
+                <a:latin typeface="Times New Roman" panose="02020603050405020304" pitchFamily="18" charset="0"/>
+                <a:cs typeface="Times New Roman" panose="02020603050405020304" pitchFamily="18" charset="0"/>
+              </a:rPr>
+              <a:t>.</a:t>
+            </a:r>
+            <a:endParaRPr lang="en-US" dirty="0" smtClean="0">
+              <a:latin typeface="Times New Roman" panose="02020603050405020304" pitchFamily="18" charset="0"/>
+              <a:cs typeface="Times New Roman" panose="02020603050405020304" pitchFamily="18" charset="0"/>
+            </a:endParaRPr>
+          </a:p>
+          <a:p>
+            <a:r>
+              <a:rPr lang="ru-RU" dirty="0" smtClean="0">
+                <a:latin typeface="Times New Roman" panose="02020603050405020304" pitchFamily="18" charset="0"/>
+                <a:cs typeface="Times New Roman" panose="02020603050405020304" pitchFamily="18" charset="0"/>
+              </a:rPr>
+              <a:t>Реализовать динамические штрафы.</a:t>
             </a:r>
             <a:endParaRPr lang="ru-RU" dirty="0">
               <a:latin typeface="Times New Roman" panose="02020603050405020304" pitchFamily="18" charset="0"/>
@@ -6452,7 +6539,7 @@
         </p:nvSpPr>
         <p:spPr>
           <a:xfrm>
-            <a:off x="1147764" y="1044377"/>
+            <a:off x="811656" y="233660"/>
             <a:ext cx="6241816" cy="852161"/>
           </a:xfrm>
         </p:spPr>
@@ -6466,7 +6553,7 @@
                 <a:latin typeface="Times New Roman" panose="02020603050405020304" pitchFamily="18" charset="0"/>
                 <a:cs typeface="Times New Roman" panose="02020603050405020304" pitchFamily="18" charset="0"/>
               </a:rPr>
-              <a:t>Постановка задачи.</a:t>
+              <a:t>Постановка задачи</a:t>
             </a:r>
             <a:endParaRPr lang="ru-RU" dirty="0">
               <a:latin typeface="Times New Roman" panose="02020603050405020304" pitchFamily="18" charset="0"/>
@@ -6477,23 +6564,6 @@
       </p:sp>
       <p:sp>
         <p:nvSpPr>
-          <p:cNvPr id="7" name="Рисунок 6"/>
-          <p:cNvSpPr>
-            <a:spLocks noGrp="1"/>
-          </p:cNvSpPr>
-          <p:nvPr>
-            <p:ph type="pic" idx="1"/>
-          </p:nvPr>
-        </p:nvSpPr>
-        <p:spPr>
-          <a:xfrm>
-            <a:off x="7250680" y="1072385"/>
-            <a:ext cx="3903268" cy="4775200"/>
-          </a:xfrm>
-        </p:spPr>
-      </p:sp>
-      <p:sp>
-        <p:nvSpPr>
           <p:cNvPr id="8" name="Текст 7"/>
           <p:cNvSpPr>
             <a:spLocks noGrp="1"/>
@@ -6504,67 +6574,95 @@
         </p:nvSpPr>
         <p:spPr>
           <a:xfrm>
-            <a:off x="1293755" y="2114478"/>
-            <a:ext cx="5946547" cy="3733107"/>
+            <a:off x="550398" y="1289021"/>
+            <a:ext cx="7678191" cy="5256921"/>
           </a:xfrm>
         </p:spPr>
         <p:txBody>
           <a:bodyPr>
-            <a:normAutofit lnSpcReduction="10000"/>
+            <a:normAutofit/>
           </a:bodyPr>
           <a:lstStyle/>
           <a:p>
-            <a:pPr marL="285750" indent="-285750">
+            <a:pPr marL="285750" indent="-285750" algn="just">
               <a:buFont typeface="Arial" panose="020B0604020202020204" pitchFamily="34" charset="0"/>
               <a:buChar char="•"/>
             </a:pPr>
             <a:r>
-              <a:rPr lang="ru-RU" sz="1800" dirty="0">
+              <a:rPr lang="ru-RU" sz="2200" dirty="0" smtClean="0">
                 <a:latin typeface="Times New Roman" panose="02020603050405020304" pitchFamily="18" charset="0"/>
                 <a:cs typeface="Times New Roman" panose="02020603050405020304" pitchFamily="18" charset="0"/>
               </a:rPr>
-              <a:t>В задаче маршрутизации буровых установок задано множество объектов для изыскательских работ и множество буровых установок. Известно расстояние между объектами и время на перемещение установок между ними. Для каждого объекта задан план работ, т.е. известно число скважин, которые необходимо пробурить и число рабочих дней для проведения работ одной буровой установкой. Заданы временные окна, которые определяют временной интервал проведения работ на каждом объекте. Если буровая установка приехала на объект раньше поставленного срока, то она ждет начало окна. </a:t>
-            </a:r>
-            <a:endParaRPr lang="en-US" sz="1800" dirty="0" smtClean="0">
+              <a:t>Задано </a:t>
+            </a:r>
+            <a:r>
+              <a:rPr lang="ru-RU" sz="2200" dirty="0">
+                <a:latin typeface="Times New Roman" panose="02020603050405020304" pitchFamily="18" charset="0"/>
+                <a:cs typeface="Times New Roman" panose="02020603050405020304" pitchFamily="18" charset="0"/>
+              </a:rPr>
+              <a:t>множество объектов для изыскательских работ и множество буровых установок. Известно расстояние между объектами и время на перемещение установок между ними. Для каждого объекта задан план работ, т.е. известно число скважин, которые необходимо пробурить и число рабочих дней для проведения работ одной буровой установкой. Заданы временные окна, которые определяют временной интервал проведения работ на каждом объекте. Если буровая установка приехала на объект раньше поставленного срока, то она ждет начало окна. </a:t>
+            </a:r>
+            <a:endParaRPr lang="en-US" sz="2200" dirty="0" smtClean="0">
               <a:latin typeface="Times New Roman" panose="02020603050405020304" pitchFamily="18" charset="0"/>
               <a:cs typeface="Times New Roman" panose="02020603050405020304" pitchFamily="18" charset="0"/>
             </a:endParaRPr>
           </a:p>
           <a:p>
-            <a:pPr marL="285750" indent="-285750">
+            <a:pPr marL="285750" indent="-285750" algn="just">
               <a:buFont typeface="Arial" panose="020B0604020202020204" pitchFamily="34" charset="0"/>
               <a:buChar char="•"/>
             </a:pPr>
             <a:r>
-              <a:rPr lang="ru-RU" sz="1800" b="1" dirty="0" smtClean="0">
+              <a:rPr lang="ru-RU" sz="2200" b="1" dirty="0" smtClean="0">
                 <a:latin typeface="Times New Roman" panose="02020603050405020304" pitchFamily="18" charset="0"/>
                 <a:cs typeface="Times New Roman" panose="02020603050405020304" pitchFamily="18" charset="0"/>
               </a:rPr>
-              <a:t>Цель</a:t>
-            </a:r>
-            <a:r>
-              <a:rPr lang="ru-RU" sz="1800" b="1" dirty="0" smtClean="0">
-                <a:latin typeface="Times New Roman" panose="02020603050405020304" pitchFamily="18" charset="0"/>
-                <a:cs typeface="Times New Roman" panose="02020603050405020304" pitchFamily="18" charset="0"/>
-              </a:rPr>
-              <a:t>: </a:t>
-            </a:r>
-            <a:r>
-              <a:rPr lang="ru-RU" sz="1800" dirty="0" smtClean="0">
+              <a:t>Цель: </a:t>
+            </a:r>
+            <a:r>
+              <a:rPr lang="ru-RU" sz="2200" dirty="0" smtClean="0">
                 <a:latin typeface="Times New Roman" panose="02020603050405020304" pitchFamily="18" charset="0"/>
                 <a:cs typeface="Times New Roman" panose="02020603050405020304" pitchFamily="18" charset="0"/>
               </a:rPr>
               <a:t>Требуется </a:t>
             </a:r>
             <a:r>
-              <a:rPr lang="ru-RU" sz="1800" dirty="0">
+              <a:rPr lang="ru-RU" sz="2200" dirty="0">
                 <a:latin typeface="Times New Roman" panose="02020603050405020304" pitchFamily="18" charset="0"/>
                 <a:cs typeface="Times New Roman" panose="02020603050405020304" pitchFamily="18" charset="0"/>
               </a:rPr>
-              <a:t>построить график посещения городов для каждой машины и минимизировать суммарные расходы</a:t>
-            </a:r>
-            <a:r>
-              <a:rPr lang="ru-RU" sz="1800" dirty="0" smtClean="0">
+              <a:t>построить график посещения </a:t>
+            </a:r>
+            <a:r>
+              <a:rPr lang="ru-RU" sz="2200" dirty="0" smtClean="0">
+                <a:latin typeface="Times New Roman" panose="02020603050405020304" pitchFamily="18" charset="0"/>
+                <a:cs typeface="Times New Roman" panose="02020603050405020304" pitchFamily="18" charset="0"/>
+              </a:rPr>
+              <a:t>объектов </a:t>
+            </a:r>
+            <a:r>
+              <a:rPr lang="ru-RU" sz="2200" dirty="0">
+                <a:latin typeface="Times New Roman" panose="02020603050405020304" pitchFamily="18" charset="0"/>
+                <a:cs typeface="Times New Roman" panose="02020603050405020304" pitchFamily="18" charset="0"/>
+              </a:rPr>
+              <a:t>для каждой </a:t>
+            </a:r>
+            <a:r>
+              <a:rPr lang="ru-RU" sz="2200" dirty="0" smtClean="0">
+                <a:latin typeface="Times New Roman" panose="02020603050405020304" pitchFamily="18" charset="0"/>
+                <a:cs typeface="Times New Roman" panose="02020603050405020304" pitchFamily="18" charset="0"/>
+              </a:rPr>
+              <a:t>буровой установки </a:t>
+            </a:r>
+            <a:r>
+              <a:rPr lang="ru-RU" sz="2200" dirty="0">
+                <a:latin typeface="Times New Roman" panose="02020603050405020304" pitchFamily="18" charset="0"/>
+                <a:cs typeface="Times New Roman" panose="02020603050405020304" pitchFamily="18" charset="0"/>
+              </a:rPr>
+              <a:t>и минимизировать суммарные расходы</a:t>
+            </a:r>
+            <a:r>
+              <a:rPr lang="ru-RU" sz="2200" dirty="0" smtClean="0">
                 <a:latin typeface="Times New Roman" panose="02020603050405020304" pitchFamily="18" charset="0"/>
                 <a:cs typeface="Times New Roman" panose="02020603050405020304" pitchFamily="18" charset="0"/>
               </a:rPr>
@@ -6612,7 +6710,7 @@
         </p:nvSpPr>
         <p:spPr>
           <a:xfrm>
-            <a:off x="8829731" y="3268226"/>
+            <a:off x="9757778" y="3341263"/>
             <a:ext cx="753627" cy="321547"/>
           </a:xfrm>
           <a:prstGeom prst="roundRect">
@@ -6656,7 +6754,7 @@
         </p:nvSpPr>
         <p:spPr>
           <a:xfrm>
-            <a:off x="7437380" y="2644670"/>
+            <a:off x="8759692" y="2756864"/>
             <a:ext cx="137040" cy="120858"/>
           </a:xfrm>
           <a:prstGeom prst="ellipse">
@@ -6696,7 +6794,7 @@
         </p:nvSpPr>
         <p:spPr>
           <a:xfrm>
-            <a:off x="8150826" y="3363684"/>
+            <a:off x="9282330" y="3246430"/>
             <a:ext cx="118057" cy="142898"/>
           </a:xfrm>
           <a:prstGeom prst="ellipse">
@@ -6736,7 +6834,7 @@
         </p:nvSpPr>
         <p:spPr>
           <a:xfrm>
-            <a:off x="7537215" y="3137597"/>
+            <a:off x="8835424" y="3061639"/>
             <a:ext cx="122616" cy="130629"/>
           </a:xfrm>
           <a:prstGeom prst="ellipse">
@@ -6776,7 +6874,7 @@
         </p:nvSpPr>
         <p:spPr>
           <a:xfrm>
-            <a:off x="9073662" y="2514601"/>
+            <a:off x="9988802" y="2819427"/>
             <a:ext cx="150725" cy="130069"/>
           </a:xfrm>
           <a:prstGeom prst="ellipse">
@@ -6816,7 +6914,7 @@
         </p:nvSpPr>
         <p:spPr>
           <a:xfrm>
-            <a:off x="7850645" y="2307814"/>
+            <a:off x="9133122" y="2448595"/>
             <a:ext cx="127746" cy="132471"/>
           </a:xfrm>
           <a:prstGeom prst="ellipse">
@@ -6856,7 +6954,7 @@
         </p:nvSpPr>
         <p:spPr>
           <a:xfrm>
-            <a:off x="8216119" y="2872910"/>
+            <a:off x="9442782" y="2835387"/>
             <a:ext cx="124963" cy="141448"/>
           </a:xfrm>
           <a:prstGeom prst="ellipse">
@@ -6898,9 +6996,9 @@
           <p:nvPr/>
         </p:nvCxnSpPr>
         <p:spPr>
-          <a:xfrm flipH="1">
-            <a:off x="8268883" y="3429000"/>
-            <a:ext cx="560848" cy="6133"/>
+          <a:xfrm flipH="1" flipV="1">
+            <a:off x="9400387" y="3317879"/>
+            <a:ext cx="357391" cy="184158"/>
           </a:xfrm>
           <a:prstGeom prst="straightConnector1">
             <a:avLst/>
@@ -6935,8 +7033,8 @@
         </p:nvCxnSpPr>
         <p:spPr>
           <a:xfrm flipH="1" flipV="1">
-            <a:off x="7641874" y="3249096"/>
-            <a:ext cx="508952" cy="186037"/>
+            <a:off x="8940083" y="3173138"/>
+            <a:ext cx="342247" cy="144741"/>
           </a:xfrm>
           <a:prstGeom prst="straightConnector1">
             <a:avLst/>
@@ -6971,8 +7069,8 @@
         </p:nvCxnSpPr>
         <p:spPr>
           <a:xfrm flipH="1" flipV="1">
-            <a:off x="7505900" y="2765528"/>
-            <a:ext cx="49272" cy="391199"/>
+            <a:off x="8828212" y="2877722"/>
+            <a:ext cx="25169" cy="203047"/>
           </a:xfrm>
           <a:prstGeom prst="straightConnector1">
             <a:avLst/>
@@ -7007,8 +7105,8 @@
         </p:nvCxnSpPr>
         <p:spPr>
           <a:xfrm flipV="1">
-            <a:off x="7554351" y="2420885"/>
-            <a:ext cx="315002" cy="241484"/>
+            <a:off x="8876663" y="2561666"/>
+            <a:ext cx="275167" cy="212897"/>
           </a:xfrm>
           <a:prstGeom prst="straightConnector1">
             <a:avLst/>
@@ -7043,8 +7141,8 @@
         </p:nvCxnSpPr>
         <p:spPr>
           <a:xfrm>
-            <a:off x="7978391" y="2374050"/>
-            <a:ext cx="256028" cy="519575"/>
+            <a:off x="9260868" y="2514831"/>
+            <a:ext cx="200214" cy="341271"/>
           </a:xfrm>
           <a:prstGeom prst="straightConnector1">
             <a:avLst/>
@@ -7079,8 +7177,8 @@
         </p:nvCxnSpPr>
         <p:spPr>
           <a:xfrm flipV="1">
-            <a:off x="8322782" y="2533649"/>
-            <a:ext cx="772953" cy="359976"/>
+            <a:off x="9549445" y="2838475"/>
+            <a:ext cx="461430" cy="17627"/>
           </a:xfrm>
           <a:prstGeom prst="straightConnector1">
             <a:avLst/>
@@ -7115,8 +7213,8 @@
         </p:nvCxnSpPr>
         <p:spPr>
           <a:xfrm flipH="1">
-            <a:off x="8829731" y="2625622"/>
-            <a:ext cx="266004" cy="803378"/>
+            <a:off x="9757778" y="2930448"/>
+            <a:ext cx="253097" cy="571589"/>
           </a:xfrm>
           <a:prstGeom prst="straightConnector1">
             <a:avLst/>
@@ -7148,7 +7246,7 @@
         </p:nvSpPr>
         <p:spPr>
           <a:xfrm>
-            <a:off x="7376737" y="1999669"/>
+            <a:off x="8452808" y="2114478"/>
             <a:ext cx="901863" cy="262242"/>
           </a:xfrm>
           <a:prstGeom prst="rect">
@@ -7190,7 +7288,7 @@
         </p:nvSpPr>
         <p:spPr>
           <a:xfrm>
-            <a:off x="8341083" y="3705734"/>
+            <a:off x="9269130" y="3778771"/>
             <a:ext cx="118438" cy="120580"/>
           </a:xfrm>
           <a:prstGeom prst="ellipse">
@@ -7230,7 +7328,7 @@
         </p:nvSpPr>
         <p:spPr>
           <a:xfrm>
-            <a:off x="7710126" y="3634086"/>
+            <a:off x="8926473" y="3516035"/>
             <a:ext cx="118438" cy="120580"/>
           </a:xfrm>
           <a:prstGeom prst="ellipse">
@@ -7270,7 +7368,7 @@
         </p:nvSpPr>
         <p:spPr>
           <a:xfrm>
-            <a:off x="7378161" y="4019618"/>
+            <a:off x="8495378" y="3778771"/>
             <a:ext cx="118438" cy="120580"/>
           </a:xfrm>
           <a:prstGeom prst="ellipse">
@@ -7310,7 +7408,7 @@
         </p:nvSpPr>
         <p:spPr>
           <a:xfrm>
-            <a:off x="7732207" y="4502219"/>
+            <a:off x="8876663" y="4180503"/>
             <a:ext cx="118438" cy="120580"/>
           </a:xfrm>
           <a:prstGeom prst="ellipse">
@@ -7350,7 +7448,7 @@
         </p:nvSpPr>
         <p:spPr>
           <a:xfrm>
-            <a:off x="8086637" y="4153878"/>
+            <a:off x="9405847" y="4037231"/>
             <a:ext cx="118438" cy="120580"/>
           </a:xfrm>
           <a:prstGeom prst="ellipse">
@@ -7390,7 +7488,7 @@
         </p:nvSpPr>
         <p:spPr>
           <a:xfrm>
-            <a:off x="8816937" y="3972726"/>
+            <a:off x="10036791" y="3895880"/>
             <a:ext cx="118438" cy="120580"/>
           </a:xfrm>
           <a:prstGeom prst="ellipse">
@@ -7433,7 +7531,7 @@
         </p:nvCxnSpPr>
         <p:spPr>
           <a:xfrm flipH="1">
-            <a:off x="8442176" y="3429000"/>
+            <a:off x="9370223" y="3502037"/>
             <a:ext cx="387555" cy="294393"/>
           </a:xfrm>
           <a:prstGeom prst="straightConnector1">
@@ -7469,8 +7567,8 @@
         </p:nvCxnSpPr>
         <p:spPr>
           <a:xfrm flipH="1" flipV="1">
-            <a:off x="7828564" y="3694376"/>
-            <a:ext cx="512519" cy="71648"/>
+            <a:off x="9044911" y="3576325"/>
+            <a:ext cx="224219" cy="262736"/>
           </a:xfrm>
           <a:prstGeom prst="straightConnector1">
             <a:avLst/>
@@ -7505,8 +7603,8 @@
         </p:nvCxnSpPr>
         <p:spPr>
           <a:xfrm flipH="1" flipV="1">
-            <a:off x="7598523" y="3268226"/>
-            <a:ext cx="128948" cy="383519"/>
+            <a:off x="8896732" y="3192268"/>
+            <a:ext cx="47086" cy="341426"/>
           </a:xfrm>
           <a:prstGeom prst="straightConnector1">
             <a:avLst/>
@@ -7541,8 +7639,8 @@
         </p:nvCxnSpPr>
         <p:spPr>
           <a:xfrm flipH="1">
-            <a:off x="7437380" y="3268226"/>
-            <a:ext cx="161143" cy="751392"/>
+            <a:off x="8554597" y="3192268"/>
+            <a:ext cx="342135" cy="586503"/>
           </a:xfrm>
           <a:prstGeom prst="straightConnector1">
             <a:avLst/>
@@ -7577,8 +7675,8 @@
         </p:nvCxnSpPr>
         <p:spPr>
           <a:xfrm>
-            <a:off x="7437380" y="4140198"/>
-            <a:ext cx="294827" cy="422311"/>
+            <a:off x="8554597" y="3899351"/>
+            <a:ext cx="322066" cy="341442"/>
           </a:xfrm>
           <a:prstGeom prst="straightConnector1">
             <a:avLst/>
@@ -7613,8 +7711,8 @@
         </p:nvCxnSpPr>
         <p:spPr>
           <a:xfrm flipV="1">
-            <a:off x="7850645" y="4256799"/>
-            <a:ext cx="253337" cy="305710"/>
+            <a:off x="8995101" y="4140152"/>
+            <a:ext cx="428091" cy="100641"/>
           </a:xfrm>
           <a:prstGeom prst="straightConnector1">
             <a:avLst/>
@@ -7649,8 +7747,8 @@
         </p:nvCxnSpPr>
         <p:spPr>
           <a:xfrm flipV="1">
-            <a:off x="8205075" y="4033016"/>
-            <a:ext cx="611862" cy="181152"/>
+            <a:off x="9524285" y="3956170"/>
+            <a:ext cx="512506" cy="141351"/>
           </a:xfrm>
           <a:prstGeom prst="straightConnector1">
             <a:avLst/>
@@ -7685,8 +7783,8 @@
         </p:nvCxnSpPr>
         <p:spPr>
           <a:xfrm flipH="1" flipV="1">
-            <a:off x="8829731" y="3429000"/>
-            <a:ext cx="4551" cy="561385"/>
+            <a:off x="9757778" y="3502037"/>
+            <a:ext cx="296358" cy="411502"/>
           </a:xfrm>
           <a:prstGeom prst="straightConnector1">
             <a:avLst/>
@@ -7718,7 +7816,7 @@
         </p:nvSpPr>
         <p:spPr>
           <a:xfrm>
-            <a:off x="9734441" y="2983719"/>
+            <a:off x="10391231" y="2961188"/>
             <a:ext cx="118438" cy="120580"/>
           </a:xfrm>
           <a:prstGeom prst="ellipse">
@@ -7758,7 +7856,7 @@
         </p:nvSpPr>
         <p:spPr>
           <a:xfrm>
-            <a:off x="10896598" y="2551720"/>
+            <a:off x="11193682" y="2961188"/>
             <a:ext cx="118438" cy="120580"/>
           </a:xfrm>
           <a:prstGeom prst="ellipse">
@@ -7798,7 +7896,7 @@
         </p:nvSpPr>
         <p:spPr>
           <a:xfrm>
-            <a:off x="10353901" y="4297550"/>
+            <a:off x="10663295" y="4423832"/>
             <a:ext cx="118438" cy="120580"/>
           </a:xfrm>
           <a:prstGeom prst="ellipse">
@@ -7838,7 +7936,7 @@
         </p:nvSpPr>
         <p:spPr>
           <a:xfrm>
-            <a:off x="10784725" y="3583632"/>
+            <a:off x="11081564" y="3707123"/>
             <a:ext cx="118438" cy="120580"/>
           </a:xfrm>
           <a:prstGeom prst="ellipse">
@@ -7878,7 +7976,7 @@
         </p:nvSpPr>
         <p:spPr>
           <a:xfrm>
-            <a:off x="10167701" y="2840547"/>
+            <a:off x="10861341" y="2845821"/>
             <a:ext cx="118438" cy="120580"/>
           </a:xfrm>
           <a:prstGeom prst="ellipse">
@@ -7918,7 +8016,7 @@
         </p:nvSpPr>
         <p:spPr>
           <a:xfrm>
-            <a:off x="9616003" y="2558514"/>
+            <a:off x="10544050" y="2631551"/>
             <a:ext cx="118438" cy="120580"/>
           </a:xfrm>
           <a:prstGeom prst="ellipse">
@@ -7958,7 +8056,7 @@
         </p:nvSpPr>
         <p:spPr>
           <a:xfrm>
-            <a:off x="10006385" y="3614677"/>
+            <a:off x="10581692" y="3742947"/>
             <a:ext cx="118438" cy="120580"/>
           </a:xfrm>
           <a:prstGeom prst="ellipse">
@@ -7998,7 +8096,7 @@
         </p:nvSpPr>
         <p:spPr>
           <a:xfrm>
-            <a:off x="9512642" y="4136219"/>
+            <a:off x="10534303" y="4089799"/>
             <a:ext cx="118438" cy="120580"/>
           </a:xfrm>
           <a:prstGeom prst="ellipse">
@@ -8040,9 +8138,9 @@
           <p:nvPr/>
         </p:nvCxnSpPr>
         <p:spPr>
-          <a:xfrm flipV="1">
-            <a:off x="9583358" y="3086640"/>
-            <a:ext cx="168428" cy="342360"/>
+          <a:xfrm flipH="1" flipV="1">
+            <a:off x="10408576" y="3064109"/>
+            <a:ext cx="102829" cy="437928"/>
           </a:xfrm>
           <a:prstGeom prst="straightConnector1">
             <a:avLst/>
@@ -8077,8 +8175,8 @@
         </p:nvCxnSpPr>
         <p:spPr>
           <a:xfrm flipV="1">
-            <a:off x="9852879" y="2943468"/>
-            <a:ext cx="332167" cy="100541"/>
+            <a:off x="10509669" y="2948742"/>
+            <a:ext cx="369017" cy="72736"/>
           </a:xfrm>
           <a:prstGeom prst="straightConnector1">
             <a:avLst/>
@@ -8113,8 +8211,8 @@
         </p:nvCxnSpPr>
         <p:spPr>
           <a:xfrm flipH="1" flipV="1">
-            <a:off x="9675222" y="2679094"/>
-            <a:ext cx="509824" cy="179112"/>
+            <a:off x="10603269" y="2752131"/>
+            <a:ext cx="275417" cy="111349"/>
           </a:xfrm>
           <a:prstGeom prst="straightConnector1">
             <a:avLst/>
@@ -8148,9 +8246,9 @@
           <p:nvPr/>
         </p:nvCxnSpPr>
         <p:spPr>
-          <a:xfrm flipH="1" flipV="1">
-            <a:off x="9224387" y="2579636"/>
-            <a:ext cx="391616" cy="39168"/>
+          <a:xfrm flipH="1">
+            <a:off x="10139527" y="2691841"/>
+            <a:ext cx="404523" cy="192621"/>
           </a:xfrm>
           <a:prstGeom prst="straightConnector1">
             <a:avLst/>
@@ -8185,8 +8283,8 @@
         </p:nvCxnSpPr>
         <p:spPr>
           <a:xfrm flipV="1">
-            <a:off x="9202314" y="2014506"/>
-            <a:ext cx="507598" cy="519143"/>
+            <a:off x="10117454" y="2380647"/>
+            <a:ext cx="615514" cy="457828"/>
           </a:xfrm>
           <a:prstGeom prst="straightConnector1">
             <a:avLst/>
@@ -8221,8 +8319,8 @@
         </p:nvCxnSpPr>
         <p:spPr>
           <a:xfrm>
-            <a:off x="9811005" y="1971875"/>
-            <a:ext cx="1085593" cy="640135"/>
+            <a:off x="10834061" y="2338016"/>
+            <a:ext cx="359621" cy="683462"/>
           </a:xfrm>
           <a:prstGeom prst="straightConnector1">
             <a:avLst/>
@@ -8257,8 +8355,8 @@
         </p:nvCxnSpPr>
         <p:spPr>
           <a:xfrm flipH="1">
-            <a:off x="10843944" y="2672300"/>
-            <a:ext cx="111873" cy="911332"/>
+            <a:off x="11140783" y="3081768"/>
+            <a:ext cx="112118" cy="625355"/>
           </a:xfrm>
           <a:prstGeom prst="straightConnector1">
             <a:avLst/>
@@ -8293,8 +8391,8 @@
         </p:nvCxnSpPr>
         <p:spPr>
           <a:xfrm flipH="1">
-            <a:off x="10454994" y="3704212"/>
-            <a:ext cx="388950" cy="610997"/>
+            <a:off x="10764388" y="3827703"/>
+            <a:ext cx="376395" cy="613788"/>
           </a:xfrm>
           <a:prstGeom prst="straightConnector1">
             <a:avLst/>
@@ -8326,7 +8424,7 @@
         </p:nvSpPr>
         <p:spPr>
           <a:xfrm>
-            <a:off x="9692567" y="1911585"/>
+            <a:off x="10715623" y="2277726"/>
             <a:ext cx="118438" cy="120580"/>
           </a:xfrm>
           <a:prstGeom prst="ellipse">
@@ -8369,8 +8467,8 @@
         </p:nvCxnSpPr>
         <p:spPr>
           <a:xfrm flipH="1" flipV="1">
-            <a:off x="9631080" y="4196509"/>
-            <a:ext cx="740166" cy="203962"/>
+            <a:off x="10652741" y="4150089"/>
+            <a:ext cx="27899" cy="376664"/>
           </a:xfrm>
           <a:prstGeom prst="straightConnector1">
             <a:avLst/>
@@ -8405,8 +8503,8 @@
         </p:nvCxnSpPr>
         <p:spPr>
           <a:xfrm flipH="1" flipV="1">
-            <a:off x="8935375" y="4033016"/>
-            <a:ext cx="577267" cy="163493"/>
+            <a:off x="10155229" y="3956170"/>
+            <a:ext cx="379074" cy="193919"/>
           </a:xfrm>
           <a:prstGeom prst="straightConnector1">
             <a:avLst/>
@@ -8441,8 +8539,8 @@
         </p:nvCxnSpPr>
         <p:spPr>
           <a:xfrm flipV="1">
-            <a:off x="8935375" y="3674967"/>
-            <a:ext cx="1071010" cy="358049"/>
+            <a:off x="10155229" y="3803237"/>
+            <a:ext cx="426463" cy="152933"/>
           </a:xfrm>
           <a:prstGeom prst="straightConnector1">
             <a:avLst/>
@@ -8477,8 +8575,8 @@
         </p:nvCxnSpPr>
         <p:spPr>
           <a:xfrm flipH="1" flipV="1">
-            <a:off x="9583358" y="3429000"/>
-            <a:ext cx="423027" cy="245967"/>
+            <a:off x="10511405" y="3502037"/>
+            <a:ext cx="70287" cy="301200"/>
           </a:xfrm>
           <a:prstGeom prst="straightConnector1">
             <a:avLst/>
@@ -8510,7 +8608,7 @@
         </p:nvSpPr>
         <p:spPr>
           <a:xfrm>
-            <a:off x="10004062" y="1779199"/>
+            <a:off x="11067142" y="2345583"/>
             <a:ext cx="901863" cy="262242"/>
           </a:xfrm>
           <a:prstGeom prst="rect">
@@ -8552,7 +8650,7 @@
         </p:nvSpPr>
         <p:spPr>
           <a:xfrm>
-            <a:off x="7429313" y="4675060"/>
+            <a:off x="8402449" y="4420493"/>
             <a:ext cx="901863" cy="262242"/>
           </a:xfrm>
           <a:prstGeom prst="rect">
@@ -8700,7 +8798,7 @@
                     <a:latin typeface="Times New Roman" panose="02020603050405020304" pitchFamily="18" charset="0"/>
                     <a:cs typeface="Times New Roman" panose="02020603050405020304" pitchFamily="18" charset="0"/>
                   </a:rPr>
-                  <a:t> - матрица расстояний между городами</a:t>
+                  <a:t> - матрица расстояний между объектами</a:t>
                 </a:r>
                 <a:endParaRPr lang="en-US" dirty="0" smtClean="0">
                   <a:latin typeface="Times New Roman" panose="02020603050405020304" pitchFamily="18" charset="0"/>
@@ -8746,7 +8844,14 @@
                     <a:latin typeface="Times New Roman" panose="02020603050405020304" pitchFamily="18" charset="0"/>
                     <a:cs typeface="Times New Roman" panose="02020603050405020304" pitchFamily="18" charset="0"/>
                   </a:rPr>
-                  <a:t> - матрица времени затраченного на перемещение между городами</a:t>
+                  <a:t> - матрица времени затраченного на перемещение между </a:t>
+                </a:r>
+                <a:r>
+                  <a:rPr lang="ru-RU" dirty="0">
+                    <a:latin typeface="Times New Roman" panose="02020603050405020304" pitchFamily="18" charset="0"/>
+                    <a:cs typeface="Times New Roman" panose="02020603050405020304" pitchFamily="18" charset="0"/>
+                  </a:rPr>
+                  <a:t>объектами</a:t>
                 </a:r>
                 <a:endParaRPr lang="en-US" dirty="0" smtClean="0">
                   <a:latin typeface="Times New Roman" panose="02020603050405020304" pitchFamily="18" charset="0"/>
@@ -9320,7 +9425,7 @@
                 <a:ext cx="4660260" cy="5964072"/>
               </a:xfrm>
               <a:blipFill>
-                <a:blip r:embed="rId2"/>
+                <a:blip r:embed="rId3"/>
                 <a:stretch>
                   <a:fillRect l="-1178" t="-1022" r="-785"/>
                 </a:stretch>
@@ -9375,7 +9480,7 @@
           </p:nvPr>
         </p:nvPicPr>
         <p:blipFill>
-          <a:blip r:embed="rId3">
+          <a:blip r:embed="rId4">
             <a:extLst>
               <a:ext uri="{28A0092B-C50C-407E-A947-70E740481C1C}">
                 <a14:useLocalDpi xmlns:a14="http://schemas.microsoft.com/office/drawing/2010/main" val="0"/>
@@ -9514,7 +9619,7 @@
                     <a:latin typeface="Times New Roman" panose="02020603050405020304" pitchFamily="18" charset="0"/>
                     <a:cs typeface="Times New Roman" panose="02020603050405020304" pitchFamily="18" charset="0"/>
                   </a:rPr>
-                  <a:t>По возможности убираем БУ с маршрута, и назначаем его работу, другой машине, которая находится на этой же локации</a:t>
+                  <a:t>По возможности убираем БУ с маршрута и назначаем его работу, другой машине, которая находится на этой же локации</a:t>
                 </a:r>
               </a:p>
               <a:p>
@@ -9775,8 +9880,47 @@
                     <a:latin typeface="Times New Roman" panose="02020603050405020304" pitchFamily="18" charset="0"/>
                     <a:cs typeface="Times New Roman" panose="02020603050405020304" pitchFamily="18" charset="0"/>
                   </a:rPr>
-                  <a:t>Удалить наихудшее решение и добавить новое решение в популяцию</a:t>
-                </a:r>
+                  <a:t>Добавить </a:t>
+                </a:r>
+                <a:r>
+                  <a:rPr lang="ru-RU" dirty="0">
+                    <a:latin typeface="Times New Roman" panose="02020603050405020304" pitchFamily="18" charset="0"/>
+                    <a:cs typeface="Times New Roman" panose="02020603050405020304" pitchFamily="18" charset="0"/>
+                  </a:rPr>
+                  <a:t>новое решение в </a:t>
+                </a:r>
+                <a:r>
+                  <a:rPr lang="ru-RU" dirty="0" smtClean="0">
+                    <a:latin typeface="Times New Roman" panose="02020603050405020304" pitchFamily="18" charset="0"/>
+                    <a:cs typeface="Times New Roman" panose="02020603050405020304" pitchFamily="18" charset="0"/>
+                  </a:rPr>
+                  <a:t>популяцию </a:t>
+                </a:r>
+                <a:r>
+                  <a:rPr lang="ru-RU" dirty="0">
+                    <a:latin typeface="Times New Roman" panose="02020603050405020304" pitchFamily="18" charset="0"/>
+                    <a:cs typeface="Times New Roman" panose="02020603050405020304" pitchFamily="18" charset="0"/>
+                  </a:rPr>
+                  <a:t>и </a:t>
+                </a:r>
+                <a:r>
+                  <a:rPr lang="ru-RU" dirty="0" smtClean="0">
+                    <a:latin typeface="Times New Roman" panose="02020603050405020304" pitchFamily="18" charset="0"/>
+                    <a:cs typeface="Times New Roman" panose="02020603050405020304" pitchFamily="18" charset="0"/>
+                  </a:rPr>
+                  <a:t>удалить </a:t>
+                </a:r>
+                <a:r>
+                  <a:rPr lang="ru-RU" dirty="0">
+                    <a:latin typeface="Times New Roman" panose="02020603050405020304" pitchFamily="18" charset="0"/>
+                    <a:cs typeface="Times New Roman" panose="02020603050405020304" pitchFamily="18" charset="0"/>
+                  </a:rPr>
+                  <a:t>наихудшее решение</a:t>
+                </a:r>
+                <a:endParaRPr lang="ru-RU" dirty="0" smtClean="0">
+                  <a:latin typeface="Times New Roman" panose="02020603050405020304" pitchFamily="18" charset="0"/>
+                  <a:cs typeface="Times New Roman" panose="02020603050405020304" pitchFamily="18" charset="0"/>
+                </a:endParaRPr>
               </a:p>
               <a:p>
                 <a:pPr marL="457200" indent="-457200">
@@ -9941,14 +10085,7 @@
                 <a:latin typeface="Times New Roman" panose="02020603050405020304" pitchFamily="18" charset="0"/>
                 <a:cs typeface="Times New Roman" panose="02020603050405020304" pitchFamily="18" charset="0"/>
               </a:rPr>
-              <a:t> </a:t>
-            </a:r>
-            <a:r>
-              <a:rPr lang="ru-RU" dirty="0" smtClean="0">
-                <a:latin typeface="Times New Roman" panose="02020603050405020304" pitchFamily="18" charset="0"/>
-                <a:cs typeface="Times New Roman" panose="02020603050405020304" pitchFamily="18" charset="0"/>
-              </a:rPr>
-              <a:t>- порождает решение путем выбора чередующихся дуг из первого и второго решения.</a:t>
+              <a:t> - порождает решение путем выбора чередующихся дуг из первого и второго решения.</a:t>
             </a:r>
           </a:p>
           <a:p>
@@ -9991,21 +10128,7 @@
                 <a:latin typeface="Times New Roman" panose="02020603050405020304" pitchFamily="18" charset="0"/>
                 <a:cs typeface="Times New Roman" panose="02020603050405020304" pitchFamily="18" charset="0"/>
               </a:rPr>
-              <a:t> - из двух ребер выбирает </a:t>
-            </a:r>
-            <a:r>
-              <a:rPr lang="ru-RU" dirty="0" err="1" smtClean="0">
-                <a:latin typeface="Times New Roman" panose="02020603050405020304" pitchFamily="18" charset="0"/>
-                <a:cs typeface="Times New Roman" panose="02020603050405020304" pitchFamily="18" charset="0"/>
-              </a:rPr>
-              <a:t>рандомное</a:t>
-            </a:r>
-            <a:r>
-              <a:rPr lang="ru-RU" dirty="0" smtClean="0">
-                <a:latin typeface="Times New Roman" panose="02020603050405020304" pitchFamily="18" charset="0"/>
-                <a:cs typeface="Times New Roman" panose="02020603050405020304" pitchFamily="18" charset="0"/>
-              </a:rPr>
-              <a:t>.</a:t>
+              <a:t> - из двух ребер выбирает случайное ребро.</a:t>
             </a:r>
             <a:r>
               <a:rPr lang="ru-RU" baseline="0" dirty="0" smtClean="0">
@@ -10039,7 +10162,21 @@
                 <a:latin typeface="Times New Roman" panose="02020603050405020304" pitchFamily="18" charset="0"/>
                 <a:cs typeface="Times New Roman" panose="02020603050405020304" pitchFamily="18" charset="0"/>
               </a:rPr>
-              <a:t>из двух ребер выбирает любое но с большей вероятностью на самое короткое.</a:t>
+              <a:t>из двух ребер выбирает </a:t>
+            </a:r>
+            <a:r>
+              <a:rPr lang="ru-RU" baseline="0" dirty="0" smtClean="0">
+                <a:latin typeface="Times New Roman" panose="02020603050405020304" pitchFamily="18" charset="0"/>
+                <a:cs typeface="Times New Roman" panose="02020603050405020304" pitchFamily="18" charset="0"/>
+              </a:rPr>
+              <a:t>любое, </a:t>
+            </a:r>
+            <a:r>
+              <a:rPr lang="ru-RU" baseline="0" dirty="0" smtClean="0">
+                <a:latin typeface="Times New Roman" panose="02020603050405020304" pitchFamily="18" charset="0"/>
+                <a:cs typeface="Times New Roman" panose="02020603050405020304" pitchFamily="18" charset="0"/>
+              </a:rPr>
+              <a:t>но с большей вероятностью на самое короткое.</a:t>
             </a:r>
             <a:endParaRPr lang="ru-RU" dirty="0" smtClean="0">
               <a:latin typeface="Times New Roman" panose="02020603050405020304" pitchFamily="18" charset="0"/>
@@ -10163,26 +10300,8 @@
                 <a:latin typeface="Times New Roman" panose="02020603050405020304" pitchFamily="18" charset="0"/>
                 <a:cs typeface="Times New Roman" panose="02020603050405020304" pitchFamily="18" charset="0"/>
               </a:rPr>
-              <a:t>Чередуем конец ребра из двух </a:t>
-            </a:r>
-            <a:r>
-              <a:rPr lang="ru-RU" dirty="0" smtClean="0">
-                <a:latin typeface="Times New Roman" panose="02020603050405020304" pitchFamily="18" charset="0"/>
-                <a:cs typeface="Times New Roman" panose="02020603050405020304" pitchFamily="18" charset="0"/>
-              </a:rPr>
-              <a:t>выбранных решений</a:t>
-            </a:r>
-            <a:r>
-              <a:rPr lang="ru-RU" dirty="0" smtClean="0">
-                <a:latin typeface="Times New Roman" panose="02020603050405020304" pitchFamily="18" charset="0"/>
-                <a:cs typeface="Times New Roman" panose="02020603050405020304" pitchFamily="18" charset="0"/>
-              </a:rPr>
-              <a:t>. </a:t>
-            </a:r>
-            <a:endParaRPr lang="ru-RU" dirty="0" smtClean="0">
-              <a:latin typeface="Times New Roman" panose="02020603050405020304" pitchFamily="18" charset="0"/>
-              <a:cs typeface="Times New Roman" panose="02020603050405020304" pitchFamily="18" charset="0"/>
-            </a:endParaRPr>
+              <a:t>Чередуем конец ребра из двух выбранных решений. </a:t>
+            </a:r>
           </a:p>
           <a:p>
             <a:r>
@@ -11755,6 +11874,13 @@
   <p:clrMapOvr>
     <a:masterClrMapping/>
   </p:clrMapOvr>
+  <p:timing>
+    <p:tnLst>
+      <p:par>
+        <p:cTn id="1" dur="indefinite" restart="never" nodeType="tmRoot"/>
+      </p:par>
+    </p:tnLst>
+  </p:timing>
 </p:sld>
 </file>
 
@@ -11801,60 +11927,201 @@
           </a:p>
         </p:txBody>
       </p:sp>
-      <p:sp>
-        <p:nvSpPr>
-          <p:cNvPr id="3" name="Объект 2"/>
-          <p:cNvSpPr>
-            <a:spLocks noGrp="1"/>
-          </p:cNvSpPr>
-          <p:nvPr>
-            <p:ph idx="1"/>
-          </p:nvPr>
-        </p:nvSpPr>
-        <p:spPr/>
-        <p:txBody>
-          <a:bodyPr/>
-          <a:lstStyle/>
-          <a:p>
-            <a:r>
-              <a:rPr lang="en-US" dirty="0" smtClean="0"/>
-              <a:t>Relocate - </a:t>
-            </a:r>
-            <a:r>
-              <a:rPr lang="ru-RU" dirty="0" smtClean="0"/>
-              <a:t>переставляет любого объекта </a:t>
-            </a:r>
-            <a:r>
-              <a:rPr lang="ru-RU" dirty="0"/>
-              <a:t>к</a:t>
-            </a:r>
-            <a:r>
-              <a:rPr lang="ru-RU" dirty="0" smtClean="0"/>
-              <a:t> случайному объекту</a:t>
-            </a:r>
-            <a:endParaRPr lang="en-US" dirty="0" smtClean="0"/>
-          </a:p>
-          <a:p>
-            <a:r>
-              <a:rPr lang="en-US" dirty="0" smtClean="0"/>
-              <a:t>2-Opt</a:t>
-            </a:r>
-            <a:r>
-              <a:rPr lang="ru-RU" dirty="0" smtClean="0"/>
-              <a:t> </a:t>
-            </a:r>
-            <a:r>
-              <a:rPr lang="en-US" dirty="0" smtClean="0"/>
-              <a:t>– </a:t>
-            </a:r>
-            <a:r>
-              <a:rPr lang="ru-RU" dirty="0" smtClean="0"/>
-              <a:t>поменять местами продолжение двух маршрутов начиная со случайных объектов</a:t>
-            </a:r>
-            <a:endParaRPr lang="en-US" dirty="0" smtClean="0"/>
-          </a:p>
-        </p:txBody>
-      </p:sp>
+      <mc:AlternateContent xmlns:mc="http://schemas.openxmlformats.org/markup-compatibility/2006" xmlns:a14="http://schemas.microsoft.com/office/drawing/2010/main">
+        <mc:Choice Requires="a14">
+          <p:sp>
+            <p:nvSpPr>
+              <p:cNvPr id="3" name="Объект 2"/>
+              <p:cNvSpPr>
+                <a:spLocks noGrp="1"/>
+              </p:cNvSpPr>
+              <p:nvPr>
+                <p:ph idx="1"/>
+              </p:nvPr>
+            </p:nvSpPr>
+            <p:spPr/>
+            <p:txBody>
+              <a:bodyPr/>
+              <a:lstStyle/>
+              <a:p>
+                <a:r>
+                  <a:rPr lang="en-US" dirty="0" smtClean="0"/>
+                  <a:t>Relocate - </a:t>
+                </a:r>
+                <a:r>
+                  <a:rPr lang="ru-RU" dirty="0" smtClean="0"/>
+                  <a:t>переставляет любой объект </a:t>
+                </a:r>
+                <a:r>
+                  <a:rPr lang="ru-RU" dirty="0"/>
+                  <a:t>к</a:t>
+                </a:r>
+                <a:r>
+                  <a:rPr lang="ru-RU" dirty="0" smtClean="0"/>
+                  <a:t> каждому объекту. </a:t>
+                </a:r>
+              </a:p>
+              <a:p>
+                <a:pPr marL="0" indent="0">
+                  <a:buNone/>
+                </a:pPr>
+                <a:r>
+                  <a:rPr lang="ru-RU" dirty="0"/>
+                  <a:t> </a:t>
+                </a:r>
+                <a:r>
+                  <a:rPr lang="ru-RU" dirty="0" smtClean="0"/>
+                  <a:t>  Мощность – О(</a:t>
+                </a:r>
+                <a14:m>
+                  <m:oMath xmlns:m="http://schemas.openxmlformats.org/officeDocument/2006/math">
+                    <m:sSup>
+                      <m:sSupPr>
+                        <m:ctrlPr>
+                          <a:rPr lang="ru-RU" i="1" smtClean="0">
+                            <a:latin typeface="Cambria Math" panose="02040503050406030204" pitchFamily="18" charset="0"/>
+                          </a:rPr>
+                        </m:ctrlPr>
+                      </m:sSupPr>
+                      <m:e>
+                        <m:r>
+                          <a:rPr lang="en-US" b="0" i="1" smtClean="0">
+                            <a:latin typeface="Cambria Math" panose="02040503050406030204" pitchFamily="18" charset="0"/>
+                          </a:rPr>
+                          <m:t>𝑛</m:t>
+                        </m:r>
+                      </m:e>
+                      <m:sup>
+                        <m:r>
+                          <a:rPr lang="en-US" b="0" i="1" smtClean="0">
+                            <a:latin typeface="Cambria Math" panose="02040503050406030204" pitchFamily="18" charset="0"/>
+                          </a:rPr>
+                          <m:t>2</m:t>
+                        </m:r>
+                      </m:sup>
+                    </m:sSup>
+                  </m:oMath>
+                </a14:m>
+                <a:r>
+                  <a:rPr lang="ru-RU" dirty="0" smtClean="0"/>
+                  <a:t>)</a:t>
+                </a:r>
+              </a:p>
+              <a:p>
+                <a:endParaRPr lang="en-US" dirty="0" smtClean="0"/>
+              </a:p>
+              <a:p>
+                <a:r>
+                  <a:rPr lang="en-US" dirty="0" smtClean="0"/>
+                  <a:t>2-Opt</a:t>
+                </a:r>
+                <a:r>
+                  <a:rPr lang="ru-RU" dirty="0" smtClean="0"/>
+                  <a:t> </a:t>
+                </a:r>
+                <a:r>
+                  <a:rPr lang="en-US" dirty="0" smtClean="0"/>
+                  <a:t>– </a:t>
+                </a:r>
+                <a:r>
+                  <a:rPr lang="ru-RU" dirty="0" smtClean="0"/>
+                  <a:t>процедура обмена частями маршрута. </a:t>
+                </a:r>
+              </a:p>
+              <a:p>
+                <a:pPr marL="0" indent="0">
+                  <a:buNone/>
+                </a:pPr>
+                <a:r>
+                  <a:rPr lang="ru-RU" dirty="0"/>
+                  <a:t> </a:t>
+                </a:r>
+                <a:r>
+                  <a:rPr lang="ru-RU" dirty="0" smtClean="0"/>
+                  <a:t>  Мощность </a:t>
+                </a:r>
+                <a:r>
+                  <a:rPr lang="ru-RU" dirty="0"/>
+                  <a:t>– О(</a:t>
+                </a:r>
+                <a14:m>
+                  <m:oMath xmlns:m="http://schemas.openxmlformats.org/officeDocument/2006/math">
+                    <m:sSup>
+                      <m:sSupPr>
+                        <m:ctrlPr>
+                          <a:rPr lang="ru-RU" i="1">
+                            <a:latin typeface="Cambria Math" panose="02040503050406030204" pitchFamily="18" charset="0"/>
+                          </a:rPr>
+                        </m:ctrlPr>
+                      </m:sSupPr>
+                      <m:e>
+                        <m:r>
+                          <a:rPr lang="en-US" i="1">
+                            <a:latin typeface="Cambria Math" panose="02040503050406030204" pitchFamily="18" charset="0"/>
+                          </a:rPr>
+                          <m:t>𝑛</m:t>
+                        </m:r>
+                      </m:e>
+                      <m:sup>
+                        <m:r>
+                          <a:rPr lang="en-US" i="1">
+                            <a:latin typeface="Cambria Math" panose="02040503050406030204" pitchFamily="18" charset="0"/>
+                          </a:rPr>
+                          <m:t>2</m:t>
+                        </m:r>
+                      </m:sup>
+                    </m:sSup>
+                  </m:oMath>
+                </a14:m>
+                <a:r>
+                  <a:rPr lang="ru-RU" dirty="0"/>
+                  <a:t>)</a:t>
+                </a:r>
+                <a:endParaRPr lang="en-US" dirty="0"/>
+              </a:p>
+              <a:p>
+                <a:endParaRPr lang="en-US" dirty="0" smtClean="0"/>
+              </a:p>
+              <a:p>
+                <a:endParaRPr lang="en-US" dirty="0" smtClean="0"/>
+              </a:p>
+            </p:txBody>
+          </p:sp>
+        </mc:Choice>
+        <mc:Fallback xmlns="">
+          <p:sp>
+            <p:nvSpPr>
+              <p:cNvPr id="3" name="Объект 2"/>
+              <p:cNvSpPr>
+                <a:spLocks noGrp="1" noRot="1" noChangeAspect="1" noMove="1" noResize="1" noEditPoints="1" noAdjustHandles="1" noChangeArrowheads="1" noChangeShapeType="1" noTextEdit="1"/>
+              </p:cNvSpPr>
+              <p:nvPr>
+                <p:ph idx="1"/>
+              </p:nvPr>
+            </p:nvSpPr>
+            <p:spPr>
+              <a:blipFill>
+                <a:blip r:embed="rId3"/>
+                <a:stretch>
+                  <a:fillRect l="-1043" t="-2241"/>
+                </a:stretch>
+              </a:blipFill>
+            </p:spPr>
+            <p:txBody>
+              <a:bodyPr/>
+              <a:lstStyle/>
+              <a:p>
+                <a:r>
+                  <a:rPr lang="ru-RU">
+                    <a:noFill/>
+                  </a:rPr>
+                  <a:t> </a:t>
+                </a:r>
+              </a:p>
+            </p:txBody>
+          </p:sp>
+        </mc:Fallback>
+      </mc:AlternateContent>
       <p:sp>
         <p:nvSpPr>
           <p:cNvPr id="4" name="Номер слайда 3"/>
@@ -11888,6 +12155,13 @@
   <p:clrMapOvr>
     <a:masterClrMapping/>
   </p:clrMapOvr>
+  <p:timing>
+    <p:tnLst>
+      <p:par>
+        <p:cTn id="1" dur="indefinite" restart="never" nodeType="tmRoot"/>
+      </p:par>
+    </p:tnLst>
+  </p:timing>
 </p:sld>
 </file>
 

--- a/cpeck/diplom.pptx
+++ b/cpeck/diplom.pptx
@@ -212,7 +212,7 @@
           <a:p>
             <a:fld id="{BBF85703-EE90-4580-85AF-EA7094EE9115}" type="datetimeFigureOut">
               <a:rPr lang="ru-RU" smtClean="0"/>
-              <a:t>11/04/2020</a:t>
+              <a:t>02/05/2020</a:t>
             </a:fld>
             <a:endParaRPr lang="ru-RU"/>
           </a:p>
@@ -2072,7 +2072,7 @@
           <a:p>
             <a:fld id="{F9CC9E3F-DD9F-46B3-BA2B-82CCB0AB45D8}" type="datetime1">
               <a:rPr lang="ru-RU" smtClean="0"/>
-              <a:t>11/04/2020</a:t>
+              <a:t>02/05/2020</a:t>
             </a:fld>
             <a:endParaRPr lang="ru-RU"/>
           </a:p>
@@ -2242,7 +2242,7 @@
           <a:p>
             <a:fld id="{381955DC-8BDE-43A9-8606-2B798AFC22DA}" type="datetime1">
               <a:rPr lang="ru-RU" smtClean="0"/>
-              <a:t>11/04/2020</a:t>
+              <a:t>02/05/2020</a:t>
             </a:fld>
             <a:endParaRPr lang="ru-RU"/>
           </a:p>
@@ -2422,7 +2422,7 @@
           <a:p>
             <a:fld id="{19C577BF-68FF-4817-871A-5FAB63D65E6E}" type="datetime1">
               <a:rPr lang="ru-RU" smtClean="0"/>
-              <a:t>11/04/2020</a:t>
+              <a:t>02/05/2020</a:t>
             </a:fld>
             <a:endParaRPr lang="ru-RU"/>
           </a:p>
@@ -2592,7 +2592,7 @@
           <a:p>
             <a:fld id="{3A606278-A98A-4E8F-B825-8DD968401051}" type="datetime1">
               <a:rPr lang="ru-RU" smtClean="0"/>
-              <a:t>11/04/2020</a:t>
+              <a:t>02/05/2020</a:t>
             </a:fld>
             <a:endParaRPr lang="ru-RU"/>
           </a:p>
@@ -2838,7 +2838,7 @@
           <a:p>
             <a:fld id="{32187602-E65D-4461-AD47-ACF81819BB9A}" type="datetime1">
               <a:rPr lang="ru-RU" smtClean="0"/>
-              <a:t>11/04/2020</a:t>
+              <a:t>02/05/2020</a:t>
             </a:fld>
             <a:endParaRPr lang="ru-RU"/>
           </a:p>
@@ -3070,7 +3070,7 @@
           <a:p>
             <a:fld id="{BC2802B6-2672-4DB5-A19C-63F7E463C685}" type="datetime1">
               <a:rPr lang="ru-RU" smtClean="0"/>
-              <a:t>11/04/2020</a:t>
+              <a:t>02/05/2020</a:t>
             </a:fld>
             <a:endParaRPr lang="ru-RU"/>
           </a:p>
@@ -3437,7 +3437,7 @@
           <a:p>
             <a:fld id="{5F894B04-852D-4FA4-9DBB-0E4D3B1D8C25}" type="datetime1">
               <a:rPr lang="ru-RU" smtClean="0"/>
-              <a:t>11/04/2020</a:t>
+              <a:t>02/05/2020</a:t>
             </a:fld>
             <a:endParaRPr lang="ru-RU"/>
           </a:p>
@@ -3555,7 +3555,7 @@
           <a:p>
             <a:fld id="{C73CEC1E-ED97-424B-A00A-82668925A04A}" type="datetime1">
               <a:rPr lang="ru-RU" smtClean="0"/>
-              <a:t>11/04/2020</a:t>
+              <a:t>02/05/2020</a:t>
             </a:fld>
             <a:endParaRPr lang="ru-RU"/>
           </a:p>
@@ -3650,7 +3650,7 @@
           <a:p>
             <a:fld id="{305FB56C-CE87-4542-9CAF-F110C3D8BB23}" type="datetime1">
               <a:rPr lang="ru-RU" smtClean="0"/>
-              <a:t>11/04/2020</a:t>
+              <a:t>02/05/2020</a:t>
             </a:fld>
             <a:endParaRPr lang="ru-RU"/>
           </a:p>
@@ -3927,7 +3927,7 @@
           <a:p>
             <a:fld id="{E8526DC7-5238-458A-9F3B-12AEE5076CBE}" type="datetime1">
               <a:rPr lang="ru-RU" smtClean="0"/>
-              <a:t>11/04/2020</a:t>
+              <a:t>02/05/2020</a:t>
             </a:fld>
             <a:endParaRPr lang="ru-RU"/>
           </a:p>
@@ -4180,7 +4180,7 @@
           <a:p>
             <a:fld id="{77CA1DD9-FED3-41BB-B05E-B7ABE45C97C0}" type="datetime1">
               <a:rPr lang="ru-RU" smtClean="0"/>
-              <a:t>11/04/2020</a:t>
+              <a:t>02/05/2020</a:t>
             </a:fld>
             <a:endParaRPr lang="ru-RU"/>
           </a:p>
@@ -4393,7 +4393,7 @@
           <a:p>
             <a:fld id="{A02FE817-CB1E-478C-9DF4-A675946A3299}" type="datetime1">
               <a:rPr lang="ru-RU" smtClean="0"/>
-              <a:t>11/04/2020</a:t>
+              <a:t>02/05/2020</a:t>
             </a:fld>
             <a:endParaRPr lang="ru-RU"/>
           </a:p>
@@ -4956,7 +4956,7 @@
             <p:ph idx="1"/>
             <p:extLst>
               <p:ext uri="{D42A27DB-BD31-4B8C-83A1-F6EECF244321}">
-                <p14:modId xmlns:p14="http://schemas.microsoft.com/office/powerpoint/2010/main" val="1027421018"/>
+                <p14:modId xmlns:p14="http://schemas.microsoft.com/office/powerpoint/2010/main" val="3265258855"/>
               </p:ext>
             </p:extLst>
           </p:nvPr>
@@ -5350,11 +5350,7 @@
                     <a:p>
                       <a:r>
                         <a:rPr lang="en-US" dirty="0" smtClean="0"/>
-                        <a:t>79 </a:t>
-                      </a:r>
-                      <a:r>
-                        <a:rPr lang="en-US" dirty="0" smtClean="0"/>
-                        <a:t>seconds</a:t>
+                        <a:t>79 seconds</a:t>
                       </a:r>
                       <a:endParaRPr lang="ru-RU" dirty="0"/>
                     </a:p>
@@ -5452,7 +5448,7 @@
                     <a:p>
                       <a:r>
                         <a:rPr lang="en-US" dirty="0" smtClean="0"/>
-                        <a:t>4592</a:t>
+                        <a:t>148.6711</a:t>
                       </a:r>
                       <a:endParaRPr lang="ru-RU" dirty="0"/>
                     </a:p>
@@ -5552,11 +5548,7 @@
                     <a:p>
                       <a:r>
                         <a:rPr lang="en-US" dirty="0" smtClean="0"/>
-                        <a:t>75,54 </a:t>
-                      </a:r>
-                      <a:r>
-                        <a:rPr lang="en-US" dirty="0" smtClean="0"/>
-                        <a:t>seconds</a:t>
+                        <a:t>75,54 seconds</a:t>
                       </a:r>
                       <a:endParaRPr lang="ru-RU" dirty="0"/>
                     </a:p>
@@ -5570,11 +5562,7 @@
                     <a:p>
                       <a:r>
                         <a:rPr lang="en-US" dirty="0" smtClean="0"/>
-                        <a:t>8.5 </a:t>
-                      </a:r>
-                      <a:r>
-                        <a:rPr lang="en-US" dirty="0" smtClean="0"/>
-                        <a:t>hours</a:t>
+                        <a:t>8.5 hours</a:t>
                       </a:r>
                       <a:endParaRPr lang="ru-RU" dirty="0"/>
                     </a:p>
@@ -5623,11 +5611,7 @@
                       </a:r>
                       <a:r>
                         <a:rPr lang="ru-RU" baseline="0" dirty="0" smtClean="0"/>
-                        <a:t> = </a:t>
-                      </a:r>
-                      <a:r>
-                        <a:rPr lang="ru-RU" baseline="0" dirty="0" smtClean="0"/>
-                        <a:t>5</a:t>
+                        <a:t> = 5</a:t>
                       </a:r>
                     </a:p>
                     <a:p>
@@ -5895,14 +5879,7 @@
                 <a:latin typeface="Times New Roman" panose="02020603050405020304" pitchFamily="18" charset="0"/>
                 <a:cs typeface="Times New Roman" panose="02020603050405020304" pitchFamily="18" charset="0"/>
               </a:rPr>
-              <a:t>Реализовать больше операторов для локального поиска</a:t>
-            </a:r>
-            <a:r>
-              <a:rPr lang="ru-RU" dirty="0" smtClean="0">
-                <a:latin typeface="Times New Roman" panose="02020603050405020304" pitchFamily="18" charset="0"/>
-                <a:cs typeface="Times New Roman" panose="02020603050405020304" pitchFamily="18" charset="0"/>
-              </a:rPr>
-              <a:t>.</a:t>
+              <a:t>Реализовать больше операторов для локального поиска.</a:t>
             </a:r>
             <a:endParaRPr lang="en-US" dirty="0" smtClean="0">
               <a:latin typeface="Times New Roman" panose="02020603050405020304" pitchFamily="18" charset="0"/>
@@ -10162,21 +10139,7 @@
                 <a:latin typeface="Times New Roman" panose="02020603050405020304" pitchFamily="18" charset="0"/>
                 <a:cs typeface="Times New Roman" panose="02020603050405020304" pitchFamily="18" charset="0"/>
               </a:rPr>
-              <a:t>из двух ребер выбирает </a:t>
-            </a:r>
-            <a:r>
-              <a:rPr lang="ru-RU" baseline="0" dirty="0" smtClean="0">
-                <a:latin typeface="Times New Roman" panose="02020603050405020304" pitchFamily="18" charset="0"/>
-                <a:cs typeface="Times New Roman" panose="02020603050405020304" pitchFamily="18" charset="0"/>
-              </a:rPr>
-              <a:t>любое, </a:t>
-            </a:r>
-            <a:r>
-              <a:rPr lang="ru-RU" baseline="0" dirty="0" smtClean="0">
-                <a:latin typeface="Times New Roman" panose="02020603050405020304" pitchFamily="18" charset="0"/>
-                <a:cs typeface="Times New Roman" panose="02020603050405020304" pitchFamily="18" charset="0"/>
-              </a:rPr>
-              <a:t>но с большей вероятностью на самое короткое.</a:t>
+              <a:t>из двух ребер выбирает любое, но с большей вероятностью на самое короткое.</a:t>
             </a:r>
             <a:endParaRPr lang="ru-RU" dirty="0" smtClean="0">
               <a:latin typeface="Times New Roman" panose="02020603050405020304" pitchFamily="18" charset="0"/>

--- a/cpeck/diplom.pptx
+++ b/cpeck/diplom.pptx
@@ -212,7 +212,7 @@
           <a:p>
             <a:fld id="{BBF85703-EE90-4580-85AF-EA7094EE9115}" type="datetimeFigureOut">
               <a:rPr lang="ru-RU" smtClean="0"/>
-              <a:t>02/05/2020</a:t>
+              <a:t>03/05/2020</a:t>
             </a:fld>
             <a:endParaRPr lang="ru-RU"/>
           </a:p>
@@ -2072,7 +2072,7 @@
           <a:p>
             <a:fld id="{F9CC9E3F-DD9F-46B3-BA2B-82CCB0AB45D8}" type="datetime1">
               <a:rPr lang="ru-RU" smtClean="0"/>
-              <a:t>02/05/2020</a:t>
+              <a:t>03/05/2020</a:t>
             </a:fld>
             <a:endParaRPr lang="ru-RU"/>
           </a:p>
@@ -2242,7 +2242,7 @@
           <a:p>
             <a:fld id="{381955DC-8BDE-43A9-8606-2B798AFC22DA}" type="datetime1">
               <a:rPr lang="ru-RU" smtClean="0"/>
-              <a:t>02/05/2020</a:t>
+              <a:t>03/05/2020</a:t>
             </a:fld>
             <a:endParaRPr lang="ru-RU"/>
           </a:p>
@@ -2422,7 +2422,7 @@
           <a:p>
             <a:fld id="{19C577BF-68FF-4817-871A-5FAB63D65E6E}" type="datetime1">
               <a:rPr lang="ru-RU" smtClean="0"/>
-              <a:t>02/05/2020</a:t>
+              <a:t>03/05/2020</a:t>
             </a:fld>
             <a:endParaRPr lang="ru-RU"/>
           </a:p>
@@ -2592,7 +2592,7 @@
           <a:p>
             <a:fld id="{3A606278-A98A-4E8F-B825-8DD968401051}" type="datetime1">
               <a:rPr lang="ru-RU" smtClean="0"/>
-              <a:t>02/05/2020</a:t>
+              <a:t>03/05/2020</a:t>
             </a:fld>
             <a:endParaRPr lang="ru-RU"/>
           </a:p>
@@ -2838,7 +2838,7 @@
           <a:p>
             <a:fld id="{32187602-E65D-4461-AD47-ACF81819BB9A}" type="datetime1">
               <a:rPr lang="ru-RU" smtClean="0"/>
-              <a:t>02/05/2020</a:t>
+              <a:t>03/05/2020</a:t>
             </a:fld>
             <a:endParaRPr lang="ru-RU"/>
           </a:p>
@@ -3070,7 +3070,7 @@
           <a:p>
             <a:fld id="{BC2802B6-2672-4DB5-A19C-63F7E463C685}" type="datetime1">
               <a:rPr lang="ru-RU" smtClean="0"/>
-              <a:t>02/05/2020</a:t>
+              <a:t>03/05/2020</a:t>
             </a:fld>
             <a:endParaRPr lang="ru-RU"/>
           </a:p>
@@ -3437,7 +3437,7 @@
           <a:p>
             <a:fld id="{5F894B04-852D-4FA4-9DBB-0E4D3B1D8C25}" type="datetime1">
               <a:rPr lang="ru-RU" smtClean="0"/>
-              <a:t>02/05/2020</a:t>
+              <a:t>03/05/2020</a:t>
             </a:fld>
             <a:endParaRPr lang="ru-RU"/>
           </a:p>
@@ -3555,7 +3555,7 @@
           <a:p>
             <a:fld id="{C73CEC1E-ED97-424B-A00A-82668925A04A}" type="datetime1">
               <a:rPr lang="ru-RU" smtClean="0"/>
-              <a:t>02/05/2020</a:t>
+              <a:t>03/05/2020</a:t>
             </a:fld>
             <a:endParaRPr lang="ru-RU"/>
           </a:p>
@@ -3650,7 +3650,7 @@
           <a:p>
             <a:fld id="{305FB56C-CE87-4542-9CAF-F110C3D8BB23}" type="datetime1">
               <a:rPr lang="ru-RU" smtClean="0"/>
-              <a:t>02/05/2020</a:t>
+              <a:t>03/05/2020</a:t>
             </a:fld>
             <a:endParaRPr lang="ru-RU"/>
           </a:p>
@@ -3927,7 +3927,7 @@
           <a:p>
             <a:fld id="{E8526DC7-5238-458A-9F3B-12AEE5076CBE}" type="datetime1">
               <a:rPr lang="ru-RU" smtClean="0"/>
-              <a:t>02/05/2020</a:t>
+              <a:t>03/05/2020</a:t>
             </a:fld>
             <a:endParaRPr lang="ru-RU"/>
           </a:p>
@@ -4180,7 +4180,7 @@
           <a:p>
             <a:fld id="{77CA1DD9-FED3-41BB-B05E-B7ABE45C97C0}" type="datetime1">
               <a:rPr lang="ru-RU" smtClean="0"/>
-              <a:t>02/05/2020</a:t>
+              <a:t>03/05/2020</a:t>
             </a:fld>
             <a:endParaRPr lang="ru-RU"/>
           </a:p>
@@ -4393,7 +4393,7 @@
           <a:p>
             <a:fld id="{A02FE817-CB1E-478C-9DF4-A675946A3299}" type="datetime1">
               <a:rPr lang="ru-RU" smtClean="0"/>
-              <a:t>02/05/2020</a:t>
+              <a:t>03/05/2020</a:t>
             </a:fld>
             <a:endParaRPr lang="ru-RU"/>
           </a:p>
@@ -4956,7 +4956,7 @@
             <p:ph idx="1"/>
             <p:extLst>
               <p:ext uri="{D42A27DB-BD31-4B8C-83A1-F6EECF244321}">
-                <p14:modId xmlns:p14="http://schemas.microsoft.com/office/powerpoint/2010/main" val="3265258855"/>
+                <p14:modId xmlns:p14="http://schemas.microsoft.com/office/powerpoint/2010/main" val="72913550"/>
               </p:ext>
             </p:extLst>
           </p:nvPr>
@@ -5461,8 +5461,8 @@
                     <a:lstStyle/>
                     <a:p>
                       <a:r>
-                        <a:rPr lang="en-US" dirty="0" smtClean="0"/>
-                        <a:t>81006.15</a:t>
+                        <a:rPr lang="en-US" smtClean="0"/>
+                        <a:t>12687</a:t>
                       </a:r>
                       <a:endParaRPr lang="ru-RU" dirty="0"/>
                     </a:p>

--- a/cpeck/diplom.pptx
+++ b/cpeck/diplom.pptx
@@ -5,7 +5,7 @@
     <p:sldMasterId id="2147483766" r:id="rId1"/>
   </p:sldMasterIdLst>
   <p:notesMasterIdLst>
-    <p:notesMasterId r:id="rId15"/>
+    <p:notesMasterId r:id="rId17"/>
   </p:notesMasterIdLst>
   <p:sldIdLst>
     <p:sldId id="256" r:id="rId2"/>
@@ -17,10 +17,12 @@
     <p:sldId id="289" r:id="rId8"/>
     <p:sldId id="299" r:id="rId9"/>
     <p:sldId id="300" r:id="rId10"/>
-    <p:sldId id="288" r:id="rId11"/>
-    <p:sldId id="290" r:id="rId12"/>
-    <p:sldId id="283" r:id="rId13"/>
-    <p:sldId id="273" r:id="rId14"/>
+    <p:sldId id="303" r:id="rId11"/>
+    <p:sldId id="301" r:id="rId12"/>
+    <p:sldId id="302" r:id="rId13"/>
+    <p:sldId id="290" r:id="rId14"/>
+    <p:sldId id="283" r:id="rId15"/>
+    <p:sldId id="273" r:id="rId16"/>
   </p:sldIdLst>
   <p:sldSz cx="12192000" cy="6858000"/>
   <p:notesSz cx="6858000" cy="9144000"/>
@@ -618,7 +620,11 @@
             </a:r>
             <a:r>
               <a:rPr lang="ru-RU" dirty="0" smtClean="0"/>
-              <a:t>частичного целочисленного линейного</a:t>
+              <a:t>частично </a:t>
+            </a:r>
+            <a:r>
+              <a:rPr lang="ru-RU" dirty="0" smtClean="0"/>
+              <a:t>целочисленного линейного</a:t>
             </a:r>
             <a:r>
               <a:rPr lang="ru-RU" baseline="0" dirty="0" smtClean="0"/>
@@ -1010,7 +1016,11 @@
               <a:p>
                 <a:r>
                   <a:rPr lang="ru-RU" dirty="0" smtClean="0"/>
-                  <a:t>4.4) Удаление решение тоже можно сделать по разному удалять худшего</a:t>
+                  <a:t>4.5) </a:t>
+                </a:r>
+                <a:r>
+                  <a:rPr lang="ru-RU" dirty="0" smtClean="0"/>
+                  <a:t>Удаление решение тоже можно сделать по разному удалять худшего</a:t>
                 </a:r>
                 <a:r>
                   <a:rPr lang="ru-RU" baseline="0" dirty="0" smtClean="0"/>
@@ -1486,6 +1496,9 @@
               <a:rPr lang="ru-RU" baseline="0" dirty="0" smtClean="0"/>
               <a:t>  подается два решения. На выход получаем новое третье решение, полученное из первых двух. </a:t>
             </a:r>
+            <a:endParaRPr lang="ru-RU" baseline="0" dirty="0" smtClean="0"/>
+          </a:p>
+          <a:p>
             <a:r>
               <a:rPr lang="ru-RU" dirty="0" smtClean="0"/>
               <a:t>Остальные </a:t>
@@ -1694,26 +1707,31 @@
             </a:r>
             <a:r>
               <a:rPr lang="ru-RU" dirty="0" smtClean="0"/>
+              <a:t>Как известно 2опт плохо применим для задач</a:t>
+            </a:r>
+            <a:r>
+              <a:rPr lang="ru-RU" baseline="0" dirty="0" smtClean="0"/>
+              <a:t> с временными окнами. Поэтому используется гибридный вариант, который отличается только в реализации, а конкретно, в создании дубликата депо. Таким образом у каждого маршрута есть свое депо</a:t>
+            </a:r>
+          </a:p>
+          <a:p>
+            <a:r>
+              <a:rPr lang="ru-RU" dirty="0" smtClean="0"/>
               <a:t>Берем</a:t>
             </a:r>
             <a:r>
               <a:rPr lang="ru-RU" baseline="0" dirty="0" smtClean="0"/>
-              <a:t> два маршрута и разрываем их а  потом склеиваем их но по другому</a:t>
-            </a:r>
-          </a:p>
-          <a:p>
-            <a:endParaRPr lang="ru-RU" baseline="0" dirty="0" smtClean="0"/>
-          </a:p>
-          <a:p>
-            <a:r>
-              <a:rPr lang="ru-RU" dirty="0" smtClean="0"/>
-              <a:t>меняет местами продолжение двух маршрутов, начиная со случайных объектов</a:t>
+              <a:t> </a:t>
             </a:r>
             <a:r>
-              <a:rPr lang="en-US" dirty="0" smtClean="0"/>
-              <a:t>. </a:t>
+              <a:rPr lang="ru-RU" baseline="0" dirty="0" smtClean="0"/>
+              <a:t>два маршрута и разрываем их а  потом склеиваем их но по </a:t>
             </a:r>
-            <a:endParaRPr lang="ru-RU" dirty="0"/>
+            <a:r>
+              <a:rPr lang="ru-RU" baseline="0" dirty="0" smtClean="0"/>
+              <a:t>другому</a:t>
+            </a:r>
+            <a:endParaRPr lang="ru-RU" baseline="0" dirty="0" smtClean="0"/>
           </a:p>
         </p:txBody>
       </p:sp>
@@ -1799,15 +1817,11 @@
           <a:p>
             <a:r>
               <a:rPr lang="ru-RU" dirty="0" smtClean="0"/>
-              <a:t>50 – объектов не</a:t>
+              <a:t>Первым делом ищем объект</a:t>
             </a:r>
             <a:r>
               <a:rPr lang="ru-RU" baseline="0" dirty="0" smtClean="0"/>
-              <a:t> </a:t>
-            </a:r>
-            <a:r>
-              <a:rPr lang="ru-RU" baseline="0" dirty="0" err="1" smtClean="0"/>
-              <a:t>дорешал</a:t>
+              <a:t> который не успевает уложится в срок. Подсчитывает сколько скважин на этом объекте не укладываются во временное окно. Далее по одной скважине пытаемся отдать в каждый маршрут в каждое место, и выбирая при этом самую лучшую комбинацию. Если такой нет, то останавливается и возвращаем изначальное решение</a:t>
             </a:r>
             <a:endParaRPr lang="ru-RU" dirty="0"/>
           </a:p>
@@ -1839,7 +1853,7 @@
     </p:spTree>
     <p:extLst>
       <p:ext uri="{BB962C8B-B14F-4D97-AF65-F5344CB8AC3E}">
-        <p14:creationId xmlns:p14="http://schemas.microsoft.com/office/powerpoint/2010/main" val="1023082172"/>
+        <p14:creationId xmlns:p14="http://schemas.microsoft.com/office/powerpoint/2010/main" val="3766069613"/>
       </p:ext>
     </p:extLst>
   </p:cSld>
@@ -1922,7 +1936,7 @@
           <a:p>
             <a:fld id="{E248CA70-3485-4D35-BDD2-BE9B93897E26}" type="slidenum">
               <a:rPr lang="ru-RU" smtClean="0"/>
-              <a:t>12</a:t>
+              <a:t>14</a:t>
             </a:fld>
             <a:endParaRPr lang="ru-RU"/>
           </a:p>
@@ -4922,12 +4936,36 @@
             <p:ph type="title"/>
           </p:nvPr>
         </p:nvSpPr>
-        <p:spPr>
-          <a:xfrm>
-            <a:off x="1295394" y="321411"/>
-            <a:ext cx="9601196" cy="1303867"/>
-          </a:xfrm>
-        </p:spPr>
+        <p:spPr/>
+        <p:txBody>
+          <a:bodyPr/>
+          <a:lstStyle/>
+          <a:p>
+            <a:r>
+              <a:rPr lang="en-US" dirty="0" smtClean="0">
+                <a:latin typeface="Times New Roman" panose="02020603050405020304" pitchFamily="18" charset="0"/>
+                <a:cs typeface="Times New Roman" panose="02020603050405020304" pitchFamily="18" charset="0"/>
+              </a:rPr>
+              <a:t>Help</a:t>
+            </a:r>
+            <a:endParaRPr lang="ru-RU" dirty="0">
+              <a:latin typeface="Times New Roman" panose="02020603050405020304" pitchFamily="18" charset="0"/>
+              <a:cs typeface="Times New Roman" panose="02020603050405020304" pitchFamily="18" charset="0"/>
+            </a:endParaRPr>
+          </a:p>
+        </p:txBody>
+      </p:sp>
+      <p:sp>
+        <p:nvSpPr>
+          <p:cNvPr id="3" name="Объект 2"/>
+          <p:cNvSpPr>
+            <a:spLocks noGrp="1"/>
+          </p:cNvSpPr>
+          <p:nvPr>
+            <p:ph idx="1"/>
+          </p:nvPr>
+        </p:nvSpPr>
+        <p:spPr/>
         <p:txBody>
           <a:bodyPr/>
           <a:lstStyle/>
@@ -4937,7 +4975,7 @@
                 <a:latin typeface="Times New Roman" panose="02020603050405020304" pitchFamily="18" charset="0"/>
                 <a:cs typeface="Times New Roman" panose="02020603050405020304" pitchFamily="18" charset="0"/>
               </a:rPr>
-              <a:t>Результаты</a:t>
+              <a:t>Процедура, которая ищет объект не укладывающийся по времени. И раздает скважины в другие маршруты. </a:t>
             </a:r>
             <a:endParaRPr lang="ru-RU" dirty="0">
               <a:latin typeface="Times New Roman" panose="02020603050405020304" pitchFamily="18" charset="0"/>
@@ -4946,809 +4984,9 @@
           </a:p>
         </p:txBody>
       </p:sp>
-      <p:graphicFrame>
-        <p:nvGraphicFramePr>
-          <p:cNvPr id="4" name="Объект 3"/>
-          <p:cNvGraphicFramePr>
-            <a:graphicFrameLocks noGrp="1"/>
-          </p:cNvGraphicFramePr>
-          <p:nvPr>
-            <p:ph idx="1"/>
-            <p:extLst>
-              <p:ext uri="{D42A27DB-BD31-4B8C-83A1-F6EECF244321}">
-                <p14:modId xmlns:p14="http://schemas.microsoft.com/office/powerpoint/2010/main" val="72913550"/>
-              </p:ext>
-            </p:extLst>
-          </p:nvPr>
-        </p:nvGraphicFramePr>
-        <p:xfrm>
-          <a:off x="1295394" y="1625278"/>
-          <a:ext cx="10058407" cy="3869538"/>
-        </p:xfrm>
-        <a:graphic>
-          <a:graphicData uri="http://schemas.openxmlformats.org/drawingml/2006/table">
-            <a:tbl>
-              <a:tblPr firstRow="1" bandRow="1">
-                <a:tableStyleId>{5C22544A-7EE6-4342-B048-85BDC9FD1C3A}</a:tableStyleId>
-              </a:tblPr>
-              <a:tblGrid>
-                <a:gridCol w="1586702">
-                  <a:extLst>
-                    <a:ext uri="{9D8B030D-6E8A-4147-A177-3AD203B41FA5}">
-                      <a16:colId xmlns:a16="http://schemas.microsoft.com/office/drawing/2014/main" val="2304300751"/>
-                    </a:ext>
-                  </a:extLst>
-                </a:gridCol>
-                <a:gridCol w="2436656">
-                  <a:extLst>
-                    <a:ext uri="{9D8B030D-6E8A-4147-A177-3AD203B41FA5}">
-                      <a16:colId xmlns:a16="http://schemas.microsoft.com/office/drawing/2014/main" val="26178623"/>
-                    </a:ext>
-                  </a:extLst>
-                </a:gridCol>
-                <a:gridCol w="2011683">
-                  <a:extLst>
-                    <a:ext uri="{9D8B030D-6E8A-4147-A177-3AD203B41FA5}">
-                      <a16:colId xmlns:a16="http://schemas.microsoft.com/office/drawing/2014/main" val="2746898810"/>
-                    </a:ext>
-                  </a:extLst>
-                </a:gridCol>
-                <a:gridCol w="2011683">
-                  <a:extLst>
-                    <a:ext uri="{9D8B030D-6E8A-4147-A177-3AD203B41FA5}">
-                      <a16:colId xmlns:a16="http://schemas.microsoft.com/office/drawing/2014/main" val="4047793946"/>
-                    </a:ext>
-                  </a:extLst>
-                </a:gridCol>
-                <a:gridCol w="2011683">
-                  <a:extLst>
-                    <a:ext uri="{9D8B030D-6E8A-4147-A177-3AD203B41FA5}">
-                      <a16:colId xmlns:a16="http://schemas.microsoft.com/office/drawing/2014/main" val="948101119"/>
-                    </a:ext>
-                  </a:extLst>
-                </a:gridCol>
-              </a:tblGrid>
-              <a:tr h="673896">
-                <a:tc>
-                  <a:txBody>
-                    <a:bodyPr/>
-                    <a:lstStyle/>
-                    <a:p>
-                      <a:r>
-                        <a:rPr lang="ru-RU" dirty="0" smtClean="0"/>
-                        <a:t>                   </a:t>
-                      </a:r>
-                      <a:r>
-                        <a:rPr lang="en-US" dirty="0" smtClean="0"/>
-                        <a:t>Size</a:t>
-                      </a:r>
-                    </a:p>
-                    <a:p>
-                      <a:r>
-                        <a:rPr lang="ru-RU" dirty="0" smtClean="0"/>
-                        <a:t>П.О.</a:t>
-                      </a:r>
-                      <a:endParaRPr lang="ru-RU" dirty="0"/>
-                    </a:p>
-                  </a:txBody>
-                  <a:tcPr>
-                    <a:lnL w="12700" cmpd="sng">
-                      <a:noFill/>
-                    </a:lnL>
-                    <a:lnR w="12700" cmpd="sng">
-                      <a:noFill/>
-                    </a:lnR>
-                    <a:lnT w="12700" cmpd="sng">
-                      <a:noFill/>
-                    </a:lnT>
-                    <a:lnB w="38100" cmpd="sng">
-                      <a:noFill/>
-                    </a:lnB>
-                    <a:lnTlToBr w="12700" cap="flat" cmpd="sng" algn="ctr">
-                      <a:solidFill>
-                        <a:schemeClr val="tx1"/>
-                      </a:solidFill>
-                      <a:prstDash val="solid"/>
-                      <a:round/>
-                      <a:headEnd type="none" w="med" len="med"/>
-                      <a:tailEnd type="none" w="med" len="med"/>
-                    </a:lnTlToBr>
-                    <a:lnBlToTr w="12700" cmpd="sng">
-                      <a:noFill/>
-                      <a:prstDash val="solid"/>
-                    </a:lnBlToTr>
-                  </a:tcPr>
-                </a:tc>
-                <a:tc>
-                  <a:txBody>
-                    <a:bodyPr/>
-                    <a:lstStyle/>
-                    <a:p>
-                      <a:endParaRPr lang="ru-RU"/>
-                    </a:p>
-                  </a:txBody>
-                  <a:tcPr>
-                    <a:lnL w="12700" cmpd="sng">
-                      <a:noFill/>
-                    </a:lnL>
-                  </a:tcPr>
-                </a:tc>
-                <a:tc>
-                  <a:txBody>
-                    <a:bodyPr/>
-                    <a:lstStyle/>
-                    <a:p>
-                      <a:pPr algn="ctr"/>
-                      <a:r>
-                        <a:rPr lang="ru-RU" sz="1600" dirty="0" smtClean="0">
-                          <a:latin typeface="Times New Roman" panose="02020603050405020304" pitchFamily="18" charset="0"/>
-                          <a:cs typeface="Times New Roman" panose="02020603050405020304" pitchFamily="18" charset="0"/>
-                        </a:rPr>
-                        <a:t>10</a:t>
-                      </a:r>
-                      <a:r>
-                        <a:rPr lang="ru-RU" sz="1600" baseline="0" dirty="0" smtClean="0">
-                          <a:latin typeface="Times New Roman" panose="02020603050405020304" pitchFamily="18" charset="0"/>
-                          <a:cs typeface="Times New Roman" panose="02020603050405020304" pitchFamily="18" charset="0"/>
-                        </a:rPr>
-                        <a:t> объект</a:t>
-                      </a:r>
-                    </a:p>
-                    <a:p>
-                      <a:pPr algn="ctr"/>
-                      <a:r>
-                        <a:rPr lang="ru-RU" sz="1600" baseline="0" dirty="0" smtClean="0">
-                          <a:latin typeface="Times New Roman" panose="02020603050405020304" pitchFamily="18" charset="0"/>
-                          <a:cs typeface="Times New Roman" panose="02020603050405020304" pitchFamily="18" charset="0"/>
-                        </a:rPr>
-                        <a:t>5 машин</a:t>
-                      </a:r>
-                      <a:endParaRPr lang="ru-RU" sz="1600" dirty="0">
-                        <a:latin typeface="Times New Roman" panose="02020603050405020304" pitchFamily="18" charset="0"/>
-                        <a:cs typeface="Times New Roman" panose="02020603050405020304" pitchFamily="18" charset="0"/>
-                      </a:endParaRPr>
-                    </a:p>
-                  </a:txBody>
-                  <a:tcPr/>
-                </a:tc>
-                <a:tc>
-                  <a:txBody>
-                    <a:bodyPr/>
-                    <a:lstStyle/>
-                    <a:p>
-                      <a:pPr algn="ctr"/>
-                      <a:r>
-                        <a:rPr lang="en-US" sz="1600" dirty="0" smtClean="0">
-                          <a:latin typeface="Times New Roman" panose="02020603050405020304" pitchFamily="18" charset="0"/>
-                          <a:cs typeface="Times New Roman" panose="02020603050405020304" pitchFamily="18" charset="0"/>
-                        </a:rPr>
-                        <a:t>15</a:t>
-                      </a:r>
-                      <a:r>
-                        <a:rPr lang="ru-RU" sz="1600" dirty="0" smtClean="0">
-                          <a:latin typeface="Times New Roman" panose="02020603050405020304" pitchFamily="18" charset="0"/>
-                          <a:cs typeface="Times New Roman" panose="02020603050405020304" pitchFamily="18" charset="0"/>
-                        </a:rPr>
-                        <a:t> </a:t>
-                      </a:r>
-                      <a:r>
-                        <a:rPr lang="ru-RU" sz="1600" baseline="0" dirty="0" smtClean="0">
-                          <a:latin typeface="Times New Roman" panose="02020603050405020304" pitchFamily="18" charset="0"/>
-                          <a:cs typeface="Times New Roman" panose="02020603050405020304" pitchFamily="18" charset="0"/>
-                        </a:rPr>
-                        <a:t>объект</a:t>
-                      </a:r>
-                      <a:endParaRPr lang="ru-RU" sz="1600" dirty="0" smtClean="0">
-                        <a:latin typeface="Times New Roman" panose="02020603050405020304" pitchFamily="18" charset="0"/>
-                        <a:cs typeface="Times New Roman" panose="02020603050405020304" pitchFamily="18" charset="0"/>
-                      </a:endParaRPr>
-                    </a:p>
-                    <a:p>
-                      <a:pPr algn="ctr"/>
-                      <a:r>
-                        <a:rPr lang="ru-RU" sz="1600" dirty="0" smtClean="0">
-                          <a:latin typeface="Times New Roman" panose="02020603050405020304" pitchFamily="18" charset="0"/>
-                          <a:cs typeface="Times New Roman" panose="02020603050405020304" pitchFamily="18" charset="0"/>
-                        </a:rPr>
-                        <a:t>3 машины</a:t>
-                      </a:r>
-                      <a:endParaRPr lang="ru-RU" sz="1600" dirty="0">
-                        <a:latin typeface="Times New Roman" panose="02020603050405020304" pitchFamily="18" charset="0"/>
-                        <a:cs typeface="Times New Roman" panose="02020603050405020304" pitchFamily="18" charset="0"/>
-                      </a:endParaRPr>
-                    </a:p>
-                  </a:txBody>
-                  <a:tcPr/>
-                </a:tc>
-                <a:tc>
-                  <a:txBody>
-                    <a:bodyPr/>
-                    <a:lstStyle/>
-                    <a:p>
-                      <a:pPr algn="ctr"/>
-                      <a:r>
-                        <a:rPr lang="ru-RU" sz="1600" dirty="0" smtClean="0">
-                          <a:latin typeface="Times New Roman" panose="02020603050405020304" pitchFamily="18" charset="0"/>
-                          <a:cs typeface="Times New Roman" panose="02020603050405020304" pitchFamily="18" charset="0"/>
-                        </a:rPr>
-                        <a:t>45 </a:t>
-                      </a:r>
-                      <a:r>
-                        <a:rPr lang="ru-RU" sz="1600" baseline="0" dirty="0" smtClean="0">
-                          <a:latin typeface="Times New Roman" panose="02020603050405020304" pitchFamily="18" charset="0"/>
-                          <a:cs typeface="Times New Roman" panose="02020603050405020304" pitchFamily="18" charset="0"/>
-                        </a:rPr>
-                        <a:t>объект</a:t>
-                      </a:r>
-                      <a:endParaRPr lang="ru-RU" sz="1600" dirty="0" smtClean="0">
-                        <a:latin typeface="Times New Roman" panose="02020603050405020304" pitchFamily="18" charset="0"/>
-                        <a:cs typeface="Times New Roman" panose="02020603050405020304" pitchFamily="18" charset="0"/>
-                      </a:endParaRPr>
-                    </a:p>
-                    <a:p>
-                      <a:pPr algn="ctr"/>
-                      <a:r>
-                        <a:rPr lang="ru-RU" sz="1600" dirty="0" smtClean="0">
-                          <a:latin typeface="Times New Roman" panose="02020603050405020304" pitchFamily="18" charset="0"/>
-                          <a:cs typeface="Times New Roman" panose="02020603050405020304" pitchFamily="18" charset="0"/>
-                        </a:rPr>
-                        <a:t>6</a:t>
-                      </a:r>
-                      <a:r>
-                        <a:rPr lang="ru-RU" sz="1600" baseline="0" dirty="0" smtClean="0">
-                          <a:latin typeface="Times New Roman" panose="02020603050405020304" pitchFamily="18" charset="0"/>
-                          <a:cs typeface="Times New Roman" panose="02020603050405020304" pitchFamily="18" charset="0"/>
-                        </a:rPr>
-                        <a:t> м</a:t>
-                      </a:r>
-                      <a:r>
-                        <a:rPr lang="ru-RU" sz="1600" dirty="0" smtClean="0">
-                          <a:latin typeface="Times New Roman" panose="02020603050405020304" pitchFamily="18" charset="0"/>
-                          <a:cs typeface="Times New Roman" panose="02020603050405020304" pitchFamily="18" charset="0"/>
-                        </a:rPr>
-                        <a:t>ашин</a:t>
-                      </a:r>
-                      <a:endParaRPr lang="ru-RU" sz="1600" dirty="0">
-                        <a:latin typeface="Times New Roman" panose="02020603050405020304" pitchFamily="18" charset="0"/>
-                        <a:cs typeface="Times New Roman" panose="02020603050405020304" pitchFamily="18" charset="0"/>
-                      </a:endParaRPr>
-                    </a:p>
-                  </a:txBody>
-                  <a:tcPr/>
-                </a:tc>
-                <a:extLst>
-                  <a:ext uri="{0D108BD9-81ED-4DB2-BD59-A6C34878D82A}">
-                    <a16:rowId xmlns:a16="http://schemas.microsoft.com/office/drawing/2014/main" val="2589612196"/>
-                  </a:ext>
-                </a:extLst>
-              </a:tr>
-              <a:tr h="657353">
-                <a:tc rowSpan="2">
-                  <a:txBody>
-                    <a:bodyPr/>
-                    <a:lstStyle/>
-                    <a:p>
-                      <a:pPr algn="ctr"/>
-                      <a:endParaRPr lang="ru-RU" dirty="0" smtClean="0"/>
-                    </a:p>
-                    <a:p>
-                      <a:pPr algn="ctr"/>
-                      <a:endParaRPr lang="ru-RU" dirty="0" smtClean="0"/>
-                    </a:p>
-                    <a:p>
-                      <a:pPr algn="ctr"/>
-                      <a:r>
-                        <a:rPr lang="en-US" dirty="0" err="1" smtClean="0"/>
-                        <a:t>Gurobi</a:t>
-                      </a:r>
-                      <a:endParaRPr lang="ru-RU" dirty="0"/>
-                    </a:p>
-                  </a:txBody>
-                  <a:tcPr>
-                    <a:lnT w="38100" cmpd="sng">
-                      <a:noFill/>
-                    </a:lnT>
-                  </a:tcPr>
-                </a:tc>
-                <a:tc>
-                  <a:txBody>
-                    <a:bodyPr/>
-                    <a:lstStyle/>
-                    <a:p>
-                      <a:r>
-                        <a:rPr lang="ru-RU" dirty="0" smtClean="0"/>
-                        <a:t>Результат целевой функции</a:t>
-                      </a:r>
-                      <a:endParaRPr lang="ru-RU" dirty="0"/>
-                    </a:p>
-                  </a:txBody>
-                  <a:tcPr/>
-                </a:tc>
-                <a:tc>
-                  <a:txBody>
-                    <a:bodyPr/>
-                    <a:lstStyle/>
-                    <a:p>
-                      <a:endParaRPr lang="ru-RU" dirty="0"/>
-                    </a:p>
-                  </a:txBody>
-                  <a:tcPr/>
-                </a:tc>
-                <a:tc>
-                  <a:txBody>
-                    <a:bodyPr/>
-                    <a:lstStyle/>
-                    <a:p>
-                      <a:r>
-                        <a:rPr lang="ru-RU" dirty="0" smtClean="0"/>
-                        <a:t>91</a:t>
-                      </a:r>
-                      <a:endParaRPr lang="ru-RU" dirty="0"/>
-                    </a:p>
-                  </a:txBody>
-                  <a:tcPr/>
-                </a:tc>
-                <a:tc>
-                  <a:txBody>
-                    <a:bodyPr/>
-                    <a:lstStyle/>
-                    <a:p>
-                      <a:r>
-                        <a:rPr lang="ru-RU" dirty="0" smtClean="0"/>
-                        <a:t>247</a:t>
-                      </a:r>
-                      <a:endParaRPr lang="ru-RU" dirty="0"/>
-                    </a:p>
-                  </a:txBody>
-                  <a:tcPr/>
-                </a:tc>
-                <a:extLst>
-                  <a:ext uri="{0D108BD9-81ED-4DB2-BD59-A6C34878D82A}">
-                    <a16:rowId xmlns:a16="http://schemas.microsoft.com/office/drawing/2014/main" val="347941029"/>
-                  </a:ext>
-                </a:extLst>
-              </a:tr>
-              <a:tr h="516601">
-                <a:tc vMerge="1">
-                  <a:txBody>
-                    <a:bodyPr/>
-                    <a:lstStyle/>
-                    <a:p>
-                      <a:endParaRPr lang="ru-RU" dirty="0"/>
-                    </a:p>
-                  </a:txBody>
-                  <a:tcPr/>
-                </a:tc>
-                <a:tc>
-                  <a:txBody>
-                    <a:bodyPr/>
-                    <a:lstStyle/>
-                    <a:p>
-                      <a:r>
-                        <a:rPr lang="ru-RU" dirty="0" smtClean="0"/>
-                        <a:t>Время работы</a:t>
-                      </a:r>
-                      <a:endParaRPr lang="ru-RU" dirty="0"/>
-                    </a:p>
-                  </a:txBody>
-                  <a:tcPr/>
-                </a:tc>
-                <a:tc>
-                  <a:txBody>
-                    <a:bodyPr/>
-                    <a:lstStyle/>
-                    <a:p>
-                      <a:endParaRPr lang="ru-RU" dirty="0"/>
-                    </a:p>
-                  </a:txBody>
-                  <a:tcPr/>
-                </a:tc>
-                <a:tc>
-                  <a:txBody>
-                    <a:bodyPr/>
-                    <a:lstStyle/>
-                    <a:p>
-                      <a:r>
-                        <a:rPr lang="en-US" dirty="0" smtClean="0"/>
-                        <a:t>79 seconds</a:t>
-                      </a:r>
-                      <a:endParaRPr lang="ru-RU" dirty="0"/>
-                    </a:p>
-                  </a:txBody>
-                  <a:tcPr/>
-                </a:tc>
-                <a:tc>
-                  <a:txBody>
-                    <a:bodyPr/>
-                    <a:lstStyle/>
-                    <a:p>
-                      <a:r>
-                        <a:rPr lang="en-US" dirty="0" smtClean="0"/>
-                        <a:t>1547</a:t>
-                      </a:r>
-                      <a:r>
-                        <a:rPr lang="ru-RU" dirty="0" smtClean="0"/>
-                        <a:t> </a:t>
-                      </a:r>
-                      <a:r>
-                        <a:rPr lang="en-US" dirty="0" smtClean="0"/>
-                        <a:t>seconds</a:t>
-                      </a:r>
-                      <a:endParaRPr lang="ru-RU" dirty="0"/>
-                    </a:p>
-                  </a:txBody>
-                  <a:tcPr/>
-                </a:tc>
-                <a:extLst>
-                  <a:ext uri="{0D108BD9-81ED-4DB2-BD59-A6C34878D82A}">
-                    <a16:rowId xmlns:a16="http://schemas.microsoft.com/office/drawing/2014/main" val="1935017123"/>
-                  </a:ext>
-                </a:extLst>
-              </a:tr>
-              <a:tr h="673896">
-                <a:tc rowSpan="3">
-                  <a:txBody>
-                    <a:bodyPr/>
-                    <a:lstStyle/>
-                    <a:p>
-                      <a:pPr algn="ctr"/>
-                      <a:endParaRPr lang="ru-RU" dirty="0" smtClean="0"/>
-                    </a:p>
-                    <a:p>
-                      <a:pPr algn="ctr"/>
-                      <a:endParaRPr lang="ru-RU" dirty="0" smtClean="0"/>
-                    </a:p>
-                    <a:p>
-                      <a:pPr algn="ctr"/>
-                      <a:endParaRPr lang="ru-RU" dirty="0" smtClean="0"/>
-                    </a:p>
-                    <a:p>
-                      <a:pPr algn="ctr"/>
-                      <a:r>
-                        <a:rPr lang="ru-RU" dirty="0" smtClean="0"/>
-                        <a:t>Генетический алгоритм</a:t>
-                      </a:r>
-                      <a:endParaRPr lang="ru-RU" dirty="0"/>
-                    </a:p>
-                  </a:txBody>
-                  <a:tcPr/>
-                </a:tc>
-                <a:tc>
-                  <a:txBody>
-                    <a:bodyPr/>
-                    <a:lstStyle/>
-                    <a:p>
-                      <a:r>
-                        <a:rPr lang="ru-RU" dirty="0" smtClean="0"/>
-                        <a:t>Результат целевой функции</a:t>
-                      </a:r>
-                      <a:endParaRPr lang="ru-RU" dirty="0"/>
-                    </a:p>
-                  </a:txBody>
-                  <a:tcPr/>
-                </a:tc>
-                <a:tc>
-                  <a:txBody>
-                    <a:bodyPr/>
-                    <a:lstStyle/>
-                    <a:p>
-                      <a:r>
-                        <a:rPr lang="ru-RU" dirty="0" smtClean="0"/>
-                        <a:t>393</a:t>
-                      </a:r>
-                      <a:endParaRPr lang="ru-RU" dirty="0"/>
-                    </a:p>
-                  </a:txBody>
-                  <a:tcPr/>
-                </a:tc>
-                <a:tc>
-                  <a:txBody>
-                    <a:bodyPr/>
-                    <a:lstStyle/>
-                    <a:p>
-                      <a:r>
-                        <a:rPr lang="en-US" dirty="0" smtClean="0"/>
-                        <a:t>148.6711</a:t>
-                      </a:r>
-                      <a:endParaRPr lang="ru-RU" dirty="0"/>
-                    </a:p>
-                  </a:txBody>
-                  <a:tcPr/>
-                </a:tc>
-                <a:tc>
-                  <a:txBody>
-                    <a:bodyPr/>
-                    <a:lstStyle/>
-                    <a:p>
-                      <a:r>
-                        <a:rPr lang="en-US" smtClean="0"/>
-                        <a:t>12687</a:t>
-                      </a:r>
-                      <a:endParaRPr lang="ru-RU" dirty="0"/>
-                    </a:p>
-                  </a:txBody>
-                  <a:tcPr/>
-                </a:tc>
-                <a:extLst>
-                  <a:ext uri="{0D108BD9-81ED-4DB2-BD59-A6C34878D82A}">
-                    <a16:rowId xmlns:a16="http://schemas.microsoft.com/office/drawing/2014/main" val="3464588848"/>
-                  </a:ext>
-                </a:extLst>
-              </a:tr>
-              <a:tr h="673896">
-                <a:tc vMerge="1">
-                  <a:txBody>
-                    <a:bodyPr/>
-                    <a:lstStyle/>
-                    <a:p>
-                      <a:endParaRPr lang="ru-RU" dirty="0"/>
-                    </a:p>
-                  </a:txBody>
-                  <a:tcPr/>
-                </a:tc>
-                <a:tc>
-                  <a:txBody>
-                    <a:bodyPr/>
-                    <a:lstStyle/>
-                    <a:p>
-                      <a:pPr marL="0" marR="0" lvl="0" indent="0" algn="l" defTabSz="457200" rtl="0" eaLnBrk="1" fontAlgn="auto" latinLnBrk="0" hangingPunct="1">
-                        <a:lnSpc>
-                          <a:spcPct val="100000"/>
-                        </a:lnSpc>
-                        <a:spcBef>
-                          <a:spcPts val="0"/>
-                        </a:spcBef>
-                        <a:spcAft>
-                          <a:spcPts val="0"/>
-                        </a:spcAft>
-                        <a:buClrTx/>
-                        <a:buSzTx/>
-                        <a:buFontTx/>
-                        <a:buNone/>
-                        <a:tabLst/>
-                        <a:defRPr/>
-                      </a:pPr>
-                      <a:r>
-                        <a:rPr lang="ru-RU" dirty="0" smtClean="0"/>
-                        <a:t>Время работы</a:t>
-                      </a:r>
-                    </a:p>
-                    <a:p>
-                      <a:endParaRPr lang="ru-RU" dirty="0"/>
-                    </a:p>
-                  </a:txBody>
-                  <a:tcPr/>
-                </a:tc>
-                <a:tc>
-                  <a:txBody>
-                    <a:bodyPr/>
-                    <a:lstStyle/>
-                    <a:p>
-                      <a:r>
-                        <a:rPr lang="en-US" baseline="0" dirty="0" smtClean="0"/>
-                        <a:t>~ </a:t>
-                      </a:r>
-                      <a:r>
-                        <a:rPr lang="ru-RU" baseline="0" dirty="0" smtClean="0"/>
-                        <a:t>1.8</a:t>
-                      </a:r>
-                      <a:r>
-                        <a:rPr lang="en-US" baseline="0" dirty="0" smtClean="0"/>
-                        <a:t> seconds</a:t>
-                      </a:r>
-                      <a:endParaRPr lang="ru-RU" dirty="0"/>
-                    </a:p>
-                  </a:txBody>
-                  <a:tcPr/>
-                </a:tc>
-                <a:tc>
-                  <a:txBody>
-                    <a:bodyPr/>
-                    <a:lstStyle/>
-                    <a:p>
-                      <a:r>
-                        <a:rPr lang="en-US" dirty="0" smtClean="0"/>
-                        <a:t>75,54 seconds</a:t>
-                      </a:r>
-                      <a:endParaRPr lang="ru-RU" dirty="0"/>
-                    </a:p>
-                  </a:txBody>
-                  <a:tcPr/>
-                </a:tc>
-                <a:tc>
-                  <a:txBody>
-                    <a:bodyPr/>
-                    <a:lstStyle/>
-                    <a:p>
-                      <a:r>
-                        <a:rPr lang="en-US" dirty="0" smtClean="0"/>
-                        <a:t>8.5 hours</a:t>
-                      </a:r>
-                      <a:endParaRPr lang="ru-RU" dirty="0"/>
-                    </a:p>
-                  </a:txBody>
-                  <a:tcPr/>
-                </a:tc>
-                <a:extLst>
-                  <a:ext uri="{0D108BD9-81ED-4DB2-BD59-A6C34878D82A}">
-                    <a16:rowId xmlns:a16="http://schemas.microsoft.com/office/drawing/2014/main" val="1651615049"/>
-                  </a:ext>
-                </a:extLst>
-              </a:tr>
-              <a:tr h="673896">
-                <a:tc vMerge="1">
-                  <a:txBody>
-                    <a:bodyPr/>
-                    <a:lstStyle/>
-                    <a:p>
-                      <a:endParaRPr lang="ru-RU" dirty="0"/>
-                    </a:p>
-                  </a:txBody>
-                  <a:tcPr/>
-                </a:tc>
-                <a:tc>
-                  <a:txBody>
-                    <a:bodyPr/>
-                    <a:lstStyle/>
-                    <a:p>
-                      <a:r>
-                        <a:rPr lang="ru-RU" dirty="0" smtClean="0"/>
-                        <a:t>Параметры</a:t>
-                      </a:r>
-                      <a:endParaRPr lang="ru-RU" dirty="0"/>
-                    </a:p>
-                  </a:txBody>
-                  <a:tcPr/>
-                </a:tc>
-                <a:tc>
-                  <a:txBody>
-                    <a:bodyPr/>
-                    <a:lstStyle/>
-                    <a:p>
-                      <a:r>
-                        <a:rPr lang="ru-RU" dirty="0" smtClean="0"/>
-                        <a:t>Популяция</a:t>
-                      </a:r>
-                      <a:r>
-                        <a:rPr lang="ru-RU" baseline="0" dirty="0" smtClean="0"/>
-                        <a:t> = 5</a:t>
-                      </a:r>
-                    </a:p>
-                    <a:p>
-                      <a:pPr marL="0" marR="0" lvl="0" indent="0" algn="l" defTabSz="914400" rtl="0" eaLnBrk="1" fontAlgn="auto" latinLnBrk="0" hangingPunct="1">
-                        <a:lnSpc>
-                          <a:spcPct val="100000"/>
-                        </a:lnSpc>
-                        <a:spcBef>
-                          <a:spcPts val="0"/>
-                        </a:spcBef>
-                        <a:spcAft>
-                          <a:spcPts val="0"/>
-                        </a:spcAft>
-                        <a:buClrTx/>
-                        <a:buSzTx/>
-                        <a:buFontTx/>
-                        <a:buNone/>
-                        <a:tabLst/>
-                        <a:defRPr/>
-                      </a:pPr>
-                      <a:r>
-                        <a:rPr lang="ru-RU" dirty="0" smtClean="0"/>
-                        <a:t>Скрещиваний</a:t>
-                      </a:r>
-                      <a:r>
-                        <a:rPr lang="ru-RU" baseline="0" dirty="0" smtClean="0"/>
-                        <a:t> = 15</a:t>
-                      </a:r>
-                      <a:endParaRPr lang="ru-RU" dirty="0" smtClean="0"/>
-                    </a:p>
-                  </a:txBody>
-                  <a:tcPr/>
-                </a:tc>
-                <a:tc>
-                  <a:txBody>
-                    <a:bodyPr/>
-                    <a:lstStyle/>
-                    <a:p>
-                      <a:r>
-                        <a:rPr lang="ru-RU" dirty="0" smtClean="0"/>
-                        <a:t>Популяция =</a:t>
-                      </a:r>
-                      <a:r>
-                        <a:rPr lang="en-US" dirty="0" smtClean="0"/>
-                        <a:t>8</a:t>
-                      </a:r>
-                    </a:p>
-                    <a:p>
-                      <a:r>
-                        <a:rPr lang="ru-RU" dirty="0" smtClean="0"/>
-                        <a:t>Скрещиваний</a:t>
-                      </a:r>
-                      <a:r>
-                        <a:rPr lang="ru-RU" baseline="0" dirty="0" smtClean="0"/>
-                        <a:t> = 24</a:t>
-                      </a:r>
-                      <a:endParaRPr lang="ru-RU" dirty="0"/>
-                    </a:p>
-                  </a:txBody>
-                  <a:tcPr/>
-                </a:tc>
-                <a:tc>
-                  <a:txBody>
-                    <a:bodyPr/>
-                    <a:lstStyle/>
-                    <a:p>
-                      <a:pPr marL="0" marR="0" lvl="0" indent="0" algn="l" defTabSz="914400" rtl="0" eaLnBrk="1" fontAlgn="auto" latinLnBrk="0" hangingPunct="1">
-                        <a:lnSpc>
-                          <a:spcPct val="100000"/>
-                        </a:lnSpc>
-                        <a:spcBef>
-                          <a:spcPts val="0"/>
-                        </a:spcBef>
-                        <a:spcAft>
-                          <a:spcPts val="0"/>
-                        </a:spcAft>
-                        <a:buClrTx/>
-                        <a:buSzTx/>
-                        <a:buFontTx/>
-                        <a:buNone/>
-                        <a:tabLst/>
-                        <a:defRPr/>
-                      </a:pPr>
-                      <a:r>
-                        <a:rPr lang="ru-RU" dirty="0" smtClean="0"/>
-                        <a:t>Популяция =</a:t>
-                      </a:r>
-                      <a:r>
-                        <a:rPr lang="en-US" dirty="0" smtClean="0"/>
-                        <a:t>25</a:t>
-                      </a:r>
-                      <a:endParaRPr lang="ru-RU" dirty="0" smtClean="0"/>
-                    </a:p>
-                    <a:p>
-                      <a:pPr marL="0" marR="0" lvl="0" indent="0" algn="l" defTabSz="914400" rtl="0" eaLnBrk="1" fontAlgn="auto" latinLnBrk="0" hangingPunct="1">
-                        <a:lnSpc>
-                          <a:spcPct val="100000"/>
-                        </a:lnSpc>
-                        <a:spcBef>
-                          <a:spcPts val="0"/>
-                        </a:spcBef>
-                        <a:spcAft>
-                          <a:spcPts val="0"/>
-                        </a:spcAft>
-                        <a:buClrTx/>
-                        <a:buSzTx/>
-                        <a:buFontTx/>
-                        <a:buNone/>
-                        <a:tabLst/>
-                        <a:defRPr/>
-                      </a:pPr>
-                      <a:r>
-                        <a:rPr lang="ru-RU" dirty="0" smtClean="0"/>
-                        <a:t>Скрещиваний</a:t>
-                      </a:r>
-                      <a:r>
-                        <a:rPr lang="ru-RU" baseline="0" dirty="0" smtClean="0"/>
-                        <a:t> = 75</a:t>
-                      </a:r>
-                      <a:endParaRPr lang="ru-RU" dirty="0" smtClean="0"/>
-                    </a:p>
-                  </a:txBody>
-                  <a:tcPr/>
-                </a:tc>
-                <a:extLst>
-                  <a:ext uri="{0D108BD9-81ED-4DB2-BD59-A6C34878D82A}">
-                    <a16:rowId xmlns:a16="http://schemas.microsoft.com/office/drawing/2014/main" val="2301028040"/>
-                  </a:ext>
-                </a:extLst>
-              </a:tr>
-            </a:tbl>
-          </a:graphicData>
-        </a:graphic>
-      </p:graphicFrame>
       <p:sp>
         <p:nvSpPr>
-          <p:cNvPr id="3" name="Номер слайда 2"/>
+          <p:cNvPr id="4" name="Номер слайда 3"/>
           <p:cNvSpPr>
             <a:spLocks noGrp="1"/>
           </p:cNvSpPr>
@@ -5762,17 +5000,1242 @@
           <a:lstStyle/>
           <a:p>
             <a:fld id="{9171452A-E4C5-4FCE-999B-408265C67809}" type="slidenum">
-              <a:rPr lang="ru-RU" sz="2800" smtClean="0"/>
+              <a:rPr lang="ru-RU" smtClean="0"/>
               <a:t>10</a:t>
             </a:fld>
-            <a:endParaRPr lang="ru-RU" sz="2800" dirty="0"/>
+            <a:endParaRPr lang="ru-RU"/>
           </a:p>
         </p:txBody>
       </p:sp>
+      <p:graphicFrame>
+        <p:nvGraphicFramePr>
+          <p:cNvPr id="5" name="Таблица 4"/>
+          <p:cNvGraphicFramePr>
+            <a:graphicFrameLocks noGrp="1"/>
+          </p:cNvGraphicFramePr>
+          <p:nvPr>
+            <p:extLst>
+              <p:ext uri="{D42A27DB-BD31-4B8C-83A1-F6EECF244321}">
+                <p14:modId xmlns:p14="http://schemas.microsoft.com/office/powerpoint/2010/main" val="3696078386"/>
+              </p:ext>
+            </p:extLst>
+          </p:nvPr>
+        </p:nvGraphicFramePr>
+        <p:xfrm>
+          <a:off x="838204" y="3261649"/>
+          <a:ext cx="10515596" cy="741680"/>
+        </p:xfrm>
+        <a:graphic>
+          <a:graphicData uri="http://schemas.openxmlformats.org/drawingml/2006/table">
+            <a:tbl>
+              <a:tblPr firstRow="1" bandRow="1">
+                <a:tableStyleId>{5C22544A-7EE6-4342-B048-85BDC9FD1C3A}</a:tableStyleId>
+              </a:tblPr>
+              <a:tblGrid>
+                <a:gridCol w="1245239">
+                  <a:extLst>
+                    <a:ext uri="{9D8B030D-6E8A-4147-A177-3AD203B41FA5}">
+                      <a16:colId xmlns:a16="http://schemas.microsoft.com/office/drawing/2014/main" val="858573147"/>
+                    </a:ext>
+                  </a:extLst>
+                </a:gridCol>
+                <a:gridCol w="578734">
+                  <a:extLst>
+                    <a:ext uri="{9D8B030D-6E8A-4147-A177-3AD203B41FA5}">
+                      <a16:colId xmlns:a16="http://schemas.microsoft.com/office/drawing/2014/main" val="605955895"/>
+                    </a:ext>
+                  </a:extLst>
+                </a:gridCol>
+                <a:gridCol w="844952">
+                  <a:extLst>
+                    <a:ext uri="{9D8B030D-6E8A-4147-A177-3AD203B41FA5}">
+                      <a16:colId xmlns:a16="http://schemas.microsoft.com/office/drawing/2014/main" val="372090249"/>
+                    </a:ext>
+                  </a:extLst>
+                </a:gridCol>
+                <a:gridCol w="787079">
+                  <a:extLst>
+                    <a:ext uri="{9D8B030D-6E8A-4147-A177-3AD203B41FA5}">
+                      <a16:colId xmlns:a16="http://schemas.microsoft.com/office/drawing/2014/main" val="1728144953"/>
+                    </a:ext>
+                  </a:extLst>
+                </a:gridCol>
+                <a:gridCol w="821802">
+                  <a:extLst>
+                    <a:ext uri="{9D8B030D-6E8A-4147-A177-3AD203B41FA5}">
+                      <a16:colId xmlns:a16="http://schemas.microsoft.com/office/drawing/2014/main" val="643390752"/>
+                    </a:ext>
+                  </a:extLst>
+                </a:gridCol>
+                <a:gridCol w="798653">
+                  <a:extLst>
+                    <a:ext uri="{9D8B030D-6E8A-4147-A177-3AD203B41FA5}">
+                      <a16:colId xmlns:a16="http://schemas.microsoft.com/office/drawing/2014/main" val="3816706010"/>
+                    </a:ext>
+                  </a:extLst>
+                </a:gridCol>
+                <a:gridCol w="833378">
+                  <a:extLst>
+                    <a:ext uri="{9D8B030D-6E8A-4147-A177-3AD203B41FA5}">
+                      <a16:colId xmlns:a16="http://schemas.microsoft.com/office/drawing/2014/main" val="509824815"/>
+                    </a:ext>
+                  </a:extLst>
+                </a:gridCol>
+                <a:gridCol w="821802">
+                  <a:extLst>
+                    <a:ext uri="{9D8B030D-6E8A-4147-A177-3AD203B41FA5}">
+                      <a16:colId xmlns:a16="http://schemas.microsoft.com/office/drawing/2014/main" val="325495327"/>
+                    </a:ext>
+                  </a:extLst>
+                </a:gridCol>
+                <a:gridCol w="798653">
+                  <a:extLst>
+                    <a:ext uri="{9D8B030D-6E8A-4147-A177-3AD203B41FA5}">
+                      <a16:colId xmlns:a16="http://schemas.microsoft.com/office/drawing/2014/main" val="4089923321"/>
+                    </a:ext>
+                  </a:extLst>
+                </a:gridCol>
+                <a:gridCol w="821803">
+                  <a:extLst>
+                    <a:ext uri="{9D8B030D-6E8A-4147-A177-3AD203B41FA5}">
+                      <a16:colId xmlns:a16="http://schemas.microsoft.com/office/drawing/2014/main" val="3790351163"/>
+                    </a:ext>
+                  </a:extLst>
+                </a:gridCol>
+                <a:gridCol w="821802">
+                  <a:extLst>
+                    <a:ext uri="{9D8B030D-6E8A-4147-A177-3AD203B41FA5}">
+                      <a16:colId xmlns:a16="http://schemas.microsoft.com/office/drawing/2014/main" val="1485846303"/>
+                    </a:ext>
+                  </a:extLst>
+                </a:gridCol>
+                <a:gridCol w="798653">
+                  <a:extLst>
+                    <a:ext uri="{9D8B030D-6E8A-4147-A177-3AD203B41FA5}">
+                      <a16:colId xmlns:a16="http://schemas.microsoft.com/office/drawing/2014/main" val="1310456824"/>
+                    </a:ext>
+                  </a:extLst>
+                </a:gridCol>
+                <a:gridCol w="543046">
+                  <a:extLst>
+                    <a:ext uri="{9D8B030D-6E8A-4147-A177-3AD203B41FA5}">
+                      <a16:colId xmlns:a16="http://schemas.microsoft.com/office/drawing/2014/main" val="3337662374"/>
+                    </a:ext>
+                  </a:extLst>
+                </a:gridCol>
+              </a:tblGrid>
+              <a:tr h="370840">
+                <a:tc>
+                  <a:txBody>
+                    <a:bodyPr/>
+                    <a:lstStyle/>
+                    <a:p>
+                      <a:r>
+                        <a:rPr lang="ru-RU" sz="1600" dirty="0" smtClean="0"/>
+                        <a:t>Маршруты</a:t>
+                      </a:r>
+                      <a:endParaRPr lang="ru-RU" sz="1600" dirty="0"/>
+                    </a:p>
+                  </a:txBody>
+                  <a:tcPr/>
+                </a:tc>
+                <a:tc>
+                  <a:txBody>
+                    <a:bodyPr/>
+                    <a:lstStyle/>
+                    <a:p>
+                      <a:r>
+                        <a:rPr lang="ru-RU" sz="1600" dirty="0" smtClean="0"/>
+                        <a:t>0</a:t>
+                      </a:r>
+                      <a:endParaRPr lang="ru-RU" sz="1600" dirty="0"/>
+                    </a:p>
+                  </a:txBody>
+                  <a:tcPr/>
+                </a:tc>
+                <a:tc>
+                  <a:txBody>
+                    <a:bodyPr/>
+                    <a:lstStyle/>
+                    <a:p>
+                      <a:r>
+                        <a:rPr lang="ru-RU" sz="1600" dirty="0" smtClean="0"/>
+                        <a:t>1</a:t>
+                      </a:r>
+                      <a:endParaRPr lang="ru-RU" sz="1600" dirty="0"/>
+                    </a:p>
+                  </a:txBody>
+                  <a:tcPr/>
+                </a:tc>
+                <a:tc>
+                  <a:txBody>
+                    <a:bodyPr/>
+                    <a:lstStyle/>
+                    <a:p>
+                      <a:r>
+                        <a:rPr lang="ru-RU" sz="1600" dirty="0" smtClean="0"/>
+                        <a:t>4</a:t>
+                      </a:r>
+                      <a:endParaRPr lang="ru-RU" sz="1600" dirty="0"/>
+                    </a:p>
+                  </a:txBody>
+                  <a:tcPr/>
+                </a:tc>
+                <a:tc>
+                  <a:txBody>
+                    <a:bodyPr/>
+                    <a:lstStyle/>
+                    <a:p>
+                      <a:r>
+                        <a:rPr lang="ru-RU" sz="1600" dirty="0" smtClean="0"/>
+                        <a:t>9</a:t>
+                      </a:r>
+                      <a:endParaRPr lang="ru-RU" sz="1600" dirty="0"/>
+                    </a:p>
+                  </a:txBody>
+                  <a:tcPr/>
+                </a:tc>
+                <a:tc>
+                  <a:txBody>
+                    <a:bodyPr/>
+                    <a:lstStyle/>
+                    <a:p>
+                      <a:r>
+                        <a:rPr lang="ru-RU" sz="1600" dirty="0" smtClean="0"/>
+                        <a:t>0</a:t>
+                      </a:r>
+                      <a:endParaRPr lang="ru-RU" sz="1600" dirty="0"/>
+                    </a:p>
+                  </a:txBody>
+                  <a:tcPr/>
+                </a:tc>
+                <a:tc>
+                  <a:txBody>
+                    <a:bodyPr/>
+                    <a:lstStyle/>
+                    <a:p>
+                      <a:r>
+                        <a:rPr lang="ru-RU" sz="1600" dirty="0" smtClean="0"/>
+                        <a:t>2</a:t>
+                      </a:r>
+                      <a:endParaRPr lang="ru-RU" sz="1600" dirty="0"/>
+                    </a:p>
+                  </a:txBody>
+                  <a:tcPr/>
+                </a:tc>
+                <a:tc>
+                  <a:txBody>
+                    <a:bodyPr/>
+                    <a:lstStyle/>
+                    <a:p>
+                      <a:r>
+                        <a:rPr lang="ru-RU" sz="1600" dirty="0" smtClean="0"/>
+                        <a:t>3</a:t>
+                      </a:r>
+                      <a:endParaRPr lang="ru-RU" sz="1600" dirty="0"/>
+                    </a:p>
+                  </a:txBody>
+                  <a:tcPr/>
+                </a:tc>
+                <a:tc>
+                  <a:txBody>
+                    <a:bodyPr/>
+                    <a:lstStyle/>
+                    <a:p>
+                      <a:r>
+                        <a:rPr lang="ru-RU" sz="1600" dirty="0" smtClean="0"/>
+                        <a:t>5</a:t>
+                      </a:r>
+                      <a:endParaRPr lang="ru-RU" sz="1600" dirty="0"/>
+                    </a:p>
+                  </a:txBody>
+                  <a:tcPr/>
+                </a:tc>
+                <a:tc>
+                  <a:txBody>
+                    <a:bodyPr/>
+                    <a:lstStyle/>
+                    <a:p>
+                      <a:r>
+                        <a:rPr lang="ru-RU" sz="1600" dirty="0" smtClean="0"/>
+                        <a:t>0</a:t>
+                      </a:r>
+                      <a:endParaRPr lang="ru-RU" sz="1600" dirty="0"/>
+                    </a:p>
+                  </a:txBody>
+                  <a:tcPr>
+                    <a:lnR w="19050" cap="flat" cmpd="sng" algn="ctr">
+                      <a:solidFill>
+                        <a:schemeClr val="tx1"/>
+                      </a:solidFill>
+                      <a:prstDash val="solid"/>
+                      <a:round/>
+                      <a:headEnd type="none" w="med" len="med"/>
+                      <a:tailEnd type="none" w="med" len="med"/>
+                    </a:lnR>
+                  </a:tcPr>
+                </a:tc>
+                <a:tc>
+                  <a:txBody>
+                    <a:bodyPr/>
+                    <a:lstStyle/>
+                    <a:p>
+                      <a:r>
+                        <a:rPr lang="ru-RU" sz="1600" dirty="0" smtClean="0"/>
+                        <a:t>6</a:t>
+                      </a:r>
+                      <a:endParaRPr lang="ru-RU" sz="1600" dirty="0"/>
+                    </a:p>
+                  </a:txBody>
+                  <a:tcPr>
+                    <a:lnL w="19050" cap="flat" cmpd="sng" algn="ctr">
+                      <a:solidFill>
+                        <a:schemeClr val="tx1"/>
+                      </a:solidFill>
+                      <a:prstDash val="solid"/>
+                      <a:round/>
+                      <a:headEnd type="none" w="med" len="med"/>
+                      <a:tailEnd type="none" w="med" len="med"/>
+                    </a:lnL>
+                    <a:lnR w="19050" cap="flat" cmpd="sng" algn="ctr">
+                      <a:solidFill>
+                        <a:schemeClr val="tx1"/>
+                      </a:solidFill>
+                      <a:prstDash val="solid"/>
+                      <a:round/>
+                      <a:headEnd type="none" w="med" len="med"/>
+                      <a:tailEnd type="none" w="med" len="med"/>
+                    </a:lnR>
+                    <a:lnT w="19050" cap="flat" cmpd="sng" algn="ctr">
+                      <a:solidFill>
+                        <a:schemeClr val="tx1"/>
+                      </a:solidFill>
+                      <a:prstDash val="solid"/>
+                      <a:round/>
+                      <a:headEnd type="none" w="med" len="med"/>
+                      <a:tailEnd type="none" w="med" len="med"/>
+                    </a:lnT>
+                  </a:tcPr>
+                </a:tc>
+                <a:tc>
+                  <a:txBody>
+                    <a:bodyPr/>
+                    <a:lstStyle/>
+                    <a:p>
+                      <a:r>
+                        <a:rPr lang="ru-RU" sz="1600" dirty="0" smtClean="0"/>
+                        <a:t>7</a:t>
+                      </a:r>
+                      <a:endParaRPr lang="ru-RU" sz="1600" dirty="0"/>
+                    </a:p>
+                  </a:txBody>
+                  <a:tcPr>
+                    <a:lnL w="19050" cap="flat" cmpd="sng" algn="ctr">
+                      <a:solidFill>
+                        <a:schemeClr val="tx1"/>
+                      </a:solidFill>
+                      <a:prstDash val="solid"/>
+                      <a:round/>
+                      <a:headEnd type="none" w="med" len="med"/>
+                      <a:tailEnd type="none" w="med" len="med"/>
+                    </a:lnL>
+                  </a:tcPr>
+                </a:tc>
+                <a:tc>
+                  <a:txBody>
+                    <a:bodyPr/>
+                    <a:lstStyle/>
+                    <a:p>
+                      <a:r>
+                        <a:rPr lang="ru-RU" sz="1600" dirty="0" smtClean="0"/>
+                        <a:t>0</a:t>
+                      </a:r>
+                      <a:endParaRPr lang="ru-RU" sz="1600" dirty="0"/>
+                    </a:p>
+                  </a:txBody>
+                  <a:tcPr/>
+                </a:tc>
+                <a:extLst>
+                  <a:ext uri="{0D108BD9-81ED-4DB2-BD59-A6C34878D82A}">
+                    <a16:rowId xmlns:a16="http://schemas.microsoft.com/office/drawing/2014/main" val="948591511"/>
+                  </a:ext>
+                </a:extLst>
+              </a:tr>
+              <a:tr h="370840">
+                <a:tc>
+                  <a:txBody>
+                    <a:bodyPr/>
+                    <a:lstStyle/>
+                    <a:p>
+                      <a:r>
+                        <a:rPr lang="ru-RU" sz="1600" dirty="0" smtClean="0"/>
+                        <a:t>Скважины</a:t>
+                      </a:r>
+                      <a:endParaRPr lang="ru-RU" sz="1600" dirty="0"/>
+                    </a:p>
+                  </a:txBody>
+                  <a:tcPr/>
+                </a:tc>
+                <a:tc>
+                  <a:txBody>
+                    <a:bodyPr/>
+                    <a:lstStyle/>
+                    <a:p>
+                      <a:r>
+                        <a:rPr lang="ru-RU" sz="1600" dirty="0" smtClean="0"/>
+                        <a:t>0</a:t>
+                      </a:r>
+                      <a:endParaRPr lang="ru-RU" sz="1600" dirty="0"/>
+                    </a:p>
+                  </a:txBody>
+                  <a:tcPr/>
+                </a:tc>
+                <a:tc>
+                  <a:txBody>
+                    <a:bodyPr/>
+                    <a:lstStyle/>
+                    <a:p>
+                      <a:r>
+                        <a:rPr lang="ru-RU" sz="1600" dirty="0" smtClean="0"/>
+                        <a:t>4</a:t>
+                      </a:r>
+                      <a:endParaRPr lang="ru-RU" sz="1600" dirty="0"/>
+                    </a:p>
+                  </a:txBody>
+                  <a:tcPr/>
+                </a:tc>
+                <a:tc>
+                  <a:txBody>
+                    <a:bodyPr/>
+                    <a:lstStyle/>
+                    <a:p>
+                      <a:r>
+                        <a:rPr lang="ru-RU" sz="1600" dirty="0" smtClean="0"/>
+                        <a:t>2</a:t>
+                      </a:r>
+                      <a:endParaRPr lang="ru-RU" sz="1600" dirty="0"/>
+                    </a:p>
+                  </a:txBody>
+                  <a:tcPr/>
+                </a:tc>
+                <a:tc>
+                  <a:txBody>
+                    <a:bodyPr/>
+                    <a:lstStyle/>
+                    <a:p>
+                      <a:r>
+                        <a:rPr lang="ru-RU" sz="1600" dirty="0" smtClean="0"/>
+                        <a:t>3</a:t>
+                      </a:r>
+                      <a:endParaRPr lang="ru-RU" sz="1600" dirty="0"/>
+                    </a:p>
+                  </a:txBody>
+                  <a:tcPr/>
+                </a:tc>
+                <a:tc>
+                  <a:txBody>
+                    <a:bodyPr/>
+                    <a:lstStyle/>
+                    <a:p>
+                      <a:r>
+                        <a:rPr lang="ru-RU" sz="1600" dirty="0" smtClean="0"/>
+                        <a:t>0</a:t>
+                      </a:r>
+                      <a:endParaRPr lang="ru-RU" sz="1600" dirty="0"/>
+                    </a:p>
+                  </a:txBody>
+                  <a:tcPr/>
+                </a:tc>
+                <a:tc>
+                  <a:txBody>
+                    <a:bodyPr/>
+                    <a:lstStyle/>
+                    <a:p>
+                      <a:r>
+                        <a:rPr lang="ru-RU" sz="1600" dirty="0" smtClean="0"/>
+                        <a:t>1</a:t>
+                      </a:r>
+                      <a:endParaRPr lang="ru-RU" sz="1600" dirty="0"/>
+                    </a:p>
+                  </a:txBody>
+                  <a:tcPr/>
+                </a:tc>
+                <a:tc>
+                  <a:txBody>
+                    <a:bodyPr/>
+                    <a:lstStyle/>
+                    <a:p>
+                      <a:r>
+                        <a:rPr lang="ru-RU" sz="1600" dirty="0" smtClean="0"/>
+                        <a:t>8</a:t>
+                      </a:r>
+                      <a:endParaRPr lang="ru-RU" sz="1600" dirty="0"/>
+                    </a:p>
+                  </a:txBody>
+                  <a:tcPr/>
+                </a:tc>
+                <a:tc>
+                  <a:txBody>
+                    <a:bodyPr/>
+                    <a:lstStyle/>
+                    <a:p>
+                      <a:r>
+                        <a:rPr lang="ru-RU" sz="1600" dirty="0" smtClean="0"/>
+                        <a:t>3</a:t>
+                      </a:r>
+                      <a:endParaRPr lang="ru-RU" sz="1600" dirty="0"/>
+                    </a:p>
+                  </a:txBody>
+                  <a:tcPr/>
+                </a:tc>
+                <a:tc>
+                  <a:txBody>
+                    <a:bodyPr/>
+                    <a:lstStyle/>
+                    <a:p>
+                      <a:r>
+                        <a:rPr lang="ru-RU" sz="1600" dirty="0" smtClean="0"/>
+                        <a:t>0</a:t>
+                      </a:r>
+                      <a:endParaRPr lang="ru-RU" sz="1600" dirty="0"/>
+                    </a:p>
+                  </a:txBody>
+                  <a:tcPr>
+                    <a:lnR w="19050" cap="flat" cmpd="sng" algn="ctr">
+                      <a:solidFill>
+                        <a:schemeClr val="tx1"/>
+                      </a:solidFill>
+                      <a:prstDash val="solid"/>
+                      <a:round/>
+                      <a:headEnd type="none" w="med" len="med"/>
+                      <a:tailEnd type="none" w="med" len="med"/>
+                    </a:lnR>
+                  </a:tcPr>
+                </a:tc>
+                <a:tc>
+                  <a:txBody>
+                    <a:bodyPr/>
+                    <a:lstStyle/>
+                    <a:p>
+                      <a:r>
+                        <a:rPr lang="ru-RU" sz="1600" dirty="0" smtClean="0"/>
+                        <a:t>7</a:t>
+                      </a:r>
+                      <a:endParaRPr lang="ru-RU" sz="1600" dirty="0"/>
+                    </a:p>
+                  </a:txBody>
+                  <a:tcPr>
+                    <a:lnL w="19050" cap="flat" cmpd="sng" algn="ctr">
+                      <a:solidFill>
+                        <a:schemeClr val="tx1"/>
+                      </a:solidFill>
+                      <a:prstDash val="solid"/>
+                      <a:round/>
+                      <a:headEnd type="none" w="med" len="med"/>
+                      <a:tailEnd type="none" w="med" len="med"/>
+                    </a:lnL>
+                    <a:lnR w="19050" cap="flat" cmpd="sng" algn="ctr">
+                      <a:solidFill>
+                        <a:schemeClr val="tx1"/>
+                      </a:solidFill>
+                      <a:prstDash val="solid"/>
+                      <a:round/>
+                      <a:headEnd type="none" w="med" len="med"/>
+                      <a:tailEnd type="none" w="med" len="med"/>
+                    </a:lnR>
+                    <a:lnB w="19050" cap="flat" cmpd="sng" algn="ctr">
+                      <a:solidFill>
+                        <a:schemeClr val="tx1"/>
+                      </a:solidFill>
+                      <a:prstDash val="solid"/>
+                      <a:round/>
+                      <a:headEnd type="none" w="med" len="med"/>
+                      <a:tailEnd type="none" w="med" len="med"/>
+                    </a:lnB>
+                  </a:tcPr>
+                </a:tc>
+                <a:tc>
+                  <a:txBody>
+                    <a:bodyPr/>
+                    <a:lstStyle/>
+                    <a:p>
+                      <a:r>
+                        <a:rPr lang="ru-RU" sz="1600" dirty="0" smtClean="0"/>
+                        <a:t>2</a:t>
+                      </a:r>
+                      <a:endParaRPr lang="ru-RU" sz="1600" dirty="0"/>
+                    </a:p>
+                  </a:txBody>
+                  <a:tcPr>
+                    <a:lnL w="19050" cap="flat" cmpd="sng" algn="ctr">
+                      <a:solidFill>
+                        <a:schemeClr val="tx1"/>
+                      </a:solidFill>
+                      <a:prstDash val="solid"/>
+                      <a:round/>
+                      <a:headEnd type="none" w="med" len="med"/>
+                      <a:tailEnd type="none" w="med" len="med"/>
+                    </a:lnL>
+                  </a:tcPr>
+                </a:tc>
+                <a:tc>
+                  <a:txBody>
+                    <a:bodyPr/>
+                    <a:lstStyle/>
+                    <a:p>
+                      <a:r>
+                        <a:rPr lang="ru-RU" sz="1600" dirty="0" smtClean="0"/>
+                        <a:t>0</a:t>
+                      </a:r>
+                      <a:endParaRPr lang="ru-RU" sz="1600" dirty="0"/>
+                    </a:p>
+                  </a:txBody>
+                  <a:tcPr/>
+                </a:tc>
+                <a:extLst>
+                  <a:ext uri="{0D108BD9-81ED-4DB2-BD59-A6C34878D82A}">
+                    <a16:rowId xmlns:a16="http://schemas.microsoft.com/office/drawing/2014/main" val="135945032"/>
+                  </a:ext>
+                </a:extLst>
+              </a:tr>
+            </a:tbl>
+          </a:graphicData>
+        </a:graphic>
+      </p:graphicFrame>
+      <p:graphicFrame>
+        <p:nvGraphicFramePr>
+          <p:cNvPr id="6" name="Таблица 5"/>
+          <p:cNvGraphicFramePr>
+            <a:graphicFrameLocks noGrp="1"/>
+          </p:cNvGraphicFramePr>
+          <p:nvPr>
+            <p:extLst>
+              <p:ext uri="{D42A27DB-BD31-4B8C-83A1-F6EECF244321}">
+                <p14:modId xmlns:p14="http://schemas.microsoft.com/office/powerpoint/2010/main" val="2421200619"/>
+              </p:ext>
+            </p:extLst>
+          </p:nvPr>
+        </p:nvGraphicFramePr>
+        <p:xfrm>
+          <a:off x="838204" y="4719306"/>
+          <a:ext cx="10515598" cy="741680"/>
+        </p:xfrm>
+        <a:graphic>
+          <a:graphicData uri="http://schemas.openxmlformats.org/drawingml/2006/table">
+            <a:tbl>
+              <a:tblPr firstRow="1" bandRow="1">
+                <a:tableStyleId>{5C22544A-7EE6-4342-B048-85BDC9FD1C3A}</a:tableStyleId>
+              </a:tblPr>
+              <a:tblGrid>
+                <a:gridCol w="1158525">
+                  <a:extLst>
+                    <a:ext uri="{9D8B030D-6E8A-4147-A177-3AD203B41FA5}">
+                      <a16:colId xmlns:a16="http://schemas.microsoft.com/office/drawing/2014/main" val="858573147"/>
+                    </a:ext>
+                  </a:extLst>
+                </a:gridCol>
+                <a:gridCol w="538433">
+                  <a:extLst>
+                    <a:ext uri="{9D8B030D-6E8A-4147-A177-3AD203B41FA5}">
+                      <a16:colId xmlns:a16="http://schemas.microsoft.com/office/drawing/2014/main" val="605955895"/>
+                    </a:ext>
+                  </a:extLst>
+                </a:gridCol>
+                <a:gridCol w="786112">
+                  <a:extLst>
+                    <a:ext uri="{9D8B030D-6E8A-4147-A177-3AD203B41FA5}">
+                      <a16:colId xmlns:a16="http://schemas.microsoft.com/office/drawing/2014/main" val="372090249"/>
+                    </a:ext>
+                  </a:extLst>
+                </a:gridCol>
+                <a:gridCol w="732270">
+                  <a:extLst>
+                    <a:ext uri="{9D8B030D-6E8A-4147-A177-3AD203B41FA5}">
+                      <a16:colId xmlns:a16="http://schemas.microsoft.com/office/drawing/2014/main" val="1728144953"/>
+                    </a:ext>
+                  </a:extLst>
+                </a:gridCol>
+                <a:gridCol w="732270">
+                  <a:extLst>
+                    <a:ext uri="{9D8B030D-6E8A-4147-A177-3AD203B41FA5}">
+                      <a16:colId xmlns:a16="http://schemas.microsoft.com/office/drawing/2014/main" val="3468089858"/>
+                    </a:ext>
+                  </a:extLst>
+                </a:gridCol>
+                <a:gridCol w="764575">
+                  <a:extLst>
+                    <a:ext uri="{9D8B030D-6E8A-4147-A177-3AD203B41FA5}">
+                      <a16:colId xmlns:a16="http://schemas.microsoft.com/office/drawing/2014/main" val="643390752"/>
+                    </a:ext>
+                  </a:extLst>
+                </a:gridCol>
+                <a:gridCol w="743038">
+                  <a:extLst>
+                    <a:ext uri="{9D8B030D-6E8A-4147-A177-3AD203B41FA5}">
+                      <a16:colId xmlns:a16="http://schemas.microsoft.com/office/drawing/2014/main" val="3816706010"/>
+                    </a:ext>
+                  </a:extLst>
+                </a:gridCol>
+                <a:gridCol w="775344">
+                  <a:extLst>
+                    <a:ext uri="{9D8B030D-6E8A-4147-A177-3AD203B41FA5}">
+                      <a16:colId xmlns:a16="http://schemas.microsoft.com/office/drawing/2014/main" val="509824815"/>
+                    </a:ext>
+                  </a:extLst>
+                </a:gridCol>
+                <a:gridCol w="764575">
+                  <a:extLst>
+                    <a:ext uri="{9D8B030D-6E8A-4147-A177-3AD203B41FA5}">
+                      <a16:colId xmlns:a16="http://schemas.microsoft.com/office/drawing/2014/main" val="325495327"/>
+                    </a:ext>
+                  </a:extLst>
+                </a:gridCol>
+                <a:gridCol w="743038">
+                  <a:extLst>
+                    <a:ext uri="{9D8B030D-6E8A-4147-A177-3AD203B41FA5}">
+                      <a16:colId xmlns:a16="http://schemas.microsoft.com/office/drawing/2014/main" val="4089923321"/>
+                    </a:ext>
+                  </a:extLst>
+                </a:gridCol>
+                <a:gridCol w="764575">
+                  <a:extLst>
+                    <a:ext uri="{9D8B030D-6E8A-4147-A177-3AD203B41FA5}">
+                      <a16:colId xmlns:a16="http://schemas.microsoft.com/office/drawing/2014/main" val="3790351163"/>
+                    </a:ext>
+                  </a:extLst>
+                </a:gridCol>
+                <a:gridCol w="764575">
+                  <a:extLst>
+                    <a:ext uri="{9D8B030D-6E8A-4147-A177-3AD203B41FA5}">
+                      <a16:colId xmlns:a16="http://schemas.microsoft.com/office/drawing/2014/main" val="1485846303"/>
+                    </a:ext>
+                  </a:extLst>
+                </a:gridCol>
+                <a:gridCol w="743038">
+                  <a:extLst>
+                    <a:ext uri="{9D8B030D-6E8A-4147-A177-3AD203B41FA5}">
+                      <a16:colId xmlns:a16="http://schemas.microsoft.com/office/drawing/2014/main" val="1310456824"/>
+                    </a:ext>
+                  </a:extLst>
+                </a:gridCol>
+                <a:gridCol w="505230">
+                  <a:extLst>
+                    <a:ext uri="{9D8B030D-6E8A-4147-A177-3AD203B41FA5}">
+                      <a16:colId xmlns:a16="http://schemas.microsoft.com/office/drawing/2014/main" val="3337662374"/>
+                    </a:ext>
+                  </a:extLst>
+                </a:gridCol>
+              </a:tblGrid>
+              <a:tr h="370840">
+                <a:tc>
+                  <a:txBody>
+                    <a:bodyPr/>
+                    <a:lstStyle/>
+                    <a:p>
+                      <a:r>
+                        <a:rPr lang="ru-RU" sz="1600" dirty="0" smtClean="0"/>
+                        <a:t>Маршруты</a:t>
+                      </a:r>
+                      <a:endParaRPr lang="ru-RU" sz="1600" dirty="0"/>
+                    </a:p>
+                  </a:txBody>
+                  <a:tcPr/>
+                </a:tc>
+                <a:tc>
+                  <a:txBody>
+                    <a:bodyPr/>
+                    <a:lstStyle/>
+                    <a:p>
+                      <a:r>
+                        <a:rPr lang="ru-RU" sz="1600" dirty="0" smtClean="0"/>
+                        <a:t>0</a:t>
+                      </a:r>
+                      <a:endParaRPr lang="ru-RU" sz="1600" dirty="0"/>
+                    </a:p>
+                  </a:txBody>
+                  <a:tcPr/>
+                </a:tc>
+                <a:tc>
+                  <a:txBody>
+                    <a:bodyPr/>
+                    <a:lstStyle/>
+                    <a:p>
+                      <a:r>
+                        <a:rPr lang="ru-RU" sz="1600" dirty="0" smtClean="0"/>
+                        <a:t>1</a:t>
+                      </a:r>
+                      <a:endParaRPr lang="ru-RU" sz="1600" dirty="0"/>
+                    </a:p>
+                  </a:txBody>
+                  <a:tcPr/>
+                </a:tc>
+                <a:tc>
+                  <a:txBody>
+                    <a:bodyPr/>
+                    <a:lstStyle/>
+                    <a:p>
+                      <a:r>
+                        <a:rPr lang="ru-RU" sz="1600" dirty="0" smtClean="0"/>
+                        <a:t>4</a:t>
+                      </a:r>
+                      <a:endParaRPr lang="ru-RU" sz="1600" dirty="0"/>
+                    </a:p>
+                  </a:txBody>
+                  <a:tcPr>
+                    <a:lnR w="19050" cap="flat" cmpd="sng" algn="ctr">
+                      <a:solidFill>
+                        <a:schemeClr val="tx1"/>
+                      </a:solidFill>
+                      <a:prstDash val="solid"/>
+                      <a:round/>
+                      <a:headEnd type="none" w="med" len="med"/>
+                      <a:tailEnd type="none" w="med" len="med"/>
+                    </a:lnR>
+                  </a:tcPr>
+                </a:tc>
+                <a:tc>
+                  <a:txBody>
+                    <a:bodyPr/>
+                    <a:lstStyle/>
+                    <a:p>
+                      <a:r>
+                        <a:rPr lang="ru-RU" sz="1600" dirty="0" smtClean="0"/>
+                        <a:t>6</a:t>
+                      </a:r>
+                      <a:endParaRPr lang="ru-RU" sz="1600" dirty="0"/>
+                    </a:p>
+                  </a:txBody>
+                  <a:tcPr>
+                    <a:lnL w="19050" cap="flat" cmpd="sng" algn="ctr">
+                      <a:solidFill>
+                        <a:schemeClr val="tx1"/>
+                      </a:solidFill>
+                      <a:prstDash val="solid"/>
+                      <a:round/>
+                      <a:headEnd type="none" w="med" len="med"/>
+                      <a:tailEnd type="none" w="med" len="med"/>
+                    </a:lnL>
+                    <a:lnR w="19050" cap="flat" cmpd="sng" algn="ctr">
+                      <a:solidFill>
+                        <a:schemeClr val="tx1"/>
+                      </a:solidFill>
+                      <a:prstDash val="solid"/>
+                      <a:round/>
+                      <a:headEnd type="none" w="med" len="med"/>
+                      <a:tailEnd type="none" w="med" len="med"/>
+                    </a:lnR>
+                    <a:lnT w="19050" cap="flat" cmpd="sng" algn="ctr">
+                      <a:solidFill>
+                        <a:schemeClr val="tx1"/>
+                      </a:solidFill>
+                      <a:prstDash val="solid"/>
+                      <a:round/>
+                      <a:headEnd type="none" w="med" len="med"/>
+                      <a:tailEnd type="none" w="med" len="med"/>
+                    </a:lnT>
+                  </a:tcPr>
+                </a:tc>
+                <a:tc>
+                  <a:txBody>
+                    <a:bodyPr/>
+                    <a:lstStyle/>
+                    <a:p>
+                      <a:r>
+                        <a:rPr lang="ru-RU" sz="1600" dirty="0" smtClean="0"/>
+                        <a:t>9</a:t>
+                      </a:r>
+                      <a:endParaRPr lang="ru-RU" sz="1600" dirty="0"/>
+                    </a:p>
+                  </a:txBody>
+                  <a:tcPr>
+                    <a:lnL w="19050" cap="flat" cmpd="sng" algn="ctr">
+                      <a:solidFill>
+                        <a:schemeClr val="tx1"/>
+                      </a:solidFill>
+                      <a:prstDash val="solid"/>
+                      <a:round/>
+                      <a:headEnd type="none" w="med" len="med"/>
+                      <a:tailEnd type="none" w="med" len="med"/>
+                    </a:lnL>
+                  </a:tcPr>
+                </a:tc>
+                <a:tc>
+                  <a:txBody>
+                    <a:bodyPr/>
+                    <a:lstStyle/>
+                    <a:p>
+                      <a:r>
+                        <a:rPr lang="ru-RU" sz="1600" dirty="0" smtClean="0"/>
+                        <a:t>0</a:t>
+                      </a:r>
+                      <a:endParaRPr lang="ru-RU" sz="1600" dirty="0"/>
+                    </a:p>
+                  </a:txBody>
+                  <a:tcPr/>
+                </a:tc>
+                <a:tc>
+                  <a:txBody>
+                    <a:bodyPr/>
+                    <a:lstStyle/>
+                    <a:p>
+                      <a:r>
+                        <a:rPr lang="ru-RU" sz="1600" dirty="0" smtClean="0"/>
+                        <a:t>2</a:t>
+                      </a:r>
+                      <a:endParaRPr lang="ru-RU" sz="1600" dirty="0"/>
+                    </a:p>
+                  </a:txBody>
+                  <a:tcPr/>
+                </a:tc>
+                <a:tc>
+                  <a:txBody>
+                    <a:bodyPr/>
+                    <a:lstStyle/>
+                    <a:p>
+                      <a:r>
+                        <a:rPr lang="ru-RU" sz="1600" dirty="0" smtClean="0"/>
+                        <a:t>3</a:t>
+                      </a:r>
+                      <a:endParaRPr lang="ru-RU" sz="1600" dirty="0"/>
+                    </a:p>
+                  </a:txBody>
+                  <a:tcPr/>
+                </a:tc>
+                <a:tc>
+                  <a:txBody>
+                    <a:bodyPr/>
+                    <a:lstStyle/>
+                    <a:p>
+                      <a:r>
+                        <a:rPr lang="ru-RU" sz="1600" dirty="0" smtClean="0"/>
+                        <a:t>5</a:t>
+                      </a:r>
+                      <a:endParaRPr lang="ru-RU" sz="1600" dirty="0"/>
+                    </a:p>
+                  </a:txBody>
+                  <a:tcPr/>
+                </a:tc>
+                <a:tc>
+                  <a:txBody>
+                    <a:bodyPr/>
+                    <a:lstStyle/>
+                    <a:p>
+                      <a:r>
+                        <a:rPr lang="ru-RU" sz="1600" dirty="0" smtClean="0"/>
+                        <a:t>0</a:t>
+                      </a:r>
+                      <a:endParaRPr lang="ru-RU" sz="1600" dirty="0"/>
+                    </a:p>
+                  </a:txBody>
+                  <a:tcPr/>
+                </a:tc>
+                <a:tc>
+                  <a:txBody>
+                    <a:bodyPr/>
+                    <a:lstStyle/>
+                    <a:p>
+                      <a:r>
+                        <a:rPr lang="ru-RU" sz="1600" dirty="0" smtClean="0"/>
+                        <a:t>6</a:t>
+                      </a:r>
+                      <a:endParaRPr lang="ru-RU" sz="1600" dirty="0"/>
+                    </a:p>
+                  </a:txBody>
+                  <a:tcPr/>
+                </a:tc>
+                <a:tc>
+                  <a:txBody>
+                    <a:bodyPr/>
+                    <a:lstStyle/>
+                    <a:p>
+                      <a:r>
+                        <a:rPr lang="ru-RU" sz="1600" dirty="0" smtClean="0"/>
+                        <a:t>7</a:t>
+                      </a:r>
+                      <a:endParaRPr lang="ru-RU" sz="1600" dirty="0"/>
+                    </a:p>
+                  </a:txBody>
+                  <a:tcPr/>
+                </a:tc>
+                <a:tc>
+                  <a:txBody>
+                    <a:bodyPr/>
+                    <a:lstStyle/>
+                    <a:p>
+                      <a:r>
+                        <a:rPr lang="ru-RU" sz="1600" dirty="0" smtClean="0"/>
+                        <a:t>0</a:t>
+                      </a:r>
+                      <a:endParaRPr lang="ru-RU" sz="1600" dirty="0"/>
+                    </a:p>
+                  </a:txBody>
+                  <a:tcPr/>
+                </a:tc>
+                <a:extLst>
+                  <a:ext uri="{0D108BD9-81ED-4DB2-BD59-A6C34878D82A}">
+                    <a16:rowId xmlns:a16="http://schemas.microsoft.com/office/drawing/2014/main" val="948591511"/>
+                  </a:ext>
+                </a:extLst>
+              </a:tr>
+              <a:tr h="370840">
+                <a:tc>
+                  <a:txBody>
+                    <a:bodyPr/>
+                    <a:lstStyle/>
+                    <a:p>
+                      <a:r>
+                        <a:rPr lang="ru-RU" sz="1600" dirty="0" smtClean="0"/>
+                        <a:t>Скважины</a:t>
+                      </a:r>
+                      <a:endParaRPr lang="ru-RU" sz="1600" dirty="0"/>
+                    </a:p>
+                  </a:txBody>
+                  <a:tcPr/>
+                </a:tc>
+                <a:tc>
+                  <a:txBody>
+                    <a:bodyPr/>
+                    <a:lstStyle/>
+                    <a:p>
+                      <a:r>
+                        <a:rPr lang="ru-RU" sz="1600" dirty="0" smtClean="0"/>
+                        <a:t>0</a:t>
+                      </a:r>
+                      <a:endParaRPr lang="ru-RU" sz="1600" dirty="0"/>
+                    </a:p>
+                  </a:txBody>
+                  <a:tcPr/>
+                </a:tc>
+                <a:tc>
+                  <a:txBody>
+                    <a:bodyPr/>
+                    <a:lstStyle/>
+                    <a:p>
+                      <a:r>
+                        <a:rPr lang="ru-RU" sz="1600" dirty="0" smtClean="0"/>
+                        <a:t>4</a:t>
+                      </a:r>
+                      <a:endParaRPr lang="ru-RU" sz="1600" dirty="0"/>
+                    </a:p>
+                  </a:txBody>
+                  <a:tcPr/>
+                </a:tc>
+                <a:tc>
+                  <a:txBody>
+                    <a:bodyPr/>
+                    <a:lstStyle/>
+                    <a:p>
+                      <a:r>
+                        <a:rPr lang="ru-RU" sz="1600" dirty="0" smtClean="0"/>
+                        <a:t>2</a:t>
+                      </a:r>
+                      <a:endParaRPr lang="ru-RU" sz="1600" dirty="0"/>
+                    </a:p>
+                  </a:txBody>
+                  <a:tcPr>
+                    <a:lnR w="19050" cap="flat" cmpd="sng" algn="ctr">
+                      <a:solidFill>
+                        <a:schemeClr val="tx1"/>
+                      </a:solidFill>
+                      <a:prstDash val="solid"/>
+                      <a:round/>
+                      <a:headEnd type="none" w="med" len="med"/>
+                      <a:tailEnd type="none" w="med" len="med"/>
+                    </a:lnR>
+                  </a:tcPr>
+                </a:tc>
+                <a:tc>
+                  <a:txBody>
+                    <a:bodyPr/>
+                    <a:lstStyle/>
+                    <a:p>
+                      <a:r>
+                        <a:rPr lang="ru-RU" sz="1600" dirty="0" smtClean="0"/>
+                        <a:t>3</a:t>
+                      </a:r>
+                      <a:endParaRPr lang="ru-RU" sz="1600" dirty="0"/>
+                    </a:p>
+                  </a:txBody>
+                  <a:tcPr>
+                    <a:lnL w="19050" cap="flat" cmpd="sng" algn="ctr">
+                      <a:solidFill>
+                        <a:schemeClr val="tx1"/>
+                      </a:solidFill>
+                      <a:prstDash val="solid"/>
+                      <a:round/>
+                      <a:headEnd type="none" w="med" len="med"/>
+                      <a:tailEnd type="none" w="med" len="med"/>
+                    </a:lnL>
+                    <a:lnR w="19050" cap="flat" cmpd="sng" algn="ctr">
+                      <a:solidFill>
+                        <a:schemeClr val="tx1"/>
+                      </a:solidFill>
+                      <a:prstDash val="solid"/>
+                      <a:round/>
+                      <a:headEnd type="none" w="med" len="med"/>
+                      <a:tailEnd type="none" w="med" len="med"/>
+                    </a:lnR>
+                    <a:lnB w="19050" cap="flat" cmpd="sng" algn="ctr">
+                      <a:solidFill>
+                        <a:schemeClr val="tx1"/>
+                      </a:solidFill>
+                      <a:prstDash val="solid"/>
+                      <a:round/>
+                      <a:headEnd type="none" w="med" len="med"/>
+                      <a:tailEnd type="none" w="med" len="med"/>
+                    </a:lnB>
+                  </a:tcPr>
+                </a:tc>
+                <a:tc>
+                  <a:txBody>
+                    <a:bodyPr/>
+                    <a:lstStyle/>
+                    <a:p>
+                      <a:r>
+                        <a:rPr lang="ru-RU" sz="1600" dirty="0" smtClean="0"/>
+                        <a:t>3</a:t>
+                      </a:r>
+                      <a:endParaRPr lang="ru-RU" sz="1600" dirty="0"/>
+                    </a:p>
+                  </a:txBody>
+                  <a:tcPr>
+                    <a:lnL w="19050" cap="flat" cmpd="sng" algn="ctr">
+                      <a:solidFill>
+                        <a:schemeClr val="tx1"/>
+                      </a:solidFill>
+                      <a:prstDash val="solid"/>
+                      <a:round/>
+                      <a:headEnd type="none" w="med" len="med"/>
+                      <a:tailEnd type="none" w="med" len="med"/>
+                    </a:lnL>
+                  </a:tcPr>
+                </a:tc>
+                <a:tc>
+                  <a:txBody>
+                    <a:bodyPr/>
+                    <a:lstStyle/>
+                    <a:p>
+                      <a:r>
+                        <a:rPr lang="ru-RU" sz="1600" dirty="0" smtClean="0"/>
+                        <a:t>0</a:t>
+                      </a:r>
+                      <a:endParaRPr lang="ru-RU" sz="1600" dirty="0"/>
+                    </a:p>
+                  </a:txBody>
+                  <a:tcPr/>
+                </a:tc>
+                <a:tc>
+                  <a:txBody>
+                    <a:bodyPr/>
+                    <a:lstStyle/>
+                    <a:p>
+                      <a:r>
+                        <a:rPr lang="ru-RU" sz="1600" dirty="0" smtClean="0"/>
+                        <a:t>1</a:t>
+                      </a:r>
+                      <a:endParaRPr lang="ru-RU" sz="1600" dirty="0"/>
+                    </a:p>
+                  </a:txBody>
+                  <a:tcPr/>
+                </a:tc>
+                <a:tc>
+                  <a:txBody>
+                    <a:bodyPr/>
+                    <a:lstStyle/>
+                    <a:p>
+                      <a:r>
+                        <a:rPr lang="ru-RU" sz="1600" dirty="0" smtClean="0"/>
+                        <a:t>8</a:t>
+                      </a:r>
+                      <a:endParaRPr lang="ru-RU" sz="1600" dirty="0"/>
+                    </a:p>
+                  </a:txBody>
+                  <a:tcPr/>
+                </a:tc>
+                <a:tc>
+                  <a:txBody>
+                    <a:bodyPr/>
+                    <a:lstStyle/>
+                    <a:p>
+                      <a:r>
+                        <a:rPr lang="ru-RU" sz="1600" dirty="0" smtClean="0"/>
+                        <a:t>3</a:t>
+                      </a:r>
+                      <a:endParaRPr lang="ru-RU" sz="1600" dirty="0"/>
+                    </a:p>
+                  </a:txBody>
+                  <a:tcPr/>
+                </a:tc>
+                <a:tc>
+                  <a:txBody>
+                    <a:bodyPr/>
+                    <a:lstStyle/>
+                    <a:p>
+                      <a:r>
+                        <a:rPr lang="ru-RU" sz="1600" dirty="0" smtClean="0"/>
+                        <a:t>0</a:t>
+                      </a:r>
+                      <a:endParaRPr lang="ru-RU" sz="1600" dirty="0"/>
+                    </a:p>
+                  </a:txBody>
+                  <a:tcPr/>
+                </a:tc>
+                <a:tc>
+                  <a:txBody>
+                    <a:bodyPr/>
+                    <a:lstStyle/>
+                    <a:p>
+                      <a:r>
+                        <a:rPr lang="ru-RU" sz="1600" dirty="0" smtClean="0"/>
+                        <a:t>4</a:t>
+                      </a:r>
+                      <a:endParaRPr lang="ru-RU" sz="1600" dirty="0"/>
+                    </a:p>
+                  </a:txBody>
+                  <a:tcPr/>
+                </a:tc>
+                <a:tc>
+                  <a:txBody>
+                    <a:bodyPr/>
+                    <a:lstStyle/>
+                    <a:p>
+                      <a:r>
+                        <a:rPr lang="ru-RU" sz="1600" dirty="0" smtClean="0"/>
+                        <a:t>2</a:t>
+                      </a:r>
+                      <a:endParaRPr lang="ru-RU" sz="1600" dirty="0"/>
+                    </a:p>
+                  </a:txBody>
+                  <a:tcPr/>
+                </a:tc>
+                <a:tc>
+                  <a:txBody>
+                    <a:bodyPr/>
+                    <a:lstStyle/>
+                    <a:p>
+                      <a:r>
+                        <a:rPr lang="ru-RU" sz="1600" dirty="0" smtClean="0"/>
+                        <a:t>0</a:t>
+                      </a:r>
+                      <a:endParaRPr lang="ru-RU" sz="1600" dirty="0"/>
+                    </a:p>
+                  </a:txBody>
+                  <a:tcPr/>
+                </a:tc>
+                <a:extLst>
+                  <a:ext uri="{0D108BD9-81ED-4DB2-BD59-A6C34878D82A}">
+                    <a16:rowId xmlns:a16="http://schemas.microsoft.com/office/drawing/2014/main" val="135945032"/>
+                  </a:ext>
+                </a:extLst>
+              </a:tr>
+            </a:tbl>
+          </a:graphicData>
+        </a:graphic>
+      </p:graphicFrame>
     </p:spTree>
     <p:extLst>
       <p:ext uri="{BB962C8B-B14F-4D97-AF65-F5344CB8AC3E}">
-        <p14:creationId xmlns:p14="http://schemas.microsoft.com/office/powerpoint/2010/main" val="2274372006"/>
+        <p14:creationId xmlns:p14="http://schemas.microsoft.com/office/powerpoint/2010/main" val="1045770334"/>
       </p:ext>
     </p:extLst>
   </p:cSld>
@@ -5826,73 +6289,7 @@
                 <a:latin typeface="Times New Roman" panose="02020603050405020304" pitchFamily="18" charset="0"/>
                 <a:cs typeface="Times New Roman" panose="02020603050405020304" pitchFamily="18" charset="0"/>
               </a:rPr>
-              <a:t>Дальнейшие исследования</a:t>
-            </a:r>
-            <a:r>
-              <a:rPr lang="ru-RU" dirty="0" smtClean="0"/>
-              <a:t>.</a:t>
-            </a:r>
-            <a:endParaRPr lang="ru-RU" dirty="0"/>
-          </a:p>
-        </p:txBody>
-      </p:sp>
-      <p:sp>
-        <p:nvSpPr>
-          <p:cNvPr id="3" name="Объект 2"/>
-          <p:cNvSpPr>
-            <a:spLocks noGrp="1"/>
-          </p:cNvSpPr>
-          <p:nvPr>
-            <p:ph idx="1"/>
-          </p:nvPr>
-        </p:nvSpPr>
-        <p:spPr/>
-        <p:txBody>
-          <a:bodyPr/>
-          <a:lstStyle/>
-          <a:p>
-            <a:r>
-              <a:rPr lang="ru-RU" dirty="0" smtClean="0">
-                <a:latin typeface="Times New Roman" panose="02020603050405020304" pitchFamily="18" charset="0"/>
-                <a:cs typeface="Times New Roman" panose="02020603050405020304" pitchFamily="18" charset="0"/>
-              </a:rPr>
-              <a:t>Реализовать все </a:t>
-            </a:r>
-            <a:r>
-              <a:rPr lang="ru-RU" dirty="0" err="1" smtClean="0">
-                <a:latin typeface="Times New Roman" panose="02020603050405020304" pitchFamily="18" charset="0"/>
-                <a:cs typeface="Times New Roman" panose="02020603050405020304" pitchFamily="18" charset="0"/>
-              </a:rPr>
-              <a:t>кроссоверы</a:t>
-            </a:r>
-            <a:r>
-              <a:rPr lang="ru-RU" dirty="0" smtClean="0">
-                <a:latin typeface="Times New Roman" panose="02020603050405020304" pitchFamily="18" charset="0"/>
-                <a:cs typeface="Times New Roman" panose="02020603050405020304" pitchFamily="18" charset="0"/>
-              </a:rPr>
-              <a:t>.</a:t>
-            </a:r>
-          </a:p>
-          <a:p>
-            <a:r>
-              <a:rPr lang="ru-RU" dirty="0" smtClean="0">
-                <a:latin typeface="Times New Roman" panose="02020603050405020304" pitchFamily="18" charset="0"/>
-                <a:cs typeface="Times New Roman" panose="02020603050405020304" pitchFamily="18" charset="0"/>
-              </a:rPr>
-              <a:t>Реализовать больше операторов для локального поиска.</a:t>
-            </a:r>
-            <a:endParaRPr lang="en-US" dirty="0" smtClean="0">
-              <a:latin typeface="Times New Roman" panose="02020603050405020304" pitchFamily="18" charset="0"/>
-              <a:cs typeface="Times New Roman" panose="02020603050405020304" pitchFamily="18" charset="0"/>
-            </a:endParaRPr>
-          </a:p>
-          <a:p>
-            <a:r>
-              <a:rPr lang="ru-RU" dirty="0" smtClean="0">
-                <a:latin typeface="Times New Roman" panose="02020603050405020304" pitchFamily="18" charset="0"/>
-                <a:cs typeface="Times New Roman" panose="02020603050405020304" pitchFamily="18" charset="0"/>
-              </a:rPr>
-              <a:t>Реализовать динамические штрафы.</a:t>
+              <a:t>Временные результаты</a:t>
             </a:r>
             <a:endParaRPr lang="ru-RU" dirty="0">
               <a:latin typeface="Times New Roman" panose="02020603050405020304" pitchFamily="18" charset="0"/>
@@ -5901,6 +6298,4310 @@
           </a:p>
         </p:txBody>
       </p:sp>
+      <p:graphicFrame>
+        <p:nvGraphicFramePr>
+          <p:cNvPr id="6" name="Объект 5"/>
+          <p:cNvGraphicFramePr>
+            <a:graphicFrameLocks noGrp="1"/>
+          </p:cNvGraphicFramePr>
+          <p:nvPr>
+            <p:ph idx="1"/>
+            <p:extLst>
+              <p:ext uri="{D42A27DB-BD31-4B8C-83A1-F6EECF244321}">
+                <p14:modId xmlns:p14="http://schemas.microsoft.com/office/powerpoint/2010/main" val="1011235996"/>
+              </p:ext>
+            </p:extLst>
+          </p:nvPr>
+        </p:nvGraphicFramePr>
+        <p:xfrm>
+          <a:off x="2482850" y="2086769"/>
+          <a:ext cx="7226300" cy="3829050"/>
+        </p:xfrm>
+        <a:graphic>
+          <a:graphicData uri="http://schemas.openxmlformats.org/drawingml/2006/table">
+            <a:tbl>
+              <a:tblPr>
+                <a:tableStyleId>{6E25E649-3F16-4E02-A733-19D2CDBF48F0}</a:tableStyleId>
+              </a:tblPr>
+              <a:tblGrid>
+                <a:gridCol w="1004182">
+                  <a:extLst>
+                    <a:ext uri="{9D8B030D-6E8A-4147-A177-3AD203B41FA5}">
+                      <a16:colId xmlns:a16="http://schemas.microsoft.com/office/drawing/2014/main" val="895870090"/>
+                    </a:ext>
+                  </a:extLst>
+                </a:gridCol>
+                <a:gridCol w="902493">
+                  <a:extLst>
+                    <a:ext uri="{9D8B030D-6E8A-4147-A177-3AD203B41FA5}">
+                      <a16:colId xmlns:a16="http://schemas.microsoft.com/office/drawing/2014/main" val="3161760643"/>
+                    </a:ext>
+                  </a:extLst>
+                </a:gridCol>
+                <a:gridCol w="762670">
+                  <a:extLst>
+                    <a:ext uri="{9D8B030D-6E8A-4147-A177-3AD203B41FA5}">
+                      <a16:colId xmlns:a16="http://schemas.microsoft.com/office/drawing/2014/main" val="3255006834"/>
+                    </a:ext>
+                  </a:extLst>
+                </a:gridCol>
+                <a:gridCol w="848471">
+                  <a:extLst>
+                    <a:ext uri="{9D8B030D-6E8A-4147-A177-3AD203B41FA5}">
+                      <a16:colId xmlns:a16="http://schemas.microsoft.com/office/drawing/2014/main" val="3599218421"/>
+                    </a:ext>
+                  </a:extLst>
+                </a:gridCol>
+                <a:gridCol w="848471">
+                  <a:extLst>
+                    <a:ext uri="{9D8B030D-6E8A-4147-A177-3AD203B41FA5}">
+                      <a16:colId xmlns:a16="http://schemas.microsoft.com/office/drawing/2014/main" val="2498169663"/>
+                    </a:ext>
+                  </a:extLst>
+                </a:gridCol>
+                <a:gridCol w="1029605">
+                  <a:extLst>
+                    <a:ext uri="{9D8B030D-6E8A-4147-A177-3AD203B41FA5}">
+                      <a16:colId xmlns:a16="http://schemas.microsoft.com/office/drawing/2014/main" val="1050193536"/>
+                    </a:ext>
+                  </a:extLst>
+                </a:gridCol>
+                <a:gridCol w="610136">
+                  <a:extLst>
+                    <a:ext uri="{9D8B030D-6E8A-4147-A177-3AD203B41FA5}">
+                      <a16:colId xmlns:a16="http://schemas.microsoft.com/office/drawing/2014/main" val="3154834404"/>
+                    </a:ext>
+                  </a:extLst>
+                </a:gridCol>
+                <a:gridCol w="610136">
+                  <a:extLst>
+                    <a:ext uri="{9D8B030D-6E8A-4147-A177-3AD203B41FA5}">
+                      <a16:colId xmlns:a16="http://schemas.microsoft.com/office/drawing/2014/main" val="2882033853"/>
+                    </a:ext>
+                  </a:extLst>
+                </a:gridCol>
+                <a:gridCol w="610136">
+                  <a:extLst>
+                    <a:ext uri="{9D8B030D-6E8A-4147-A177-3AD203B41FA5}">
+                      <a16:colId xmlns:a16="http://schemas.microsoft.com/office/drawing/2014/main" val="1815638783"/>
+                    </a:ext>
+                  </a:extLst>
+                </a:gridCol>
+              </a:tblGrid>
+              <a:tr h="361950">
+                <a:tc>
+                  <a:txBody>
+                    <a:bodyPr/>
+                    <a:lstStyle/>
+                    <a:p>
+                      <a:pPr algn="ctr" fontAlgn="ctr"/>
+                      <a:r>
+                        <a:rPr lang="en-US" sz="1400" u="none" strike="noStrike" dirty="0" smtClean="0">
+                          <a:effectLst/>
+                        </a:rPr>
+                        <a:t>Time</a:t>
+                      </a:r>
+                      <a:endParaRPr lang="en-US" sz="1400" b="0" i="0" u="none" strike="noStrike" dirty="0">
+                        <a:solidFill>
+                          <a:srgbClr val="000000"/>
+                        </a:solidFill>
+                        <a:effectLst/>
+                        <a:latin typeface="Times New Roman" panose="02020603050405020304" pitchFamily="18" charset="0"/>
+                      </a:endParaRPr>
+                    </a:p>
+                  </a:txBody>
+                  <a:tcPr marL="9525" marR="9525" marT="9525" marB="0" anchor="ctr">
+                    <a:lnL w="28575" cap="flat" cmpd="sng" algn="ctr">
+                      <a:solidFill>
+                        <a:schemeClr val="tx1"/>
+                      </a:solidFill>
+                      <a:prstDash val="solid"/>
+                      <a:round/>
+                      <a:headEnd type="none" w="med" len="med"/>
+                      <a:tailEnd type="none" w="med" len="med"/>
+                    </a:lnL>
+                    <a:lnR w="19050" cap="flat" cmpd="sng" algn="ctr">
+                      <a:solidFill>
+                        <a:schemeClr val="tx1"/>
+                      </a:solidFill>
+                      <a:prstDash val="solid"/>
+                      <a:round/>
+                      <a:headEnd type="none" w="med" len="med"/>
+                      <a:tailEnd type="none" w="med" len="med"/>
+                    </a:lnR>
+                    <a:lnT w="28575" cap="flat" cmpd="sng" algn="ctr">
+                      <a:solidFill>
+                        <a:schemeClr val="tx1"/>
+                      </a:solidFill>
+                      <a:prstDash val="solid"/>
+                      <a:round/>
+                      <a:headEnd type="none" w="med" len="med"/>
+                      <a:tailEnd type="none" w="med" len="med"/>
+                    </a:lnT>
+                    <a:lnB w="12700" cap="flat" cmpd="sng" algn="ctr">
+                      <a:solidFill>
+                        <a:schemeClr val="tx1"/>
+                      </a:solidFill>
+                      <a:prstDash val="solid"/>
+                      <a:round/>
+                      <a:headEnd type="none" w="med" len="med"/>
+                      <a:tailEnd type="none" w="med" len="med"/>
+                    </a:lnB>
+                  </a:tcPr>
+                </a:tc>
+                <a:tc gridSpan="4">
+                  <a:txBody>
+                    <a:bodyPr/>
+                    <a:lstStyle/>
+                    <a:p>
+                      <a:pPr algn="ctr" fontAlgn="ctr"/>
+                      <a:r>
+                        <a:rPr lang="ru-RU" sz="1400" u="none" strike="noStrike" dirty="0">
+                          <a:effectLst/>
+                        </a:rPr>
+                        <a:t> </a:t>
+                      </a:r>
+                      <a:r>
+                        <a:rPr lang="en-US" sz="1400" u="none" strike="noStrike" dirty="0" smtClean="0">
+                          <a:effectLst/>
+                        </a:rPr>
+                        <a:t>Local </a:t>
+                      </a:r>
+                      <a:r>
+                        <a:rPr lang="en-US" sz="1400" u="none" strike="noStrike" dirty="0">
+                          <a:effectLst/>
+                        </a:rPr>
+                        <a:t>Search</a:t>
+                      </a:r>
+                      <a:endParaRPr lang="en-US" sz="1400" b="0" i="0" u="none" strike="noStrike" dirty="0">
+                        <a:solidFill>
+                          <a:srgbClr val="000000"/>
+                        </a:solidFill>
+                        <a:effectLst/>
+                        <a:latin typeface="Times New Roman" panose="02020603050405020304" pitchFamily="18" charset="0"/>
+                      </a:endParaRPr>
+                    </a:p>
+                  </a:txBody>
+                  <a:tcPr marL="9525" marR="9525" marT="9525" marB="0" anchor="ctr">
+                    <a:lnL w="19050" cap="flat" cmpd="sng" algn="ctr">
+                      <a:solidFill>
+                        <a:schemeClr val="tx1"/>
+                      </a:solidFill>
+                      <a:prstDash val="solid"/>
+                      <a:round/>
+                      <a:headEnd type="none" w="med" len="med"/>
+                      <a:tailEnd type="none" w="med" len="med"/>
+                    </a:lnL>
+                    <a:lnR w="19050" cap="flat" cmpd="sng" algn="ctr">
+                      <a:solidFill>
+                        <a:schemeClr val="tx1"/>
+                      </a:solidFill>
+                      <a:prstDash val="solid"/>
+                      <a:round/>
+                      <a:headEnd type="none" w="med" len="med"/>
+                      <a:tailEnd type="none" w="med" len="med"/>
+                    </a:lnR>
+                    <a:lnT w="28575" cap="flat" cmpd="sng" algn="ctr">
+                      <a:solidFill>
+                        <a:schemeClr val="tx1"/>
+                      </a:solidFill>
+                      <a:prstDash val="solid"/>
+                      <a:round/>
+                      <a:headEnd type="none" w="med" len="med"/>
+                      <a:tailEnd type="none" w="med" len="med"/>
+                    </a:lnT>
+                    <a:lnB w="12700" cap="flat" cmpd="sng" algn="ctr">
+                      <a:solidFill>
+                        <a:schemeClr val="tx1"/>
+                      </a:solidFill>
+                      <a:prstDash val="solid"/>
+                      <a:round/>
+                      <a:headEnd type="none" w="med" len="med"/>
+                      <a:tailEnd type="none" w="med" len="med"/>
+                    </a:lnB>
+                  </a:tcPr>
+                </a:tc>
+                <a:tc hMerge="1">
+                  <a:txBody>
+                    <a:bodyPr/>
+                    <a:lstStyle/>
+                    <a:p>
+                      <a:pPr algn="ctr" fontAlgn="ctr"/>
+                      <a:endParaRPr lang="en-US" sz="1400" b="0" i="0" u="none" strike="noStrike" dirty="0">
+                        <a:solidFill>
+                          <a:srgbClr val="000000"/>
+                        </a:solidFill>
+                        <a:effectLst/>
+                        <a:latin typeface="Times New Roman" panose="02020603050405020304" pitchFamily="18" charset="0"/>
+                      </a:endParaRPr>
+                    </a:p>
+                  </a:txBody>
+                  <a:tcPr marL="9525" marR="9525" marT="9525" marB="0" anchor="ctr">
+                    <a:lnR w="12700" cap="flat" cmpd="sng" algn="ctr">
+                      <a:solidFill>
+                        <a:schemeClr val="tx1"/>
+                      </a:solidFill>
+                      <a:prstDash val="solid"/>
+                      <a:round/>
+                      <a:headEnd type="none" w="med" len="med"/>
+                      <a:tailEnd type="none" w="med" len="med"/>
+                    </a:lnR>
+                    <a:lnT w="12700" cap="flat" cmpd="sng" algn="ctr">
+                      <a:solidFill>
+                        <a:schemeClr val="tx1"/>
+                      </a:solidFill>
+                      <a:prstDash val="solid"/>
+                      <a:round/>
+                      <a:headEnd type="none" w="med" len="med"/>
+                      <a:tailEnd type="none" w="med" len="med"/>
+                    </a:lnT>
+                    <a:lnB w="12700" cap="flat" cmpd="sng" algn="ctr">
+                      <a:solidFill>
+                        <a:schemeClr val="tx1"/>
+                      </a:solidFill>
+                      <a:prstDash val="solid"/>
+                      <a:round/>
+                      <a:headEnd type="none" w="med" len="med"/>
+                      <a:tailEnd type="none" w="med" len="med"/>
+                    </a:lnB>
+                  </a:tcPr>
+                </a:tc>
+                <a:tc hMerge="1">
+                  <a:txBody>
+                    <a:bodyPr/>
+                    <a:lstStyle/>
+                    <a:p>
+                      <a:endParaRPr lang="ru-RU"/>
+                    </a:p>
+                  </a:txBody>
+                  <a:tcPr/>
+                </a:tc>
+                <a:tc hMerge="1">
+                  <a:txBody>
+                    <a:bodyPr/>
+                    <a:lstStyle/>
+                    <a:p>
+                      <a:endParaRPr lang="ru-RU"/>
+                    </a:p>
+                  </a:txBody>
+                  <a:tcPr/>
+                </a:tc>
+                <a:tc gridSpan="4">
+                  <a:txBody>
+                    <a:bodyPr/>
+                    <a:lstStyle/>
+                    <a:p>
+                      <a:pPr algn="ctr" fontAlgn="ctr"/>
+                      <a:r>
+                        <a:rPr lang="en-US" sz="1400" u="none" strike="noStrike" dirty="0">
+                          <a:effectLst/>
+                        </a:rPr>
+                        <a:t>Crossover</a:t>
+                      </a:r>
+                      <a:endParaRPr lang="en-US" sz="1400" b="0" i="0" u="none" strike="noStrike" dirty="0">
+                        <a:solidFill>
+                          <a:srgbClr val="000000"/>
+                        </a:solidFill>
+                        <a:effectLst/>
+                        <a:latin typeface="Times New Roman" panose="02020603050405020304" pitchFamily="18" charset="0"/>
+                      </a:endParaRPr>
+                    </a:p>
+                  </a:txBody>
+                  <a:tcPr marL="9525" marR="9525" marT="9525" marB="0" anchor="ctr">
+                    <a:lnL w="19050" cap="flat" cmpd="sng" algn="ctr">
+                      <a:solidFill>
+                        <a:schemeClr val="tx1"/>
+                      </a:solidFill>
+                      <a:prstDash val="solid"/>
+                      <a:round/>
+                      <a:headEnd type="none" w="med" len="med"/>
+                      <a:tailEnd type="none" w="med" len="med"/>
+                    </a:lnL>
+                    <a:lnR w="28575" cap="flat" cmpd="sng" algn="ctr">
+                      <a:solidFill>
+                        <a:schemeClr val="tx1"/>
+                      </a:solidFill>
+                      <a:prstDash val="solid"/>
+                      <a:round/>
+                      <a:headEnd type="none" w="med" len="med"/>
+                      <a:tailEnd type="none" w="med" len="med"/>
+                    </a:lnR>
+                    <a:lnT w="28575" cap="flat" cmpd="sng" algn="ctr">
+                      <a:solidFill>
+                        <a:schemeClr val="tx1"/>
+                      </a:solidFill>
+                      <a:prstDash val="solid"/>
+                      <a:round/>
+                      <a:headEnd type="none" w="med" len="med"/>
+                      <a:tailEnd type="none" w="med" len="med"/>
+                    </a:lnT>
+                    <a:lnB w="12700" cap="flat" cmpd="sng" algn="ctr">
+                      <a:solidFill>
+                        <a:schemeClr val="tx1"/>
+                      </a:solidFill>
+                      <a:prstDash val="solid"/>
+                      <a:round/>
+                      <a:headEnd type="none" w="med" len="med"/>
+                      <a:tailEnd type="none" w="med" len="med"/>
+                    </a:lnB>
+                  </a:tcPr>
+                </a:tc>
+                <a:tc hMerge="1">
+                  <a:txBody>
+                    <a:bodyPr/>
+                    <a:lstStyle/>
+                    <a:p>
+                      <a:endParaRPr lang="ru-RU"/>
+                    </a:p>
+                  </a:txBody>
+                  <a:tcPr/>
+                </a:tc>
+                <a:tc hMerge="1">
+                  <a:txBody>
+                    <a:bodyPr/>
+                    <a:lstStyle/>
+                    <a:p>
+                      <a:endParaRPr lang="ru-RU"/>
+                    </a:p>
+                  </a:txBody>
+                  <a:tcPr/>
+                </a:tc>
+                <a:tc hMerge="1">
+                  <a:txBody>
+                    <a:bodyPr/>
+                    <a:lstStyle/>
+                    <a:p>
+                      <a:endParaRPr lang="ru-RU"/>
+                    </a:p>
+                  </a:txBody>
+                  <a:tcPr/>
+                </a:tc>
+                <a:extLst>
+                  <a:ext uri="{0D108BD9-81ED-4DB2-BD59-A6C34878D82A}">
+                    <a16:rowId xmlns:a16="http://schemas.microsoft.com/office/drawing/2014/main" val="4270167767"/>
+                  </a:ext>
+                </a:extLst>
+              </a:tr>
+              <a:tr h="419100">
+                <a:tc rowSpan="5">
+                  <a:txBody>
+                    <a:bodyPr/>
+                    <a:lstStyle/>
+                    <a:p>
+                      <a:pPr algn="ctr" fontAlgn="ctr"/>
+                      <a:r>
+                        <a:rPr lang="en-US" sz="1400" u="none" strike="noStrike" dirty="0" smtClean="0">
+                          <a:effectLst/>
+                        </a:rPr>
+                        <a:t>Starting </a:t>
+                      </a:r>
+                      <a:r>
+                        <a:rPr lang="en-US" sz="1400" u="none" strike="noStrike" dirty="0">
+                          <a:effectLst/>
+                        </a:rPr>
+                        <a:t>population</a:t>
+                      </a:r>
+                      <a:endParaRPr lang="en-US" sz="1400" b="0" i="0" u="none" strike="noStrike" dirty="0">
+                        <a:solidFill>
+                          <a:srgbClr val="000000"/>
+                        </a:solidFill>
+                        <a:effectLst/>
+                        <a:latin typeface="Times New Roman" panose="02020603050405020304" pitchFamily="18" charset="0"/>
+                      </a:endParaRPr>
+                    </a:p>
+                  </a:txBody>
+                  <a:tcPr marL="9525" marR="9525" marT="9525" marB="0" vert="vert270" anchor="ctr">
+                    <a:lnL w="28575" cap="flat" cmpd="sng" algn="ctr">
+                      <a:solidFill>
+                        <a:schemeClr val="tx1"/>
+                      </a:solidFill>
+                      <a:prstDash val="solid"/>
+                      <a:round/>
+                      <a:headEnd type="none" w="med" len="med"/>
+                      <a:tailEnd type="none" w="med" len="med"/>
+                    </a:lnL>
+                    <a:lnR w="19050" cap="flat" cmpd="sng" algn="ctr">
+                      <a:solidFill>
+                        <a:schemeClr val="tx1"/>
+                      </a:solidFill>
+                      <a:prstDash val="solid"/>
+                      <a:round/>
+                      <a:headEnd type="none" w="med" len="med"/>
+                      <a:tailEnd type="none" w="med" len="med"/>
+                    </a:lnR>
+                    <a:lnT w="12700" cap="flat" cmpd="sng" algn="ctr">
+                      <a:solidFill>
+                        <a:schemeClr val="tx1"/>
+                      </a:solidFill>
+                      <a:prstDash val="solid"/>
+                      <a:round/>
+                      <a:headEnd type="none" w="med" len="med"/>
+                      <a:tailEnd type="none" w="med" len="med"/>
+                    </a:lnT>
+                    <a:lnB w="12700" cap="flat" cmpd="sng" algn="ctr">
+                      <a:solidFill>
+                        <a:schemeClr val="tx1"/>
+                      </a:solidFill>
+                      <a:prstDash val="solid"/>
+                      <a:round/>
+                      <a:headEnd type="none" w="med" len="med"/>
+                      <a:tailEnd type="none" w="med" len="med"/>
+                    </a:lnB>
+                  </a:tcPr>
+                </a:tc>
+                <a:tc>
+                  <a:txBody>
+                    <a:bodyPr/>
+                    <a:lstStyle/>
+                    <a:p>
+                      <a:pPr algn="ctr" fontAlgn="ctr"/>
+                      <a:r>
+                        <a:rPr lang="en-US" sz="1400" u="none" strike="noStrike" dirty="0" err="1">
+                          <a:effectLst/>
+                        </a:rPr>
+                        <a:t>obj</a:t>
+                      </a:r>
+                      <a:r>
+                        <a:rPr lang="en-US" sz="1400" u="none" strike="noStrike" dirty="0">
+                          <a:effectLst/>
+                        </a:rPr>
+                        <a:t>       car</a:t>
+                      </a:r>
+                      <a:endParaRPr lang="en-US" sz="1400" b="0" i="0" u="none" strike="noStrike" dirty="0">
+                        <a:solidFill>
+                          <a:srgbClr val="000000"/>
+                        </a:solidFill>
+                        <a:effectLst/>
+                        <a:latin typeface="Times New Roman" panose="02020603050405020304" pitchFamily="18" charset="0"/>
+                      </a:endParaRPr>
+                    </a:p>
+                  </a:txBody>
+                  <a:tcPr marL="9525" marR="9525" marT="9525" marB="0" anchor="ctr">
+                    <a:lnL w="19050" cap="flat" cmpd="sng" algn="ctr">
+                      <a:solidFill>
+                        <a:schemeClr val="tx1"/>
+                      </a:solidFill>
+                      <a:prstDash val="solid"/>
+                      <a:round/>
+                      <a:headEnd type="none" w="med" len="med"/>
+                      <a:tailEnd type="none" w="med" len="med"/>
+                    </a:lnL>
+                    <a:lnR w="12700" cap="flat" cmpd="sng" algn="ctr">
+                      <a:solidFill>
+                        <a:schemeClr val="tx1"/>
+                      </a:solidFill>
+                      <a:prstDash val="solid"/>
+                      <a:round/>
+                      <a:headEnd type="none" w="med" len="med"/>
+                      <a:tailEnd type="none" w="med" len="med"/>
+                    </a:lnR>
+                    <a:lnT w="12700" cap="flat" cmpd="sng" algn="ctr">
+                      <a:solidFill>
+                        <a:schemeClr val="tx1"/>
+                      </a:solidFill>
+                      <a:prstDash val="solid"/>
+                      <a:round/>
+                      <a:headEnd type="none" w="med" len="med"/>
+                      <a:tailEnd type="none" w="med" len="med"/>
+                    </a:lnT>
+                    <a:lnB w="12700" cap="flat" cmpd="sng" algn="ctr">
+                      <a:solidFill>
+                        <a:schemeClr val="tx1"/>
+                      </a:solidFill>
+                      <a:prstDash val="solid"/>
+                      <a:round/>
+                      <a:headEnd type="none" w="med" len="med"/>
+                      <a:tailEnd type="none" w="med" len="med"/>
+                    </a:lnB>
+                  </a:tcPr>
+                </a:tc>
+                <a:tc>
+                  <a:txBody>
+                    <a:bodyPr/>
+                    <a:lstStyle/>
+                    <a:p>
+                      <a:pPr algn="ctr" fontAlgn="ctr"/>
+                      <a:r>
+                        <a:rPr lang="en-US" sz="1400" u="none" strike="noStrike" dirty="0">
+                          <a:effectLst/>
+                        </a:rPr>
+                        <a:t>Relocate</a:t>
+                      </a:r>
+                      <a:endParaRPr lang="en-US" sz="1400" b="0" i="0" u="none" strike="noStrike" dirty="0">
+                        <a:solidFill>
+                          <a:srgbClr val="000000"/>
+                        </a:solidFill>
+                        <a:effectLst/>
+                        <a:latin typeface="Times New Roman" panose="02020603050405020304" pitchFamily="18" charset="0"/>
+                      </a:endParaRPr>
+                    </a:p>
+                  </a:txBody>
+                  <a:tcPr marL="9525" marR="9525" marT="9525" marB="0" anchor="ctr">
+                    <a:lnL w="12700" cap="flat" cmpd="sng" algn="ctr">
+                      <a:solidFill>
+                        <a:schemeClr val="tx1"/>
+                      </a:solidFill>
+                      <a:prstDash val="solid"/>
+                      <a:round/>
+                      <a:headEnd type="none" w="med" len="med"/>
+                      <a:tailEnd type="none" w="med" len="med"/>
+                    </a:lnL>
+                    <a:lnR w="12700" cap="flat" cmpd="sng" algn="ctr">
+                      <a:solidFill>
+                        <a:schemeClr val="tx1"/>
+                      </a:solidFill>
+                      <a:prstDash val="solid"/>
+                      <a:round/>
+                      <a:headEnd type="none" w="med" len="med"/>
+                      <a:tailEnd type="none" w="med" len="med"/>
+                    </a:lnR>
+                    <a:lnT w="12700" cap="flat" cmpd="sng" algn="ctr">
+                      <a:solidFill>
+                        <a:schemeClr val="tx1"/>
+                      </a:solidFill>
+                      <a:prstDash val="solid"/>
+                      <a:round/>
+                      <a:headEnd type="none" w="med" len="med"/>
+                      <a:tailEnd type="none" w="med" len="med"/>
+                    </a:lnT>
+                    <a:lnB w="12700" cap="flat" cmpd="sng" algn="ctr">
+                      <a:solidFill>
+                        <a:schemeClr val="tx1"/>
+                      </a:solidFill>
+                      <a:prstDash val="solid"/>
+                      <a:round/>
+                      <a:headEnd type="none" w="med" len="med"/>
+                      <a:tailEnd type="none" w="med" len="med"/>
+                    </a:lnB>
+                  </a:tcPr>
+                </a:tc>
+                <a:tc>
+                  <a:txBody>
+                    <a:bodyPr/>
+                    <a:lstStyle/>
+                    <a:p>
+                      <a:pPr algn="ctr" fontAlgn="ctr"/>
+                      <a:r>
+                        <a:rPr lang="en-US" sz="1400" u="none" strike="noStrike" dirty="0">
+                          <a:effectLst/>
+                        </a:rPr>
+                        <a:t>2-Opt</a:t>
+                      </a:r>
+                      <a:endParaRPr lang="en-US" sz="1400" b="0" i="0" u="none" strike="noStrike" dirty="0">
+                        <a:solidFill>
+                          <a:srgbClr val="000000"/>
+                        </a:solidFill>
+                        <a:effectLst/>
+                        <a:latin typeface="Times New Roman" panose="02020603050405020304" pitchFamily="18" charset="0"/>
+                      </a:endParaRPr>
+                    </a:p>
+                  </a:txBody>
+                  <a:tcPr marL="9525" marR="9525" marT="9525" marB="0" anchor="ctr">
+                    <a:lnL w="12700" cap="flat" cmpd="sng" algn="ctr">
+                      <a:solidFill>
+                        <a:schemeClr val="tx1"/>
+                      </a:solidFill>
+                      <a:prstDash val="solid"/>
+                      <a:round/>
+                      <a:headEnd type="none" w="med" len="med"/>
+                      <a:tailEnd type="none" w="med" len="med"/>
+                    </a:lnL>
+                    <a:lnR w="12700" cap="flat" cmpd="sng" algn="ctr">
+                      <a:solidFill>
+                        <a:schemeClr val="tx1"/>
+                      </a:solidFill>
+                      <a:prstDash val="solid"/>
+                      <a:round/>
+                      <a:headEnd type="none" w="med" len="med"/>
+                      <a:tailEnd type="none" w="med" len="med"/>
+                    </a:lnR>
+                    <a:lnT w="12700" cap="flat" cmpd="sng" algn="ctr">
+                      <a:solidFill>
+                        <a:schemeClr val="tx1"/>
+                      </a:solidFill>
+                      <a:prstDash val="solid"/>
+                      <a:round/>
+                      <a:headEnd type="none" w="med" len="med"/>
+                      <a:tailEnd type="none" w="med" len="med"/>
+                    </a:lnT>
+                    <a:lnB w="12700" cap="flat" cmpd="sng" algn="ctr">
+                      <a:solidFill>
+                        <a:schemeClr val="tx1"/>
+                      </a:solidFill>
+                      <a:prstDash val="solid"/>
+                      <a:round/>
+                      <a:headEnd type="none" w="med" len="med"/>
+                      <a:tailEnd type="none" w="med" len="med"/>
+                    </a:lnB>
+                  </a:tcPr>
+                </a:tc>
+                <a:tc>
+                  <a:txBody>
+                    <a:bodyPr/>
+                    <a:lstStyle/>
+                    <a:p>
+                      <a:pPr algn="ctr" fontAlgn="ctr"/>
+                      <a:r>
+                        <a:rPr lang="en-US" sz="1400" u="none" strike="noStrike" dirty="0">
+                          <a:effectLst/>
+                        </a:rPr>
+                        <a:t>Help</a:t>
+                      </a:r>
+                      <a:endParaRPr lang="en-US" sz="1400" b="0" i="0" u="none" strike="noStrike" dirty="0">
+                        <a:solidFill>
+                          <a:srgbClr val="000000"/>
+                        </a:solidFill>
+                        <a:effectLst/>
+                        <a:latin typeface="Times New Roman" panose="02020603050405020304" pitchFamily="18" charset="0"/>
+                      </a:endParaRPr>
+                    </a:p>
+                  </a:txBody>
+                  <a:tcPr marL="9525" marR="9525" marT="9525" marB="0" anchor="ctr">
+                    <a:lnL w="12700" cap="flat" cmpd="sng" algn="ctr">
+                      <a:solidFill>
+                        <a:schemeClr val="tx1"/>
+                      </a:solidFill>
+                      <a:prstDash val="solid"/>
+                      <a:round/>
+                      <a:headEnd type="none" w="med" len="med"/>
+                      <a:tailEnd type="none" w="med" len="med"/>
+                    </a:lnL>
+                    <a:lnR w="19050" cap="flat" cmpd="sng" algn="ctr">
+                      <a:solidFill>
+                        <a:schemeClr val="tx1"/>
+                      </a:solidFill>
+                      <a:prstDash val="solid"/>
+                      <a:round/>
+                      <a:headEnd type="none" w="med" len="med"/>
+                      <a:tailEnd type="none" w="med" len="med"/>
+                    </a:lnR>
+                    <a:lnT w="12700" cap="flat" cmpd="sng" algn="ctr">
+                      <a:solidFill>
+                        <a:schemeClr val="tx1"/>
+                      </a:solidFill>
+                      <a:prstDash val="solid"/>
+                      <a:round/>
+                      <a:headEnd type="none" w="med" len="med"/>
+                      <a:tailEnd type="none" w="med" len="med"/>
+                    </a:lnT>
+                    <a:lnB w="12700" cap="flat" cmpd="sng" algn="ctr">
+                      <a:solidFill>
+                        <a:schemeClr val="tx1"/>
+                      </a:solidFill>
+                      <a:prstDash val="solid"/>
+                      <a:round/>
+                      <a:headEnd type="none" w="med" len="med"/>
+                      <a:tailEnd type="none" w="med" len="med"/>
+                    </a:lnB>
+                  </a:tcPr>
+                </a:tc>
+                <a:tc>
+                  <a:txBody>
+                    <a:bodyPr/>
+                    <a:lstStyle/>
+                    <a:p>
+                      <a:pPr algn="ctr" fontAlgn="ctr"/>
+                      <a:r>
+                        <a:rPr lang="en-US" sz="1400" u="none" strike="noStrike" dirty="0">
+                          <a:effectLst/>
+                        </a:rPr>
+                        <a:t>AEX</a:t>
+                      </a:r>
+                      <a:endParaRPr lang="en-US" sz="1400" b="0" i="0" u="none" strike="noStrike" dirty="0">
+                        <a:solidFill>
+                          <a:srgbClr val="000000"/>
+                        </a:solidFill>
+                        <a:effectLst/>
+                        <a:latin typeface="Times New Roman" panose="02020603050405020304" pitchFamily="18" charset="0"/>
+                      </a:endParaRPr>
+                    </a:p>
+                  </a:txBody>
+                  <a:tcPr marL="9525" marR="9525" marT="9525" marB="0" anchor="ctr">
+                    <a:lnL w="19050" cap="flat" cmpd="sng" algn="ctr">
+                      <a:solidFill>
+                        <a:schemeClr val="tx1"/>
+                      </a:solidFill>
+                      <a:prstDash val="solid"/>
+                      <a:round/>
+                      <a:headEnd type="none" w="med" len="med"/>
+                      <a:tailEnd type="none" w="med" len="med"/>
+                    </a:lnL>
+                    <a:lnR w="12700" cap="flat" cmpd="sng" algn="ctr">
+                      <a:solidFill>
+                        <a:schemeClr val="tx1"/>
+                      </a:solidFill>
+                      <a:prstDash val="solid"/>
+                      <a:round/>
+                      <a:headEnd type="none" w="med" len="med"/>
+                      <a:tailEnd type="none" w="med" len="med"/>
+                    </a:lnR>
+                    <a:lnT w="12700" cap="flat" cmpd="sng" algn="ctr">
+                      <a:solidFill>
+                        <a:schemeClr val="tx1"/>
+                      </a:solidFill>
+                      <a:prstDash val="solid"/>
+                      <a:round/>
+                      <a:headEnd type="none" w="med" len="med"/>
+                      <a:tailEnd type="none" w="med" len="med"/>
+                    </a:lnT>
+                    <a:lnB w="12700" cap="flat" cmpd="sng" algn="ctr">
+                      <a:solidFill>
+                        <a:schemeClr val="tx1"/>
+                      </a:solidFill>
+                      <a:prstDash val="solid"/>
+                      <a:round/>
+                      <a:headEnd type="none" w="med" len="med"/>
+                      <a:tailEnd type="none" w="med" len="med"/>
+                    </a:lnB>
+                  </a:tcPr>
+                </a:tc>
+                <a:tc>
+                  <a:txBody>
+                    <a:bodyPr/>
+                    <a:lstStyle/>
+                    <a:p>
+                      <a:pPr algn="ctr" fontAlgn="ctr"/>
+                      <a:r>
+                        <a:rPr lang="en-US" sz="1400" u="none" strike="noStrike" dirty="0" err="1">
+                          <a:effectLst/>
+                        </a:rPr>
+                        <a:t>HGreX</a:t>
+                      </a:r>
+                      <a:r>
+                        <a:rPr lang="en-US" sz="1400" u="none" strike="noStrike" dirty="0">
+                          <a:effectLst/>
+                        </a:rPr>
+                        <a:t> </a:t>
+                      </a:r>
+                      <a:endParaRPr lang="en-US" sz="1400" b="0" i="0" u="none" strike="noStrike" dirty="0">
+                        <a:solidFill>
+                          <a:srgbClr val="000000"/>
+                        </a:solidFill>
+                        <a:effectLst/>
+                        <a:latin typeface="Times New Roman" panose="02020603050405020304" pitchFamily="18" charset="0"/>
+                      </a:endParaRPr>
+                    </a:p>
+                  </a:txBody>
+                  <a:tcPr marL="9525" marR="9525" marT="9525" marB="0" anchor="ctr">
+                    <a:lnL w="12700" cap="flat" cmpd="sng" algn="ctr">
+                      <a:solidFill>
+                        <a:schemeClr val="tx1"/>
+                      </a:solidFill>
+                      <a:prstDash val="solid"/>
+                      <a:round/>
+                      <a:headEnd type="none" w="med" len="med"/>
+                      <a:tailEnd type="none" w="med" len="med"/>
+                    </a:lnL>
+                    <a:lnR w="12700" cap="flat" cmpd="sng" algn="ctr">
+                      <a:solidFill>
+                        <a:schemeClr val="tx1"/>
+                      </a:solidFill>
+                      <a:prstDash val="solid"/>
+                      <a:round/>
+                      <a:headEnd type="none" w="med" len="med"/>
+                      <a:tailEnd type="none" w="med" len="med"/>
+                    </a:lnR>
+                    <a:lnT w="12700" cap="flat" cmpd="sng" algn="ctr">
+                      <a:solidFill>
+                        <a:schemeClr val="tx1"/>
+                      </a:solidFill>
+                      <a:prstDash val="solid"/>
+                      <a:round/>
+                      <a:headEnd type="none" w="med" len="med"/>
+                      <a:tailEnd type="none" w="med" len="med"/>
+                    </a:lnT>
+                    <a:lnB w="12700" cap="flat" cmpd="sng" algn="ctr">
+                      <a:solidFill>
+                        <a:schemeClr val="tx1"/>
+                      </a:solidFill>
+                      <a:prstDash val="solid"/>
+                      <a:round/>
+                      <a:headEnd type="none" w="med" len="med"/>
+                      <a:tailEnd type="none" w="med" len="med"/>
+                    </a:lnB>
+                  </a:tcPr>
+                </a:tc>
+                <a:tc>
+                  <a:txBody>
+                    <a:bodyPr/>
+                    <a:lstStyle/>
+                    <a:p>
+                      <a:pPr algn="ctr" fontAlgn="ctr"/>
+                      <a:r>
+                        <a:rPr lang="en-US" sz="1400" u="none" strike="noStrike" dirty="0" err="1">
+                          <a:effectLst/>
+                        </a:rPr>
+                        <a:t>HRndX</a:t>
+                      </a:r>
+                      <a:endParaRPr lang="en-US" sz="1400" b="0" i="0" u="none" strike="noStrike" dirty="0">
+                        <a:solidFill>
+                          <a:srgbClr val="000000"/>
+                        </a:solidFill>
+                        <a:effectLst/>
+                        <a:latin typeface="Times New Roman" panose="02020603050405020304" pitchFamily="18" charset="0"/>
+                      </a:endParaRPr>
+                    </a:p>
+                  </a:txBody>
+                  <a:tcPr marL="9525" marR="9525" marT="9525" marB="0" anchor="ctr">
+                    <a:lnL w="12700" cap="flat" cmpd="sng" algn="ctr">
+                      <a:solidFill>
+                        <a:schemeClr val="tx1"/>
+                      </a:solidFill>
+                      <a:prstDash val="solid"/>
+                      <a:round/>
+                      <a:headEnd type="none" w="med" len="med"/>
+                      <a:tailEnd type="none" w="med" len="med"/>
+                    </a:lnL>
+                    <a:lnR w="12700" cap="flat" cmpd="sng" algn="ctr">
+                      <a:solidFill>
+                        <a:schemeClr val="tx1"/>
+                      </a:solidFill>
+                      <a:prstDash val="solid"/>
+                      <a:round/>
+                      <a:headEnd type="none" w="med" len="med"/>
+                      <a:tailEnd type="none" w="med" len="med"/>
+                    </a:lnR>
+                    <a:lnT w="12700" cap="flat" cmpd="sng" algn="ctr">
+                      <a:solidFill>
+                        <a:schemeClr val="tx1"/>
+                      </a:solidFill>
+                      <a:prstDash val="solid"/>
+                      <a:round/>
+                      <a:headEnd type="none" w="med" len="med"/>
+                      <a:tailEnd type="none" w="med" len="med"/>
+                    </a:lnT>
+                    <a:lnB w="12700" cap="flat" cmpd="sng" algn="ctr">
+                      <a:solidFill>
+                        <a:schemeClr val="tx1"/>
+                      </a:solidFill>
+                      <a:prstDash val="solid"/>
+                      <a:round/>
+                      <a:headEnd type="none" w="med" len="med"/>
+                      <a:tailEnd type="none" w="med" len="med"/>
+                    </a:lnB>
+                  </a:tcPr>
+                </a:tc>
+                <a:tc>
+                  <a:txBody>
+                    <a:bodyPr/>
+                    <a:lstStyle/>
+                    <a:p>
+                      <a:pPr algn="ctr" fontAlgn="ctr"/>
+                      <a:r>
+                        <a:rPr lang="en-US" sz="1400" u="none" strike="noStrike" dirty="0" err="1">
+                          <a:effectLst/>
+                        </a:rPr>
+                        <a:t>HProX</a:t>
+                      </a:r>
+                      <a:endParaRPr lang="en-US" sz="1400" b="0" i="0" u="none" strike="noStrike" dirty="0">
+                        <a:solidFill>
+                          <a:srgbClr val="000000"/>
+                        </a:solidFill>
+                        <a:effectLst/>
+                        <a:latin typeface="Times New Roman" panose="02020603050405020304" pitchFamily="18" charset="0"/>
+                      </a:endParaRPr>
+                    </a:p>
+                  </a:txBody>
+                  <a:tcPr marL="9525" marR="9525" marT="9525" marB="0" anchor="ctr">
+                    <a:lnL w="12700" cap="flat" cmpd="sng" algn="ctr">
+                      <a:solidFill>
+                        <a:schemeClr val="tx1"/>
+                      </a:solidFill>
+                      <a:prstDash val="solid"/>
+                      <a:round/>
+                      <a:headEnd type="none" w="med" len="med"/>
+                      <a:tailEnd type="none" w="med" len="med"/>
+                    </a:lnL>
+                    <a:lnR w="28575" cap="flat" cmpd="sng" algn="ctr">
+                      <a:solidFill>
+                        <a:schemeClr val="tx1"/>
+                      </a:solidFill>
+                      <a:prstDash val="solid"/>
+                      <a:round/>
+                      <a:headEnd type="none" w="med" len="med"/>
+                      <a:tailEnd type="none" w="med" len="med"/>
+                    </a:lnR>
+                    <a:lnT w="12700" cap="flat" cmpd="sng" algn="ctr">
+                      <a:solidFill>
+                        <a:schemeClr val="tx1"/>
+                      </a:solidFill>
+                      <a:prstDash val="solid"/>
+                      <a:round/>
+                      <a:headEnd type="none" w="med" len="med"/>
+                      <a:tailEnd type="none" w="med" len="med"/>
+                    </a:lnT>
+                    <a:lnB w="12700" cap="flat" cmpd="sng" algn="ctr">
+                      <a:solidFill>
+                        <a:schemeClr val="tx1"/>
+                      </a:solidFill>
+                      <a:prstDash val="solid"/>
+                      <a:round/>
+                      <a:headEnd type="none" w="med" len="med"/>
+                      <a:tailEnd type="none" w="med" len="med"/>
+                    </a:lnB>
+                  </a:tcPr>
+                </a:tc>
+                <a:extLst>
+                  <a:ext uri="{0D108BD9-81ED-4DB2-BD59-A6C34878D82A}">
+                    <a16:rowId xmlns:a16="http://schemas.microsoft.com/office/drawing/2014/main" val="2799558652"/>
+                  </a:ext>
+                </a:extLst>
+              </a:tr>
+              <a:tr h="371475">
+                <a:tc vMerge="1">
+                  <a:txBody>
+                    <a:bodyPr/>
+                    <a:lstStyle/>
+                    <a:p>
+                      <a:pPr algn="ctr" fontAlgn="ctr"/>
+                      <a:endParaRPr lang="en-US" sz="1400" b="0" i="0" u="none" strike="noStrike" dirty="0">
+                        <a:solidFill>
+                          <a:srgbClr val="000000"/>
+                        </a:solidFill>
+                        <a:effectLst/>
+                        <a:latin typeface="Times New Roman" panose="02020603050405020304" pitchFamily="18" charset="0"/>
+                      </a:endParaRPr>
+                    </a:p>
+                  </a:txBody>
+                  <a:tcPr marL="9525" marR="9525" marT="9525" marB="0" vert="vert270" anchor="ctr"/>
+                </a:tc>
+                <a:tc>
+                  <a:txBody>
+                    <a:bodyPr/>
+                    <a:lstStyle/>
+                    <a:p>
+                      <a:pPr algn="ctr" fontAlgn="ctr"/>
+                      <a:r>
+                        <a:rPr lang="ru-RU" sz="1400" u="none" strike="noStrike" dirty="0">
+                          <a:effectLst/>
+                        </a:rPr>
+                        <a:t>10            5</a:t>
+                      </a:r>
+                      <a:endParaRPr lang="ru-RU" sz="1400" b="0" i="0" u="none" strike="noStrike" dirty="0">
+                        <a:solidFill>
+                          <a:srgbClr val="000000"/>
+                        </a:solidFill>
+                        <a:effectLst/>
+                        <a:latin typeface="Times New Roman" panose="02020603050405020304" pitchFamily="18" charset="0"/>
+                      </a:endParaRPr>
+                    </a:p>
+                  </a:txBody>
+                  <a:tcPr marL="9525" marR="9525" marT="9525" marB="0" anchor="ctr">
+                    <a:lnL w="19050" cap="flat" cmpd="sng" algn="ctr">
+                      <a:solidFill>
+                        <a:schemeClr val="tx1"/>
+                      </a:solidFill>
+                      <a:prstDash val="solid"/>
+                      <a:round/>
+                      <a:headEnd type="none" w="med" len="med"/>
+                      <a:tailEnd type="none" w="med" len="med"/>
+                    </a:lnL>
+                    <a:lnR w="12700" cap="flat" cmpd="sng" algn="ctr">
+                      <a:solidFill>
+                        <a:schemeClr val="tx1"/>
+                      </a:solidFill>
+                      <a:prstDash val="solid"/>
+                      <a:round/>
+                      <a:headEnd type="none" w="med" len="med"/>
+                      <a:tailEnd type="none" w="med" len="med"/>
+                    </a:lnR>
+                    <a:lnT w="12700" cap="flat" cmpd="sng" algn="ctr">
+                      <a:solidFill>
+                        <a:schemeClr val="tx1"/>
+                      </a:solidFill>
+                      <a:prstDash val="solid"/>
+                      <a:round/>
+                      <a:headEnd type="none" w="med" len="med"/>
+                      <a:tailEnd type="none" w="med" len="med"/>
+                    </a:lnT>
+                  </a:tcPr>
+                </a:tc>
+                <a:tc>
+                  <a:txBody>
+                    <a:bodyPr/>
+                    <a:lstStyle/>
+                    <a:p>
+                      <a:pPr algn="ctr" fontAlgn="ctr"/>
+                      <a:r>
+                        <a:rPr lang="en-US" sz="1400" u="none" strike="noStrike" dirty="0">
+                          <a:effectLst/>
+                        </a:rPr>
+                        <a:t>0.55 sec</a:t>
+                      </a:r>
+                      <a:endParaRPr lang="en-US" sz="1400" b="0" i="0" u="none" strike="noStrike" dirty="0">
+                        <a:solidFill>
+                          <a:srgbClr val="000000"/>
+                        </a:solidFill>
+                        <a:effectLst/>
+                        <a:latin typeface="Times New Roman" panose="02020603050405020304" pitchFamily="18" charset="0"/>
+                      </a:endParaRPr>
+                    </a:p>
+                  </a:txBody>
+                  <a:tcPr marL="9525" marR="9525" marT="9525" marB="0" anchor="ctr">
+                    <a:lnL w="12700" cap="flat" cmpd="sng" algn="ctr">
+                      <a:solidFill>
+                        <a:schemeClr val="tx1"/>
+                      </a:solidFill>
+                      <a:prstDash val="solid"/>
+                      <a:round/>
+                      <a:headEnd type="none" w="med" len="med"/>
+                      <a:tailEnd type="none" w="med" len="med"/>
+                    </a:lnL>
+                    <a:lnR w="12700" cap="flat" cmpd="sng" algn="ctr">
+                      <a:solidFill>
+                        <a:schemeClr val="tx1"/>
+                      </a:solidFill>
+                      <a:prstDash val="solid"/>
+                      <a:round/>
+                      <a:headEnd type="none" w="med" len="med"/>
+                      <a:tailEnd type="none" w="med" len="med"/>
+                    </a:lnR>
+                    <a:lnT w="12700" cap="flat" cmpd="sng" algn="ctr">
+                      <a:solidFill>
+                        <a:schemeClr val="tx1"/>
+                      </a:solidFill>
+                      <a:prstDash val="solid"/>
+                      <a:round/>
+                      <a:headEnd type="none" w="med" len="med"/>
+                      <a:tailEnd type="none" w="med" len="med"/>
+                    </a:lnT>
+                  </a:tcPr>
+                </a:tc>
+                <a:tc>
+                  <a:txBody>
+                    <a:bodyPr/>
+                    <a:lstStyle/>
+                    <a:p>
+                      <a:pPr algn="ctr" fontAlgn="ctr"/>
+                      <a:r>
+                        <a:rPr lang="ru-RU" sz="1400" u="none" strike="noStrike" dirty="0">
+                          <a:effectLst/>
+                        </a:rPr>
+                        <a:t>_</a:t>
+                      </a:r>
+                      <a:endParaRPr lang="ru-RU" sz="1400" b="0" i="0" u="none" strike="noStrike" dirty="0">
+                        <a:solidFill>
+                          <a:srgbClr val="000000"/>
+                        </a:solidFill>
+                        <a:effectLst/>
+                        <a:latin typeface="Times New Roman" panose="02020603050405020304" pitchFamily="18" charset="0"/>
+                      </a:endParaRPr>
+                    </a:p>
+                  </a:txBody>
+                  <a:tcPr marL="9525" marR="9525" marT="9525" marB="0" anchor="ctr">
+                    <a:lnL w="12700" cap="flat" cmpd="sng" algn="ctr">
+                      <a:solidFill>
+                        <a:schemeClr val="tx1"/>
+                      </a:solidFill>
+                      <a:prstDash val="solid"/>
+                      <a:round/>
+                      <a:headEnd type="none" w="med" len="med"/>
+                      <a:tailEnd type="none" w="med" len="med"/>
+                    </a:lnL>
+                    <a:lnR w="12700" cap="flat" cmpd="sng" algn="ctr">
+                      <a:solidFill>
+                        <a:schemeClr val="tx1"/>
+                      </a:solidFill>
+                      <a:prstDash val="solid"/>
+                      <a:round/>
+                      <a:headEnd type="none" w="med" len="med"/>
+                      <a:tailEnd type="none" w="med" len="med"/>
+                    </a:lnR>
+                    <a:lnT w="12700" cap="flat" cmpd="sng" algn="ctr">
+                      <a:solidFill>
+                        <a:schemeClr val="tx1"/>
+                      </a:solidFill>
+                      <a:prstDash val="solid"/>
+                      <a:round/>
+                      <a:headEnd type="none" w="med" len="med"/>
+                      <a:tailEnd type="none" w="med" len="med"/>
+                    </a:lnT>
+                  </a:tcPr>
+                </a:tc>
+                <a:tc>
+                  <a:txBody>
+                    <a:bodyPr/>
+                    <a:lstStyle/>
+                    <a:p>
+                      <a:pPr algn="ctr" fontAlgn="ctr"/>
+                      <a:r>
+                        <a:rPr lang="ru-RU" sz="1400" u="none" strike="noStrike" dirty="0">
+                          <a:effectLst/>
+                        </a:rPr>
+                        <a:t>_</a:t>
+                      </a:r>
+                      <a:endParaRPr lang="ru-RU" sz="1400" b="0" i="0" u="none" strike="noStrike" dirty="0">
+                        <a:solidFill>
+                          <a:srgbClr val="000000"/>
+                        </a:solidFill>
+                        <a:effectLst/>
+                        <a:latin typeface="Times New Roman" panose="02020603050405020304" pitchFamily="18" charset="0"/>
+                      </a:endParaRPr>
+                    </a:p>
+                  </a:txBody>
+                  <a:tcPr marL="9525" marR="9525" marT="9525" marB="0" anchor="ctr">
+                    <a:lnL w="12700" cap="flat" cmpd="sng" algn="ctr">
+                      <a:solidFill>
+                        <a:schemeClr val="tx1"/>
+                      </a:solidFill>
+                      <a:prstDash val="solid"/>
+                      <a:round/>
+                      <a:headEnd type="none" w="med" len="med"/>
+                      <a:tailEnd type="none" w="med" len="med"/>
+                    </a:lnL>
+                    <a:lnR w="19050" cap="flat" cmpd="sng" algn="ctr">
+                      <a:solidFill>
+                        <a:schemeClr val="tx1"/>
+                      </a:solidFill>
+                      <a:prstDash val="solid"/>
+                      <a:round/>
+                      <a:headEnd type="none" w="med" len="med"/>
+                      <a:tailEnd type="none" w="med" len="med"/>
+                    </a:lnR>
+                    <a:lnT w="12700" cap="flat" cmpd="sng" algn="ctr">
+                      <a:solidFill>
+                        <a:schemeClr val="tx1"/>
+                      </a:solidFill>
+                      <a:prstDash val="solid"/>
+                      <a:round/>
+                      <a:headEnd type="none" w="med" len="med"/>
+                      <a:tailEnd type="none" w="med" len="med"/>
+                    </a:lnT>
+                  </a:tcPr>
+                </a:tc>
+                <a:tc>
+                  <a:txBody>
+                    <a:bodyPr/>
+                    <a:lstStyle/>
+                    <a:p>
+                      <a:pPr algn="ctr" fontAlgn="ctr"/>
+                      <a:r>
+                        <a:rPr lang="ru-RU" sz="1400" u="none" strike="noStrike" dirty="0">
+                          <a:effectLst/>
+                        </a:rPr>
+                        <a:t>_</a:t>
+                      </a:r>
+                      <a:endParaRPr lang="ru-RU" sz="1400" b="0" i="0" u="none" strike="noStrike" dirty="0">
+                        <a:solidFill>
+                          <a:srgbClr val="000000"/>
+                        </a:solidFill>
+                        <a:effectLst/>
+                        <a:latin typeface="Times New Roman" panose="02020603050405020304" pitchFamily="18" charset="0"/>
+                      </a:endParaRPr>
+                    </a:p>
+                  </a:txBody>
+                  <a:tcPr marL="9525" marR="9525" marT="9525" marB="0" anchor="ctr">
+                    <a:lnL w="19050" cap="flat" cmpd="sng" algn="ctr">
+                      <a:solidFill>
+                        <a:schemeClr val="tx1"/>
+                      </a:solidFill>
+                      <a:prstDash val="solid"/>
+                      <a:round/>
+                      <a:headEnd type="none" w="med" len="med"/>
+                      <a:tailEnd type="none" w="med" len="med"/>
+                    </a:lnL>
+                    <a:lnR w="12700" cap="flat" cmpd="sng" algn="ctr">
+                      <a:solidFill>
+                        <a:schemeClr val="tx1"/>
+                      </a:solidFill>
+                      <a:prstDash val="solid"/>
+                      <a:round/>
+                      <a:headEnd type="none" w="med" len="med"/>
+                      <a:tailEnd type="none" w="med" len="med"/>
+                    </a:lnR>
+                    <a:lnT w="12700" cap="flat" cmpd="sng" algn="ctr">
+                      <a:solidFill>
+                        <a:schemeClr val="tx1"/>
+                      </a:solidFill>
+                      <a:prstDash val="solid"/>
+                      <a:round/>
+                      <a:headEnd type="none" w="med" len="med"/>
+                      <a:tailEnd type="none" w="med" len="med"/>
+                    </a:lnT>
+                    <a:lnB w="12700" cap="flat" cmpd="sng" algn="ctr">
+                      <a:noFill/>
+                      <a:prstDash val="solid"/>
+                      <a:round/>
+                      <a:headEnd type="none" w="med" len="med"/>
+                      <a:tailEnd type="none" w="med" len="med"/>
+                    </a:lnB>
+                  </a:tcPr>
+                </a:tc>
+                <a:tc>
+                  <a:txBody>
+                    <a:bodyPr/>
+                    <a:lstStyle/>
+                    <a:p>
+                      <a:pPr algn="ctr" fontAlgn="ctr"/>
+                      <a:r>
+                        <a:rPr lang="ru-RU" sz="1400" u="none" strike="noStrike" dirty="0">
+                          <a:effectLst/>
+                        </a:rPr>
+                        <a:t>_</a:t>
+                      </a:r>
+                      <a:endParaRPr lang="ru-RU" sz="1400" b="0" i="0" u="none" strike="noStrike" dirty="0">
+                        <a:solidFill>
+                          <a:srgbClr val="000000"/>
+                        </a:solidFill>
+                        <a:effectLst/>
+                        <a:latin typeface="Times New Roman" panose="02020603050405020304" pitchFamily="18" charset="0"/>
+                      </a:endParaRPr>
+                    </a:p>
+                  </a:txBody>
+                  <a:tcPr marL="9525" marR="9525" marT="9525" marB="0" anchor="ctr">
+                    <a:lnL w="12700" cap="flat" cmpd="sng" algn="ctr">
+                      <a:solidFill>
+                        <a:schemeClr val="tx1"/>
+                      </a:solidFill>
+                      <a:prstDash val="solid"/>
+                      <a:round/>
+                      <a:headEnd type="none" w="med" len="med"/>
+                      <a:tailEnd type="none" w="med" len="med"/>
+                    </a:lnL>
+                    <a:lnR w="12700" cap="flat" cmpd="sng" algn="ctr">
+                      <a:solidFill>
+                        <a:schemeClr val="tx1"/>
+                      </a:solidFill>
+                      <a:prstDash val="solid"/>
+                      <a:round/>
+                      <a:headEnd type="none" w="med" len="med"/>
+                      <a:tailEnd type="none" w="med" len="med"/>
+                    </a:lnR>
+                    <a:lnT w="12700" cap="flat" cmpd="sng" algn="ctr">
+                      <a:solidFill>
+                        <a:schemeClr val="tx1"/>
+                      </a:solidFill>
+                      <a:prstDash val="solid"/>
+                      <a:round/>
+                      <a:headEnd type="none" w="med" len="med"/>
+                      <a:tailEnd type="none" w="med" len="med"/>
+                    </a:lnT>
+                  </a:tcPr>
+                </a:tc>
+                <a:tc>
+                  <a:txBody>
+                    <a:bodyPr/>
+                    <a:lstStyle/>
+                    <a:p>
+                      <a:pPr algn="ctr" fontAlgn="ctr"/>
+                      <a:r>
+                        <a:rPr lang="ru-RU" sz="1400" u="none" strike="noStrike" dirty="0">
+                          <a:effectLst/>
+                        </a:rPr>
+                        <a:t>_</a:t>
+                      </a:r>
+                      <a:endParaRPr lang="ru-RU" sz="1400" b="0" i="0" u="none" strike="noStrike" dirty="0">
+                        <a:solidFill>
+                          <a:srgbClr val="000000"/>
+                        </a:solidFill>
+                        <a:effectLst/>
+                        <a:latin typeface="Times New Roman" panose="02020603050405020304" pitchFamily="18" charset="0"/>
+                      </a:endParaRPr>
+                    </a:p>
+                  </a:txBody>
+                  <a:tcPr marL="9525" marR="9525" marT="9525" marB="0" anchor="ctr">
+                    <a:lnL w="12700" cap="flat" cmpd="sng" algn="ctr">
+                      <a:solidFill>
+                        <a:schemeClr val="tx1"/>
+                      </a:solidFill>
+                      <a:prstDash val="solid"/>
+                      <a:round/>
+                      <a:headEnd type="none" w="med" len="med"/>
+                      <a:tailEnd type="none" w="med" len="med"/>
+                    </a:lnL>
+                    <a:lnR w="12700" cap="flat" cmpd="sng" algn="ctr">
+                      <a:solidFill>
+                        <a:schemeClr val="tx1"/>
+                      </a:solidFill>
+                      <a:prstDash val="solid"/>
+                      <a:round/>
+                      <a:headEnd type="none" w="med" len="med"/>
+                      <a:tailEnd type="none" w="med" len="med"/>
+                    </a:lnR>
+                    <a:lnT w="12700" cap="flat" cmpd="sng" algn="ctr">
+                      <a:solidFill>
+                        <a:schemeClr val="tx1"/>
+                      </a:solidFill>
+                      <a:prstDash val="solid"/>
+                      <a:round/>
+                      <a:headEnd type="none" w="med" len="med"/>
+                      <a:tailEnd type="none" w="med" len="med"/>
+                    </a:lnT>
+                  </a:tcPr>
+                </a:tc>
+                <a:tc>
+                  <a:txBody>
+                    <a:bodyPr/>
+                    <a:lstStyle/>
+                    <a:p>
+                      <a:pPr algn="ctr" fontAlgn="ctr"/>
+                      <a:r>
+                        <a:rPr lang="ru-RU" sz="1400" u="none" strike="noStrike" dirty="0">
+                          <a:effectLst/>
+                        </a:rPr>
+                        <a:t>_</a:t>
+                      </a:r>
+                      <a:endParaRPr lang="ru-RU" sz="1400" b="0" i="0" u="none" strike="noStrike" dirty="0">
+                        <a:solidFill>
+                          <a:srgbClr val="000000"/>
+                        </a:solidFill>
+                        <a:effectLst/>
+                        <a:latin typeface="Times New Roman" panose="02020603050405020304" pitchFamily="18" charset="0"/>
+                      </a:endParaRPr>
+                    </a:p>
+                  </a:txBody>
+                  <a:tcPr marL="9525" marR="9525" marT="9525" marB="0" anchor="ctr">
+                    <a:lnL w="12700" cap="flat" cmpd="sng" algn="ctr">
+                      <a:solidFill>
+                        <a:schemeClr val="tx1"/>
+                      </a:solidFill>
+                      <a:prstDash val="solid"/>
+                      <a:round/>
+                      <a:headEnd type="none" w="med" len="med"/>
+                      <a:tailEnd type="none" w="med" len="med"/>
+                    </a:lnL>
+                    <a:lnR w="28575" cap="flat" cmpd="sng" algn="ctr">
+                      <a:solidFill>
+                        <a:schemeClr val="tx1"/>
+                      </a:solidFill>
+                      <a:prstDash val="solid"/>
+                      <a:round/>
+                      <a:headEnd type="none" w="med" len="med"/>
+                      <a:tailEnd type="none" w="med" len="med"/>
+                    </a:lnR>
+                    <a:lnT w="12700" cap="flat" cmpd="sng" algn="ctr">
+                      <a:solidFill>
+                        <a:schemeClr val="tx1"/>
+                      </a:solidFill>
+                      <a:prstDash val="solid"/>
+                      <a:round/>
+                      <a:headEnd type="none" w="med" len="med"/>
+                      <a:tailEnd type="none" w="med" len="med"/>
+                    </a:lnT>
+                  </a:tcPr>
+                </a:tc>
+                <a:extLst>
+                  <a:ext uri="{0D108BD9-81ED-4DB2-BD59-A6C34878D82A}">
+                    <a16:rowId xmlns:a16="http://schemas.microsoft.com/office/drawing/2014/main" val="3122777642"/>
+                  </a:ext>
+                </a:extLst>
+              </a:tr>
+              <a:tr h="390525">
+                <a:tc vMerge="1">
+                  <a:txBody>
+                    <a:bodyPr/>
+                    <a:lstStyle/>
+                    <a:p>
+                      <a:endParaRPr lang="ru-RU"/>
+                    </a:p>
+                  </a:txBody>
+                  <a:tcPr/>
+                </a:tc>
+                <a:tc>
+                  <a:txBody>
+                    <a:bodyPr/>
+                    <a:lstStyle/>
+                    <a:p>
+                      <a:pPr algn="ctr" fontAlgn="ctr"/>
+                      <a:r>
+                        <a:rPr lang="ru-RU" sz="1400" u="none" strike="noStrike" dirty="0">
+                          <a:effectLst/>
+                        </a:rPr>
+                        <a:t>15            3</a:t>
+                      </a:r>
+                      <a:endParaRPr lang="ru-RU" sz="1400" b="0" i="0" u="none" strike="noStrike" dirty="0">
+                        <a:solidFill>
+                          <a:srgbClr val="000000"/>
+                        </a:solidFill>
+                        <a:effectLst/>
+                        <a:latin typeface="Times New Roman" panose="02020603050405020304" pitchFamily="18" charset="0"/>
+                      </a:endParaRPr>
+                    </a:p>
+                  </a:txBody>
+                  <a:tcPr marL="9525" marR="9525" marT="9525" marB="0" anchor="ctr">
+                    <a:lnL w="19050" cap="flat" cmpd="sng" algn="ctr">
+                      <a:solidFill>
+                        <a:schemeClr val="tx1"/>
+                      </a:solidFill>
+                      <a:prstDash val="solid"/>
+                      <a:round/>
+                      <a:headEnd type="none" w="med" len="med"/>
+                      <a:tailEnd type="none" w="med" len="med"/>
+                    </a:lnL>
+                    <a:lnR w="12700" cap="flat" cmpd="sng" algn="ctr">
+                      <a:solidFill>
+                        <a:schemeClr val="tx1"/>
+                      </a:solidFill>
+                      <a:prstDash val="solid"/>
+                      <a:round/>
+                      <a:headEnd type="none" w="med" len="med"/>
+                      <a:tailEnd type="none" w="med" len="med"/>
+                    </a:lnR>
+                  </a:tcPr>
+                </a:tc>
+                <a:tc>
+                  <a:txBody>
+                    <a:bodyPr/>
+                    <a:lstStyle/>
+                    <a:p>
+                      <a:pPr algn="ctr" fontAlgn="ctr"/>
+                      <a:r>
+                        <a:rPr lang="en-US" sz="1400" u="none" strike="noStrike" dirty="0">
+                          <a:effectLst/>
+                        </a:rPr>
+                        <a:t>40.91 sec</a:t>
+                      </a:r>
+                      <a:endParaRPr lang="en-US" sz="1400" b="0" i="0" u="none" strike="noStrike" dirty="0">
+                        <a:solidFill>
+                          <a:srgbClr val="000000"/>
+                        </a:solidFill>
+                        <a:effectLst/>
+                        <a:latin typeface="Times New Roman" panose="02020603050405020304" pitchFamily="18" charset="0"/>
+                      </a:endParaRPr>
+                    </a:p>
+                  </a:txBody>
+                  <a:tcPr marL="9525" marR="9525" marT="9525" marB="0" anchor="ctr">
+                    <a:lnL w="12700" cap="flat" cmpd="sng" algn="ctr">
+                      <a:solidFill>
+                        <a:schemeClr val="tx1"/>
+                      </a:solidFill>
+                      <a:prstDash val="solid"/>
+                      <a:round/>
+                      <a:headEnd type="none" w="med" len="med"/>
+                      <a:tailEnd type="none" w="med" len="med"/>
+                    </a:lnL>
+                    <a:lnR w="12700" cap="flat" cmpd="sng" algn="ctr">
+                      <a:solidFill>
+                        <a:schemeClr val="tx1"/>
+                      </a:solidFill>
+                      <a:prstDash val="solid"/>
+                      <a:round/>
+                      <a:headEnd type="none" w="med" len="med"/>
+                      <a:tailEnd type="none" w="med" len="med"/>
+                    </a:lnR>
+                  </a:tcPr>
+                </a:tc>
+                <a:tc>
+                  <a:txBody>
+                    <a:bodyPr/>
+                    <a:lstStyle/>
+                    <a:p>
+                      <a:pPr algn="ctr" fontAlgn="ctr"/>
+                      <a:r>
+                        <a:rPr lang="ru-RU" sz="1400" u="none" strike="noStrike" dirty="0">
+                          <a:effectLst/>
+                        </a:rPr>
+                        <a:t>_</a:t>
+                      </a:r>
+                      <a:endParaRPr lang="ru-RU" sz="1400" b="0" i="0" u="none" strike="noStrike" dirty="0">
+                        <a:solidFill>
+                          <a:srgbClr val="000000"/>
+                        </a:solidFill>
+                        <a:effectLst/>
+                        <a:latin typeface="Times New Roman" panose="02020603050405020304" pitchFamily="18" charset="0"/>
+                      </a:endParaRPr>
+                    </a:p>
+                  </a:txBody>
+                  <a:tcPr marL="9525" marR="9525" marT="9525" marB="0" anchor="ctr">
+                    <a:lnL w="12700" cap="flat" cmpd="sng" algn="ctr">
+                      <a:solidFill>
+                        <a:schemeClr val="tx1"/>
+                      </a:solidFill>
+                      <a:prstDash val="solid"/>
+                      <a:round/>
+                      <a:headEnd type="none" w="med" len="med"/>
+                      <a:tailEnd type="none" w="med" len="med"/>
+                    </a:lnL>
+                    <a:lnR w="12700" cap="flat" cmpd="sng" algn="ctr">
+                      <a:solidFill>
+                        <a:schemeClr val="tx1"/>
+                      </a:solidFill>
+                      <a:prstDash val="solid"/>
+                      <a:round/>
+                      <a:headEnd type="none" w="med" len="med"/>
+                      <a:tailEnd type="none" w="med" len="med"/>
+                    </a:lnR>
+                  </a:tcPr>
+                </a:tc>
+                <a:tc>
+                  <a:txBody>
+                    <a:bodyPr/>
+                    <a:lstStyle/>
+                    <a:p>
+                      <a:pPr algn="ctr" fontAlgn="ctr"/>
+                      <a:r>
+                        <a:rPr lang="en-US" sz="1400" u="none" strike="noStrike" dirty="0">
+                          <a:effectLst/>
+                        </a:rPr>
+                        <a:t>17.38 sec</a:t>
+                      </a:r>
+                      <a:endParaRPr lang="en-US" sz="1400" b="0" i="0" u="none" strike="noStrike" dirty="0">
+                        <a:solidFill>
+                          <a:srgbClr val="000000"/>
+                        </a:solidFill>
+                        <a:effectLst/>
+                        <a:latin typeface="Times New Roman" panose="02020603050405020304" pitchFamily="18" charset="0"/>
+                      </a:endParaRPr>
+                    </a:p>
+                  </a:txBody>
+                  <a:tcPr marL="9525" marR="9525" marT="9525" marB="0" anchor="ctr">
+                    <a:lnL w="12700" cap="flat" cmpd="sng" algn="ctr">
+                      <a:solidFill>
+                        <a:schemeClr val="tx1"/>
+                      </a:solidFill>
+                      <a:prstDash val="solid"/>
+                      <a:round/>
+                      <a:headEnd type="none" w="med" len="med"/>
+                      <a:tailEnd type="none" w="med" len="med"/>
+                    </a:lnL>
+                    <a:lnR w="19050" cap="flat" cmpd="sng" algn="ctr">
+                      <a:solidFill>
+                        <a:schemeClr val="tx1"/>
+                      </a:solidFill>
+                      <a:prstDash val="solid"/>
+                      <a:round/>
+                      <a:headEnd type="none" w="med" len="med"/>
+                      <a:tailEnd type="none" w="med" len="med"/>
+                    </a:lnR>
+                  </a:tcPr>
+                </a:tc>
+                <a:tc>
+                  <a:txBody>
+                    <a:bodyPr/>
+                    <a:lstStyle/>
+                    <a:p>
+                      <a:pPr algn="ctr" fontAlgn="ctr"/>
+                      <a:r>
+                        <a:rPr lang="ru-RU" sz="1400" u="none" strike="noStrike" dirty="0">
+                          <a:effectLst/>
+                        </a:rPr>
+                        <a:t>_</a:t>
+                      </a:r>
+                      <a:endParaRPr lang="ru-RU" sz="1400" b="0" i="0" u="none" strike="noStrike" dirty="0">
+                        <a:solidFill>
+                          <a:srgbClr val="000000"/>
+                        </a:solidFill>
+                        <a:effectLst/>
+                        <a:latin typeface="Times New Roman" panose="02020603050405020304" pitchFamily="18" charset="0"/>
+                      </a:endParaRPr>
+                    </a:p>
+                  </a:txBody>
+                  <a:tcPr marL="9525" marR="9525" marT="9525" marB="0" anchor="ctr">
+                    <a:lnL w="19050" cap="flat" cmpd="sng" algn="ctr">
+                      <a:solidFill>
+                        <a:schemeClr val="tx1"/>
+                      </a:solidFill>
+                      <a:prstDash val="solid"/>
+                      <a:round/>
+                      <a:headEnd type="none" w="med" len="med"/>
+                      <a:tailEnd type="none" w="med" len="med"/>
+                    </a:lnL>
+                    <a:lnR w="12700" cap="flat" cmpd="sng" algn="ctr">
+                      <a:solidFill>
+                        <a:schemeClr val="tx1"/>
+                      </a:solidFill>
+                      <a:prstDash val="solid"/>
+                      <a:round/>
+                      <a:headEnd type="none" w="med" len="med"/>
+                      <a:tailEnd type="none" w="med" len="med"/>
+                    </a:lnR>
+                    <a:lnT w="12700" cap="flat" cmpd="sng" algn="ctr">
+                      <a:noFill/>
+                      <a:prstDash val="solid"/>
+                      <a:round/>
+                      <a:headEnd type="none" w="med" len="med"/>
+                      <a:tailEnd type="none" w="med" len="med"/>
+                    </a:lnT>
+                    <a:lnB w="12700" cap="flat" cmpd="sng" algn="ctr">
+                      <a:noFill/>
+                      <a:prstDash val="solid"/>
+                      <a:round/>
+                      <a:headEnd type="none" w="med" len="med"/>
+                      <a:tailEnd type="none" w="med" len="med"/>
+                    </a:lnB>
+                  </a:tcPr>
+                </a:tc>
+                <a:tc>
+                  <a:txBody>
+                    <a:bodyPr/>
+                    <a:lstStyle/>
+                    <a:p>
+                      <a:pPr algn="ctr" fontAlgn="ctr"/>
+                      <a:r>
+                        <a:rPr lang="ru-RU" sz="1400" u="none" strike="noStrike" dirty="0">
+                          <a:effectLst/>
+                        </a:rPr>
+                        <a:t>_</a:t>
+                      </a:r>
+                      <a:endParaRPr lang="ru-RU" sz="1400" b="0" i="0" u="none" strike="noStrike" dirty="0">
+                        <a:solidFill>
+                          <a:srgbClr val="000000"/>
+                        </a:solidFill>
+                        <a:effectLst/>
+                        <a:latin typeface="Times New Roman" panose="02020603050405020304" pitchFamily="18" charset="0"/>
+                      </a:endParaRPr>
+                    </a:p>
+                  </a:txBody>
+                  <a:tcPr marL="9525" marR="9525" marT="9525" marB="0" anchor="ctr">
+                    <a:lnL w="12700" cap="flat" cmpd="sng" algn="ctr">
+                      <a:solidFill>
+                        <a:schemeClr val="tx1"/>
+                      </a:solidFill>
+                      <a:prstDash val="solid"/>
+                      <a:round/>
+                      <a:headEnd type="none" w="med" len="med"/>
+                      <a:tailEnd type="none" w="med" len="med"/>
+                    </a:lnL>
+                    <a:lnR w="12700" cap="flat" cmpd="sng" algn="ctr">
+                      <a:solidFill>
+                        <a:schemeClr val="tx1"/>
+                      </a:solidFill>
+                      <a:prstDash val="solid"/>
+                      <a:round/>
+                      <a:headEnd type="none" w="med" len="med"/>
+                      <a:tailEnd type="none" w="med" len="med"/>
+                    </a:lnR>
+                  </a:tcPr>
+                </a:tc>
+                <a:tc>
+                  <a:txBody>
+                    <a:bodyPr/>
+                    <a:lstStyle/>
+                    <a:p>
+                      <a:pPr algn="ctr" fontAlgn="ctr"/>
+                      <a:r>
+                        <a:rPr lang="ru-RU" sz="1400" u="none" strike="noStrike" dirty="0">
+                          <a:effectLst/>
+                        </a:rPr>
+                        <a:t>_</a:t>
+                      </a:r>
+                      <a:endParaRPr lang="ru-RU" sz="1400" b="0" i="0" u="none" strike="noStrike" dirty="0">
+                        <a:solidFill>
+                          <a:srgbClr val="000000"/>
+                        </a:solidFill>
+                        <a:effectLst/>
+                        <a:latin typeface="Times New Roman" panose="02020603050405020304" pitchFamily="18" charset="0"/>
+                      </a:endParaRPr>
+                    </a:p>
+                  </a:txBody>
+                  <a:tcPr marL="9525" marR="9525" marT="9525" marB="0" anchor="ctr">
+                    <a:lnL w="12700" cap="flat" cmpd="sng" algn="ctr">
+                      <a:solidFill>
+                        <a:schemeClr val="tx1"/>
+                      </a:solidFill>
+                      <a:prstDash val="solid"/>
+                      <a:round/>
+                      <a:headEnd type="none" w="med" len="med"/>
+                      <a:tailEnd type="none" w="med" len="med"/>
+                    </a:lnL>
+                    <a:lnR w="12700" cap="flat" cmpd="sng" algn="ctr">
+                      <a:solidFill>
+                        <a:schemeClr val="tx1"/>
+                      </a:solidFill>
+                      <a:prstDash val="solid"/>
+                      <a:round/>
+                      <a:headEnd type="none" w="med" len="med"/>
+                      <a:tailEnd type="none" w="med" len="med"/>
+                    </a:lnR>
+                  </a:tcPr>
+                </a:tc>
+                <a:tc>
+                  <a:txBody>
+                    <a:bodyPr/>
+                    <a:lstStyle/>
+                    <a:p>
+                      <a:pPr algn="ctr" fontAlgn="ctr"/>
+                      <a:r>
+                        <a:rPr lang="ru-RU" sz="1400" u="none" strike="noStrike" dirty="0">
+                          <a:effectLst/>
+                        </a:rPr>
+                        <a:t>_</a:t>
+                      </a:r>
+                      <a:endParaRPr lang="ru-RU" sz="1400" b="0" i="0" u="none" strike="noStrike" dirty="0">
+                        <a:solidFill>
+                          <a:srgbClr val="000000"/>
+                        </a:solidFill>
+                        <a:effectLst/>
+                        <a:latin typeface="Times New Roman" panose="02020603050405020304" pitchFamily="18" charset="0"/>
+                      </a:endParaRPr>
+                    </a:p>
+                  </a:txBody>
+                  <a:tcPr marL="9525" marR="9525" marT="9525" marB="0" anchor="ctr">
+                    <a:lnL w="12700" cap="flat" cmpd="sng" algn="ctr">
+                      <a:solidFill>
+                        <a:schemeClr val="tx1"/>
+                      </a:solidFill>
+                      <a:prstDash val="solid"/>
+                      <a:round/>
+                      <a:headEnd type="none" w="med" len="med"/>
+                      <a:tailEnd type="none" w="med" len="med"/>
+                    </a:lnL>
+                    <a:lnR w="28575" cap="flat" cmpd="sng" algn="ctr">
+                      <a:solidFill>
+                        <a:schemeClr val="tx1"/>
+                      </a:solidFill>
+                      <a:prstDash val="solid"/>
+                      <a:round/>
+                      <a:headEnd type="none" w="med" len="med"/>
+                      <a:tailEnd type="none" w="med" len="med"/>
+                    </a:lnR>
+                  </a:tcPr>
+                </a:tc>
+                <a:extLst>
+                  <a:ext uri="{0D108BD9-81ED-4DB2-BD59-A6C34878D82A}">
+                    <a16:rowId xmlns:a16="http://schemas.microsoft.com/office/drawing/2014/main" val="4235861967"/>
+                  </a:ext>
+                </a:extLst>
+              </a:tr>
+              <a:tr h="390525">
+                <a:tc vMerge="1">
+                  <a:txBody>
+                    <a:bodyPr/>
+                    <a:lstStyle/>
+                    <a:p>
+                      <a:endParaRPr lang="ru-RU"/>
+                    </a:p>
+                  </a:txBody>
+                  <a:tcPr/>
+                </a:tc>
+                <a:tc>
+                  <a:txBody>
+                    <a:bodyPr/>
+                    <a:lstStyle/>
+                    <a:p>
+                      <a:pPr algn="ctr" fontAlgn="ctr"/>
+                      <a:r>
+                        <a:rPr lang="ru-RU" sz="1400" u="none" strike="noStrike" dirty="0">
+                          <a:effectLst/>
+                        </a:rPr>
+                        <a:t>50            6</a:t>
+                      </a:r>
+                      <a:endParaRPr lang="ru-RU" sz="1400" b="0" i="0" u="none" strike="noStrike" dirty="0">
+                        <a:solidFill>
+                          <a:srgbClr val="000000"/>
+                        </a:solidFill>
+                        <a:effectLst/>
+                        <a:latin typeface="Times New Roman" panose="02020603050405020304" pitchFamily="18" charset="0"/>
+                      </a:endParaRPr>
+                    </a:p>
+                  </a:txBody>
+                  <a:tcPr marL="9525" marR="9525" marT="9525" marB="0" anchor="ctr">
+                    <a:lnL w="19050" cap="flat" cmpd="sng" algn="ctr">
+                      <a:solidFill>
+                        <a:schemeClr val="tx1"/>
+                      </a:solidFill>
+                      <a:prstDash val="solid"/>
+                      <a:round/>
+                      <a:headEnd type="none" w="med" len="med"/>
+                      <a:tailEnd type="none" w="med" len="med"/>
+                    </a:lnL>
+                    <a:lnR w="12700" cap="flat" cmpd="sng" algn="ctr">
+                      <a:solidFill>
+                        <a:schemeClr val="tx1"/>
+                      </a:solidFill>
+                      <a:prstDash val="solid"/>
+                      <a:round/>
+                      <a:headEnd type="none" w="med" len="med"/>
+                      <a:tailEnd type="none" w="med" len="med"/>
+                    </a:lnR>
+                  </a:tcPr>
+                </a:tc>
+                <a:tc>
+                  <a:txBody>
+                    <a:bodyPr/>
+                    <a:lstStyle/>
+                    <a:p>
+                      <a:pPr algn="ctr" fontAlgn="ctr"/>
+                      <a:r>
+                        <a:rPr lang="ru-RU" sz="1400" u="none" strike="noStrike" dirty="0">
+                          <a:effectLst/>
+                        </a:rPr>
+                        <a:t>_</a:t>
+                      </a:r>
+                      <a:endParaRPr lang="ru-RU" sz="1400" b="0" i="0" u="none" strike="noStrike" dirty="0">
+                        <a:solidFill>
+                          <a:srgbClr val="000000"/>
+                        </a:solidFill>
+                        <a:effectLst/>
+                        <a:latin typeface="Times New Roman" panose="02020603050405020304" pitchFamily="18" charset="0"/>
+                      </a:endParaRPr>
+                    </a:p>
+                  </a:txBody>
+                  <a:tcPr marL="9525" marR="9525" marT="9525" marB="0" anchor="ctr">
+                    <a:lnL w="12700" cap="flat" cmpd="sng" algn="ctr">
+                      <a:solidFill>
+                        <a:schemeClr val="tx1"/>
+                      </a:solidFill>
+                      <a:prstDash val="solid"/>
+                      <a:round/>
+                      <a:headEnd type="none" w="med" len="med"/>
+                      <a:tailEnd type="none" w="med" len="med"/>
+                    </a:lnL>
+                    <a:lnR w="12700" cap="flat" cmpd="sng" algn="ctr">
+                      <a:solidFill>
+                        <a:schemeClr val="tx1"/>
+                      </a:solidFill>
+                      <a:prstDash val="solid"/>
+                      <a:round/>
+                      <a:headEnd type="none" w="med" len="med"/>
+                      <a:tailEnd type="none" w="med" len="med"/>
+                    </a:lnR>
+                  </a:tcPr>
+                </a:tc>
+                <a:tc>
+                  <a:txBody>
+                    <a:bodyPr/>
+                    <a:lstStyle/>
+                    <a:p>
+                      <a:pPr algn="ctr" fontAlgn="ctr"/>
+                      <a:r>
+                        <a:rPr lang="ru-RU" sz="1400" u="none" strike="noStrike" dirty="0">
+                          <a:effectLst/>
+                        </a:rPr>
+                        <a:t>_</a:t>
+                      </a:r>
+                      <a:endParaRPr lang="ru-RU" sz="1400" b="0" i="0" u="none" strike="noStrike" dirty="0">
+                        <a:solidFill>
+                          <a:srgbClr val="000000"/>
+                        </a:solidFill>
+                        <a:effectLst/>
+                        <a:latin typeface="Times New Roman" panose="02020603050405020304" pitchFamily="18" charset="0"/>
+                      </a:endParaRPr>
+                    </a:p>
+                  </a:txBody>
+                  <a:tcPr marL="9525" marR="9525" marT="9525" marB="0" anchor="ctr">
+                    <a:lnL w="12700" cap="flat" cmpd="sng" algn="ctr">
+                      <a:solidFill>
+                        <a:schemeClr val="tx1"/>
+                      </a:solidFill>
+                      <a:prstDash val="solid"/>
+                      <a:round/>
+                      <a:headEnd type="none" w="med" len="med"/>
+                      <a:tailEnd type="none" w="med" len="med"/>
+                    </a:lnL>
+                    <a:lnR w="12700" cap="flat" cmpd="sng" algn="ctr">
+                      <a:solidFill>
+                        <a:schemeClr val="tx1"/>
+                      </a:solidFill>
+                      <a:prstDash val="solid"/>
+                      <a:round/>
+                      <a:headEnd type="none" w="med" len="med"/>
+                      <a:tailEnd type="none" w="med" len="med"/>
+                    </a:lnR>
+                  </a:tcPr>
+                </a:tc>
+                <a:tc>
+                  <a:txBody>
+                    <a:bodyPr/>
+                    <a:lstStyle/>
+                    <a:p>
+                      <a:pPr algn="ctr" fontAlgn="ctr"/>
+                      <a:r>
+                        <a:rPr lang="ru-RU" sz="1400" u="none" strike="noStrike" dirty="0">
+                          <a:effectLst/>
+                        </a:rPr>
+                        <a:t>_</a:t>
+                      </a:r>
+                      <a:endParaRPr lang="ru-RU" sz="1400" b="0" i="0" u="none" strike="noStrike" dirty="0">
+                        <a:solidFill>
+                          <a:srgbClr val="000000"/>
+                        </a:solidFill>
+                        <a:effectLst/>
+                        <a:latin typeface="Times New Roman" panose="02020603050405020304" pitchFamily="18" charset="0"/>
+                      </a:endParaRPr>
+                    </a:p>
+                  </a:txBody>
+                  <a:tcPr marL="9525" marR="9525" marT="9525" marB="0" anchor="ctr">
+                    <a:lnL w="12700" cap="flat" cmpd="sng" algn="ctr">
+                      <a:solidFill>
+                        <a:schemeClr val="tx1"/>
+                      </a:solidFill>
+                      <a:prstDash val="solid"/>
+                      <a:round/>
+                      <a:headEnd type="none" w="med" len="med"/>
+                      <a:tailEnd type="none" w="med" len="med"/>
+                    </a:lnL>
+                    <a:lnR w="19050" cap="flat" cmpd="sng" algn="ctr">
+                      <a:solidFill>
+                        <a:schemeClr val="tx1"/>
+                      </a:solidFill>
+                      <a:prstDash val="solid"/>
+                      <a:round/>
+                      <a:headEnd type="none" w="med" len="med"/>
+                      <a:tailEnd type="none" w="med" len="med"/>
+                    </a:lnR>
+                  </a:tcPr>
+                </a:tc>
+                <a:tc>
+                  <a:txBody>
+                    <a:bodyPr/>
+                    <a:lstStyle/>
+                    <a:p>
+                      <a:pPr algn="ctr" fontAlgn="ctr"/>
+                      <a:r>
+                        <a:rPr lang="ru-RU" sz="1400" u="none" strike="noStrike" dirty="0">
+                          <a:effectLst/>
+                        </a:rPr>
+                        <a:t>_</a:t>
+                      </a:r>
+                      <a:endParaRPr lang="ru-RU" sz="1400" b="0" i="0" u="none" strike="noStrike" dirty="0">
+                        <a:solidFill>
+                          <a:srgbClr val="000000"/>
+                        </a:solidFill>
+                        <a:effectLst/>
+                        <a:latin typeface="Times New Roman" panose="02020603050405020304" pitchFamily="18" charset="0"/>
+                      </a:endParaRPr>
+                    </a:p>
+                  </a:txBody>
+                  <a:tcPr marL="9525" marR="9525" marT="9525" marB="0" anchor="ctr">
+                    <a:lnL w="19050" cap="flat" cmpd="sng" algn="ctr">
+                      <a:solidFill>
+                        <a:schemeClr val="tx1"/>
+                      </a:solidFill>
+                      <a:prstDash val="solid"/>
+                      <a:round/>
+                      <a:headEnd type="none" w="med" len="med"/>
+                      <a:tailEnd type="none" w="med" len="med"/>
+                    </a:lnL>
+                    <a:lnR w="12700" cap="flat" cmpd="sng" algn="ctr">
+                      <a:solidFill>
+                        <a:schemeClr val="tx1"/>
+                      </a:solidFill>
+                      <a:prstDash val="solid"/>
+                      <a:round/>
+                      <a:headEnd type="none" w="med" len="med"/>
+                      <a:tailEnd type="none" w="med" len="med"/>
+                    </a:lnR>
+                    <a:lnT w="12700" cap="flat" cmpd="sng" algn="ctr">
+                      <a:noFill/>
+                      <a:prstDash val="solid"/>
+                      <a:round/>
+                      <a:headEnd type="none" w="med" len="med"/>
+                      <a:tailEnd type="none" w="med" len="med"/>
+                    </a:lnT>
+                    <a:lnB w="12700" cap="flat" cmpd="sng" algn="ctr">
+                      <a:noFill/>
+                      <a:prstDash val="solid"/>
+                      <a:round/>
+                      <a:headEnd type="none" w="med" len="med"/>
+                      <a:tailEnd type="none" w="med" len="med"/>
+                    </a:lnB>
+                  </a:tcPr>
+                </a:tc>
+                <a:tc>
+                  <a:txBody>
+                    <a:bodyPr/>
+                    <a:lstStyle/>
+                    <a:p>
+                      <a:pPr algn="ctr" fontAlgn="ctr"/>
+                      <a:r>
+                        <a:rPr lang="ru-RU" sz="1400" u="none" strike="noStrike" dirty="0">
+                          <a:effectLst/>
+                        </a:rPr>
+                        <a:t>_</a:t>
+                      </a:r>
+                      <a:endParaRPr lang="ru-RU" sz="1400" b="0" i="0" u="none" strike="noStrike" dirty="0">
+                        <a:solidFill>
+                          <a:srgbClr val="000000"/>
+                        </a:solidFill>
+                        <a:effectLst/>
+                        <a:latin typeface="Times New Roman" panose="02020603050405020304" pitchFamily="18" charset="0"/>
+                      </a:endParaRPr>
+                    </a:p>
+                  </a:txBody>
+                  <a:tcPr marL="9525" marR="9525" marT="9525" marB="0" anchor="ctr">
+                    <a:lnL w="12700" cap="flat" cmpd="sng" algn="ctr">
+                      <a:solidFill>
+                        <a:schemeClr val="tx1"/>
+                      </a:solidFill>
+                      <a:prstDash val="solid"/>
+                      <a:round/>
+                      <a:headEnd type="none" w="med" len="med"/>
+                      <a:tailEnd type="none" w="med" len="med"/>
+                    </a:lnL>
+                    <a:lnR w="12700" cap="flat" cmpd="sng" algn="ctr">
+                      <a:solidFill>
+                        <a:schemeClr val="tx1"/>
+                      </a:solidFill>
+                      <a:prstDash val="solid"/>
+                      <a:round/>
+                      <a:headEnd type="none" w="med" len="med"/>
+                      <a:tailEnd type="none" w="med" len="med"/>
+                    </a:lnR>
+                  </a:tcPr>
+                </a:tc>
+                <a:tc>
+                  <a:txBody>
+                    <a:bodyPr/>
+                    <a:lstStyle/>
+                    <a:p>
+                      <a:pPr algn="ctr" fontAlgn="ctr"/>
+                      <a:r>
+                        <a:rPr lang="ru-RU" sz="1400" u="none" strike="noStrike" dirty="0">
+                          <a:effectLst/>
+                        </a:rPr>
+                        <a:t>_</a:t>
+                      </a:r>
+                      <a:endParaRPr lang="ru-RU" sz="1400" b="0" i="0" u="none" strike="noStrike" dirty="0">
+                        <a:solidFill>
+                          <a:srgbClr val="000000"/>
+                        </a:solidFill>
+                        <a:effectLst/>
+                        <a:latin typeface="Times New Roman" panose="02020603050405020304" pitchFamily="18" charset="0"/>
+                      </a:endParaRPr>
+                    </a:p>
+                  </a:txBody>
+                  <a:tcPr marL="9525" marR="9525" marT="9525" marB="0" anchor="ctr">
+                    <a:lnL w="12700" cap="flat" cmpd="sng" algn="ctr">
+                      <a:solidFill>
+                        <a:schemeClr val="tx1"/>
+                      </a:solidFill>
+                      <a:prstDash val="solid"/>
+                      <a:round/>
+                      <a:headEnd type="none" w="med" len="med"/>
+                      <a:tailEnd type="none" w="med" len="med"/>
+                    </a:lnL>
+                    <a:lnR w="12700" cap="flat" cmpd="sng" algn="ctr">
+                      <a:solidFill>
+                        <a:schemeClr val="tx1"/>
+                      </a:solidFill>
+                      <a:prstDash val="solid"/>
+                      <a:round/>
+                      <a:headEnd type="none" w="med" len="med"/>
+                      <a:tailEnd type="none" w="med" len="med"/>
+                    </a:lnR>
+                  </a:tcPr>
+                </a:tc>
+                <a:tc>
+                  <a:txBody>
+                    <a:bodyPr/>
+                    <a:lstStyle/>
+                    <a:p>
+                      <a:pPr algn="ctr" fontAlgn="ctr"/>
+                      <a:r>
+                        <a:rPr lang="ru-RU" sz="1400" u="none" strike="noStrike" dirty="0">
+                          <a:effectLst/>
+                        </a:rPr>
+                        <a:t>_</a:t>
+                      </a:r>
+                      <a:endParaRPr lang="ru-RU" sz="1400" b="0" i="0" u="none" strike="noStrike" dirty="0">
+                        <a:solidFill>
+                          <a:srgbClr val="000000"/>
+                        </a:solidFill>
+                        <a:effectLst/>
+                        <a:latin typeface="Times New Roman" panose="02020603050405020304" pitchFamily="18" charset="0"/>
+                      </a:endParaRPr>
+                    </a:p>
+                  </a:txBody>
+                  <a:tcPr marL="9525" marR="9525" marT="9525" marB="0" anchor="ctr">
+                    <a:lnL w="12700" cap="flat" cmpd="sng" algn="ctr">
+                      <a:solidFill>
+                        <a:schemeClr val="tx1"/>
+                      </a:solidFill>
+                      <a:prstDash val="solid"/>
+                      <a:round/>
+                      <a:headEnd type="none" w="med" len="med"/>
+                      <a:tailEnd type="none" w="med" len="med"/>
+                    </a:lnL>
+                    <a:lnR w="28575" cap="flat" cmpd="sng" algn="ctr">
+                      <a:solidFill>
+                        <a:schemeClr val="tx1"/>
+                      </a:solidFill>
+                      <a:prstDash val="solid"/>
+                      <a:round/>
+                      <a:headEnd type="none" w="med" len="med"/>
+                      <a:tailEnd type="none" w="med" len="med"/>
+                    </a:lnR>
+                  </a:tcPr>
+                </a:tc>
+                <a:extLst>
+                  <a:ext uri="{0D108BD9-81ED-4DB2-BD59-A6C34878D82A}">
+                    <a16:rowId xmlns:a16="http://schemas.microsoft.com/office/drawing/2014/main" val="4169151961"/>
+                  </a:ext>
+                </a:extLst>
+              </a:tr>
+              <a:tr h="419100">
+                <a:tc vMerge="1">
+                  <a:txBody>
+                    <a:bodyPr/>
+                    <a:lstStyle/>
+                    <a:p>
+                      <a:endParaRPr lang="ru-RU"/>
+                    </a:p>
+                  </a:txBody>
+                  <a:tcPr/>
+                </a:tc>
+                <a:tc>
+                  <a:txBody>
+                    <a:bodyPr/>
+                    <a:lstStyle/>
+                    <a:p>
+                      <a:pPr algn="ctr" fontAlgn="ctr"/>
+                      <a:r>
+                        <a:rPr lang="ru-RU" sz="1400" u="none" strike="noStrike" dirty="0">
+                          <a:effectLst/>
+                        </a:rPr>
+                        <a:t>150        12</a:t>
+                      </a:r>
+                      <a:endParaRPr lang="ru-RU" sz="1400" b="0" i="0" u="none" strike="noStrike" dirty="0">
+                        <a:solidFill>
+                          <a:srgbClr val="000000"/>
+                        </a:solidFill>
+                        <a:effectLst/>
+                        <a:latin typeface="Times New Roman" panose="02020603050405020304" pitchFamily="18" charset="0"/>
+                      </a:endParaRPr>
+                    </a:p>
+                  </a:txBody>
+                  <a:tcPr marL="9525" marR="9525" marT="9525" marB="0" anchor="ctr">
+                    <a:lnL w="19050" cap="flat" cmpd="sng" algn="ctr">
+                      <a:solidFill>
+                        <a:schemeClr val="tx1"/>
+                      </a:solidFill>
+                      <a:prstDash val="solid"/>
+                      <a:round/>
+                      <a:headEnd type="none" w="med" len="med"/>
+                      <a:tailEnd type="none" w="med" len="med"/>
+                    </a:lnL>
+                    <a:lnR w="12700" cap="flat" cmpd="sng" algn="ctr">
+                      <a:solidFill>
+                        <a:schemeClr val="tx1"/>
+                      </a:solidFill>
+                      <a:prstDash val="solid"/>
+                      <a:round/>
+                      <a:headEnd type="none" w="med" len="med"/>
+                      <a:tailEnd type="none" w="med" len="med"/>
+                    </a:lnR>
+                    <a:lnB w="12700" cap="flat" cmpd="sng" algn="ctr">
+                      <a:solidFill>
+                        <a:schemeClr val="tx1"/>
+                      </a:solidFill>
+                      <a:prstDash val="solid"/>
+                      <a:round/>
+                      <a:headEnd type="none" w="med" len="med"/>
+                      <a:tailEnd type="none" w="med" len="med"/>
+                    </a:lnB>
+                  </a:tcPr>
+                </a:tc>
+                <a:tc>
+                  <a:txBody>
+                    <a:bodyPr/>
+                    <a:lstStyle/>
+                    <a:p>
+                      <a:pPr algn="ctr" fontAlgn="ctr"/>
+                      <a:r>
+                        <a:rPr lang="ru-RU" sz="1400" u="none" strike="noStrike" dirty="0">
+                          <a:effectLst/>
+                        </a:rPr>
+                        <a:t>_</a:t>
+                      </a:r>
+                      <a:endParaRPr lang="ru-RU" sz="1400" b="0" i="0" u="none" strike="noStrike" dirty="0">
+                        <a:solidFill>
+                          <a:srgbClr val="000000"/>
+                        </a:solidFill>
+                        <a:effectLst/>
+                        <a:latin typeface="Times New Roman" panose="02020603050405020304" pitchFamily="18" charset="0"/>
+                      </a:endParaRPr>
+                    </a:p>
+                  </a:txBody>
+                  <a:tcPr marL="9525" marR="9525" marT="9525" marB="0" anchor="ctr">
+                    <a:lnL w="12700" cap="flat" cmpd="sng" algn="ctr">
+                      <a:solidFill>
+                        <a:schemeClr val="tx1"/>
+                      </a:solidFill>
+                      <a:prstDash val="solid"/>
+                      <a:round/>
+                      <a:headEnd type="none" w="med" len="med"/>
+                      <a:tailEnd type="none" w="med" len="med"/>
+                    </a:lnL>
+                    <a:lnR w="12700" cap="flat" cmpd="sng" algn="ctr">
+                      <a:solidFill>
+                        <a:schemeClr val="tx1"/>
+                      </a:solidFill>
+                      <a:prstDash val="solid"/>
+                      <a:round/>
+                      <a:headEnd type="none" w="med" len="med"/>
+                      <a:tailEnd type="none" w="med" len="med"/>
+                    </a:lnR>
+                    <a:lnB w="12700" cap="flat" cmpd="sng" algn="ctr">
+                      <a:solidFill>
+                        <a:schemeClr val="tx1"/>
+                      </a:solidFill>
+                      <a:prstDash val="solid"/>
+                      <a:round/>
+                      <a:headEnd type="none" w="med" len="med"/>
+                      <a:tailEnd type="none" w="med" len="med"/>
+                    </a:lnB>
+                  </a:tcPr>
+                </a:tc>
+                <a:tc>
+                  <a:txBody>
+                    <a:bodyPr/>
+                    <a:lstStyle/>
+                    <a:p>
+                      <a:pPr algn="ctr" fontAlgn="ctr"/>
+                      <a:r>
+                        <a:rPr lang="ru-RU" sz="1400" u="none" strike="noStrike" dirty="0">
+                          <a:effectLst/>
+                        </a:rPr>
+                        <a:t>_</a:t>
+                      </a:r>
+                      <a:endParaRPr lang="ru-RU" sz="1400" b="0" i="0" u="none" strike="noStrike" dirty="0">
+                        <a:solidFill>
+                          <a:srgbClr val="000000"/>
+                        </a:solidFill>
+                        <a:effectLst/>
+                        <a:latin typeface="Times New Roman" panose="02020603050405020304" pitchFamily="18" charset="0"/>
+                      </a:endParaRPr>
+                    </a:p>
+                  </a:txBody>
+                  <a:tcPr marL="9525" marR="9525" marT="9525" marB="0" anchor="ctr">
+                    <a:lnL w="12700" cap="flat" cmpd="sng" algn="ctr">
+                      <a:solidFill>
+                        <a:schemeClr val="tx1"/>
+                      </a:solidFill>
+                      <a:prstDash val="solid"/>
+                      <a:round/>
+                      <a:headEnd type="none" w="med" len="med"/>
+                      <a:tailEnd type="none" w="med" len="med"/>
+                    </a:lnL>
+                    <a:lnR w="12700" cap="flat" cmpd="sng" algn="ctr">
+                      <a:solidFill>
+                        <a:schemeClr val="tx1"/>
+                      </a:solidFill>
+                      <a:prstDash val="solid"/>
+                      <a:round/>
+                      <a:headEnd type="none" w="med" len="med"/>
+                      <a:tailEnd type="none" w="med" len="med"/>
+                    </a:lnR>
+                    <a:lnB w="12700" cap="flat" cmpd="sng" algn="ctr">
+                      <a:solidFill>
+                        <a:schemeClr val="tx1"/>
+                      </a:solidFill>
+                      <a:prstDash val="solid"/>
+                      <a:round/>
+                      <a:headEnd type="none" w="med" len="med"/>
+                      <a:tailEnd type="none" w="med" len="med"/>
+                    </a:lnB>
+                  </a:tcPr>
+                </a:tc>
+                <a:tc>
+                  <a:txBody>
+                    <a:bodyPr/>
+                    <a:lstStyle/>
+                    <a:p>
+                      <a:pPr algn="ctr" fontAlgn="ctr"/>
+                      <a:r>
+                        <a:rPr lang="ru-RU" sz="1400" u="none" strike="noStrike" dirty="0">
+                          <a:effectLst/>
+                        </a:rPr>
+                        <a:t>_</a:t>
+                      </a:r>
+                      <a:endParaRPr lang="ru-RU" sz="1400" b="0" i="0" u="none" strike="noStrike" dirty="0">
+                        <a:solidFill>
+                          <a:srgbClr val="000000"/>
+                        </a:solidFill>
+                        <a:effectLst/>
+                        <a:latin typeface="Times New Roman" panose="02020603050405020304" pitchFamily="18" charset="0"/>
+                      </a:endParaRPr>
+                    </a:p>
+                  </a:txBody>
+                  <a:tcPr marL="9525" marR="9525" marT="9525" marB="0" anchor="ctr">
+                    <a:lnL w="12700" cap="flat" cmpd="sng" algn="ctr">
+                      <a:solidFill>
+                        <a:schemeClr val="tx1"/>
+                      </a:solidFill>
+                      <a:prstDash val="solid"/>
+                      <a:round/>
+                      <a:headEnd type="none" w="med" len="med"/>
+                      <a:tailEnd type="none" w="med" len="med"/>
+                    </a:lnL>
+                    <a:lnR w="19050" cap="flat" cmpd="sng" algn="ctr">
+                      <a:solidFill>
+                        <a:schemeClr val="tx1"/>
+                      </a:solidFill>
+                      <a:prstDash val="solid"/>
+                      <a:round/>
+                      <a:headEnd type="none" w="med" len="med"/>
+                      <a:tailEnd type="none" w="med" len="med"/>
+                    </a:lnR>
+                    <a:lnB w="12700" cap="flat" cmpd="sng" algn="ctr">
+                      <a:solidFill>
+                        <a:schemeClr val="tx1"/>
+                      </a:solidFill>
+                      <a:prstDash val="solid"/>
+                      <a:round/>
+                      <a:headEnd type="none" w="med" len="med"/>
+                      <a:tailEnd type="none" w="med" len="med"/>
+                    </a:lnB>
+                  </a:tcPr>
+                </a:tc>
+                <a:tc>
+                  <a:txBody>
+                    <a:bodyPr/>
+                    <a:lstStyle/>
+                    <a:p>
+                      <a:pPr algn="ctr" fontAlgn="ctr"/>
+                      <a:r>
+                        <a:rPr lang="ru-RU" sz="1400" u="none" strike="noStrike" dirty="0">
+                          <a:effectLst/>
+                        </a:rPr>
+                        <a:t>_</a:t>
+                      </a:r>
+                      <a:endParaRPr lang="ru-RU" sz="1400" b="0" i="0" u="none" strike="noStrike" dirty="0">
+                        <a:solidFill>
+                          <a:srgbClr val="000000"/>
+                        </a:solidFill>
+                        <a:effectLst/>
+                        <a:latin typeface="Times New Roman" panose="02020603050405020304" pitchFamily="18" charset="0"/>
+                      </a:endParaRPr>
+                    </a:p>
+                  </a:txBody>
+                  <a:tcPr marL="9525" marR="9525" marT="9525" marB="0" anchor="ctr">
+                    <a:lnL w="19050" cap="flat" cmpd="sng" algn="ctr">
+                      <a:solidFill>
+                        <a:schemeClr val="tx1"/>
+                      </a:solidFill>
+                      <a:prstDash val="solid"/>
+                      <a:round/>
+                      <a:headEnd type="none" w="med" len="med"/>
+                      <a:tailEnd type="none" w="med" len="med"/>
+                    </a:lnL>
+                    <a:lnR w="12700" cap="flat" cmpd="sng" algn="ctr">
+                      <a:solidFill>
+                        <a:schemeClr val="tx1"/>
+                      </a:solidFill>
+                      <a:prstDash val="solid"/>
+                      <a:round/>
+                      <a:headEnd type="none" w="med" len="med"/>
+                      <a:tailEnd type="none" w="med" len="med"/>
+                    </a:lnR>
+                    <a:lnT w="12700" cap="flat" cmpd="sng" algn="ctr">
+                      <a:noFill/>
+                      <a:prstDash val="solid"/>
+                      <a:round/>
+                      <a:headEnd type="none" w="med" len="med"/>
+                      <a:tailEnd type="none" w="med" len="med"/>
+                    </a:lnT>
+                    <a:lnB w="12700" cap="flat" cmpd="sng" algn="ctr">
+                      <a:solidFill>
+                        <a:schemeClr val="tx1"/>
+                      </a:solidFill>
+                      <a:prstDash val="solid"/>
+                      <a:round/>
+                      <a:headEnd type="none" w="med" len="med"/>
+                      <a:tailEnd type="none" w="med" len="med"/>
+                    </a:lnB>
+                  </a:tcPr>
+                </a:tc>
+                <a:tc>
+                  <a:txBody>
+                    <a:bodyPr/>
+                    <a:lstStyle/>
+                    <a:p>
+                      <a:pPr algn="ctr" fontAlgn="ctr"/>
+                      <a:r>
+                        <a:rPr lang="ru-RU" sz="1400" u="none" strike="noStrike" dirty="0">
+                          <a:effectLst/>
+                        </a:rPr>
+                        <a:t>_</a:t>
+                      </a:r>
+                      <a:endParaRPr lang="ru-RU" sz="1400" b="0" i="0" u="none" strike="noStrike" dirty="0">
+                        <a:solidFill>
+                          <a:srgbClr val="000000"/>
+                        </a:solidFill>
+                        <a:effectLst/>
+                        <a:latin typeface="Times New Roman" panose="02020603050405020304" pitchFamily="18" charset="0"/>
+                      </a:endParaRPr>
+                    </a:p>
+                  </a:txBody>
+                  <a:tcPr marL="9525" marR="9525" marT="9525" marB="0" anchor="ctr">
+                    <a:lnL w="12700" cap="flat" cmpd="sng" algn="ctr">
+                      <a:solidFill>
+                        <a:schemeClr val="tx1"/>
+                      </a:solidFill>
+                      <a:prstDash val="solid"/>
+                      <a:round/>
+                      <a:headEnd type="none" w="med" len="med"/>
+                      <a:tailEnd type="none" w="med" len="med"/>
+                    </a:lnL>
+                    <a:lnR w="12700" cap="flat" cmpd="sng" algn="ctr">
+                      <a:solidFill>
+                        <a:schemeClr val="tx1"/>
+                      </a:solidFill>
+                      <a:prstDash val="solid"/>
+                      <a:round/>
+                      <a:headEnd type="none" w="med" len="med"/>
+                      <a:tailEnd type="none" w="med" len="med"/>
+                    </a:lnR>
+                    <a:lnB w="12700" cap="flat" cmpd="sng" algn="ctr">
+                      <a:solidFill>
+                        <a:schemeClr val="tx1"/>
+                      </a:solidFill>
+                      <a:prstDash val="solid"/>
+                      <a:round/>
+                      <a:headEnd type="none" w="med" len="med"/>
+                      <a:tailEnd type="none" w="med" len="med"/>
+                    </a:lnB>
+                  </a:tcPr>
+                </a:tc>
+                <a:tc>
+                  <a:txBody>
+                    <a:bodyPr/>
+                    <a:lstStyle/>
+                    <a:p>
+                      <a:pPr algn="ctr" fontAlgn="ctr"/>
+                      <a:r>
+                        <a:rPr lang="ru-RU" sz="1400" u="none" strike="noStrike" dirty="0">
+                          <a:effectLst/>
+                        </a:rPr>
+                        <a:t>_</a:t>
+                      </a:r>
+                      <a:endParaRPr lang="ru-RU" sz="1400" b="0" i="0" u="none" strike="noStrike" dirty="0">
+                        <a:solidFill>
+                          <a:srgbClr val="000000"/>
+                        </a:solidFill>
+                        <a:effectLst/>
+                        <a:latin typeface="Times New Roman" panose="02020603050405020304" pitchFamily="18" charset="0"/>
+                      </a:endParaRPr>
+                    </a:p>
+                  </a:txBody>
+                  <a:tcPr marL="9525" marR="9525" marT="9525" marB="0" anchor="ctr">
+                    <a:lnL w="12700" cap="flat" cmpd="sng" algn="ctr">
+                      <a:solidFill>
+                        <a:schemeClr val="tx1"/>
+                      </a:solidFill>
+                      <a:prstDash val="solid"/>
+                      <a:round/>
+                      <a:headEnd type="none" w="med" len="med"/>
+                      <a:tailEnd type="none" w="med" len="med"/>
+                    </a:lnL>
+                    <a:lnR w="12700" cap="flat" cmpd="sng" algn="ctr">
+                      <a:solidFill>
+                        <a:schemeClr val="tx1"/>
+                      </a:solidFill>
+                      <a:prstDash val="solid"/>
+                      <a:round/>
+                      <a:headEnd type="none" w="med" len="med"/>
+                      <a:tailEnd type="none" w="med" len="med"/>
+                    </a:lnR>
+                    <a:lnB w="12700" cap="flat" cmpd="sng" algn="ctr">
+                      <a:solidFill>
+                        <a:schemeClr val="tx1"/>
+                      </a:solidFill>
+                      <a:prstDash val="solid"/>
+                      <a:round/>
+                      <a:headEnd type="none" w="med" len="med"/>
+                      <a:tailEnd type="none" w="med" len="med"/>
+                    </a:lnB>
+                  </a:tcPr>
+                </a:tc>
+                <a:tc>
+                  <a:txBody>
+                    <a:bodyPr/>
+                    <a:lstStyle/>
+                    <a:p>
+                      <a:pPr algn="ctr" fontAlgn="ctr"/>
+                      <a:r>
+                        <a:rPr lang="ru-RU" sz="1400" u="none" strike="noStrike" dirty="0">
+                          <a:effectLst/>
+                        </a:rPr>
+                        <a:t>_</a:t>
+                      </a:r>
+                      <a:endParaRPr lang="ru-RU" sz="1400" b="0" i="0" u="none" strike="noStrike" dirty="0">
+                        <a:solidFill>
+                          <a:srgbClr val="000000"/>
+                        </a:solidFill>
+                        <a:effectLst/>
+                        <a:latin typeface="Times New Roman" panose="02020603050405020304" pitchFamily="18" charset="0"/>
+                      </a:endParaRPr>
+                    </a:p>
+                  </a:txBody>
+                  <a:tcPr marL="9525" marR="9525" marT="9525" marB="0" anchor="ctr">
+                    <a:lnL w="12700" cap="flat" cmpd="sng" algn="ctr">
+                      <a:solidFill>
+                        <a:schemeClr val="tx1"/>
+                      </a:solidFill>
+                      <a:prstDash val="solid"/>
+                      <a:round/>
+                      <a:headEnd type="none" w="med" len="med"/>
+                      <a:tailEnd type="none" w="med" len="med"/>
+                    </a:lnL>
+                    <a:lnR w="28575" cap="flat" cmpd="sng" algn="ctr">
+                      <a:solidFill>
+                        <a:schemeClr val="tx1"/>
+                      </a:solidFill>
+                      <a:prstDash val="solid"/>
+                      <a:round/>
+                      <a:headEnd type="none" w="med" len="med"/>
+                      <a:tailEnd type="none" w="med" len="med"/>
+                    </a:lnR>
+                    <a:lnB w="12700" cap="flat" cmpd="sng" algn="ctr">
+                      <a:solidFill>
+                        <a:schemeClr val="tx1"/>
+                      </a:solidFill>
+                      <a:prstDash val="solid"/>
+                      <a:round/>
+                      <a:headEnd type="none" w="med" len="med"/>
+                      <a:tailEnd type="none" w="med" len="med"/>
+                    </a:lnB>
+                  </a:tcPr>
+                </a:tc>
+                <a:extLst>
+                  <a:ext uri="{0D108BD9-81ED-4DB2-BD59-A6C34878D82A}">
+                    <a16:rowId xmlns:a16="http://schemas.microsoft.com/office/drawing/2014/main" val="1455285401"/>
+                  </a:ext>
+                </a:extLst>
+              </a:tr>
+              <a:tr h="381000">
+                <a:tc rowSpan="4">
+                  <a:txBody>
+                    <a:bodyPr/>
+                    <a:lstStyle/>
+                    <a:p>
+                      <a:pPr algn="ctr" fontAlgn="ctr"/>
+                      <a:r>
+                        <a:rPr lang="en-US" sz="1400" u="none" strike="noStrike" dirty="0">
+                          <a:effectLst/>
+                        </a:rPr>
+                        <a:t>Evolutionary step</a:t>
+                      </a:r>
+                      <a:endParaRPr lang="en-US" sz="1400" b="0" i="0" u="none" strike="noStrike" dirty="0">
+                        <a:solidFill>
+                          <a:srgbClr val="222222"/>
+                        </a:solidFill>
+                        <a:effectLst/>
+                        <a:latin typeface="Times New Roman" panose="02020603050405020304" pitchFamily="18" charset="0"/>
+                      </a:endParaRPr>
+                    </a:p>
+                  </a:txBody>
+                  <a:tcPr marL="9525" marR="9525" marT="9525" marB="0" vert="vert270" anchor="ctr">
+                    <a:lnL w="28575" cap="flat" cmpd="sng" algn="ctr">
+                      <a:solidFill>
+                        <a:schemeClr val="tx1"/>
+                      </a:solidFill>
+                      <a:prstDash val="solid"/>
+                      <a:round/>
+                      <a:headEnd type="none" w="med" len="med"/>
+                      <a:tailEnd type="none" w="med" len="med"/>
+                    </a:lnL>
+                    <a:lnR w="19050" cap="flat" cmpd="sng" algn="ctr">
+                      <a:solidFill>
+                        <a:schemeClr val="tx1"/>
+                      </a:solidFill>
+                      <a:prstDash val="solid"/>
+                      <a:round/>
+                      <a:headEnd type="none" w="med" len="med"/>
+                      <a:tailEnd type="none" w="med" len="med"/>
+                    </a:lnR>
+                    <a:lnT w="12700" cap="flat" cmpd="sng" algn="ctr">
+                      <a:solidFill>
+                        <a:schemeClr val="tx1"/>
+                      </a:solidFill>
+                      <a:prstDash val="solid"/>
+                      <a:round/>
+                      <a:headEnd type="none" w="med" len="med"/>
+                      <a:tailEnd type="none" w="med" len="med"/>
+                    </a:lnT>
+                    <a:lnB w="28575" cap="flat" cmpd="sng" algn="ctr">
+                      <a:solidFill>
+                        <a:schemeClr val="tx1"/>
+                      </a:solidFill>
+                      <a:prstDash val="solid"/>
+                      <a:round/>
+                      <a:headEnd type="none" w="med" len="med"/>
+                      <a:tailEnd type="none" w="med" len="med"/>
+                    </a:lnB>
+                  </a:tcPr>
+                </a:tc>
+                <a:tc>
+                  <a:txBody>
+                    <a:bodyPr/>
+                    <a:lstStyle/>
+                    <a:p>
+                      <a:pPr algn="ctr" fontAlgn="ctr"/>
+                      <a:r>
+                        <a:rPr lang="ru-RU" sz="1400" u="none" strike="noStrike" dirty="0">
+                          <a:effectLst/>
+                        </a:rPr>
+                        <a:t>10            5</a:t>
+                      </a:r>
+                      <a:endParaRPr lang="ru-RU" sz="1400" b="0" i="0" u="none" strike="noStrike" dirty="0">
+                        <a:solidFill>
+                          <a:srgbClr val="000000"/>
+                        </a:solidFill>
+                        <a:effectLst/>
+                        <a:latin typeface="Times New Roman" panose="02020603050405020304" pitchFamily="18" charset="0"/>
+                      </a:endParaRPr>
+                    </a:p>
+                  </a:txBody>
+                  <a:tcPr marL="9525" marR="9525" marT="9525" marB="0" anchor="ctr">
+                    <a:lnL w="19050" cap="flat" cmpd="sng" algn="ctr">
+                      <a:solidFill>
+                        <a:schemeClr val="tx1"/>
+                      </a:solidFill>
+                      <a:prstDash val="solid"/>
+                      <a:round/>
+                      <a:headEnd type="none" w="med" len="med"/>
+                      <a:tailEnd type="none" w="med" len="med"/>
+                    </a:lnL>
+                    <a:lnR w="12700" cap="flat" cmpd="sng" algn="ctr">
+                      <a:solidFill>
+                        <a:schemeClr val="tx1"/>
+                      </a:solidFill>
+                      <a:prstDash val="solid"/>
+                      <a:round/>
+                      <a:headEnd type="none" w="med" len="med"/>
+                      <a:tailEnd type="none" w="med" len="med"/>
+                    </a:lnR>
+                    <a:lnT w="12700" cap="flat" cmpd="sng" algn="ctr">
+                      <a:solidFill>
+                        <a:schemeClr val="tx1"/>
+                      </a:solidFill>
+                      <a:prstDash val="solid"/>
+                      <a:round/>
+                      <a:headEnd type="none" w="med" len="med"/>
+                      <a:tailEnd type="none" w="med" len="med"/>
+                    </a:lnT>
+                    <a:lnB w="12700" cap="flat" cmpd="sng" algn="ctr">
+                      <a:noFill/>
+                      <a:prstDash val="solid"/>
+                      <a:round/>
+                      <a:headEnd type="none" w="med" len="med"/>
+                      <a:tailEnd type="none" w="med" len="med"/>
+                    </a:lnB>
+                  </a:tcPr>
+                </a:tc>
+                <a:tc>
+                  <a:txBody>
+                    <a:bodyPr/>
+                    <a:lstStyle/>
+                    <a:p>
+                      <a:pPr algn="ctr" fontAlgn="ctr"/>
+                      <a:r>
+                        <a:rPr lang="en-US" sz="1400" u="none" strike="noStrike" dirty="0">
+                          <a:effectLst/>
+                        </a:rPr>
+                        <a:t>0.046 sec</a:t>
+                      </a:r>
+                      <a:endParaRPr lang="en-US" sz="1400" b="0" i="0" u="none" strike="noStrike" dirty="0">
+                        <a:solidFill>
+                          <a:srgbClr val="000000"/>
+                        </a:solidFill>
+                        <a:effectLst/>
+                        <a:latin typeface="Times New Roman" panose="02020603050405020304" pitchFamily="18" charset="0"/>
+                      </a:endParaRPr>
+                    </a:p>
+                  </a:txBody>
+                  <a:tcPr marL="9525" marR="9525" marT="9525" marB="0" anchor="ctr">
+                    <a:lnL w="12700" cap="flat" cmpd="sng" algn="ctr">
+                      <a:solidFill>
+                        <a:schemeClr val="tx1"/>
+                      </a:solidFill>
+                      <a:prstDash val="solid"/>
+                      <a:round/>
+                      <a:headEnd type="none" w="med" len="med"/>
+                      <a:tailEnd type="none" w="med" len="med"/>
+                    </a:lnL>
+                    <a:lnR w="12700" cap="flat" cmpd="sng" algn="ctr">
+                      <a:solidFill>
+                        <a:schemeClr val="tx1"/>
+                      </a:solidFill>
+                      <a:prstDash val="solid"/>
+                      <a:round/>
+                      <a:headEnd type="none" w="med" len="med"/>
+                      <a:tailEnd type="none" w="med" len="med"/>
+                    </a:lnR>
+                    <a:lnT w="12700" cap="flat" cmpd="sng" algn="ctr">
+                      <a:solidFill>
+                        <a:schemeClr val="tx1"/>
+                      </a:solidFill>
+                      <a:prstDash val="solid"/>
+                      <a:round/>
+                      <a:headEnd type="none" w="med" len="med"/>
+                      <a:tailEnd type="none" w="med" len="med"/>
+                    </a:lnT>
+                    <a:lnB w="12700" cap="flat" cmpd="sng" algn="ctr">
+                      <a:noFill/>
+                      <a:prstDash val="solid"/>
+                      <a:round/>
+                      <a:headEnd type="none" w="med" len="med"/>
+                      <a:tailEnd type="none" w="med" len="med"/>
+                    </a:lnB>
+                  </a:tcPr>
+                </a:tc>
+                <a:tc>
+                  <a:txBody>
+                    <a:bodyPr/>
+                    <a:lstStyle/>
+                    <a:p>
+                      <a:pPr algn="ctr" fontAlgn="ctr"/>
+                      <a:r>
+                        <a:rPr lang="en-US" sz="1400" u="none" strike="noStrike" dirty="0">
+                          <a:effectLst/>
+                        </a:rPr>
+                        <a:t>0.0064 sec</a:t>
+                      </a:r>
+                      <a:endParaRPr lang="en-US" sz="1400" b="0" i="0" u="none" strike="noStrike" dirty="0">
+                        <a:solidFill>
+                          <a:srgbClr val="000000"/>
+                        </a:solidFill>
+                        <a:effectLst/>
+                        <a:latin typeface="Times New Roman" panose="02020603050405020304" pitchFamily="18" charset="0"/>
+                      </a:endParaRPr>
+                    </a:p>
+                  </a:txBody>
+                  <a:tcPr marL="9525" marR="9525" marT="9525" marB="0" anchor="ctr">
+                    <a:lnL w="12700" cap="flat" cmpd="sng" algn="ctr">
+                      <a:solidFill>
+                        <a:schemeClr val="tx1"/>
+                      </a:solidFill>
+                      <a:prstDash val="solid"/>
+                      <a:round/>
+                      <a:headEnd type="none" w="med" len="med"/>
+                      <a:tailEnd type="none" w="med" len="med"/>
+                    </a:lnL>
+                    <a:lnR w="12700" cap="flat" cmpd="sng" algn="ctr">
+                      <a:solidFill>
+                        <a:schemeClr val="tx1"/>
+                      </a:solidFill>
+                      <a:prstDash val="solid"/>
+                      <a:round/>
+                      <a:headEnd type="none" w="med" len="med"/>
+                      <a:tailEnd type="none" w="med" len="med"/>
+                    </a:lnR>
+                    <a:lnT w="12700" cap="flat" cmpd="sng" algn="ctr">
+                      <a:solidFill>
+                        <a:schemeClr val="tx1"/>
+                      </a:solidFill>
+                      <a:prstDash val="solid"/>
+                      <a:round/>
+                      <a:headEnd type="none" w="med" len="med"/>
+                      <a:tailEnd type="none" w="med" len="med"/>
+                    </a:lnT>
+                    <a:lnB w="12700" cap="flat" cmpd="sng" algn="ctr">
+                      <a:noFill/>
+                      <a:prstDash val="solid"/>
+                      <a:round/>
+                      <a:headEnd type="none" w="med" len="med"/>
+                      <a:tailEnd type="none" w="med" len="med"/>
+                    </a:lnB>
+                  </a:tcPr>
+                </a:tc>
+                <a:tc>
+                  <a:txBody>
+                    <a:bodyPr/>
+                    <a:lstStyle/>
+                    <a:p>
+                      <a:pPr algn="ctr" fontAlgn="ctr"/>
+                      <a:r>
+                        <a:rPr lang="en-US" sz="1400" u="none" strike="noStrike" dirty="0">
+                          <a:effectLst/>
+                        </a:rPr>
+                        <a:t>0.1065 sec</a:t>
+                      </a:r>
+                      <a:endParaRPr lang="en-US" sz="1400" b="0" i="0" u="none" strike="noStrike" dirty="0">
+                        <a:solidFill>
+                          <a:srgbClr val="000000"/>
+                        </a:solidFill>
+                        <a:effectLst/>
+                        <a:latin typeface="Times New Roman" panose="02020603050405020304" pitchFamily="18" charset="0"/>
+                      </a:endParaRPr>
+                    </a:p>
+                  </a:txBody>
+                  <a:tcPr marL="9525" marR="9525" marT="9525" marB="0" anchor="ctr">
+                    <a:lnL w="12700" cap="flat" cmpd="sng" algn="ctr">
+                      <a:solidFill>
+                        <a:schemeClr val="tx1"/>
+                      </a:solidFill>
+                      <a:prstDash val="solid"/>
+                      <a:round/>
+                      <a:headEnd type="none" w="med" len="med"/>
+                      <a:tailEnd type="none" w="med" len="med"/>
+                    </a:lnL>
+                    <a:lnR w="19050" cap="flat" cmpd="sng" algn="ctr">
+                      <a:solidFill>
+                        <a:schemeClr val="tx1"/>
+                      </a:solidFill>
+                      <a:prstDash val="solid"/>
+                      <a:round/>
+                      <a:headEnd type="none" w="med" len="med"/>
+                      <a:tailEnd type="none" w="med" len="med"/>
+                    </a:lnR>
+                    <a:lnT w="12700" cap="flat" cmpd="sng" algn="ctr">
+                      <a:solidFill>
+                        <a:schemeClr val="tx1"/>
+                      </a:solidFill>
+                      <a:prstDash val="solid"/>
+                      <a:round/>
+                      <a:headEnd type="none" w="med" len="med"/>
+                      <a:tailEnd type="none" w="med" len="med"/>
+                    </a:lnT>
+                    <a:lnB w="12700" cap="flat" cmpd="sng" algn="ctr">
+                      <a:noFill/>
+                      <a:prstDash val="solid"/>
+                      <a:round/>
+                      <a:headEnd type="none" w="med" len="med"/>
+                      <a:tailEnd type="none" w="med" len="med"/>
+                    </a:lnB>
+                  </a:tcPr>
+                </a:tc>
+                <a:tc>
+                  <a:txBody>
+                    <a:bodyPr/>
+                    <a:lstStyle/>
+                    <a:p>
+                      <a:pPr algn="ctr" fontAlgn="ctr"/>
+                      <a:r>
+                        <a:rPr lang="ru-RU" sz="1400" u="none" strike="noStrike" dirty="0">
+                          <a:effectLst/>
+                        </a:rPr>
+                        <a:t>_</a:t>
+                      </a:r>
+                      <a:endParaRPr lang="ru-RU" sz="1400" b="0" i="0" u="none" strike="noStrike" dirty="0">
+                        <a:solidFill>
+                          <a:srgbClr val="000000"/>
+                        </a:solidFill>
+                        <a:effectLst/>
+                        <a:latin typeface="Times New Roman" panose="02020603050405020304" pitchFamily="18" charset="0"/>
+                      </a:endParaRPr>
+                    </a:p>
+                  </a:txBody>
+                  <a:tcPr marL="9525" marR="9525" marT="9525" marB="0" anchor="ctr">
+                    <a:lnL w="19050" cap="flat" cmpd="sng" algn="ctr">
+                      <a:solidFill>
+                        <a:schemeClr val="tx1"/>
+                      </a:solidFill>
+                      <a:prstDash val="solid"/>
+                      <a:round/>
+                      <a:headEnd type="none" w="med" len="med"/>
+                      <a:tailEnd type="none" w="med" len="med"/>
+                    </a:lnL>
+                    <a:lnR w="12700" cap="flat" cmpd="sng" algn="ctr">
+                      <a:solidFill>
+                        <a:schemeClr val="tx1"/>
+                      </a:solidFill>
+                      <a:prstDash val="solid"/>
+                      <a:round/>
+                      <a:headEnd type="none" w="med" len="med"/>
+                      <a:tailEnd type="none" w="med" len="med"/>
+                    </a:lnR>
+                    <a:lnT w="12700" cap="flat" cmpd="sng" algn="ctr">
+                      <a:solidFill>
+                        <a:schemeClr val="tx1"/>
+                      </a:solidFill>
+                      <a:prstDash val="solid"/>
+                      <a:round/>
+                      <a:headEnd type="none" w="med" len="med"/>
+                      <a:tailEnd type="none" w="med" len="med"/>
+                    </a:lnT>
+                    <a:lnB w="12700" cap="flat" cmpd="sng" algn="ctr">
+                      <a:noFill/>
+                      <a:prstDash val="solid"/>
+                      <a:round/>
+                      <a:headEnd type="none" w="med" len="med"/>
+                      <a:tailEnd type="none" w="med" len="med"/>
+                    </a:lnB>
+                  </a:tcPr>
+                </a:tc>
+                <a:tc>
+                  <a:txBody>
+                    <a:bodyPr/>
+                    <a:lstStyle/>
+                    <a:p>
+                      <a:pPr algn="ctr" fontAlgn="ctr"/>
+                      <a:r>
+                        <a:rPr lang="ru-RU" sz="1400" u="none" strike="noStrike" dirty="0">
+                          <a:effectLst/>
+                        </a:rPr>
+                        <a:t>_</a:t>
+                      </a:r>
+                      <a:endParaRPr lang="ru-RU" sz="1400" b="0" i="0" u="none" strike="noStrike" dirty="0">
+                        <a:solidFill>
+                          <a:srgbClr val="000000"/>
+                        </a:solidFill>
+                        <a:effectLst/>
+                        <a:latin typeface="Times New Roman" panose="02020603050405020304" pitchFamily="18" charset="0"/>
+                      </a:endParaRPr>
+                    </a:p>
+                  </a:txBody>
+                  <a:tcPr marL="9525" marR="9525" marT="9525" marB="0" anchor="ctr">
+                    <a:lnL w="12700" cap="flat" cmpd="sng" algn="ctr">
+                      <a:solidFill>
+                        <a:schemeClr val="tx1"/>
+                      </a:solidFill>
+                      <a:prstDash val="solid"/>
+                      <a:round/>
+                      <a:headEnd type="none" w="med" len="med"/>
+                      <a:tailEnd type="none" w="med" len="med"/>
+                    </a:lnL>
+                    <a:lnR w="12700" cap="flat" cmpd="sng" algn="ctr">
+                      <a:solidFill>
+                        <a:schemeClr val="tx1"/>
+                      </a:solidFill>
+                      <a:prstDash val="solid"/>
+                      <a:round/>
+                      <a:headEnd type="none" w="med" len="med"/>
+                      <a:tailEnd type="none" w="med" len="med"/>
+                    </a:lnR>
+                    <a:lnT w="12700" cap="flat" cmpd="sng" algn="ctr">
+                      <a:solidFill>
+                        <a:schemeClr val="tx1"/>
+                      </a:solidFill>
+                      <a:prstDash val="solid"/>
+                      <a:round/>
+                      <a:headEnd type="none" w="med" len="med"/>
+                      <a:tailEnd type="none" w="med" len="med"/>
+                    </a:lnT>
+                    <a:lnB w="12700" cap="flat" cmpd="sng" algn="ctr">
+                      <a:noFill/>
+                      <a:prstDash val="solid"/>
+                      <a:round/>
+                      <a:headEnd type="none" w="med" len="med"/>
+                      <a:tailEnd type="none" w="med" len="med"/>
+                    </a:lnB>
+                  </a:tcPr>
+                </a:tc>
+                <a:tc>
+                  <a:txBody>
+                    <a:bodyPr/>
+                    <a:lstStyle/>
+                    <a:p>
+                      <a:pPr algn="ctr" fontAlgn="ctr"/>
+                      <a:r>
+                        <a:rPr lang="ru-RU" sz="1400" u="none" strike="noStrike" dirty="0">
+                          <a:effectLst/>
+                        </a:rPr>
+                        <a:t>_</a:t>
+                      </a:r>
+                      <a:endParaRPr lang="ru-RU" sz="1400" b="0" i="0" u="none" strike="noStrike" dirty="0">
+                        <a:solidFill>
+                          <a:srgbClr val="000000"/>
+                        </a:solidFill>
+                        <a:effectLst/>
+                        <a:latin typeface="Times New Roman" panose="02020603050405020304" pitchFamily="18" charset="0"/>
+                      </a:endParaRPr>
+                    </a:p>
+                  </a:txBody>
+                  <a:tcPr marL="9525" marR="9525" marT="9525" marB="0" anchor="ctr">
+                    <a:lnL w="12700" cap="flat" cmpd="sng" algn="ctr">
+                      <a:solidFill>
+                        <a:schemeClr val="tx1"/>
+                      </a:solidFill>
+                      <a:prstDash val="solid"/>
+                      <a:round/>
+                      <a:headEnd type="none" w="med" len="med"/>
+                      <a:tailEnd type="none" w="med" len="med"/>
+                    </a:lnL>
+                    <a:lnR w="12700" cap="flat" cmpd="sng" algn="ctr">
+                      <a:solidFill>
+                        <a:schemeClr val="tx1"/>
+                      </a:solidFill>
+                      <a:prstDash val="solid"/>
+                      <a:round/>
+                      <a:headEnd type="none" w="med" len="med"/>
+                      <a:tailEnd type="none" w="med" len="med"/>
+                    </a:lnR>
+                    <a:lnT w="12700" cap="flat" cmpd="sng" algn="ctr">
+                      <a:solidFill>
+                        <a:schemeClr val="tx1"/>
+                      </a:solidFill>
+                      <a:prstDash val="solid"/>
+                      <a:round/>
+                      <a:headEnd type="none" w="med" len="med"/>
+                      <a:tailEnd type="none" w="med" len="med"/>
+                    </a:lnT>
+                    <a:lnB w="12700" cap="flat" cmpd="sng" algn="ctr">
+                      <a:noFill/>
+                      <a:prstDash val="solid"/>
+                      <a:round/>
+                      <a:headEnd type="none" w="med" len="med"/>
+                      <a:tailEnd type="none" w="med" len="med"/>
+                    </a:lnB>
+                  </a:tcPr>
+                </a:tc>
+                <a:tc>
+                  <a:txBody>
+                    <a:bodyPr/>
+                    <a:lstStyle/>
+                    <a:p>
+                      <a:pPr algn="ctr" fontAlgn="ctr"/>
+                      <a:r>
+                        <a:rPr lang="ru-RU" sz="1400" u="none" strike="noStrike" dirty="0">
+                          <a:effectLst/>
+                        </a:rPr>
+                        <a:t>_</a:t>
+                      </a:r>
+                      <a:endParaRPr lang="ru-RU" sz="1400" b="0" i="0" u="none" strike="noStrike" dirty="0">
+                        <a:solidFill>
+                          <a:srgbClr val="000000"/>
+                        </a:solidFill>
+                        <a:effectLst/>
+                        <a:latin typeface="Times New Roman" panose="02020603050405020304" pitchFamily="18" charset="0"/>
+                      </a:endParaRPr>
+                    </a:p>
+                  </a:txBody>
+                  <a:tcPr marL="9525" marR="9525" marT="9525" marB="0" anchor="ctr">
+                    <a:lnL w="12700" cap="flat" cmpd="sng" algn="ctr">
+                      <a:solidFill>
+                        <a:schemeClr val="tx1"/>
+                      </a:solidFill>
+                      <a:prstDash val="solid"/>
+                      <a:round/>
+                      <a:headEnd type="none" w="med" len="med"/>
+                      <a:tailEnd type="none" w="med" len="med"/>
+                    </a:lnL>
+                    <a:lnR w="28575" cap="flat" cmpd="sng" algn="ctr">
+                      <a:solidFill>
+                        <a:schemeClr val="tx1"/>
+                      </a:solidFill>
+                      <a:prstDash val="solid"/>
+                      <a:round/>
+                      <a:headEnd type="none" w="med" len="med"/>
+                      <a:tailEnd type="none" w="med" len="med"/>
+                    </a:lnR>
+                    <a:lnT w="12700" cap="flat" cmpd="sng" algn="ctr">
+                      <a:solidFill>
+                        <a:schemeClr val="tx1"/>
+                      </a:solidFill>
+                      <a:prstDash val="solid"/>
+                      <a:round/>
+                      <a:headEnd type="none" w="med" len="med"/>
+                      <a:tailEnd type="none" w="med" len="med"/>
+                    </a:lnT>
+                    <a:lnB w="12700" cap="flat" cmpd="sng" algn="ctr">
+                      <a:noFill/>
+                      <a:prstDash val="solid"/>
+                      <a:round/>
+                      <a:headEnd type="none" w="med" len="med"/>
+                      <a:tailEnd type="none" w="med" len="med"/>
+                    </a:lnB>
+                  </a:tcPr>
+                </a:tc>
+                <a:extLst>
+                  <a:ext uri="{0D108BD9-81ED-4DB2-BD59-A6C34878D82A}">
+                    <a16:rowId xmlns:a16="http://schemas.microsoft.com/office/drawing/2014/main" val="1482842786"/>
+                  </a:ext>
+                </a:extLst>
+              </a:tr>
+              <a:tr h="409575">
+                <a:tc vMerge="1">
+                  <a:txBody>
+                    <a:bodyPr/>
+                    <a:lstStyle/>
+                    <a:p>
+                      <a:endParaRPr lang="ru-RU"/>
+                    </a:p>
+                  </a:txBody>
+                  <a:tcPr/>
+                </a:tc>
+                <a:tc>
+                  <a:txBody>
+                    <a:bodyPr/>
+                    <a:lstStyle/>
+                    <a:p>
+                      <a:pPr algn="ctr" fontAlgn="ctr"/>
+                      <a:r>
+                        <a:rPr lang="ru-RU" sz="1400" u="none" strike="noStrike" dirty="0">
+                          <a:effectLst/>
+                        </a:rPr>
+                        <a:t>15            3</a:t>
+                      </a:r>
+                      <a:endParaRPr lang="ru-RU" sz="1400" b="0" i="0" u="none" strike="noStrike" dirty="0">
+                        <a:solidFill>
+                          <a:srgbClr val="000000"/>
+                        </a:solidFill>
+                        <a:effectLst/>
+                        <a:latin typeface="Times New Roman" panose="02020603050405020304" pitchFamily="18" charset="0"/>
+                      </a:endParaRPr>
+                    </a:p>
+                  </a:txBody>
+                  <a:tcPr marL="9525" marR="9525" marT="9525" marB="0" anchor="ctr">
+                    <a:lnL w="19050" cap="flat" cmpd="sng" algn="ctr">
+                      <a:solidFill>
+                        <a:schemeClr val="tx1"/>
+                      </a:solidFill>
+                      <a:prstDash val="solid"/>
+                      <a:round/>
+                      <a:headEnd type="none" w="med" len="med"/>
+                      <a:tailEnd type="none" w="med" len="med"/>
+                    </a:lnL>
+                    <a:lnR w="12700" cap="flat" cmpd="sng" algn="ctr">
+                      <a:solidFill>
+                        <a:schemeClr val="tx1"/>
+                      </a:solidFill>
+                      <a:prstDash val="solid"/>
+                      <a:round/>
+                      <a:headEnd type="none" w="med" len="med"/>
+                      <a:tailEnd type="none" w="med" len="med"/>
+                    </a:lnR>
+                    <a:lnT w="12700" cap="flat" cmpd="sng" algn="ctr">
+                      <a:noFill/>
+                      <a:prstDash val="solid"/>
+                      <a:round/>
+                      <a:headEnd type="none" w="med" len="med"/>
+                      <a:tailEnd type="none" w="med" len="med"/>
+                    </a:lnT>
+                  </a:tcPr>
+                </a:tc>
+                <a:tc>
+                  <a:txBody>
+                    <a:bodyPr/>
+                    <a:lstStyle/>
+                    <a:p>
+                      <a:pPr algn="ctr" fontAlgn="ctr"/>
+                      <a:r>
+                        <a:rPr lang="en-US" sz="1400" u="none" strike="noStrike" dirty="0">
+                          <a:effectLst/>
+                        </a:rPr>
+                        <a:t>4.7 sec</a:t>
+                      </a:r>
+                      <a:endParaRPr lang="en-US" sz="1400" b="0" i="0" u="none" strike="noStrike" dirty="0">
+                        <a:solidFill>
+                          <a:srgbClr val="000000"/>
+                        </a:solidFill>
+                        <a:effectLst/>
+                        <a:latin typeface="Times New Roman" panose="02020603050405020304" pitchFamily="18" charset="0"/>
+                      </a:endParaRPr>
+                    </a:p>
+                  </a:txBody>
+                  <a:tcPr marL="9525" marR="9525" marT="9525" marB="0" anchor="ctr">
+                    <a:lnL w="12700" cap="flat" cmpd="sng" algn="ctr">
+                      <a:solidFill>
+                        <a:schemeClr val="tx1"/>
+                      </a:solidFill>
+                      <a:prstDash val="solid"/>
+                      <a:round/>
+                      <a:headEnd type="none" w="med" len="med"/>
+                      <a:tailEnd type="none" w="med" len="med"/>
+                    </a:lnL>
+                    <a:lnR w="12700" cap="flat" cmpd="sng" algn="ctr">
+                      <a:solidFill>
+                        <a:schemeClr val="tx1"/>
+                      </a:solidFill>
+                      <a:prstDash val="solid"/>
+                      <a:round/>
+                      <a:headEnd type="none" w="med" len="med"/>
+                      <a:tailEnd type="none" w="med" len="med"/>
+                    </a:lnR>
+                    <a:lnT w="12700" cap="flat" cmpd="sng" algn="ctr">
+                      <a:noFill/>
+                      <a:prstDash val="solid"/>
+                      <a:round/>
+                      <a:headEnd type="none" w="med" len="med"/>
+                      <a:tailEnd type="none" w="med" len="med"/>
+                    </a:lnT>
+                  </a:tcPr>
+                </a:tc>
+                <a:tc>
+                  <a:txBody>
+                    <a:bodyPr/>
+                    <a:lstStyle/>
+                    <a:p>
+                      <a:pPr algn="ctr" fontAlgn="ctr"/>
+                      <a:r>
+                        <a:rPr lang="en-US" sz="1400" u="none" strike="noStrike" dirty="0">
+                          <a:effectLst/>
+                        </a:rPr>
+                        <a:t>0.097 sec</a:t>
+                      </a:r>
+                      <a:endParaRPr lang="en-US" sz="1400" b="0" i="0" u="none" strike="noStrike" dirty="0">
+                        <a:solidFill>
+                          <a:srgbClr val="000000"/>
+                        </a:solidFill>
+                        <a:effectLst/>
+                        <a:latin typeface="Times New Roman" panose="02020603050405020304" pitchFamily="18" charset="0"/>
+                      </a:endParaRPr>
+                    </a:p>
+                  </a:txBody>
+                  <a:tcPr marL="9525" marR="9525" marT="9525" marB="0" anchor="ctr">
+                    <a:lnL w="12700" cap="flat" cmpd="sng" algn="ctr">
+                      <a:solidFill>
+                        <a:schemeClr val="tx1"/>
+                      </a:solidFill>
+                      <a:prstDash val="solid"/>
+                      <a:round/>
+                      <a:headEnd type="none" w="med" len="med"/>
+                      <a:tailEnd type="none" w="med" len="med"/>
+                    </a:lnL>
+                    <a:lnR w="12700" cap="flat" cmpd="sng" algn="ctr">
+                      <a:solidFill>
+                        <a:schemeClr val="tx1"/>
+                      </a:solidFill>
+                      <a:prstDash val="solid"/>
+                      <a:round/>
+                      <a:headEnd type="none" w="med" len="med"/>
+                      <a:tailEnd type="none" w="med" len="med"/>
+                    </a:lnR>
+                    <a:lnT w="12700" cap="flat" cmpd="sng" algn="ctr">
+                      <a:noFill/>
+                      <a:prstDash val="solid"/>
+                      <a:round/>
+                      <a:headEnd type="none" w="med" len="med"/>
+                      <a:tailEnd type="none" w="med" len="med"/>
+                    </a:lnT>
+                  </a:tcPr>
+                </a:tc>
+                <a:tc>
+                  <a:txBody>
+                    <a:bodyPr/>
+                    <a:lstStyle/>
+                    <a:p>
+                      <a:pPr algn="ctr" fontAlgn="ctr"/>
+                      <a:r>
+                        <a:rPr lang="en-US" sz="1400" u="none" strike="noStrike" dirty="0">
+                          <a:effectLst/>
+                        </a:rPr>
+                        <a:t>1.827 sec</a:t>
+                      </a:r>
+                      <a:endParaRPr lang="en-US" sz="1400" b="0" i="0" u="none" strike="noStrike" dirty="0">
+                        <a:solidFill>
+                          <a:srgbClr val="000000"/>
+                        </a:solidFill>
+                        <a:effectLst/>
+                        <a:latin typeface="Times New Roman" panose="02020603050405020304" pitchFamily="18" charset="0"/>
+                      </a:endParaRPr>
+                    </a:p>
+                  </a:txBody>
+                  <a:tcPr marL="9525" marR="9525" marT="9525" marB="0" anchor="ctr">
+                    <a:lnL w="12700" cap="flat" cmpd="sng" algn="ctr">
+                      <a:solidFill>
+                        <a:schemeClr val="tx1"/>
+                      </a:solidFill>
+                      <a:prstDash val="solid"/>
+                      <a:round/>
+                      <a:headEnd type="none" w="med" len="med"/>
+                      <a:tailEnd type="none" w="med" len="med"/>
+                    </a:lnL>
+                    <a:lnR w="19050" cap="flat" cmpd="sng" algn="ctr">
+                      <a:solidFill>
+                        <a:schemeClr val="tx1"/>
+                      </a:solidFill>
+                      <a:prstDash val="solid"/>
+                      <a:round/>
+                      <a:headEnd type="none" w="med" len="med"/>
+                      <a:tailEnd type="none" w="med" len="med"/>
+                    </a:lnR>
+                    <a:lnT w="12700" cap="flat" cmpd="sng" algn="ctr">
+                      <a:noFill/>
+                      <a:prstDash val="solid"/>
+                      <a:round/>
+                      <a:headEnd type="none" w="med" len="med"/>
+                      <a:tailEnd type="none" w="med" len="med"/>
+                    </a:lnT>
+                  </a:tcPr>
+                </a:tc>
+                <a:tc>
+                  <a:txBody>
+                    <a:bodyPr/>
+                    <a:lstStyle/>
+                    <a:p>
+                      <a:pPr algn="ctr" fontAlgn="ctr"/>
+                      <a:r>
+                        <a:rPr lang="en-US" sz="1400" u="none" strike="noStrike" dirty="0">
+                          <a:effectLst/>
+                        </a:rPr>
+                        <a:t>0.002969 sec</a:t>
+                      </a:r>
+                      <a:endParaRPr lang="en-US" sz="1400" b="0" i="0" u="none" strike="noStrike" dirty="0">
+                        <a:solidFill>
+                          <a:srgbClr val="000000"/>
+                        </a:solidFill>
+                        <a:effectLst/>
+                        <a:latin typeface="Times New Roman" panose="02020603050405020304" pitchFamily="18" charset="0"/>
+                      </a:endParaRPr>
+                    </a:p>
+                  </a:txBody>
+                  <a:tcPr marL="9525" marR="9525" marT="9525" marB="0" anchor="ctr">
+                    <a:lnL w="19050" cap="flat" cmpd="sng" algn="ctr">
+                      <a:solidFill>
+                        <a:schemeClr val="tx1"/>
+                      </a:solidFill>
+                      <a:prstDash val="solid"/>
+                      <a:round/>
+                      <a:headEnd type="none" w="med" len="med"/>
+                      <a:tailEnd type="none" w="med" len="med"/>
+                    </a:lnL>
+                    <a:lnR w="12700" cap="flat" cmpd="sng" algn="ctr">
+                      <a:solidFill>
+                        <a:schemeClr val="tx1"/>
+                      </a:solidFill>
+                      <a:prstDash val="solid"/>
+                      <a:round/>
+                      <a:headEnd type="none" w="med" len="med"/>
+                      <a:tailEnd type="none" w="med" len="med"/>
+                    </a:lnR>
+                    <a:lnT w="12700" cap="flat" cmpd="sng" algn="ctr">
+                      <a:noFill/>
+                      <a:prstDash val="solid"/>
+                      <a:round/>
+                      <a:headEnd type="none" w="med" len="med"/>
+                      <a:tailEnd type="none" w="med" len="med"/>
+                    </a:lnT>
+                    <a:lnB w="12700" cap="flat" cmpd="sng" algn="ctr">
+                      <a:noFill/>
+                      <a:prstDash val="solid"/>
+                      <a:round/>
+                      <a:headEnd type="none" w="med" len="med"/>
+                      <a:tailEnd type="none" w="med" len="med"/>
+                    </a:lnB>
+                  </a:tcPr>
+                </a:tc>
+                <a:tc>
+                  <a:txBody>
+                    <a:bodyPr/>
+                    <a:lstStyle/>
+                    <a:p>
+                      <a:pPr algn="ctr" fontAlgn="ctr"/>
+                      <a:r>
+                        <a:rPr lang="ru-RU" sz="1400" u="none" strike="noStrike" dirty="0">
+                          <a:effectLst/>
+                        </a:rPr>
+                        <a:t>_</a:t>
+                      </a:r>
+                      <a:endParaRPr lang="ru-RU" sz="1400" b="0" i="0" u="none" strike="noStrike" dirty="0">
+                        <a:solidFill>
+                          <a:srgbClr val="000000"/>
+                        </a:solidFill>
+                        <a:effectLst/>
+                        <a:latin typeface="Times New Roman" panose="02020603050405020304" pitchFamily="18" charset="0"/>
+                      </a:endParaRPr>
+                    </a:p>
+                  </a:txBody>
+                  <a:tcPr marL="9525" marR="9525" marT="9525" marB="0" anchor="ctr">
+                    <a:lnL w="12700" cap="flat" cmpd="sng" algn="ctr">
+                      <a:solidFill>
+                        <a:schemeClr val="tx1"/>
+                      </a:solidFill>
+                      <a:prstDash val="solid"/>
+                      <a:round/>
+                      <a:headEnd type="none" w="med" len="med"/>
+                      <a:tailEnd type="none" w="med" len="med"/>
+                    </a:lnL>
+                    <a:lnR w="12700" cap="flat" cmpd="sng" algn="ctr">
+                      <a:solidFill>
+                        <a:schemeClr val="tx1"/>
+                      </a:solidFill>
+                      <a:prstDash val="solid"/>
+                      <a:round/>
+                      <a:headEnd type="none" w="med" len="med"/>
+                      <a:tailEnd type="none" w="med" len="med"/>
+                    </a:lnR>
+                    <a:lnT w="12700" cap="flat" cmpd="sng" algn="ctr">
+                      <a:noFill/>
+                      <a:prstDash val="solid"/>
+                      <a:round/>
+                      <a:headEnd type="none" w="med" len="med"/>
+                      <a:tailEnd type="none" w="med" len="med"/>
+                    </a:lnT>
+                  </a:tcPr>
+                </a:tc>
+                <a:tc>
+                  <a:txBody>
+                    <a:bodyPr/>
+                    <a:lstStyle/>
+                    <a:p>
+                      <a:pPr algn="ctr" fontAlgn="ctr"/>
+                      <a:r>
+                        <a:rPr lang="ru-RU" sz="1400" u="none" strike="noStrike" dirty="0">
+                          <a:effectLst/>
+                        </a:rPr>
+                        <a:t>_</a:t>
+                      </a:r>
+                      <a:endParaRPr lang="ru-RU" sz="1400" b="0" i="0" u="none" strike="noStrike" dirty="0">
+                        <a:solidFill>
+                          <a:srgbClr val="000000"/>
+                        </a:solidFill>
+                        <a:effectLst/>
+                        <a:latin typeface="Times New Roman" panose="02020603050405020304" pitchFamily="18" charset="0"/>
+                      </a:endParaRPr>
+                    </a:p>
+                  </a:txBody>
+                  <a:tcPr marL="9525" marR="9525" marT="9525" marB="0" anchor="ctr">
+                    <a:lnL w="12700" cap="flat" cmpd="sng" algn="ctr">
+                      <a:solidFill>
+                        <a:schemeClr val="tx1"/>
+                      </a:solidFill>
+                      <a:prstDash val="solid"/>
+                      <a:round/>
+                      <a:headEnd type="none" w="med" len="med"/>
+                      <a:tailEnd type="none" w="med" len="med"/>
+                    </a:lnL>
+                    <a:lnR w="12700" cap="flat" cmpd="sng" algn="ctr">
+                      <a:solidFill>
+                        <a:schemeClr val="tx1"/>
+                      </a:solidFill>
+                      <a:prstDash val="solid"/>
+                      <a:round/>
+                      <a:headEnd type="none" w="med" len="med"/>
+                      <a:tailEnd type="none" w="med" len="med"/>
+                    </a:lnR>
+                    <a:lnT w="12700" cap="flat" cmpd="sng" algn="ctr">
+                      <a:noFill/>
+                      <a:prstDash val="solid"/>
+                      <a:round/>
+                      <a:headEnd type="none" w="med" len="med"/>
+                      <a:tailEnd type="none" w="med" len="med"/>
+                    </a:lnT>
+                  </a:tcPr>
+                </a:tc>
+                <a:tc>
+                  <a:txBody>
+                    <a:bodyPr/>
+                    <a:lstStyle/>
+                    <a:p>
+                      <a:pPr algn="ctr" fontAlgn="ctr"/>
+                      <a:r>
+                        <a:rPr lang="ru-RU" sz="1400" u="none" strike="noStrike" dirty="0">
+                          <a:effectLst/>
+                        </a:rPr>
+                        <a:t>_</a:t>
+                      </a:r>
+                      <a:endParaRPr lang="ru-RU" sz="1400" b="0" i="0" u="none" strike="noStrike" dirty="0">
+                        <a:solidFill>
+                          <a:srgbClr val="000000"/>
+                        </a:solidFill>
+                        <a:effectLst/>
+                        <a:latin typeface="Times New Roman" panose="02020603050405020304" pitchFamily="18" charset="0"/>
+                      </a:endParaRPr>
+                    </a:p>
+                  </a:txBody>
+                  <a:tcPr marL="9525" marR="9525" marT="9525" marB="0" anchor="ctr">
+                    <a:lnL w="12700" cap="flat" cmpd="sng" algn="ctr">
+                      <a:solidFill>
+                        <a:schemeClr val="tx1"/>
+                      </a:solidFill>
+                      <a:prstDash val="solid"/>
+                      <a:round/>
+                      <a:headEnd type="none" w="med" len="med"/>
+                      <a:tailEnd type="none" w="med" len="med"/>
+                    </a:lnL>
+                    <a:lnR w="28575" cap="flat" cmpd="sng" algn="ctr">
+                      <a:solidFill>
+                        <a:schemeClr val="tx1"/>
+                      </a:solidFill>
+                      <a:prstDash val="solid"/>
+                      <a:round/>
+                      <a:headEnd type="none" w="med" len="med"/>
+                      <a:tailEnd type="none" w="med" len="med"/>
+                    </a:lnR>
+                    <a:lnT w="12700" cap="flat" cmpd="sng" algn="ctr">
+                      <a:noFill/>
+                      <a:prstDash val="solid"/>
+                      <a:round/>
+                      <a:headEnd type="none" w="med" len="med"/>
+                      <a:tailEnd type="none" w="med" len="med"/>
+                    </a:lnT>
+                  </a:tcPr>
+                </a:tc>
+                <a:extLst>
+                  <a:ext uri="{0D108BD9-81ED-4DB2-BD59-A6C34878D82A}">
+                    <a16:rowId xmlns:a16="http://schemas.microsoft.com/office/drawing/2014/main" val="4239839435"/>
+                  </a:ext>
+                </a:extLst>
+              </a:tr>
+              <a:tr h="323850">
+                <a:tc vMerge="1">
+                  <a:txBody>
+                    <a:bodyPr/>
+                    <a:lstStyle/>
+                    <a:p>
+                      <a:endParaRPr lang="ru-RU"/>
+                    </a:p>
+                  </a:txBody>
+                  <a:tcPr/>
+                </a:tc>
+                <a:tc>
+                  <a:txBody>
+                    <a:bodyPr/>
+                    <a:lstStyle/>
+                    <a:p>
+                      <a:pPr algn="ctr" fontAlgn="ctr"/>
+                      <a:r>
+                        <a:rPr lang="ru-RU" sz="1400" u="none" strike="noStrike" dirty="0">
+                          <a:effectLst/>
+                        </a:rPr>
+                        <a:t>50            6</a:t>
+                      </a:r>
+                      <a:endParaRPr lang="ru-RU" sz="1400" b="0" i="0" u="none" strike="noStrike" dirty="0">
+                        <a:solidFill>
+                          <a:srgbClr val="000000"/>
+                        </a:solidFill>
+                        <a:effectLst/>
+                        <a:latin typeface="Times New Roman" panose="02020603050405020304" pitchFamily="18" charset="0"/>
+                      </a:endParaRPr>
+                    </a:p>
+                  </a:txBody>
+                  <a:tcPr marL="9525" marR="9525" marT="9525" marB="0" anchor="ctr">
+                    <a:lnL w="19050" cap="flat" cmpd="sng" algn="ctr">
+                      <a:solidFill>
+                        <a:schemeClr val="tx1"/>
+                      </a:solidFill>
+                      <a:prstDash val="solid"/>
+                      <a:round/>
+                      <a:headEnd type="none" w="med" len="med"/>
+                      <a:tailEnd type="none" w="med" len="med"/>
+                    </a:lnL>
+                    <a:lnR w="12700" cap="flat" cmpd="sng" algn="ctr">
+                      <a:solidFill>
+                        <a:schemeClr val="tx1"/>
+                      </a:solidFill>
+                      <a:prstDash val="solid"/>
+                      <a:round/>
+                      <a:headEnd type="none" w="med" len="med"/>
+                      <a:tailEnd type="none" w="med" len="med"/>
+                    </a:lnR>
+                  </a:tcPr>
+                </a:tc>
+                <a:tc>
+                  <a:txBody>
+                    <a:bodyPr/>
+                    <a:lstStyle/>
+                    <a:p>
+                      <a:pPr algn="ctr" fontAlgn="ctr"/>
+                      <a:r>
+                        <a:rPr lang="ru-RU" sz="1400" u="none" strike="noStrike" dirty="0">
+                          <a:effectLst/>
+                        </a:rPr>
+                        <a:t>_</a:t>
+                      </a:r>
+                      <a:endParaRPr lang="ru-RU" sz="1400" b="0" i="0" u="none" strike="noStrike" dirty="0">
+                        <a:solidFill>
+                          <a:srgbClr val="000000"/>
+                        </a:solidFill>
+                        <a:effectLst/>
+                        <a:latin typeface="Times New Roman" panose="02020603050405020304" pitchFamily="18" charset="0"/>
+                      </a:endParaRPr>
+                    </a:p>
+                  </a:txBody>
+                  <a:tcPr marL="9525" marR="9525" marT="9525" marB="0" anchor="ctr">
+                    <a:lnL w="12700" cap="flat" cmpd="sng" algn="ctr">
+                      <a:solidFill>
+                        <a:schemeClr val="tx1"/>
+                      </a:solidFill>
+                      <a:prstDash val="solid"/>
+                      <a:round/>
+                      <a:headEnd type="none" w="med" len="med"/>
+                      <a:tailEnd type="none" w="med" len="med"/>
+                    </a:lnL>
+                    <a:lnR w="12700" cap="flat" cmpd="sng" algn="ctr">
+                      <a:solidFill>
+                        <a:schemeClr val="tx1"/>
+                      </a:solidFill>
+                      <a:prstDash val="solid"/>
+                      <a:round/>
+                      <a:headEnd type="none" w="med" len="med"/>
+                      <a:tailEnd type="none" w="med" len="med"/>
+                    </a:lnR>
+                  </a:tcPr>
+                </a:tc>
+                <a:tc>
+                  <a:txBody>
+                    <a:bodyPr/>
+                    <a:lstStyle/>
+                    <a:p>
+                      <a:pPr algn="ctr" fontAlgn="ctr"/>
+                      <a:r>
+                        <a:rPr lang="ru-RU" sz="1400" u="none" strike="noStrike" dirty="0">
+                          <a:effectLst/>
+                        </a:rPr>
+                        <a:t>_</a:t>
+                      </a:r>
+                      <a:endParaRPr lang="ru-RU" sz="1400" b="0" i="0" u="none" strike="noStrike" dirty="0">
+                        <a:solidFill>
+                          <a:srgbClr val="000000"/>
+                        </a:solidFill>
+                        <a:effectLst/>
+                        <a:latin typeface="Times New Roman" panose="02020603050405020304" pitchFamily="18" charset="0"/>
+                      </a:endParaRPr>
+                    </a:p>
+                  </a:txBody>
+                  <a:tcPr marL="9525" marR="9525" marT="9525" marB="0" anchor="ctr">
+                    <a:lnL w="12700" cap="flat" cmpd="sng" algn="ctr">
+                      <a:solidFill>
+                        <a:schemeClr val="tx1"/>
+                      </a:solidFill>
+                      <a:prstDash val="solid"/>
+                      <a:round/>
+                      <a:headEnd type="none" w="med" len="med"/>
+                      <a:tailEnd type="none" w="med" len="med"/>
+                    </a:lnL>
+                    <a:lnR w="12700" cap="flat" cmpd="sng" algn="ctr">
+                      <a:solidFill>
+                        <a:schemeClr val="tx1"/>
+                      </a:solidFill>
+                      <a:prstDash val="solid"/>
+                      <a:round/>
+                      <a:headEnd type="none" w="med" len="med"/>
+                      <a:tailEnd type="none" w="med" len="med"/>
+                    </a:lnR>
+                  </a:tcPr>
+                </a:tc>
+                <a:tc>
+                  <a:txBody>
+                    <a:bodyPr/>
+                    <a:lstStyle/>
+                    <a:p>
+                      <a:pPr algn="ctr" fontAlgn="ctr"/>
+                      <a:r>
+                        <a:rPr lang="ru-RU" sz="1400" u="none" strike="noStrike" dirty="0">
+                          <a:effectLst/>
+                        </a:rPr>
+                        <a:t>_</a:t>
+                      </a:r>
+                      <a:endParaRPr lang="ru-RU" sz="1400" b="0" i="0" u="none" strike="noStrike" dirty="0">
+                        <a:solidFill>
+                          <a:srgbClr val="000000"/>
+                        </a:solidFill>
+                        <a:effectLst/>
+                        <a:latin typeface="Times New Roman" panose="02020603050405020304" pitchFamily="18" charset="0"/>
+                      </a:endParaRPr>
+                    </a:p>
+                  </a:txBody>
+                  <a:tcPr marL="9525" marR="9525" marT="9525" marB="0" anchor="ctr">
+                    <a:lnL w="12700" cap="flat" cmpd="sng" algn="ctr">
+                      <a:solidFill>
+                        <a:schemeClr val="tx1"/>
+                      </a:solidFill>
+                      <a:prstDash val="solid"/>
+                      <a:round/>
+                      <a:headEnd type="none" w="med" len="med"/>
+                      <a:tailEnd type="none" w="med" len="med"/>
+                    </a:lnL>
+                    <a:lnR w="19050" cap="flat" cmpd="sng" algn="ctr">
+                      <a:solidFill>
+                        <a:schemeClr val="tx1"/>
+                      </a:solidFill>
+                      <a:prstDash val="solid"/>
+                      <a:round/>
+                      <a:headEnd type="none" w="med" len="med"/>
+                      <a:tailEnd type="none" w="med" len="med"/>
+                    </a:lnR>
+                  </a:tcPr>
+                </a:tc>
+                <a:tc>
+                  <a:txBody>
+                    <a:bodyPr/>
+                    <a:lstStyle/>
+                    <a:p>
+                      <a:pPr algn="ctr" fontAlgn="ctr"/>
+                      <a:r>
+                        <a:rPr lang="ru-RU" sz="1400" u="none" strike="noStrike" dirty="0">
+                          <a:effectLst/>
+                        </a:rPr>
+                        <a:t>_</a:t>
+                      </a:r>
+                      <a:endParaRPr lang="ru-RU" sz="1400" b="0" i="0" u="none" strike="noStrike" dirty="0">
+                        <a:solidFill>
+                          <a:srgbClr val="000000"/>
+                        </a:solidFill>
+                        <a:effectLst/>
+                        <a:latin typeface="Times New Roman" panose="02020603050405020304" pitchFamily="18" charset="0"/>
+                      </a:endParaRPr>
+                    </a:p>
+                  </a:txBody>
+                  <a:tcPr marL="9525" marR="9525" marT="9525" marB="0" anchor="ctr">
+                    <a:lnL w="19050" cap="flat" cmpd="sng" algn="ctr">
+                      <a:solidFill>
+                        <a:schemeClr val="tx1"/>
+                      </a:solidFill>
+                      <a:prstDash val="solid"/>
+                      <a:round/>
+                      <a:headEnd type="none" w="med" len="med"/>
+                      <a:tailEnd type="none" w="med" len="med"/>
+                    </a:lnL>
+                    <a:lnR w="12700" cap="flat" cmpd="sng" algn="ctr">
+                      <a:solidFill>
+                        <a:schemeClr val="tx1"/>
+                      </a:solidFill>
+                      <a:prstDash val="solid"/>
+                      <a:round/>
+                      <a:headEnd type="none" w="med" len="med"/>
+                      <a:tailEnd type="none" w="med" len="med"/>
+                    </a:lnR>
+                    <a:lnT w="12700" cap="flat" cmpd="sng" algn="ctr">
+                      <a:noFill/>
+                      <a:prstDash val="solid"/>
+                      <a:round/>
+                      <a:headEnd type="none" w="med" len="med"/>
+                      <a:tailEnd type="none" w="med" len="med"/>
+                    </a:lnT>
+                    <a:lnB w="12700" cap="flat" cmpd="sng" algn="ctr">
+                      <a:noFill/>
+                      <a:prstDash val="solid"/>
+                      <a:round/>
+                      <a:headEnd type="none" w="med" len="med"/>
+                      <a:tailEnd type="none" w="med" len="med"/>
+                    </a:lnB>
+                  </a:tcPr>
+                </a:tc>
+                <a:tc>
+                  <a:txBody>
+                    <a:bodyPr/>
+                    <a:lstStyle/>
+                    <a:p>
+                      <a:pPr algn="ctr" fontAlgn="ctr"/>
+                      <a:r>
+                        <a:rPr lang="ru-RU" sz="1400" u="none" strike="noStrike" dirty="0">
+                          <a:effectLst/>
+                        </a:rPr>
+                        <a:t>_</a:t>
+                      </a:r>
+                      <a:endParaRPr lang="ru-RU" sz="1400" b="0" i="0" u="none" strike="noStrike" dirty="0">
+                        <a:solidFill>
+                          <a:srgbClr val="000000"/>
+                        </a:solidFill>
+                        <a:effectLst/>
+                        <a:latin typeface="Times New Roman" panose="02020603050405020304" pitchFamily="18" charset="0"/>
+                      </a:endParaRPr>
+                    </a:p>
+                  </a:txBody>
+                  <a:tcPr marL="9525" marR="9525" marT="9525" marB="0" anchor="ctr">
+                    <a:lnL w="12700" cap="flat" cmpd="sng" algn="ctr">
+                      <a:solidFill>
+                        <a:schemeClr val="tx1"/>
+                      </a:solidFill>
+                      <a:prstDash val="solid"/>
+                      <a:round/>
+                      <a:headEnd type="none" w="med" len="med"/>
+                      <a:tailEnd type="none" w="med" len="med"/>
+                    </a:lnL>
+                    <a:lnR w="12700" cap="flat" cmpd="sng" algn="ctr">
+                      <a:solidFill>
+                        <a:schemeClr val="tx1"/>
+                      </a:solidFill>
+                      <a:prstDash val="solid"/>
+                      <a:round/>
+                      <a:headEnd type="none" w="med" len="med"/>
+                      <a:tailEnd type="none" w="med" len="med"/>
+                    </a:lnR>
+                  </a:tcPr>
+                </a:tc>
+                <a:tc>
+                  <a:txBody>
+                    <a:bodyPr/>
+                    <a:lstStyle/>
+                    <a:p>
+                      <a:pPr algn="ctr" fontAlgn="ctr"/>
+                      <a:r>
+                        <a:rPr lang="ru-RU" sz="1400" u="none" strike="noStrike" dirty="0">
+                          <a:effectLst/>
+                        </a:rPr>
+                        <a:t>_</a:t>
+                      </a:r>
+                      <a:endParaRPr lang="ru-RU" sz="1400" b="0" i="0" u="none" strike="noStrike" dirty="0">
+                        <a:solidFill>
+                          <a:srgbClr val="000000"/>
+                        </a:solidFill>
+                        <a:effectLst/>
+                        <a:latin typeface="Times New Roman" panose="02020603050405020304" pitchFamily="18" charset="0"/>
+                      </a:endParaRPr>
+                    </a:p>
+                  </a:txBody>
+                  <a:tcPr marL="9525" marR="9525" marT="9525" marB="0" anchor="ctr">
+                    <a:lnL w="12700" cap="flat" cmpd="sng" algn="ctr">
+                      <a:solidFill>
+                        <a:schemeClr val="tx1"/>
+                      </a:solidFill>
+                      <a:prstDash val="solid"/>
+                      <a:round/>
+                      <a:headEnd type="none" w="med" len="med"/>
+                      <a:tailEnd type="none" w="med" len="med"/>
+                    </a:lnL>
+                    <a:lnR w="12700" cap="flat" cmpd="sng" algn="ctr">
+                      <a:solidFill>
+                        <a:schemeClr val="tx1"/>
+                      </a:solidFill>
+                      <a:prstDash val="solid"/>
+                      <a:round/>
+                      <a:headEnd type="none" w="med" len="med"/>
+                      <a:tailEnd type="none" w="med" len="med"/>
+                    </a:lnR>
+                  </a:tcPr>
+                </a:tc>
+                <a:tc>
+                  <a:txBody>
+                    <a:bodyPr/>
+                    <a:lstStyle/>
+                    <a:p>
+                      <a:pPr algn="ctr" fontAlgn="ctr"/>
+                      <a:r>
+                        <a:rPr lang="ru-RU" sz="1400" u="none" strike="noStrike" dirty="0">
+                          <a:effectLst/>
+                        </a:rPr>
+                        <a:t>_</a:t>
+                      </a:r>
+                      <a:endParaRPr lang="ru-RU" sz="1400" b="0" i="0" u="none" strike="noStrike" dirty="0">
+                        <a:solidFill>
+                          <a:srgbClr val="000000"/>
+                        </a:solidFill>
+                        <a:effectLst/>
+                        <a:latin typeface="Times New Roman" panose="02020603050405020304" pitchFamily="18" charset="0"/>
+                      </a:endParaRPr>
+                    </a:p>
+                  </a:txBody>
+                  <a:tcPr marL="9525" marR="9525" marT="9525" marB="0" anchor="ctr">
+                    <a:lnL w="12700" cap="flat" cmpd="sng" algn="ctr">
+                      <a:solidFill>
+                        <a:schemeClr val="tx1"/>
+                      </a:solidFill>
+                      <a:prstDash val="solid"/>
+                      <a:round/>
+                      <a:headEnd type="none" w="med" len="med"/>
+                      <a:tailEnd type="none" w="med" len="med"/>
+                    </a:lnL>
+                    <a:lnR w="28575" cap="flat" cmpd="sng" algn="ctr">
+                      <a:solidFill>
+                        <a:schemeClr val="tx1"/>
+                      </a:solidFill>
+                      <a:prstDash val="solid"/>
+                      <a:round/>
+                      <a:headEnd type="none" w="med" len="med"/>
+                      <a:tailEnd type="none" w="med" len="med"/>
+                    </a:lnR>
+                  </a:tcPr>
+                </a:tc>
+                <a:extLst>
+                  <a:ext uri="{0D108BD9-81ED-4DB2-BD59-A6C34878D82A}">
+                    <a16:rowId xmlns:a16="http://schemas.microsoft.com/office/drawing/2014/main" val="1629353409"/>
+                  </a:ext>
+                </a:extLst>
+              </a:tr>
+              <a:tr h="361950">
+                <a:tc vMerge="1">
+                  <a:txBody>
+                    <a:bodyPr/>
+                    <a:lstStyle/>
+                    <a:p>
+                      <a:endParaRPr lang="ru-RU"/>
+                    </a:p>
+                  </a:txBody>
+                  <a:tcPr/>
+                </a:tc>
+                <a:tc>
+                  <a:txBody>
+                    <a:bodyPr/>
+                    <a:lstStyle/>
+                    <a:p>
+                      <a:pPr algn="ctr" fontAlgn="ctr"/>
+                      <a:r>
+                        <a:rPr lang="ru-RU" sz="1400" u="none" strike="noStrike" dirty="0">
+                          <a:effectLst/>
+                        </a:rPr>
+                        <a:t>150        12</a:t>
+                      </a:r>
+                      <a:endParaRPr lang="ru-RU" sz="1400" b="0" i="0" u="none" strike="noStrike" dirty="0">
+                        <a:solidFill>
+                          <a:srgbClr val="000000"/>
+                        </a:solidFill>
+                        <a:effectLst/>
+                        <a:latin typeface="Times New Roman" panose="02020603050405020304" pitchFamily="18" charset="0"/>
+                      </a:endParaRPr>
+                    </a:p>
+                  </a:txBody>
+                  <a:tcPr marL="9525" marR="9525" marT="9525" marB="0" anchor="ctr">
+                    <a:lnL w="19050" cap="flat" cmpd="sng" algn="ctr">
+                      <a:solidFill>
+                        <a:schemeClr val="tx1"/>
+                      </a:solidFill>
+                      <a:prstDash val="solid"/>
+                      <a:round/>
+                      <a:headEnd type="none" w="med" len="med"/>
+                      <a:tailEnd type="none" w="med" len="med"/>
+                    </a:lnL>
+                    <a:lnR w="12700" cap="flat" cmpd="sng" algn="ctr">
+                      <a:solidFill>
+                        <a:schemeClr val="tx1"/>
+                      </a:solidFill>
+                      <a:prstDash val="solid"/>
+                      <a:round/>
+                      <a:headEnd type="none" w="med" len="med"/>
+                      <a:tailEnd type="none" w="med" len="med"/>
+                    </a:lnR>
+                    <a:lnB w="28575" cap="flat" cmpd="sng" algn="ctr">
+                      <a:solidFill>
+                        <a:schemeClr val="tx1"/>
+                      </a:solidFill>
+                      <a:prstDash val="solid"/>
+                      <a:round/>
+                      <a:headEnd type="none" w="med" len="med"/>
+                      <a:tailEnd type="none" w="med" len="med"/>
+                    </a:lnB>
+                  </a:tcPr>
+                </a:tc>
+                <a:tc>
+                  <a:txBody>
+                    <a:bodyPr/>
+                    <a:lstStyle/>
+                    <a:p>
+                      <a:pPr algn="ctr" fontAlgn="ctr"/>
+                      <a:r>
+                        <a:rPr lang="ru-RU" sz="1400" u="none" strike="noStrike" dirty="0">
+                          <a:effectLst/>
+                        </a:rPr>
+                        <a:t>_</a:t>
+                      </a:r>
+                      <a:endParaRPr lang="ru-RU" sz="1400" b="0" i="0" u="none" strike="noStrike" dirty="0">
+                        <a:solidFill>
+                          <a:srgbClr val="000000"/>
+                        </a:solidFill>
+                        <a:effectLst/>
+                        <a:latin typeface="Times New Roman" panose="02020603050405020304" pitchFamily="18" charset="0"/>
+                      </a:endParaRPr>
+                    </a:p>
+                  </a:txBody>
+                  <a:tcPr marL="9525" marR="9525" marT="9525" marB="0" anchor="ctr">
+                    <a:lnL w="12700" cap="flat" cmpd="sng" algn="ctr">
+                      <a:solidFill>
+                        <a:schemeClr val="tx1"/>
+                      </a:solidFill>
+                      <a:prstDash val="solid"/>
+                      <a:round/>
+                      <a:headEnd type="none" w="med" len="med"/>
+                      <a:tailEnd type="none" w="med" len="med"/>
+                    </a:lnL>
+                    <a:lnR w="12700" cap="flat" cmpd="sng" algn="ctr">
+                      <a:solidFill>
+                        <a:schemeClr val="tx1"/>
+                      </a:solidFill>
+                      <a:prstDash val="solid"/>
+                      <a:round/>
+                      <a:headEnd type="none" w="med" len="med"/>
+                      <a:tailEnd type="none" w="med" len="med"/>
+                    </a:lnR>
+                    <a:lnB w="28575" cap="flat" cmpd="sng" algn="ctr">
+                      <a:solidFill>
+                        <a:schemeClr val="tx1"/>
+                      </a:solidFill>
+                      <a:prstDash val="solid"/>
+                      <a:round/>
+                      <a:headEnd type="none" w="med" len="med"/>
+                      <a:tailEnd type="none" w="med" len="med"/>
+                    </a:lnB>
+                  </a:tcPr>
+                </a:tc>
+                <a:tc>
+                  <a:txBody>
+                    <a:bodyPr/>
+                    <a:lstStyle/>
+                    <a:p>
+                      <a:pPr algn="ctr" fontAlgn="ctr"/>
+                      <a:r>
+                        <a:rPr lang="ru-RU" sz="1400" u="none" strike="noStrike" dirty="0">
+                          <a:effectLst/>
+                        </a:rPr>
+                        <a:t>_</a:t>
+                      </a:r>
+                      <a:endParaRPr lang="ru-RU" sz="1400" b="0" i="0" u="none" strike="noStrike" dirty="0">
+                        <a:solidFill>
+                          <a:srgbClr val="000000"/>
+                        </a:solidFill>
+                        <a:effectLst/>
+                        <a:latin typeface="Times New Roman" panose="02020603050405020304" pitchFamily="18" charset="0"/>
+                      </a:endParaRPr>
+                    </a:p>
+                  </a:txBody>
+                  <a:tcPr marL="9525" marR="9525" marT="9525" marB="0" anchor="ctr">
+                    <a:lnL w="12700" cap="flat" cmpd="sng" algn="ctr">
+                      <a:solidFill>
+                        <a:schemeClr val="tx1"/>
+                      </a:solidFill>
+                      <a:prstDash val="solid"/>
+                      <a:round/>
+                      <a:headEnd type="none" w="med" len="med"/>
+                      <a:tailEnd type="none" w="med" len="med"/>
+                    </a:lnL>
+                    <a:lnR w="12700" cap="flat" cmpd="sng" algn="ctr">
+                      <a:solidFill>
+                        <a:schemeClr val="tx1"/>
+                      </a:solidFill>
+                      <a:prstDash val="solid"/>
+                      <a:round/>
+                      <a:headEnd type="none" w="med" len="med"/>
+                      <a:tailEnd type="none" w="med" len="med"/>
+                    </a:lnR>
+                    <a:lnB w="28575" cap="flat" cmpd="sng" algn="ctr">
+                      <a:solidFill>
+                        <a:schemeClr val="tx1"/>
+                      </a:solidFill>
+                      <a:prstDash val="solid"/>
+                      <a:round/>
+                      <a:headEnd type="none" w="med" len="med"/>
+                      <a:tailEnd type="none" w="med" len="med"/>
+                    </a:lnB>
+                  </a:tcPr>
+                </a:tc>
+                <a:tc>
+                  <a:txBody>
+                    <a:bodyPr/>
+                    <a:lstStyle/>
+                    <a:p>
+                      <a:pPr algn="ctr" fontAlgn="ctr"/>
+                      <a:r>
+                        <a:rPr lang="ru-RU" sz="1400" u="none" strike="noStrike" dirty="0">
+                          <a:effectLst/>
+                        </a:rPr>
+                        <a:t>_</a:t>
+                      </a:r>
+                      <a:endParaRPr lang="ru-RU" sz="1400" b="0" i="0" u="none" strike="noStrike" dirty="0">
+                        <a:solidFill>
+                          <a:srgbClr val="000000"/>
+                        </a:solidFill>
+                        <a:effectLst/>
+                        <a:latin typeface="Times New Roman" panose="02020603050405020304" pitchFamily="18" charset="0"/>
+                      </a:endParaRPr>
+                    </a:p>
+                  </a:txBody>
+                  <a:tcPr marL="9525" marR="9525" marT="9525" marB="0" anchor="ctr">
+                    <a:lnL w="12700" cap="flat" cmpd="sng" algn="ctr">
+                      <a:solidFill>
+                        <a:schemeClr val="tx1"/>
+                      </a:solidFill>
+                      <a:prstDash val="solid"/>
+                      <a:round/>
+                      <a:headEnd type="none" w="med" len="med"/>
+                      <a:tailEnd type="none" w="med" len="med"/>
+                    </a:lnL>
+                    <a:lnR w="19050" cap="flat" cmpd="sng" algn="ctr">
+                      <a:solidFill>
+                        <a:schemeClr val="tx1"/>
+                      </a:solidFill>
+                      <a:prstDash val="solid"/>
+                      <a:round/>
+                      <a:headEnd type="none" w="med" len="med"/>
+                      <a:tailEnd type="none" w="med" len="med"/>
+                    </a:lnR>
+                    <a:lnB w="28575" cap="flat" cmpd="sng" algn="ctr">
+                      <a:solidFill>
+                        <a:schemeClr val="tx1"/>
+                      </a:solidFill>
+                      <a:prstDash val="solid"/>
+                      <a:round/>
+                      <a:headEnd type="none" w="med" len="med"/>
+                      <a:tailEnd type="none" w="med" len="med"/>
+                    </a:lnB>
+                  </a:tcPr>
+                </a:tc>
+                <a:tc>
+                  <a:txBody>
+                    <a:bodyPr/>
+                    <a:lstStyle/>
+                    <a:p>
+                      <a:pPr algn="ctr" fontAlgn="ctr"/>
+                      <a:r>
+                        <a:rPr lang="ru-RU" sz="1400" u="none" strike="noStrike" dirty="0">
+                          <a:effectLst/>
+                        </a:rPr>
+                        <a:t>_</a:t>
+                      </a:r>
+                      <a:endParaRPr lang="ru-RU" sz="1400" b="0" i="0" u="none" strike="noStrike" dirty="0">
+                        <a:solidFill>
+                          <a:srgbClr val="000000"/>
+                        </a:solidFill>
+                        <a:effectLst/>
+                        <a:latin typeface="Times New Roman" panose="02020603050405020304" pitchFamily="18" charset="0"/>
+                      </a:endParaRPr>
+                    </a:p>
+                  </a:txBody>
+                  <a:tcPr marL="9525" marR="9525" marT="9525" marB="0" anchor="ctr">
+                    <a:lnL w="19050" cap="flat" cmpd="sng" algn="ctr">
+                      <a:solidFill>
+                        <a:schemeClr val="tx1"/>
+                      </a:solidFill>
+                      <a:prstDash val="solid"/>
+                      <a:round/>
+                      <a:headEnd type="none" w="med" len="med"/>
+                      <a:tailEnd type="none" w="med" len="med"/>
+                    </a:lnL>
+                    <a:lnR w="12700" cap="flat" cmpd="sng" algn="ctr">
+                      <a:solidFill>
+                        <a:schemeClr val="tx1"/>
+                      </a:solidFill>
+                      <a:prstDash val="solid"/>
+                      <a:round/>
+                      <a:headEnd type="none" w="med" len="med"/>
+                      <a:tailEnd type="none" w="med" len="med"/>
+                    </a:lnR>
+                    <a:lnT w="12700" cap="flat" cmpd="sng" algn="ctr">
+                      <a:noFill/>
+                      <a:prstDash val="solid"/>
+                      <a:round/>
+                      <a:headEnd type="none" w="med" len="med"/>
+                      <a:tailEnd type="none" w="med" len="med"/>
+                    </a:lnT>
+                    <a:lnB w="28575" cap="flat" cmpd="sng" algn="ctr">
+                      <a:solidFill>
+                        <a:schemeClr val="tx1"/>
+                      </a:solidFill>
+                      <a:prstDash val="solid"/>
+                      <a:round/>
+                      <a:headEnd type="none" w="med" len="med"/>
+                      <a:tailEnd type="none" w="med" len="med"/>
+                    </a:lnB>
+                  </a:tcPr>
+                </a:tc>
+                <a:tc>
+                  <a:txBody>
+                    <a:bodyPr/>
+                    <a:lstStyle/>
+                    <a:p>
+                      <a:pPr algn="ctr" fontAlgn="ctr"/>
+                      <a:r>
+                        <a:rPr lang="ru-RU" sz="1400" u="none" strike="noStrike" dirty="0">
+                          <a:effectLst/>
+                        </a:rPr>
+                        <a:t>_</a:t>
+                      </a:r>
+                      <a:endParaRPr lang="ru-RU" sz="1400" b="0" i="0" u="none" strike="noStrike" dirty="0">
+                        <a:solidFill>
+                          <a:srgbClr val="000000"/>
+                        </a:solidFill>
+                        <a:effectLst/>
+                        <a:latin typeface="Times New Roman" panose="02020603050405020304" pitchFamily="18" charset="0"/>
+                      </a:endParaRPr>
+                    </a:p>
+                  </a:txBody>
+                  <a:tcPr marL="9525" marR="9525" marT="9525" marB="0" anchor="ctr">
+                    <a:lnL w="12700" cap="flat" cmpd="sng" algn="ctr">
+                      <a:solidFill>
+                        <a:schemeClr val="tx1"/>
+                      </a:solidFill>
+                      <a:prstDash val="solid"/>
+                      <a:round/>
+                      <a:headEnd type="none" w="med" len="med"/>
+                      <a:tailEnd type="none" w="med" len="med"/>
+                    </a:lnL>
+                    <a:lnR w="12700" cap="flat" cmpd="sng" algn="ctr">
+                      <a:solidFill>
+                        <a:schemeClr val="tx1"/>
+                      </a:solidFill>
+                      <a:prstDash val="solid"/>
+                      <a:round/>
+                      <a:headEnd type="none" w="med" len="med"/>
+                      <a:tailEnd type="none" w="med" len="med"/>
+                    </a:lnR>
+                    <a:lnB w="28575" cap="flat" cmpd="sng" algn="ctr">
+                      <a:solidFill>
+                        <a:schemeClr val="tx1"/>
+                      </a:solidFill>
+                      <a:prstDash val="solid"/>
+                      <a:round/>
+                      <a:headEnd type="none" w="med" len="med"/>
+                      <a:tailEnd type="none" w="med" len="med"/>
+                    </a:lnB>
+                  </a:tcPr>
+                </a:tc>
+                <a:tc>
+                  <a:txBody>
+                    <a:bodyPr/>
+                    <a:lstStyle/>
+                    <a:p>
+                      <a:pPr algn="ctr" fontAlgn="ctr"/>
+                      <a:r>
+                        <a:rPr lang="ru-RU" sz="1400" u="none" strike="noStrike" dirty="0">
+                          <a:effectLst/>
+                        </a:rPr>
+                        <a:t>_</a:t>
+                      </a:r>
+                      <a:endParaRPr lang="ru-RU" sz="1400" b="0" i="0" u="none" strike="noStrike" dirty="0">
+                        <a:solidFill>
+                          <a:srgbClr val="000000"/>
+                        </a:solidFill>
+                        <a:effectLst/>
+                        <a:latin typeface="Times New Roman" panose="02020603050405020304" pitchFamily="18" charset="0"/>
+                      </a:endParaRPr>
+                    </a:p>
+                  </a:txBody>
+                  <a:tcPr marL="9525" marR="9525" marT="9525" marB="0" anchor="ctr">
+                    <a:lnL w="12700" cap="flat" cmpd="sng" algn="ctr">
+                      <a:solidFill>
+                        <a:schemeClr val="tx1"/>
+                      </a:solidFill>
+                      <a:prstDash val="solid"/>
+                      <a:round/>
+                      <a:headEnd type="none" w="med" len="med"/>
+                      <a:tailEnd type="none" w="med" len="med"/>
+                    </a:lnL>
+                    <a:lnR w="12700" cap="flat" cmpd="sng" algn="ctr">
+                      <a:solidFill>
+                        <a:schemeClr val="tx1"/>
+                      </a:solidFill>
+                      <a:prstDash val="solid"/>
+                      <a:round/>
+                      <a:headEnd type="none" w="med" len="med"/>
+                      <a:tailEnd type="none" w="med" len="med"/>
+                    </a:lnR>
+                    <a:lnB w="28575" cap="flat" cmpd="sng" algn="ctr">
+                      <a:solidFill>
+                        <a:schemeClr val="tx1"/>
+                      </a:solidFill>
+                      <a:prstDash val="solid"/>
+                      <a:round/>
+                      <a:headEnd type="none" w="med" len="med"/>
+                      <a:tailEnd type="none" w="med" len="med"/>
+                    </a:lnB>
+                  </a:tcPr>
+                </a:tc>
+                <a:tc>
+                  <a:txBody>
+                    <a:bodyPr/>
+                    <a:lstStyle/>
+                    <a:p>
+                      <a:pPr algn="ctr" fontAlgn="ctr"/>
+                      <a:r>
+                        <a:rPr lang="ru-RU" sz="1400" u="none" strike="noStrike" dirty="0">
+                          <a:effectLst/>
+                        </a:rPr>
+                        <a:t>_</a:t>
+                      </a:r>
+                      <a:endParaRPr lang="ru-RU" sz="1400" b="0" i="0" u="none" strike="noStrike" dirty="0">
+                        <a:solidFill>
+                          <a:srgbClr val="000000"/>
+                        </a:solidFill>
+                        <a:effectLst/>
+                        <a:latin typeface="Times New Roman" panose="02020603050405020304" pitchFamily="18" charset="0"/>
+                      </a:endParaRPr>
+                    </a:p>
+                  </a:txBody>
+                  <a:tcPr marL="9525" marR="9525" marT="9525" marB="0" anchor="ctr">
+                    <a:lnL w="12700" cap="flat" cmpd="sng" algn="ctr">
+                      <a:solidFill>
+                        <a:schemeClr val="tx1"/>
+                      </a:solidFill>
+                      <a:prstDash val="solid"/>
+                      <a:round/>
+                      <a:headEnd type="none" w="med" len="med"/>
+                      <a:tailEnd type="none" w="med" len="med"/>
+                    </a:lnL>
+                    <a:lnR w="28575" cap="flat" cmpd="sng" algn="ctr">
+                      <a:solidFill>
+                        <a:schemeClr val="tx1"/>
+                      </a:solidFill>
+                      <a:prstDash val="solid"/>
+                      <a:round/>
+                      <a:headEnd type="none" w="med" len="med"/>
+                      <a:tailEnd type="none" w="med" len="med"/>
+                    </a:lnR>
+                    <a:lnB w="28575" cap="flat" cmpd="sng" algn="ctr">
+                      <a:solidFill>
+                        <a:schemeClr val="tx1"/>
+                      </a:solidFill>
+                      <a:prstDash val="solid"/>
+                      <a:round/>
+                      <a:headEnd type="none" w="med" len="med"/>
+                      <a:tailEnd type="none" w="med" len="med"/>
+                    </a:lnB>
+                  </a:tcPr>
+                </a:tc>
+                <a:extLst>
+                  <a:ext uri="{0D108BD9-81ED-4DB2-BD59-A6C34878D82A}">
+                    <a16:rowId xmlns:a16="http://schemas.microsoft.com/office/drawing/2014/main" val="1020753083"/>
+                  </a:ext>
+                </a:extLst>
+              </a:tr>
+            </a:tbl>
+          </a:graphicData>
+        </a:graphic>
+      </p:graphicFrame>
       <p:sp>
         <p:nvSpPr>
           <p:cNvPr id="4" name="Номер слайда 3"/>
@@ -5917,17 +10618,17 @@
           <a:lstStyle/>
           <a:p>
             <a:fld id="{9171452A-E4C5-4FCE-999B-408265C67809}" type="slidenum">
-              <a:rPr lang="ru-RU" sz="2800" smtClean="0"/>
+              <a:rPr lang="ru-RU" smtClean="0"/>
               <a:t>11</a:t>
             </a:fld>
-            <a:endParaRPr lang="ru-RU" sz="2800" dirty="0"/>
+            <a:endParaRPr lang="ru-RU"/>
           </a:p>
         </p:txBody>
       </p:sp>
     </p:spTree>
     <p:extLst>
       <p:ext uri="{BB962C8B-B14F-4D97-AF65-F5344CB8AC3E}">
-        <p14:creationId xmlns:p14="http://schemas.microsoft.com/office/powerpoint/2010/main" val="2768578886"/>
+        <p14:creationId xmlns:p14="http://schemas.microsoft.com/office/powerpoint/2010/main" val="2925243729"/>
       </p:ext>
     </p:extLst>
   </p:cSld>
@@ -5981,6 +10682,2187 @@
                 <a:latin typeface="Times New Roman" panose="02020603050405020304" pitchFamily="18" charset="0"/>
                 <a:cs typeface="Times New Roman" panose="02020603050405020304" pitchFamily="18" charset="0"/>
               </a:rPr>
+              <a:t>Результаты</a:t>
+            </a:r>
+            <a:endParaRPr lang="ru-RU" dirty="0">
+              <a:latin typeface="Times New Roman" panose="02020603050405020304" pitchFamily="18" charset="0"/>
+              <a:cs typeface="Times New Roman" panose="02020603050405020304" pitchFamily="18" charset="0"/>
+            </a:endParaRPr>
+          </a:p>
+        </p:txBody>
+      </p:sp>
+      <p:graphicFrame>
+        <p:nvGraphicFramePr>
+          <p:cNvPr id="5" name="Объект 4"/>
+          <p:cNvGraphicFramePr>
+            <a:graphicFrameLocks noGrp="1"/>
+          </p:cNvGraphicFramePr>
+          <p:nvPr>
+            <p:ph idx="1"/>
+            <p:extLst>
+              <p:ext uri="{D42A27DB-BD31-4B8C-83A1-F6EECF244321}">
+                <p14:modId xmlns:p14="http://schemas.microsoft.com/office/powerpoint/2010/main" val="1353180923"/>
+              </p:ext>
+            </p:extLst>
+          </p:nvPr>
+        </p:nvGraphicFramePr>
+        <p:xfrm>
+          <a:off x="1273216" y="2141316"/>
+          <a:ext cx="10080585" cy="4051139"/>
+        </p:xfrm>
+        <a:graphic>
+          <a:graphicData uri="http://schemas.openxmlformats.org/drawingml/2006/table">
+            <a:tbl>
+              <a:tblPr>
+                <a:tableStyleId>{5C22544A-7EE6-4342-B048-85BDC9FD1C3A}</a:tableStyleId>
+              </a:tblPr>
+              <a:tblGrid>
+                <a:gridCol w="2049811">
+                  <a:extLst>
+                    <a:ext uri="{9D8B030D-6E8A-4147-A177-3AD203B41FA5}">
+                      <a16:colId xmlns:a16="http://schemas.microsoft.com/office/drawing/2014/main" val="934025510"/>
+                    </a:ext>
+                  </a:extLst>
+                </a:gridCol>
+                <a:gridCol w="1642658">
+                  <a:extLst>
+                    <a:ext uri="{9D8B030D-6E8A-4147-A177-3AD203B41FA5}">
+                      <a16:colId xmlns:a16="http://schemas.microsoft.com/office/drawing/2014/main" val="1419014391"/>
+                    </a:ext>
+                  </a:extLst>
+                </a:gridCol>
+                <a:gridCol w="1979614">
+                  <a:extLst>
+                    <a:ext uri="{9D8B030D-6E8A-4147-A177-3AD203B41FA5}">
+                      <a16:colId xmlns:a16="http://schemas.microsoft.com/office/drawing/2014/main" val="2541429227"/>
+                    </a:ext>
+                  </a:extLst>
+                </a:gridCol>
+                <a:gridCol w="1347822">
+                  <a:extLst>
+                    <a:ext uri="{9D8B030D-6E8A-4147-A177-3AD203B41FA5}">
+                      <a16:colId xmlns:a16="http://schemas.microsoft.com/office/drawing/2014/main" val="162961496"/>
+                    </a:ext>
+                  </a:extLst>
+                </a:gridCol>
+                <a:gridCol w="1347822">
+                  <a:extLst>
+                    <a:ext uri="{9D8B030D-6E8A-4147-A177-3AD203B41FA5}">
+                      <a16:colId xmlns:a16="http://schemas.microsoft.com/office/drawing/2014/main" val="4189349163"/>
+                    </a:ext>
+                  </a:extLst>
+                </a:gridCol>
+                <a:gridCol w="1712858">
+                  <a:extLst>
+                    <a:ext uri="{9D8B030D-6E8A-4147-A177-3AD203B41FA5}">
+                      <a16:colId xmlns:a16="http://schemas.microsoft.com/office/drawing/2014/main" val="3182831633"/>
+                    </a:ext>
+                  </a:extLst>
+                </a:gridCol>
+              </a:tblGrid>
+              <a:tr h="589514">
+                <a:tc>
+                  <a:txBody>
+                    <a:bodyPr/>
+                    <a:lstStyle/>
+                    <a:p>
+                      <a:pPr algn="l" fontAlgn="b"/>
+                      <a:r>
+                        <a:rPr lang="ru-RU" sz="1100" u="none" strike="noStrike" dirty="0">
+                          <a:effectLst/>
+                        </a:rPr>
+                        <a:t> </a:t>
+                      </a:r>
+                      <a:endParaRPr lang="ru-RU" sz="1100" b="0" i="0" u="none" strike="noStrike" dirty="0">
+                        <a:solidFill>
+                          <a:srgbClr val="000000"/>
+                        </a:solidFill>
+                        <a:effectLst/>
+                        <a:latin typeface="Times New Roman" panose="02020603050405020304" pitchFamily="18" charset="0"/>
+                      </a:endParaRPr>
+                    </a:p>
+                  </a:txBody>
+                  <a:tcPr marL="9525" marR="9525" marT="9525" marB="0" anchor="b">
+                    <a:lnL w="28575" cap="flat" cmpd="sng" algn="ctr">
+                      <a:solidFill>
+                        <a:schemeClr val="tx1"/>
+                      </a:solidFill>
+                      <a:prstDash val="solid"/>
+                      <a:round/>
+                      <a:headEnd type="none" w="med" len="med"/>
+                      <a:tailEnd type="none" w="med" len="med"/>
+                    </a:lnL>
+                    <a:lnR w="19050" cap="flat" cmpd="sng" algn="ctr">
+                      <a:solidFill>
+                        <a:schemeClr val="tx1"/>
+                      </a:solidFill>
+                      <a:prstDash val="solid"/>
+                      <a:round/>
+                      <a:headEnd type="none" w="med" len="med"/>
+                      <a:tailEnd type="none" w="med" len="med"/>
+                    </a:lnR>
+                    <a:lnT w="28575" cap="flat" cmpd="sng" algn="ctr">
+                      <a:solidFill>
+                        <a:schemeClr val="tx1"/>
+                      </a:solidFill>
+                      <a:prstDash val="solid"/>
+                      <a:round/>
+                      <a:headEnd type="none" w="med" len="med"/>
+                      <a:tailEnd type="none" w="med" len="med"/>
+                    </a:lnT>
+                    <a:lnB w="19050" cap="flat" cmpd="sng" algn="ctr">
+                      <a:solidFill>
+                        <a:schemeClr val="tx1"/>
+                      </a:solidFill>
+                      <a:prstDash val="solid"/>
+                      <a:round/>
+                      <a:headEnd type="none" w="med" len="med"/>
+                      <a:tailEnd type="none" w="med" len="med"/>
+                    </a:lnB>
+                    <a:solidFill>
+                      <a:schemeClr val="bg1"/>
+                    </a:solidFill>
+                  </a:tcPr>
+                </a:tc>
+                <a:tc gridSpan="3">
+                  <a:txBody>
+                    <a:bodyPr/>
+                    <a:lstStyle/>
+                    <a:p>
+                      <a:pPr algn="ctr" fontAlgn="ctr"/>
+                      <a:r>
+                        <a:rPr lang="en-US" sz="1400" u="none" strike="noStrike" dirty="0">
+                          <a:effectLst/>
+                        </a:rPr>
+                        <a:t>Genetic Algorithm</a:t>
+                      </a:r>
+                      <a:endParaRPr lang="en-US" sz="1400" b="0" i="0" u="none" strike="noStrike" dirty="0">
+                        <a:solidFill>
+                          <a:srgbClr val="000000"/>
+                        </a:solidFill>
+                        <a:effectLst/>
+                        <a:latin typeface="Times New Roman" panose="02020603050405020304" pitchFamily="18" charset="0"/>
+                      </a:endParaRPr>
+                    </a:p>
+                  </a:txBody>
+                  <a:tcPr marL="9525" marR="9525" marT="9525" marB="0" anchor="ctr">
+                    <a:lnL w="19050" cap="flat" cmpd="sng" algn="ctr">
+                      <a:solidFill>
+                        <a:schemeClr val="tx1"/>
+                      </a:solidFill>
+                      <a:prstDash val="solid"/>
+                      <a:round/>
+                      <a:headEnd type="none" w="med" len="med"/>
+                      <a:tailEnd type="none" w="med" len="med"/>
+                    </a:lnL>
+                    <a:lnR w="19050" cap="flat" cmpd="sng" algn="ctr">
+                      <a:solidFill>
+                        <a:schemeClr val="tx1"/>
+                      </a:solidFill>
+                      <a:prstDash val="solid"/>
+                      <a:round/>
+                      <a:headEnd type="none" w="med" len="med"/>
+                      <a:tailEnd type="none" w="med" len="med"/>
+                    </a:lnR>
+                    <a:lnT w="28575" cap="flat" cmpd="sng" algn="ctr">
+                      <a:solidFill>
+                        <a:schemeClr val="tx1"/>
+                      </a:solidFill>
+                      <a:prstDash val="solid"/>
+                      <a:round/>
+                      <a:headEnd type="none" w="med" len="med"/>
+                      <a:tailEnd type="none" w="med" len="med"/>
+                    </a:lnT>
+                    <a:lnB w="12700" cap="flat" cmpd="sng" algn="ctr">
+                      <a:solidFill>
+                        <a:schemeClr val="tx1"/>
+                      </a:solidFill>
+                      <a:prstDash val="solid"/>
+                      <a:round/>
+                      <a:headEnd type="none" w="med" len="med"/>
+                      <a:tailEnd type="none" w="med" len="med"/>
+                    </a:lnB>
+                    <a:solidFill>
+                      <a:schemeClr val="bg1"/>
+                    </a:solidFill>
+                  </a:tcPr>
+                </a:tc>
+                <a:tc hMerge="1">
+                  <a:txBody>
+                    <a:bodyPr/>
+                    <a:lstStyle/>
+                    <a:p>
+                      <a:endParaRPr lang="ru-RU"/>
+                    </a:p>
+                  </a:txBody>
+                  <a:tcPr/>
+                </a:tc>
+                <a:tc hMerge="1">
+                  <a:txBody>
+                    <a:bodyPr/>
+                    <a:lstStyle/>
+                    <a:p>
+                      <a:endParaRPr lang="ru-RU"/>
+                    </a:p>
+                  </a:txBody>
+                  <a:tcPr/>
+                </a:tc>
+                <a:tc>
+                  <a:txBody>
+                    <a:bodyPr/>
+                    <a:lstStyle/>
+                    <a:p>
+                      <a:pPr algn="ctr" fontAlgn="ctr"/>
+                      <a:r>
+                        <a:rPr lang="en-US" sz="1400" u="none" strike="noStrike" dirty="0" err="1">
+                          <a:effectLst/>
+                        </a:rPr>
+                        <a:t>Gurobi</a:t>
+                      </a:r>
+                      <a:endParaRPr lang="en-US" sz="1400" b="0" i="0" u="none" strike="noStrike" dirty="0">
+                        <a:solidFill>
+                          <a:srgbClr val="000000"/>
+                        </a:solidFill>
+                        <a:effectLst/>
+                        <a:latin typeface="Times New Roman" panose="02020603050405020304" pitchFamily="18" charset="0"/>
+                      </a:endParaRPr>
+                    </a:p>
+                  </a:txBody>
+                  <a:tcPr marL="9525" marR="9525" marT="9525" marB="0" anchor="ctr">
+                    <a:lnL w="19050" cap="flat" cmpd="sng" algn="ctr">
+                      <a:solidFill>
+                        <a:schemeClr val="tx1"/>
+                      </a:solidFill>
+                      <a:prstDash val="solid"/>
+                      <a:round/>
+                      <a:headEnd type="none" w="med" len="med"/>
+                      <a:tailEnd type="none" w="med" len="med"/>
+                    </a:lnL>
+                    <a:lnT w="28575" cap="flat" cmpd="sng" algn="ctr">
+                      <a:solidFill>
+                        <a:schemeClr val="tx1"/>
+                      </a:solidFill>
+                      <a:prstDash val="solid"/>
+                      <a:round/>
+                      <a:headEnd type="none" w="med" len="med"/>
+                      <a:tailEnd type="none" w="med" len="med"/>
+                    </a:lnT>
+                    <a:lnB w="12700" cap="flat" cmpd="sng" algn="ctr">
+                      <a:solidFill>
+                        <a:schemeClr val="tx1"/>
+                      </a:solidFill>
+                      <a:prstDash val="solid"/>
+                      <a:round/>
+                      <a:headEnd type="none" w="med" len="med"/>
+                      <a:tailEnd type="none" w="med" len="med"/>
+                    </a:lnB>
+                    <a:solidFill>
+                      <a:schemeClr val="bg1"/>
+                    </a:solidFill>
+                  </a:tcPr>
+                </a:tc>
+                <a:tc>
+                  <a:txBody>
+                    <a:bodyPr/>
+                    <a:lstStyle/>
+                    <a:p>
+                      <a:pPr algn="ctr" fontAlgn="ctr"/>
+                      <a:r>
+                        <a:rPr lang="ru-RU" sz="1400" u="none" strike="noStrike" dirty="0">
+                          <a:effectLst/>
+                        </a:rPr>
+                        <a:t> </a:t>
+                      </a:r>
+                      <a:endParaRPr lang="ru-RU" sz="1400" b="0" i="0" u="none" strike="noStrike" dirty="0">
+                        <a:solidFill>
+                          <a:srgbClr val="000000"/>
+                        </a:solidFill>
+                        <a:effectLst/>
+                        <a:latin typeface="Times New Roman" panose="02020603050405020304" pitchFamily="18" charset="0"/>
+                      </a:endParaRPr>
+                    </a:p>
+                  </a:txBody>
+                  <a:tcPr marL="9525" marR="9525" marT="9525" marB="0" anchor="ctr">
+                    <a:lnR w="28575" cap="flat" cmpd="sng" algn="ctr">
+                      <a:solidFill>
+                        <a:schemeClr val="tx1"/>
+                      </a:solidFill>
+                      <a:prstDash val="solid"/>
+                      <a:round/>
+                      <a:headEnd type="none" w="med" len="med"/>
+                      <a:tailEnd type="none" w="med" len="med"/>
+                    </a:lnR>
+                    <a:lnT w="28575" cap="flat" cmpd="sng" algn="ctr">
+                      <a:solidFill>
+                        <a:schemeClr val="tx1"/>
+                      </a:solidFill>
+                      <a:prstDash val="solid"/>
+                      <a:round/>
+                      <a:headEnd type="none" w="med" len="med"/>
+                      <a:tailEnd type="none" w="med" len="med"/>
+                    </a:lnT>
+                    <a:lnB w="12700" cap="flat" cmpd="sng" algn="ctr">
+                      <a:solidFill>
+                        <a:schemeClr val="tx1"/>
+                      </a:solidFill>
+                      <a:prstDash val="solid"/>
+                      <a:round/>
+                      <a:headEnd type="none" w="med" len="med"/>
+                      <a:tailEnd type="none" w="med" len="med"/>
+                    </a:lnB>
+                    <a:solidFill>
+                      <a:schemeClr val="bg1"/>
+                    </a:solidFill>
+                  </a:tcPr>
+                </a:tc>
+                <a:extLst>
+                  <a:ext uri="{0D108BD9-81ED-4DB2-BD59-A6C34878D82A}">
+                    <a16:rowId xmlns:a16="http://schemas.microsoft.com/office/drawing/2014/main" val="1183272154"/>
+                  </a:ext>
+                </a:extLst>
+              </a:tr>
+              <a:tr h="1079989">
+                <a:tc>
+                  <a:txBody>
+                    <a:bodyPr/>
+                    <a:lstStyle/>
+                    <a:p>
+                      <a:pPr algn="ctr" fontAlgn="ctr"/>
+                      <a:r>
+                        <a:rPr lang="en-US" sz="1400" u="none" strike="noStrike" dirty="0" err="1">
+                          <a:effectLst/>
+                        </a:rPr>
+                        <a:t>obj</a:t>
+                      </a:r>
+                      <a:r>
+                        <a:rPr lang="en-US" sz="1400" u="none" strike="noStrike" dirty="0">
+                          <a:effectLst/>
+                        </a:rPr>
+                        <a:t>       car</a:t>
+                      </a:r>
+                      <a:endParaRPr lang="en-US" sz="1400" b="0" i="0" u="none" strike="noStrike" dirty="0">
+                        <a:solidFill>
+                          <a:srgbClr val="000000"/>
+                        </a:solidFill>
+                        <a:effectLst/>
+                        <a:latin typeface="Times New Roman" panose="02020603050405020304" pitchFamily="18" charset="0"/>
+                      </a:endParaRPr>
+                    </a:p>
+                  </a:txBody>
+                  <a:tcPr marL="9525" marR="9525" marT="9525" marB="0" anchor="ctr">
+                    <a:lnL w="28575" cap="flat" cmpd="sng" algn="ctr">
+                      <a:solidFill>
+                        <a:schemeClr val="tx1"/>
+                      </a:solidFill>
+                      <a:prstDash val="solid"/>
+                      <a:round/>
+                      <a:headEnd type="none" w="med" len="med"/>
+                      <a:tailEnd type="none" w="med" len="med"/>
+                    </a:lnL>
+                    <a:lnR w="19050" cap="flat" cmpd="sng" algn="ctr">
+                      <a:solidFill>
+                        <a:schemeClr val="tx1"/>
+                      </a:solidFill>
+                      <a:prstDash val="solid"/>
+                      <a:round/>
+                      <a:headEnd type="none" w="med" len="med"/>
+                      <a:tailEnd type="none" w="med" len="med"/>
+                    </a:lnR>
+                    <a:lnT w="19050" cap="flat" cmpd="sng" algn="ctr">
+                      <a:solidFill>
+                        <a:schemeClr val="tx1"/>
+                      </a:solidFill>
+                      <a:prstDash val="solid"/>
+                      <a:round/>
+                      <a:headEnd type="none" w="med" len="med"/>
+                      <a:tailEnd type="none" w="med" len="med"/>
+                    </a:lnT>
+                    <a:lnB w="19050" cap="flat" cmpd="sng" algn="ctr">
+                      <a:solidFill>
+                        <a:schemeClr val="tx1"/>
+                      </a:solidFill>
+                      <a:prstDash val="solid"/>
+                      <a:round/>
+                      <a:headEnd type="none" w="med" len="med"/>
+                      <a:tailEnd type="none" w="med" len="med"/>
+                    </a:lnB>
+                    <a:solidFill>
+                      <a:schemeClr val="bg1"/>
+                    </a:solidFill>
+                  </a:tcPr>
+                </a:tc>
+                <a:tc>
+                  <a:txBody>
+                    <a:bodyPr/>
+                    <a:lstStyle/>
+                    <a:p>
+                      <a:pPr algn="ctr" fontAlgn="ctr"/>
+                      <a:r>
+                        <a:rPr lang="en-US" sz="1400" u="none" strike="noStrike" dirty="0" smtClean="0">
+                          <a:effectLst/>
+                        </a:rPr>
+                        <a:t>Result</a:t>
+                      </a:r>
+                      <a:endParaRPr lang="en-US" sz="1400" b="0" i="0" u="none" strike="noStrike" dirty="0">
+                        <a:solidFill>
+                          <a:srgbClr val="000000"/>
+                        </a:solidFill>
+                        <a:effectLst/>
+                        <a:latin typeface="Times New Roman" panose="02020603050405020304" pitchFamily="18" charset="0"/>
+                      </a:endParaRPr>
+                    </a:p>
+                  </a:txBody>
+                  <a:tcPr marL="9525" marR="9525" marT="9525" marB="0" anchor="ctr">
+                    <a:lnL w="19050" cap="flat" cmpd="sng" algn="ctr">
+                      <a:solidFill>
+                        <a:schemeClr val="tx1"/>
+                      </a:solidFill>
+                      <a:prstDash val="solid"/>
+                      <a:round/>
+                      <a:headEnd type="none" w="med" len="med"/>
+                      <a:tailEnd type="none" w="med" len="med"/>
+                    </a:lnL>
+                    <a:lnR w="12700" cap="flat" cmpd="sng" algn="ctr">
+                      <a:solidFill>
+                        <a:schemeClr val="tx1"/>
+                      </a:solidFill>
+                      <a:prstDash val="solid"/>
+                      <a:round/>
+                      <a:headEnd type="none" w="med" len="med"/>
+                      <a:tailEnd type="none" w="med" len="med"/>
+                    </a:lnR>
+                    <a:lnT w="12700" cap="flat" cmpd="sng" algn="ctr">
+                      <a:solidFill>
+                        <a:schemeClr val="tx1"/>
+                      </a:solidFill>
+                      <a:prstDash val="solid"/>
+                      <a:round/>
+                      <a:headEnd type="none" w="med" len="med"/>
+                      <a:tailEnd type="none" w="med" len="med"/>
+                    </a:lnT>
+                    <a:lnB w="19050" cap="flat" cmpd="sng" algn="ctr">
+                      <a:solidFill>
+                        <a:schemeClr val="tx1"/>
+                      </a:solidFill>
+                      <a:prstDash val="solid"/>
+                      <a:round/>
+                      <a:headEnd type="none" w="med" len="med"/>
+                      <a:tailEnd type="none" w="med" len="med"/>
+                    </a:lnB>
+                    <a:solidFill>
+                      <a:schemeClr val="bg1"/>
+                    </a:solidFill>
+                  </a:tcPr>
+                </a:tc>
+                <a:tc>
+                  <a:txBody>
+                    <a:bodyPr/>
+                    <a:lstStyle/>
+                    <a:p>
+                      <a:pPr algn="ctr" fontAlgn="ctr"/>
+                      <a:r>
+                        <a:rPr lang="en-US" sz="1400" u="none" strike="noStrike" dirty="0" smtClean="0">
+                          <a:effectLst/>
+                        </a:rPr>
+                        <a:t>Time</a:t>
+                      </a:r>
+                      <a:endParaRPr lang="en-US" sz="1400" b="0" i="0" u="none" strike="noStrike" dirty="0">
+                        <a:solidFill>
+                          <a:srgbClr val="000000"/>
+                        </a:solidFill>
+                        <a:effectLst/>
+                        <a:latin typeface="Times New Roman" panose="02020603050405020304" pitchFamily="18" charset="0"/>
+                      </a:endParaRPr>
+                    </a:p>
+                  </a:txBody>
+                  <a:tcPr marL="9525" marR="9525" marT="9525" marB="0" anchor="ctr">
+                    <a:lnL w="12700" cap="flat" cmpd="sng" algn="ctr">
+                      <a:solidFill>
+                        <a:schemeClr val="tx1"/>
+                      </a:solidFill>
+                      <a:prstDash val="solid"/>
+                      <a:round/>
+                      <a:headEnd type="none" w="med" len="med"/>
+                      <a:tailEnd type="none" w="med" len="med"/>
+                    </a:lnL>
+                    <a:lnR w="12700" cap="flat" cmpd="sng" algn="ctr">
+                      <a:solidFill>
+                        <a:schemeClr val="tx1"/>
+                      </a:solidFill>
+                      <a:prstDash val="solid"/>
+                      <a:round/>
+                      <a:headEnd type="none" w="med" len="med"/>
+                      <a:tailEnd type="none" w="med" len="med"/>
+                    </a:lnR>
+                    <a:lnT w="12700" cap="flat" cmpd="sng" algn="ctr">
+                      <a:solidFill>
+                        <a:schemeClr val="tx1"/>
+                      </a:solidFill>
+                      <a:prstDash val="solid"/>
+                      <a:round/>
+                      <a:headEnd type="none" w="med" len="med"/>
+                      <a:tailEnd type="none" w="med" len="med"/>
+                    </a:lnT>
+                    <a:lnB w="19050" cap="flat" cmpd="sng" algn="ctr">
+                      <a:solidFill>
+                        <a:schemeClr val="tx1"/>
+                      </a:solidFill>
+                      <a:prstDash val="solid"/>
+                      <a:round/>
+                      <a:headEnd type="none" w="med" len="med"/>
+                      <a:tailEnd type="none" w="med" len="med"/>
+                    </a:lnB>
+                    <a:solidFill>
+                      <a:schemeClr val="bg1"/>
+                    </a:solidFill>
+                  </a:tcPr>
+                </a:tc>
+                <a:tc>
+                  <a:txBody>
+                    <a:bodyPr/>
+                    <a:lstStyle/>
+                    <a:p>
+                      <a:pPr algn="ctr" fontAlgn="b"/>
+                      <a:r>
+                        <a:rPr lang="en-US" sz="1400" u="none" strike="noStrike" dirty="0" smtClean="0">
+                          <a:effectLst/>
+                        </a:rPr>
+                        <a:t>Iteration</a:t>
+                      </a:r>
+                      <a:endParaRPr lang="en-US" sz="1400" b="0" i="0" u="none" strike="noStrike" dirty="0">
+                        <a:solidFill>
+                          <a:srgbClr val="000000"/>
+                        </a:solidFill>
+                        <a:effectLst/>
+                        <a:latin typeface="Times New Roman" panose="02020603050405020304" pitchFamily="18" charset="0"/>
+                      </a:endParaRPr>
+                    </a:p>
+                  </a:txBody>
+                  <a:tcPr marL="9525" marR="9525" marT="9525" marB="0" anchor="ctr">
+                    <a:lnL w="12700" cap="flat" cmpd="sng" algn="ctr">
+                      <a:solidFill>
+                        <a:schemeClr val="tx1"/>
+                      </a:solidFill>
+                      <a:prstDash val="solid"/>
+                      <a:round/>
+                      <a:headEnd type="none" w="med" len="med"/>
+                      <a:tailEnd type="none" w="med" len="med"/>
+                    </a:lnL>
+                    <a:lnR w="19050" cap="flat" cmpd="sng" algn="ctr">
+                      <a:solidFill>
+                        <a:schemeClr val="tx1"/>
+                      </a:solidFill>
+                      <a:prstDash val="solid"/>
+                      <a:round/>
+                      <a:headEnd type="none" w="med" len="med"/>
+                      <a:tailEnd type="none" w="med" len="med"/>
+                    </a:lnR>
+                    <a:lnT w="19050" cap="flat" cmpd="sng" algn="ctr">
+                      <a:solidFill>
+                        <a:schemeClr val="tx1"/>
+                      </a:solidFill>
+                      <a:prstDash val="solid"/>
+                      <a:round/>
+                      <a:headEnd type="none" w="med" len="med"/>
+                      <a:tailEnd type="none" w="med" len="med"/>
+                    </a:lnT>
+                    <a:lnB w="19050" cap="flat" cmpd="sng" algn="ctr">
+                      <a:solidFill>
+                        <a:schemeClr val="tx1"/>
+                      </a:solidFill>
+                      <a:prstDash val="solid"/>
+                      <a:round/>
+                      <a:headEnd type="none" w="med" len="med"/>
+                      <a:tailEnd type="none" w="med" len="med"/>
+                    </a:lnB>
+                    <a:solidFill>
+                      <a:schemeClr val="bg1"/>
+                    </a:solidFill>
+                  </a:tcPr>
+                </a:tc>
+                <a:tc>
+                  <a:txBody>
+                    <a:bodyPr/>
+                    <a:lstStyle/>
+                    <a:p>
+                      <a:pPr algn="ctr" fontAlgn="ctr"/>
+                      <a:r>
+                        <a:rPr lang="en-US" sz="1400" u="none" strike="noStrike" dirty="0" smtClean="0">
+                          <a:effectLst/>
+                        </a:rPr>
+                        <a:t>Result</a:t>
+                      </a:r>
+                      <a:endParaRPr lang="en-US" sz="1400" b="0" i="0" u="none" strike="noStrike" dirty="0">
+                        <a:solidFill>
+                          <a:srgbClr val="000000"/>
+                        </a:solidFill>
+                        <a:effectLst/>
+                        <a:latin typeface="Times New Roman" panose="02020603050405020304" pitchFamily="18" charset="0"/>
+                      </a:endParaRPr>
+                    </a:p>
+                  </a:txBody>
+                  <a:tcPr marL="9525" marR="9525" marT="9525" marB="0" anchor="ctr">
+                    <a:lnL w="19050" cap="flat" cmpd="sng" algn="ctr">
+                      <a:solidFill>
+                        <a:schemeClr val="tx1"/>
+                      </a:solidFill>
+                      <a:prstDash val="solid"/>
+                      <a:round/>
+                      <a:headEnd type="none" w="med" len="med"/>
+                      <a:tailEnd type="none" w="med" len="med"/>
+                    </a:lnL>
+                    <a:lnR w="12700" cap="flat" cmpd="sng" algn="ctr">
+                      <a:solidFill>
+                        <a:schemeClr val="tx1"/>
+                      </a:solidFill>
+                      <a:prstDash val="solid"/>
+                      <a:round/>
+                      <a:headEnd type="none" w="med" len="med"/>
+                      <a:tailEnd type="none" w="med" len="med"/>
+                    </a:lnR>
+                    <a:lnT w="12700" cap="flat" cmpd="sng" algn="ctr">
+                      <a:solidFill>
+                        <a:schemeClr val="tx1"/>
+                      </a:solidFill>
+                      <a:prstDash val="solid"/>
+                      <a:round/>
+                      <a:headEnd type="none" w="med" len="med"/>
+                      <a:tailEnd type="none" w="med" len="med"/>
+                    </a:lnT>
+                    <a:lnB w="19050" cap="flat" cmpd="sng" algn="ctr">
+                      <a:solidFill>
+                        <a:schemeClr val="tx1"/>
+                      </a:solidFill>
+                      <a:prstDash val="solid"/>
+                      <a:round/>
+                      <a:headEnd type="none" w="med" len="med"/>
+                      <a:tailEnd type="none" w="med" len="med"/>
+                    </a:lnB>
+                    <a:solidFill>
+                      <a:schemeClr val="bg1"/>
+                    </a:solidFill>
+                  </a:tcPr>
+                </a:tc>
+                <a:tc>
+                  <a:txBody>
+                    <a:bodyPr/>
+                    <a:lstStyle/>
+                    <a:p>
+                      <a:pPr algn="ctr" fontAlgn="ctr"/>
+                      <a:r>
+                        <a:rPr lang="en-US" sz="1400" u="none" strike="noStrike" dirty="0" smtClean="0">
+                          <a:effectLst/>
+                        </a:rPr>
+                        <a:t>Time</a:t>
+                      </a:r>
+                      <a:endParaRPr lang="en-US" sz="1400" b="0" i="0" u="none" strike="noStrike" dirty="0">
+                        <a:solidFill>
+                          <a:srgbClr val="000000"/>
+                        </a:solidFill>
+                        <a:effectLst/>
+                        <a:latin typeface="Times New Roman" panose="02020603050405020304" pitchFamily="18" charset="0"/>
+                      </a:endParaRPr>
+                    </a:p>
+                  </a:txBody>
+                  <a:tcPr marL="9525" marR="9525" marT="9525" marB="0" anchor="ctr">
+                    <a:lnL w="12700" cap="flat" cmpd="sng" algn="ctr">
+                      <a:solidFill>
+                        <a:schemeClr val="tx1"/>
+                      </a:solidFill>
+                      <a:prstDash val="solid"/>
+                      <a:round/>
+                      <a:headEnd type="none" w="med" len="med"/>
+                      <a:tailEnd type="none" w="med" len="med"/>
+                    </a:lnL>
+                    <a:lnR w="28575" cap="flat" cmpd="sng" algn="ctr">
+                      <a:solidFill>
+                        <a:schemeClr val="tx1"/>
+                      </a:solidFill>
+                      <a:prstDash val="solid"/>
+                      <a:round/>
+                      <a:headEnd type="none" w="med" len="med"/>
+                      <a:tailEnd type="none" w="med" len="med"/>
+                    </a:lnR>
+                    <a:lnT w="12700" cap="flat" cmpd="sng" algn="ctr">
+                      <a:solidFill>
+                        <a:schemeClr val="tx1"/>
+                      </a:solidFill>
+                      <a:prstDash val="solid"/>
+                      <a:round/>
+                      <a:headEnd type="none" w="med" len="med"/>
+                      <a:tailEnd type="none" w="med" len="med"/>
+                    </a:lnT>
+                    <a:lnB w="19050" cap="flat" cmpd="sng" algn="ctr">
+                      <a:solidFill>
+                        <a:schemeClr val="tx1"/>
+                      </a:solidFill>
+                      <a:prstDash val="solid"/>
+                      <a:round/>
+                      <a:headEnd type="none" w="med" len="med"/>
+                      <a:tailEnd type="none" w="med" len="med"/>
+                    </a:lnB>
+                    <a:solidFill>
+                      <a:schemeClr val="bg1"/>
+                    </a:solidFill>
+                  </a:tcPr>
+                </a:tc>
+                <a:extLst>
+                  <a:ext uri="{0D108BD9-81ED-4DB2-BD59-A6C34878D82A}">
+                    <a16:rowId xmlns:a16="http://schemas.microsoft.com/office/drawing/2014/main" val="2898008001"/>
+                  </a:ext>
+                </a:extLst>
+              </a:tr>
+              <a:tr h="589514">
+                <a:tc>
+                  <a:txBody>
+                    <a:bodyPr/>
+                    <a:lstStyle/>
+                    <a:p>
+                      <a:pPr algn="ctr" fontAlgn="ctr"/>
+                      <a:r>
+                        <a:rPr lang="ru-RU" sz="1400" u="none" strike="noStrike" dirty="0">
+                          <a:effectLst/>
+                        </a:rPr>
+                        <a:t>10            5</a:t>
+                      </a:r>
+                      <a:endParaRPr lang="ru-RU" sz="1400" b="0" i="0" u="none" strike="noStrike" dirty="0">
+                        <a:solidFill>
+                          <a:srgbClr val="000000"/>
+                        </a:solidFill>
+                        <a:effectLst/>
+                        <a:latin typeface="Times New Roman" panose="02020603050405020304" pitchFamily="18" charset="0"/>
+                      </a:endParaRPr>
+                    </a:p>
+                  </a:txBody>
+                  <a:tcPr marL="9525" marR="9525" marT="9525" marB="0" anchor="ctr">
+                    <a:lnL w="28575" cap="flat" cmpd="sng" algn="ctr">
+                      <a:solidFill>
+                        <a:schemeClr val="tx1"/>
+                      </a:solidFill>
+                      <a:prstDash val="solid"/>
+                      <a:round/>
+                      <a:headEnd type="none" w="med" len="med"/>
+                      <a:tailEnd type="none" w="med" len="med"/>
+                    </a:lnL>
+                    <a:lnR w="19050" cap="flat" cmpd="sng" algn="ctr">
+                      <a:solidFill>
+                        <a:schemeClr val="tx1"/>
+                      </a:solidFill>
+                      <a:prstDash val="solid"/>
+                      <a:round/>
+                      <a:headEnd type="none" w="med" len="med"/>
+                      <a:tailEnd type="none" w="med" len="med"/>
+                    </a:lnR>
+                    <a:lnT w="19050" cap="flat" cmpd="sng" algn="ctr">
+                      <a:solidFill>
+                        <a:schemeClr val="tx1"/>
+                      </a:solidFill>
+                      <a:prstDash val="solid"/>
+                      <a:round/>
+                      <a:headEnd type="none" w="med" len="med"/>
+                      <a:tailEnd type="none" w="med" len="med"/>
+                    </a:lnT>
+                    <a:solidFill>
+                      <a:schemeClr val="bg1"/>
+                    </a:solidFill>
+                  </a:tcPr>
+                </a:tc>
+                <a:tc>
+                  <a:txBody>
+                    <a:bodyPr/>
+                    <a:lstStyle/>
+                    <a:p>
+                      <a:pPr algn="ctr" fontAlgn="ctr"/>
+                      <a:r>
+                        <a:rPr lang="ru-RU" sz="1400" u="none" strike="noStrike" dirty="0">
+                          <a:effectLst/>
+                        </a:rPr>
+                        <a:t>434</a:t>
+                      </a:r>
+                      <a:endParaRPr lang="ru-RU" sz="1400" b="0" i="0" u="none" strike="noStrike" dirty="0">
+                        <a:solidFill>
+                          <a:srgbClr val="000000"/>
+                        </a:solidFill>
+                        <a:effectLst/>
+                        <a:latin typeface="Times New Roman" panose="02020603050405020304" pitchFamily="18" charset="0"/>
+                      </a:endParaRPr>
+                    </a:p>
+                  </a:txBody>
+                  <a:tcPr marL="9525" marR="9525" marT="9525" marB="0" anchor="ctr">
+                    <a:lnL w="19050" cap="flat" cmpd="sng" algn="ctr">
+                      <a:solidFill>
+                        <a:schemeClr val="tx1"/>
+                      </a:solidFill>
+                      <a:prstDash val="solid"/>
+                      <a:round/>
+                      <a:headEnd type="none" w="med" len="med"/>
+                      <a:tailEnd type="none" w="med" len="med"/>
+                    </a:lnL>
+                    <a:lnR w="12700" cap="flat" cmpd="sng" algn="ctr">
+                      <a:solidFill>
+                        <a:schemeClr val="tx1"/>
+                      </a:solidFill>
+                      <a:prstDash val="solid"/>
+                      <a:round/>
+                      <a:headEnd type="none" w="med" len="med"/>
+                      <a:tailEnd type="none" w="med" len="med"/>
+                    </a:lnR>
+                    <a:lnT w="19050" cap="flat" cmpd="sng" algn="ctr">
+                      <a:solidFill>
+                        <a:schemeClr val="tx1"/>
+                      </a:solidFill>
+                      <a:prstDash val="solid"/>
+                      <a:round/>
+                      <a:headEnd type="none" w="med" len="med"/>
+                      <a:tailEnd type="none" w="med" len="med"/>
+                    </a:lnT>
+                    <a:solidFill>
+                      <a:schemeClr val="bg1"/>
+                    </a:solidFill>
+                  </a:tcPr>
+                </a:tc>
+                <a:tc>
+                  <a:txBody>
+                    <a:bodyPr/>
+                    <a:lstStyle/>
+                    <a:p>
+                      <a:pPr algn="ctr" fontAlgn="ctr"/>
+                      <a:r>
+                        <a:rPr lang="en-US" sz="1400" u="none" strike="noStrike" dirty="0">
+                          <a:effectLst/>
+                        </a:rPr>
+                        <a:t>2.88 sec</a:t>
+                      </a:r>
+                      <a:endParaRPr lang="en-US" sz="1400" b="0" i="0" u="none" strike="noStrike" dirty="0">
+                        <a:solidFill>
+                          <a:srgbClr val="000000"/>
+                        </a:solidFill>
+                        <a:effectLst/>
+                        <a:latin typeface="Times New Roman" panose="02020603050405020304" pitchFamily="18" charset="0"/>
+                      </a:endParaRPr>
+                    </a:p>
+                  </a:txBody>
+                  <a:tcPr marL="9525" marR="9525" marT="9525" marB="0" anchor="ctr">
+                    <a:lnL w="12700" cap="flat" cmpd="sng" algn="ctr">
+                      <a:solidFill>
+                        <a:schemeClr val="tx1"/>
+                      </a:solidFill>
+                      <a:prstDash val="solid"/>
+                      <a:round/>
+                      <a:headEnd type="none" w="med" len="med"/>
+                      <a:tailEnd type="none" w="med" len="med"/>
+                    </a:lnL>
+                    <a:lnR w="12700" cap="flat" cmpd="sng" algn="ctr">
+                      <a:solidFill>
+                        <a:schemeClr val="tx1"/>
+                      </a:solidFill>
+                      <a:prstDash val="solid"/>
+                      <a:round/>
+                      <a:headEnd type="none" w="med" len="med"/>
+                      <a:tailEnd type="none" w="med" len="med"/>
+                    </a:lnR>
+                    <a:lnT w="19050" cap="flat" cmpd="sng" algn="ctr">
+                      <a:solidFill>
+                        <a:schemeClr val="tx1"/>
+                      </a:solidFill>
+                      <a:prstDash val="solid"/>
+                      <a:round/>
+                      <a:headEnd type="none" w="med" len="med"/>
+                      <a:tailEnd type="none" w="med" len="med"/>
+                    </a:lnT>
+                    <a:solidFill>
+                      <a:schemeClr val="bg1"/>
+                    </a:solidFill>
+                  </a:tcPr>
+                </a:tc>
+                <a:tc>
+                  <a:txBody>
+                    <a:bodyPr/>
+                    <a:lstStyle/>
+                    <a:p>
+                      <a:pPr algn="ctr" fontAlgn="ctr"/>
+                      <a:r>
+                        <a:rPr lang="ru-RU" sz="1400" u="none" strike="noStrike">
+                          <a:effectLst/>
+                        </a:rPr>
+                        <a:t>16</a:t>
+                      </a:r>
+                      <a:endParaRPr lang="ru-RU" sz="1400" b="0" i="0" u="none" strike="noStrike">
+                        <a:solidFill>
+                          <a:srgbClr val="000000"/>
+                        </a:solidFill>
+                        <a:effectLst/>
+                        <a:latin typeface="Times New Roman" panose="02020603050405020304" pitchFamily="18" charset="0"/>
+                      </a:endParaRPr>
+                    </a:p>
+                  </a:txBody>
+                  <a:tcPr marL="9525" marR="9525" marT="9525" marB="0" anchor="ctr">
+                    <a:lnL w="12700" cap="flat" cmpd="sng" algn="ctr">
+                      <a:solidFill>
+                        <a:schemeClr val="tx1"/>
+                      </a:solidFill>
+                      <a:prstDash val="solid"/>
+                      <a:round/>
+                      <a:headEnd type="none" w="med" len="med"/>
+                      <a:tailEnd type="none" w="med" len="med"/>
+                    </a:lnL>
+                    <a:lnR w="19050" cap="flat" cmpd="sng" algn="ctr">
+                      <a:solidFill>
+                        <a:schemeClr val="tx1"/>
+                      </a:solidFill>
+                      <a:prstDash val="solid"/>
+                      <a:round/>
+                      <a:headEnd type="none" w="med" len="med"/>
+                      <a:tailEnd type="none" w="med" len="med"/>
+                    </a:lnR>
+                    <a:lnT w="19050" cap="flat" cmpd="sng" algn="ctr">
+                      <a:solidFill>
+                        <a:schemeClr val="tx1"/>
+                      </a:solidFill>
+                      <a:prstDash val="solid"/>
+                      <a:round/>
+                      <a:headEnd type="none" w="med" len="med"/>
+                      <a:tailEnd type="none" w="med" len="med"/>
+                    </a:lnT>
+                    <a:solidFill>
+                      <a:schemeClr val="bg1"/>
+                    </a:solidFill>
+                  </a:tcPr>
+                </a:tc>
+                <a:tc>
+                  <a:txBody>
+                    <a:bodyPr/>
+                    <a:lstStyle/>
+                    <a:p>
+                      <a:pPr algn="ctr" fontAlgn="ctr"/>
+                      <a:r>
+                        <a:rPr lang="ru-RU" sz="1400" u="none" strike="noStrike" dirty="0">
+                          <a:effectLst/>
+                        </a:rPr>
+                        <a:t>_</a:t>
+                      </a:r>
+                      <a:endParaRPr lang="ru-RU" sz="1400" b="0" i="0" u="none" strike="noStrike" dirty="0">
+                        <a:solidFill>
+                          <a:srgbClr val="000000"/>
+                        </a:solidFill>
+                        <a:effectLst/>
+                        <a:latin typeface="Times New Roman" panose="02020603050405020304" pitchFamily="18" charset="0"/>
+                      </a:endParaRPr>
+                    </a:p>
+                  </a:txBody>
+                  <a:tcPr marL="9525" marR="9525" marT="9525" marB="0" anchor="ctr">
+                    <a:lnL w="19050" cap="flat" cmpd="sng" algn="ctr">
+                      <a:solidFill>
+                        <a:schemeClr val="tx1"/>
+                      </a:solidFill>
+                      <a:prstDash val="solid"/>
+                      <a:round/>
+                      <a:headEnd type="none" w="med" len="med"/>
+                      <a:tailEnd type="none" w="med" len="med"/>
+                    </a:lnL>
+                    <a:lnR w="12700" cap="flat" cmpd="sng" algn="ctr">
+                      <a:solidFill>
+                        <a:schemeClr val="tx1"/>
+                      </a:solidFill>
+                      <a:prstDash val="solid"/>
+                      <a:round/>
+                      <a:headEnd type="none" w="med" len="med"/>
+                      <a:tailEnd type="none" w="med" len="med"/>
+                    </a:lnR>
+                    <a:lnT w="19050" cap="flat" cmpd="sng" algn="ctr">
+                      <a:solidFill>
+                        <a:schemeClr val="tx1"/>
+                      </a:solidFill>
+                      <a:prstDash val="solid"/>
+                      <a:round/>
+                      <a:headEnd type="none" w="med" len="med"/>
+                      <a:tailEnd type="none" w="med" len="med"/>
+                    </a:lnT>
+                    <a:solidFill>
+                      <a:schemeClr val="bg1"/>
+                    </a:solidFill>
+                  </a:tcPr>
+                </a:tc>
+                <a:tc>
+                  <a:txBody>
+                    <a:bodyPr/>
+                    <a:lstStyle/>
+                    <a:p>
+                      <a:pPr algn="ctr" fontAlgn="ctr"/>
+                      <a:r>
+                        <a:rPr lang="ru-RU" sz="1400" u="none" strike="noStrike" dirty="0">
+                          <a:effectLst/>
+                        </a:rPr>
+                        <a:t>_</a:t>
+                      </a:r>
+                      <a:endParaRPr lang="ru-RU" sz="1400" b="0" i="0" u="none" strike="noStrike" dirty="0">
+                        <a:solidFill>
+                          <a:srgbClr val="000000"/>
+                        </a:solidFill>
+                        <a:effectLst/>
+                        <a:latin typeface="Times New Roman" panose="02020603050405020304" pitchFamily="18" charset="0"/>
+                      </a:endParaRPr>
+                    </a:p>
+                  </a:txBody>
+                  <a:tcPr marL="9525" marR="9525" marT="9525" marB="0" anchor="ctr">
+                    <a:lnL w="12700" cap="flat" cmpd="sng" algn="ctr">
+                      <a:solidFill>
+                        <a:schemeClr val="tx1"/>
+                      </a:solidFill>
+                      <a:prstDash val="solid"/>
+                      <a:round/>
+                      <a:headEnd type="none" w="med" len="med"/>
+                      <a:tailEnd type="none" w="med" len="med"/>
+                    </a:lnL>
+                    <a:lnR w="28575" cap="flat" cmpd="sng" algn="ctr">
+                      <a:solidFill>
+                        <a:schemeClr val="tx1"/>
+                      </a:solidFill>
+                      <a:prstDash val="solid"/>
+                      <a:round/>
+                      <a:headEnd type="none" w="med" len="med"/>
+                      <a:tailEnd type="none" w="med" len="med"/>
+                    </a:lnR>
+                    <a:lnT w="19050" cap="flat" cmpd="sng" algn="ctr">
+                      <a:solidFill>
+                        <a:schemeClr val="tx1"/>
+                      </a:solidFill>
+                      <a:prstDash val="solid"/>
+                      <a:round/>
+                      <a:headEnd type="none" w="med" len="med"/>
+                      <a:tailEnd type="none" w="med" len="med"/>
+                    </a:lnT>
+                    <a:solidFill>
+                      <a:schemeClr val="bg1"/>
+                    </a:solidFill>
+                  </a:tcPr>
+                </a:tc>
+                <a:extLst>
+                  <a:ext uri="{0D108BD9-81ED-4DB2-BD59-A6C34878D82A}">
+                    <a16:rowId xmlns:a16="http://schemas.microsoft.com/office/drawing/2014/main" val="2127513355"/>
+                  </a:ext>
+                </a:extLst>
+              </a:tr>
+              <a:tr h="589514">
+                <a:tc>
+                  <a:txBody>
+                    <a:bodyPr/>
+                    <a:lstStyle/>
+                    <a:p>
+                      <a:pPr algn="ctr" fontAlgn="ctr"/>
+                      <a:r>
+                        <a:rPr lang="ru-RU" sz="1400" u="none" strike="noStrike">
+                          <a:effectLst/>
+                        </a:rPr>
+                        <a:t>15            3</a:t>
+                      </a:r>
+                      <a:endParaRPr lang="ru-RU" sz="1400" b="0" i="0" u="none" strike="noStrike">
+                        <a:solidFill>
+                          <a:srgbClr val="000000"/>
+                        </a:solidFill>
+                        <a:effectLst/>
+                        <a:latin typeface="Times New Roman" panose="02020603050405020304" pitchFamily="18" charset="0"/>
+                      </a:endParaRPr>
+                    </a:p>
+                  </a:txBody>
+                  <a:tcPr marL="9525" marR="9525" marT="9525" marB="0" anchor="ctr">
+                    <a:lnL w="28575" cap="flat" cmpd="sng" algn="ctr">
+                      <a:solidFill>
+                        <a:schemeClr val="tx1"/>
+                      </a:solidFill>
+                      <a:prstDash val="solid"/>
+                      <a:round/>
+                      <a:headEnd type="none" w="med" len="med"/>
+                      <a:tailEnd type="none" w="med" len="med"/>
+                    </a:lnL>
+                    <a:lnR w="19050" cap="flat" cmpd="sng" algn="ctr">
+                      <a:solidFill>
+                        <a:schemeClr val="tx1"/>
+                      </a:solidFill>
+                      <a:prstDash val="solid"/>
+                      <a:round/>
+                      <a:headEnd type="none" w="med" len="med"/>
+                      <a:tailEnd type="none" w="med" len="med"/>
+                    </a:lnR>
+                    <a:solidFill>
+                      <a:schemeClr val="bg1"/>
+                    </a:solidFill>
+                  </a:tcPr>
+                </a:tc>
+                <a:tc>
+                  <a:txBody>
+                    <a:bodyPr/>
+                    <a:lstStyle/>
+                    <a:p>
+                      <a:pPr algn="ctr" fontAlgn="ctr"/>
+                      <a:r>
+                        <a:rPr lang="ru-RU" sz="1400" u="none" strike="noStrike" dirty="0">
+                          <a:effectLst/>
+                        </a:rPr>
+                        <a:t>3255.87</a:t>
+                      </a:r>
+                      <a:endParaRPr lang="ru-RU" sz="1400" b="0" i="0" u="none" strike="noStrike" dirty="0">
+                        <a:solidFill>
+                          <a:srgbClr val="000000"/>
+                        </a:solidFill>
+                        <a:effectLst/>
+                        <a:latin typeface="Times New Roman" panose="02020603050405020304" pitchFamily="18" charset="0"/>
+                      </a:endParaRPr>
+                    </a:p>
+                  </a:txBody>
+                  <a:tcPr marL="9525" marR="9525" marT="9525" marB="0" anchor="ctr">
+                    <a:lnL w="19050" cap="flat" cmpd="sng" algn="ctr">
+                      <a:solidFill>
+                        <a:schemeClr val="tx1"/>
+                      </a:solidFill>
+                      <a:prstDash val="solid"/>
+                      <a:round/>
+                      <a:headEnd type="none" w="med" len="med"/>
+                      <a:tailEnd type="none" w="med" len="med"/>
+                    </a:lnL>
+                    <a:lnR w="12700" cap="flat" cmpd="sng" algn="ctr">
+                      <a:solidFill>
+                        <a:schemeClr val="tx1"/>
+                      </a:solidFill>
+                      <a:prstDash val="solid"/>
+                      <a:round/>
+                      <a:headEnd type="none" w="med" len="med"/>
+                      <a:tailEnd type="none" w="med" len="med"/>
+                    </a:lnR>
+                    <a:solidFill>
+                      <a:schemeClr val="bg1"/>
+                    </a:solidFill>
+                  </a:tcPr>
+                </a:tc>
+                <a:tc>
+                  <a:txBody>
+                    <a:bodyPr/>
+                    <a:lstStyle/>
+                    <a:p>
+                      <a:pPr algn="ctr" fontAlgn="ctr"/>
+                      <a:r>
+                        <a:rPr lang="en-US" sz="1400" u="none" strike="noStrike" dirty="0">
+                          <a:effectLst/>
+                        </a:rPr>
+                        <a:t>6.64 min</a:t>
+                      </a:r>
+                      <a:endParaRPr lang="en-US" sz="1400" b="0" i="0" u="none" strike="noStrike" dirty="0">
+                        <a:solidFill>
+                          <a:srgbClr val="000000"/>
+                        </a:solidFill>
+                        <a:effectLst/>
+                        <a:latin typeface="Times New Roman" panose="02020603050405020304" pitchFamily="18" charset="0"/>
+                      </a:endParaRPr>
+                    </a:p>
+                  </a:txBody>
+                  <a:tcPr marL="9525" marR="9525" marT="9525" marB="0" anchor="ctr">
+                    <a:lnL w="12700" cap="flat" cmpd="sng" algn="ctr">
+                      <a:solidFill>
+                        <a:schemeClr val="tx1"/>
+                      </a:solidFill>
+                      <a:prstDash val="solid"/>
+                      <a:round/>
+                      <a:headEnd type="none" w="med" len="med"/>
+                      <a:tailEnd type="none" w="med" len="med"/>
+                    </a:lnL>
+                    <a:lnR w="12700" cap="flat" cmpd="sng" algn="ctr">
+                      <a:solidFill>
+                        <a:schemeClr val="tx1"/>
+                      </a:solidFill>
+                      <a:prstDash val="solid"/>
+                      <a:round/>
+                      <a:headEnd type="none" w="med" len="med"/>
+                      <a:tailEnd type="none" w="med" len="med"/>
+                    </a:lnR>
+                    <a:solidFill>
+                      <a:schemeClr val="bg1"/>
+                    </a:solidFill>
+                  </a:tcPr>
+                </a:tc>
+                <a:tc>
+                  <a:txBody>
+                    <a:bodyPr/>
+                    <a:lstStyle/>
+                    <a:p>
+                      <a:pPr algn="ctr" fontAlgn="ctr"/>
+                      <a:r>
+                        <a:rPr lang="ru-RU" sz="1400" u="none" strike="noStrike" dirty="0">
+                          <a:effectLst/>
+                        </a:rPr>
+                        <a:t>25</a:t>
+                      </a:r>
+                      <a:endParaRPr lang="ru-RU" sz="1400" b="0" i="0" u="none" strike="noStrike" dirty="0">
+                        <a:solidFill>
+                          <a:srgbClr val="000000"/>
+                        </a:solidFill>
+                        <a:effectLst/>
+                        <a:latin typeface="Times New Roman" panose="02020603050405020304" pitchFamily="18" charset="0"/>
+                      </a:endParaRPr>
+                    </a:p>
+                  </a:txBody>
+                  <a:tcPr marL="9525" marR="9525" marT="9525" marB="0" anchor="ctr">
+                    <a:lnL w="12700" cap="flat" cmpd="sng" algn="ctr">
+                      <a:solidFill>
+                        <a:schemeClr val="tx1"/>
+                      </a:solidFill>
+                      <a:prstDash val="solid"/>
+                      <a:round/>
+                      <a:headEnd type="none" w="med" len="med"/>
+                      <a:tailEnd type="none" w="med" len="med"/>
+                    </a:lnL>
+                    <a:lnR w="19050" cap="flat" cmpd="sng" algn="ctr">
+                      <a:solidFill>
+                        <a:schemeClr val="tx1"/>
+                      </a:solidFill>
+                      <a:prstDash val="solid"/>
+                      <a:round/>
+                      <a:headEnd type="none" w="med" len="med"/>
+                      <a:tailEnd type="none" w="med" len="med"/>
+                    </a:lnR>
+                    <a:solidFill>
+                      <a:schemeClr val="bg1"/>
+                    </a:solidFill>
+                  </a:tcPr>
+                </a:tc>
+                <a:tc>
+                  <a:txBody>
+                    <a:bodyPr/>
+                    <a:lstStyle/>
+                    <a:p>
+                      <a:pPr algn="ctr" fontAlgn="ctr"/>
+                      <a:r>
+                        <a:rPr lang="ru-RU" sz="1400" u="none" strike="noStrike" dirty="0">
+                          <a:effectLst/>
+                        </a:rPr>
+                        <a:t>91</a:t>
+                      </a:r>
+                      <a:endParaRPr lang="ru-RU" sz="1400" b="0" i="0" u="none" strike="noStrike" dirty="0">
+                        <a:solidFill>
+                          <a:srgbClr val="000000"/>
+                        </a:solidFill>
+                        <a:effectLst/>
+                        <a:latin typeface="Times New Roman" panose="02020603050405020304" pitchFamily="18" charset="0"/>
+                      </a:endParaRPr>
+                    </a:p>
+                  </a:txBody>
+                  <a:tcPr marL="9525" marR="9525" marT="9525" marB="0" anchor="ctr">
+                    <a:lnL w="19050" cap="flat" cmpd="sng" algn="ctr">
+                      <a:solidFill>
+                        <a:schemeClr val="tx1"/>
+                      </a:solidFill>
+                      <a:prstDash val="solid"/>
+                      <a:round/>
+                      <a:headEnd type="none" w="med" len="med"/>
+                      <a:tailEnd type="none" w="med" len="med"/>
+                    </a:lnL>
+                    <a:lnR w="12700" cap="flat" cmpd="sng" algn="ctr">
+                      <a:solidFill>
+                        <a:schemeClr val="tx1"/>
+                      </a:solidFill>
+                      <a:prstDash val="solid"/>
+                      <a:round/>
+                      <a:headEnd type="none" w="med" len="med"/>
+                      <a:tailEnd type="none" w="med" len="med"/>
+                    </a:lnR>
+                    <a:solidFill>
+                      <a:schemeClr val="bg1"/>
+                    </a:solidFill>
+                  </a:tcPr>
+                </a:tc>
+                <a:tc>
+                  <a:txBody>
+                    <a:bodyPr/>
+                    <a:lstStyle/>
+                    <a:p>
+                      <a:pPr algn="ctr" fontAlgn="ctr"/>
+                      <a:r>
+                        <a:rPr lang="en-US" sz="1400" u="none" strike="noStrike" dirty="0">
+                          <a:effectLst/>
+                        </a:rPr>
+                        <a:t>1.31 min</a:t>
+                      </a:r>
+                      <a:endParaRPr lang="en-US" sz="1400" b="0" i="0" u="none" strike="noStrike" dirty="0">
+                        <a:solidFill>
+                          <a:srgbClr val="000000"/>
+                        </a:solidFill>
+                        <a:effectLst/>
+                        <a:latin typeface="Times New Roman" panose="02020603050405020304" pitchFamily="18" charset="0"/>
+                      </a:endParaRPr>
+                    </a:p>
+                  </a:txBody>
+                  <a:tcPr marL="9525" marR="9525" marT="9525" marB="0" anchor="ctr">
+                    <a:lnL w="12700" cap="flat" cmpd="sng" algn="ctr">
+                      <a:solidFill>
+                        <a:schemeClr val="tx1"/>
+                      </a:solidFill>
+                      <a:prstDash val="solid"/>
+                      <a:round/>
+                      <a:headEnd type="none" w="med" len="med"/>
+                      <a:tailEnd type="none" w="med" len="med"/>
+                    </a:lnL>
+                    <a:lnR w="28575" cap="flat" cmpd="sng" algn="ctr">
+                      <a:solidFill>
+                        <a:schemeClr val="tx1"/>
+                      </a:solidFill>
+                      <a:prstDash val="solid"/>
+                      <a:round/>
+                      <a:headEnd type="none" w="med" len="med"/>
+                      <a:tailEnd type="none" w="med" len="med"/>
+                    </a:lnR>
+                    <a:solidFill>
+                      <a:schemeClr val="bg1"/>
+                    </a:solidFill>
+                  </a:tcPr>
+                </a:tc>
+                <a:extLst>
+                  <a:ext uri="{0D108BD9-81ED-4DB2-BD59-A6C34878D82A}">
+                    <a16:rowId xmlns:a16="http://schemas.microsoft.com/office/drawing/2014/main" val="2405048854"/>
+                  </a:ext>
+                </a:extLst>
+              </a:tr>
+              <a:tr h="589514">
+                <a:tc>
+                  <a:txBody>
+                    <a:bodyPr/>
+                    <a:lstStyle/>
+                    <a:p>
+                      <a:pPr algn="ctr" fontAlgn="ctr"/>
+                      <a:r>
+                        <a:rPr lang="ru-RU" sz="1400" u="none" strike="noStrike" dirty="0">
+                          <a:effectLst/>
+                        </a:rPr>
+                        <a:t>50            6</a:t>
+                      </a:r>
+                      <a:endParaRPr lang="ru-RU" sz="1400" b="0" i="0" u="none" strike="noStrike" dirty="0">
+                        <a:solidFill>
+                          <a:srgbClr val="000000"/>
+                        </a:solidFill>
+                        <a:effectLst/>
+                        <a:latin typeface="Times New Roman" panose="02020603050405020304" pitchFamily="18" charset="0"/>
+                      </a:endParaRPr>
+                    </a:p>
+                  </a:txBody>
+                  <a:tcPr marL="9525" marR="9525" marT="9525" marB="0" anchor="ctr">
+                    <a:lnL w="28575" cap="flat" cmpd="sng" algn="ctr">
+                      <a:solidFill>
+                        <a:schemeClr val="tx1"/>
+                      </a:solidFill>
+                      <a:prstDash val="solid"/>
+                      <a:round/>
+                      <a:headEnd type="none" w="med" len="med"/>
+                      <a:tailEnd type="none" w="med" len="med"/>
+                    </a:lnL>
+                    <a:lnR w="19050" cap="flat" cmpd="sng" algn="ctr">
+                      <a:solidFill>
+                        <a:schemeClr val="tx1"/>
+                      </a:solidFill>
+                      <a:prstDash val="solid"/>
+                      <a:round/>
+                      <a:headEnd type="none" w="med" len="med"/>
+                      <a:tailEnd type="none" w="med" len="med"/>
+                    </a:lnR>
+                    <a:solidFill>
+                      <a:schemeClr val="bg1"/>
+                    </a:solidFill>
+                  </a:tcPr>
+                </a:tc>
+                <a:tc>
+                  <a:txBody>
+                    <a:bodyPr/>
+                    <a:lstStyle/>
+                    <a:p>
+                      <a:pPr algn="ctr" fontAlgn="ctr"/>
+                      <a:r>
+                        <a:rPr lang="ru-RU" sz="1400" u="none" strike="noStrike" dirty="0">
+                          <a:effectLst/>
+                        </a:rPr>
+                        <a:t>_</a:t>
+                      </a:r>
+                      <a:endParaRPr lang="ru-RU" sz="1400" b="0" i="0" u="none" strike="noStrike" dirty="0">
+                        <a:solidFill>
+                          <a:srgbClr val="000000"/>
+                        </a:solidFill>
+                        <a:effectLst/>
+                        <a:latin typeface="Times New Roman" panose="02020603050405020304" pitchFamily="18" charset="0"/>
+                      </a:endParaRPr>
+                    </a:p>
+                  </a:txBody>
+                  <a:tcPr marL="9525" marR="9525" marT="9525" marB="0" anchor="ctr">
+                    <a:lnL w="19050" cap="flat" cmpd="sng" algn="ctr">
+                      <a:solidFill>
+                        <a:schemeClr val="tx1"/>
+                      </a:solidFill>
+                      <a:prstDash val="solid"/>
+                      <a:round/>
+                      <a:headEnd type="none" w="med" len="med"/>
+                      <a:tailEnd type="none" w="med" len="med"/>
+                    </a:lnL>
+                    <a:lnR w="12700" cap="flat" cmpd="sng" algn="ctr">
+                      <a:solidFill>
+                        <a:schemeClr val="tx1"/>
+                      </a:solidFill>
+                      <a:prstDash val="solid"/>
+                      <a:round/>
+                      <a:headEnd type="none" w="med" len="med"/>
+                      <a:tailEnd type="none" w="med" len="med"/>
+                    </a:lnR>
+                    <a:solidFill>
+                      <a:schemeClr val="bg1"/>
+                    </a:solidFill>
+                  </a:tcPr>
+                </a:tc>
+                <a:tc>
+                  <a:txBody>
+                    <a:bodyPr/>
+                    <a:lstStyle/>
+                    <a:p>
+                      <a:pPr algn="ctr" fontAlgn="ctr"/>
+                      <a:r>
+                        <a:rPr lang="ru-RU" sz="1400" u="none" strike="noStrike" dirty="0">
+                          <a:effectLst/>
+                        </a:rPr>
+                        <a:t>_</a:t>
+                      </a:r>
+                      <a:endParaRPr lang="ru-RU" sz="1400" b="0" i="0" u="none" strike="noStrike" dirty="0">
+                        <a:solidFill>
+                          <a:srgbClr val="000000"/>
+                        </a:solidFill>
+                        <a:effectLst/>
+                        <a:latin typeface="Times New Roman" panose="02020603050405020304" pitchFamily="18" charset="0"/>
+                      </a:endParaRPr>
+                    </a:p>
+                  </a:txBody>
+                  <a:tcPr marL="9525" marR="9525" marT="9525" marB="0" anchor="ctr">
+                    <a:lnL w="12700" cap="flat" cmpd="sng" algn="ctr">
+                      <a:solidFill>
+                        <a:schemeClr val="tx1"/>
+                      </a:solidFill>
+                      <a:prstDash val="solid"/>
+                      <a:round/>
+                      <a:headEnd type="none" w="med" len="med"/>
+                      <a:tailEnd type="none" w="med" len="med"/>
+                    </a:lnL>
+                    <a:lnR w="12700" cap="flat" cmpd="sng" algn="ctr">
+                      <a:solidFill>
+                        <a:schemeClr val="tx1"/>
+                      </a:solidFill>
+                      <a:prstDash val="solid"/>
+                      <a:round/>
+                      <a:headEnd type="none" w="med" len="med"/>
+                      <a:tailEnd type="none" w="med" len="med"/>
+                    </a:lnR>
+                    <a:solidFill>
+                      <a:schemeClr val="bg1"/>
+                    </a:solidFill>
+                  </a:tcPr>
+                </a:tc>
+                <a:tc>
+                  <a:txBody>
+                    <a:bodyPr/>
+                    <a:lstStyle/>
+                    <a:p>
+                      <a:pPr algn="ctr" fontAlgn="ctr"/>
+                      <a:r>
+                        <a:rPr lang="ru-RU" sz="1400" u="none" strike="noStrike" dirty="0">
+                          <a:effectLst/>
+                        </a:rPr>
+                        <a:t>_</a:t>
+                      </a:r>
+                      <a:endParaRPr lang="ru-RU" sz="1400" b="0" i="0" u="none" strike="noStrike" dirty="0">
+                        <a:solidFill>
+                          <a:srgbClr val="000000"/>
+                        </a:solidFill>
+                        <a:effectLst/>
+                        <a:latin typeface="Times New Roman" panose="02020603050405020304" pitchFamily="18" charset="0"/>
+                      </a:endParaRPr>
+                    </a:p>
+                  </a:txBody>
+                  <a:tcPr marL="9525" marR="9525" marT="9525" marB="0" anchor="ctr">
+                    <a:lnL w="12700" cap="flat" cmpd="sng" algn="ctr">
+                      <a:solidFill>
+                        <a:schemeClr val="tx1"/>
+                      </a:solidFill>
+                      <a:prstDash val="solid"/>
+                      <a:round/>
+                      <a:headEnd type="none" w="med" len="med"/>
+                      <a:tailEnd type="none" w="med" len="med"/>
+                    </a:lnL>
+                    <a:lnR w="19050" cap="flat" cmpd="sng" algn="ctr">
+                      <a:solidFill>
+                        <a:schemeClr val="tx1"/>
+                      </a:solidFill>
+                      <a:prstDash val="solid"/>
+                      <a:round/>
+                      <a:headEnd type="none" w="med" len="med"/>
+                      <a:tailEnd type="none" w="med" len="med"/>
+                    </a:lnR>
+                    <a:solidFill>
+                      <a:schemeClr val="bg1"/>
+                    </a:solidFill>
+                  </a:tcPr>
+                </a:tc>
+                <a:tc>
+                  <a:txBody>
+                    <a:bodyPr/>
+                    <a:lstStyle/>
+                    <a:p>
+                      <a:pPr algn="ctr" fontAlgn="ctr"/>
+                      <a:r>
+                        <a:rPr lang="ru-RU" sz="1400" u="none" strike="noStrike" dirty="0">
+                          <a:effectLst/>
+                        </a:rPr>
+                        <a:t>247</a:t>
+                      </a:r>
+                      <a:endParaRPr lang="ru-RU" sz="1400" b="0" i="0" u="none" strike="noStrike" dirty="0">
+                        <a:solidFill>
+                          <a:srgbClr val="000000"/>
+                        </a:solidFill>
+                        <a:effectLst/>
+                        <a:latin typeface="Times New Roman" panose="02020603050405020304" pitchFamily="18" charset="0"/>
+                      </a:endParaRPr>
+                    </a:p>
+                  </a:txBody>
+                  <a:tcPr marL="9525" marR="9525" marT="9525" marB="0" anchor="ctr">
+                    <a:lnL w="19050" cap="flat" cmpd="sng" algn="ctr">
+                      <a:solidFill>
+                        <a:schemeClr val="tx1"/>
+                      </a:solidFill>
+                      <a:prstDash val="solid"/>
+                      <a:round/>
+                      <a:headEnd type="none" w="med" len="med"/>
+                      <a:tailEnd type="none" w="med" len="med"/>
+                    </a:lnL>
+                    <a:lnR w="12700" cap="flat" cmpd="sng" algn="ctr">
+                      <a:solidFill>
+                        <a:schemeClr val="tx1"/>
+                      </a:solidFill>
+                      <a:prstDash val="solid"/>
+                      <a:round/>
+                      <a:headEnd type="none" w="med" len="med"/>
+                      <a:tailEnd type="none" w="med" len="med"/>
+                    </a:lnR>
+                    <a:solidFill>
+                      <a:schemeClr val="bg1"/>
+                    </a:solidFill>
+                  </a:tcPr>
+                </a:tc>
+                <a:tc>
+                  <a:txBody>
+                    <a:bodyPr/>
+                    <a:lstStyle/>
+                    <a:p>
+                      <a:pPr algn="ctr" fontAlgn="ctr"/>
+                      <a:r>
+                        <a:rPr lang="en-US" sz="1400" u="none" strike="noStrike" dirty="0">
+                          <a:effectLst/>
+                        </a:rPr>
+                        <a:t>25.78 min</a:t>
+                      </a:r>
+                      <a:endParaRPr lang="en-US" sz="1400" b="0" i="0" u="none" strike="noStrike" dirty="0">
+                        <a:solidFill>
+                          <a:srgbClr val="000000"/>
+                        </a:solidFill>
+                        <a:effectLst/>
+                        <a:latin typeface="Times New Roman" panose="02020603050405020304" pitchFamily="18" charset="0"/>
+                      </a:endParaRPr>
+                    </a:p>
+                  </a:txBody>
+                  <a:tcPr marL="9525" marR="9525" marT="9525" marB="0" anchor="ctr">
+                    <a:lnL w="12700" cap="flat" cmpd="sng" algn="ctr">
+                      <a:solidFill>
+                        <a:schemeClr val="tx1"/>
+                      </a:solidFill>
+                      <a:prstDash val="solid"/>
+                      <a:round/>
+                      <a:headEnd type="none" w="med" len="med"/>
+                      <a:tailEnd type="none" w="med" len="med"/>
+                    </a:lnL>
+                    <a:lnR w="28575" cap="flat" cmpd="sng" algn="ctr">
+                      <a:solidFill>
+                        <a:schemeClr val="tx1"/>
+                      </a:solidFill>
+                      <a:prstDash val="solid"/>
+                      <a:round/>
+                      <a:headEnd type="none" w="med" len="med"/>
+                      <a:tailEnd type="none" w="med" len="med"/>
+                    </a:lnR>
+                    <a:solidFill>
+                      <a:schemeClr val="bg1"/>
+                    </a:solidFill>
+                  </a:tcPr>
+                </a:tc>
+                <a:extLst>
+                  <a:ext uri="{0D108BD9-81ED-4DB2-BD59-A6C34878D82A}">
+                    <a16:rowId xmlns:a16="http://schemas.microsoft.com/office/drawing/2014/main" val="3169456499"/>
+                  </a:ext>
+                </a:extLst>
+              </a:tr>
+              <a:tr h="613094">
+                <a:tc>
+                  <a:txBody>
+                    <a:bodyPr/>
+                    <a:lstStyle/>
+                    <a:p>
+                      <a:pPr marL="342900" indent="-342900" algn="ctr" fontAlgn="ctr">
+                        <a:buAutoNum type="arabicPlain" startAt="150"/>
+                      </a:pPr>
+                      <a:r>
+                        <a:rPr lang="ru-RU" sz="1400" u="none" strike="noStrike" dirty="0" smtClean="0">
+                          <a:effectLst/>
+                        </a:rPr>
+                        <a:t>12</a:t>
+                      </a:r>
+                      <a:endParaRPr lang="ru-RU" sz="1400" b="0" i="0" u="none" strike="noStrike" dirty="0">
+                        <a:solidFill>
+                          <a:srgbClr val="000000"/>
+                        </a:solidFill>
+                        <a:effectLst/>
+                        <a:latin typeface="Times New Roman" panose="02020603050405020304" pitchFamily="18" charset="0"/>
+                      </a:endParaRPr>
+                    </a:p>
+                  </a:txBody>
+                  <a:tcPr marL="9525" marR="9525" marT="9525" marB="0" anchor="ctr">
+                    <a:lnL w="28575" cap="flat" cmpd="sng" algn="ctr">
+                      <a:solidFill>
+                        <a:schemeClr val="tx1"/>
+                      </a:solidFill>
+                      <a:prstDash val="solid"/>
+                      <a:round/>
+                      <a:headEnd type="none" w="med" len="med"/>
+                      <a:tailEnd type="none" w="med" len="med"/>
+                    </a:lnL>
+                    <a:lnR w="19050" cap="flat" cmpd="sng" algn="ctr">
+                      <a:solidFill>
+                        <a:schemeClr val="tx1"/>
+                      </a:solidFill>
+                      <a:prstDash val="solid"/>
+                      <a:round/>
+                      <a:headEnd type="none" w="med" len="med"/>
+                      <a:tailEnd type="none" w="med" len="med"/>
+                    </a:lnR>
+                    <a:lnB w="28575" cap="flat" cmpd="sng" algn="ctr">
+                      <a:solidFill>
+                        <a:schemeClr val="tx1"/>
+                      </a:solidFill>
+                      <a:prstDash val="solid"/>
+                      <a:round/>
+                      <a:headEnd type="none" w="med" len="med"/>
+                      <a:tailEnd type="none" w="med" len="med"/>
+                    </a:lnB>
+                    <a:solidFill>
+                      <a:schemeClr val="bg1"/>
+                    </a:solidFill>
+                  </a:tcPr>
+                </a:tc>
+                <a:tc>
+                  <a:txBody>
+                    <a:bodyPr/>
+                    <a:lstStyle/>
+                    <a:p>
+                      <a:pPr algn="ctr" fontAlgn="ctr"/>
+                      <a:r>
+                        <a:rPr lang="ru-RU" sz="1400" u="none" strike="noStrike" dirty="0">
+                          <a:effectLst/>
+                        </a:rPr>
+                        <a:t>_</a:t>
+                      </a:r>
+                      <a:endParaRPr lang="ru-RU" sz="1400" b="0" i="0" u="none" strike="noStrike" dirty="0">
+                        <a:solidFill>
+                          <a:srgbClr val="000000"/>
+                        </a:solidFill>
+                        <a:effectLst/>
+                        <a:latin typeface="Times New Roman" panose="02020603050405020304" pitchFamily="18" charset="0"/>
+                      </a:endParaRPr>
+                    </a:p>
+                  </a:txBody>
+                  <a:tcPr marL="9525" marR="9525" marT="9525" marB="0" anchor="ctr">
+                    <a:lnL w="19050" cap="flat" cmpd="sng" algn="ctr">
+                      <a:solidFill>
+                        <a:schemeClr val="tx1"/>
+                      </a:solidFill>
+                      <a:prstDash val="solid"/>
+                      <a:round/>
+                      <a:headEnd type="none" w="med" len="med"/>
+                      <a:tailEnd type="none" w="med" len="med"/>
+                    </a:lnL>
+                    <a:lnR w="12700" cap="flat" cmpd="sng" algn="ctr">
+                      <a:solidFill>
+                        <a:schemeClr val="tx1"/>
+                      </a:solidFill>
+                      <a:prstDash val="solid"/>
+                      <a:round/>
+                      <a:headEnd type="none" w="med" len="med"/>
+                      <a:tailEnd type="none" w="med" len="med"/>
+                    </a:lnR>
+                    <a:lnB w="28575" cap="flat" cmpd="sng" algn="ctr">
+                      <a:solidFill>
+                        <a:schemeClr val="tx1"/>
+                      </a:solidFill>
+                      <a:prstDash val="solid"/>
+                      <a:round/>
+                      <a:headEnd type="none" w="med" len="med"/>
+                      <a:tailEnd type="none" w="med" len="med"/>
+                    </a:lnB>
+                    <a:solidFill>
+                      <a:schemeClr val="bg1"/>
+                    </a:solidFill>
+                  </a:tcPr>
+                </a:tc>
+                <a:tc>
+                  <a:txBody>
+                    <a:bodyPr/>
+                    <a:lstStyle/>
+                    <a:p>
+                      <a:pPr algn="ctr" fontAlgn="ctr"/>
+                      <a:r>
+                        <a:rPr lang="ru-RU" sz="1400" u="none" strike="noStrike" dirty="0">
+                          <a:effectLst/>
+                        </a:rPr>
+                        <a:t>_</a:t>
+                      </a:r>
+                      <a:endParaRPr lang="ru-RU" sz="1400" b="0" i="0" u="none" strike="noStrike" dirty="0">
+                        <a:solidFill>
+                          <a:srgbClr val="000000"/>
+                        </a:solidFill>
+                        <a:effectLst/>
+                        <a:latin typeface="Times New Roman" panose="02020603050405020304" pitchFamily="18" charset="0"/>
+                      </a:endParaRPr>
+                    </a:p>
+                  </a:txBody>
+                  <a:tcPr marL="9525" marR="9525" marT="9525" marB="0" anchor="ctr">
+                    <a:lnL w="12700" cap="flat" cmpd="sng" algn="ctr">
+                      <a:solidFill>
+                        <a:schemeClr val="tx1"/>
+                      </a:solidFill>
+                      <a:prstDash val="solid"/>
+                      <a:round/>
+                      <a:headEnd type="none" w="med" len="med"/>
+                      <a:tailEnd type="none" w="med" len="med"/>
+                    </a:lnL>
+                    <a:lnR w="12700" cap="flat" cmpd="sng" algn="ctr">
+                      <a:solidFill>
+                        <a:schemeClr val="tx1"/>
+                      </a:solidFill>
+                      <a:prstDash val="solid"/>
+                      <a:round/>
+                      <a:headEnd type="none" w="med" len="med"/>
+                      <a:tailEnd type="none" w="med" len="med"/>
+                    </a:lnR>
+                    <a:lnB w="28575" cap="flat" cmpd="sng" algn="ctr">
+                      <a:solidFill>
+                        <a:schemeClr val="tx1"/>
+                      </a:solidFill>
+                      <a:prstDash val="solid"/>
+                      <a:round/>
+                      <a:headEnd type="none" w="med" len="med"/>
+                      <a:tailEnd type="none" w="med" len="med"/>
+                    </a:lnB>
+                    <a:solidFill>
+                      <a:schemeClr val="bg1"/>
+                    </a:solidFill>
+                  </a:tcPr>
+                </a:tc>
+                <a:tc>
+                  <a:txBody>
+                    <a:bodyPr/>
+                    <a:lstStyle/>
+                    <a:p>
+                      <a:pPr algn="ctr" fontAlgn="ctr"/>
+                      <a:r>
+                        <a:rPr lang="ru-RU" sz="1400" u="none" strike="noStrike" dirty="0">
+                          <a:effectLst/>
+                        </a:rPr>
+                        <a:t>_</a:t>
+                      </a:r>
+                      <a:endParaRPr lang="ru-RU" sz="1400" b="0" i="0" u="none" strike="noStrike" dirty="0">
+                        <a:solidFill>
+                          <a:srgbClr val="000000"/>
+                        </a:solidFill>
+                        <a:effectLst/>
+                        <a:latin typeface="Times New Roman" panose="02020603050405020304" pitchFamily="18" charset="0"/>
+                      </a:endParaRPr>
+                    </a:p>
+                  </a:txBody>
+                  <a:tcPr marL="9525" marR="9525" marT="9525" marB="0" anchor="ctr">
+                    <a:lnL w="12700" cap="flat" cmpd="sng" algn="ctr">
+                      <a:solidFill>
+                        <a:schemeClr val="tx1"/>
+                      </a:solidFill>
+                      <a:prstDash val="solid"/>
+                      <a:round/>
+                      <a:headEnd type="none" w="med" len="med"/>
+                      <a:tailEnd type="none" w="med" len="med"/>
+                    </a:lnL>
+                    <a:lnR w="19050" cap="flat" cmpd="sng" algn="ctr">
+                      <a:solidFill>
+                        <a:schemeClr val="tx1"/>
+                      </a:solidFill>
+                      <a:prstDash val="solid"/>
+                      <a:round/>
+                      <a:headEnd type="none" w="med" len="med"/>
+                      <a:tailEnd type="none" w="med" len="med"/>
+                    </a:lnR>
+                    <a:lnB w="28575" cap="flat" cmpd="sng" algn="ctr">
+                      <a:solidFill>
+                        <a:schemeClr val="tx1"/>
+                      </a:solidFill>
+                      <a:prstDash val="solid"/>
+                      <a:round/>
+                      <a:headEnd type="none" w="med" len="med"/>
+                      <a:tailEnd type="none" w="med" len="med"/>
+                    </a:lnB>
+                    <a:solidFill>
+                      <a:schemeClr val="bg1"/>
+                    </a:solidFill>
+                  </a:tcPr>
+                </a:tc>
+                <a:tc>
+                  <a:txBody>
+                    <a:bodyPr/>
+                    <a:lstStyle/>
+                    <a:p>
+                      <a:pPr algn="ctr" fontAlgn="ctr"/>
+                      <a:r>
+                        <a:rPr lang="ru-RU" sz="1400" u="none" strike="noStrike" dirty="0">
+                          <a:effectLst/>
+                        </a:rPr>
+                        <a:t>_</a:t>
+                      </a:r>
+                      <a:endParaRPr lang="ru-RU" sz="1400" b="0" i="0" u="none" strike="noStrike" dirty="0">
+                        <a:solidFill>
+                          <a:srgbClr val="000000"/>
+                        </a:solidFill>
+                        <a:effectLst/>
+                        <a:latin typeface="Times New Roman" panose="02020603050405020304" pitchFamily="18" charset="0"/>
+                      </a:endParaRPr>
+                    </a:p>
+                  </a:txBody>
+                  <a:tcPr marL="9525" marR="9525" marT="9525" marB="0" anchor="ctr">
+                    <a:lnL w="19050" cap="flat" cmpd="sng" algn="ctr">
+                      <a:solidFill>
+                        <a:schemeClr val="tx1"/>
+                      </a:solidFill>
+                      <a:prstDash val="solid"/>
+                      <a:round/>
+                      <a:headEnd type="none" w="med" len="med"/>
+                      <a:tailEnd type="none" w="med" len="med"/>
+                    </a:lnL>
+                    <a:lnR w="12700" cap="flat" cmpd="sng" algn="ctr">
+                      <a:solidFill>
+                        <a:schemeClr val="tx1"/>
+                      </a:solidFill>
+                      <a:prstDash val="solid"/>
+                      <a:round/>
+                      <a:headEnd type="none" w="med" len="med"/>
+                      <a:tailEnd type="none" w="med" len="med"/>
+                    </a:lnR>
+                    <a:lnB w="28575" cap="flat" cmpd="sng" algn="ctr">
+                      <a:solidFill>
+                        <a:schemeClr val="tx1"/>
+                      </a:solidFill>
+                      <a:prstDash val="solid"/>
+                      <a:round/>
+                      <a:headEnd type="none" w="med" len="med"/>
+                      <a:tailEnd type="none" w="med" len="med"/>
+                    </a:lnB>
+                    <a:solidFill>
+                      <a:schemeClr val="bg1"/>
+                    </a:solidFill>
+                  </a:tcPr>
+                </a:tc>
+                <a:tc>
+                  <a:txBody>
+                    <a:bodyPr/>
+                    <a:lstStyle/>
+                    <a:p>
+                      <a:pPr algn="ctr" fontAlgn="ctr"/>
+                      <a:r>
+                        <a:rPr lang="ru-RU" sz="1400" u="none" strike="noStrike" dirty="0">
+                          <a:effectLst/>
+                        </a:rPr>
+                        <a:t>_</a:t>
+                      </a:r>
+                      <a:endParaRPr lang="ru-RU" sz="1400" b="0" i="0" u="none" strike="noStrike" dirty="0">
+                        <a:solidFill>
+                          <a:srgbClr val="000000"/>
+                        </a:solidFill>
+                        <a:effectLst/>
+                        <a:latin typeface="Times New Roman" panose="02020603050405020304" pitchFamily="18" charset="0"/>
+                      </a:endParaRPr>
+                    </a:p>
+                  </a:txBody>
+                  <a:tcPr marL="9525" marR="9525" marT="9525" marB="0" anchor="ctr">
+                    <a:lnL w="12700" cap="flat" cmpd="sng" algn="ctr">
+                      <a:solidFill>
+                        <a:schemeClr val="tx1"/>
+                      </a:solidFill>
+                      <a:prstDash val="solid"/>
+                      <a:round/>
+                      <a:headEnd type="none" w="med" len="med"/>
+                      <a:tailEnd type="none" w="med" len="med"/>
+                    </a:lnL>
+                    <a:lnR w="28575" cap="flat" cmpd="sng" algn="ctr">
+                      <a:solidFill>
+                        <a:schemeClr val="tx1"/>
+                      </a:solidFill>
+                      <a:prstDash val="solid"/>
+                      <a:round/>
+                      <a:headEnd type="none" w="med" len="med"/>
+                      <a:tailEnd type="none" w="med" len="med"/>
+                    </a:lnR>
+                    <a:lnB w="28575" cap="flat" cmpd="sng" algn="ctr">
+                      <a:solidFill>
+                        <a:schemeClr val="tx1"/>
+                      </a:solidFill>
+                      <a:prstDash val="solid"/>
+                      <a:round/>
+                      <a:headEnd type="none" w="med" len="med"/>
+                      <a:tailEnd type="none" w="med" len="med"/>
+                    </a:lnB>
+                    <a:solidFill>
+                      <a:schemeClr val="bg1"/>
+                    </a:solidFill>
+                  </a:tcPr>
+                </a:tc>
+                <a:extLst>
+                  <a:ext uri="{0D108BD9-81ED-4DB2-BD59-A6C34878D82A}">
+                    <a16:rowId xmlns:a16="http://schemas.microsoft.com/office/drawing/2014/main" val="2694470678"/>
+                  </a:ext>
+                </a:extLst>
+              </a:tr>
+            </a:tbl>
+          </a:graphicData>
+        </a:graphic>
+      </p:graphicFrame>
+      <p:sp>
+        <p:nvSpPr>
+          <p:cNvPr id="4" name="Номер слайда 3"/>
+          <p:cNvSpPr>
+            <a:spLocks noGrp="1"/>
+          </p:cNvSpPr>
+          <p:nvPr>
+            <p:ph type="sldNum" sz="quarter" idx="12"/>
+          </p:nvPr>
+        </p:nvSpPr>
+        <p:spPr/>
+        <p:txBody>
+          <a:bodyPr/>
+          <a:lstStyle/>
+          <a:p>
+            <a:fld id="{9171452A-E4C5-4FCE-999B-408265C67809}" type="slidenum">
+              <a:rPr lang="ru-RU" smtClean="0"/>
+              <a:t>12</a:t>
+            </a:fld>
+            <a:endParaRPr lang="ru-RU"/>
+          </a:p>
+        </p:txBody>
+      </p:sp>
+    </p:spTree>
+    <p:extLst>
+      <p:ext uri="{BB962C8B-B14F-4D97-AF65-F5344CB8AC3E}">
+        <p14:creationId xmlns:p14="http://schemas.microsoft.com/office/powerpoint/2010/main" val="3019075615"/>
+      </p:ext>
+    </p:extLst>
+  </p:cSld>
+  <p:clrMapOvr>
+    <a:masterClrMapping/>
+  </p:clrMapOvr>
+  <p:timing>
+    <p:tnLst>
+      <p:par>
+        <p:cTn id="1" dur="indefinite" restart="never" nodeType="tmRoot"/>
+      </p:par>
+    </p:tnLst>
+  </p:timing>
+</p:sld>
+</file>
+
+<file path=ppt/slides/slide13.xml><?xml version="1.0" encoding="utf-8"?>
+<p:sld xmlns:a="http://schemas.openxmlformats.org/drawingml/2006/main" xmlns:r="http://schemas.openxmlformats.org/officeDocument/2006/relationships" xmlns:p="http://schemas.openxmlformats.org/presentationml/2006/main">
+  <p:cSld>
+    <p:spTree>
+      <p:nvGrpSpPr>
+        <p:cNvPr id="1" name=""/>
+        <p:cNvGrpSpPr/>
+        <p:nvPr/>
+      </p:nvGrpSpPr>
+      <p:grpSpPr>
+        <a:xfrm>
+          <a:off x="0" y="0"/>
+          <a:ext cx="0" cy="0"/>
+          <a:chOff x="0" y="0"/>
+          <a:chExt cx="0" cy="0"/>
+        </a:xfrm>
+      </p:grpSpPr>
+      <p:sp>
+        <p:nvSpPr>
+          <p:cNvPr id="2" name="Заголовок 1"/>
+          <p:cNvSpPr>
+            <a:spLocks noGrp="1"/>
+          </p:cNvSpPr>
+          <p:nvPr>
+            <p:ph type="title"/>
+          </p:nvPr>
+        </p:nvSpPr>
+        <p:spPr/>
+        <p:txBody>
+          <a:bodyPr/>
+          <a:lstStyle/>
+          <a:p>
+            <a:r>
+              <a:rPr lang="ru-RU" dirty="0" smtClean="0">
+                <a:latin typeface="Times New Roman" panose="02020603050405020304" pitchFamily="18" charset="0"/>
+                <a:cs typeface="Times New Roman" panose="02020603050405020304" pitchFamily="18" charset="0"/>
+              </a:rPr>
+              <a:t>Дальнейшие исследования</a:t>
+            </a:r>
+            <a:r>
+              <a:rPr lang="ru-RU" dirty="0" smtClean="0"/>
+              <a:t>.</a:t>
+            </a:r>
+            <a:endParaRPr lang="ru-RU" dirty="0"/>
+          </a:p>
+        </p:txBody>
+      </p:sp>
+      <p:sp>
+        <p:nvSpPr>
+          <p:cNvPr id="3" name="Объект 2"/>
+          <p:cNvSpPr>
+            <a:spLocks noGrp="1"/>
+          </p:cNvSpPr>
+          <p:nvPr>
+            <p:ph idx="1"/>
+          </p:nvPr>
+        </p:nvSpPr>
+        <p:spPr/>
+        <p:txBody>
+          <a:bodyPr/>
+          <a:lstStyle/>
+          <a:p>
+            <a:r>
+              <a:rPr lang="ru-RU" dirty="0" smtClean="0">
+                <a:latin typeface="Times New Roman" panose="02020603050405020304" pitchFamily="18" charset="0"/>
+                <a:cs typeface="Times New Roman" panose="02020603050405020304" pitchFamily="18" charset="0"/>
+              </a:rPr>
+              <a:t>Реализовать все </a:t>
+            </a:r>
+            <a:r>
+              <a:rPr lang="ru-RU" dirty="0" err="1" smtClean="0">
+                <a:latin typeface="Times New Roman" panose="02020603050405020304" pitchFamily="18" charset="0"/>
+                <a:cs typeface="Times New Roman" panose="02020603050405020304" pitchFamily="18" charset="0"/>
+              </a:rPr>
+              <a:t>кроссоверы</a:t>
+            </a:r>
+            <a:r>
+              <a:rPr lang="ru-RU" dirty="0" smtClean="0">
+                <a:latin typeface="Times New Roman" panose="02020603050405020304" pitchFamily="18" charset="0"/>
+                <a:cs typeface="Times New Roman" panose="02020603050405020304" pitchFamily="18" charset="0"/>
+              </a:rPr>
+              <a:t>.</a:t>
+            </a:r>
+          </a:p>
+          <a:p>
+            <a:r>
+              <a:rPr lang="ru-RU" dirty="0" smtClean="0">
+                <a:latin typeface="Times New Roman" panose="02020603050405020304" pitchFamily="18" charset="0"/>
+                <a:cs typeface="Times New Roman" panose="02020603050405020304" pitchFamily="18" charset="0"/>
+              </a:rPr>
+              <a:t>Реализовать больше операторов для локального поиска</a:t>
+            </a:r>
+            <a:r>
+              <a:rPr lang="ru-RU" dirty="0" smtClean="0">
+                <a:latin typeface="Times New Roman" panose="02020603050405020304" pitchFamily="18" charset="0"/>
+                <a:cs typeface="Times New Roman" panose="02020603050405020304" pitchFamily="18" charset="0"/>
+              </a:rPr>
+              <a:t>.</a:t>
+            </a:r>
+            <a:endParaRPr lang="en-US" dirty="0" smtClean="0">
+              <a:latin typeface="Times New Roman" panose="02020603050405020304" pitchFamily="18" charset="0"/>
+              <a:cs typeface="Times New Roman" panose="02020603050405020304" pitchFamily="18" charset="0"/>
+            </a:endParaRPr>
+          </a:p>
+        </p:txBody>
+      </p:sp>
+      <p:sp>
+        <p:nvSpPr>
+          <p:cNvPr id="4" name="Номер слайда 3"/>
+          <p:cNvSpPr>
+            <a:spLocks noGrp="1"/>
+          </p:cNvSpPr>
+          <p:nvPr>
+            <p:ph type="sldNum" sz="quarter" idx="12"/>
+          </p:nvPr>
+        </p:nvSpPr>
+        <p:spPr/>
+        <p:txBody>
+          <a:bodyPr/>
+          <a:lstStyle/>
+          <a:p>
+            <a:fld id="{9171452A-E4C5-4FCE-999B-408265C67809}" type="slidenum">
+              <a:rPr lang="ru-RU" sz="2800" smtClean="0"/>
+              <a:t>13</a:t>
+            </a:fld>
+            <a:endParaRPr lang="ru-RU" sz="2800" dirty="0"/>
+          </a:p>
+        </p:txBody>
+      </p:sp>
+    </p:spTree>
+    <p:extLst>
+      <p:ext uri="{BB962C8B-B14F-4D97-AF65-F5344CB8AC3E}">
+        <p14:creationId xmlns:p14="http://schemas.microsoft.com/office/powerpoint/2010/main" val="2768578886"/>
+      </p:ext>
+    </p:extLst>
+  </p:cSld>
+  <p:clrMapOvr>
+    <a:masterClrMapping/>
+  </p:clrMapOvr>
+  <p:timing>
+    <p:tnLst>
+      <p:par>
+        <p:cTn id="1" dur="indefinite" restart="never" nodeType="tmRoot"/>
+      </p:par>
+    </p:tnLst>
+  </p:timing>
+</p:sld>
+</file>
+
+<file path=ppt/slides/slide14.xml><?xml version="1.0" encoding="utf-8"?>
+<p:sld xmlns:a="http://schemas.openxmlformats.org/drawingml/2006/main" xmlns:r="http://schemas.openxmlformats.org/officeDocument/2006/relationships" xmlns:p="http://schemas.openxmlformats.org/presentationml/2006/main">
+  <p:cSld>
+    <p:spTree>
+      <p:nvGrpSpPr>
+        <p:cNvPr id="1" name=""/>
+        <p:cNvGrpSpPr/>
+        <p:nvPr/>
+      </p:nvGrpSpPr>
+      <p:grpSpPr>
+        <a:xfrm>
+          <a:off x="0" y="0"/>
+          <a:ext cx="0" cy="0"/>
+          <a:chOff x="0" y="0"/>
+          <a:chExt cx="0" cy="0"/>
+        </a:xfrm>
+      </p:grpSpPr>
+      <p:sp>
+        <p:nvSpPr>
+          <p:cNvPr id="2" name="Заголовок 1"/>
+          <p:cNvSpPr>
+            <a:spLocks noGrp="1"/>
+          </p:cNvSpPr>
+          <p:nvPr>
+            <p:ph type="title"/>
+          </p:nvPr>
+        </p:nvSpPr>
+        <p:spPr/>
+        <p:txBody>
+          <a:bodyPr/>
+          <a:lstStyle/>
+          <a:p>
+            <a:r>
+              <a:rPr lang="ru-RU" dirty="0" smtClean="0">
+                <a:latin typeface="Times New Roman" panose="02020603050405020304" pitchFamily="18" charset="0"/>
+                <a:cs typeface="Times New Roman" panose="02020603050405020304" pitchFamily="18" charset="0"/>
+              </a:rPr>
               <a:t>Литература.</a:t>
             </a:r>
             <a:endParaRPr lang="ru-RU" dirty="0">
@@ -6163,7 +13045,7 @@
           <a:p>
             <a:fld id="{9171452A-E4C5-4FCE-999B-408265C67809}" type="slidenum">
               <a:rPr lang="ru-RU" sz="2800" smtClean="0"/>
-              <a:t>12</a:t>
+              <a:t>14</a:t>
             </a:fld>
             <a:endParaRPr lang="ru-RU" sz="2800" dirty="0"/>
           </a:p>
@@ -6189,7 +13071,7 @@
 </p:sld>
 </file>
 
-<file path=ppt/slides/slide13.xml><?xml version="1.0" encoding="utf-8"?>
+<file path=ppt/slides/slide15.xml><?xml version="1.0" encoding="utf-8"?>
 <p:sld xmlns:a="http://schemas.openxmlformats.org/drawingml/2006/main" xmlns:r="http://schemas.openxmlformats.org/officeDocument/2006/relationships" xmlns:p="http://schemas.openxmlformats.org/presentationml/2006/main">
   <p:cSld>
     <p:spTree>
@@ -6256,7 +13138,7 @@
           <a:p>
             <a:fld id="{9171452A-E4C5-4FCE-999B-408265C67809}" type="slidenum">
               <a:rPr lang="ru-RU" sz="2800" smtClean="0"/>
-              <a:t>13</a:t>
+              <a:t>15</a:t>
             </a:fld>
             <a:endParaRPr lang="ru-RU" sz="2800" dirty="0"/>
           </a:p>
@@ -6415,6 +13297,19 @@
                 <a:cs typeface="Times New Roman" panose="02020603050405020304" pitchFamily="18" charset="0"/>
               </a:rPr>
               <a:t>кроссоверов</a:t>
+            </a:r>
+            <a:endParaRPr lang="ru-RU" dirty="0" smtClean="0">
+              <a:latin typeface="Times New Roman" panose="02020603050405020304" pitchFamily="18" charset="0"/>
+              <a:cs typeface="Times New Roman" panose="02020603050405020304" pitchFamily="18" charset="0"/>
+            </a:endParaRPr>
+          </a:p>
+          <a:p>
+            <a:r>
+              <a:rPr lang="ru-RU" dirty="0" smtClean="0">
+                <a:latin typeface="Times New Roman" panose="02020603050405020304" pitchFamily="18" charset="0"/>
+                <a:cs typeface="Times New Roman" panose="02020603050405020304" pitchFamily="18" charset="0"/>
+              </a:rPr>
+              <a:t>Варианты локального поиска</a:t>
             </a:r>
             <a:endParaRPr lang="ru-RU" dirty="0" smtClean="0">
               <a:latin typeface="Times New Roman" panose="02020603050405020304" pitchFamily="18" charset="0"/>
@@ -8698,8 +15593,8 @@
           <a:chExt cx="0" cy="0"/>
         </a:xfrm>
       </p:grpSpPr>
-      <mc:AlternateContent xmlns:mc="http://schemas.openxmlformats.org/markup-compatibility/2006" xmlns:a14="http://schemas.microsoft.com/office/drawing/2010/main">
-        <mc:Choice Requires="a14">
+      <mc:AlternateContent xmlns:mc="http://schemas.openxmlformats.org/markup-compatibility/2006">
+        <mc:Choice xmlns:a14="http://schemas.microsoft.com/office/drawing/2010/main" Requires="a14">
           <p:sp>
             <p:nvSpPr>
               <p:cNvPr id="7" name="Текст 6"/>
@@ -8881,8 +15776,78 @@
                     <a:latin typeface="Times New Roman" panose="02020603050405020304" pitchFamily="18" charset="0"/>
                     <a:cs typeface="Times New Roman" panose="02020603050405020304" pitchFamily="18" charset="0"/>
                   </a:rPr>
-                  <a:t>целое положительное число, задает число рабочих дней, необходимое одной БУ для выполнения всех изыскательных работ</a:t>
+                  <a:t>целые положительные числа, задают </a:t>
                 </a:r>
+                <a:r>
+                  <a:rPr lang="ru-RU" dirty="0" smtClean="0">
+                    <a:latin typeface="Times New Roman" panose="02020603050405020304" pitchFamily="18" charset="0"/>
+                    <a:cs typeface="Times New Roman" panose="02020603050405020304" pitchFamily="18" charset="0"/>
+                  </a:rPr>
+                  <a:t>число рабочих дней, необходимое одной БУ для выполнения всех изыскательных </a:t>
+                </a:r>
+                <a:r>
+                  <a:rPr lang="ru-RU" dirty="0" smtClean="0">
+                    <a:latin typeface="Times New Roman" panose="02020603050405020304" pitchFamily="18" charset="0"/>
+                    <a:cs typeface="Times New Roman" panose="02020603050405020304" pitchFamily="18" charset="0"/>
+                  </a:rPr>
+                  <a:t>работ</a:t>
+                </a:r>
+              </a:p>
+              <a:p>
+                <a:pPr marL="285750" indent="-285750">
+                  <a:buFont typeface="Arial" panose="020B0604020202020204" pitchFamily="34" charset="0"/>
+                  <a:buChar char="•"/>
+                </a:pPr>
+                <a14:m>
+                  <m:oMath xmlns:m="http://schemas.openxmlformats.org/officeDocument/2006/math">
+                    <m:sSub>
+                      <m:sSubPr>
+                        <m:ctrlPr>
+                          <a:rPr lang="ru-RU" i="1" smtClean="0">
+                            <a:latin typeface="Cambria Math" panose="02040503050406030204" pitchFamily="18" charset="0"/>
+                            <a:cs typeface="Times New Roman" panose="02020603050405020304" pitchFamily="18" charset="0"/>
+                          </a:rPr>
+                        </m:ctrlPr>
+                      </m:sSubPr>
+                      <m:e>
+                        <m:r>
+                          <a:rPr lang="en-US" b="0" i="1" smtClean="0">
+                            <a:latin typeface="Cambria Math" panose="02040503050406030204" pitchFamily="18" charset="0"/>
+                            <a:cs typeface="Times New Roman" panose="02020603050405020304" pitchFamily="18" charset="0"/>
+                          </a:rPr>
+                          <m:t>𝑘</m:t>
+                        </m:r>
+                      </m:e>
+                      <m:sub>
+                        <m:r>
+                          <a:rPr lang="en-US" b="0" i="1" smtClean="0">
+                            <a:latin typeface="Cambria Math" panose="02040503050406030204" pitchFamily="18" charset="0"/>
+                            <a:cs typeface="Times New Roman" panose="02020603050405020304" pitchFamily="18" charset="0"/>
+                          </a:rPr>
+                          <m:t>𝑖</m:t>
+                        </m:r>
+                      </m:sub>
+                    </m:sSub>
+                  </m:oMath>
+                </a14:m>
+                <a:r>
+                  <a:rPr lang="en-US" dirty="0" smtClean="0">
+                    <a:latin typeface="Times New Roman" panose="02020603050405020304" pitchFamily="18" charset="0"/>
+                    <a:cs typeface="Times New Roman" panose="02020603050405020304" pitchFamily="18" charset="0"/>
+                  </a:rPr>
+                  <a:t>-</a:t>
+                </a:r>
+                <a:r>
+                  <a:rPr lang="ru-RU" dirty="0" smtClean="0">
+                    <a:latin typeface="Times New Roman" panose="02020603050405020304" pitchFamily="18" charset="0"/>
+                    <a:cs typeface="Times New Roman" panose="02020603050405020304" pitchFamily="18" charset="0"/>
+                  </a:rPr>
+                  <a:t>целые положительные числа, задают число скважин на каждом объекте</a:t>
+                </a:r>
+                <a:endParaRPr lang="ru-RU" dirty="0" smtClean="0">
+                  <a:latin typeface="Times New Roman" panose="02020603050405020304" pitchFamily="18" charset="0"/>
+                  <a:cs typeface="Times New Roman" panose="02020603050405020304" pitchFamily="18" charset="0"/>
+                </a:endParaRPr>
               </a:p>
               <a:p>
                 <a:r>
@@ -9385,7 +16350,7 @@
             </p:txBody>
           </p:sp>
         </mc:Choice>
-        <mc:Fallback xmlns="">
+        <mc:Fallback>
           <p:sp>
             <p:nvSpPr>
               <p:cNvPr id="7" name="Текст 6"/>
@@ -9555,8 +16520,8 @@
           </a:p>
         </p:txBody>
       </p:sp>
-      <mc:AlternateContent xmlns:mc="http://schemas.openxmlformats.org/markup-compatibility/2006" xmlns:a14="http://schemas.microsoft.com/office/drawing/2010/main">
-        <mc:Choice Requires="a14">
+      <mc:AlternateContent xmlns:mc="http://schemas.openxmlformats.org/markup-compatibility/2006">
+        <mc:Choice xmlns:a14="http://schemas.microsoft.com/office/drawing/2010/main" Requires="a14">
           <p:sp>
             <p:nvSpPr>
               <p:cNvPr id="4" name="Объект 3"/>
@@ -9570,7 +16535,7 @@
             <p:spPr/>
             <p:txBody>
               <a:bodyPr>
-                <a:normAutofit fontScale="92500" lnSpcReduction="10000"/>
+                <a:normAutofit fontScale="92500" lnSpcReduction="20000"/>
               </a:bodyPr>
               <a:lstStyle/>
               <a:p>
@@ -9844,8 +16809,43 @@
                     <a:latin typeface="Times New Roman" panose="02020603050405020304" pitchFamily="18" charset="0"/>
                     <a:cs typeface="Times New Roman" panose="02020603050405020304" pitchFamily="18" charset="0"/>
                   </a:rPr>
-                  <a:t>К полученному решению применить оператор мутации и оператор локального улучшения</a:t>
+                  <a:t>К полученному решению применить оператор мутации и оператор локального </a:t>
                 </a:r>
+                <a:r>
+                  <a:rPr lang="ru-RU" dirty="0" smtClean="0">
+                    <a:latin typeface="Times New Roman" panose="02020603050405020304" pitchFamily="18" charset="0"/>
+                    <a:cs typeface="Times New Roman" panose="02020603050405020304" pitchFamily="18" charset="0"/>
+                  </a:rPr>
+                  <a:t>улучшения</a:t>
+                </a:r>
+                <a:endParaRPr lang="en-US" dirty="0" smtClean="0">
+                  <a:latin typeface="Times New Roman" panose="02020603050405020304" pitchFamily="18" charset="0"/>
+                  <a:cs typeface="Times New Roman" panose="02020603050405020304" pitchFamily="18" charset="0"/>
+                </a:endParaRPr>
+              </a:p>
+              <a:p>
+                <a:pPr marL="914400" lvl="1" indent="-457200">
+                  <a:buFont typeface="+mj-lt"/>
+                  <a:buAutoNum type="arabicParenR"/>
+                </a:pPr>
+                <a:r>
+                  <a:rPr lang="ru-RU" dirty="0" smtClean="0">
+                    <a:latin typeface="Times New Roman" panose="02020603050405020304" pitchFamily="18" charset="0"/>
+                    <a:cs typeface="Times New Roman" panose="02020603050405020304" pitchFamily="18" charset="0"/>
+                  </a:rPr>
+                  <a:t>После оператора локального улучшения, применить оператор </a:t>
+                </a:r>
+                <a:r>
+                  <a:rPr lang="en-US" dirty="0" smtClean="0">
+                    <a:latin typeface="Times New Roman" panose="02020603050405020304" pitchFamily="18" charset="0"/>
+                    <a:cs typeface="Times New Roman" panose="02020603050405020304" pitchFamily="18" charset="0"/>
+                  </a:rPr>
+                  <a:t>Help</a:t>
+                </a:r>
+                <a:endParaRPr lang="ru-RU" dirty="0" smtClean="0">
+                  <a:latin typeface="Times New Roman" panose="02020603050405020304" pitchFamily="18" charset="0"/>
+                  <a:cs typeface="Times New Roman" panose="02020603050405020304" pitchFamily="18" charset="0"/>
+                </a:endParaRPr>
               </a:p>
               <a:p>
                 <a:pPr marL="914400" lvl="1" indent="-457200">
@@ -9916,7 +16916,7 @@
             </p:txBody>
           </p:sp>
         </mc:Choice>
-        <mc:Fallback xmlns="">
+        <mc:Fallback>
           <p:sp>
             <p:nvSpPr>
               <p:cNvPr id="4" name="Объект 3"/>
@@ -9931,7 +16931,7 @@
               <a:blipFill>
                 <a:blip r:embed="rId3"/>
                 <a:stretch>
-                  <a:fillRect l="-928" t="-3081" r="-754" b="-2381"/>
+                  <a:fillRect l="-928" t="-3782" r="-754"/>
                 </a:stretch>
               </a:blipFill>
             </p:spPr>
@@ -11890,8 +18890,8 @@
           </a:p>
         </p:txBody>
       </p:sp>
-      <mc:AlternateContent xmlns:mc="http://schemas.openxmlformats.org/markup-compatibility/2006" xmlns:a14="http://schemas.microsoft.com/office/drawing/2010/main">
-        <mc:Choice Requires="a14">
+      <mc:AlternateContent xmlns:mc="http://schemas.openxmlformats.org/markup-compatibility/2006">
+        <mc:Choice xmlns:a14="http://schemas.microsoft.com/office/drawing/2010/main" Requires="a14">
           <p:sp>
             <p:nvSpPr>
               <p:cNvPr id="3" name="Объект 2"/>
@@ -11980,7 +18980,7 @@
                 </a:r>
                 <a:r>
                   <a:rPr lang="ru-RU" dirty="0" smtClean="0"/>
-                  <a:t> </a:t>
+                  <a:t>* </a:t>
                 </a:r>
                 <a:r>
                   <a:rPr lang="en-US" dirty="0" smtClean="0"/>
@@ -12051,7 +19051,7 @@
             </p:txBody>
           </p:sp>
         </mc:Choice>
-        <mc:Fallback xmlns="">
+        <mc:Fallback>
           <p:sp>
             <p:nvSpPr>
               <p:cNvPr id="3" name="Объект 2"/>

--- a/cpeck/diplom.pptx
+++ b/cpeck/diplom.pptx
@@ -214,7 +214,7 @@
           <a:p>
             <a:fld id="{BBF85703-EE90-4580-85AF-EA7094EE9115}" type="datetimeFigureOut">
               <a:rPr lang="ru-RU" smtClean="0"/>
-              <a:t>03/05/2020</a:t>
+              <a:t>06/05/2020</a:t>
             </a:fld>
             <a:endParaRPr lang="ru-RU"/>
           </a:p>
@@ -620,11 +620,7 @@
             </a:r>
             <a:r>
               <a:rPr lang="ru-RU" dirty="0" smtClean="0"/>
-              <a:t>частично </a:t>
-            </a:r>
-            <a:r>
-              <a:rPr lang="ru-RU" dirty="0" smtClean="0"/>
-              <a:t>целочисленного линейного</a:t>
+              <a:t>частично целочисленного линейного</a:t>
             </a:r>
             <a:r>
               <a:rPr lang="ru-RU" baseline="0" dirty="0" smtClean="0"/>
@@ -1016,11 +1012,7 @@
               <a:p>
                 <a:r>
                   <a:rPr lang="ru-RU" dirty="0" smtClean="0"/>
-                  <a:t>4.5) </a:t>
-                </a:r>
-                <a:r>
-                  <a:rPr lang="ru-RU" dirty="0" smtClean="0"/>
-                  <a:t>Удаление решение тоже можно сделать по разному удалять худшего</a:t>
+                  <a:t>4.5) Удаление решение тоже можно сделать по разному удалять худшего</a:t>
                 </a:r>
                 <a:r>
                   <a:rPr lang="ru-RU" baseline="0" dirty="0" smtClean="0"/>
@@ -1496,7 +1488,6 @@
               <a:rPr lang="ru-RU" baseline="0" dirty="0" smtClean="0"/>
               <a:t>  подается два решения. На выход получаем новое третье решение, полученное из первых двух. </a:t>
             </a:r>
-            <a:endParaRPr lang="ru-RU" baseline="0" dirty="0" smtClean="0"/>
           </a:p>
           <a:p>
             <a:r>
@@ -1721,17 +1712,8 @@
             </a:r>
             <a:r>
               <a:rPr lang="ru-RU" baseline="0" dirty="0" smtClean="0"/>
-              <a:t> </a:t>
+              <a:t> два маршрута и разрываем их а  потом склеиваем их но по другому</a:t>
             </a:r>
-            <a:r>
-              <a:rPr lang="ru-RU" baseline="0" dirty="0" smtClean="0"/>
-              <a:t>два маршрута и разрываем их а  потом склеиваем их но по </a:t>
-            </a:r>
-            <a:r>
-              <a:rPr lang="ru-RU" baseline="0" dirty="0" smtClean="0"/>
-              <a:t>другому</a:t>
-            </a:r>
-            <a:endParaRPr lang="ru-RU" baseline="0" dirty="0" smtClean="0"/>
           </a:p>
         </p:txBody>
       </p:sp>
@@ -2086,7 +2068,7 @@
           <a:p>
             <a:fld id="{F9CC9E3F-DD9F-46B3-BA2B-82CCB0AB45D8}" type="datetime1">
               <a:rPr lang="ru-RU" smtClean="0"/>
-              <a:t>03/05/2020</a:t>
+              <a:t>06/05/2020</a:t>
             </a:fld>
             <a:endParaRPr lang="ru-RU"/>
           </a:p>
@@ -2256,7 +2238,7 @@
           <a:p>
             <a:fld id="{381955DC-8BDE-43A9-8606-2B798AFC22DA}" type="datetime1">
               <a:rPr lang="ru-RU" smtClean="0"/>
-              <a:t>03/05/2020</a:t>
+              <a:t>06/05/2020</a:t>
             </a:fld>
             <a:endParaRPr lang="ru-RU"/>
           </a:p>
@@ -2436,7 +2418,7 @@
           <a:p>
             <a:fld id="{19C577BF-68FF-4817-871A-5FAB63D65E6E}" type="datetime1">
               <a:rPr lang="ru-RU" smtClean="0"/>
-              <a:t>03/05/2020</a:t>
+              <a:t>06/05/2020</a:t>
             </a:fld>
             <a:endParaRPr lang="ru-RU"/>
           </a:p>
@@ -2606,7 +2588,7 @@
           <a:p>
             <a:fld id="{3A606278-A98A-4E8F-B825-8DD968401051}" type="datetime1">
               <a:rPr lang="ru-RU" smtClean="0"/>
-              <a:t>03/05/2020</a:t>
+              <a:t>06/05/2020</a:t>
             </a:fld>
             <a:endParaRPr lang="ru-RU"/>
           </a:p>
@@ -2852,7 +2834,7 @@
           <a:p>
             <a:fld id="{32187602-E65D-4461-AD47-ACF81819BB9A}" type="datetime1">
               <a:rPr lang="ru-RU" smtClean="0"/>
-              <a:t>03/05/2020</a:t>
+              <a:t>06/05/2020</a:t>
             </a:fld>
             <a:endParaRPr lang="ru-RU"/>
           </a:p>
@@ -3084,7 +3066,7 @@
           <a:p>
             <a:fld id="{BC2802B6-2672-4DB5-A19C-63F7E463C685}" type="datetime1">
               <a:rPr lang="ru-RU" smtClean="0"/>
-              <a:t>03/05/2020</a:t>
+              <a:t>06/05/2020</a:t>
             </a:fld>
             <a:endParaRPr lang="ru-RU"/>
           </a:p>
@@ -3451,7 +3433,7 @@
           <a:p>
             <a:fld id="{5F894B04-852D-4FA4-9DBB-0E4D3B1D8C25}" type="datetime1">
               <a:rPr lang="ru-RU" smtClean="0"/>
-              <a:t>03/05/2020</a:t>
+              <a:t>06/05/2020</a:t>
             </a:fld>
             <a:endParaRPr lang="ru-RU"/>
           </a:p>
@@ -3569,7 +3551,7 @@
           <a:p>
             <a:fld id="{C73CEC1E-ED97-424B-A00A-82668925A04A}" type="datetime1">
               <a:rPr lang="ru-RU" smtClean="0"/>
-              <a:t>03/05/2020</a:t>
+              <a:t>06/05/2020</a:t>
             </a:fld>
             <a:endParaRPr lang="ru-RU"/>
           </a:p>
@@ -3664,7 +3646,7 @@
           <a:p>
             <a:fld id="{305FB56C-CE87-4542-9CAF-F110C3D8BB23}" type="datetime1">
               <a:rPr lang="ru-RU" smtClean="0"/>
-              <a:t>03/05/2020</a:t>
+              <a:t>06/05/2020</a:t>
             </a:fld>
             <a:endParaRPr lang="ru-RU"/>
           </a:p>
@@ -3941,7 +3923,7 @@
           <a:p>
             <a:fld id="{E8526DC7-5238-458A-9F3B-12AEE5076CBE}" type="datetime1">
               <a:rPr lang="ru-RU" smtClean="0"/>
-              <a:t>03/05/2020</a:t>
+              <a:t>06/05/2020</a:t>
             </a:fld>
             <a:endParaRPr lang="ru-RU"/>
           </a:p>
@@ -4194,7 +4176,7 @@
           <a:p>
             <a:fld id="{77CA1DD9-FED3-41BB-B05E-B7ABE45C97C0}" type="datetime1">
               <a:rPr lang="ru-RU" smtClean="0"/>
-              <a:t>03/05/2020</a:t>
+              <a:t>06/05/2020</a:t>
             </a:fld>
             <a:endParaRPr lang="ru-RU"/>
           </a:p>
@@ -4407,7 +4389,7 @@
           <a:p>
             <a:fld id="{A02FE817-CB1E-478C-9DF4-A675946A3299}" type="datetime1">
               <a:rPr lang="ru-RU" smtClean="0"/>
-              <a:t>03/05/2020</a:t>
+              <a:t>06/05/2020</a:t>
             </a:fld>
             <a:endParaRPr lang="ru-RU"/>
           </a:p>
@@ -12767,14 +12749,7 @@
                 <a:latin typeface="Times New Roman" panose="02020603050405020304" pitchFamily="18" charset="0"/>
                 <a:cs typeface="Times New Roman" panose="02020603050405020304" pitchFamily="18" charset="0"/>
               </a:rPr>
-              <a:t>Реализовать больше операторов для локального поиска</a:t>
-            </a:r>
-            <a:r>
-              <a:rPr lang="ru-RU" dirty="0" smtClean="0">
-                <a:latin typeface="Times New Roman" panose="02020603050405020304" pitchFamily="18" charset="0"/>
-                <a:cs typeface="Times New Roman" panose="02020603050405020304" pitchFamily="18" charset="0"/>
-              </a:rPr>
-              <a:t>.</a:t>
+              <a:t>Реализовать больше операторов для локального поиска.</a:t>
             </a:r>
             <a:endParaRPr lang="en-US" dirty="0" smtClean="0">
               <a:latin typeface="Times New Roman" panose="02020603050405020304" pitchFamily="18" charset="0"/>
@@ -13311,10 +13286,6 @@
               </a:rPr>
               <a:t>Варианты локального поиска</a:t>
             </a:r>
-            <a:endParaRPr lang="ru-RU" dirty="0" smtClean="0">
-              <a:latin typeface="Times New Roman" panose="02020603050405020304" pitchFamily="18" charset="0"/>
-              <a:cs typeface="Times New Roman" panose="02020603050405020304" pitchFamily="18" charset="0"/>
-            </a:endParaRPr>
           </a:p>
           <a:p>
             <a:r>
@@ -15593,8 +15564,8 @@
           <a:chExt cx="0" cy="0"/>
         </a:xfrm>
       </p:grpSpPr>
-      <mc:AlternateContent xmlns:mc="http://schemas.openxmlformats.org/markup-compatibility/2006">
-        <mc:Choice xmlns:a14="http://schemas.microsoft.com/office/drawing/2010/main" Requires="a14">
+      <mc:AlternateContent xmlns:mc="http://schemas.openxmlformats.org/markup-compatibility/2006" xmlns:a14="http://schemas.microsoft.com/office/drawing/2010/main">
+        <mc:Choice Requires="a14">
           <p:sp>
             <p:nvSpPr>
               <p:cNvPr id="7" name="Текст 6"/>
@@ -15776,21 +15747,7 @@
                     <a:latin typeface="Times New Roman" panose="02020603050405020304" pitchFamily="18" charset="0"/>
                     <a:cs typeface="Times New Roman" panose="02020603050405020304" pitchFamily="18" charset="0"/>
                   </a:rPr>
-                  <a:t>целые положительные числа, задают </a:t>
-                </a:r>
-                <a:r>
-                  <a:rPr lang="ru-RU" dirty="0" smtClean="0">
-                    <a:latin typeface="Times New Roman" panose="02020603050405020304" pitchFamily="18" charset="0"/>
-                    <a:cs typeface="Times New Roman" panose="02020603050405020304" pitchFamily="18" charset="0"/>
-                  </a:rPr>
-                  <a:t>число рабочих дней, необходимое одной БУ для выполнения всех изыскательных </a:t>
-                </a:r>
-                <a:r>
-                  <a:rPr lang="ru-RU" dirty="0" smtClean="0">
-                    <a:latin typeface="Times New Roman" panose="02020603050405020304" pitchFamily="18" charset="0"/>
-                    <a:cs typeface="Times New Roman" panose="02020603050405020304" pitchFamily="18" charset="0"/>
-                  </a:rPr>
-                  <a:t>работ</a:t>
+                  <a:t>целые положительные числа, задают число рабочих дней, необходимое одной БУ для выполнения всех изыскательных работ</a:t>
                 </a:r>
               </a:p>
               <a:p>
@@ -15844,10 +15801,6 @@
                   </a:rPr>
                   <a:t>целые положительные числа, задают число скважин на каждом объекте</a:t>
                 </a:r>
-                <a:endParaRPr lang="ru-RU" dirty="0" smtClean="0">
-                  <a:latin typeface="Times New Roman" panose="02020603050405020304" pitchFamily="18" charset="0"/>
-                  <a:cs typeface="Times New Roman" panose="02020603050405020304" pitchFamily="18" charset="0"/>
-                </a:endParaRPr>
               </a:p>
               <a:p>
                 <a:r>
@@ -16350,7 +16303,7 @@
             </p:txBody>
           </p:sp>
         </mc:Choice>
-        <mc:Fallback>
+        <mc:Fallback xmlns="">
           <p:sp>
             <p:nvSpPr>
               <p:cNvPr id="7" name="Текст 6"/>
@@ -16520,8 +16473,8 @@
           </a:p>
         </p:txBody>
       </p:sp>
-      <mc:AlternateContent xmlns:mc="http://schemas.openxmlformats.org/markup-compatibility/2006">
-        <mc:Choice xmlns:a14="http://schemas.microsoft.com/office/drawing/2010/main" Requires="a14">
+      <mc:AlternateContent xmlns:mc="http://schemas.openxmlformats.org/markup-compatibility/2006" xmlns:a14="http://schemas.microsoft.com/office/drawing/2010/main">
+        <mc:Choice Requires="a14">
           <p:sp>
             <p:nvSpPr>
               <p:cNvPr id="4" name="Объект 3"/>
@@ -16809,14 +16762,7 @@
                     <a:latin typeface="Times New Roman" panose="02020603050405020304" pitchFamily="18" charset="0"/>
                     <a:cs typeface="Times New Roman" panose="02020603050405020304" pitchFamily="18" charset="0"/>
                   </a:rPr>
-                  <a:t>К полученному решению применить оператор мутации и оператор локального </a:t>
-                </a:r>
-                <a:r>
-                  <a:rPr lang="ru-RU" dirty="0" smtClean="0">
-                    <a:latin typeface="Times New Roman" panose="02020603050405020304" pitchFamily="18" charset="0"/>
-                    <a:cs typeface="Times New Roman" panose="02020603050405020304" pitchFamily="18" charset="0"/>
-                  </a:rPr>
-                  <a:t>улучшения</a:t>
+                  <a:t>К полученному решению применить оператор мутации и оператор локального улучшения</a:t>
                 </a:r>
                 <a:endParaRPr lang="en-US" dirty="0" smtClean="0">
                   <a:latin typeface="Times New Roman" panose="02020603050405020304" pitchFamily="18" charset="0"/>
@@ -16916,7 +16862,7 @@
             </p:txBody>
           </p:sp>
         </mc:Choice>
-        <mc:Fallback>
+        <mc:Fallback xmlns="">
           <p:sp>
             <p:nvSpPr>
               <p:cNvPr id="4" name="Объект 3"/>
@@ -17263,7 +17209,21 @@
                 <a:latin typeface="Times New Roman" panose="02020603050405020304" pitchFamily="18" charset="0"/>
                 <a:cs typeface="Times New Roman" panose="02020603050405020304" pitchFamily="18" charset="0"/>
               </a:rPr>
-              <a:t>Чередуем конец ребра из двух выбранных решений. </a:t>
+              <a:t>Чередуем </a:t>
+            </a:r>
+            <a:r>
+              <a:rPr lang="ru-RU" dirty="0" smtClean="0">
+                <a:latin typeface="Times New Roman" panose="02020603050405020304" pitchFamily="18" charset="0"/>
+                <a:cs typeface="Times New Roman" panose="02020603050405020304" pitchFamily="18" charset="0"/>
+              </a:rPr>
+              <a:t>ребра </a:t>
+            </a:r>
+            <a:r>
+              <a:rPr lang="ru-RU" dirty="0" smtClean="0">
+                <a:latin typeface="Times New Roman" panose="02020603050405020304" pitchFamily="18" charset="0"/>
+                <a:cs typeface="Times New Roman" panose="02020603050405020304" pitchFamily="18" charset="0"/>
+              </a:rPr>
+              <a:t>из двух выбранных решений. </a:t>
             </a:r>
           </a:p>
           <a:p>
@@ -18890,8 +18850,8 @@
           </a:p>
         </p:txBody>
       </p:sp>
-      <mc:AlternateContent xmlns:mc="http://schemas.openxmlformats.org/markup-compatibility/2006">
-        <mc:Choice xmlns:a14="http://schemas.microsoft.com/office/drawing/2010/main" Requires="a14">
+      <mc:AlternateContent xmlns:mc="http://schemas.openxmlformats.org/markup-compatibility/2006" xmlns:a14="http://schemas.microsoft.com/office/drawing/2010/main">
+        <mc:Choice Requires="a14">
           <p:sp>
             <p:nvSpPr>
               <p:cNvPr id="3" name="Объект 2"/>
@@ -19051,7 +19011,7 @@
             </p:txBody>
           </p:sp>
         </mc:Choice>
-        <mc:Fallback>
+        <mc:Fallback xmlns="">
           <p:sp>
             <p:nvSpPr>
               <p:cNvPr id="3" name="Объект 2"/>

--- a/cpeck/diplom.pptx
+++ b/cpeck/diplom.pptx
@@ -5,7 +5,7 @@
     <p:sldMasterId id="2147483766" r:id="rId1"/>
   </p:sldMasterIdLst>
   <p:notesMasterIdLst>
-    <p:notesMasterId r:id="rId17"/>
+    <p:notesMasterId r:id="rId16"/>
   </p:notesMasterIdLst>
   <p:sldIdLst>
     <p:sldId id="256" r:id="rId2"/>
@@ -20,9 +20,8 @@
     <p:sldId id="303" r:id="rId11"/>
     <p:sldId id="301" r:id="rId12"/>
     <p:sldId id="302" r:id="rId13"/>
-    <p:sldId id="290" r:id="rId14"/>
-    <p:sldId id="283" r:id="rId15"/>
-    <p:sldId id="273" r:id="rId16"/>
+    <p:sldId id="283" r:id="rId14"/>
+    <p:sldId id="273" r:id="rId15"/>
   </p:sldIdLst>
   <p:sldSz cx="12192000" cy="6858000"/>
   <p:notesSz cx="6858000" cy="9144000"/>
@@ -214,7 +213,7 @@
           <a:p>
             <a:fld id="{BBF85703-EE90-4580-85AF-EA7094EE9115}" type="datetimeFigureOut">
               <a:rPr lang="ru-RU" smtClean="0"/>
-              <a:t>06/05/2020</a:t>
+              <a:t>23/05/2020</a:t>
             </a:fld>
             <a:endParaRPr lang="ru-RU"/>
           </a:p>
@@ -1714,6 +1713,25 @@
               <a:rPr lang="ru-RU" baseline="0" dirty="0" smtClean="0"/>
               <a:t> два маршрута и разрываем их а  потом склеиваем их но по другому</a:t>
             </a:r>
+            <a:endParaRPr lang="en-US" baseline="0" dirty="0" smtClean="0"/>
+          </a:p>
+          <a:p>
+            <a:r>
+              <a:rPr lang="en-US" baseline="0" dirty="0" smtClean="0"/>
+              <a:t>3) </a:t>
+            </a:r>
+            <a:r>
+              <a:rPr lang="ru-RU" baseline="0" dirty="0" smtClean="0"/>
+              <a:t>Меняем местами две выбранные </a:t>
+            </a:r>
+            <a:r>
+              <a:rPr lang="ru-RU" baseline="0" dirty="0" err="1" smtClean="0"/>
+              <a:t>подполедовательности</a:t>
+            </a:r>
+            <a:r>
+              <a:rPr lang="ru-RU" baseline="0" dirty="0" smtClean="0"/>
+              <a:t>. Они могут быть разной длины, и находится в одном маршруте</a:t>
+            </a:r>
           </a:p>
         </p:txBody>
       </p:sp>
@@ -1918,7 +1936,7 @@
           <a:p>
             <a:fld id="{E248CA70-3485-4D35-BDD2-BE9B93897E26}" type="slidenum">
               <a:rPr lang="ru-RU" smtClean="0"/>
-              <a:t>14</a:t>
+              <a:t>13</a:t>
             </a:fld>
             <a:endParaRPr lang="ru-RU"/>
           </a:p>
@@ -2068,7 +2086,7 @@
           <a:p>
             <a:fld id="{F9CC9E3F-DD9F-46B3-BA2B-82CCB0AB45D8}" type="datetime1">
               <a:rPr lang="ru-RU" smtClean="0"/>
-              <a:t>06/05/2020</a:t>
+              <a:t>23/05/2020</a:t>
             </a:fld>
             <a:endParaRPr lang="ru-RU"/>
           </a:p>
@@ -2238,7 +2256,7 @@
           <a:p>
             <a:fld id="{381955DC-8BDE-43A9-8606-2B798AFC22DA}" type="datetime1">
               <a:rPr lang="ru-RU" smtClean="0"/>
-              <a:t>06/05/2020</a:t>
+              <a:t>23/05/2020</a:t>
             </a:fld>
             <a:endParaRPr lang="ru-RU"/>
           </a:p>
@@ -2418,7 +2436,7 @@
           <a:p>
             <a:fld id="{19C577BF-68FF-4817-871A-5FAB63D65E6E}" type="datetime1">
               <a:rPr lang="ru-RU" smtClean="0"/>
-              <a:t>06/05/2020</a:t>
+              <a:t>23/05/2020</a:t>
             </a:fld>
             <a:endParaRPr lang="ru-RU"/>
           </a:p>
@@ -2588,7 +2606,7 @@
           <a:p>
             <a:fld id="{3A606278-A98A-4E8F-B825-8DD968401051}" type="datetime1">
               <a:rPr lang="ru-RU" smtClean="0"/>
-              <a:t>06/05/2020</a:t>
+              <a:t>23/05/2020</a:t>
             </a:fld>
             <a:endParaRPr lang="ru-RU"/>
           </a:p>
@@ -2834,7 +2852,7 @@
           <a:p>
             <a:fld id="{32187602-E65D-4461-AD47-ACF81819BB9A}" type="datetime1">
               <a:rPr lang="ru-RU" smtClean="0"/>
-              <a:t>06/05/2020</a:t>
+              <a:t>23/05/2020</a:t>
             </a:fld>
             <a:endParaRPr lang="ru-RU"/>
           </a:p>
@@ -3066,7 +3084,7 @@
           <a:p>
             <a:fld id="{BC2802B6-2672-4DB5-A19C-63F7E463C685}" type="datetime1">
               <a:rPr lang="ru-RU" smtClean="0"/>
-              <a:t>06/05/2020</a:t>
+              <a:t>23/05/2020</a:t>
             </a:fld>
             <a:endParaRPr lang="ru-RU"/>
           </a:p>
@@ -3433,7 +3451,7 @@
           <a:p>
             <a:fld id="{5F894B04-852D-4FA4-9DBB-0E4D3B1D8C25}" type="datetime1">
               <a:rPr lang="ru-RU" smtClean="0"/>
-              <a:t>06/05/2020</a:t>
+              <a:t>23/05/2020</a:t>
             </a:fld>
             <a:endParaRPr lang="ru-RU"/>
           </a:p>
@@ -3551,7 +3569,7 @@
           <a:p>
             <a:fld id="{C73CEC1E-ED97-424B-A00A-82668925A04A}" type="datetime1">
               <a:rPr lang="ru-RU" smtClean="0"/>
-              <a:t>06/05/2020</a:t>
+              <a:t>23/05/2020</a:t>
             </a:fld>
             <a:endParaRPr lang="ru-RU"/>
           </a:p>
@@ -3646,7 +3664,7 @@
           <a:p>
             <a:fld id="{305FB56C-CE87-4542-9CAF-F110C3D8BB23}" type="datetime1">
               <a:rPr lang="ru-RU" smtClean="0"/>
-              <a:t>06/05/2020</a:t>
+              <a:t>23/05/2020</a:t>
             </a:fld>
             <a:endParaRPr lang="ru-RU"/>
           </a:p>
@@ -3923,7 +3941,7 @@
           <a:p>
             <a:fld id="{E8526DC7-5238-458A-9F3B-12AEE5076CBE}" type="datetime1">
               <a:rPr lang="ru-RU" smtClean="0"/>
-              <a:t>06/05/2020</a:t>
+              <a:t>23/05/2020</a:t>
             </a:fld>
             <a:endParaRPr lang="ru-RU"/>
           </a:p>
@@ -4176,7 +4194,7 @@
           <a:p>
             <a:fld id="{77CA1DD9-FED3-41BB-B05E-B7ABE45C97C0}" type="datetime1">
               <a:rPr lang="ru-RU" smtClean="0"/>
-              <a:t>06/05/2020</a:t>
+              <a:t>23/05/2020</a:t>
             </a:fld>
             <a:endParaRPr lang="ru-RU"/>
           </a:p>
@@ -4389,7 +4407,7 @@
           <a:p>
             <a:fld id="{A02FE817-CB1E-478C-9DF4-A675946A3299}" type="datetime1">
               <a:rPr lang="ru-RU" smtClean="0"/>
-              <a:t>06/05/2020</a:t>
+              <a:t>23/05/2020</a:t>
             </a:fld>
             <a:endParaRPr lang="ru-RU"/>
           </a:p>
@@ -6290,14 +6308,14 @@
             <p:ph idx="1"/>
             <p:extLst>
               <p:ext uri="{D42A27DB-BD31-4B8C-83A1-F6EECF244321}">
-                <p14:modId xmlns:p14="http://schemas.microsoft.com/office/powerpoint/2010/main" val="1011235996"/>
+                <p14:modId xmlns:p14="http://schemas.microsoft.com/office/powerpoint/2010/main" val="3434450183"/>
               </p:ext>
             </p:extLst>
           </p:nvPr>
         </p:nvGraphicFramePr>
         <p:xfrm>
-          <a:off x="2482850" y="2086769"/>
-          <a:ext cx="7226300" cy="3829050"/>
+          <a:off x="838200" y="1586516"/>
+          <a:ext cx="10515600" cy="3668389"/>
         </p:xfrm>
         <a:graphic>
           <a:graphicData uri="http://schemas.openxmlformats.org/drawingml/2006/table">
@@ -6306,63 +6324,70 @@
                 <a:tableStyleId>{6E25E649-3F16-4E02-A733-19D2CDBF48F0}</a:tableStyleId>
               </a:tblPr>
               <a:tblGrid>
-                <a:gridCol w="1004182">
-                  <a:extLst>
-                    <a:ext uri="{9D8B030D-6E8A-4147-A177-3AD203B41FA5}">
-                      <a16:colId xmlns:a16="http://schemas.microsoft.com/office/drawing/2014/main" val="895870090"/>
-                    </a:ext>
-                  </a:extLst>
-                </a:gridCol>
-                <a:gridCol w="902493">
+                <a:gridCol w="897083">
                   <a:extLst>
                     <a:ext uri="{9D8B030D-6E8A-4147-A177-3AD203B41FA5}">
                       <a16:colId xmlns:a16="http://schemas.microsoft.com/office/drawing/2014/main" val="3161760643"/>
                     </a:ext>
                   </a:extLst>
                 </a:gridCol>
-                <a:gridCol w="762670">
+                <a:gridCol w="1065459">
                   <a:extLst>
                     <a:ext uri="{9D8B030D-6E8A-4147-A177-3AD203B41FA5}">
-                      <a16:colId xmlns:a16="http://schemas.microsoft.com/office/drawing/2014/main" val="3255006834"/>
+                      <a16:colId xmlns:a16="http://schemas.microsoft.com/office/drawing/2014/main" val="2123325166"/>
                     </a:ext>
                   </a:extLst>
                 </a:gridCol>
-                <a:gridCol w="848471">
+                <a:gridCol w="849301">
+                  <a:extLst>
+                    <a:ext uri="{9D8B030D-6E8A-4147-A177-3AD203B41FA5}">
+                      <a16:colId xmlns:a16="http://schemas.microsoft.com/office/drawing/2014/main" val="981787748"/>
+                    </a:ext>
+                  </a:extLst>
+                </a:gridCol>
+                <a:gridCol w="864084">
                   <a:extLst>
                     <a:ext uri="{9D8B030D-6E8A-4147-A177-3AD203B41FA5}">
                       <a16:colId xmlns:a16="http://schemas.microsoft.com/office/drawing/2014/main" val="3599218421"/>
                     </a:ext>
                   </a:extLst>
                 </a:gridCol>
-                <a:gridCol w="848471">
+                <a:gridCol w="902825">
                   <a:extLst>
                     <a:ext uri="{9D8B030D-6E8A-4147-A177-3AD203B41FA5}">
                       <a16:colId xmlns:a16="http://schemas.microsoft.com/office/drawing/2014/main" val="2498169663"/>
                     </a:ext>
                   </a:extLst>
                 </a:gridCol>
-                <a:gridCol w="1029605">
+                <a:gridCol w="918589">
+                  <a:extLst>
+                    <a:ext uri="{9D8B030D-6E8A-4147-A177-3AD203B41FA5}">
+                      <a16:colId xmlns:a16="http://schemas.microsoft.com/office/drawing/2014/main" val="603196056"/>
+                    </a:ext>
+                  </a:extLst>
+                </a:gridCol>
+                <a:gridCol w="1355973">
                   <a:extLst>
                     <a:ext uri="{9D8B030D-6E8A-4147-A177-3AD203B41FA5}">
                       <a16:colId xmlns:a16="http://schemas.microsoft.com/office/drawing/2014/main" val="1050193536"/>
                     </a:ext>
                   </a:extLst>
                 </a:gridCol>
-                <a:gridCol w="610136">
+                <a:gridCol w="1274846">
                   <a:extLst>
                     <a:ext uri="{9D8B030D-6E8A-4147-A177-3AD203B41FA5}">
-                      <a16:colId xmlns:a16="http://schemas.microsoft.com/office/drawing/2014/main" val="3154834404"/>
+                      <a16:colId xmlns:a16="http://schemas.microsoft.com/office/drawing/2014/main" val="287147565"/>
                     </a:ext>
                   </a:extLst>
                 </a:gridCol>
-                <a:gridCol w="610136">
+                <a:gridCol w="1298026">
                   <a:extLst>
                     <a:ext uri="{9D8B030D-6E8A-4147-A177-3AD203B41FA5}">
                       <a16:colId xmlns:a16="http://schemas.microsoft.com/office/drawing/2014/main" val="2882033853"/>
                     </a:ext>
                   </a:extLst>
                 </a:gridCol>
-                <a:gridCol w="610136">
+                <a:gridCol w="1089414">
                   <a:extLst>
                     <a:ext uri="{9D8B030D-6E8A-4147-A177-3AD203B41FA5}">
                       <a16:colId xmlns:a16="http://schemas.microsoft.com/office/drawing/2014/main" val="1815638783"/>
@@ -6370,18 +6395,786 @@
                   </a:extLst>
                 </a:gridCol>
               </a:tblGrid>
-              <a:tr h="361950">
-                <a:tc>
-                  <a:txBody>
-                    <a:bodyPr/>
-                    <a:lstStyle/>
-                    <a:p>
-                      <a:pPr algn="ctr" fontAlgn="ctr"/>
+              <a:tr h="559295">
+                <a:tc gridSpan="6">
+                  <a:txBody>
+                    <a:bodyPr/>
+                    <a:lstStyle/>
+                    <a:p>
+                      <a:pPr marL="0" marR="0" lvl="0" indent="0" algn="ctr" defTabSz="914400" rtl="0" eaLnBrk="1" fontAlgn="auto" latinLnBrk="0" hangingPunct="1">
+                        <a:lnSpc>
+                          <a:spcPct val="100000"/>
+                        </a:lnSpc>
+                        <a:spcBef>
+                          <a:spcPts val="0"/>
+                        </a:spcBef>
+                        <a:spcAft>
+                          <a:spcPts val="0"/>
+                        </a:spcAft>
+                        <a:buClrTx/>
+                        <a:buSzTx/>
+                        <a:buFontTx/>
+                        <a:buNone/>
+                        <a:tabLst/>
+                        <a:defRPr/>
+                      </a:pPr>
+                      <a:r>
+                        <a:rPr lang="en-US" sz="1400" b="1" u="none" strike="noStrike" dirty="0" smtClean="0">
+                          <a:effectLst/>
+                          <a:latin typeface="Times New Roman" panose="02020603050405020304" pitchFamily="18" charset="0"/>
+                          <a:cs typeface="Times New Roman" panose="02020603050405020304" pitchFamily="18" charset="0"/>
+                        </a:rPr>
+                        <a:t>Local Search</a:t>
+                      </a:r>
+                      <a:endParaRPr lang="en-US" sz="1400" b="1" i="0" u="none" strike="noStrike" dirty="0" smtClean="0">
+                        <a:solidFill>
+                          <a:srgbClr val="000000"/>
+                        </a:solidFill>
+                        <a:effectLst/>
+                        <a:latin typeface="Times New Roman" panose="02020603050405020304" pitchFamily="18" charset="0"/>
+                        <a:cs typeface="Times New Roman" panose="02020603050405020304" pitchFamily="18" charset="0"/>
+                      </a:endParaRPr>
+                    </a:p>
+                  </a:txBody>
+                  <a:tcPr marL="9525" marR="9525" marT="9525" marB="0" anchor="ctr">
+                    <a:lnL w="19050" cap="flat" cmpd="sng" algn="ctr">
+                      <a:solidFill>
+                        <a:schemeClr val="tx1"/>
+                      </a:solidFill>
+                      <a:prstDash val="solid"/>
+                      <a:round/>
+                      <a:headEnd type="none" w="med" len="med"/>
+                      <a:tailEnd type="none" w="med" len="med"/>
+                    </a:lnL>
+                    <a:lnR w="28575" cap="flat" cmpd="sng" algn="ctr">
+                      <a:solidFill>
+                        <a:schemeClr val="tx1"/>
+                      </a:solidFill>
+                      <a:prstDash val="solid"/>
+                      <a:round/>
+                      <a:headEnd type="none" w="med" len="med"/>
+                      <a:tailEnd type="none" w="med" len="med"/>
+                    </a:lnR>
+                    <a:lnT w="28575" cap="flat" cmpd="sng" algn="ctr">
+                      <a:solidFill>
+                        <a:schemeClr val="tx1"/>
+                      </a:solidFill>
+                      <a:prstDash val="solid"/>
+                      <a:round/>
+                      <a:headEnd type="none" w="med" len="med"/>
+                      <a:tailEnd type="none" w="med" len="med"/>
+                    </a:lnT>
+                    <a:lnB w="12700" cap="flat" cmpd="sng" algn="ctr">
+                      <a:solidFill>
+                        <a:schemeClr val="tx1"/>
+                      </a:solidFill>
+                      <a:prstDash val="solid"/>
+                      <a:round/>
+                      <a:headEnd type="none" w="med" len="med"/>
+                      <a:tailEnd type="none" w="med" len="med"/>
+                    </a:lnB>
+                  </a:tcPr>
+                </a:tc>
+                <a:tc hMerge="1">
+                  <a:txBody>
+                    <a:bodyPr/>
+                    <a:lstStyle/>
+                    <a:p>
+                      <a:endParaRPr lang="ru-RU"/>
+                    </a:p>
+                  </a:txBody>
+                  <a:tcPr/>
+                </a:tc>
+                <a:tc hMerge="1">
+                  <a:txBody>
+                    <a:bodyPr/>
+                    <a:lstStyle/>
+                    <a:p>
+                      <a:endParaRPr lang="ru-RU" dirty="0"/>
+                    </a:p>
+                  </a:txBody>
+                  <a:tcPr marL="9525" marR="9525" marT="9525" marB="0" anchor="ctr">
+                    <a:lnL w="12700" cap="flat" cmpd="sng" algn="ctr">
+                      <a:solidFill>
+                        <a:schemeClr val="tx1"/>
+                      </a:solidFill>
+                      <a:prstDash val="solid"/>
+                      <a:round/>
+                      <a:headEnd type="none" w="med" len="med"/>
+                      <a:tailEnd type="none" w="med" len="med"/>
+                    </a:lnL>
+                    <a:lnR w="28575" cap="flat" cmpd="sng" algn="ctr">
+                      <a:solidFill>
+                        <a:schemeClr val="tx1"/>
+                      </a:solidFill>
+                      <a:prstDash val="solid"/>
+                      <a:round/>
+                      <a:headEnd type="none" w="med" len="med"/>
+                      <a:tailEnd type="none" w="med" len="med"/>
+                    </a:lnR>
+                    <a:lnT w="28575" cap="flat" cmpd="sng" algn="ctr">
+                      <a:solidFill>
+                        <a:schemeClr val="tx1"/>
+                      </a:solidFill>
+                      <a:prstDash val="solid"/>
+                      <a:round/>
+                      <a:headEnd type="none" w="med" len="med"/>
+                      <a:tailEnd type="none" w="med" len="med"/>
+                    </a:lnT>
+                  </a:tcPr>
+                </a:tc>
+                <a:tc hMerge="1">
+                  <a:txBody>
+                    <a:bodyPr/>
+                    <a:lstStyle/>
+                    <a:p>
+                      <a:endParaRPr lang="ru-RU" dirty="0"/>
+                    </a:p>
+                  </a:txBody>
+                  <a:tcPr marL="9525" marR="9525" marT="9525" marB="0" anchor="ctr">
+                    <a:lnL w="19050" cap="flat" cmpd="sng" algn="ctr">
+                      <a:noFill/>
+                      <a:prstDash val="solid"/>
+                      <a:round/>
+                      <a:headEnd type="none" w="med" len="med"/>
+                      <a:tailEnd type="none" w="med" len="med"/>
+                    </a:lnL>
+                    <a:lnR w="12700" cap="flat" cmpd="sng" algn="ctr">
+                      <a:solidFill>
+                        <a:schemeClr val="tx1"/>
+                      </a:solidFill>
+                      <a:prstDash val="solid"/>
+                      <a:round/>
+                      <a:headEnd type="none" w="med" len="med"/>
+                      <a:tailEnd type="none" w="med" len="med"/>
+                    </a:lnR>
+                    <a:lnT w="28575" cap="flat" cmpd="sng" algn="ctr">
+                      <a:solidFill>
+                        <a:schemeClr val="tx1"/>
+                      </a:solidFill>
+                      <a:prstDash val="solid"/>
+                      <a:round/>
+                      <a:headEnd type="none" w="med" len="med"/>
+                      <a:tailEnd type="none" w="med" len="med"/>
+                    </a:lnT>
+                    <a:lnB w="12700" cap="flat" cmpd="sng" algn="ctr">
+                      <a:solidFill>
+                        <a:schemeClr val="tx1"/>
+                      </a:solidFill>
+                      <a:prstDash val="solid"/>
+                      <a:round/>
+                      <a:headEnd type="none" w="med" len="med"/>
+                      <a:tailEnd type="none" w="med" len="med"/>
+                    </a:lnB>
+                  </a:tcPr>
+                </a:tc>
+                <a:tc hMerge="1">
+                  <a:txBody>
+                    <a:bodyPr/>
+                    <a:lstStyle/>
+                    <a:p>
+                      <a:endParaRPr lang="ru-RU"/>
+                    </a:p>
+                  </a:txBody>
+                  <a:tcPr/>
+                </a:tc>
+                <a:tc hMerge="1">
+                  <a:txBody>
+                    <a:bodyPr/>
+                    <a:lstStyle/>
+                    <a:p>
+                      <a:pPr marL="0" marR="0" lvl="0" indent="0" algn="ctr" defTabSz="914400" rtl="0" eaLnBrk="1" fontAlgn="ctr" latinLnBrk="0" hangingPunct="1">
+                        <a:lnSpc>
+                          <a:spcPct val="100000"/>
+                        </a:lnSpc>
+                        <a:spcBef>
+                          <a:spcPts val="0"/>
+                        </a:spcBef>
+                        <a:spcAft>
+                          <a:spcPts val="0"/>
+                        </a:spcAft>
+                        <a:buClrTx/>
+                        <a:buSzTx/>
+                        <a:buFontTx/>
+                        <a:buNone/>
+                        <a:tabLst/>
+                        <a:defRPr/>
+                      </a:pPr>
+                      <a:endParaRPr lang="en-US" sz="1400" b="0" i="0" u="none" strike="noStrike" dirty="0" smtClean="0">
+                        <a:solidFill>
+                          <a:srgbClr val="222222"/>
+                        </a:solidFill>
+                        <a:effectLst/>
+                        <a:latin typeface="Times New Roman" panose="02020603050405020304" pitchFamily="18" charset="0"/>
+                        <a:cs typeface="Times New Roman" panose="02020603050405020304" pitchFamily="18" charset="0"/>
+                      </a:endParaRPr>
+                    </a:p>
+                  </a:txBody>
+                  <a:tcPr marL="9525" marR="9525" marT="9525" marB="0" anchor="ctr">
+                    <a:lnL w="12700" cap="flat" cmpd="sng" algn="ctr">
+                      <a:solidFill>
+                        <a:schemeClr val="tx1"/>
+                      </a:solidFill>
+                      <a:prstDash val="solid"/>
+                      <a:round/>
+                      <a:headEnd type="none" w="med" len="med"/>
+                      <a:tailEnd type="none" w="med" len="med"/>
+                    </a:lnL>
+                    <a:lnR w="28575" cap="flat" cmpd="sng" algn="ctr">
+                      <a:solidFill>
+                        <a:schemeClr val="tx1"/>
+                      </a:solidFill>
+                      <a:prstDash val="solid"/>
+                      <a:round/>
+                      <a:headEnd type="none" w="med" len="med"/>
+                      <a:tailEnd type="none" w="med" len="med"/>
+                    </a:lnR>
+                    <a:lnT w="28575" cap="flat" cmpd="sng" algn="ctr">
+                      <a:solidFill>
+                        <a:schemeClr val="tx1"/>
+                      </a:solidFill>
+                      <a:prstDash val="solid"/>
+                      <a:round/>
+                      <a:headEnd type="none" w="med" len="med"/>
+                      <a:tailEnd type="none" w="med" len="med"/>
+                    </a:lnT>
+                    <a:lnB w="12700" cap="flat" cmpd="sng" algn="ctr">
+                      <a:solidFill>
+                        <a:schemeClr val="tx1"/>
+                      </a:solidFill>
+                      <a:prstDash val="solid"/>
+                      <a:round/>
+                      <a:headEnd type="none" w="med" len="med"/>
+                      <a:tailEnd type="none" w="med" len="med"/>
+                    </a:lnB>
+                    <a:lnTlToBr w="12700" cmpd="sng">
+                      <a:noFill/>
+                      <a:prstDash val="solid"/>
+                    </a:lnTlToBr>
+                    <a:lnBlToTr w="12700" cmpd="sng">
+                      <a:noFill/>
+                      <a:prstDash val="solid"/>
+                    </a:lnBlToTr>
+                  </a:tcPr>
+                </a:tc>
+                <a:tc gridSpan="4">
+                  <a:txBody>
+                    <a:bodyPr/>
+                    <a:lstStyle/>
+                    <a:p>
+                      <a:pPr marL="0" marR="0" lvl="0" indent="0" algn="ctr" defTabSz="914400" rtl="0" eaLnBrk="1" fontAlgn="ctr" latinLnBrk="0" hangingPunct="1">
+                        <a:lnSpc>
+                          <a:spcPct val="100000"/>
+                        </a:lnSpc>
+                        <a:spcBef>
+                          <a:spcPts val="0"/>
+                        </a:spcBef>
+                        <a:spcAft>
+                          <a:spcPts val="0"/>
+                        </a:spcAft>
+                        <a:buClrTx/>
+                        <a:buSzTx/>
+                        <a:buFontTx/>
+                        <a:buNone/>
+                        <a:tabLst/>
+                        <a:defRPr/>
+                      </a:pPr>
+                      <a:r>
+                        <a:rPr lang="en-US" sz="1400" b="1" u="none" strike="noStrike" dirty="0" smtClean="0">
+                          <a:effectLst/>
+                          <a:latin typeface="Times New Roman" panose="02020603050405020304" pitchFamily="18" charset="0"/>
+                          <a:cs typeface="Times New Roman" panose="02020603050405020304" pitchFamily="18" charset="0"/>
+                        </a:rPr>
+                        <a:t>Crossover</a:t>
+                      </a:r>
+                      <a:endParaRPr lang="en-US" sz="1400" b="1" i="0" u="none" strike="noStrike" dirty="0" smtClean="0">
+                        <a:solidFill>
+                          <a:srgbClr val="000000"/>
+                        </a:solidFill>
+                        <a:effectLst/>
+                        <a:latin typeface="Times New Roman" panose="02020603050405020304" pitchFamily="18" charset="0"/>
+                        <a:cs typeface="Times New Roman" panose="02020603050405020304" pitchFamily="18" charset="0"/>
+                      </a:endParaRPr>
+                    </a:p>
+                  </a:txBody>
+                  <a:tcPr marL="9525" marR="9525" marT="9525" marB="0" anchor="ctr">
+                    <a:lnL w="28575" cap="flat" cmpd="sng" algn="ctr">
+                      <a:solidFill>
+                        <a:schemeClr val="tx1"/>
+                      </a:solidFill>
+                      <a:prstDash val="solid"/>
+                      <a:round/>
+                      <a:headEnd type="none" w="med" len="med"/>
+                      <a:tailEnd type="none" w="med" len="med"/>
+                    </a:lnL>
+                    <a:lnR w="28575" cap="flat" cmpd="sng" algn="ctr">
+                      <a:solidFill>
+                        <a:schemeClr val="tx1"/>
+                      </a:solidFill>
+                      <a:prstDash val="solid"/>
+                      <a:round/>
+                      <a:headEnd type="none" w="med" len="med"/>
+                      <a:tailEnd type="none" w="med" len="med"/>
+                    </a:lnR>
+                    <a:lnT w="28575" cap="flat" cmpd="sng" algn="ctr">
+                      <a:solidFill>
+                        <a:schemeClr val="tx1"/>
+                      </a:solidFill>
+                      <a:prstDash val="solid"/>
+                      <a:round/>
+                      <a:headEnd type="none" w="med" len="med"/>
+                      <a:tailEnd type="none" w="med" len="med"/>
+                    </a:lnT>
+                    <a:lnB w="12700" cap="flat" cmpd="sng" algn="ctr">
+                      <a:solidFill>
+                        <a:schemeClr val="tx1"/>
+                      </a:solidFill>
+                      <a:prstDash val="solid"/>
+                      <a:round/>
+                      <a:headEnd type="none" w="med" len="med"/>
+                      <a:tailEnd type="none" w="med" len="med"/>
+                    </a:lnB>
+                  </a:tcPr>
+                </a:tc>
+                <a:tc hMerge="1">
+                  <a:txBody>
+                    <a:bodyPr/>
+                    <a:lstStyle/>
+                    <a:p>
+                      <a:endParaRPr lang="ru-RU"/>
+                    </a:p>
+                  </a:txBody>
+                  <a:tcPr/>
+                </a:tc>
+                <a:tc hMerge="1">
+                  <a:txBody>
+                    <a:bodyPr/>
+                    <a:lstStyle/>
+                    <a:p>
+                      <a:endParaRPr lang="ru-RU"/>
+                    </a:p>
+                  </a:txBody>
+                  <a:tcPr/>
+                </a:tc>
+                <a:tc hMerge="1">
+                  <a:txBody>
+                    <a:bodyPr/>
+                    <a:lstStyle/>
+                    <a:p>
+                      <a:endParaRPr lang="ru-RU"/>
+                    </a:p>
+                  </a:txBody>
+                  <a:tcPr/>
+                </a:tc>
+                <a:extLst>
+                  <a:ext uri="{0D108BD9-81ED-4DB2-BD59-A6C34878D82A}">
+                    <a16:rowId xmlns:a16="http://schemas.microsoft.com/office/drawing/2014/main" val="2241915229"/>
+                  </a:ext>
+                </a:extLst>
+              </a:tr>
+              <a:tr h="464044">
+                <a:tc gridSpan="2">
+                  <a:txBody>
+                    <a:bodyPr/>
+                    <a:lstStyle/>
+                    <a:p>
+                      <a:pPr marL="0" marR="0" lvl="0" indent="0" algn="ctr" defTabSz="914400" rtl="0" eaLnBrk="1" fontAlgn="ctr" latinLnBrk="0" hangingPunct="1">
+                        <a:lnSpc>
+                          <a:spcPct val="100000"/>
+                        </a:lnSpc>
+                        <a:spcBef>
+                          <a:spcPts val="0"/>
+                        </a:spcBef>
+                        <a:spcAft>
+                          <a:spcPts val="0"/>
+                        </a:spcAft>
+                        <a:buClrTx/>
+                        <a:buSzTx/>
+                        <a:buFontTx/>
+                        <a:buNone/>
+                        <a:tabLst/>
+                        <a:defRPr/>
+                      </a:pPr>
                       <a:r>
                         <a:rPr lang="en-US" sz="1400" u="none" strike="noStrike" dirty="0" smtClean="0">
                           <a:effectLst/>
+                          <a:latin typeface="Times New Roman" panose="02020603050405020304" pitchFamily="18" charset="0"/>
+                          <a:cs typeface="Times New Roman" panose="02020603050405020304" pitchFamily="18" charset="0"/>
                         </a:rPr>
-                        <a:t>Time</a:t>
+                        <a:t>Start population</a:t>
+                      </a:r>
+                      <a:endParaRPr lang="en-US" sz="1400" b="0" i="0" u="none" strike="noStrike" dirty="0" smtClean="0">
+                        <a:solidFill>
+                          <a:srgbClr val="000000"/>
+                        </a:solidFill>
+                        <a:effectLst/>
+                        <a:latin typeface="Times New Roman" panose="02020603050405020304" pitchFamily="18" charset="0"/>
+                        <a:cs typeface="Times New Roman" panose="02020603050405020304" pitchFamily="18" charset="0"/>
+                      </a:endParaRPr>
+                    </a:p>
+                  </a:txBody>
+                  <a:tcPr marL="9525" marR="9525" marT="9525" marB="0" anchor="ctr">
+                    <a:lnL w="19050" cap="flat" cmpd="sng" algn="ctr">
+                      <a:solidFill>
+                        <a:schemeClr val="tx1"/>
+                      </a:solidFill>
+                      <a:prstDash val="solid"/>
+                      <a:round/>
+                      <a:headEnd type="none" w="med" len="med"/>
+                      <a:tailEnd type="none" w="med" len="med"/>
+                    </a:lnL>
+                    <a:lnR w="12700" cap="flat" cmpd="sng" algn="ctr">
+                      <a:solidFill>
+                        <a:schemeClr val="tx1"/>
+                      </a:solidFill>
+                      <a:prstDash val="solid"/>
+                      <a:round/>
+                      <a:headEnd type="none" w="med" len="med"/>
+                      <a:tailEnd type="none" w="med" len="med"/>
+                    </a:lnR>
+                    <a:lnT w="12700" cap="flat" cmpd="sng" algn="ctr">
+                      <a:solidFill>
+                        <a:schemeClr val="tx1"/>
+                      </a:solidFill>
+                      <a:prstDash val="solid"/>
+                      <a:round/>
+                      <a:headEnd type="none" w="med" len="med"/>
+                      <a:tailEnd type="none" w="med" len="med"/>
+                    </a:lnT>
+                    <a:lnB w="12700" cap="flat" cmpd="sng" algn="ctr">
+                      <a:solidFill>
+                        <a:schemeClr val="tx1"/>
+                      </a:solidFill>
+                      <a:prstDash val="solid"/>
+                      <a:round/>
+                      <a:headEnd type="none" w="med" len="med"/>
+                      <a:tailEnd type="none" w="med" len="med"/>
+                    </a:lnB>
+                  </a:tcPr>
+                </a:tc>
+                <a:tc hMerge="1">
+                  <a:txBody>
+                    <a:bodyPr/>
+                    <a:lstStyle/>
+                    <a:p>
+                      <a:endParaRPr lang="ru-RU"/>
+                    </a:p>
+                  </a:txBody>
+                  <a:tcPr/>
+                </a:tc>
+                <a:tc gridSpan="4">
+                  <a:txBody>
+                    <a:bodyPr/>
+                    <a:lstStyle/>
+                    <a:p>
+                      <a:pPr marL="0" marR="0" lvl="0" indent="0" algn="ctr" defTabSz="914400" rtl="0" eaLnBrk="1" fontAlgn="ctr" latinLnBrk="0" hangingPunct="1">
+                        <a:lnSpc>
+                          <a:spcPct val="100000"/>
+                        </a:lnSpc>
+                        <a:spcBef>
+                          <a:spcPts val="0"/>
+                        </a:spcBef>
+                        <a:spcAft>
+                          <a:spcPts val="0"/>
+                        </a:spcAft>
+                        <a:buClrTx/>
+                        <a:buSzTx/>
+                        <a:buFontTx/>
+                        <a:buNone/>
+                        <a:tabLst/>
+                        <a:defRPr/>
+                      </a:pPr>
+                      <a:r>
+                        <a:rPr lang="en-US" sz="1400" u="none" strike="noStrike" dirty="0" smtClean="0">
+                          <a:effectLst/>
+                          <a:latin typeface="Times New Roman" panose="02020603050405020304" pitchFamily="18" charset="0"/>
+                          <a:cs typeface="Times New Roman" panose="02020603050405020304" pitchFamily="18" charset="0"/>
+                        </a:rPr>
+                        <a:t>Evolutionary step</a:t>
+                      </a:r>
+                      <a:endParaRPr lang="en-US" sz="1400" b="0" i="0" u="none" strike="noStrike" dirty="0" smtClean="0">
+                        <a:solidFill>
+                          <a:srgbClr val="222222"/>
+                        </a:solidFill>
+                        <a:effectLst/>
+                        <a:latin typeface="Times New Roman" panose="02020603050405020304" pitchFamily="18" charset="0"/>
+                        <a:cs typeface="Times New Roman" panose="02020603050405020304" pitchFamily="18" charset="0"/>
+                      </a:endParaRPr>
+                    </a:p>
+                  </a:txBody>
+                  <a:tcPr marL="9525" marR="9525" marT="9525" marB="0" anchor="ctr">
+                    <a:lnL w="12700" cap="flat" cmpd="sng" algn="ctr">
+                      <a:solidFill>
+                        <a:schemeClr val="tx1"/>
+                      </a:solidFill>
+                      <a:prstDash val="solid"/>
+                      <a:round/>
+                      <a:headEnd type="none" w="med" len="med"/>
+                      <a:tailEnd type="none" w="med" len="med"/>
+                    </a:lnL>
+                    <a:lnR w="28575" cap="flat" cmpd="sng" algn="ctr">
+                      <a:solidFill>
+                        <a:schemeClr val="tx1"/>
+                      </a:solidFill>
+                      <a:prstDash val="solid"/>
+                      <a:round/>
+                      <a:headEnd type="none" w="med" len="med"/>
+                      <a:tailEnd type="none" w="med" len="med"/>
+                    </a:lnR>
+                    <a:lnT w="12700" cap="flat" cmpd="sng" algn="ctr">
+                      <a:solidFill>
+                        <a:schemeClr val="tx1"/>
+                      </a:solidFill>
+                      <a:prstDash val="solid"/>
+                      <a:round/>
+                      <a:headEnd type="none" w="med" len="med"/>
+                      <a:tailEnd type="none" w="med" len="med"/>
+                    </a:lnT>
+                    <a:lnB w="12700" cap="flat" cmpd="sng" algn="ctr">
+                      <a:solidFill>
+                        <a:schemeClr val="tx1"/>
+                      </a:solidFill>
+                      <a:prstDash val="solid"/>
+                      <a:round/>
+                      <a:headEnd type="none" w="med" len="med"/>
+                      <a:tailEnd type="none" w="med" len="med"/>
+                    </a:lnB>
+                  </a:tcPr>
+                </a:tc>
+                <a:tc hMerge="1">
+                  <a:txBody>
+                    <a:bodyPr/>
+                    <a:lstStyle/>
+                    <a:p>
+                      <a:endParaRPr lang="ru-RU" dirty="0"/>
+                    </a:p>
+                  </a:txBody>
+                  <a:tcPr marL="9525" marR="9525" marT="9525" marB="0" anchor="ctr"/>
+                </a:tc>
+                <a:tc hMerge="1">
+                  <a:txBody>
+                    <a:bodyPr/>
+                    <a:lstStyle/>
+                    <a:p>
+                      <a:endParaRPr lang="ru-RU"/>
+                    </a:p>
+                  </a:txBody>
+                  <a:tcPr/>
+                </a:tc>
+                <a:tc hMerge="1">
+                  <a:txBody>
+                    <a:bodyPr/>
+                    <a:lstStyle/>
+                    <a:p>
+                      <a:pPr marL="0" marR="0" lvl="0" indent="0" algn="ctr" defTabSz="914400" rtl="0" eaLnBrk="1" fontAlgn="ctr" latinLnBrk="0" hangingPunct="1">
+                        <a:lnSpc>
+                          <a:spcPct val="100000"/>
+                        </a:lnSpc>
+                        <a:spcBef>
+                          <a:spcPts val="0"/>
+                        </a:spcBef>
+                        <a:spcAft>
+                          <a:spcPts val="0"/>
+                        </a:spcAft>
+                        <a:buClrTx/>
+                        <a:buSzTx/>
+                        <a:buFontTx/>
+                        <a:buNone/>
+                        <a:tabLst/>
+                        <a:defRPr/>
+                      </a:pPr>
+                      <a:endParaRPr lang="en-US" sz="1400" b="0" i="0" u="none" strike="noStrike" dirty="0" smtClean="0">
+                        <a:solidFill>
+                          <a:srgbClr val="222222"/>
+                        </a:solidFill>
+                        <a:effectLst/>
+                        <a:latin typeface="Times New Roman" panose="02020603050405020304" pitchFamily="18" charset="0"/>
+                        <a:cs typeface="Times New Roman" panose="02020603050405020304" pitchFamily="18" charset="0"/>
+                      </a:endParaRPr>
+                    </a:p>
+                  </a:txBody>
+                  <a:tcPr marL="9525" marR="9525" marT="9525" marB="0" anchor="ctr">
+                    <a:lnL w="19050" cap="flat" cmpd="sng" algn="ctr">
+                      <a:noFill/>
+                      <a:prstDash val="solid"/>
+                      <a:round/>
+                      <a:headEnd type="none" w="med" len="med"/>
+                      <a:tailEnd type="none" w="med" len="med"/>
+                    </a:lnL>
+                    <a:lnR w="28575" cap="flat" cmpd="sng" algn="ctr">
+                      <a:solidFill>
+                        <a:schemeClr val="tx1"/>
+                      </a:solidFill>
+                      <a:prstDash val="solid"/>
+                      <a:round/>
+                      <a:headEnd type="none" w="med" len="med"/>
+                      <a:tailEnd type="none" w="med" len="med"/>
+                    </a:lnR>
+                    <a:lnT w="12700" cap="flat" cmpd="sng" algn="ctr">
+                      <a:solidFill>
+                        <a:schemeClr val="tx1"/>
+                      </a:solidFill>
+                      <a:prstDash val="solid"/>
+                      <a:round/>
+                      <a:headEnd type="none" w="med" len="med"/>
+                      <a:tailEnd type="none" w="med" len="med"/>
+                    </a:lnT>
+                    <a:lnB w="12700" cap="flat" cmpd="sng" algn="ctr">
+                      <a:solidFill>
+                        <a:schemeClr val="tx1"/>
+                      </a:solidFill>
+                      <a:prstDash val="solid"/>
+                      <a:round/>
+                      <a:headEnd type="none" w="med" len="med"/>
+                      <a:tailEnd type="none" w="med" len="med"/>
+                    </a:lnB>
+                    <a:lnTlToBr w="12700" cmpd="sng">
+                      <a:noFill/>
+                      <a:prstDash val="solid"/>
+                    </a:lnTlToBr>
+                    <a:lnBlToTr w="12700" cmpd="sng">
+                      <a:noFill/>
+                      <a:prstDash val="solid"/>
+                    </a:lnBlToTr>
+                  </a:tcPr>
+                </a:tc>
+                <a:tc gridSpan="4">
+                  <a:txBody>
+                    <a:bodyPr/>
+                    <a:lstStyle/>
+                    <a:p>
+                      <a:pPr marL="0" marR="0" lvl="0" indent="0" algn="ctr" defTabSz="914400" rtl="0" eaLnBrk="1" fontAlgn="ctr" latinLnBrk="0" hangingPunct="1">
+                        <a:lnSpc>
+                          <a:spcPct val="100000"/>
+                        </a:lnSpc>
+                        <a:spcBef>
+                          <a:spcPts val="0"/>
+                        </a:spcBef>
+                        <a:spcAft>
+                          <a:spcPts val="0"/>
+                        </a:spcAft>
+                        <a:buClrTx/>
+                        <a:buSzTx/>
+                        <a:buFontTx/>
+                        <a:buNone/>
+                        <a:tabLst/>
+                        <a:defRPr/>
+                      </a:pPr>
+                      <a:r>
+                        <a:rPr lang="en-US" sz="1400" u="none" strike="noStrike" dirty="0" smtClean="0">
+                          <a:effectLst/>
+                          <a:latin typeface="Times New Roman" panose="02020603050405020304" pitchFamily="18" charset="0"/>
+                          <a:cs typeface="Times New Roman" panose="02020603050405020304" pitchFamily="18" charset="0"/>
+                        </a:rPr>
+                        <a:t>Evolutionary step</a:t>
+                      </a:r>
+                      <a:endParaRPr lang="en-US" sz="1400" b="0" i="0" u="none" strike="noStrike" dirty="0" smtClean="0">
+                        <a:solidFill>
+                          <a:srgbClr val="222222"/>
+                        </a:solidFill>
+                        <a:effectLst/>
+                        <a:latin typeface="Times New Roman" panose="02020603050405020304" pitchFamily="18" charset="0"/>
+                        <a:cs typeface="Times New Roman" panose="02020603050405020304" pitchFamily="18" charset="0"/>
+                      </a:endParaRPr>
+                    </a:p>
+                  </a:txBody>
+                  <a:tcPr marL="9525" marR="9525" marT="9525" marB="0" anchor="ctr">
+                    <a:lnL w="28575" cap="flat" cmpd="sng" algn="ctr">
+                      <a:solidFill>
+                        <a:schemeClr val="tx1"/>
+                      </a:solidFill>
+                      <a:prstDash val="solid"/>
+                      <a:round/>
+                      <a:headEnd type="none" w="med" len="med"/>
+                      <a:tailEnd type="none" w="med" len="med"/>
+                    </a:lnL>
+                    <a:lnR w="28575" cap="flat" cmpd="sng" algn="ctr">
+                      <a:solidFill>
+                        <a:schemeClr val="tx1"/>
+                      </a:solidFill>
+                      <a:prstDash val="solid"/>
+                      <a:round/>
+                      <a:headEnd type="none" w="med" len="med"/>
+                      <a:tailEnd type="none" w="med" len="med"/>
+                    </a:lnR>
+                    <a:lnT w="12700" cap="flat" cmpd="sng" algn="ctr">
+                      <a:solidFill>
+                        <a:schemeClr val="tx1"/>
+                      </a:solidFill>
+                      <a:prstDash val="solid"/>
+                      <a:round/>
+                      <a:headEnd type="none" w="med" len="med"/>
+                      <a:tailEnd type="none" w="med" len="med"/>
+                    </a:lnT>
+                    <a:lnB w="12700" cap="flat" cmpd="sng" algn="ctr">
+                      <a:solidFill>
+                        <a:schemeClr val="tx1"/>
+                      </a:solidFill>
+                      <a:prstDash val="solid"/>
+                      <a:round/>
+                      <a:headEnd type="none" w="med" len="med"/>
+                      <a:tailEnd type="none" w="med" len="med"/>
+                    </a:lnB>
+                  </a:tcPr>
+                </a:tc>
+                <a:tc hMerge="1">
+                  <a:txBody>
+                    <a:bodyPr/>
+                    <a:lstStyle/>
+                    <a:p>
+                      <a:endParaRPr lang="ru-RU"/>
+                    </a:p>
+                  </a:txBody>
+                  <a:tcPr/>
+                </a:tc>
+                <a:tc hMerge="1">
+                  <a:txBody>
+                    <a:bodyPr/>
+                    <a:lstStyle/>
+                    <a:p>
+                      <a:endParaRPr lang="ru-RU"/>
+                    </a:p>
+                  </a:txBody>
+                  <a:tcPr/>
+                </a:tc>
+                <a:tc hMerge="1">
+                  <a:txBody>
+                    <a:bodyPr/>
+                    <a:lstStyle/>
+                    <a:p>
+                      <a:endParaRPr lang="ru-RU"/>
+                    </a:p>
+                  </a:txBody>
+                  <a:tcPr/>
+                </a:tc>
+                <a:extLst>
+                  <a:ext uri="{0D108BD9-81ED-4DB2-BD59-A6C34878D82A}">
+                    <a16:rowId xmlns:a16="http://schemas.microsoft.com/office/drawing/2014/main" val="4270167767"/>
+                  </a:ext>
+                </a:extLst>
+              </a:tr>
+              <a:tr h="537314">
+                <a:tc>
+                  <a:txBody>
+                    <a:bodyPr/>
+                    <a:lstStyle/>
+                    <a:p>
+                      <a:pPr algn="ctr" fontAlgn="ctr"/>
+                      <a:r>
+                        <a:rPr lang="en-US" sz="1400" u="none" strike="noStrike" dirty="0" err="1">
+                          <a:effectLst/>
+                          <a:latin typeface="Times New Roman" panose="02020603050405020304" pitchFamily="18" charset="0"/>
+                          <a:cs typeface="Times New Roman" panose="02020603050405020304" pitchFamily="18" charset="0"/>
+                        </a:rPr>
+                        <a:t>obj</a:t>
+                      </a:r>
+                      <a:r>
+                        <a:rPr lang="en-US" sz="1400" u="none" strike="noStrike" dirty="0">
+                          <a:effectLst/>
+                          <a:latin typeface="Times New Roman" panose="02020603050405020304" pitchFamily="18" charset="0"/>
+                          <a:cs typeface="Times New Roman" panose="02020603050405020304" pitchFamily="18" charset="0"/>
+                        </a:rPr>
+                        <a:t>       car</a:t>
                       </a:r>
                       <a:endParaRPr lang="en-US" sz="1400" b="0" i="0" u="none" strike="noStrike" dirty="0">
                         <a:solidFill>
@@ -6389,11 +7182,12 @@
                         </a:solidFill>
                         <a:effectLst/>
                         <a:latin typeface="Times New Roman" panose="02020603050405020304" pitchFamily="18" charset="0"/>
+                        <a:cs typeface="Times New Roman" panose="02020603050405020304" pitchFamily="18" charset="0"/>
                       </a:endParaRPr>
                     </a:p>
                   </a:txBody>
                   <a:tcPr marL="9525" marR="9525" marT="9525" marB="0" anchor="ctr">
-                    <a:lnL w="28575" cap="flat" cmpd="sng" algn="ctr">
+                    <a:lnL w="19050" cap="flat" cmpd="sng" algn="ctr">
                       <a:solidFill>
                         <a:schemeClr val="tx1"/>
                       </a:solidFill>
@@ -6402,7 +7196,7 @@
                       <a:headEnd type="none" w="med" len="med"/>
                       <a:tailEnd type="none" w="med" len="med"/>
                     </a:lnL>
-                    <a:lnR w="19050" cap="flat" cmpd="sng" algn="ctr">
+                    <a:lnR w="12700" cap="flat" cmpd="sng" algn="ctr">
                       <a:solidFill>
                         <a:schemeClr val="tx1"/>
                       </a:solidFill>
@@ -6411,7 +7205,7 @@
                       <a:headEnd type="none" w="med" len="med"/>
                       <a:tailEnd type="none" w="med" len="med"/>
                     </a:lnR>
-                    <a:lnT w="28575" cap="flat" cmpd="sng" algn="ctr">
+                    <a:lnT w="12700" cap="flat" cmpd="sng" algn="ctr">
                       <a:solidFill>
                         <a:schemeClr val="tx1"/>
                       </a:solidFill>
@@ -6431,29 +7225,19 @@
                     </a:lnB>
                   </a:tcPr>
                 </a:tc>
-                <a:tc gridSpan="4">
+                <a:tc gridSpan="2">
                   <a:txBody>
                     <a:bodyPr/>
                     <a:lstStyle/>
                     <a:p>
                       <a:pPr algn="ctr" fontAlgn="ctr"/>
-                      <a:r>
-                        <a:rPr lang="ru-RU" sz="1400" u="none" strike="noStrike" dirty="0">
-                          <a:effectLst/>
-                        </a:rPr>
-                        <a:t> </a:t>
-                      </a:r>
-                      <a:r>
-                        <a:rPr lang="en-US" sz="1400" u="none" strike="noStrike" dirty="0" smtClean="0">
-                          <a:effectLst/>
-                        </a:rPr>
-                        <a:t>Local </a:t>
-                      </a:r>
                       <a:r>
                         <a:rPr lang="en-US" sz="1400" u="none" strike="noStrike" dirty="0">
                           <a:effectLst/>
+                          <a:latin typeface="Times New Roman" panose="02020603050405020304" pitchFamily="18" charset="0"/>
+                          <a:cs typeface="Times New Roman" panose="02020603050405020304" pitchFamily="18" charset="0"/>
                         </a:rPr>
-                        <a:t>Search</a:t>
+                        <a:t>Relocate</a:t>
                       </a:r>
                       <a:endParaRPr lang="en-US" sz="1400" b="0" i="0" u="none" strike="noStrike" dirty="0">
                         <a:solidFill>
@@ -6461,11 +7245,12 @@
                         </a:solidFill>
                         <a:effectLst/>
                         <a:latin typeface="Times New Roman" panose="02020603050405020304" pitchFamily="18" charset="0"/>
+                        <a:cs typeface="Times New Roman" panose="02020603050405020304" pitchFamily="18" charset="0"/>
                       </a:endParaRPr>
                     </a:p>
                   </a:txBody>
                   <a:tcPr marL="9525" marR="9525" marT="9525" marB="0" anchor="ctr">
-                    <a:lnL w="19050" cap="flat" cmpd="sng" algn="ctr">
+                    <a:lnL w="12700" cap="flat" cmpd="sng" algn="ctr">
                       <a:solidFill>
                         <a:schemeClr val="tx1"/>
                       </a:solidFill>
@@ -6474,7 +7259,7 @@
                       <a:headEnd type="none" w="med" len="med"/>
                       <a:tailEnd type="none" w="med" len="med"/>
                     </a:lnL>
-                    <a:lnR w="19050" cap="flat" cmpd="sng" algn="ctr">
+                    <a:lnR w="12700" cap="flat" cmpd="sng" algn="ctr">
                       <a:solidFill>
                         <a:schemeClr val="tx1"/>
                       </a:solidFill>
@@ -6483,7 +7268,7 @@
                       <a:headEnd type="none" w="med" len="med"/>
                       <a:tailEnd type="none" w="med" len="med"/>
                     </a:lnR>
-                    <a:lnT w="28575" cap="flat" cmpd="sng" algn="ctr">
+                    <a:lnT w="12700" cap="flat" cmpd="sng" algn="ctr">
                       <a:solidFill>
                         <a:schemeClr val="tx1"/>
                       </a:solidFill>
@@ -6508,17 +7293,45 @@
                     <a:bodyPr/>
                     <a:lstStyle/>
                     <a:p>
+                      <a:endParaRPr lang="ru-RU"/>
+                    </a:p>
+                  </a:txBody>
+                  <a:tcPr/>
+                </a:tc>
+                <a:tc>
+                  <a:txBody>
+                    <a:bodyPr/>
+                    <a:lstStyle/>
+                    <a:p>
                       <a:pPr algn="ctr" fontAlgn="ctr"/>
+                      <a:r>
+                        <a:rPr lang="en-US" sz="1400" u="none" strike="noStrike" dirty="0">
+                          <a:effectLst/>
+                          <a:latin typeface="Times New Roman" panose="02020603050405020304" pitchFamily="18" charset="0"/>
+                          <a:cs typeface="Times New Roman" panose="02020603050405020304" pitchFamily="18" charset="0"/>
+                        </a:rPr>
+                        <a:t>2-Opt</a:t>
+                      </a:r>
                       <a:endParaRPr lang="en-US" sz="1400" b="0" i="0" u="none" strike="noStrike" dirty="0">
                         <a:solidFill>
                           <a:srgbClr val="000000"/>
                         </a:solidFill>
                         <a:effectLst/>
                         <a:latin typeface="Times New Roman" panose="02020603050405020304" pitchFamily="18" charset="0"/>
+                        <a:cs typeface="Times New Roman" panose="02020603050405020304" pitchFamily="18" charset="0"/>
                       </a:endParaRPr>
                     </a:p>
                   </a:txBody>
                   <a:tcPr marL="9525" marR="9525" marT="9525" marB="0" anchor="ctr">
+                    <a:lnL w="12700" cap="flat" cmpd="sng" algn="ctr">
+                      <a:solidFill>
+                        <a:schemeClr val="tx1"/>
+                      </a:solidFill>
+                      <a:prstDash val="solid"/>
+                      <a:round/>
+                      <a:headEnd type="none" w="med" len="med"/>
+                      <a:tailEnd type="none" w="med" len="med"/>
+                    </a:lnL>
                     <a:lnR w="12700" cap="flat" cmpd="sng" algn="ctr">
                       <a:solidFill>
                         <a:schemeClr val="tx1"/>
@@ -6548,27 +7361,7 @@
                     </a:lnB>
                   </a:tcPr>
                 </a:tc>
-                <a:tc hMerge="1">
-                  <a:txBody>
-                    <a:bodyPr/>
-                    <a:lstStyle/>
-                    <a:p>
-                      <a:endParaRPr lang="ru-RU"/>
-                    </a:p>
-                  </a:txBody>
-                  <a:tcPr/>
-                </a:tc>
-                <a:tc hMerge="1">
-                  <a:txBody>
-                    <a:bodyPr/>
-                    <a:lstStyle/>
-                    <a:p>
-                      <a:endParaRPr lang="ru-RU"/>
-                    </a:p>
-                  </a:txBody>
-                  <a:tcPr/>
-                </a:tc>
-                <a:tc gridSpan="4">
+                <a:tc>
                   <a:txBody>
                     <a:bodyPr/>
                     <a:lstStyle/>
@@ -6577,8 +7370,10 @@
                       <a:r>
                         <a:rPr lang="en-US" sz="1400" u="none" strike="noStrike" dirty="0">
                           <a:effectLst/>
+                          <a:latin typeface="Times New Roman" panose="02020603050405020304" pitchFamily="18" charset="0"/>
+                          <a:cs typeface="Times New Roman" panose="02020603050405020304" pitchFamily="18" charset="0"/>
                         </a:rPr>
-                        <a:t>Crossover</a:t>
+                        <a:t>Help</a:t>
                       </a:r>
                       <a:endParaRPr lang="en-US" sz="1400" b="0" i="0" u="none" strike="noStrike" dirty="0">
                         <a:solidFill>
@@ -6586,11 +7381,12 @@
                         </a:solidFill>
                         <a:effectLst/>
                         <a:latin typeface="Times New Roman" panose="02020603050405020304" pitchFamily="18" charset="0"/>
+                        <a:cs typeface="Times New Roman" panose="02020603050405020304" pitchFamily="18" charset="0"/>
                       </a:endParaRPr>
                     </a:p>
                   </a:txBody>
                   <a:tcPr marL="9525" marR="9525" marT="9525" marB="0" anchor="ctr">
-                    <a:lnL w="19050" cap="flat" cmpd="sng" algn="ctr">
+                    <a:lnL w="12700" cap="flat" cmpd="sng" algn="ctr">
                       <a:solidFill>
                         <a:schemeClr val="tx1"/>
                       </a:solidFill>
@@ -6599,7 +7395,7 @@
                       <a:headEnd type="none" w="med" len="med"/>
                       <a:tailEnd type="none" w="med" len="med"/>
                     </a:lnL>
-                    <a:lnR w="28575" cap="flat" cmpd="sng" algn="ctr">
+                    <a:lnR w="3175" cap="flat" cmpd="sng" algn="ctr">
                       <a:solidFill>
                         <a:schemeClr val="tx1"/>
                       </a:solidFill>
@@ -6608,7 +7404,7 @@
                       <a:headEnd type="none" w="med" len="med"/>
                       <a:tailEnd type="none" w="med" len="med"/>
                     </a:lnR>
-                    <a:lnT w="28575" cap="flat" cmpd="sng" algn="ctr">
+                    <a:lnT w="12700" cap="flat" cmpd="sng" algn="ctr">
                       <a:solidFill>
                         <a:schemeClr val="tx1"/>
                       </a:solidFill>
@@ -6628,60 +7424,22 @@
                     </a:lnB>
                   </a:tcPr>
                 </a:tc>
-                <a:tc hMerge="1">
-                  <a:txBody>
-                    <a:bodyPr/>
-                    <a:lstStyle/>
-                    <a:p>
-                      <a:endParaRPr lang="ru-RU"/>
-                    </a:p>
-                  </a:txBody>
-                  <a:tcPr/>
-                </a:tc>
-                <a:tc hMerge="1">
-                  <a:txBody>
-                    <a:bodyPr/>
-                    <a:lstStyle/>
-                    <a:p>
-                      <a:endParaRPr lang="ru-RU"/>
-                    </a:p>
-                  </a:txBody>
-                  <a:tcPr/>
-                </a:tc>
-                <a:tc hMerge="1">
-                  <a:txBody>
-                    <a:bodyPr/>
-                    <a:lstStyle/>
-                    <a:p>
-                      <a:endParaRPr lang="ru-RU"/>
-                    </a:p>
-                  </a:txBody>
-                  <a:tcPr/>
-                </a:tc>
-                <a:extLst>
-                  <a:ext uri="{0D108BD9-81ED-4DB2-BD59-A6C34878D82A}">
-                    <a16:rowId xmlns:a16="http://schemas.microsoft.com/office/drawing/2014/main" val="4270167767"/>
-                  </a:ext>
-                </a:extLst>
-              </a:tr>
-              <a:tr h="419100">
-                <a:tc rowSpan="5">
+                <a:tc>
                   <a:txBody>
                     <a:bodyPr/>
                     <a:lstStyle/>
                     <a:p>
                       <a:pPr algn="ctr" fontAlgn="ctr"/>
                       <a:r>
-                        <a:rPr lang="en-US" sz="1400" u="none" strike="noStrike" dirty="0" smtClean="0">
+                        <a:rPr lang="en-US" sz="1400" b="0" i="0" u="none" strike="noStrike" dirty="0" smtClean="0">
+                          <a:solidFill>
+                            <a:srgbClr val="000000"/>
+                          </a:solidFill>
                           <a:effectLst/>
+                          <a:latin typeface="Times New Roman" panose="02020603050405020304" pitchFamily="18" charset="0"/>
+                          <a:cs typeface="Times New Roman" panose="02020603050405020304" pitchFamily="18" charset="0"/>
                         </a:rPr>
-                        <a:t>Starting </a:t>
-                      </a:r>
-                      <a:r>
-                        <a:rPr lang="en-US" sz="1400" u="none" strike="noStrike" dirty="0">
-                          <a:effectLst/>
-                        </a:rPr>
-                        <a:t>population</a:t>
+                        <a:t>Exchange</a:t>
                       </a:r>
                       <a:endParaRPr lang="en-US" sz="1400" b="0" i="0" u="none" strike="noStrike" dirty="0">
                         <a:solidFill>
@@ -6689,11 +7447,12 @@
                         </a:solidFill>
                         <a:effectLst/>
                         <a:latin typeface="Times New Roman" panose="02020603050405020304" pitchFamily="18" charset="0"/>
+                        <a:cs typeface="Times New Roman" panose="02020603050405020304" pitchFamily="18" charset="0"/>
                       </a:endParaRPr>
                     </a:p>
                   </a:txBody>
-                  <a:tcPr marL="9525" marR="9525" marT="9525" marB="0" vert="vert270" anchor="ctr">
-                    <a:lnL w="28575" cap="flat" cmpd="sng" algn="ctr">
+                  <a:tcPr marL="9525" marR="9525" marT="9525" marB="0" anchor="ctr">
+                    <a:lnL w="3175" cap="flat" cmpd="sng" algn="ctr">
                       <a:solidFill>
                         <a:schemeClr val="tx1"/>
                       </a:solidFill>
@@ -6702,7 +7461,7 @@
                       <a:headEnd type="none" w="med" len="med"/>
                       <a:tailEnd type="none" w="med" len="med"/>
                     </a:lnL>
-                    <a:lnR w="19050" cap="flat" cmpd="sng" algn="ctr">
+                    <a:lnR w="28575" cap="flat" cmpd="sng" algn="ctr">
                       <a:solidFill>
                         <a:schemeClr val="tx1"/>
                       </a:solidFill>
@@ -6720,7 +7479,7 @@
                       <a:headEnd type="none" w="med" len="med"/>
                       <a:tailEnd type="none" w="med" len="med"/>
                     </a:lnT>
-                    <a:lnB w="12700" cap="flat" cmpd="sng" algn="ctr">
+                    <a:lnB w="3175" cap="flat" cmpd="sng" algn="ctr">
                       <a:solidFill>
                         <a:schemeClr val="tx1"/>
                       </a:solidFill>
@@ -6729,6 +7488,14 @@
                       <a:headEnd type="none" w="med" len="med"/>
                       <a:tailEnd type="none" w="med" len="med"/>
                     </a:lnB>
+                    <a:lnTlToBr w="12700" cmpd="sng">
+                      <a:noFill/>
+                      <a:prstDash val="solid"/>
+                    </a:lnTlToBr>
+                    <a:lnBlToTr w="12700" cmpd="sng">
+                      <a:noFill/>
+                      <a:prstDash val="solid"/>
+                    </a:lnBlToTr>
                   </a:tcPr>
                 </a:tc>
                 <a:tc>
@@ -6737,17 +7504,13 @@
                     <a:lstStyle/>
                     <a:p>
                       <a:pPr algn="ctr" fontAlgn="ctr"/>
-                      <a:r>
-                        <a:rPr lang="en-US" sz="1400" u="none" strike="noStrike" dirty="0" err="1">
-                          <a:effectLst/>
-                        </a:rPr>
-                        <a:t>obj</a:t>
-                      </a:r>
                       <a:r>
                         <a:rPr lang="en-US" sz="1400" u="none" strike="noStrike" dirty="0">
                           <a:effectLst/>
+                          <a:latin typeface="Times New Roman" panose="02020603050405020304" pitchFamily="18" charset="0"/>
+                          <a:cs typeface="Times New Roman" panose="02020603050405020304" pitchFamily="18" charset="0"/>
                         </a:rPr>
-                        <a:t>       car</a:t>
+                        <a:t>AEX</a:t>
                       </a:r>
                       <a:endParaRPr lang="en-US" sz="1400" b="0" i="0" u="none" strike="noStrike" dirty="0">
                         <a:solidFill>
@@ -6755,11 +7518,12 @@
                         </a:solidFill>
                         <a:effectLst/>
                         <a:latin typeface="Times New Roman" panose="02020603050405020304" pitchFamily="18" charset="0"/>
+                        <a:cs typeface="Times New Roman" panose="02020603050405020304" pitchFamily="18" charset="0"/>
                       </a:endParaRPr>
                     </a:p>
                   </a:txBody>
                   <a:tcPr marL="9525" marR="9525" marT="9525" marB="0" anchor="ctr">
-                    <a:lnL w="19050" cap="flat" cmpd="sng" algn="ctr">
+                    <a:lnL w="28575" cap="flat" cmpd="sng" algn="ctr">
                       <a:solidFill>
                         <a:schemeClr val="tx1"/>
                       </a:solidFill>
@@ -6804,10 +7568,20 @@
                     <a:p>
                       <a:pPr algn="ctr" fontAlgn="ctr"/>
                       <a:r>
+                        <a:rPr lang="en-US" sz="1400" u="none" strike="noStrike" dirty="0" err="1">
+                          <a:effectLst/>
+                          <a:latin typeface="Times New Roman" panose="02020603050405020304" pitchFamily="18" charset="0"/>
+                          <a:cs typeface="Times New Roman" panose="02020603050405020304" pitchFamily="18" charset="0"/>
+                        </a:rPr>
+                        <a:t>HGreX</a:t>
+                      </a:r>
+                      <a:r>
                         <a:rPr lang="en-US" sz="1400" u="none" strike="noStrike" dirty="0">
                           <a:effectLst/>
+                          <a:latin typeface="Times New Roman" panose="02020603050405020304" pitchFamily="18" charset="0"/>
+                          <a:cs typeface="Times New Roman" panose="02020603050405020304" pitchFamily="18" charset="0"/>
                         </a:rPr>
-                        <a:t>Relocate</a:t>
+                        <a:t> </a:t>
                       </a:r>
                       <a:endParaRPr lang="en-US" sz="1400" b="0" i="0" u="none" strike="noStrike" dirty="0">
                         <a:solidFill>
@@ -6815,6 +7589,7 @@
                         </a:solidFill>
                         <a:effectLst/>
                         <a:latin typeface="Times New Roman" panose="02020603050405020304" pitchFamily="18" charset="0"/>
+                        <a:cs typeface="Times New Roman" panose="02020603050405020304" pitchFamily="18" charset="0"/>
                       </a:endParaRPr>
                     </a:p>
                   </a:txBody>
@@ -6864,10 +7639,12 @@
                     <a:p>
                       <a:pPr algn="ctr" fontAlgn="ctr"/>
                       <a:r>
-                        <a:rPr lang="en-US" sz="1400" u="none" strike="noStrike" dirty="0">
+                        <a:rPr lang="en-US" sz="1400" u="none" strike="noStrike" dirty="0" err="1">
                           <a:effectLst/>
+                          <a:latin typeface="Times New Roman" panose="02020603050405020304" pitchFamily="18" charset="0"/>
+                          <a:cs typeface="Times New Roman" panose="02020603050405020304" pitchFamily="18" charset="0"/>
                         </a:rPr>
-                        <a:t>2-Opt</a:t>
+                        <a:t>HRndX</a:t>
                       </a:r>
                       <a:endParaRPr lang="en-US" sz="1400" b="0" i="0" u="none" strike="noStrike" dirty="0">
                         <a:solidFill>
@@ -6875,6 +7652,7 @@
                         </a:solidFill>
                         <a:effectLst/>
                         <a:latin typeface="Times New Roman" panose="02020603050405020304" pitchFamily="18" charset="0"/>
+                        <a:cs typeface="Times New Roman" panose="02020603050405020304" pitchFamily="18" charset="0"/>
                       </a:endParaRPr>
                     </a:p>
                   </a:txBody>
@@ -6924,10 +7702,12 @@
                     <a:p>
                       <a:pPr algn="ctr" fontAlgn="ctr"/>
                       <a:r>
-                        <a:rPr lang="en-US" sz="1400" u="none" strike="noStrike" dirty="0">
+                        <a:rPr lang="en-US" sz="1400" u="none" strike="noStrike" dirty="0" err="1">
                           <a:effectLst/>
+                          <a:latin typeface="Times New Roman" panose="02020603050405020304" pitchFamily="18" charset="0"/>
+                          <a:cs typeface="Times New Roman" panose="02020603050405020304" pitchFamily="18" charset="0"/>
                         </a:rPr>
-                        <a:t>Help</a:t>
+                        <a:t>HProX</a:t>
                       </a:r>
                       <a:endParaRPr lang="en-US" sz="1400" b="0" i="0" u="none" strike="noStrike" dirty="0">
                         <a:solidFill>
@@ -6935,6 +7715,7 @@
                         </a:solidFill>
                         <a:effectLst/>
                         <a:latin typeface="Times New Roman" panose="02020603050405020304" pitchFamily="18" charset="0"/>
+                        <a:cs typeface="Times New Roman" panose="02020603050405020304" pitchFamily="18" charset="0"/>
                       </a:endParaRPr>
                     </a:p>
                   </a:txBody>
@@ -6948,7 +7729,7 @@
                       <a:headEnd type="none" w="med" len="med"/>
                       <a:tailEnd type="none" w="med" len="med"/>
                     </a:lnL>
-                    <a:lnR w="19050" cap="flat" cmpd="sng" algn="ctr">
+                    <a:lnR w="28575" cap="flat" cmpd="sng" algn="ctr">
                       <a:solidFill>
                         <a:schemeClr val="tx1"/>
                       </a:solidFill>
@@ -6977,17 +7758,111 @@
                     </a:lnB>
                   </a:tcPr>
                 </a:tc>
+                <a:extLst>
+                  <a:ext uri="{0D108BD9-81ED-4DB2-BD59-A6C34878D82A}">
+                    <a16:rowId xmlns:a16="http://schemas.microsoft.com/office/drawing/2014/main" val="2799558652"/>
+                  </a:ext>
+                </a:extLst>
+              </a:tr>
+              <a:tr h="559295">
                 <a:tc>
                   <a:txBody>
                     <a:bodyPr/>
                     <a:lstStyle/>
                     <a:p>
                       <a:pPr algn="ctr" fontAlgn="ctr"/>
+                      <a:r>
+                        <a:rPr lang="ru-RU" sz="1400" u="none" strike="noStrike" dirty="0">
+                          <a:effectLst/>
+                          <a:latin typeface="Times New Roman" panose="02020603050405020304" pitchFamily="18" charset="0"/>
+                          <a:cs typeface="Times New Roman" panose="02020603050405020304" pitchFamily="18" charset="0"/>
+                        </a:rPr>
+                        <a:t>10       </a:t>
+                      </a:r>
+                      <a:r>
+                        <a:rPr lang="ru-RU" sz="1400" u="none" strike="noStrike" dirty="0" smtClean="0">
+                          <a:effectLst/>
+                          <a:latin typeface="Times New Roman" panose="02020603050405020304" pitchFamily="18" charset="0"/>
+                          <a:cs typeface="Times New Roman" panose="02020603050405020304" pitchFamily="18" charset="0"/>
+                        </a:rPr>
+                        <a:t> </a:t>
+                      </a:r>
+                      <a:r>
+                        <a:rPr lang="ru-RU" sz="1400" u="none" strike="noStrike" dirty="0">
+                          <a:effectLst/>
+                          <a:latin typeface="Times New Roman" panose="02020603050405020304" pitchFamily="18" charset="0"/>
+                          <a:cs typeface="Times New Roman" panose="02020603050405020304" pitchFamily="18" charset="0"/>
+                        </a:rPr>
+                        <a:t>5</a:t>
+                      </a:r>
+                      <a:endParaRPr lang="ru-RU" sz="1400" b="0" i="0" u="none" strike="noStrike" dirty="0">
+                        <a:solidFill>
+                          <a:srgbClr val="000000"/>
+                        </a:solidFill>
+                        <a:effectLst/>
+                        <a:latin typeface="Times New Roman" panose="02020603050405020304" pitchFamily="18" charset="0"/>
+                        <a:cs typeface="Times New Roman" panose="02020603050405020304" pitchFamily="18" charset="0"/>
+                      </a:endParaRPr>
+                    </a:p>
+                  </a:txBody>
+                  <a:tcPr marL="9525" marR="9525" marT="9525" marB="0" anchor="ctr">
+                    <a:lnL w="19050" cap="flat" cmpd="sng" algn="ctr">
+                      <a:solidFill>
+                        <a:schemeClr val="tx1"/>
+                      </a:solidFill>
+                      <a:prstDash val="solid"/>
+                      <a:round/>
+                      <a:headEnd type="none" w="med" len="med"/>
+                      <a:tailEnd type="none" w="med" len="med"/>
+                    </a:lnL>
+                    <a:lnR w="12700" cap="flat" cmpd="sng" algn="ctr">
+                      <a:solidFill>
+                        <a:schemeClr val="tx1"/>
+                      </a:solidFill>
+                      <a:prstDash val="solid"/>
+                      <a:round/>
+                      <a:headEnd type="none" w="med" len="med"/>
+                      <a:tailEnd type="none" w="med" len="med"/>
+                    </a:lnR>
+                    <a:lnT w="12700" cap="flat" cmpd="sng" algn="ctr">
+                      <a:solidFill>
+                        <a:schemeClr val="tx1"/>
+                      </a:solidFill>
+                      <a:prstDash val="solid"/>
+                      <a:round/>
+                      <a:headEnd type="none" w="med" len="med"/>
+                      <a:tailEnd type="none" w="med" len="med"/>
+                    </a:lnT>
+                    <a:lnB w="12700" cap="flat" cmpd="sng" algn="ctr">
+                      <a:noFill/>
+                      <a:prstDash val="solid"/>
+                      <a:round/>
+                      <a:headEnd type="none" w="med" len="med"/>
+                      <a:tailEnd type="none" w="med" len="med"/>
+                    </a:lnB>
+                  </a:tcPr>
+                </a:tc>
+                <a:tc>
+                  <a:txBody>
+                    <a:bodyPr/>
+                    <a:lstStyle/>
+                    <a:p>
+                      <a:pPr algn="ctr" fontAlgn="ctr"/>
+                      <a:r>
+                        <a:rPr lang="en-US" sz="1400" u="none" strike="noStrike" dirty="0" smtClean="0">
+                          <a:effectLst/>
+                          <a:latin typeface="Times New Roman" panose="02020603050405020304" pitchFamily="18" charset="0"/>
+                          <a:cs typeface="Times New Roman" panose="02020603050405020304" pitchFamily="18" charset="0"/>
+                        </a:rPr>
+                        <a:t>0.75 </a:t>
+                      </a:r>
                       <a:r>
                         <a:rPr lang="en-US" sz="1400" u="none" strike="noStrike" dirty="0">
                           <a:effectLst/>
+                          <a:latin typeface="Times New Roman" panose="02020603050405020304" pitchFamily="18" charset="0"/>
+                          <a:cs typeface="Times New Roman" panose="02020603050405020304" pitchFamily="18" charset="0"/>
                         </a:rPr>
-                        <a:t>AEX</a:t>
+                        <a:t>sec</a:t>
                       </a:r>
                       <a:endParaRPr lang="en-US" sz="1400" b="0" i="0" u="none" strike="noStrike" dirty="0">
                         <a:solidFill>
@@ -6995,11 +7870,12 @@
                         </a:solidFill>
                         <a:effectLst/>
                         <a:latin typeface="Times New Roman" panose="02020603050405020304" pitchFamily="18" charset="0"/>
+                        <a:cs typeface="Times New Roman" panose="02020603050405020304" pitchFamily="18" charset="0"/>
                       </a:endParaRPr>
                     </a:p>
                   </a:txBody>
                   <a:tcPr marL="9525" marR="9525" marT="9525" marB="0" anchor="ctr">
-                    <a:lnL w="19050" cap="flat" cmpd="sng" algn="ctr">
+                    <a:lnL w="12700" cap="flat" cmpd="sng" algn="ctr">
                       <a:solidFill>
                         <a:schemeClr val="tx1"/>
                       </a:solidFill>
@@ -7027,9 +7903,7 @@
                       <a:tailEnd type="none" w="med" len="med"/>
                     </a:lnT>
                     <a:lnB w="12700" cap="flat" cmpd="sng" algn="ctr">
-                      <a:solidFill>
-                        <a:schemeClr val="tx1"/>
-                      </a:solidFill>
+                      <a:noFill/>
                       <a:prstDash val="solid"/>
                       <a:round/>
                       <a:headEnd type="none" w="med" len="med"/>
@@ -7044,16 +7918,20 @@
                     <a:p>
                       <a:pPr algn="ctr" fontAlgn="ctr"/>
                       <a:r>
-                        <a:rPr lang="en-US" sz="1400" u="none" strike="noStrike" dirty="0" err="1">
+                        <a:rPr lang="en-US" sz="1400" u="none" strike="noStrike" dirty="0" smtClean="0">
                           <a:effectLst/>
+                          <a:latin typeface="Times New Roman" panose="02020603050405020304" pitchFamily="18" charset="0"/>
+                          <a:cs typeface="Times New Roman" panose="02020603050405020304" pitchFamily="18" charset="0"/>
                         </a:rPr>
-                        <a:t>HGreX</a:t>
+                        <a:t>0.75 </a:t>
                       </a:r>
                       <a:r>
                         <a:rPr lang="en-US" sz="1400" u="none" strike="noStrike" dirty="0">
                           <a:effectLst/>
+                          <a:latin typeface="Times New Roman" panose="02020603050405020304" pitchFamily="18" charset="0"/>
+                          <a:cs typeface="Times New Roman" panose="02020603050405020304" pitchFamily="18" charset="0"/>
                         </a:rPr>
-                        <a:t> </a:t>
+                        <a:t>sec</a:t>
                       </a:r>
                       <a:endParaRPr lang="en-US" sz="1400" b="0" i="0" u="none" strike="noStrike" dirty="0">
                         <a:solidFill>
@@ -7061,6 +7939,7 @@
                         </a:solidFill>
                         <a:effectLst/>
                         <a:latin typeface="Times New Roman" panose="02020603050405020304" pitchFamily="18" charset="0"/>
+                        <a:cs typeface="Times New Roman" panose="02020603050405020304" pitchFamily="18" charset="0"/>
                       </a:endParaRPr>
                     </a:p>
                   </a:txBody>
@@ -7092,15 +7971,6 @@
                       <a:headEnd type="none" w="med" len="med"/>
                       <a:tailEnd type="none" w="med" len="med"/>
                     </a:lnT>
-                    <a:lnB w="12700" cap="flat" cmpd="sng" algn="ctr">
-                      <a:solidFill>
-                        <a:schemeClr val="tx1"/>
-                      </a:solidFill>
-                      <a:prstDash val="solid"/>
-                      <a:round/>
-                      <a:headEnd type="none" w="med" len="med"/>
-                      <a:tailEnd type="none" w="med" len="med"/>
-                    </a:lnB>
                   </a:tcPr>
                 </a:tc>
                 <a:tc>
@@ -7110,10 +7980,20 @@
                     <a:p>
                       <a:pPr algn="ctr" fontAlgn="ctr"/>
                       <a:r>
-                        <a:rPr lang="en-US" sz="1400" u="none" strike="noStrike" dirty="0" err="1">
+                        <a:rPr lang="en-US" sz="1400" u="none" strike="noStrike" dirty="0" smtClean="0">
                           <a:effectLst/>
+                          <a:latin typeface="Times New Roman" panose="02020603050405020304" pitchFamily="18" charset="0"/>
+                          <a:cs typeface="Times New Roman" panose="02020603050405020304" pitchFamily="18" charset="0"/>
                         </a:rPr>
-                        <a:t>HRndX</a:t>
+                        <a:t>0.36 </a:t>
+                      </a:r>
+                      <a:r>
+                        <a:rPr lang="en-US" sz="1400" u="none" strike="noStrike" dirty="0">
+                          <a:effectLst/>
+                          <a:latin typeface="Times New Roman" panose="02020603050405020304" pitchFamily="18" charset="0"/>
+                          <a:cs typeface="Times New Roman" panose="02020603050405020304" pitchFamily="18" charset="0"/>
+                        </a:rPr>
+                        <a:t>sec</a:t>
                       </a:r>
                       <a:endParaRPr lang="en-US" sz="1400" b="0" i="0" u="none" strike="noStrike" dirty="0">
                         <a:solidFill>
@@ -7121,6 +8001,7 @@
                         </a:solidFill>
                         <a:effectLst/>
                         <a:latin typeface="Times New Roman" panose="02020603050405020304" pitchFamily="18" charset="0"/>
+                        <a:cs typeface="Times New Roman" panose="02020603050405020304" pitchFamily="18" charset="0"/>
                       </a:endParaRPr>
                     </a:p>
                   </a:txBody>
@@ -7153,9 +8034,7 @@
                       <a:tailEnd type="none" w="med" len="med"/>
                     </a:lnT>
                     <a:lnB w="12700" cap="flat" cmpd="sng" algn="ctr">
-                      <a:solidFill>
-                        <a:schemeClr val="tx1"/>
-                      </a:solidFill>
+                      <a:noFill/>
                       <a:prstDash val="solid"/>
                       <a:round/>
                       <a:headEnd type="none" w="med" len="med"/>
@@ -7170,10 +8049,20 @@
                     <a:p>
                       <a:pPr algn="ctr" fontAlgn="ctr"/>
                       <a:r>
-                        <a:rPr lang="en-US" sz="1400" u="none" strike="noStrike" dirty="0" err="1">
+                        <a:rPr lang="en-US" sz="1400" u="none" strike="noStrike" dirty="0" smtClean="0">
                           <a:effectLst/>
+                          <a:latin typeface="Times New Roman" panose="02020603050405020304" pitchFamily="18" charset="0"/>
+                          <a:cs typeface="Times New Roman" panose="02020603050405020304" pitchFamily="18" charset="0"/>
                         </a:rPr>
-                        <a:t>HProX</a:t>
+                        <a:t>0.124 </a:t>
+                      </a:r>
+                      <a:r>
+                        <a:rPr lang="en-US" sz="1400" u="none" strike="noStrike" dirty="0">
+                          <a:effectLst/>
+                          <a:latin typeface="Times New Roman" panose="02020603050405020304" pitchFamily="18" charset="0"/>
+                          <a:cs typeface="Times New Roman" panose="02020603050405020304" pitchFamily="18" charset="0"/>
+                        </a:rPr>
+                        <a:t>sec</a:t>
                       </a:r>
                       <a:endParaRPr lang="en-US" sz="1400" b="0" i="0" u="none" strike="noStrike" dirty="0">
                         <a:solidFill>
@@ -7181,6 +8070,7 @@
                         </a:solidFill>
                         <a:effectLst/>
                         <a:latin typeface="Times New Roman" panose="02020603050405020304" pitchFamily="18" charset="0"/>
+                        <a:cs typeface="Times New Roman" panose="02020603050405020304" pitchFamily="18" charset="0"/>
                       </a:endParaRPr>
                     </a:p>
                   </a:txBody>
@@ -7194,7 +8084,7 @@
                       <a:headEnd type="none" w="med" len="med"/>
                       <a:tailEnd type="none" w="med" len="med"/>
                     </a:lnL>
-                    <a:lnR w="28575" cap="flat" cmpd="sng" algn="ctr">
+                    <a:lnR w="3175" cap="flat" cmpd="sng" algn="ctr">
                       <a:solidFill>
                         <a:schemeClr val="tx1"/>
                       </a:solidFill>
@@ -7213,9 +8103,7 @@
                       <a:tailEnd type="none" w="med" len="med"/>
                     </a:lnT>
                     <a:lnB w="12700" cap="flat" cmpd="sng" algn="ctr">
-                      <a:solidFill>
-                        <a:schemeClr val="tx1"/>
-                      </a:solidFill>
+                      <a:noFill/>
                       <a:prstDash val="solid"/>
                       <a:round/>
                       <a:headEnd type="none" w="med" len="med"/>
@@ -7223,29 +8111,77 @@
                     </a:lnB>
                   </a:tcPr>
                 </a:tc>
-                <a:extLst>
-                  <a:ext uri="{0D108BD9-81ED-4DB2-BD59-A6C34878D82A}">
-                    <a16:rowId xmlns:a16="http://schemas.microsoft.com/office/drawing/2014/main" val="2799558652"/>
-                  </a:ext>
-                </a:extLst>
-              </a:tr>
-              <a:tr h="371475">
-                <a:tc vMerge="1">
+                <a:tc>
                   <a:txBody>
                     <a:bodyPr/>
                     <a:lstStyle/>
                     <a:p>
                       <a:pPr algn="ctr" fontAlgn="ctr"/>
+                      <a:r>
+                        <a:rPr lang="en-US" sz="1400" b="0" i="0" u="none" strike="noStrike" dirty="0" smtClean="0">
+                          <a:solidFill>
+                            <a:srgbClr val="000000"/>
+                          </a:solidFill>
+                          <a:effectLst/>
+                          <a:latin typeface="Times New Roman" panose="02020603050405020304" pitchFamily="18" charset="0"/>
+                          <a:cs typeface="Times New Roman" panose="02020603050405020304" pitchFamily="18" charset="0"/>
+                        </a:rPr>
+                        <a:t>0.269 sec</a:t>
+                      </a:r>
                       <a:endParaRPr lang="en-US" sz="1400" b="0" i="0" u="none" strike="noStrike" dirty="0">
                         <a:solidFill>
                           <a:srgbClr val="000000"/>
                         </a:solidFill>
                         <a:effectLst/>
                         <a:latin typeface="Times New Roman" panose="02020603050405020304" pitchFamily="18" charset="0"/>
+                        <a:cs typeface="Times New Roman" panose="02020603050405020304" pitchFamily="18" charset="0"/>
                       </a:endParaRPr>
                     </a:p>
                   </a:txBody>
-                  <a:tcPr marL="9525" marR="9525" marT="9525" marB="0" vert="vert270" anchor="ctr"/>
+                  <a:tcPr marL="9525" marR="9525" marT="9525" marB="0" anchor="ctr">
+                    <a:lnL w="3175" cap="flat" cmpd="sng" algn="ctr">
+                      <a:solidFill>
+                        <a:schemeClr val="tx1"/>
+                      </a:solidFill>
+                      <a:prstDash val="solid"/>
+                      <a:round/>
+                      <a:headEnd type="none" w="med" len="med"/>
+                      <a:tailEnd type="none" w="med" len="med"/>
+                    </a:lnL>
+                    <a:lnR w="28575" cap="flat" cmpd="sng" algn="ctr">
+                      <a:solidFill>
+                        <a:schemeClr val="tx1"/>
+                      </a:solidFill>
+                      <a:prstDash val="solid"/>
+                      <a:round/>
+                      <a:headEnd type="none" w="med" len="med"/>
+                      <a:tailEnd type="none" w="med" len="med"/>
+                    </a:lnR>
+                    <a:lnT w="3175" cap="flat" cmpd="sng" algn="ctr">
+                      <a:solidFill>
+                        <a:schemeClr val="tx1"/>
+                      </a:solidFill>
+                      <a:prstDash val="solid"/>
+                      <a:round/>
+                      <a:headEnd type="none" w="med" len="med"/>
+                      <a:tailEnd type="none" w="med" len="med"/>
+                    </a:lnT>
+                    <a:lnB w="12700" cap="flat" cmpd="sng" algn="ctr">
+                      <a:noFill/>
+                      <a:prstDash val="solid"/>
+                      <a:round/>
+                      <a:headEnd type="none" w="med" len="med"/>
+                      <a:tailEnd type="none" w="med" len="med"/>
+                    </a:lnB>
+                    <a:lnTlToBr w="12700" cmpd="sng">
+                      <a:noFill/>
+                      <a:prstDash val="solid"/>
+                    </a:lnTlToBr>
+                    <a:lnBlToTr w="12700" cmpd="sng">
+                      <a:noFill/>
+                      <a:prstDash val="solid"/>
+                    </a:lnBlToTr>
+                  </a:tcPr>
                 </a:tc>
                 <a:tc>
                   <a:txBody>
@@ -7254,10 +8190,26 @@
                     <a:p>
                       <a:pPr algn="ctr" fontAlgn="ctr"/>
                       <a:r>
-                        <a:rPr lang="ru-RU" sz="1400" u="none" strike="noStrike" dirty="0">
+                        <a:rPr lang="en-US" sz="1400" b="0" i="0" u="none" strike="noStrike" dirty="0" smtClean="0">
+                          <a:solidFill>
+                            <a:schemeClr val="dk1"/>
+                          </a:solidFill>
                           <a:effectLst/>
+                          <a:latin typeface="Times New Roman" panose="02020603050405020304" pitchFamily="18" charset="0"/>
+                          <a:cs typeface="Times New Roman" panose="02020603050405020304" pitchFamily="18" charset="0"/>
                         </a:rPr>
-                        <a:t>10            5</a:t>
+                        <a:t>0.0007979</a:t>
+                      </a:r>
+                      <a:r>
+                        <a:rPr lang="en-US" sz="1400" b="0" i="0" u="none" strike="noStrike" baseline="0" dirty="0" smtClean="0">
+                          <a:solidFill>
+                            <a:schemeClr val="dk1"/>
+                          </a:solidFill>
+                          <a:effectLst/>
+                          <a:latin typeface="Times New Roman" panose="02020603050405020304" pitchFamily="18" charset="0"/>
+                          <a:cs typeface="Times New Roman" panose="02020603050405020304" pitchFamily="18" charset="0"/>
+                        </a:rPr>
+                        <a:t> sec</a:t>
                       </a:r>
                       <a:endParaRPr lang="ru-RU" sz="1400" b="0" i="0" u="none" strike="noStrike" dirty="0">
                         <a:solidFill>
@@ -7265,6 +8217,316 @@
                         </a:solidFill>
                         <a:effectLst/>
                         <a:latin typeface="Times New Roman" panose="02020603050405020304" pitchFamily="18" charset="0"/>
+                        <a:cs typeface="Times New Roman" panose="02020603050405020304" pitchFamily="18" charset="0"/>
+                      </a:endParaRPr>
+                    </a:p>
+                  </a:txBody>
+                  <a:tcPr marL="9525" marR="9525" marT="9525" marB="0" anchor="ctr">
+                    <a:lnL w="28575" cap="flat" cmpd="sng" algn="ctr">
+                      <a:solidFill>
+                        <a:schemeClr val="tx1"/>
+                      </a:solidFill>
+                      <a:prstDash val="solid"/>
+                      <a:round/>
+                      <a:headEnd type="none" w="med" len="med"/>
+                      <a:tailEnd type="none" w="med" len="med"/>
+                    </a:lnL>
+                    <a:lnR w="12700" cap="flat" cmpd="sng" algn="ctr">
+                      <a:solidFill>
+                        <a:schemeClr val="tx1"/>
+                      </a:solidFill>
+                      <a:prstDash val="solid"/>
+                      <a:round/>
+                      <a:headEnd type="none" w="med" len="med"/>
+                      <a:tailEnd type="none" w="med" len="med"/>
+                    </a:lnR>
+                    <a:lnT w="12700" cap="flat" cmpd="sng" algn="ctr">
+                      <a:solidFill>
+                        <a:schemeClr val="tx1"/>
+                      </a:solidFill>
+                      <a:prstDash val="solid"/>
+                      <a:round/>
+                      <a:headEnd type="none" w="med" len="med"/>
+                      <a:tailEnd type="none" w="med" len="med"/>
+                    </a:lnT>
+                    <a:lnB w="12700" cap="flat" cmpd="sng" algn="ctr">
+                      <a:noFill/>
+                      <a:prstDash val="solid"/>
+                      <a:round/>
+                      <a:headEnd type="none" w="med" len="med"/>
+                      <a:tailEnd type="none" w="med" len="med"/>
+                    </a:lnB>
+                  </a:tcPr>
+                </a:tc>
+                <a:tc>
+                  <a:txBody>
+                    <a:bodyPr/>
+                    <a:lstStyle/>
+                    <a:p>
+                      <a:pPr algn="ctr" fontAlgn="ctr"/>
+                      <a:r>
+                        <a:rPr lang="en-US" sz="1400" b="0" i="0" u="none" strike="noStrike" dirty="0" smtClean="0">
+                          <a:solidFill>
+                            <a:schemeClr val="dk1"/>
+                          </a:solidFill>
+                          <a:effectLst/>
+                          <a:latin typeface="Times New Roman" panose="02020603050405020304" pitchFamily="18" charset="0"/>
+                          <a:cs typeface="Times New Roman" panose="02020603050405020304" pitchFamily="18" charset="0"/>
+                        </a:rPr>
+                        <a:t>0.000775</a:t>
+                      </a:r>
+                      <a:r>
+                        <a:rPr lang="en-US" sz="1400" b="0" i="0" u="none" strike="noStrike" baseline="0" dirty="0" smtClean="0">
+                          <a:solidFill>
+                            <a:schemeClr val="dk1"/>
+                          </a:solidFill>
+                          <a:effectLst/>
+                          <a:latin typeface="Times New Roman" panose="02020603050405020304" pitchFamily="18" charset="0"/>
+                          <a:cs typeface="Times New Roman" panose="02020603050405020304" pitchFamily="18" charset="0"/>
+                        </a:rPr>
+                        <a:t> sec</a:t>
+                      </a:r>
+                      <a:endParaRPr lang="ru-RU" sz="1400" b="0" i="0" u="none" strike="noStrike" dirty="0">
+                        <a:solidFill>
+                          <a:srgbClr val="000000"/>
+                        </a:solidFill>
+                        <a:effectLst/>
+                        <a:latin typeface="Times New Roman" panose="02020603050405020304" pitchFamily="18" charset="0"/>
+                        <a:cs typeface="Times New Roman" panose="02020603050405020304" pitchFamily="18" charset="0"/>
+                      </a:endParaRPr>
+                    </a:p>
+                  </a:txBody>
+                  <a:tcPr marL="9525" marR="9525" marT="9525" marB="0" anchor="ctr">
+                    <a:lnL w="12700" cap="flat" cmpd="sng" algn="ctr">
+                      <a:solidFill>
+                        <a:schemeClr val="tx1"/>
+                      </a:solidFill>
+                      <a:prstDash val="solid"/>
+                      <a:round/>
+                      <a:headEnd type="none" w="med" len="med"/>
+                      <a:tailEnd type="none" w="med" len="med"/>
+                    </a:lnL>
+                    <a:lnR w="12700" cap="flat" cmpd="sng" algn="ctr">
+                      <a:solidFill>
+                        <a:schemeClr val="tx1"/>
+                      </a:solidFill>
+                      <a:prstDash val="solid"/>
+                      <a:round/>
+                      <a:headEnd type="none" w="med" len="med"/>
+                      <a:tailEnd type="none" w="med" len="med"/>
+                    </a:lnR>
+                    <a:lnT w="12700" cap="flat" cmpd="sng" algn="ctr">
+                      <a:solidFill>
+                        <a:schemeClr val="tx1"/>
+                      </a:solidFill>
+                      <a:prstDash val="solid"/>
+                      <a:round/>
+                      <a:headEnd type="none" w="med" len="med"/>
+                      <a:tailEnd type="none" w="med" len="med"/>
+                    </a:lnT>
+                    <a:lnB w="12700" cap="flat" cmpd="sng" algn="ctr">
+                      <a:noFill/>
+                      <a:prstDash val="solid"/>
+                      <a:round/>
+                      <a:headEnd type="none" w="med" len="med"/>
+                      <a:tailEnd type="none" w="med" len="med"/>
+                    </a:lnB>
+                  </a:tcPr>
+                </a:tc>
+                <a:tc>
+                  <a:txBody>
+                    <a:bodyPr/>
+                    <a:lstStyle/>
+                    <a:p>
+                      <a:pPr algn="ctr" fontAlgn="ctr"/>
+                      <a:r>
+                        <a:rPr lang="en-US" sz="1400" b="0" i="0" u="none" strike="noStrike" dirty="0" smtClean="0">
+                          <a:solidFill>
+                            <a:srgbClr val="000000"/>
+                          </a:solidFill>
+                          <a:effectLst/>
+                          <a:latin typeface="Times New Roman" panose="02020603050405020304" pitchFamily="18" charset="0"/>
+                          <a:cs typeface="Times New Roman" panose="02020603050405020304" pitchFamily="18" charset="0"/>
+                        </a:rPr>
+                        <a:t>0.0007627</a:t>
+                      </a:r>
+                      <a:r>
+                        <a:rPr lang="en-US" sz="1400" b="0" i="0" u="none" strike="noStrike" baseline="0" dirty="0" smtClean="0">
+                          <a:solidFill>
+                            <a:srgbClr val="000000"/>
+                          </a:solidFill>
+                          <a:effectLst/>
+                          <a:latin typeface="Times New Roman" panose="02020603050405020304" pitchFamily="18" charset="0"/>
+                          <a:cs typeface="Times New Roman" panose="02020603050405020304" pitchFamily="18" charset="0"/>
+                        </a:rPr>
+                        <a:t> sec</a:t>
+                      </a:r>
+                      <a:endParaRPr lang="ru-RU" sz="1400" b="0" i="0" u="none" strike="noStrike" dirty="0">
+                        <a:solidFill>
+                          <a:srgbClr val="000000"/>
+                        </a:solidFill>
+                        <a:effectLst/>
+                        <a:latin typeface="Times New Roman" panose="02020603050405020304" pitchFamily="18" charset="0"/>
+                        <a:cs typeface="Times New Roman" panose="02020603050405020304" pitchFamily="18" charset="0"/>
+                      </a:endParaRPr>
+                    </a:p>
+                  </a:txBody>
+                  <a:tcPr marL="9525" marR="9525" marT="9525" marB="0" anchor="ctr">
+                    <a:lnL w="12700" cap="flat" cmpd="sng" algn="ctr">
+                      <a:solidFill>
+                        <a:schemeClr val="tx1"/>
+                      </a:solidFill>
+                      <a:prstDash val="solid"/>
+                      <a:round/>
+                      <a:headEnd type="none" w="med" len="med"/>
+                      <a:tailEnd type="none" w="med" len="med"/>
+                    </a:lnL>
+                    <a:lnR w="12700" cap="flat" cmpd="sng" algn="ctr">
+                      <a:solidFill>
+                        <a:schemeClr val="tx1"/>
+                      </a:solidFill>
+                      <a:prstDash val="solid"/>
+                      <a:round/>
+                      <a:headEnd type="none" w="med" len="med"/>
+                      <a:tailEnd type="none" w="med" len="med"/>
+                    </a:lnR>
+                    <a:lnT w="12700" cap="flat" cmpd="sng" algn="ctr">
+                      <a:solidFill>
+                        <a:schemeClr val="tx1"/>
+                      </a:solidFill>
+                      <a:prstDash val="solid"/>
+                      <a:round/>
+                      <a:headEnd type="none" w="med" len="med"/>
+                      <a:tailEnd type="none" w="med" len="med"/>
+                    </a:lnT>
+                    <a:lnB w="12700" cap="flat" cmpd="sng" algn="ctr">
+                      <a:noFill/>
+                      <a:prstDash val="solid"/>
+                      <a:round/>
+                      <a:headEnd type="none" w="med" len="med"/>
+                      <a:tailEnd type="none" w="med" len="med"/>
+                    </a:lnB>
+                  </a:tcPr>
+                </a:tc>
+                <a:tc>
+                  <a:txBody>
+                    <a:bodyPr/>
+                    <a:lstStyle/>
+                    <a:p>
+                      <a:pPr algn="ctr" fontAlgn="ctr"/>
+                      <a:r>
+                        <a:rPr lang="en-US" sz="1400" b="0" i="0" u="none" strike="noStrike" dirty="0" smtClean="0">
+                          <a:solidFill>
+                            <a:schemeClr val="dk1"/>
+                          </a:solidFill>
+                          <a:effectLst/>
+                          <a:latin typeface="Times New Roman" panose="02020603050405020304" pitchFamily="18" charset="0"/>
+                          <a:cs typeface="Times New Roman" panose="02020603050405020304" pitchFamily="18" charset="0"/>
+                        </a:rPr>
+                        <a:t>0.0007627</a:t>
+                      </a:r>
+                      <a:r>
+                        <a:rPr lang="en-US" sz="1400" b="0" i="0" u="none" strike="noStrike" baseline="0" dirty="0" smtClean="0">
+                          <a:solidFill>
+                            <a:schemeClr val="dk1"/>
+                          </a:solidFill>
+                          <a:effectLst/>
+                          <a:latin typeface="Times New Roman" panose="02020603050405020304" pitchFamily="18" charset="0"/>
+                          <a:cs typeface="Times New Roman" panose="02020603050405020304" pitchFamily="18" charset="0"/>
+                        </a:rPr>
+                        <a:t> sec</a:t>
+                      </a:r>
+                      <a:endParaRPr lang="ru-RU" sz="1400" b="0" i="0" u="none" strike="noStrike" dirty="0">
+                        <a:solidFill>
+                          <a:srgbClr val="000000"/>
+                        </a:solidFill>
+                        <a:effectLst/>
+                        <a:latin typeface="Times New Roman" panose="02020603050405020304" pitchFamily="18" charset="0"/>
+                        <a:cs typeface="Times New Roman" panose="02020603050405020304" pitchFamily="18" charset="0"/>
+                      </a:endParaRPr>
+                    </a:p>
+                  </a:txBody>
+                  <a:tcPr marL="9525" marR="9525" marT="9525" marB="0" anchor="ctr">
+                    <a:lnL w="12700" cap="flat" cmpd="sng" algn="ctr">
+                      <a:solidFill>
+                        <a:schemeClr val="tx1"/>
+                      </a:solidFill>
+                      <a:prstDash val="solid"/>
+                      <a:round/>
+                      <a:headEnd type="none" w="med" len="med"/>
+                      <a:tailEnd type="none" w="med" len="med"/>
+                    </a:lnL>
+                    <a:lnR w="28575" cap="flat" cmpd="sng" algn="ctr">
+                      <a:solidFill>
+                        <a:schemeClr val="tx1"/>
+                      </a:solidFill>
+                      <a:prstDash val="solid"/>
+                      <a:round/>
+                      <a:headEnd type="none" w="med" len="med"/>
+                      <a:tailEnd type="none" w="med" len="med"/>
+                    </a:lnR>
+                    <a:lnT w="12700" cap="flat" cmpd="sng" algn="ctr">
+                      <a:solidFill>
+                        <a:schemeClr val="tx1"/>
+                      </a:solidFill>
+                      <a:prstDash val="solid"/>
+                      <a:round/>
+                      <a:headEnd type="none" w="med" len="med"/>
+                      <a:tailEnd type="none" w="med" len="med"/>
+                    </a:lnT>
+                    <a:lnB w="12700" cap="flat" cmpd="sng" algn="ctr">
+                      <a:noFill/>
+                      <a:prstDash val="solid"/>
+                      <a:round/>
+                      <a:headEnd type="none" w="med" len="med"/>
+                      <a:tailEnd type="none" w="med" len="med"/>
+                    </a:lnB>
+                  </a:tcPr>
+                </a:tc>
+                <a:extLst>
+                  <a:ext uri="{0D108BD9-81ED-4DB2-BD59-A6C34878D82A}">
+                    <a16:rowId xmlns:a16="http://schemas.microsoft.com/office/drawing/2014/main" val="1482842786"/>
+                  </a:ext>
+                </a:extLst>
+              </a:tr>
+              <a:tr h="525102">
+                <a:tc>
+                  <a:txBody>
+                    <a:bodyPr/>
+                    <a:lstStyle/>
+                    <a:p>
+                      <a:pPr algn="ctr" fontAlgn="ctr"/>
+                      <a:r>
+                        <a:rPr lang="ru-RU" sz="1400" u="none" strike="noStrike" dirty="0">
+                          <a:effectLst/>
+                          <a:latin typeface="Times New Roman" panose="02020603050405020304" pitchFamily="18" charset="0"/>
+                          <a:cs typeface="Times New Roman" panose="02020603050405020304" pitchFamily="18" charset="0"/>
+                        </a:rPr>
+                        <a:t>15       </a:t>
+                      </a:r>
+                      <a:r>
+                        <a:rPr lang="ru-RU" sz="1400" u="none" strike="noStrike" dirty="0" smtClean="0">
+                          <a:effectLst/>
+                          <a:latin typeface="Times New Roman" panose="02020603050405020304" pitchFamily="18" charset="0"/>
+                          <a:cs typeface="Times New Roman" panose="02020603050405020304" pitchFamily="18" charset="0"/>
+                        </a:rPr>
+                        <a:t> </a:t>
+                      </a:r>
+                      <a:r>
+                        <a:rPr lang="ru-RU" sz="1400" u="none" strike="noStrike" dirty="0">
+                          <a:effectLst/>
+                          <a:latin typeface="Times New Roman" panose="02020603050405020304" pitchFamily="18" charset="0"/>
+                          <a:cs typeface="Times New Roman" panose="02020603050405020304" pitchFamily="18" charset="0"/>
+                        </a:rPr>
+                        <a:t>3</a:t>
+                      </a:r>
+                      <a:endParaRPr lang="ru-RU" sz="1400" b="0" i="0" u="none" strike="noStrike" dirty="0">
+                        <a:solidFill>
+                          <a:srgbClr val="000000"/>
+                        </a:solidFill>
+                        <a:effectLst/>
+                        <a:latin typeface="Times New Roman" panose="02020603050405020304" pitchFamily="18" charset="0"/>
+                        <a:cs typeface="Times New Roman" panose="02020603050405020304" pitchFamily="18" charset="0"/>
                       </a:endParaRPr>
                     </a:p>
                   </a:txBody>
@@ -7288,9 +8550,7 @@
                       <a:tailEnd type="none" w="med" len="med"/>
                     </a:lnR>
                     <a:lnT w="12700" cap="flat" cmpd="sng" algn="ctr">
-                      <a:solidFill>
-                        <a:schemeClr val="tx1"/>
-                      </a:solidFill>
+                      <a:noFill/>
                       <a:prstDash val="solid"/>
                       <a:round/>
                       <a:headEnd type="none" w="med" len="med"/>
@@ -7305,10 +8565,20 @@
                     <a:p>
                       <a:pPr algn="ctr" fontAlgn="ctr"/>
                       <a:r>
+                        <a:rPr lang="en-US" sz="1400" u="none" strike="noStrike" dirty="0" smtClean="0">
+                          <a:effectLst/>
+                          <a:latin typeface="Times New Roman" panose="02020603050405020304" pitchFamily="18" charset="0"/>
+                          <a:cs typeface="Times New Roman" panose="02020603050405020304" pitchFamily="18" charset="0"/>
+                        </a:rPr>
+                        <a:t>3.016 </a:t>
+                      </a:r>
+                      <a:r>
                         <a:rPr lang="en-US" sz="1400" u="none" strike="noStrike" dirty="0">
                           <a:effectLst/>
+                          <a:latin typeface="Times New Roman" panose="02020603050405020304" pitchFamily="18" charset="0"/>
+                          <a:cs typeface="Times New Roman" panose="02020603050405020304" pitchFamily="18" charset="0"/>
                         </a:rPr>
-                        <a:t>0.55 sec</a:t>
+                        <a:t>sec</a:t>
                       </a:r>
                       <a:endParaRPr lang="en-US" sz="1400" b="0" i="0" u="none" strike="noStrike" dirty="0">
                         <a:solidFill>
@@ -7316,6 +8586,7 @@
                         </a:solidFill>
                         <a:effectLst/>
                         <a:latin typeface="Times New Roman" panose="02020603050405020304" pitchFamily="18" charset="0"/>
+                        <a:cs typeface="Times New Roman" panose="02020603050405020304" pitchFamily="18" charset="0"/>
                       </a:endParaRPr>
                     </a:p>
                   </a:txBody>
@@ -7339,9 +8610,7 @@
                       <a:tailEnd type="none" w="med" len="med"/>
                     </a:lnR>
                     <a:lnT w="12700" cap="flat" cmpd="sng" algn="ctr">
-                      <a:solidFill>
-                        <a:schemeClr val="tx1"/>
-                      </a:solidFill>
+                      <a:noFill/>
                       <a:prstDash val="solid"/>
                       <a:round/>
                       <a:headEnd type="none" w="med" len="med"/>
@@ -7356,10 +8625,332 @@
                     <a:p>
                       <a:pPr algn="ctr" fontAlgn="ctr"/>
                       <a:r>
-                        <a:rPr lang="ru-RU" sz="1400" u="none" strike="noStrike" dirty="0">
+                        <a:rPr lang="en-US" sz="1400" u="none" strike="noStrike" dirty="0" smtClean="0">
                           <a:effectLst/>
+                          <a:latin typeface="Times New Roman" panose="02020603050405020304" pitchFamily="18" charset="0"/>
+                          <a:cs typeface="Times New Roman" panose="02020603050405020304" pitchFamily="18" charset="0"/>
                         </a:rPr>
-                        <a:t>_</a:t>
+                        <a:t>3.016 </a:t>
+                      </a:r>
+                      <a:r>
+                        <a:rPr lang="en-US" sz="1400" u="none" strike="noStrike" dirty="0">
+                          <a:effectLst/>
+                          <a:latin typeface="Times New Roman" panose="02020603050405020304" pitchFamily="18" charset="0"/>
+                          <a:cs typeface="Times New Roman" panose="02020603050405020304" pitchFamily="18" charset="0"/>
+                        </a:rPr>
+                        <a:t>sec</a:t>
+                      </a:r>
+                      <a:endParaRPr lang="en-US" sz="1400" b="0" i="0" u="none" strike="noStrike" dirty="0">
+                        <a:solidFill>
+                          <a:srgbClr val="000000"/>
+                        </a:solidFill>
+                        <a:effectLst/>
+                        <a:latin typeface="Times New Roman" panose="02020603050405020304" pitchFamily="18" charset="0"/>
+                        <a:cs typeface="Times New Roman" panose="02020603050405020304" pitchFamily="18" charset="0"/>
+                      </a:endParaRPr>
+                    </a:p>
+                  </a:txBody>
+                  <a:tcPr marL="9525" marR="9525" marT="9525" marB="0" anchor="ctr">
+                    <a:lnL w="12700" cap="flat" cmpd="sng" algn="ctr">
+                      <a:solidFill>
+                        <a:schemeClr val="tx1"/>
+                      </a:solidFill>
+                      <a:prstDash val="solid"/>
+                      <a:round/>
+                      <a:headEnd type="none" w="med" len="med"/>
+                      <a:tailEnd type="none" w="med" len="med"/>
+                    </a:lnL>
+                    <a:lnR w="12700" cap="flat" cmpd="sng" algn="ctr">
+                      <a:solidFill>
+                        <a:schemeClr val="tx1"/>
+                      </a:solidFill>
+                      <a:prstDash val="solid"/>
+                      <a:round/>
+                      <a:headEnd type="none" w="med" len="med"/>
+                      <a:tailEnd type="none" w="med" len="med"/>
+                    </a:lnR>
+                  </a:tcPr>
+                </a:tc>
+                <a:tc>
+                  <a:txBody>
+                    <a:bodyPr/>
+                    <a:lstStyle/>
+                    <a:p>
+                      <a:pPr algn="ctr" fontAlgn="ctr"/>
+                      <a:r>
+                        <a:rPr lang="en-US" sz="1400" u="none" strike="noStrike" dirty="0" smtClean="0">
+                          <a:effectLst/>
+                          <a:latin typeface="Times New Roman" panose="02020603050405020304" pitchFamily="18" charset="0"/>
+                          <a:cs typeface="Times New Roman" panose="02020603050405020304" pitchFamily="18" charset="0"/>
+                        </a:rPr>
+                        <a:t>0.51 </a:t>
+                      </a:r>
+                      <a:r>
+                        <a:rPr lang="en-US" sz="1400" u="none" strike="noStrike" dirty="0">
+                          <a:effectLst/>
+                          <a:latin typeface="Times New Roman" panose="02020603050405020304" pitchFamily="18" charset="0"/>
+                          <a:cs typeface="Times New Roman" panose="02020603050405020304" pitchFamily="18" charset="0"/>
+                        </a:rPr>
+                        <a:t>sec</a:t>
+                      </a:r>
+                      <a:endParaRPr lang="en-US" sz="1400" b="0" i="0" u="none" strike="noStrike" dirty="0">
+                        <a:solidFill>
+                          <a:srgbClr val="000000"/>
+                        </a:solidFill>
+                        <a:effectLst/>
+                        <a:latin typeface="Times New Roman" panose="02020603050405020304" pitchFamily="18" charset="0"/>
+                        <a:cs typeface="Times New Roman" panose="02020603050405020304" pitchFamily="18" charset="0"/>
+                      </a:endParaRPr>
+                    </a:p>
+                  </a:txBody>
+                  <a:tcPr marL="9525" marR="9525" marT="9525" marB="0" anchor="ctr">
+                    <a:lnL w="12700" cap="flat" cmpd="sng" algn="ctr">
+                      <a:solidFill>
+                        <a:schemeClr val="tx1"/>
+                      </a:solidFill>
+                      <a:prstDash val="solid"/>
+                      <a:round/>
+                      <a:headEnd type="none" w="med" len="med"/>
+                      <a:tailEnd type="none" w="med" len="med"/>
+                    </a:lnL>
+                    <a:lnR w="12700" cap="flat" cmpd="sng" algn="ctr">
+                      <a:solidFill>
+                        <a:schemeClr val="tx1"/>
+                      </a:solidFill>
+                      <a:prstDash val="solid"/>
+                      <a:round/>
+                      <a:headEnd type="none" w="med" len="med"/>
+                      <a:tailEnd type="none" w="med" len="med"/>
+                    </a:lnR>
+                    <a:lnT w="12700" cap="flat" cmpd="sng" algn="ctr">
+                      <a:noFill/>
+                      <a:prstDash val="solid"/>
+                      <a:round/>
+                      <a:headEnd type="none" w="med" len="med"/>
+                      <a:tailEnd type="none" w="med" len="med"/>
+                    </a:lnT>
+                  </a:tcPr>
+                </a:tc>
+                <a:tc>
+                  <a:txBody>
+                    <a:bodyPr/>
+                    <a:lstStyle/>
+                    <a:p>
+                      <a:pPr algn="ctr" fontAlgn="ctr"/>
+                      <a:r>
+                        <a:rPr lang="en-US" sz="1400" u="none" strike="noStrike" dirty="0" smtClean="0">
+                          <a:effectLst/>
+                          <a:latin typeface="Times New Roman" panose="02020603050405020304" pitchFamily="18" charset="0"/>
+                          <a:cs typeface="Times New Roman" panose="02020603050405020304" pitchFamily="18" charset="0"/>
+                        </a:rPr>
+                        <a:t>2.0039 </a:t>
+                      </a:r>
+                      <a:r>
+                        <a:rPr lang="en-US" sz="1400" u="none" strike="noStrike" dirty="0">
+                          <a:effectLst/>
+                          <a:latin typeface="Times New Roman" panose="02020603050405020304" pitchFamily="18" charset="0"/>
+                          <a:cs typeface="Times New Roman" panose="02020603050405020304" pitchFamily="18" charset="0"/>
+                        </a:rPr>
+                        <a:t>sec</a:t>
+                      </a:r>
+                      <a:endParaRPr lang="en-US" sz="1400" b="0" i="0" u="none" strike="noStrike" dirty="0">
+                        <a:solidFill>
+                          <a:srgbClr val="000000"/>
+                        </a:solidFill>
+                        <a:effectLst/>
+                        <a:latin typeface="Times New Roman" panose="02020603050405020304" pitchFamily="18" charset="0"/>
+                        <a:cs typeface="Times New Roman" panose="02020603050405020304" pitchFamily="18" charset="0"/>
+                      </a:endParaRPr>
+                    </a:p>
+                  </a:txBody>
+                  <a:tcPr marL="9525" marR="9525" marT="9525" marB="0" anchor="ctr">
+                    <a:lnL w="12700" cap="flat" cmpd="sng" algn="ctr">
+                      <a:solidFill>
+                        <a:schemeClr val="tx1"/>
+                      </a:solidFill>
+                      <a:prstDash val="solid"/>
+                      <a:round/>
+                      <a:headEnd type="none" w="med" len="med"/>
+                      <a:tailEnd type="none" w="med" len="med"/>
+                    </a:lnL>
+                    <a:lnR w="3175" cap="flat" cmpd="sng" algn="ctr">
+                      <a:solidFill>
+                        <a:schemeClr val="tx1"/>
+                      </a:solidFill>
+                      <a:prstDash val="solid"/>
+                      <a:round/>
+                      <a:headEnd type="none" w="med" len="med"/>
+                      <a:tailEnd type="none" w="med" len="med"/>
+                    </a:lnR>
+                    <a:lnT w="12700" cap="flat" cmpd="sng" algn="ctr">
+                      <a:noFill/>
+                      <a:prstDash val="solid"/>
+                      <a:round/>
+                      <a:headEnd type="none" w="med" len="med"/>
+                      <a:tailEnd type="none" w="med" len="med"/>
+                    </a:lnT>
+                  </a:tcPr>
+                </a:tc>
+                <a:tc>
+                  <a:txBody>
+                    <a:bodyPr/>
+                    <a:lstStyle/>
+                    <a:p>
+                      <a:pPr algn="ctr" fontAlgn="ctr"/>
+                      <a:r>
+                        <a:rPr lang="en-US" sz="1400" b="0" i="0" u="none" strike="noStrike" dirty="0" smtClean="0">
+                          <a:solidFill>
+                            <a:srgbClr val="000000"/>
+                          </a:solidFill>
+                          <a:effectLst/>
+                          <a:latin typeface="Times New Roman" panose="02020603050405020304" pitchFamily="18" charset="0"/>
+                          <a:cs typeface="Times New Roman" panose="02020603050405020304" pitchFamily="18" charset="0"/>
+                        </a:rPr>
+                        <a:t>0.5358 sec</a:t>
+                      </a:r>
+                      <a:endParaRPr lang="en-US" sz="1400" b="0" i="0" u="none" strike="noStrike" dirty="0">
+                        <a:solidFill>
+                          <a:srgbClr val="000000"/>
+                        </a:solidFill>
+                        <a:effectLst/>
+                        <a:latin typeface="Times New Roman" panose="02020603050405020304" pitchFamily="18" charset="0"/>
+                        <a:cs typeface="Times New Roman" panose="02020603050405020304" pitchFamily="18" charset="0"/>
+                      </a:endParaRPr>
+                    </a:p>
+                  </a:txBody>
+                  <a:tcPr marL="9525" marR="9525" marT="9525" marB="0" anchor="ctr">
+                    <a:lnL w="3175" cap="flat" cmpd="sng" algn="ctr">
+                      <a:solidFill>
+                        <a:schemeClr val="tx1"/>
+                      </a:solidFill>
+                      <a:prstDash val="solid"/>
+                      <a:round/>
+                      <a:headEnd type="none" w="med" len="med"/>
+                      <a:tailEnd type="none" w="med" len="med"/>
+                    </a:lnL>
+                    <a:lnR w="28575" cap="flat" cmpd="sng" algn="ctr">
+                      <a:solidFill>
+                        <a:schemeClr val="tx1"/>
+                      </a:solidFill>
+                      <a:prstDash val="solid"/>
+                      <a:round/>
+                      <a:headEnd type="none" w="med" len="med"/>
+                      <a:tailEnd type="none" w="med" len="med"/>
+                    </a:lnR>
+                    <a:lnT w="12700" cap="flat" cmpd="sng" algn="ctr">
+                      <a:noFill/>
+                      <a:prstDash val="solid"/>
+                      <a:round/>
+                      <a:headEnd type="none" w="med" len="med"/>
+                      <a:tailEnd type="none" w="med" len="med"/>
+                    </a:lnT>
+                    <a:lnB>
+                      <a:noFill/>
+                    </a:lnB>
+                    <a:lnTlToBr w="12700" cmpd="sng">
+                      <a:noFill/>
+                      <a:prstDash val="solid"/>
+                    </a:lnTlToBr>
+                    <a:lnBlToTr w="12700" cmpd="sng">
+                      <a:noFill/>
+                      <a:prstDash val="solid"/>
+                    </a:lnBlToTr>
+                  </a:tcPr>
+                </a:tc>
+                <a:tc>
+                  <a:txBody>
+                    <a:bodyPr/>
+                    <a:lstStyle/>
+                    <a:p>
+                      <a:pPr algn="ctr" fontAlgn="ctr"/>
+                      <a:r>
+                        <a:rPr lang="en-US" sz="1400" u="none" strike="noStrike" dirty="0" smtClean="0">
+                          <a:effectLst/>
+                          <a:latin typeface="Times New Roman" panose="02020603050405020304" pitchFamily="18" charset="0"/>
+                          <a:cs typeface="Times New Roman" panose="02020603050405020304" pitchFamily="18" charset="0"/>
+                        </a:rPr>
+                        <a:t>0.0019015 </a:t>
+                      </a:r>
+                      <a:r>
+                        <a:rPr lang="en-US" sz="1400" u="none" strike="noStrike" dirty="0">
+                          <a:effectLst/>
+                          <a:latin typeface="Times New Roman" panose="02020603050405020304" pitchFamily="18" charset="0"/>
+                          <a:cs typeface="Times New Roman" panose="02020603050405020304" pitchFamily="18" charset="0"/>
+                        </a:rPr>
+                        <a:t>sec</a:t>
+                      </a:r>
+                      <a:endParaRPr lang="en-US" sz="1400" b="0" i="0" u="none" strike="noStrike" dirty="0">
+                        <a:solidFill>
+                          <a:srgbClr val="000000"/>
+                        </a:solidFill>
+                        <a:effectLst/>
+                        <a:latin typeface="Times New Roman" panose="02020603050405020304" pitchFamily="18" charset="0"/>
+                        <a:cs typeface="Times New Roman" panose="02020603050405020304" pitchFamily="18" charset="0"/>
+                      </a:endParaRPr>
+                    </a:p>
+                  </a:txBody>
+                  <a:tcPr marL="9525" marR="9525" marT="9525" marB="0" anchor="ctr">
+                    <a:lnL w="28575" cap="flat" cmpd="sng" algn="ctr">
+                      <a:solidFill>
+                        <a:schemeClr val="tx1"/>
+                      </a:solidFill>
+                      <a:prstDash val="solid"/>
+                      <a:round/>
+                      <a:headEnd type="none" w="med" len="med"/>
+                      <a:tailEnd type="none" w="med" len="med"/>
+                    </a:lnL>
+                    <a:lnR w="12700" cap="flat" cmpd="sng" algn="ctr">
+                      <a:solidFill>
+                        <a:schemeClr val="tx1"/>
+                      </a:solidFill>
+                      <a:prstDash val="solid"/>
+                      <a:round/>
+                      <a:headEnd type="none" w="med" len="med"/>
+                      <a:tailEnd type="none" w="med" len="med"/>
+                    </a:lnR>
+                    <a:lnT w="12700" cap="flat" cmpd="sng" algn="ctr">
+                      <a:noFill/>
+                      <a:prstDash val="solid"/>
+                      <a:round/>
+                      <a:headEnd type="none" w="med" len="med"/>
+                      <a:tailEnd type="none" w="med" len="med"/>
+                    </a:lnT>
+                    <a:lnB w="12700" cap="flat" cmpd="sng" algn="ctr">
+                      <a:noFill/>
+                      <a:prstDash val="solid"/>
+                      <a:round/>
+                      <a:headEnd type="none" w="med" len="med"/>
+                      <a:tailEnd type="none" w="med" len="med"/>
+                    </a:lnB>
+                  </a:tcPr>
+                </a:tc>
+                <a:tc>
+                  <a:txBody>
+                    <a:bodyPr/>
+                    <a:lstStyle/>
+                    <a:p>
+                      <a:pPr algn="ctr" fontAlgn="ctr"/>
+                      <a:r>
+                        <a:rPr lang="ru-RU" sz="1400" b="0" i="0" u="none" strike="noStrike" dirty="0" smtClean="0">
+                          <a:solidFill>
+                            <a:srgbClr val="000000"/>
+                          </a:solidFill>
+                          <a:effectLst/>
+                          <a:latin typeface="Times New Roman" panose="02020603050405020304" pitchFamily="18" charset="0"/>
+                          <a:cs typeface="Times New Roman" panose="02020603050405020304" pitchFamily="18" charset="0"/>
+                        </a:rPr>
+                        <a:t>0.003965</a:t>
+                      </a:r>
+                      <a:r>
+                        <a:rPr lang="en-US" sz="1400" b="0" i="0" u="none" strike="noStrike" dirty="0" smtClean="0">
+                          <a:solidFill>
+                            <a:srgbClr val="000000"/>
+                          </a:solidFill>
+                          <a:effectLst/>
+                          <a:latin typeface="Times New Roman" panose="02020603050405020304" pitchFamily="18" charset="0"/>
+                          <a:cs typeface="Times New Roman" panose="02020603050405020304" pitchFamily="18" charset="0"/>
+                        </a:rPr>
+                        <a:t> sec</a:t>
                       </a:r>
                       <a:endParaRPr lang="ru-RU" sz="1400" b="0" i="0" u="none" strike="noStrike" dirty="0">
                         <a:solidFill>
@@ -7367,6 +8958,7 @@
                         </a:solidFill>
                         <a:effectLst/>
                         <a:latin typeface="Times New Roman" panose="02020603050405020304" pitchFamily="18" charset="0"/>
+                        <a:cs typeface="Times New Roman" panose="02020603050405020304" pitchFamily="18" charset="0"/>
                       </a:endParaRPr>
                     </a:p>
                   </a:txBody>
@@ -7390,9 +8982,7 @@
                       <a:tailEnd type="none" w="med" len="med"/>
                     </a:lnR>
                     <a:lnT w="12700" cap="flat" cmpd="sng" algn="ctr">
-                      <a:solidFill>
-                        <a:schemeClr val="tx1"/>
-                      </a:solidFill>
+                      <a:noFill/>
                       <a:prstDash val="solid"/>
                       <a:round/>
                       <a:headEnd type="none" w="med" len="med"/>
@@ -7407,10 +8997,26 @@
                     <a:p>
                       <a:pPr algn="ctr" fontAlgn="ctr"/>
                       <a:r>
-                        <a:rPr lang="ru-RU" sz="1400" u="none" strike="noStrike" dirty="0">
+                        <a:rPr lang="ru-RU" sz="1400" b="0" i="0" u="none" strike="noStrike" dirty="0" smtClean="0">
+                          <a:solidFill>
+                            <a:srgbClr val="000000"/>
+                          </a:solidFill>
                           <a:effectLst/>
+                          <a:latin typeface="Times New Roman" panose="02020603050405020304" pitchFamily="18" charset="0"/>
+                          <a:cs typeface="Times New Roman" panose="02020603050405020304" pitchFamily="18" charset="0"/>
                         </a:rPr>
-                        <a:t>_</a:t>
+                        <a:t>0.002885</a:t>
+                      </a:r>
+                      <a:r>
+                        <a:rPr lang="en-US" sz="1400" b="0" i="0" u="none" strike="noStrike" dirty="0" smtClean="0">
+                          <a:solidFill>
+                            <a:srgbClr val="000000"/>
+                          </a:solidFill>
+                          <a:effectLst/>
+                          <a:latin typeface="Times New Roman" panose="02020603050405020304" pitchFamily="18" charset="0"/>
+                          <a:cs typeface="Times New Roman" panose="02020603050405020304" pitchFamily="18" charset="0"/>
+                        </a:rPr>
+                        <a:t> sec</a:t>
                       </a:r>
                       <a:endParaRPr lang="ru-RU" sz="1400" b="0" i="0" u="none" strike="noStrike" dirty="0">
                         <a:solidFill>
@@ -7418,6 +9024,7 @@
                         </a:solidFill>
                         <a:effectLst/>
                         <a:latin typeface="Times New Roman" panose="02020603050405020304" pitchFamily="18" charset="0"/>
+                        <a:cs typeface="Times New Roman" panose="02020603050405020304" pitchFamily="18" charset="0"/>
                       </a:endParaRPr>
                     </a:p>
                   </a:txBody>
@@ -7431,7 +9038,7 @@
                       <a:headEnd type="none" w="med" len="med"/>
                       <a:tailEnd type="none" w="med" len="med"/>
                     </a:lnL>
-                    <a:lnR w="19050" cap="flat" cmpd="sng" algn="ctr">
+                    <a:lnR w="12700" cap="flat" cmpd="sng" algn="ctr">
                       <a:solidFill>
                         <a:schemeClr val="tx1"/>
                       </a:solidFill>
@@ -7441,9 +9048,7 @@
                       <a:tailEnd type="none" w="med" len="med"/>
                     </a:lnR>
                     <a:lnT w="12700" cap="flat" cmpd="sng" algn="ctr">
-                      <a:solidFill>
-                        <a:schemeClr val="tx1"/>
-                      </a:solidFill>
+                      <a:noFill/>
                       <a:prstDash val="solid"/>
                       <a:round/>
                       <a:headEnd type="none" w="med" len="med"/>
@@ -7458,10 +9063,26 @@
                     <a:p>
                       <a:pPr algn="ctr" fontAlgn="ctr"/>
                       <a:r>
-                        <a:rPr lang="ru-RU" sz="1400" u="none" strike="noStrike" dirty="0">
+                        <a:rPr lang="ru-RU" sz="1400" b="0" i="0" u="none" strike="noStrike" dirty="0" smtClean="0">
+                          <a:solidFill>
+                            <a:srgbClr val="000000"/>
+                          </a:solidFill>
                           <a:effectLst/>
+                          <a:latin typeface="Times New Roman" panose="02020603050405020304" pitchFamily="18" charset="0"/>
+                          <a:cs typeface="Times New Roman" panose="02020603050405020304" pitchFamily="18" charset="0"/>
                         </a:rPr>
-                        <a:t>_</a:t>
+                        <a:t>0.002885</a:t>
+                      </a:r>
+                      <a:r>
+                        <a:rPr lang="en-US" sz="1400" b="0" i="0" u="none" strike="noStrike" dirty="0" smtClean="0">
+                          <a:solidFill>
+                            <a:srgbClr val="000000"/>
+                          </a:solidFill>
+                          <a:effectLst/>
+                          <a:latin typeface="Times New Roman" panose="02020603050405020304" pitchFamily="18" charset="0"/>
+                          <a:cs typeface="Times New Roman" panose="02020603050405020304" pitchFamily="18" charset="0"/>
+                        </a:rPr>
+                        <a:t> sec</a:t>
                       </a:r>
                       <a:endParaRPr lang="ru-RU" sz="1400" b="0" i="0" u="none" strike="noStrike" dirty="0">
                         <a:solidFill>
@@ -7469,11 +9090,12 @@
                         </a:solidFill>
                         <a:effectLst/>
                         <a:latin typeface="Times New Roman" panose="02020603050405020304" pitchFamily="18" charset="0"/>
+                        <a:cs typeface="Times New Roman" panose="02020603050405020304" pitchFamily="18" charset="0"/>
                       </a:endParaRPr>
                     </a:p>
                   </a:txBody>
                   <a:tcPr marL="9525" marR="9525" marT="9525" marB="0" anchor="ctr">
-                    <a:lnL w="19050" cap="flat" cmpd="sng" algn="ctr">
+                    <a:lnL w="12700" cap="flat" cmpd="sng" algn="ctr">
                       <a:solidFill>
                         <a:schemeClr val="tx1"/>
                       </a:solidFill>
@@ -7482,7 +9104,7 @@
                       <a:headEnd type="none" w="med" len="med"/>
                       <a:tailEnd type="none" w="med" len="med"/>
                     </a:lnL>
-                    <a:lnR w="12700" cap="flat" cmpd="sng" algn="ctr">
+                    <a:lnR w="28575" cap="flat" cmpd="sng" algn="ctr">
                       <a:solidFill>
                         <a:schemeClr val="tx1"/>
                       </a:solidFill>
@@ -7492,23 +9114,21 @@
                       <a:tailEnd type="none" w="med" len="med"/>
                     </a:lnR>
                     <a:lnT w="12700" cap="flat" cmpd="sng" algn="ctr">
-                      <a:solidFill>
-                        <a:schemeClr val="tx1"/>
-                      </a:solidFill>
+                      <a:noFill/>
                       <a:prstDash val="solid"/>
                       <a:round/>
                       <a:headEnd type="none" w="med" len="med"/>
                       <a:tailEnd type="none" w="med" len="med"/>
                     </a:lnT>
-                    <a:lnB w="12700" cap="flat" cmpd="sng" algn="ctr">
-                      <a:noFill/>
-                      <a:prstDash val="solid"/>
-                      <a:round/>
-                      <a:headEnd type="none" w="med" len="med"/>
-                      <a:tailEnd type="none" w="med" len="med"/>
-                    </a:lnB>
                   </a:tcPr>
                 </a:tc>
+                <a:extLst>
+                  <a:ext uri="{0D108BD9-81ED-4DB2-BD59-A6C34878D82A}">
+                    <a16:rowId xmlns:a16="http://schemas.microsoft.com/office/drawing/2014/main" val="4239839435"/>
+                  </a:ext>
+                </a:extLst>
+              </a:tr>
+              <a:tr h="559295">
                 <a:tc>
                   <a:txBody>
                     <a:bodyPr/>
@@ -7518,8 +9138,26 @@
                       <a:r>
                         <a:rPr lang="ru-RU" sz="1400" u="none" strike="noStrike" dirty="0">
                           <a:effectLst/>
+                          <a:latin typeface="Times New Roman" panose="02020603050405020304" pitchFamily="18" charset="0"/>
+                          <a:cs typeface="Times New Roman" panose="02020603050405020304" pitchFamily="18" charset="0"/>
                         </a:rPr>
-                        <a:t>_</a:t>
+                        <a:t>50       </a:t>
+                      </a:r>
+                      <a:r>
+                        <a:rPr lang="ru-RU" sz="1400" u="none" strike="noStrike" dirty="0" smtClean="0">
+                          <a:effectLst/>
+                          <a:latin typeface="Times New Roman" panose="02020603050405020304" pitchFamily="18" charset="0"/>
+                          <a:cs typeface="Times New Roman" panose="02020603050405020304" pitchFamily="18" charset="0"/>
+                        </a:rPr>
+                        <a:t> </a:t>
+                      </a:r>
+                      <a:r>
+                        <a:rPr lang="ru-RU" sz="1400" u="none" strike="noStrike" dirty="0">
+                          <a:effectLst/>
+                          <a:latin typeface="Times New Roman" panose="02020603050405020304" pitchFamily="18" charset="0"/>
+                          <a:cs typeface="Times New Roman" panose="02020603050405020304" pitchFamily="18" charset="0"/>
+                        </a:rPr>
+                        <a:t>6</a:t>
                       </a:r>
                       <a:endParaRPr lang="ru-RU" sz="1400" b="0" i="0" u="none" strike="noStrike" dirty="0">
                         <a:solidFill>
@@ -7527,11 +9165,12 @@
                         </a:solidFill>
                         <a:effectLst/>
                         <a:latin typeface="Times New Roman" panose="02020603050405020304" pitchFamily="18" charset="0"/>
+                        <a:cs typeface="Times New Roman" panose="02020603050405020304" pitchFamily="18" charset="0"/>
                       </a:endParaRPr>
                     </a:p>
                   </a:txBody>
                   <a:tcPr marL="9525" marR="9525" marT="9525" marB="0" anchor="ctr">
-                    <a:lnL w="12700" cap="flat" cmpd="sng" algn="ctr">
+                    <a:lnL w="19050" cap="flat" cmpd="sng" algn="ctr">
                       <a:solidFill>
                         <a:schemeClr val="tx1"/>
                       </a:solidFill>
@@ -7549,15 +9188,6 @@
                       <a:headEnd type="none" w="med" len="med"/>
                       <a:tailEnd type="none" w="med" len="med"/>
                     </a:lnR>
-                    <a:lnT w="12700" cap="flat" cmpd="sng" algn="ctr">
-                      <a:solidFill>
-                        <a:schemeClr val="tx1"/>
-                      </a:solidFill>
-                      <a:prstDash val="solid"/>
-                      <a:round/>
-                      <a:headEnd type="none" w="med" len="med"/>
-                      <a:tailEnd type="none" w="med" len="med"/>
-                    </a:lnT>
                   </a:tcPr>
                 </a:tc>
                 <a:tc>
@@ -7567,10 +9197,26 @@
                     <a:p>
                       <a:pPr algn="ctr" fontAlgn="ctr"/>
                       <a:r>
-                        <a:rPr lang="ru-RU" sz="1400" u="none" strike="noStrike" dirty="0">
+                        <a:rPr lang="ru-RU" sz="1400" b="0" i="0" u="none" strike="noStrike" dirty="0" smtClean="0">
+                          <a:solidFill>
+                            <a:srgbClr val="000000"/>
+                          </a:solidFill>
                           <a:effectLst/>
+                          <a:latin typeface="Times New Roman" panose="02020603050405020304" pitchFamily="18" charset="0"/>
+                          <a:cs typeface="Times New Roman" panose="02020603050405020304" pitchFamily="18" charset="0"/>
                         </a:rPr>
-                        <a:t>_</a:t>
+                        <a:t>5.224</a:t>
+                      </a:r>
+                      <a:r>
+                        <a:rPr lang="en-US" sz="1400" b="0" i="0" u="none" strike="noStrike" dirty="0" smtClean="0">
+                          <a:solidFill>
+                            <a:srgbClr val="000000"/>
+                          </a:solidFill>
+                          <a:effectLst/>
+                          <a:latin typeface="Times New Roman" panose="02020603050405020304" pitchFamily="18" charset="0"/>
+                          <a:cs typeface="Times New Roman" panose="02020603050405020304" pitchFamily="18" charset="0"/>
+                        </a:rPr>
+                        <a:t> sec</a:t>
                       </a:r>
                       <a:endParaRPr lang="ru-RU" sz="1400" b="0" i="0" u="none" strike="noStrike" dirty="0">
                         <a:solidFill>
@@ -7578,6 +9224,7 @@
                         </a:solidFill>
                         <a:effectLst/>
                         <a:latin typeface="Times New Roman" panose="02020603050405020304" pitchFamily="18" charset="0"/>
+                        <a:cs typeface="Times New Roman" panose="02020603050405020304" pitchFamily="18" charset="0"/>
                       </a:endParaRPr>
                     </a:p>
                   </a:txBody>
@@ -7600,15 +9247,6 @@
                       <a:headEnd type="none" w="med" len="med"/>
                       <a:tailEnd type="none" w="med" len="med"/>
                     </a:lnR>
-                    <a:lnT w="12700" cap="flat" cmpd="sng" algn="ctr">
-                      <a:solidFill>
-                        <a:schemeClr val="tx1"/>
-                      </a:solidFill>
-                      <a:prstDash val="solid"/>
-                      <a:round/>
-                      <a:headEnd type="none" w="med" len="med"/>
-                      <a:tailEnd type="none" w="med" len="med"/>
-                    </a:lnT>
                   </a:tcPr>
                 </a:tc>
                 <a:tc>
@@ -7618,10 +9256,26 @@
                     <a:p>
                       <a:pPr algn="ctr" fontAlgn="ctr"/>
                       <a:r>
-                        <a:rPr lang="ru-RU" sz="1400" u="none" strike="noStrike" dirty="0">
+                        <a:rPr lang="ru-RU" sz="1400" b="0" i="0" u="none" strike="noStrike" dirty="0" smtClean="0">
+                          <a:solidFill>
+                            <a:srgbClr val="000000"/>
+                          </a:solidFill>
                           <a:effectLst/>
+                          <a:latin typeface="Times New Roman" panose="02020603050405020304" pitchFamily="18" charset="0"/>
+                          <a:cs typeface="Times New Roman" panose="02020603050405020304" pitchFamily="18" charset="0"/>
                         </a:rPr>
-                        <a:t>_</a:t>
+                        <a:t>5.224</a:t>
+                      </a:r>
+                      <a:r>
+                        <a:rPr lang="en-US" sz="1400" b="0" i="0" u="none" strike="noStrike" dirty="0" smtClean="0">
+                          <a:solidFill>
+                            <a:srgbClr val="000000"/>
+                          </a:solidFill>
+                          <a:effectLst/>
+                          <a:latin typeface="Times New Roman" panose="02020603050405020304" pitchFamily="18" charset="0"/>
+                          <a:cs typeface="Times New Roman" panose="02020603050405020304" pitchFamily="18" charset="0"/>
+                        </a:rPr>
+                        <a:t> sec</a:t>
                       </a:r>
                       <a:endParaRPr lang="ru-RU" sz="1400" b="0" i="0" u="none" strike="noStrike" dirty="0">
                         <a:solidFill>
@@ -7629,6 +9283,7 @@
                         </a:solidFill>
                         <a:effectLst/>
                         <a:latin typeface="Times New Roman" panose="02020603050405020304" pitchFamily="18" charset="0"/>
+                        <a:cs typeface="Times New Roman" panose="02020603050405020304" pitchFamily="18" charset="0"/>
                       </a:endParaRPr>
                     </a:p>
                   </a:txBody>
@@ -7642,7 +9297,7 @@
                       <a:headEnd type="none" w="med" len="med"/>
                       <a:tailEnd type="none" w="med" len="med"/>
                     </a:lnL>
-                    <a:lnR w="28575" cap="flat" cmpd="sng" algn="ctr">
+                    <a:lnR w="12700" cap="flat" cmpd="sng" algn="ctr">
                       <a:solidFill>
                         <a:schemeClr val="tx1"/>
                       </a:solidFill>
@@ -7651,34 +9306,8 @@
                       <a:headEnd type="none" w="med" len="med"/>
                       <a:tailEnd type="none" w="med" len="med"/>
                     </a:lnR>
-                    <a:lnT w="12700" cap="flat" cmpd="sng" algn="ctr">
-                      <a:solidFill>
-                        <a:schemeClr val="tx1"/>
-                      </a:solidFill>
-                      <a:prstDash val="solid"/>
-                      <a:round/>
-                      <a:headEnd type="none" w="med" len="med"/>
-                      <a:tailEnd type="none" w="med" len="med"/>
-                    </a:lnT>
                   </a:tcPr>
                 </a:tc>
-                <a:extLst>
-                  <a:ext uri="{0D108BD9-81ED-4DB2-BD59-A6C34878D82A}">
-                    <a16:rowId xmlns:a16="http://schemas.microsoft.com/office/drawing/2014/main" val="3122777642"/>
-                  </a:ext>
-                </a:extLst>
-              </a:tr>
-              <a:tr h="390525">
-                <a:tc vMerge="1">
-                  <a:txBody>
-                    <a:bodyPr/>
-                    <a:lstStyle/>
-                    <a:p>
-                      <a:endParaRPr lang="ru-RU"/>
-                    </a:p>
-                  </a:txBody>
-                  <a:tcPr/>
-                </a:tc>
                 <a:tc>
                   <a:txBody>
                     <a:bodyPr/>
@@ -7686,10 +9315,15 @@
                     <a:p>
                       <a:pPr algn="ctr" fontAlgn="ctr"/>
                       <a:r>
-                        <a:rPr lang="ru-RU" sz="1400" u="none" strike="noStrike" dirty="0">
+                        <a:rPr lang="en-US" sz="1400" b="0" i="0" u="none" strike="noStrike" dirty="0" smtClean="0">
+                          <a:solidFill>
+                            <a:srgbClr val="000000"/>
+                          </a:solidFill>
                           <a:effectLst/>
+                          <a:latin typeface="Times New Roman" panose="02020603050405020304" pitchFamily="18" charset="0"/>
+                          <a:cs typeface="Times New Roman" panose="02020603050405020304" pitchFamily="18" charset="0"/>
                         </a:rPr>
-                        <a:t>15            3</a:t>
+                        <a:t>1.126 sec</a:t>
                       </a:r>
                       <a:endParaRPr lang="ru-RU" sz="1400" b="0" i="0" u="none" strike="noStrike" dirty="0">
                         <a:solidFill>
@@ -7697,11 +9331,12 @@
                         </a:solidFill>
                         <a:effectLst/>
                         <a:latin typeface="Times New Roman" panose="02020603050405020304" pitchFamily="18" charset="0"/>
+                        <a:cs typeface="Times New Roman" panose="02020603050405020304" pitchFamily="18" charset="0"/>
                       </a:endParaRPr>
                     </a:p>
                   </a:txBody>
                   <a:tcPr marL="9525" marR="9525" marT="9525" marB="0" anchor="ctr">
-                    <a:lnL w="19050" cap="flat" cmpd="sng" algn="ctr">
+                    <a:lnL w="12700" cap="flat" cmpd="sng" algn="ctr">
                       <a:solidFill>
                         <a:schemeClr val="tx1"/>
                       </a:solidFill>
@@ -7728,52 +9363,15 @@
                     <a:p>
                       <a:pPr algn="ctr" fontAlgn="ctr"/>
                       <a:r>
-                        <a:rPr lang="en-US" sz="1400" u="none" strike="noStrike" dirty="0">
+                        <a:rPr lang="en-US" sz="1400" b="0" i="0" u="none" strike="noStrike" dirty="0" smtClean="0">
+                          <a:solidFill>
+                            <a:srgbClr val="000000"/>
+                          </a:solidFill>
                           <a:effectLst/>
+                          <a:latin typeface="Times New Roman" panose="02020603050405020304" pitchFamily="18" charset="0"/>
+                          <a:cs typeface="Times New Roman" panose="02020603050405020304" pitchFamily="18" charset="0"/>
                         </a:rPr>
-                        <a:t>40.91 sec</a:t>
-                      </a:r>
-                      <a:endParaRPr lang="en-US" sz="1400" b="0" i="0" u="none" strike="noStrike" dirty="0">
-                        <a:solidFill>
-                          <a:srgbClr val="000000"/>
-                        </a:solidFill>
-                        <a:effectLst/>
-                        <a:latin typeface="Times New Roman" panose="02020603050405020304" pitchFamily="18" charset="0"/>
-                      </a:endParaRPr>
-                    </a:p>
-                  </a:txBody>
-                  <a:tcPr marL="9525" marR="9525" marT="9525" marB="0" anchor="ctr">
-                    <a:lnL w="12700" cap="flat" cmpd="sng" algn="ctr">
-                      <a:solidFill>
-                        <a:schemeClr val="tx1"/>
-                      </a:solidFill>
-                      <a:prstDash val="solid"/>
-                      <a:round/>
-                      <a:headEnd type="none" w="med" len="med"/>
-                      <a:tailEnd type="none" w="med" len="med"/>
-                    </a:lnL>
-                    <a:lnR w="12700" cap="flat" cmpd="sng" algn="ctr">
-                      <a:solidFill>
-                        <a:schemeClr val="tx1"/>
-                      </a:solidFill>
-                      <a:prstDash val="solid"/>
-                      <a:round/>
-                      <a:headEnd type="none" w="med" len="med"/>
-                      <a:tailEnd type="none" w="med" len="med"/>
-                    </a:lnR>
-                  </a:tcPr>
-                </a:tc>
-                <a:tc>
-                  <a:txBody>
-                    <a:bodyPr/>
-                    <a:lstStyle/>
-                    <a:p>
-                      <a:pPr algn="ctr" fontAlgn="ctr"/>
-                      <a:r>
-                        <a:rPr lang="ru-RU" sz="1400" u="none" strike="noStrike" dirty="0">
-                          <a:effectLst/>
-                        </a:rPr>
-                        <a:t>_</a:t>
+                        <a:t>10.32 sec</a:t>
                       </a:r>
                       <a:endParaRPr lang="ru-RU" sz="1400" b="0" i="0" u="none" strike="noStrike" dirty="0">
                         <a:solidFill>
@@ -7781,6 +9379,7 @@
                         </a:solidFill>
                         <a:effectLst/>
                         <a:latin typeface="Times New Roman" panose="02020603050405020304" pitchFamily="18" charset="0"/>
+                        <a:cs typeface="Times New Roman" panose="02020603050405020304" pitchFamily="18" charset="0"/>
                       </a:endParaRPr>
                     </a:p>
                   </a:txBody>
@@ -7794,7 +9393,7 @@
                       <a:headEnd type="none" w="med" len="med"/>
                       <a:tailEnd type="none" w="med" len="med"/>
                     </a:lnL>
-                    <a:lnR w="12700" cap="flat" cmpd="sng" algn="ctr">
+                    <a:lnR w="3175" cap="flat" cmpd="sng" algn="ctr">
                       <a:solidFill>
                         <a:schemeClr val="tx1"/>
                       </a:solidFill>
@@ -7812,52 +9411,15 @@
                     <a:p>
                       <a:pPr algn="ctr" fontAlgn="ctr"/>
                       <a:r>
-                        <a:rPr lang="en-US" sz="1400" u="none" strike="noStrike" dirty="0">
+                        <a:rPr lang="en-US" sz="1400" b="0" i="0" u="none" strike="noStrike" dirty="0" smtClean="0">
+                          <a:solidFill>
+                            <a:srgbClr val="000000"/>
+                          </a:solidFill>
                           <a:effectLst/>
+                          <a:latin typeface="Times New Roman" panose="02020603050405020304" pitchFamily="18" charset="0"/>
+                          <a:cs typeface="Times New Roman" panose="02020603050405020304" pitchFamily="18" charset="0"/>
                         </a:rPr>
-                        <a:t>17.38 sec</a:t>
-                      </a:r>
-                      <a:endParaRPr lang="en-US" sz="1400" b="0" i="0" u="none" strike="noStrike" dirty="0">
-                        <a:solidFill>
-                          <a:srgbClr val="000000"/>
-                        </a:solidFill>
-                        <a:effectLst/>
-                        <a:latin typeface="Times New Roman" panose="02020603050405020304" pitchFamily="18" charset="0"/>
-                      </a:endParaRPr>
-                    </a:p>
-                  </a:txBody>
-                  <a:tcPr marL="9525" marR="9525" marT="9525" marB="0" anchor="ctr">
-                    <a:lnL w="12700" cap="flat" cmpd="sng" algn="ctr">
-                      <a:solidFill>
-                        <a:schemeClr val="tx1"/>
-                      </a:solidFill>
-                      <a:prstDash val="solid"/>
-                      <a:round/>
-                      <a:headEnd type="none" w="med" len="med"/>
-                      <a:tailEnd type="none" w="med" len="med"/>
-                    </a:lnL>
-                    <a:lnR w="19050" cap="flat" cmpd="sng" algn="ctr">
-                      <a:solidFill>
-                        <a:schemeClr val="tx1"/>
-                      </a:solidFill>
-                      <a:prstDash val="solid"/>
-                      <a:round/>
-                      <a:headEnd type="none" w="med" len="med"/>
-                      <a:tailEnd type="none" w="med" len="med"/>
-                    </a:lnR>
-                  </a:tcPr>
-                </a:tc>
-                <a:tc>
-                  <a:txBody>
-                    <a:bodyPr/>
-                    <a:lstStyle/>
-                    <a:p>
-                      <a:pPr algn="ctr" fontAlgn="ctr"/>
-                      <a:r>
-                        <a:rPr lang="ru-RU" sz="1400" u="none" strike="noStrike" dirty="0">
-                          <a:effectLst/>
-                        </a:rPr>
-                        <a:t>_</a:t>
+                        <a:t>2.337 sec</a:t>
                       </a:r>
                       <a:endParaRPr lang="ru-RU" sz="1400" b="0" i="0" u="none" strike="noStrike" dirty="0">
                         <a:solidFill>
@@ -7865,11 +9427,12 @@
                         </a:solidFill>
                         <a:effectLst/>
                         <a:latin typeface="Times New Roman" panose="02020603050405020304" pitchFamily="18" charset="0"/>
+                        <a:cs typeface="Times New Roman" panose="02020603050405020304" pitchFamily="18" charset="0"/>
                       </a:endParaRPr>
                     </a:p>
                   </a:txBody>
                   <a:tcPr marL="9525" marR="9525" marT="9525" marB="0" anchor="ctr">
-                    <a:lnL w="19050" cap="flat" cmpd="sng" algn="ctr">
+                    <a:lnL w="3175" cap="flat" cmpd="sng" algn="ctr">
                       <a:solidFill>
                         <a:schemeClr val="tx1"/>
                       </a:solidFill>
@@ -7878,7 +9441,7 @@
                       <a:headEnd type="none" w="med" len="med"/>
                       <a:tailEnd type="none" w="med" len="med"/>
                     </a:lnL>
-                    <a:lnR w="12700" cap="flat" cmpd="sng" algn="ctr">
+                    <a:lnR w="28575" cap="flat" cmpd="sng" algn="ctr">
                       <a:solidFill>
                         <a:schemeClr val="tx1"/>
                       </a:solidFill>
@@ -7887,20 +9450,20 @@
                       <a:headEnd type="none" w="med" len="med"/>
                       <a:tailEnd type="none" w="med" len="med"/>
                     </a:lnR>
-                    <a:lnT w="12700" cap="flat" cmpd="sng" algn="ctr">
+                    <a:lnT>
                       <a:noFill/>
-                      <a:prstDash val="solid"/>
-                      <a:round/>
-                      <a:headEnd type="none" w="med" len="med"/>
-                      <a:tailEnd type="none" w="med" len="med"/>
                     </a:lnT>
-                    <a:lnB w="12700" cap="flat" cmpd="sng" algn="ctr">
+                    <a:lnB>
                       <a:noFill/>
-                      <a:prstDash val="solid"/>
-                      <a:round/>
-                      <a:headEnd type="none" w="med" len="med"/>
-                      <a:tailEnd type="none" w="med" len="med"/>
                     </a:lnB>
+                    <a:lnTlToBr w="12700" cmpd="sng">
+                      <a:noFill/>
+                      <a:prstDash val="solid"/>
+                    </a:lnTlToBr>
+                    <a:lnBlToTr w="12700" cmpd="sng">
+                      <a:noFill/>
+                      <a:prstDash val="solid"/>
+                    </a:lnBlToTr>
                   </a:tcPr>
                 </a:tc>
                 <a:tc>
@@ -7910,10 +9473,15 @@
                     <a:p>
                       <a:pPr algn="ctr" fontAlgn="ctr"/>
                       <a:r>
-                        <a:rPr lang="ru-RU" sz="1400" u="none" strike="noStrike" dirty="0">
+                        <a:rPr lang="en-US" sz="1400" b="0" i="0" u="none" strike="noStrike" dirty="0" smtClean="0">
+                          <a:solidFill>
+                            <a:srgbClr val="000000"/>
+                          </a:solidFill>
                           <a:effectLst/>
+                          <a:latin typeface="Times New Roman" panose="02020603050405020304" pitchFamily="18" charset="0"/>
+                          <a:cs typeface="Times New Roman" panose="02020603050405020304" pitchFamily="18" charset="0"/>
                         </a:rPr>
-                        <a:t>_</a:t>
+                        <a:t>0.02277 sec</a:t>
                       </a:r>
                       <a:endParaRPr lang="ru-RU" sz="1400" b="0" i="0" u="none" strike="noStrike" dirty="0">
                         <a:solidFill>
@@ -7921,11 +9489,12 @@
                         </a:solidFill>
                         <a:effectLst/>
                         <a:latin typeface="Times New Roman" panose="02020603050405020304" pitchFamily="18" charset="0"/>
+                        <a:cs typeface="Times New Roman" panose="02020603050405020304" pitchFamily="18" charset="0"/>
                       </a:endParaRPr>
                     </a:p>
                   </a:txBody>
                   <a:tcPr marL="9525" marR="9525" marT="9525" marB="0" anchor="ctr">
-                    <a:lnL w="12700" cap="flat" cmpd="sng" algn="ctr">
+                    <a:lnL w="28575" cap="flat" cmpd="sng" algn="ctr">
                       <a:solidFill>
                         <a:schemeClr val="tx1"/>
                       </a:solidFill>
@@ -7943,6 +9512,20 @@
                       <a:headEnd type="none" w="med" len="med"/>
                       <a:tailEnd type="none" w="med" len="med"/>
                     </a:lnR>
+                    <a:lnT w="12700" cap="flat" cmpd="sng" algn="ctr">
+                      <a:noFill/>
+                      <a:prstDash val="solid"/>
+                      <a:round/>
+                      <a:headEnd type="none" w="med" len="med"/>
+                      <a:tailEnd type="none" w="med" len="med"/>
+                    </a:lnT>
+                    <a:lnB w="12700" cap="flat" cmpd="sng" algn="ctr">
+                      <a:noFill/>
+                      <a:prstDash val="solid"/>
+                      <a:round/>
+                      <a:headEnd type="none" w="med" len="med"/>
+                      <a:tailEnd type="none" w="med" len="med"/>
+                    </a:lnB>
                   </a:tcPr>
                 </a:tc>
                 <a:tc>
@@ -7952,10 +9535,15 @@
                     <a:p>
                       <a:pPr algn="ctr" fontAlgn="ctr"/>
                       <a:r>
-                        <a:rPr lang="ru-RU" sz="1400" u="none" strike="noStrike" dirty="0">
+                        <a:rPr lang="en-US" sz="1400" b="0" i="0" u="none" strike="noStrike" dirty="0" smtClean="0">
+                          <a:solidFill>
+                            <a:srgbClr val="000000"/>
+                          </a:solidFill>
                           <a:effectLst/>
+                          <a:latin typeface="Times New Roman" panose="02020603050405020304" pitchFamily="18" charset="0"/>
+                          <a:cs typeface="Times New Roman" panose="02020603050405020304" pitchFamily="18" charset="0"/>
                         </a:rPr>
-                        <a:t>_</a:t>
+                        <a:t>0.038505 sec</a:t>
                       </a:r>
                       <a:endParaRPr lang="ru-RU" sz="1400" b="0" i="0" u="none" strike="noStrike" dirty="0">
                         <a:solidFill>
@@ -7963,6 +9551,7 @@
                         </a:solidFill>
                         <a:effectLst/>
                         <a:latin typeface="Times New Roman" panose="02020603050405020304" pitchFamily="18" charset="0"/>
+                        <a:cs typeface="Times New Roman" panose="02020603050405020304" pitchFamily="18" charset="0"/>
                       </a:endParaRPr>
                     </a:p>
                   </a:txBody>
@@ -7994,10 +9583,15 @@
                     <a:p>
                       <a:pPr algn="ctr" fontAlgn="ctr"/>
                       <a:r>
-                        <a:rPr lang="ru-RU" sz="1400" u="none" strike="noStrike" dirty="0">
+                        <a:rPr lang="en-US" sz="1400" b="0" i="0" u="none" strike="noStrike" dirty="0" smtClean="0">
+                          <a:solidFill>
+                            <a:srgbClr val="000000"/>
+                          </a:solidFill>
                           <a:effectLst/>
+                          <a:latin typeface="Times New Roman" panose="02020603050405020304" pitchFamily="18" charset="0"/>
+                          <a:cs typeface="Times New Roman" panose="02020603050405020304" pitchFamily="18" charset="0"/>
                         </a:rPr>
-                        <a:t>_</a:t>
+                        <a:t>0.03219 sec</a:t>
                       </a:r>
                       <a:endParaRPr lang="ru-RU" sz="1400" b="0" i="0" u="none" strike="noStrike" dirty="0">
                         <a:solidFill>
@@ -8005,6 +9599,7 @@
                         </a:solidFill>
                         <a:effectLst/>
                         <a:latin typeface="Times New Roman" panose="02020603050405020304" pitchFamily="18" charset="0"/>
+                        <a:cs typeface="Times New Roman" panose="02020603050405020304" pitchFamily="18" charset="0"/>
                       </a:endParaRPr>
                     </a:p>
                   </a:txBody>
@@ -8018,7 +9613,7 @@
                       <a:headEnd type="none" w="med" len="med"/>
                       <a:tailEnd type="none" w="med" len="med"/>
                     </a:lnL>
-                    <a:lnR w="28575" cap="flat" cmpd="sng" algn="ctr">
+                    <a:lnR w="12700" cap="flat" cmpd="sng" algn="ctr">
                       <a:solidFill>
                         <a:schemeClr val="tx1"/>
                       </a:solidFill>
@@ -8029,23 +9624,6 @@
                     </a:lnR>
                   </a:tcPr>
                 </a:tc>
-                <a:extLst>
-                  <a:ext uri="{0D108BD9-81ED-4DB2-BD59-A6C34878D82A}">
-                    <a16:rowId xmlns:a16="http://schemas.microsoft.com/office/drawing/2014/main" val="4235861967"/>
-                  </a:ext>
-                </a:extLst>
-              </a:tr>
-              <a:tr h="390525">
-                <a:tc vMerge="1">
-                  <a:txBody>
-                    <a:bodyPr/>
-                    <a:lstStyle/>
-                    <a:p>
-                      <a:endParaRPr lang="ru-RU"/>
-                    </a:p>
-                  </a:txBody>
-                  <a:tcPr/>
-                </a:tc>
                 <a:tc>
                   <a:txBody>
                     <a:bodyPr/>
@@ -8053,10 +9631,15 @@
                     <a:p>
                       <a:pPr algn="ctr" fontAlgn="ctr"/>
                       <a:r>
-                        <a:rPr lang="ru-RU" sz="1400" u="none" strike="noStrike" dirty="0">
+                        <a:rPr lang="en-US" sz="1400" b="0" i="0" u="none" strike="noStrike" dirty="0" smtClean="0">
+                          <a:solidFill>
+                            <a:srgbClr val="000000"/>
+                          </a:solidFill>
                           <a:effectLst/>
+                          <a:latin typeface="Times New Roman" panose="02020603050405020304" pitchFamily="18" charset="0"/>
+                          <a:cs typeface="Times New Roman" panose="02020603050405020304" pitchFamily="18" charset="0"/>
                         </a:rPr>
-                        <a:t>50            6</a:t>
+                        <a:t>0.03219 sec</a:t>
                       </a:r>
                       <a:endParaRPr lang="ru-RU" sz="1400" b="0" i="0" u="none" strike="noStrike" dirty="0">
                         <a:solidFill>
@@ -8064,11 +9647,12 @@
                         </a:solidFill>
                         <a:effectLst/>
                         <a:latin typeface="Times New Roman" panose="02020603050405020304" pitchFamily="18" charset="0"/>
+                        <a:cs typeface="Times New Roman" panose="02020603050405020304" pitchFamily="18" charset="0"/>
                       </a:endParaRPr>
                     </a:p>
                   </a:txBody>
                   <a:tcPr marL="9525" marR="9525" marT="9525" marB="0" anchor="ctr">
-                    <a:lnL w="19050" cap="flat" cmpd="sng" algn="ctr">
+                    <a:lnL w="12700" cap="flat" cmpd="sng" algn="ctr">
                       <a:solidFill>
                         <a:schemeClr val="tx1"/>
                       </a:solidFill>
@@ -8077,7 +9661,7 @@
                       <a:headEnd type="none" w="med" len="med"/>
                       <a:tailEnd type="none" w="med" len="med"/>
                     </a:lnL>
-                    <a:lnR w="12700" cap="flat" cmpd="sng" algn="ctr">
+                    <a:lnR w="28575" cap="flat" cmpd="sng" algn="ctr">
                       <a:solidFill>
                         <a:schemeClr val="tx1"/>
                       </a:solidFill>
@@ -8088,6 +9672,13 @@
                     </a:lnR>
                   </a:tcPr>
                 </a:tc>
+                <a:extLst>
+                  <a:ext uri="{0D108BD9-81ED-4DB2-BD59-A6C34878D82A}">
+                    <a16:rowId xmlns:a16="http://schemas.microsoft.com/office/drawing/2014/main" val="1629353409"/>
+                  </a:ext>
+                </a:extLst>
+              </a:tr>
+              <a:tr h="464044">
                 <a:tc>
                   <a:txBody>
                     <a:bodyPr/>
@@ -8097,8 +9688,26 @@
                       <a:r>
                         <a:rPr lang="ru-RU" sz="1400" u="none" strike="noStrike" dirty="0">
                           <a:effectLst/>
+                          <a:latin typeface="Times New Roman" panose="02020603050405020304" pitchFamily="18" charset="0"/>
+                          <a:cs typeface="Times New Roman" panose="02020603050405020304" pitchFamily="18" charset="0"/>
                         </a:rPr>
-                        <a:t>_</a:t>
+                        <a:t>150    </a:t>
+                      </a:r>
+                      <a:r>
+                        <a:rPr lang="ru-RU" sz="1400" u="none" strike="noStrike" dirty="0" smtClean="0">
+                          <a:effectLst/>
+                          <a:latin typeface="Times New Roman" panose="02020603050405020304" pitchFamily="18" charset="0"/>
+                          <a:cs typeface="Times New Roman" panose="02020603050405020304" pitchFamily="18" charset="0"/>
+                        </a:rPr>
+                        <a:t> </a:t>
+                      </a:r>
+                      <a:r>
+                        <a:rPr lang="ru-RU" sz="1400" u="none" strike="noStrike" dirty="0">
+                          <a:effectLst/>
+                          <a:latin typeface="Times New Roman" panose="02020603050405020304" pitchFamily="18" charset="0"/>
+                          <a:cs typeface="Times New Roman" panose="02020603050405020304" pitchFamily="18" charset="0"/>
+                        </a:rPr>
+                        <a:t>12</a:t>
                       </a:r>
                       <a:endParaRPr lang="ru-RU" sz="1400" b="0" i="0" u="none" strike="noStrike" dirty="0">
                         <a:solidFill>
@@ -8106,11 +9715,12 @@
                         </a:solidFill>
                         <a:effectLst/>
                         <a:latin typeface="Times New Roman" panose="02020603050405020304" pitchFamily="18" charset="0"/>
+                        <a:cs typeface="Times New Roman" panose="02020603050405020304" pitchFamily="18" charset="0"/>
                       </a:endParaRPr>
                     </a:p>
                   </a:txBody>
                   <a:tcPr marL="9525" marR="9525" marT="9525" marB="0" anchor="ctr">
-                    <a:lnL w="12700" cap="flat" cmpd="sng" algn="ctr">
+                    <a:lnL w="19050" cap="flat" cmpd="sng" algn="ctr">
                       <a:solidFill>
                         <a:schemeClr val="tx1"/>
                       </a:solidFill>
@@ -8128,6 +9738,15 @@
                       <a:headEnd type="none" w="med" len="med"/>
                       <a:tailEnd type="none" w="med" len="med"/>
                     </a:lnR>
+                    <a:lnB w="28575" cap="flat" cmpd="sng" algn="ctr">
+                      <a:solidFill>
+                        <a:schemeClr val="tx1"/>
+                      </a:solidFill>
+                      <a:prstDash val="solid"/>
+                      <a:round/>
+                      <a:headEnd type="none" w="med" len="med"/>
+                      <a:tailEnd type="none" w="med" len="med"/>
+                    </a:lnB>
                   </a:tcPr>
                 </a:tc>
                 <a:tc>
@@ -8137,10 +9756,37 @@
                     <a:p>
                       <a:pPr algn="ctr" fontAlgn="ctr"/>
                       <a:r>
-                        <a:rPr lang="ru-RU" sz="1400" u="none" strike="noStrike" dirty="0">
+                        <a:rPr lang="ru-RU" sz="1400" b="0" i="0" u="none" strike="noStrike" dirty="0" smtClean="0">
+                          <a:solidFill>
+                            <a:schemeClr val="dk1"/>
+                          </a:solidFill>
                           <a:effectLst/>
+                          <a:latin typeface="Times New Roman" panose="02020603050405020304" pitchFamily="18" charset="0"/>
+                          <a:cs typeface="Times New Roman" panose="02020603050405020304" pitchFamily="18" charset="0"/>
                         </a:rPr>
-                        <a:t>_</a:t>
+                        <a:t>34.501</a:t>
+                      </a:r>
+                      <a:r>
+                        <a:rPr lang="ru-RU" sz="1400" b="0" i="0" u="none" strike="noStrike" baseline="0" dirty="0" smtClean="0">
+                          <a:solidFill>
+                            <a:schemeClr val="dk1"/>
+                          </a:solidFill>
+                          <a:effectLst/>
+                          <a:latin typeface="Times New Roman" panose="02020603050405020304" pitchFamily="18" charset="0"/>
+                          <a:cs typeface="Times New Roman" panose="02020603050405020304" pitchFamily="18" charset="0"/>
+                        </a:rPr>
+                        <a:t> </a:t>
+                      </a:r>
+                      <a:r>
+                        <a:rPr lang="en-US" sz="1400" b="0" i="0" u="none" strike="noStrike" baseline="0" dirty="0" smtClean="0">
+                          <a:solidFill>
+                            <a:schemeClr val="dk1"/>
+                          </a:solidFill>
+                          <a:effectLst/>
+                          <a:latin typeface="Times New Roman" panose="02020603050405020304" pitchFamily="18" charset="0"/>
+                          <a:cs typeface="Times New Roman" panose="02020603050405020304" pitchFamily="18" charset="0"/>
+                        </a:rPr>
+                        <a:t>sec</a:t>
                       </a:r>
                       <a:endParaRPr lang="ru-RU" sz="1400" b="0" i="0" u="none" strike="noStrike" dirty="0">
                         <a:solidFill>
@@ -8148,6 +9794,7 @@
                         </a:solidFill>
                         <a:effectLst/>
                         <a:latin typeface="Times New Roman" panose="02020603050405020304" pitchFamily="18" charset="0"/>
+                        <a:cs typeface="Times New Roman" panose="02020603050405020304" pitchFamily="18" charset="0"/>
                       </a:endParaRPr>
                     </a:p>
                   </a:txBody>
@@ -8170,6 +9817,15 @@
                       <a:headEnd type="none" w="med" len="med"/>
                       <a:tailEnd type="none" w="med" len="med"/>
                     </a:lnR>
+                    <a:lnB w="28575" cap="flat" cmpd="sng" algn="ctr">
+                      <a:solidFill>
+                        <a:schemeClr val="tx1"/>
+                      </a:solidFill>
+                      <a:prstDash val="solid"/>
+                      <a:round/>
+                      <a:headEnd type="none" w="med" len="med"/>
+                      <a:tailEnd type="none" w="med" len="med"/>
+                    </a:lnB>
                   </a:tcPr>
                 </a:tc>
                 <a:tc>
@@ -8181,6 +9837,8 @@
                       <a:r>
                         <a:rPr lang="ru-RU" sz="1400" u="none" strike="noStrike" dirty="0">
                           <a:effectLst/>
+                          <a:latin typeface="Times New Roman" panose="02020603050405020304" pitchFamily="18" charset="0"/>
+                          <a:cs typeface="Times New Roman" panose="02020603050405020304" pitchFamily="18" charset="0"/>
                         </a:rPr>
                         <a:t>_</a:t>
                       </a:r>
@@ -8190,6 +9848,7 @@
                         </a:solidFill>
                         <a:effectLst/>
                         <a:latin typeface="Times New Roman" panose="02020603050405020304" pitchFamily="18" charset="0"/>
+                        <a:cs typeface="Times New Roman" panose="02020603050405020304" pitchFamily="18" charset="0"/>
                       </a:endParaRPr>
                     </a:p>
                   </a:txBody>
@@ -8203,7 +9862,7 @@
                       <a:headEnd type="none" w="med" len="med"/>
                       <a:tailEnd type="none" w="med" len="med"/>
                     </a:lnL>
-                    <a:lnR w="19050" cap="flat" cmpd="sng" algn="ctr">
+                    <a:lnR w="12700" cap="flat" cmpd="sng" algn="ctr">
                       <a:solidFill>
                         <a:schemeClr val="tx1"/>
                       </a:solidFill>
@@ -8223,6 +9882,8 @@
                       <a:r>
                         <a:rPr lang="ru-RU" sz="1400" u="none" strike="noStrike" dirty="0">
                           <a:effectLst/>
+                          <a:latin typeface="Times New Roman" panose="02020603050405020304" pitchFamily="18" charset="0"/>
+                          <a:cs typeface="Times New Roman" panose="02020603050405020304" pitchFamily="18" charset="0"/>
                         </a:rPr>
                         <a:t>_</a:t>
                       </a:r>
@@ -8232,11 +9893,12 @@
                         </a:solidFill>
                         <a:effectLst/>
                         <a:latin typeface="Times New Roman" panose="02020603050405020304" pitchFamily="18" charset="0"/>
+                        <a:cs typeface="Times New Roman" panose="02020603050405020304" pitchFamily="18" charset="0"/>
                       </a:endParaRPr>
                     </a:p>
                   </a:txBody>
                   <a:tcPr marL="9525" marR="9525" marT="9525" marB="0" anchor="ctr">
-                    <a:lnL w="19050" cap="flat" cmpd="sng" algn="ctr">
+                    <a:lnL w="12700" cap="flat" cmpd="sng" algn="ctr">
                       <a:solidFill>
                         <a:schemeClr val="tx1"/>
                       </a:solidFill>
@@ -8254,15 +9916,10 @@
                       <a:headEnd type="none" w="med" len="med"/>
                       <a:tailEnd type="none" w="med" len="med"/>
                     </a:lnR>
-                    <a:lnT w="12700" cap="flat" cmpd="sng" algn="ctr">
-                      <a:noFill/>
-                      <a:prstDash val="solid"/>
-                      <a:round/>
-                      <a:headEnd type="none" w="med" len="med"/>
-                      <a:tailEnd type="none" w="med" len="med"/>
-                    </a:lnT>
-                    <a:lnB w="12700" cap="flat" cmpd="sng" algn="ctr">
-                      <a:noFill/>
+                    <a:lnB w="28575" cap="flat" cmpd="sng" algn="ctr">
+                      <a:solidFill>
+                        <a:schemeClr val="tx1"/>
+                      </a:solidFill>
                       <a:prstDash val="solid"/>
                       <a:round/>
                       <a:headEnd type="none" w="med" len="med"/>
@@ -8279,6 +9936,8 @@
                       <a:r>
                         <a:rPr lang="ru-RU" sz="1400" u="none" strike="noStrike" dirty="0">
                           <a:effectLst/>
+                          <a:latin typeface="Times New Roman" panose="02020603050405020304" pitchFamily="18" charset="0"/>
+                          <a:cs typeface="Times New Roman" panose="02020603050405020304" pitchFamily="18" charset="0"/>
                         </a:rPr>
                         <a:t>_</a:t>
                       </a:r>
@@ -8288,6 +9947,7 @@
                         </a:solidFill>
                         <a:effectLst/>
                         <a:latin typeface="Times New Roman" panose="02020603050405020304" pitchFamily="18" charset="0"/>
+                        <a:cs typeface="Times New Roman" panose="02020603050405020304" pitchFamily="18" charset="0"/>
                       </a:endParaRPr>
                     </a:p>
                   </a:txBody>
@@ -8301,7 +9961,7 @@
                       <a:headEnd type="none" w="med" len="med"/>
                       <a:tailEnd type="none" w="med" len="med"/>
                     </a:lnL>
-                    <a:lnR w="12700" cap="flat" cmpd="sng" algn="ctr">
+                    <a:lnR w="3175" cap="flat" cmpd="sng" algn="ctr">
                       <a:solidFill>
                         <a:schemeClr val="tx1"/>
                       </a:solidFill>
@@ -8310,6 +9970,15 @@
                       <a:headEnd type="none" w="med" len="med"/>
                       <a:tailEnd type="none" w="med" len="med"/>
                     </a:lnR>
+                    <a:lnB w="28575" cap="flat" cmpd="sng" algn="ctr">
+                      <a:solidFill>
+                        <a:schemeClr val="tx1"/>
+                      </a:solidFill>
+                      <a:prstDash val="solid"/>
+                      <a:round/>
+                      <a:headEnd type="none" w="med" len="med"/>
+                      <a:tailEnd type="none" w="med" len="med"/>
+                    </a:lnB>
                   </a:tcPr>
                 </a:tc>
                 <a:tc>
@@ -8318,23 +9987,18 @@
                     <a:lstStyle/>
                     <a:p>
                       <a:pPr algn="ctr" fontAlgn="ctr"/>
-                      <a:r>
-                        <a:rPr lang="ru-RU" sz="1400" u="none" strike="noStrike" dirty="0">
-                          <a:effectLst/>
-                        </a:rPr>
-                        <a:t>_</a:t>
-                      </a:r>
                       <a:endParaRPr lang="ru-RU" sz="1400" b="0" i="0" u="none" strike="noStrike" dirty="0">
                         <a:solidFill>
                           <a:srgbClr val="000000"/>
                         </a:solidFill>
                         <a:effectLst/>
                         <a:latin typeface="Times New Roman" panose="02020603050405020304" pitchFamily="18" charset="0"/>
+                        <a:cs typeface="Times New Roman" panose="02020603050405020304" pitchFamily="18" charset="0"/>
                       </a:endParaRPr>
                     </a:p>
                   </a:txBody>
                   <a:tcPr marL="9525" marR="9525" marT="9525" marB="0" anchor="ctr">
-                    <a:lnL w="12700" cap="flat" cmpd="sng" algn="ctr">
+                    <a:lnL w="3175" cap="flat" cmpd="sng" algn="ctr">
                       <a:solidFill>
                         <a:schemeClr val="tx1"/>
                       </a:solidFill>
@@ -8343,7 +10007,7 @@
                       <a:headEnd type="none" w="med" len="med"/>
                       <a:tailEnd type="none" w="med" len="med"/>
                     </a:lnL>
-                    <a:lnR w="12700" cap="flat" cmpd="sng" algn="ctr">
+                    <a:lnR w="28575" cap="flat" cmpd="sng" algn="ctr">
                       <a:solidFill>
                         <a:schemeClr val="tx1"/>
                       </a:solidFill>
@@ -8352,6 +10016,26 @@
                       <a:headEnd type="none" w="med" len="med"/>
                       <a:tailEnd type="none" w="med" len="med"/>
                     </a:lnR>
+                    <a:lnT>
+                      <a:noFill/>
+                    </a:lnT>
+                    <a:lnB w="28575" cap="flat" cmpd="sng" algn="ctr">
+                      <a:solidFill>
+                        <a:schemeClr val="tx1"/>
+                      </a:solidFill>
+                      <a:prstDash val="solid"/>
+                      <a:round/>
+                      <a:headEnd type="none" w="med" len="med"/>
+                      <a:tailEnd type="none" w="med" len="med"/>
+                    </a:lnB>
+                    <a:lnTlToBr w="12700" cmpd="sng">
+                      <a:noFill/>
+                      <a:prstDash val="solid"/>
+                    </a:lnTlToBr>
+                    <a:lnBlToTr w="12700" cmpd="sng">
+                      <a:noFill/>
+                      <a:prstDash val="solid"/>
+                    </a:lnBlToTr>
                   </a:tcPr>
                 </a:tc>
                 <a:tc>
@@ -8363,6 +10047,8 @@
                       <a:r>
                         <a:rPr lang="ru-RU" sz="1400" u="none" strike="noStrike" dirty="0">
                           <a:effectLst/>
+                          <a:latin typeface="Times New Roman" panose="02020603050405020304" pitchFamily="18" charset="0"/>
+                          <a:cs typeface="Times New Roman" panose="02020603050405020304" pitchFamily="18" charset="0"/>
                         </a:rPr>
                         <a:t>_</a:t>
                       </a:r>
@@ -8372,11 +10058,12 @@
                         </a:solidFill>
                         <a:effectLst/>
                         <a:latin typeface="Times New Roman" panose="02020603050405020304" pitchFamily="18" charset="0"/>
+                        <a:cs typeface="Times New Roman" panose="02020603050405020304" pitchFamily="18" charset="0"/>
                       </a:endParaRPr>
                     </a:p>
                   </a:txBody>
                   <a:tcPr marL="9525" marR="9525" marT="9525" marB="0" anchor="ctr">
-                    <a:lnL w="12700" cap="flat" cmpd="sng" algn="ctr">
+                    <a:lnL w="28575" cap="flat" cmpd="sng" algn="ctr">
                       <a:solidFill>
                         <a:schemeClr val="tx1"/>
                       </a:solidFill>
@@ -8385,7 +10072,7 @@
                       <a:headEnd type="none" w="med" len="med"/>
                       <a:tailEnd type="none" w="med" len="med"/>
                     </a:lnL>
-                    <a:lnR w="28575" cap="flat" cmpd="sng" algn="ctr">
+                    <a:lnR w="12700" cap="flat" cmpd="sng" algn="ctr">
                       <a:solidFill>
                         <a:schemeClr val="tx1"/>
                       </a:solidFill>
@@ -8394,24 +10081,23 @@
                       <a:headEnd type="none" w="med" len="med"/>
                       <a:tailEnd type="none" w="med" len="med"/>
                     </a:lnR>
+                    <a:lnT w="12700" cap="flat" cmpd="sng" algn="ctr">
+                      <a:noFill/>
+                      <a:prstDash val="solid"/>
+                      <a:round/>
+                      <a:headEnd type="none" w="med" len="med"/>
+                      <a:tailEnd type="none" w="med" len="med"/>
+                    </a:lnT>
+                    <a:lnB w="28575" cap="flat" cmpd="sng" algn="ctr">
+                      <a:solidFill>
+                        <a:schemeClr val="tx1"/>
+                      </a:solidFill>
+                      <a:prstDash val="solid"/>
+                      <a:round/>
+                      <a:headEnd type="none" w="med" len="med"/>
+                      <a:tailEnd type="none" w="med" len="med"/>
+                    </a:lnB>
                   </a:tcPr>
-                </a:tc>
-                <a:extLst>
-                  <a:ext uri="{0D108BD9-81ED-4DB2-BD59-A6C34878D82A}">
-                    <a16:rowId xmlns:a16="http://schemas.microsoft.com/office/drawing/2014/main" val="4169151961"/>
-                  </a:ext>
-                </a:extLst>
-              </a:tr>
-              <a:tr h="419100">
-                <a:tc vMerge="1">
-                  <a:txBody>
-                    <a:bodyPr/>
-                    <a:lstStyle/>
-                    <a:p>
-                      <a:endParaRPr lang="ru-RU"/>
-                    </a:p>
-                  </a:txBody>
-                  <a:tcPr/>
                 </a:tc>
                 <a:tc>
                   <a:txBody>
@@ -8422,8 +10108,10 @@
                       <a:r>
                         <a:rPr lang="ru-RU" sz="1400" u="none" strike="noStrike" dirty="0">
                           <a:effectLst/>
+                          <a:latin typeface="Times New Roman" panose="02020603050405020304" pitchFamily="18" charset="0"/>
+                          <a:cs typeface="Times New Roman" panose="02020603050405020304" pitchFamily="18" charset="0"/>
                         </a:rPr>
-                        <a:t>150        12</a:t>
+                        <a:t>_</a:t>
                       </a:r>
                       <a:endParaRPr lang="ru-RU" sz="1400" b="0" i="0" u="none" strike="noStrike" dirty="0">
                         <a:solidFill>
@@ -8431,11 +10119,12 @@
                         </a:solidFill>
                         <a:effectLst/>
                         <a:latin typeface="Times New Roman" panose="02020603050405020304" pitchFamily="18" charset="0"/>
+                        <a:cs typeface="Times New Roman" panose="02020603050405020304" pitchFamily="18" charset="0"/>
                       </a:endParaRPr>
                     </a:p>
                   </a:txBody>
                   <a:tcPr marL="9525" marR="9525" marT="9525" marB="0" anchor="ctr">
-                    <a:lnL w="19050" cap="flat" cmpd="sng" algn="ctr">
+                    <a:lnL w="12700" cap="flat" cmpd="sng" algn="ctr">
                       <a:solidFill>
                         <a:schemeClr val="tx1"/>
                       </a:solidFill>
@@ -8453,7 +10142,7 @@
                       <a:headEnd type="none" w="med" len="med"/>
                       <a:tailEnd type="none" w="med" len="med"/>
                     </a:lnR>
-                    <a:lnB w="12700" cap="flat" cmpd="sng" algn="ctr">
+                    <a:lnB w="28575" cap="flat" cmpd="sng" algn="ctr">
                       <a:solidFill>
                         <a:schemeClr val="tx1"/>
                       </a:solidFill>
@@ -8473,6 +10162,8 @@
                       <a:r>
                         <a:rPr lang="ru-RU" sz="1400" u="none" strike="noStrike" dirty="0">
                           <a:effectLst/>
+                          <a:latin typeface="Times New Roman" panose="02020603050405020304" pitchFamily="18" charset="0"/>
+                          <a:cs typeface="Times New Roman" panose="02020603050405020304" pitchFamily="18" charset="0"/>
                         </a:rPr>
                         <a:t>_</a:t>
                       </a:r>
@@ -8482,6 +10173,7 @@
                         </a:solidFill>
                         <a:effectLst/>
                         <a:latin typeface="Times New Roman" panose="02020603050405020304" pitchFamily="18" charset="0"/>
+                        <a:cs typeface="Times New Roman" panose="02020603050405020304" pitchFamily="18" charset="0"/>
                       </a:endParaRPr>
                     </a:p>
                   </a:txBody>
@@ -8504,7 +10196,7 @@
                       <a:headEnd type="none" w="med" len="med"/>
                       <a:tailEnd type="none" w="med" len="med"/>
                     </a:lnR>
-                    <a:lnB w="12700" cap="flat" cmpd="sng" algn="ctr">
+                    <a:lnB w="28575" cap="flat" cmpd="sng" algn="ctr">
                       <a:solidFill>
                         <a:schemeClr val="tx1"/>
                       </a:solidFill>
@@ -8524,6 +10216,8 @@
                       <a:r>
                         <a:rPr lang="ru-RU" sz="1400" u="none" strike="noStrike" dirty="0">
                           <a:effectLst/>
+                          <a:latin typeface="Times New Roman" panose="02020603050405020304" pitchFamily="18" charset="0"/>
+                          <a:cs typeface="Times New Roman" panose="02020603050405020304" pitchFamily="18" charset="0"/>
                         </a:rPr>
                         <a:t>_</a:t>
                       </a:r>
@@ -8533,2014 +10227,7 @@
                         </a:solidFill>
                         <a:effectLst/>
                         <a:latin typeface="Times New Roman" panose="02020603050405020304" pitchFamily="18" charset="0"/>
-                      </a:endParaRPr>
-                    </a:p>
-                  </a:txBody>
-                  <a:tcPr marL="9525" marR="9525" marT="9525" marB="0" anchor="ctr">
-                    <a:lnL w="12700" cap="flat" cmpd="sng" algn="ctr">
-                      <a:solidFill>
-                        <a:schemeClr val="tx1"/>
-                      </a:solidFill>
-                      <a:prstDash val="solid"/>
-                      <a:round/>
-                      <a:headEnd type="none" w="med" len="med"/>
-                      <a:tailEnd type="none" w="med" len="med"/>
-                    </a:lnL>
-                    <a:lnR w="12700" cap="flat" cmpd="sng" algn="ctr">
-                      <a:solidFill>
-                        <a:schemeClr val="tx1"/>
-                      </a:solidFill>
-                      <a:prstDash val="solid"/>
-                      <a:round/>
-                      <a:headEnd type="none" w="med" len="med"/>
-                      <a:tailEnd type="none" w="med" len="med"/>
-                    </a:lnR>
-                    <a:lnB w="12700" cap="flat" cmpd="sng" algn="ctr">
-                      <a:solidFill>
-                        <a:schemeClr val="tx1"/>
-                      </a:solidFill>
-                      <a:prstDash val="solid"/>
-                      <a:round/>
-                      <a:headEnd type="none" w="med" len="med"/>
-                      <a:tailEnd type="none" w="med" len="med"/>
-                    </a:lnB>
-                  </a:tcPr>
-                </a:tc>
-                <a:tc>
-                  <a:txBody>
-                    <a:bodyPr/>
-                    <a:lstStyle/>
-                    <a:p>
-                      <a:pPr algn="ctr" fontAlgn="ctr"/>
-                      <a:r>
-                        <a:rPr lang="ru-RU" sz="1400" u="none" strike="noStrike" dirty="0">
-                          <a:effectLst/>
-                        </a:rPr>
-                        <a:t>_</a:t>
-                      </a:r>
-                      <a:endParaRPr lang="ru-RU" sz="1400" b="0" i="0" u="none" strike="noStrike" dirty="0">
-                        <a:solidFill>
-                          <a:srgbClr val="000000"/>
-                        </a:solidFill>
-                        <a:effectLst/>
-                        <a:latin typeface="Times New Roman" panose="02020603050405020304" pitchFamily="18" charset="0"/>
-                      </a:endParaRPr>
-                    </a:p>
-                  </a:txBody>
-                  <a:tcPr marL="9525" marR="9525" marT="9525" marB="0" anchor="ctr">
-                    <a:lnL w="12700" cap="flat" cmpd="sng" algn="ctr">
-                      <a:solidFill>
-                        <a:schemeClr val="tx1"/>
-                      </a:solidFill>
-                      <a:prstDash val="solid"/>
-                      <a:round/>
-                      <a:headEnd type="none" w="med" len="med"/>
-                      <a:tailEnd type="none" w="med" len="med"/>
-                    </a:lnL>
-                    <a:lnR w="19050" cap="flat" cmpd="sng" algn="ctr">
-                      <a:solidFill>
-                        <a:schemeClr val="tx1"/>
-                      </a:solidFill>
-                      <a:prstDash val="solid"/>
-                      <a:round/>
-                      <a:headEnd type="none" w="med" len="med"/>
-                      <a:tailEnd type="none" w="med" len="med"/>
-                    </a:lnR>
-                    <a:lnB w="12700" cap="flat" cmpd="sng" algn="ctr">
-                      <a:solidFill>
-                        <a:schemeClr val="tx1"/>
-                      </a:solidFill>
-                      <a:prstDash val="solid"/>
-                      <a:round/>
-                      <a:headEnd type="none" w="med" len="med"/>
-                      <a:tailEnd type="none" w="med" len="med"/>
-                    </a:lnB>
-                  </a:tcPr>
-                </a:tc>
-                <a:tc>
-                  <a:txBody>
-                    <a:bodyPr/>
-                    <a:lstStyle/>
-                    <a:p>
-                      <a:pPr algn="ctr" fontAlgn="ctr"/>
-                      <a:r>
-                        <a:rPr lang="ru-RU" sz="1400" u="none" strike="noStrike" dirty="0">
-                          <a:effectLst/>
-                        </a:rPr>
-                        <a:t>_</a:t>
-                      </a:r>
-                      <a:endParaRPr lang="ru-RU" sz="1400" b="0" i="0" u="none" strike="noStrike" dirty="0">
-                        <a:solidFill>
-                          <a:srgbClr val="000000"/>
-                        </a:solidFill>
-                        <a:effectLst/>
-                        <a:latin typeface="Times New Roman" panose="02020603050405020304" pitchFamily="18" charset="0"/>
-                      </a:endParaRPr>
-                    </a:p>
-                  </a:txBody>
-                  <a:tcPr marL="9525" marR="9525" marT="9525" marB="0" anchor="ctr">
-                    <a:lnL w="19050" cap="flat" cmpd="sng" algn="ctr">
-                      <a:solidFill>
-                        <a:schemeClr val="tx1"/>
-                      </a:solidFill>
-                      <a:prstDash val="solid"/>
-                      <a:round/>
-                      <a:headEnd type="none" w="med" len="med"/>
-                      <a:tailEnd type="none" w="med" len="med"/>
-                    </a:lnL>
-                    <a:lnR w="12700" cap="flat" cmpd="sng" algn="ctr">
-                      <a:solidFill>
-                        <a:schemeClr val="tx1"/>
-                      </a:solidFill>
-                      <a:prstDash val="solid"/>
-                      <a:round/>
-                      <a:headEnd type="none" w="med" len="med"/>
-                      <a:tailEnd type="none" w="med" len="med"/>
-                    </a:lnR>
-                    <a:lnT w="12700" cap="flat" cmpd="sng" algn="ctr">
-                      <a:noFill/>
-                      <a:prstDash val="solid"/>
-                      <a:round/>
-                      <a:headEnd type="none" w="med" len="med"/>
-                      <a:tailEnd type="none" w="med" len="med"/>
-                    </a:lnT>
-                    <a:lnB w="12700" cap="flat" cmpd="sng" algn="ctr">
-                      <a:solidFill>
-                        <a:schemeClr val="tx1"/>
-                      </a:solidFill>
-                      <a:prstDash val="solid"/>
-                      <a:round/>
-                      <a:headEnd type="none" w="med" len="med"/>
-                      <a:tailEnd type="none" w="med" len="med"/>
-                    </a:lnB>
-                  </a:tcPr>
-                </a:tc>
-                <a:tc>
-                  <a:txBody>
-                    <a:bodyPr/>
-                    <a:lstStyle/>
-                    <a:p>
-                      <a:pPr algn="ctr" fontAlgn="ctr"/>
-                      <a:r>
-                        <a:rPr lang="ru-RU" sz="1400" u="none" strike="noStrike" dirty="0">
-                          <a:effectLst/>
-                        </a:rPr>
-                        <a:t>_</a:t>
-                      </a:r>
-                      <a:endParaRPr lang="ru-RU" sz="1400" b="0" i="0" u="none" strike="noStrike" dirty="0">
-                        <a:solidFill>
-                          <a:srgbClr val="000000"/>
-                        </a:solidFill>
-                        <a:effectLst/>
-                        <a:latin typeface="Times New Roman" panose="02020603050405020304" pitchFamily="18" charset="0"/>
-                      </a:endParaRPr>
-                    </a:p>
-                  </a:txBody>
-                  <a:tcPr marL="9525" marR="9525" marT="9525" marB="0" anchor="ctr">
-                    <a:lnL w="12700" cap="flat" cmpd="sng" algn="ctr">
-                      <a:solidFill>
-                        <a:schemeClr val="tx1"/>
-                      </a:solidFill>
-                      <a:prstDash val="solid"/>
-                      <a:round/>
-                      <a:headEnd type="none" w="med" len="med"/>
-                      <a:tailEnd type="none" w="med" len="med"/>
-                    </a:lnL>
-                    <a:lnR w="12700" cap="flat" cmpd="sng" algn="ctr">
-                      <a:solidFill>
-                        <a:schemeClr val="tx1"/>
-                      </a:solidFill>
-                      <a:prstDash val="solid"/>
-                      <a:round/>
-                      <a:headEnd type="none" w="med" len="med"/>
-                      <a:tailEnd type="none" w="med" len="med"/>
-                    </a:lnR>
-                    <a:lnB w="12700" cap="flat" cmpd="sng" algn="ctr">
-                      <a:solidFill>
-                        <a:schemeClr val="tx1"/>
-                      </a:solidFill>
-                      <a:prstDash val="solid"/>
-                      <a:round/>
-                      <a:headEnd type="none" w="med" len="med"/>
-                      <a:tailEnd type="none" w="med" len="med"/>
-                    </a:lnB>
-                  </a:tcPr>
-                </a:tc>
-                <a:tc>
-                  <a:txBody>
-                    <a:bodyPr/>
-                    <a:lstStyle/>
-                    <a:p>
-                      <a:pPr algn="ctr" fontAlgn="ctr"/>
-                      <a:r>
-                        <a:rPr lang="ru-RU" sz="1400" u="none" strike="noStrike" dirty="0">
-                          <a:effectLst/>
-                        </a:rPr>
-                        <a:t>_</a:t>
-                      </a:r>
-                      <a:endParaRPr lang="ru-RU" sz="1400" b="0" i="0" u="none" strike="noStrike" dirty="0">
-                        <a:solidFill>
-                          <a:srgbClr val="000000"/>
-                        </a:solidFill>
-                        <a:effectLst/>
-                        <a:latin typeface="Times New Roman" panose="02020603050405020304" pitchFamily="18" charset="0"/>
-                      </a:endParaRPr>
-                    </a:p>
-                  </a:txBody>
-                  <a:tcPr marL="9525" marR="9525" marT="9525" marB="0" anchor="ctr">
-                    <a:lnL w="12700" cap="flat" cmpd="sng" algn="ctr">
-                      <a:solidFill>
-                        <a:schemeClr val="tx1"/>
-                      </a:solidFill>
-                      <a:prstDash val="solid"/>
-                      <a:round/>
-                      <a:headEnd type="none" w="med" len="med"/>
-                      <a:tailEnd type="none" w="med" len="med"/>
-                    </a:lnL>
-                    <a:lnR w="12700" cap="flat" cmpd="sng" algn="ctr">
-                      <a:solidFill>
-                        <a:schemeClr val="tx1"/>
-                      </a:solidFill>
-                      <a:prstDash val="solid"/>
-                      <a:round/>
-                      <a:headEnd type="none" w="med" len="med"/>
-                      <a:tailEnd type="none" w="med" len="med"/>
-                    </a:lnR>
-                    <a:lnB w="12700" cap="flat" cmpd="sng" algn="ctr">
-                      <a:solidFill>
-                        <a:schemeClr val="tx1"/>
-                      </a:solidFill>
-                      <a:prstDash val="solid"/>
-                      <a:round/>
-                      <a:headEnd type="none" w="med" len="med"/>
-                      <a:tailEnd type="none" w="med" len="med"/>
-                    </a:lnB>
-                  </a:tcPr>
-                </a:tc>
-                <a:tc>
-                  <a:txBody>
-                    <a:bodyPr/>
-                    <a:lstStyle/>
-                    <a:p>
-                      <a:pPr algn="ctr" fontAlgn="ctr"/>
-                      <a:r>
-                        <a:rPr lang="ru-RU" sz="1400" u="none" strike="noStrike" dirty="0">
-                          <a:effectLst/>
-                        </a:rPr>
-                        <a:t>_</a:t>
-                      </a:r>
-                      <a:endParaRPr lang="ru-RU" sz="1400" b="0" i="0" u="none" strike="noStrike" dirty="0">
-                        <a:solidFill>
-                          <a:srgbClr val="000000"/>
-                        </a:solidFill>
-                        <a:effectLst/>
-                        <a:latin typeface="Times New Roman" panose="02020603050405020304" pitchFamily="18" charset="0"/>
-                      </a:endParaRPr>
-                    </a:p>
-                  </a:txBody>
-                  <a:tcPr marL="9525" marR="9525" marT="9525" marB="0" anchor="ctr">
-                    <a:lnL w="12700" cap="flat" cmpd="sng" algn="ctr">
-                      <a:solidFill>
-                        <a:schemeClr val="tx1"/>
-                      </a:solidFill>
-                      <a:prstDash val="solid"/>
-                      <a:round/>
-                      <a:headEnd type="none" w="med" len="med"/>
-                      <a:tailEnd type="none" w="med" len="med"/>
-                    </a:lnL>
-                    <a:lnR w="28575" cap="flat" cmpd="sng" algn="ctr">
-                      <a:solidFill>
-                        <a:schemeClr val="tx1"/>
-                      </a:solidFill>
-                      <a:prstDash val="solid"/>
-                      <a:round/>
-                      <a:headEnd type="none" w="med" len="med"/>
-                      <a:tailEnd type="none" w="med" len="med"/>
-                    </a:lnR>
-                    <a:lnB w="12700" cap="flat" cmpd="sng" algn="ctr">
-                      <a:solidFill>
-                        <a:schemeClr val="tx1"/>
-                      </a:solidFill>
-                      <a:prstDash val="solid"/>
-                      <a:round/>
-                      <a:headEnd type="none" w="med" len="med"/>
-                      <a:tailEnd type="none" w="med" len="med"/>
-                    </a:lnB>
-                  </a:tcPr>
-                </a:tc>
-                <a:extLst>
-                  <a:ext uri="{0D108BD9-81ED-4DB2-BD59-A6C34878D82A}">
-                    <a16:rowId xmlns:a16="http://schemas.microsoft.com/office/drawing/2014/main" val="1455285401"/>
-                  </a:ext>
-                </a:extLst>
-              </a:tr>
-              <a:tr h="381000">
-                <a:tc rowSpan="4">
-                  <a:txBody>
-                    <a:bodyPr/>
-                    <a:lstStyle/>
-                    <a:p>
-                      <a:pPr algn="ctr" fontAlgn="ctr"/>
-                      <a:r>
-                        <a:rPr lang="en-US" sz="1400" u="none" strike="noStrike" dirty="0">
-                          <a:effectLst/>
-                        </a:rPr>
-                        <a:t>Evolutionary step</a:t>
-                      </a:r>
-                      <a:endParaRPr lang="en-US" sz="1400" b="0" i="0" u="none" strike="noStrike" dirty="0">
-                        <a:solidFill>
-                          <a:srgbClr val="222222"/>
-                        </a:solidFill>
-                        <a:effectLst/>
-                        <a:latin typeface="Times New Roman" panose="02020603050405020304" pitchFamily="18" charset="0"/>
-                      </a:endParaRPr>
-                    </a:p>
-                  </a:txBody>
-                  <a:tcPr marL="9525" marR="9525" marT="9525" marB="0" vert="vert270" anchor="ctr">
-                    <a:lnL w="28575" cap="flat" cmpd="sng" algn="ctr">
-                      <a:solidFill>
-                        <a:schemeClr val="tx1"/>
-                      </a:solidFill>
-                      <a:prstDash val="solid"/>
-                      <a:round/>
-                      <a:headEnd type="none" w="med" len="med"/>
-                      <a:tailEnd type="none" w="med" len="med"/>
-                    </a:lnL>
-                    <a:lnR w="19050" cap="flat" cmpd="sng" algn="ctr">
-                      <a:solidFill>
-                        <a:schemeClr val="tx1"/>
-                      </a:solidFill>
-                      <a:prstDash val="solid"/>
-                      <a:round/>
-                      <a:headEnd type="none" w="med" len="med"/>
-                      <a:tailEnd type="none" w="med" len="med"/>
-                    </a:lnR>
-                    <a:lnT w="12700" cap="flat" cmpd="sng" algn="ctr">
-                      <a:solidFill>
-                        <a:schemeClr val="tx1"/>
-                      </a:solidFill>
-                      <a:prstDash val="solid"/>
-                      <a:round/>
-                      <a:headEnd type="none" w="med" len="med"/>
-                      <a:tailEnd type="none" w="med" len="med"/>
-                    </a:lnT>
-                    <a:lnB w="28575" cap="flat" cmpd="sng" algn="ctr">
-                      <a:solidFill>
-                        <a:schemeClr val="tx1"/>
-                      </a:solidFill>
-                      <a:prstDash val="solid"/>
-                      <a:round/>
-                      <a:headEnd type="none" w="med" len="med"/>
-                      <a:tailEnd type="none" w="med" len="med"/>
-                    </a:lnB>
-                  </a:tcPr>
-                </a:tc>
-                <a:tc>
-                  <a:txBody>
-                    <a:bodyPr/>
-                    <a:lstStyle/>
-                    <a:p>
-                      <a:pPr algn="ctr" fontAlgn="ctr"/>
-                      <a:r>
-                        <a:rPr lang="ru-RU" sz="1400" u="none" strike="noStrike" dirty="0">
-                          <a:effectLst/>
-                        </a:rPr>
-                        <a:t>10            5</a:t>
-                      </a:r>
-                      <a:endParaRPr lang="ru-RU" sz="1400" b="0" i="0" u="none" strike="noStrike" dirty="0">
-                        <a:solidFill>
-                          <a:srgbClr val="000000"/>
-                        </a:solidFill>
-                        <a:effectLst/>
-                        <a:latin typeface="Times New Roman" panose="02020603050405020304" pitchFamily="18" charset="0"/>
-                      </a:endParaRPr>
-                    </a:p>
-                  </a:txBody>
-                  <a:tcPr marL="9525" marR="9525" marT="9525" marB="0" anchor="ctr">
-                    <a:lnL w="19050" cap="flat" cmpd="sng" algn="ctr">
-                      <a:solidFill>
-                        <a:schemeClr val="tx1"/>
-                      </a:solidFill>
-                      <a:prstDash val="solid"/>
-                      <a:round/>
-                      <a:headEnd type="none" w="med" len="med"/>
-                      <a:tailEnd type="none" w="med" len="med"/>
-                    </a:lnL>
-                    <a:lnR w="12700" cap="flat" cmpd="sng" algn="ctr">
-                      <a:solidFill>
-                        <a:schemeClr val="tx1"/>
-                      </a:solidFill>
-                      <a:prstDash val="solid"/>
-                      <a:round/>
-                      <a:headEnd type="none" w="med" len="med"/>
-                      <a:tailEnd type="none" w="med" len="med"/>
-                    </a:lnR>
-                    <a:lnT w="12700" cap="flat" cmpd="sng" algn="ctr">
-                      <a:solidFill>
-                        <a:schemeClr val="tx1"/>
-                      </a:solidFill>
-                      <a:prstDash val="solid"/>
-                      <a:round/>
-                      <a:headEnd type="none" w="med" len="med"/>
-                      <a:tailEnd type="none" w="med" len="med"/>
-                    </a:lnT>
-                    <a:lnB w="12700" cap="flat" cmpd="sng" algn="ctr">
-                      <a:noFill/>
-                      <a:prstDash val="solid"/>
-                      <a:round/>
-                      <a:headEnd type="none" w="med" len="med"/>
-                      <a:tailEnd type="none" w="med" len="med"/>
-                    </a:lnB>
-                  </a:tcPr>
-                </a:tc>
-                <a:tc>
-                  <a:txBody>
-                    <a:bodyPr/>
-                    <a:lstStyle/>
-                    <a:p>
-                      <a:pPr algn="ctr" fontAlgn="ctr"/>
-                      <a:r>
-                        <a:rPr lang="en-US" sz="1400" u="none" strike="noStrike" dirty="0">
-                          <a:effectLst/>
-                        </a:rPr>
-                        <a:t>0.046 sec</a:t>
-                      </a:r>
-                      <a:endParaRPr lang="en-US" sz="1400" b="0" i="0" u="none" strike="noStrike" dirty="0">
-                        <a:solidFill>
-                          <a:srgbClr val="000000"/>
-                        </a:solidFill>
-                        <a:effectLst/>
-                        <a:latin typeface="Times New Roman" panose="02020603050405020304" pitchFamily="18" charset="0"/>
-                      </a:endParaRPr>
-                    </a:p>
-                  </a:txBody>
-                  <a:tcPr marL="9525" marR="9525" marT="9525" marB="0" anchor="ctr">
-                    <a:lnL w="12700" cap="flat" cmpd="sng" algn="ctr">
-                      <a:solidFill>
-                        <a:schemeClr val="tx1"/>
-                      </a:solidFill>
-                      <a:prstDash val="solid"/>
-                      <a:round/>
-                      <a:headEnd type="none" w="med" len="med"/>
-                      <a:tailEnd type="none" w="med" len="med"/>
-                    </a:lnL>
-                    <a:lnR w="12700" cap="flat" cmpd="sng" algn="ctr">
-                      <a:solidFill>
-                        <a:schemeClr val="tx1"/>
-                      </a:solidFill>
-                      <a:prstDash val="solid"/>
-                      <a:round/>
-                      <a:headEnd type="none" w="med" len="med"/>
-                      <a:tailEnd type="none" w="med" len="med"/>
-                    </a:lnR>
-                    <a:lnT w="12700" cap="flat" cmpd="sng" algn="ctr">
-                      <a:solidFill>
-                        <a:schemeClr val="tx1"/>
-                      </a:solidFill>
-                      <a:prstDash val="solid"/>
-                      <a:round/>
-                      <a:headEnd type="none" w="med" len="med"/>
-                      <a:tailEnd type="none" w="med" len="med"/>
-                    </a:lnT>
-                    <a:lnB w="12700" cap="flat" cmpd="sng" algn="ctr">
-                      <a:noFill/>
-                      <a:prstDash val="solid"/>
-                      <a:round/>
-                      <a:headEnd type="none" w="med" len="med"/>
-                      <a:tailEnd type="none" w="med" len="med"/>
-                    </a:lnB>
-                  </a:tcPr>
-                </a:tc>
-                <a:tc>
-                  <a:txBody>
-                    <a:bodyPr/>
-                    <a:lstStyle/>
-                    <a:p>
-                      <a:pPr algn="ctr" fontAlgn="ctr"/>
-                      <a:r>
-                        <a:rPr lang="en-US" sz="1400" u="none" strike="noStrike" dirty="0">
-                          <a:effectLst/>
-                        </a:rPr>
-                        <a:t>0.0064 sec</a:t>
-                      </a:r>
-                      <a:endParaRPr lang="en-US" sz="1400" b="0" i="0" u="none" strike="noStrike" dirty="0">
-                        <a:solidFill>
-                          <a:srgbClr val="000000"/>
-                        </a:solidFill>
-                        <a:effectLst/>
-                        <a:latin typeface="Times New Roman" panose="02020603050405020304" pitchFamily="18" charset="0"/>
-                      </a:endParaRPr>
-                    </a:p>
-                  </a:txBody>
-                  <a:tcPr marL="9525" marR="9525" marT="9525" marB="0" anchor="ctr">
-                    <a:lnL w="12700" cap="flat" cmpd="sng" algn="ctr">
-                      <a:solidFill>
-                        <a:schemeClr val="tx1"/>
-                      </a:solidFill>
-                      <a:prstDash val="solid"/>
-                      <a:round/>
-                      <a:headEnd type="none" w="med" len="med"/>
-                      <a:tailEnd type="none" w="med" len="med"/>
-                    </a:lnL>
-                    <a:lnR w="12700" cap="flat" cmpd="sng" algn="ctr">
-                      <a:solidFill>
-                        <a:schemeClr val="tx1"/>
-                      </a:solidFill>
-                      <a:prstDash val="solid"/>
-                      <a:round/>
-                      <a:headEnd type="none" w="med" len="med"/>
-                      <a:tailEnd type="none" w="med" len="med"/>
-                    </a:lnR>
-                    <a:lnT w="12700" cap="flat" cmpd="sng" algn="ctr">
-                      <a:solidFill>
-                        <a:schemeClr val="tx1"/>
-                      </a:solidFill>
-                      <a:prstDash val="solid"/>
-                      <a:round/>
-                      <a:headEnd type="none" w="med" len="med"/>
-                      <a:tailEnd type="none" w="med" len="med"/>
-                    </a:lnT>
-                    <a:lnB w="12700" cap="flat" cmpd="sng" algn="ctr">
-                      <a:noFill/>
-                      <a:prstDash val="solid"/>
-                      <a:round/>
-                      <a:headEnd type="none" w="med" len="med"/>
-                      <a:tailEnd type="none" w="med" len="med"/>
-                    </a:lnB>
-                  </a:tcPr>
-                </a:tc>
-                <a:tc>
-                  <a:txBody>
-                    <a:bodyPr/>
-                    <a:lstStyle/>
-                    <a:p>
-                      <a:pPr algn="ctr" fontAlgn="ctr"/>
-                      <a:r>
-                        <a:rPr lang="en-US" sz="1400" u="none" strike="noStrike" dirty="0">
-                          <a:effectLst/>
-                        </a:rPr>
-                        <a:t>0.1065 sec</a:t>
-                      </a:r>
-                      <a:endParaRPr lang="en-US" sz="1400" b="0" i="0" u="none" strike="noStrike" dirty="0">
-                        <a:solidFill>
-                          <a:srgbClr val="000000"/>
-                        </a:solidFill>
-                        <a:effectLst/>
-                        <a:latin typeface="Times New Roman" panose="02020603050405020304" pitchFamily="18" charset="0"/>
-                      </a:endParaRPr>
-                    </a:p>
-                  </a:txBody>
-                  <a:tcPr marL="9525" marR="9525" marT="9525" marB="0" anchor="ctr">
-                    <a:lnL w="12700" cap="flat" cmpd="sng" algn="ctr">
-                      <a:solidFill>
-                        <a:schemeClr val="tx1"/>
-                      </a:solidFill>
-                      <a:prstDash val="solid"/>
-                      <a:round/>
-                      <a:headEnd type="none" w="med" len="med"/>
-                      <a:tailEnd type="none" w="med" len="med"/>
-                    </a:lnL>
-                    <a:lnR w="19050" cap="flat" cmpd="sng" algn="ctr">
-                      <a:solidFill>
-                        <a:schemeClr val="tx1"/>
-                      </a:solidFill>
-                      <a:prstDash val="solid"/>
-                      <a:round/>
-                      <a:headEnd type="none" w="med" len="med"/>
-                      <a:tailEnd type="none" w="med" len="med"/>
-                    </a:lnR>
-                    <a:lnT w="12700" cap="flat" cmpd="sng" algn="ctr">
-                      <a:solidFill>
-                        <a:schemeClr val="tx1"/>
-                      </a:solidFill>
-                      <a:prstDash val="solid"/>
-                      <a:round/>
-                      <a:headEnd type="none" w="med" len="med"/>
-                      <a:tailEnd type="none" w="med" len="med"/>
-                    </a:lnT>
-                    <a:lnB w="12700" cap="flat" cmpd="sng" algn="ctr">
-                      <a:noFill/>
-                      <a:prstDash val="solid"/>
-                      <a:round/>
-                      <a:headEnd type="none" w="med" len="med"/>
-                      <a:tailEnd type="none" w="med" len="med"/>
-                    </a:lnB>
-                  </a:tcPr>
-                </a:tc>
-                <a:tc>
-                  <a:txBody>
-                    <a:bodyPr/>
-                    <a:lstStyle/>
-                    <a:p>
-                      <a:pPr algn="ctr" fontAlgn="ctr"/>
-                      <a:r>
-                        <a:rPr lang="ru-RU" sz="1400" u="none" strike="noStrike" dirty="0">
-                          <a:effectLst/>
-                        </a:rPr>
-                        <a:t>_</a:t>
-                      </a:r>
-                      <a:endParaRPr lang="ru-RU" sz="1400" b="0" i="0" u="none" strike="noStrike" dirty="0">
-                        <a:solidFill>
-                          <a:srgbClr val="000000"/>
-                        </a:solidFill>
-                        <a:effectLst/>
-                        <a:latin typeface="Times New Roman" panose="02020603050405020304" pitchFamily="18" charset="0"/>
-                      </a:endParaRPr>
-                    </a:p>
-                  </a:txBody>
-                  <a:tcPr marL="9525" marR="9525" marT="9525" marB="0" anchor="ctr">
-                    <a:lnL w="19050" cap="flat" cmpd="sng" algn="ctr">
-                      <a:solidFill>
-                        <a:schemeClr val="tx1"/>
-                      </a:solidFill>
-                      <a:prstDash val="solid"/>
-                      <a:round/>
-                      <a:headEnd type="none" w="med" len="med"/>
-                      <a:tailEnd type="none" w="med" len="med"/>
-                    </a:lnL>
-                    <a:lnR w="12700" cap="flat" cmpd="sng" algn="ctr">
-                      <a:solidFill>
-                        <a:schemeClr val="tx1"/>
-                      </a:solidFill>
-                      <a:prstDash val="solid"/>
-                      <a:round/>
-                      <a:headEnd type="none" w="med" len="med"/>
-                      <a:tailEnd type="none" w="med" len="med"/>
-                    </a:lnR>
-                    <a:lnT w="12700" cap="flat" cmpd="sng" algn="ctr">
-                      <a:solidFill>
-                        <a:schemeClr val="tx1"/>
-                      </a:solidFill>
-                      <a:prstDash val="solid"/>
-                      <a:round/>
-                      <a:headEnd type="none" w="med" len="med"/>
-                      <a:tailEnd type="none" w="med" len="med"/>
-                    </a:lnT>
-                    <a:lnB w="12700" cap="flat" cmpd="sng" algn="ctr">
-                      <a:noFill/>
-                      <a:prstDash val="solid"/>
-                      <a:round/>
-                      <a:headEnd type="none" w="med" len="med"/>
-                      <a:tailEnd type="none" w="med" len="med"/>
-                    </a:lnB>
-                  </a:tcPr>
-                </a:tc>
-                <a:tc>
-                  <a:txBody>
-                    <a:bodyPr/>
-                    <a:lstStyle/>
-                    <a:p>
-                      <a:pPr algn="ctr" fontAlgn="ctr"/>
-                      <a:r>
-                        <a:rPr lang="ru-RU" sz="1400" u="none" strike="noStrike" dirty="0">
-                          <a:effectLst/>
-                        </a:rPr>
-                        <a:t>_</a:t>
-                      </a:r>
-                      <a:endParaRPr lang="ru-RU" sz="1400" b="0" i="0" u="none" strike="noStrike" dirty="0">
-                        <a:solidFill>
-                          <a:srgbClr val="000000"/>
-                        </a:solidFill>
-                        <a:effectLst/>
-                        <a:latin typeface="Times New Roman" panose="02020603050405020304" pitchFamily="18" charset="0"/>
-                      </a:endParaRPr>
-                    </a:p>
-                  </a:txBody>
-                  <a:tcPr marL="9525" marR="9525" marT="9525" marB="0" anchor="ctr">
-                    <a:lnL w="12700" cap="flat" cmpd="sng" algn="ctr">
-                      <a:solidFill>
-                        <a:schemeClr val="tx1"/>
-                      </a:solidFill>
-                      <a:prstDash val="solid"/>
-                      <a:round/>
-                      <a:headEnd type="none" w="med" len="med"/>
-                      <a:tailEnd type="none" w="med" len="med"/>
-                    </a:lnL>
-                    <a:lnR w="12700" cap="flat" cmpd="sng" algn="ctr">
-                      <a:solidFill>
-                        <a:schemeClr val="tx1"/>
-                      </a:solidFill>
-                      <a:prstDash val="solid"/>
-                      <a:round/>
-                      <a:headEnd type="none" w="med" len="med"/>
-                      <a:tailEnd type="none" w="med" len="med"/>
-                    </a:lnR>
-                    <a:lnT w="12700" cap="flat" cmpd="sng" algn="ctr">
-                      <a:solidFill>
-                        <a:schemeClr val="tx1"/>
-                      </a:solidFill>
-                      <a:prstDash val="solid"/>
-                      <a:round/>
-                      <a:headEnd type="none" w="med" len="med"/>
-                      <a:tailEnd type="none" w="med" len="med"/>
-                    </a:lnT>
-                    <a:lnB w="12700" cap="flat" cmpd="sng" algn="ctr">
-                      <a:noFill/>
-                      <a:prstDash val="solid"/>
-                      <a:round/>
-                      <a:headEnd type="none" w="med" len="med"/>
-                      <a:tailEnd type="none" w="med" len="med"/>
-                    </a:lnB>
-                  </a:tcPr>
-                </a:tc>
-                <a:tc>
-                  <a:txBody>
-                    <a:bodyPr/>
-                    <a:lstStyle/>
-                    <a:p>
-                      <a:pPr algn="ctr" fontAlgn="ctr"/>
-                      <a:r>
-                        <a:rPr lang="ru-RU" sz="1400" u="none" strike="noStrike" dirty="0">
-                          <a:effectLst/>
-                        </a:rPr>
-                        <a:t>_</a:t>
-                      </a:r>
-                      <a:endParaRPr lang="ru-RU" sz="1400" b="0" i="0" u="none" strike="noStrike" dirty="0">
-                        <a:solidFill>
-                          <a:srgbClr val="000000"/>
-                        </a:solidFill>
-                        <a:effectLst/>
-                        <a:latin typeface="Times New Roman" panose="02020603050405020304" pitchFamily="18" charset="0"/>
-                      </a:endParaRPr>
-                    </a:p>
-                  </a:txBody>
-                  <a:tcPr marL="9525" marR="9525" marT="9525" marB="0" anchor="ctr">
-                    <a:lnL w="12700" cap="flat" cmpd="sng" algn="ctr">
-                      <a:solidFill>
-                        <a:schemeClr val="tx1"/>
-                      </a:solidFill>
-                      <a:prstDash val="solid"/>
-                      <a:round/>
-                      <a:headEnd type="none" w="med" len="med"/>
-                      <a:tailEnd type="none" w="med" len="med"/>
-                    </a:lnL>
-                    <a:lnR w="12700" cap="flat" cmpd="sng" algn="ctr">
-                      <a:solidFill>
-                        <a:schemeClr val="tx1"/>
-                      </a:solidFill>
-                      <a:prstDash val="solid"/>
-                      <a:round/>
-                      <a:headEnd type="none" w="med" len="med"/>
-                      <a:tailEnd type="none" w="med" len="med"/>
-                    </a:lnR>
-                    <a:lnT w="12700" cap="flat" cmpd="sng" algn="ctr">
-                      <a:solidFill>
-                        <a:schemeClr val="tx1"/>
-                      </a:solidFill>
-                      <a:prstDash val="solid"/>
-                      <a:round/>
-                      <a:headEnd type="none" w="med" len="med"/>
-                      <a:tailEnd type="none" w="med" len="med"/>
-                    </a:lnT>
-                    <a:lnB w="12700" cap="flat" cmpd="sng" algn="ctr">
-                      <a:noFill/>
-                      <a:prstDash val="solid"/>
-                      <a:round/>
-                      <a:headEnd type="none" w="med" len="med"/>
-                      <a:tailEnd type="none" w="med" len="med"/>
-                    </a:lnB>
-                  </a:tcPr>
-                </a:tc>
-                <a:tc>
-                  <a:txBody>
-                    <a:bodyPr/>
-                    <a:lstStyle/>
-                    <a:p>
-                      <a:pPr algn="ctr" fontAlgn="ctr"/>
-                      <a:r>
-                        <a:rPr lang="ru-RU" sz="1400" u="none" strike="noStrike" dirty="0">
-                          <a:effectLst/>
-                        </a:rPr>
-                        <a:t>_</a:t>
-                      </a:r>
-                      <a:endParaRPr lang="ru-RU" sz="1400" b="0" i="0" u="none" strike="noStrike" dirty="0">
-                        <a:solidFill>
-                          <a:srgbClr val="000000"/>
-                        </a:solidFill>
-                        <a:effectLst/>
-                        <a:latin typeface="Times New Roman" panose="02020603050405020304" pitchFamily="18" charset="0"/>
-                      </a:endParaRPr>
-                    </a:p>
-                  </a:txBody>
-                  <a:tcPr marL="9525" marR="9525" marT="9525" marB="0" anchor="ctr">
-                    <a:lnL w="12700" cap="flat" cmpd="sng" algn="ctr">
-                      <a:solidFill>
-                        <a:schemeClr val="tx1"/>
-                      </a:solidFill>
-                      <a:prstDash val="solid"/>
-                      <a:round/>
-                      <a:headEnd type="none" w="med" len="med"/>
-                      <a:tailEnd type="none" w="med" len="med"/>
-                    </a:lnL>
-                    <a:lnR w="28575" cap="flat" cmpd="sng" algn="ctr">
-                      <a:solidFill>
-                        <a:schemeClr val="tx1"/>
-                      </a:solidFill>
-                      <a:prstDash val="solid"/>
-                      <a:round/>
-                      <a:headEnd type="none" w="med" len="med"/>
-                      <a:tailEnd type="none" w="med" len="med"/>
-                    </a:lnR>
-                    <a:lnT w="12700" cap="flat" cmpd="sng" algn="ctr">
-                      <a:solidFill>
-                        <a:schemeClr val="tx1"/>
-                      </a:solidFill>
-                      <a:prstDash val="solid"/>
-                      <a:round/>
-                      <a:headEnd type="none" w="med" len="med"/>
-                      <a:tailEnd type="none" w="med" len="med"/>
-                    </a:lnT>
-                    <a:lnB w="12700" cap="flat" cmpd="sng" algn="ctr">
-                      <a:noFill/>
-                      <a:prstDash val="solid"/>
-                      <a:round/>
-                      <a:headEnd type="none" w="med" len="med"/>
-                      <a:tailEnd type="none" w="med" len="med"/>
-                    </a:lnB>
-                  </a:tcPr>
-                </a:tc>
-                <a:extLst>
-                  <a:ext uri="{0D108BD9-81ED-4DB2-BD59-A6C34878D82A}">
-                    <a16:rowId xmlns:a16="http://schemas.microsoft.com/office/drawing/2014/main" val="1482842786"/>
-                  </a:ext>
-                </a:extLst>
-              </a:tr>
-              <a:tr h="409575">
-                <a:tc vMerge="1">
-                  <a:txBody>
-                    <a:bodyPr/>
-                    <a:lstStyle/>
-                    <a:p>
-                      <a:endParaRPr lang="ru-RU"/>
-                    </a:p>
-                  </a:txBody>
-                  <a:tcPr/>
-                </a:tc>
-                <a:tc>
-                  <a:txBody>
-                    <a:bodyPr/>
-                    <a:lstStyle/>
-                    <a:p>
-                      <a:pPr algn="ctr" fontAlgn="ctr"/>
-                      <a:r>
-                        <a:rPr lang="ru-RU" sz="1400" u="none" strike="noStrike" dirty="0">
-                          <a:effectLst/>
-                        </a:rPr>
-                        <a:t>15            3</a:t>
-                      </a:r>
-                      <a:endParaRPr lang="ru-RU" sz="1400" b="0" i="0" u="none" strike="noStrike" dirty="0">
-                        <a:solidFill>
-                          <a:srgbClr val="000000"/>
-                        </a:solidFill>
-                        <a:effectLst/>
-                        <a:latin typeface="Times New Roman" panose="02020603050405020304" pitchFamily="18" charset="0"/>
-                      </a:endParaRPr>
-                    </a:p>
-                  </a:txBody>
-                  <a:tcPr marL="9525" marR="9525" marT="9525" marB="0" anchor="ctr">
-                    <a:lnL w="19050" cap="flat" cmpd="sng" algn="ctr">
-                      <a:solidFill>
-                        <a:schemeClr val="tx1"/>
-                      </a:solidFill>
-                      <a:prstDash val="solid"/>
-                      <a:round/>
-                      <a:headEnd type="none" w="med" len="med"/>
-                      <a:tailEnd type="none" w="med" len="med"/>
-                    </a:lnL>
-                    <a:lnR w="12700" cap="flat" cmpd="sng" algn="ctr">
-                      <a:solidFill>
-                        <a:schemeClr val="tx1"/>
-                      </a:solidFill>
-                      <a:prstDash val="solid"/>
-                      <a:round/>
-                      <a:headEnd type="none" w="med" len="med"/>
-                      <a:tailEnd type="none" w="med" len="med"/>
-                    </a:lnR>
-                    <a:lnT w="12700" cap="flat" cmpd="sng" algn="ctr">
-                      <a:noFill/>
-                      <a:prstDash val="solid"/>
-                      <a:round/>
-                      <a:headEnd type="none" w="med" len="med"/>
-                      <a:tailEnd type="none" w="med" len="med"/>
-                    </a:lnT>
-                  </a:tcPr>
-                </a:tc>
-                <a:tc>
-                  <a:txBody>
-                    <a:bodyPr/>
-                    <a:lstStyle/>
-                    <a:p>
-                      <a:pPr algn="ctr" fontAlgn="ctr"/>
-                      <a:r>
-                        <a:rPr lang="en-US" sz="1400" u="none" strike="noStrike" dirty="0">
-                          <a:effectLst/>
-                        </a:rPr>
-                        <a:t>4.7 sec</a:t>
-                      </a:r>
-                      <a:endParaRPr lang="en-US" sz="1400" b="0" i="0" u="none" strike="noStrike" dirty="0">
-                        <a:solidFill>
-                          <a:srgbClr val="000000"/>
-                        </a:solidFill>
-                        <a:effectLst/>
-                        <a:latin typeface="Times New Roman" panose="02020603050405020304" pitchFamily="18" charset="0"/>
-                      </a:endParaRPr>
-                    </a:p>
-                  </a:txBody>
-                  <a:tcPr marL="9525" marR="9525" marT="9525" marB="0" anchor="ctr">
-                    <a:lnL w="12700" cap="flat" cmpd="sng" algn="ctr">
-                      <a:solidFill>
-                        <a:schemeClr val="tx1"/>
-                      </a:solidFill>
-                      <a:prstDash val="solid"/>
-                      <a:round/>
-                      <a:headEnd type="none" w="med" len="med"/>
-                      <a:tailEnd type="none" w="med" len="med"/>
-                    </a:lnL>
-                    <a:lnR w="12700" cap="flat" cmpd="sng" algn="ctr">
-                      <a:solidFill>
-                        <a:schemeClr val="tx1"/>
-                      </a:solidFill>
-                      <a:prstDash val="solid"/>
-                      <a:round/>
-                      <a:headEnd type="none" w="med" len="med"/>
-                      <a:tailEnd type="none" w="med" len="med"/>
-                    </a:lnR>
-                    <a:lnT w="12700" cap="flat" cmpd="sng" algn="ctr">
-                      <a:noFill/>
-                      <a:prstDash val="solid"/>
-                      <a:round/>
-                      <a:headEnd type="none" w="med" len="med"/>
-                      <a:tailEnd type="none" w="med" len="med"/>
-                    </a:lnT>
-                  </a:tcPr>
-                </a:tc>
-                <a:tc>
-                  <a:txBody>
-                    <a:bodyPr/>
-                    <a:lstStyle/>
-                    <a:p>
-                      <a:pPr algn="ctr" fontAlgn="ctr"/>
-                      <a:r>
-                        <a:rPr lang="en-US" sz="1400" u="none" strike="noStrike" dirty="0">
-                          <a:effectLst/>
-                        </a:rPr>
-                        <a:t>0.097 sec</a:t>
-                      </a:r>
-                      <a:endParaRPr lang="en-US" sz="1400" b="0" i="0" u="none" strike="noStrike" dirty="0">
-                        <a:solidFill>
-                          <a:srgbClr val="000000"/>
-                        </a:solidFill>
-                        <a:effectLst/>
-                        <a:latin typeface="Times New Roman" panose="02020603050405020304" pitchFamily="18" charset="0"/>
-                      </a:endParaRPr>
-                    </a:p>
-                  </a:txBody>
-                  <a:tcPr marL="9525" marR="9525" marT="9525" marB="0" anchor="ctr">
-                    <a:lnL w="12700" cap="flat" cmpd="sng" algn="ctr">
-                      <a:solidFill>
-                        <a:schemeClr val="tx1"/>
-                      </a:solidFill>
-                      <a:prstDash val="solid"/>
-                      <a:round/>
-                      <a:headEnd type="none" w="med" len="med"/>
-                      <a:tailEnd type="none" w="med" len="med"/>
-                    </a:lnL>
-                    <a:lnR w="12700" cap="flat" cmpd="sng" algn="ctr">
-                      <a:solidFill>
-                        <a:schemeClr val="tx1"/>
-                      </a:solidFill>
-                      <a:prstDash val="solid"/>
-                      <a:round/>
-                      <a:headEnd type="none" w="med" len="med"/>
-                      <a:tailEnd type="none" w="med" len="med"/>
-                    </a:lnR>
-                    <a:lnT w="12700" cap="flat" cmpd="sng" algn="ctr">
-                      <a:noFill/>
-                      <a:prstDash val="solid"/>
-                      <a:round/>
-                      <a:headEnd type="none" w="med" len="med"/>
-                      <a:tailEnd type="none" w="med" len="med"/>
-                    </a:lnT>
-                  </a:tcPr>
-                </a:tc>
-                <a:tc>
-                  <a:txBody>
-                    <a:bodyPr/>
-                    <a:lstStyle/>
-                    <a:p>
-                      <a:pPr algn="ctr" fontAlgn="ctr"/>
-                      <a:r>
-                        <a:rPr lang="en-US" sz="1400" u="none" strike="noStrike" dirty="0">
-                          <a:effectLst/>
-                        </a:rPr>
-                        <a:t>1.827 sec</a:t>
-                      </a:r>
-                      <a:endParaRPr lang="en-US" sz="1400" b="0" i="0" u="none" strike="noStrike" dirty="0">
-                        <a:solidFill>
-                          <a:srgbClr val="000000"/>
-                        </a:solidFill>
-                        <a:effectLst/>
-                        <a:latin typeface="Times New Roman" panose="02020603050405020304" pitchFamily="18" charset="0"/>
-                      </a:endParaRPr>
-                    </a:p>
-                  </a:txBody>
-                  <a:tcPr marL="9525" marR="9525" marT="9525" marB="0" anchor="ctr">
-                    <a:lnL w="12700" cap="flat" cmpd="sng" algn="ctr">
-                      <a:solidFill>
-                        <a:schemeClr val="tx1"/>
-                      </a:solidFill>
-                      <a:prstDash val="solid"/>
-                      <a:round/>
-                      <a:headEnd type="none" w="med" len="med"/>
-                      <a:tailEnd type="none" w="med" len="med"/>
-                    </a:lnL>
-                    <a:lnR w="19050" cap="flat" cmpd="sng" algn="ctr">
-                      <a:solidFill>
-                        <a:schemeClr val="tx1"/>
-                      </a:solidFill>
-                      <a:prstDash val="solid"/>
-                      <a:round/>
-                      <a:headEnd type="none" w="med" len="med"/>
-                      <a:tailEnd type="none" w="med" len="med"/>
-                    </a:lnR>
-                    <a:lnT w="12700" cap="flat" cmpd="sng" algn="ctr">
-                      <a:noFill/>
-                      <a:prstDash val="solid"/>
-                      <a:round/>
-                      <a:headEnd type="none" w="med" len="med"/>
-                      <a:tailEnd type="none" w="med" len="med"/>
-                    </a:lnT>
-                  </a:tcPr>
-                </a:tc>
-                <a:tc>
-                  <a:txBody>
-                    <a:bodyPr/>
-                    <a:lstStyle/>
-                    <a:p>
-                      <a:pPr algn="ctr" fontAlgn="ctr"/>
-                      <a:r>
-                        <a:rPr lang="en-US" sz="1400" u="none" strike="noStrike" dirty="0">
-                          <a:effectLst/>
-                        </a:rPr>
-                        <a:t>0.002969 sec</a:t>
-                      </a:r>
-                      <a:endParaRPr lang="en-US" sz="1400" b="0" i="0" u="none" strike="noStrike" dirty="0">
-                        <a:solidFill>
-                          <a:srgbClr val="000000"/>
-                        </a:solidFill>
-                        <a:effectLst/>
-                        <a:latin typeface="Times New Roman" panose="02020603050405020304" pitchFamily="18" charset="0"/>
-                      </a:endParaRPr>
-                    </a:p>
-                  </a:txBody>
-                  <a:tcPr marL="9525" marR="9525" marT="9525" marB="0" anchor="ctr">
-                    <a:lnL w="19050" cap="flat" cmpd="sng" algn="ctr">
-                      <a:solidFill>
-                        <a:schemeClr val="tx1"/>
-                      </a:solidFill>
-                      <a:prstDash val="solid"/>
-                      <a:round/>
-                      <a:headEnd type="none" w="med" len="med"/>
-                      <a:tailEnd type="none" w="med" len="med"/>
-                    </a:lnL>
-                    <a:lnR w="12700" cap="flat" cmpd="sng" algn="ctr">
-                      <a:solidFill>
-                        <a:schemeClr val="tx1"/>
-                      </a:solidFill>
-                      <a:prstDash val="solid"/>
-                      <a:round/>
-                      <a:headEnd type="none" w="med" len="med"/>
-                      <a:tailEnd type="none" w="med" len="med"/>
-                    </a:lnR>
-                    <a:lnT w="12700" cap="flat" cmpd="sng" algn="ctr">
-                      <a:noFill/>
-                      <a:prstDash val="solid"/>
-                      <a:round/>
-                      <a:headEnd type="none" w="med" len="med"/>
-                      <a:tailEnd type="none" w="med" len="med"/>
-                    </a:lnT>
-                    <a:lnB w="12700" cap="flat" cmpd="sng" algn="ctr">
-                      <a:noFill/>
-                      <a:prstDash val="solid"/>
-                      <a:round/>
-                      <a:headEnd type="none" w="med" len="med"/>
-                      <a:tailEnd type="none" w="med" len="med"/>
-                    </a:lnB>
-                  </a:tcPr>
-                </a:tc>
-                <a:tc>
-                  <a:txBody>
-                    <a:bodyPr/>
-                    <a:lstStyle/>
-                    <a:p>
-                      <a:pPr algn="ctr" fontAlgn="ctr"/>
-                      <a:r>
-                        <a:rPr lang="ru-RU" sz="1400" u="none" strike="noStrike" dirty="0">
-                          <a:effectLst/>
-                        </a:rPr>
-                        <a:t>_</a:t>
-                      </a:r>
-                      <a:endParaRPr lang="ru-RU" sz="1400" b="0" i="0" u="none" strike="noStrike" dirty="0">
-                        <a:solidFill>
-                          <a:srgbClr val="000000"/>
-                        </a:solidFill>
-                        <a:effectLst/>
-                        <a:latin typeface="Times New Roman" panose="02020603050405020304" pitchFamily="18" charset="0"/>
-                      </a:endParaRPr>
-                    </a:p>
-                  </a:txBody>
-                  <a:tcPr marL="9525" marR="9525" marT="9525" marB="0" anchor="ctr">
-                    <a:lnL w="12700" cap="flat" cmpd="sng" algn="ctr">
-                      <a:solidFill>
-                        <a:schemeClr val="tx1"/>
-                      </a:solidFill>
-                      <a:prstDash val="solid"/>
-                      <a:round/>
-                      <a:headEnd type="none" w="med" len="med"/>
-                      <a:tailEnd type="none" w="med" len="med"/>
-                    </a:lnL>
-                    <a:lnR w="12700" cap="flat" cmpd="sng" algn="ctr">
-                      <a:solidFill>
-                        <a:schemeClr val="tx1"/>
-                      </a:solidFill>
-                      <a:prstDash val="solid"/>
-                      <a:round/>
-                      <a:headEnd type="none" w="med" len="med"/>
-                      <a:tailEnd type="none" w="med" len="med"/>
-                    </a:lnR>
-                    <a:lnT w="12700" cap="flat" cmpd="sng" algn="ctr">
-                      <a:noFill/>
-                      <a:prstDash val="solid"/>
-                      <a:round/>
-                      <a:headEnd type="none" w="med" len="med"/>
-                      <a:tailEnd type="none" w="med" len="med"/>
-                    </a:lnT>
-                  </a:tcPr>
-                </a:tc>
-                <a:tc>
-                  <a:txBody>
-                    <a:bodyPr/>
-                    <a:lstStyle/>
-                    <a:p>
-                      <a:pPr algn="ctr" fontAlgn="ctr"/>
-                      <a:r>
-                        <a:rPr lang="ru-RU" sz="1400" u="none" strike="noStrike" dirty="0">
-                          <a:effectLst/>
-                        </a:rPr>
-                        <a:t>_</a:t>
-                      </a:r>
-                      <a:endParaRPr lang="ru-RU" sz="1400" b="0" i="0" u="none" strike="noStrike" dirty="0">
-                        <a:solidFill>
-                          <a:srgbClr val="000000"/>
-                        </a:solidFill>
-                        <a:effectLst/>
-                        <a:latin typeface="Times New Roman" panose="02020603050405020304" pitchFamily="18" charset="0"/>
-                      </a:endParaRPr>
-                    </a:p>
-                  </a:txBody>
-                  <a:tcPr marL="9525" marR="9525" marT="9525" marB="0" anchor="ctr">
-                    <a:lnL w="12700" cap="flat" cmpd="sng" algn="ctr">
-                      <a:solidFill>
-                        <a:schemeClr val="tx1"/>
-                      </a:solidFill>
-                      <a:prstDash val="solid"/>
-                      <a:round/>
-                      <a:headEnd type="none" w="med" len="med"/>
-                      <a:tailEnd type="none" w="med" len="med"/>
-                    </a:lnL>
-                    <a:lnR w="12700" cap="flat" cmpd="sng" algn="ctr">
-                      <a:solidFill>
-                        <a:schemeClr val="tx1"/>
-                      </a:solidFill>
-                      <a:prstDash val="solid"/>
-                      <a:round/>
-                      <a:headEnd type="none" w="med" len="med"/>
-                      <a:tailEnd type="none" w="med" len="med"/>
-                    </a:lnR>
-                    <a:lnT w="12700" cap="flat" cmpd="sng" algn="ctr">
-                      <a:noFill/>
-                      <a:prstDash val="solid"/>
-                      <a:round/>
-                      <a:headEnd type="none" w="med" len="med"/>
-                      <a:tailEnd type="none" w="med" len="med"/>
-                    </a:lnT>
-                  </a:tcPr>
-                </a:tc>
-                <a:tc>
-                  <a:txBody>
-                    <a:bodyPr/>
-                    <a:lstStyle/>
-                    <a:p>
-                      <a:pPr algn="ctr" fontAlgn="ctr"/>
-                      <a:r>
-                        <a:rPr lang="ru-RU" sz="1400" u="none" strike="noStrike" dirty="0">
-                          <a:effectLst/>
-                        </a:rPr>
-                        <a:t>_</a:t>
-                      </a:r>
-                      <a:endParaRPr lang="ru-RU" sz="1400" b="0" i="0" u="none" strike="noStrike" dirty="0">
-                        <a:solidFill>
-                          <a:srgbClr val="000000"/>
-                        </a:solidFill>
-                        <a:effectLst/>
-                        <a:latin typeface="Times New Roman" panose="02020603050405020304" pitchFamily="18" charset="0"/>
-                      </a:endParaRPr>
-                    </a:p>
-                  </a:txBody>
-                  <a:tcPr marL="9525" marR="9525" marT="9525" marB="0" anchor="ctr">
-                    <a:lnL w="12700" cap="flat" cmpd="sng" algn="ctr">
-                      <a:solidFill>
-                        <a:schemeClr val="tx1"/>
-                      </a:solidFill>
-                      <a:prstDash val="solid"/>
-                      <a:round/>
-                      <a:headEnd type="none" w="med" len="med"/>
-                      <a:tailEnd type="none" w="med" len="med"/>
-                    </a:lnL>
-                    <a:lnR w="28575" cap="flat" cmpd="sng" algn="ctr">
-                      <a:solidFill>
-                        <a:schemeClr val="tx1"/>
-                      </a:solidFill>
-                      <a:prstDash val="solid"/>
-                      <a:round/>
-                      <a:headEnd type="none" w="med" len="med"/>
-                      <a:tailEnd type="none" w="med" len="med"/>
-                    </a:lnR>
-                    <a:lnT w="12700" cap="flat" cmpd="sng" algn="ctr">
-                      <a:noFill/>
-                      <a:prstDash val="solid"/>
-                      <a:round/>
-                      <a:headEnd type="none" w="med" len="med"/>
-                      <a:tailEnd type="none" w="med" len="med"/>
-                    </a:lnT>
-                  </a:tcPr>
-                </a:tc>
-                <a:extLst>
-                  <a:ext uri="{0D108BD9-81ED-4DB2-BD59-A6C34878D82A}">
-                    <a16:rowId xmlns:a16="http://schemas.microsoft.com/office/drawing/2014/main" val="4239839435"/>
-                  </a:ext>
-                </a:extLst>
-              </a:tr>
-              <a:tr h="323850">
-                <a:tc vMerge="1">
-                  <a:txBody>
-                    <a:bodyPr/>
-                    <a:lstStyle/>
-                    <a:p>
-                      <a:endParaRPr lang="ru-RU"/>
-                    </a:p>
-                  </a:txBody>
-                  <a:tcPr/>
-                </a:tc>
-                <a:tc>
-                  <a:txBody>
-                    <a:bodyPr/>
-                    <a:lstStyle/>
-                    <a:p>
-                      <a:pPr algn="ctr" fontAlgn="ctr"/>
-                      <a:r>
-                        <a:rPr lang="ru-RU" sz="1400" u="none" strike="noStrike" dirty="0">
-                          <a:effectLst/>
-                        </a:rPr>
-                        <a:t>50            6</a:t>
-                      </a:r>
-                      <a:endParaRPr lang="ru-RU" sz="1400" b="0" i="0" u="none" strike="noStrike" dirty="0">
-                        <a:solidFill>
-                          <a:srgbClr val="000000"/>
-                        </a:solidFill>
-                        <a:effectLst/>
-                        <a:latin typeface="Times New Roman" panose="02020603050405020304" pitchFamily="18" charset="0"/>
-                      </a:endParaRPr>
-                    </a:p>
-                  </a:txBody>
-                  <a:tcPr marL="9525" marR="9525" marT="9525" marB="0" anchor="ctr">
-                    <a:lnL w="19050" cap="flat" cmpd="sng" algn="ctr">
-                      <a:solidFill>
-                        <a:schemeClr val="tx1"/>
-                      </a:solidFill>
-                      <a:prstDash val="solid"/>
-                      <a:round/>
-                      <a:headEnd type="none" w="med" len="med"/>
-                      <a:tailEnd type="none" w="med" len="med"/>
-                    </a:lnL>
-                    <a:lnR w="12700" cap="flat" cmpd="sng" algn="ctr">
-                      <a:solidFill>
-                        <a:schemeClr val="tx1"/>
-                      </a:solidFill>
-                      <a:prstDash val="solid"/>
-                      <a:round/>
-                      <a:headEnd type="none" w="med" len="med"/>
-                      <a:tailEnd type="none" w="med" len="med"/>
-                    </a:lnR>
-                  </a:tcPr>
-                </a:tc>
-                <a:tc>
-                  <a:txBody>
-                    <a:bodyPr/>
-                    <a:lstStyle/>
-                    <a:p>
-                      <a:pPr algn="ctr" fontAlgn="ctr"/>
-                      <a:r>
-                        <a:rPr lang="ru-RU" sz="1400" u="none" strike="noStrike" dirty="0">
-                          <a:effectLst/>
-                        </a:rPr>
-                        <a:t>_</a:t>
-                      </a:r>
-                      <a:endParaRPr lang="ru-RU" sz="1400" b="0" i="0" u="none" strike="noStrike" dirty="0">
-                        <a:solidFill>
-                          <a:srgbClr val="000000"/>
-                        </a:solidFill>
-                        <a:effectLst/>
-                        <a:latin typeface="Times New Roman" panose="02020603050405020304" pitchFamily="18" charset="0"/>
-                      </a:endParaRPr>
-                    </a:p>
-                  </a:txBody>
-                  <a:tcPr marL="9525" marR="9525" marT="9525" marB="0" anchor="ctr">
-                    <a:lnL w="12700" cap="flat" cmpd="sng" algn="ctr">
-                      <a:solidFill>
-                        <a:schemeClr val="tx1"/>
-                      </a:solidFill>
-                      <a:prstDash val="solid"/>
-                      <a:round/>
-                      <a:headEnd type="none" w="med" len="med"/>
-                      <a:tailEnd type="none" w="med" len="med"/>
-                    </a:lnL>
-                    <a:lnR w="12700" cap="flat" cmpd="sng" algn="ctr">
-                      <a:solidFill>
-                        <a:schemeClr val="tx1"/>
-                      </a:solidFill>
-                      <a:prstDash val="solid"/>
-                      <a:round/>
-                      <a:headEnd type="none" w="med" len="med"/>
-                      <a:tailEnd type="none" w="med" len="med"/>
-                    </a:lnR>
-                  </a:tcPr>
-                </a:tc>
-                <a:tc>
-                  <a:txBody>
-                    <a:bodyPr/>
-                    <a:lstStyle/>
-                    <a:p>
-                      <a:pPr algn="ctr" fontAlgn="ctr"/>
-                      <a:r>
-                        <a:rPr lang="ru-RU" sz="1400" u="none" strike="noStrike" dirty="0">
-                          <a:effectLst/>
-                        </a:rPr>
-                        <a:t>_</a:t>
-                      </a:r>
-                      <a:endParaRPr lang="ru-RU" sz="1400" b="0" i="0" u="none" strike="noStrike" dirty="0">
-                        <a:solidFill>
-                          <a:srgbClr val="000000"/>
-                        </a:solidFill>
-                        <a:effectLst/>
-                        <a:latin typeface="Times New Roman" panose="02020603050405020304" pitchFamily="18" charset="0"/>
-                      </a:endParaRPr>
-                    </a:p>
-                  </a:txBody>
-                  <a:tcPr marL="9525" marR="9525" marT="9525" marB="0" anchor="ctr">
-                    <a:lnL w="12700" cap="flat" cmpd="sng" algn="ctr">
-                      <a:solidFill>
-                        <a:schemeClr val="tx1"/>
-                      </a:solidFill>
-                      <a:prstDash val="solid"/>
-                      <a:round/>
-                      <a:headEnd type="none" w="med" len="med"/>
-                      <a:tailEnd type="none" w="med" len="med"/>
-                    </a:lnL>
-                    <a:lnR w="12700" cap="flat" cmpd="sng" algn="ctr">
-                      <a:solidFill>
-                        <a:schemeClr val="tx1"/>
-                      </a:solidFill>
-                      <a:prstDash val="solid"/>
-                      <a:round/>
-                      <a:headEnd type="none" w="med" len="med"/>
-                      <a:tailEnd type="none" w="med" len="med"/>
-                    </a:lnR>
-                  </a:tcPr>
-                </a:tc>
-                <a:tc>
-                  <a:txBody>
-                    <a:bodyPr/>
-                    <a:lstStyle/>
-                    <a:p>
-                      <a:pPr algn="ctr" fontAlgn="ctr"/>
-                      <a:r>
-                        <a:rPr lang="ru-RU" sz="1400" u="none" strike="noStrike" dirty="0">
-                          <a:effectLst/>
-                        </a:rPr>
-                        <a:t>_</a:t>
-                      </a:r>
-                      <a:endParaRPr lang="ru-RU" sz="1400" b="0" i="0" u="none" strike="noStrike" dirty="0">
-                        <a:solidFill>
-                          <a:srgbClr val="000000"/>
-                        </a:solidFill>
-                        <a:effectLst/>
-                        <a:latin typeface="Times New Roman" panose="02020603050405020304" pitchFamily="18" charset="0"/>
-                      </a:endParaRPr>
-                    </a:p>
-                  </a:txBody>
-                  <a:tcPr marL="9525" marR="9525" marT="9525" marB="0" anchor="ctr">
-                    <a:lnL w="12700" cap="flat" cmpd="sng" algn="ctr">
-                      <a:solidFill>
-                        <a:schemeClr val="tx1"/>
-                      </a:solidFill>
-                      <a:prstDash val="solid"/>
-                      <a:round/>
-                      <a:headEnd type="none" w="med" len="med"/>
-                      <a:tailEnd type="none" w="med" len="med"/>
-                    </a:lnL>
-                    <a:lnR w="19050" cap="flat" cmpd="sng" algn="ctr">
-                      <a:solidFill>
-                        <a:schemeClr val="tx1"/>
-                      </a:solidFill>
-                      <a:prstDash val="solid"/>
-                      <a:round/>
-                      <a:headEnd type="none" w="med" len="med"/>
-                      <a:tailEnd type="none" w="med" len="med"/>
-                    </a:lnR>
-                  </a:tcPr>
-                </a:tc>
-                <a:tc>
-                  <a:txBody>
-                    <a:bodyPr/>
-                    <a:lstStyle/>
-                    <a:p>
-                      <a:pPr algn="ctr" fontAlgn="ctr"/>
-                      <a:r>
-                        <a:rPr lang="ru-RU" sz="1400" u="none" strike="noStrike" dirty="0">
-                          <a:effectLst/>
-                        </a:rPr>
-                        <a:t>_</a:t>
-                      </a:r>
-                      <a:endParaRPr lang="ru-RU" sz="1400" b="0" i="0" u="none" strike="noStrike" dirty="0">
-                        <a:solidFill>
-                          <a:srgbClr val="000000"/>
-                        </a:solidFill>
-                        <a:effectLst/>
-                        <a:latin typeface="Times New Roman" panose="02020603050405020304" pitchFamily="18" charset="0"/>
-                      </a:endParaRPr>
-                    </a:p>
-                  </a:txBody>
-                  <a:tcPr marL="9525" marR="9525" marT="9525" marB="0" anchor="ctr">
-                    <a:lnL w="19050" cap="flat" cmpd="sng" algn="ctr">
-                      <a:solidFill>
-                        <a:schemeClr val="tx1"/>
-                      </a:solidFill>
-                      <a:prstDash val="solid"/>
-                      <a:round/>
-                      <a:headEnd type="none" w="med" len="med"/>
-                      <a:tailEnd type="none" w="med" len="med"/>
-                    </a:lnL>
-                    <a:lnR w="12700" cap="flat" cmpd="sng" algn="ctr">
-                      <a:solidFill>
-                        <a:schemeClr val="tx1"/>
-                      </a:solidFill>
-                      <a:prstDash val="solid"/>
-                      <a:round/>
-                      <a:headEnd type="none" w="med" len="med"/>
-                      <a:tailEnd type="none" w="med" len="med"/>
-                    </a:lnR>
-                    <a:lnT w="12700" cap="flat" cmpd="sng" algn="ctr">
-                      <a:noFill/>
-                      <a:prstDash val="solid"/>
-                      <a:round/>
-                      <a:headEnd type="none" w="med" len="med"/>
-                      <a:tailEnd type="none" w="med" len="med"/>
-                    </a:lnT>
-                    <a:lnB w="12700" cap="flat" cmpd="sng" algn="ctr">
-                      <a:noFill/>
-                      <a:prstDash val="solid"/>
-                      <a:round/>
-                      <a:headEnd type="none" w="med" len="med"/>
-                      <a:tailEnd type="none" w="med" len="med"/>
-                    </a:lnB>
-                  </a:tcPr>
-                </a:tc>
-                <a:tc>
-                  <a:txBody>
-                    <a:bodyPr/>
-                    <a:lstStyle/>
-                    <a:p>
-                      <a:pPr algn="ctr" fontAlgn="ctr"/>
-                      <a:r>
-                        <a:rPr lang="ru-RU" sz="1400" u="none" strike="noStrike" dirty="0">
-                          <a:effectLst/>
-                        </a:rPr>
-                        <a:t>_</a:t>
-                      </a:r>
-                      <a:endParaRPr lang="ru-RU" sz="1400" b="0" i="0" u="none" strike="noStrike" dirty="0">
-                        <a:solidFill>
-                          <a:srgbClr val="000000"/>
-                        </a:solidFill>
-                        <a:effectLst/>
-                        <a:latin typeface="Times New Roman" panose="02020603050405020304" pitchFamily="18" charset="0"/>
-                      </a:endParaRPr>
-                    </a:p>
-                  </a:txBody>
-                  <a:tcPr marL="9525" marR="9525" marT="9525" marB="0" anchor="ctr">
-                    <a:lnL w="12700" cap="flat" cmpd="sng" algn="ctr">
-                      <a:solidFill>
-                        <a:schemeClr val="tx1"/>
-                      </a:solidFill>
-                      <a:prstDash val="solid"/>
-                      <a:round/>
-                      <a:headEnd type="none" w="med" len="med"/>
-                      <a:tailEnd type="none" w="med" len="med"/>
-                    </a:lnL>
-                    <a:lnR w="12700" cap="flat" cmpd="sng" algn="ctr">
-                      <a:solidFill>
-                        <a:schemeClr val="tx1"/>
-                      </a:solidFill>
-                      <a:prstDash val="solid"/>
-                      <a:round/>
-                      <a:headEnd type="none" w="med" len="med"/>
-                      <a:tailEnd type="none" w="med" len="med"/>
-                    </a:lnR>
-                  </a:tcPr>
-                </a:tc>
-                <a:tc>
-                  <a:txBody>
-                    <a:bodyPr/>
-                    <a:lstStyle/>
-                    <a:p>
-                      <a:pPr algn="ctr" fontAlgn="ctr"/>
-                      <a:r>
-                        <a:rPr lang="ru-RU" sz="1400" u="none" strike="noStrike" dirty="0">
-                          <a:effectLst/>
-                        </a:rPr>
-                        <a:t>_</a:t>
-                      </a:r>
-                      <a:endParaRPr lang="ru-RU" sz="1400" b="0" i="0" u="none" strike="noStrike" dirty="0">
-                        <a:solidFill>
-                          <a:srgbClr val="000000"/>
-                        </a:solidFill>
-                        <a:effectLst/>
-                        <a:latin typeface="Times New Roman" panose="02020603050405020304" pitchFamily="18" charset="0"/>
-                      </a:endParaRPr>
-                    </a:p>
-                  </a:txBody>
-                  <a:tcPr marL="9525" marR="9525" marT="9525" marB="0" anchor="ctr">
-                    <a:lnL w="12700" cap="flat" cmpd="sng" algn="ctr">
-                      <a:solidFill>
-                        <a:schemeClr val="tx1"/>
-                      </a:solidFill>
-                      <a:prstDash val="solid"/>
-                      <a:round/>
-                      <a:headEnd type="none" w="med" len="med"/>
-                      <a:tailEnd type="none" w="med" len="med"/>
-                    </a:lnL>
-                    <a:lnR w="12700" cap="flat" cmpd="sng" algn="ctr">
-                      <a:solidFill>
-                        <a:schemeClr val="tx1"/>
-                      </a:solidFill>
-                      <a:prstDash val="solid"/>
-                      <a:round/>
-                      <a:headEnd type="none" w="med" len="med"/>
-                      <a:tailEnd type="none" w="med" len="med"/>
-                    </a:lnR>
-                  </a:tcPr>
-                </a:tc>
-                <a:tc>
-                  <a:txBody>
-                    <a:bodyPr/>
-                    <a:lstStyle/>
-                    <a:p>
-                      <a:pPr algn="ctr" fontAlgn="ctr"/>
-                      <a:r>
-                        <a:rPr lang="ru-RU" sz="1400" u="none" strike="noStrike" dirty="0">
-                          <a:effectLst/>
-                        </a:rPr>
-                        <a:t>_</a:t>
-                      </a:r>
-                      <a:endParaRPr lang="ru-RU" sz="1400" b="0" i="0" u="none" strike="noStrike" dirty="0">
-                        <a:solidFill>
-                          <a:srgbClr val="000000"/>
-                        </a:solidFill>
-                        <a:effectLst/>
-                        <a:latin typeface="Times New Roman" panose="02020603050405020304" pitchFamily="18" charset="0"/>
-                      </a:endParaRPr>
-                    </a:p>
-                  </a:txBody>
-                  <a:tcPr marL="9525" marR="9525" marT="9525" marB="0" anchor="ctr">
-                    <a:lnL w="12700" cap="flat" cmpd="sng" algn="ctr">
-                      <a:solidFill>
-                        <a:schemeClr val="tx1"/>
-                      </a:solidFill>
-                      <a:prstDash val="solid"/>
-                      <a:round/>
-                      <a:headEnd type="none" w="med" len="med"/>
-                      <a:tailEnd type="none" w="med" len="med"/>
-                    </a:lnL>
-                    <a:lnR w="28575" cap="flat" cmpd="sng" algn="ctr">
-                      <a:solidFill>
-                        <a:schemeClr val="tx1"/>
-                      </a:solidFill>
-                      <a:prstDash val="solid"/>
-                      <a:round/>
-                      <a:headEnd type="none" w="med" len="med"/>
-                      <a:tailEnd type="none" w="med" len="med"/>
-                    </a:lnR>
-                  </a:tcPr>
-                </a:tc>
-                <a:extLst>
-                  <a:ext uri="{0D108BD9-81ED-4DB2-BD59-A6C34878D82A}">
-                    <a16:rowId xmlns:a16="http://schemas.microsoft.com/office/drawing/2014/main" val="1629353409"/>
-                  </a:ext>
-                </a:extLst>
-              </a:tr>
-              <a:tr h="361950">
-                <a:tc vMerge="1">
-                  <a:txBody>
-                    <a:bodyPr/>
-                    <a:lstStyle/>
-                    <a:p>
-                      <a:endParaRPr lang="ru-RU"/>
-                    </a:p>
-                  </a:txBody>
-                  <a:tcPr/>
-                </a:tc>
-                <a:tc>
-                  <a:txBody>
-                    <a:bodyPr/>
-                    <a:lstStyle/>
-                    <a:p>
-                      <a:pPr algn="ctr" fontAlgn="ctr"/>
-                      <a:r>
-                        <a:rPr lang="ru-RU" sz="1400" u="none" strike="noStrike" dirty="0">
-                          <a:effectLst/>
-                        </a:rPr>
-                        <a:t>150        12</a:t>
-                      </a:r>
-                      <a:endParaRPr lang="ru-RU" sz="1400" b="0" i="0" u="none" strike="noStrike" dirty="0">
-                        <a:solidFill>
-                          <a:srgbClr val="000000"/>
-                        </a:solidFill>
-                        <a:effectLst/>
-                        <a:latin typeface="Times New Roman" panose="02020603050405020304" pitchFamily="18" charset="0"/>
-                      </a:endParaRPr>
-                    </a:p>
-                  </a:txBody>
-                  <a:tcPr marL="9525" marR="9525" marT="9525" marB="0" anchor="ctr">
-                    <a:lnL w="19050" cap="flat" cmpd="sng" algn="ctr">
-                      <a:solidFill>
-                        <a:schemeClr val="tx1"/>
-                      </a:solidFill>
-                      <a:prstDash val="solid"/>
-                      <a:round/>
-                      <a:headEnd type="none" w="med" len="med"/>
-                      <a:tailEnd type="none" w="med" len="med"/>
-                    </a:lnL>
-                    <a:lnR w="12700" cap="flat" cmpd="sng" algn="ctr">
-                      <a:solidFill>
-                        <a:schemeClr val="tx1"/>
-                      </a:solidFill>
-                      <a:prstDash val="solid"/>
-                      <a:round/>
-                      <a:headEnd type="none" w="med" len="med"/>
-                      <a:tailEnd type="none" w="med" len="med"/>
-                    </a:lnR>
-                    <a:lnB w="28575" cap="flat" cmpd="sng" algn="ctr">
-                      <a:solidFill>
-                        <a:schemeClr val="tx1"/>
-                      </a:solidFill>
-                      <a:prstDash val="solid"/>
-                      <a:round/>
-                      <a:headEnd type="none" w="med" len="med"/>
-                      <a:tailEnd type="none" w="med" len="med"/>
-                    </a:lnB>
-                  </a:tcPr>
-                </a:tc>
-                <a:tc>
-                  <a:txBody>
-                    <a:bodyPr/>
-                    <a:lstStyle/>
-                    <a:p>
-                      <a:pPr algn="ctr" fontAlgn="ctr"/>
-                      <a:r>
-                        <a:rPr lang="ru-RU" sz="1400" u="none" strike="noStrike" dirty="0">
-                          <a:effectLst/>
-                        </a:rPr>
-                        <a:t>_</a:t>
-                      </a:r>
-                      <a:endParaRPr lang="ru-RU" sz="1400" b="0" i="0" u="none" strike="noStrike" dirty="0">
-                        <a:solidFill>
-                          <a:srgbClr val="000000"/>
-                        </a:solidFill>
-                        <a:effectLst/>
-                        <a:latin typeface="Times New Roman" panose="02020603050405020304" pitchFamily="18" charset="0"/>
-                      </a:endParaRPr>
-                    </a:p>
-                  </a:txBody>
-                  <a:tcPr marL="9525" marR="9525" marT="9525" marB="0" anchor="ctr">
-                    <a:lnL w="12700" cap="flat" cmpd="sng" algn="ctr">
-                      <a:solidFill>
-                        <a:schemeClr val="tx1"/>
-                      </a:solidFill>
-                      <a:prstDash val="solid"/>
-                      <a:round/>
-                      <a:headEnd type="none" w="med" len="med"/>
-                      <a:tailEnd type="none" w="med" len="med"/>
-                    </a:lnL>
-                    <a:lnR w="12700" cap="flat" cmpd="sng" algn="ctr">
-                      <a:solidFill>
-                        <a:schemeClr val="tx1"/>
-                      </a:solidFill>
-                      <a:prstDash val="solid"/>
-                      <a:round/>
-                      <a:headEnd type="none" w="med" len="med"/>
-                      <a:tailEnd type="none" w="med" len="med"/>
-                    </a:lnR>
-                    <a:lnB w="28575" cap="flat" cmpd="sng" algn="ctr">
-                      <a:solidFill>
-                        <a:schemeClr val="tx1"/>
-                      </a:solidFill>
-                      <a:prstDash val="solid"/>
-                      <a:round/>
-                      <a:headEnd type="none" w="med" len="med"/>
-                      <a:tailEnd type="none" w="med" len="med"/>
-                    </a:lnB>
-                  </a:tcPr>
-                </a:tc>
-                <a:tc>
-                  <a:txBody>
-                    <a:bodyPr/>
-                    <a:lstStyle/>
-                    <a:p>
-                      <a:pPr algn="ctr" fontAlgn="ctr"/>
-                      <a:r>
-                        <a:rPr lang="ru-RU" sz="1400" u="none" strike="noStrike" dirty="0">
-                          <a:effectLst/>
-                        </a:rPr>
-                        <a:t>_</a:t>
-                      </a:r>
-                      <a:endParaRPr lang="ru-RU" sz="1400" b="0" i="0" u="none" strike="noStrike" dirty="0">
-                        <a:solidFill>
-                          <a:srgbClr val="000000"/>
-                        </a:solidFill>
-                        <a:effectLst/>
-                        <a:latin typeface="Times New Roman" panose="02020603050405020304" pitchFamily="18" charset="0"/>
-                      </a:endParaRPr>
-                    </a:p>
-                  </a:txBody>
-                  <a:tcPr marL="9525" marR="9525" marT="9525" marB="0" anchor="ctr">
-                    <a:lnL w="12700" cap="flat" cmpd="sng" algn="ctr">
-                      <a:solidFill>
-                        <a:schemeClr val="tx1"/>
-                      </a:solidFill>
-                      <a:prstDash val="solid"/>
-                      <a:round/>
-                      <a:headEnd type="none" w="med" len="med"/>
-                      <a:tailEnd type="none" w="med" len="med"/>
-                    </a:lnL>
-                    <a:lnR w="12700" cap="flat" cmpd="sng" algn="ctr">
-                      <a:solidFill>
-                        <a:schemeClr val="tx1"/>
-                      </a:solidFill>
-                      <a:prstDash val="solid"/>
-                      <a:round/>
-                      <a:headEnd type="none" w="med" len="med"/>
-                      <a:tailEnd type="none" w="med" len="med"/>
-                    </a:lnR>
-                    <a:lnB w="28575" cap="flat" cmpd="sng" algn="ctr">
-                      <a:solidFill>
-                        <a:schemeClr val="tx1"/>
-                      </a:solidFill>
-                      <a:prstDash val="solid"/>
-                      <a:round/>
-                      <a:headEnd type="none" w="med" len="med"/>
-                      <a:tailEnd type="none" w="med" len="med"/>
-                    </a:lnB>
-                  </a:tcPr>
-                </a:tc>
-                <a:tc>
-                  <a:txBody>
-                    <a:bodyPr/>
-                    <a:lstStyle/>
-                    <a:p>
-                      <a:pPr algn="ctr" fontAlgn="ctr"/>
-                      <a:r>
-                        <a:rPr lang="ru-RU" sz="1400" u="none" strike="noStrike" dirty="0">
-                          <a:effectLst/>
-                        </a:rPr>
-                        <a:t>_</a:t>
-                      </a:r>
-                      <a:endParaRPr lang="ru-RU" sz="1400" b="0" i="0" u="none" strike="noStrike" dirty="0">
-                        <a:solidFill>
-                          <a:srgbClr val="000000"/>
-                        </a:solidFill>
-                        <a:effectLst/>
-                        <a:latin typeface="Times New Roman" panose="02020603050405020304" pitchFamily="18" charset="0"/>
-                      </a:endParaRPr>
-                    </a:p>
-                  </a:txBody>
-                  <a:tcPr marL="9525" marR="9525" marT="9525" marB="0" anchor="ctr">
-                    <a:lnL w="12700" cap="flat" cmpd="sng" algn="ctr">
-                      <a:solidFill>
-                        <a:schemeClr val="tx1"/>
-                      </a:solidFill>
-                      <a:prstDash val="solid"/>
-                      <a:round/>
-                      <a:headEnd type="none" w="med" len="med"/>
-                      <a:tailEnd type="none" w="med" len="med"/>
-                    </a:lnL>
-                    <a:lnR w="19050" cap="flat" cmpd="sng" algn="ctr">
-                      <a:solidFill>
-                        <a:schemeClr val="tx1"/>
-                      </a:solidFill>
-                      <a:prstDash val="solid"/>
-                      <a:round/>
-                      <a:headEnd type="none" w="med" len="med"/>
-                      <a:tailEnd type="none" w="med" len="med"/>
-                    </a:lnR>
-                    <a:lnB w="28575" cap="flat" cmpd="sng" algn="ctr">
-                      <a:solidFill>
-                        <a:schemeClr val="tx1"/>
-                      </a:solidFill>
-                      <a:prstDash val="solid"/>
-                      <a:round/>
-                      <a:headEnd type="none" w="med" len="med"/>
-                      <a:tailEnd type="none" w="med" len="med"/>
-                    </a:lnB>
-                  </a:tcPr>
-                </a:tc>
-                <a:tc>
-                  <a:txBody>
-                    <a:bodyPr/>
-                    <a:lstStyle/>
-                    <a:p>
-                      <a:pPr algn="ctr" fontAlgn="ctr"/>
-                      <a:r>
-                        <a:rPr lang="ru-RU" sz="1400" u="none" strike="noStrike" dirty="0">
-                          <a:effectLst/>
-                        </a:rPr>
-                        <a:t>_</a:t>
-                      </a:r>
-                      <a:endParaRPr lang="ru-RU" sz="1400" b="0" i="0" u="none" strike="noStrike" dirty="0">
-                        <a:solidFill>
-                          <a:srgbClr val="000000"/>
-                        </a:solidFill>
-                        <a:effectLst/>
-                        <a:latin typeface="Times New Roman" panose="02020603050405020304" pitchFamily="18" charset="0"/>
-                      </a:endParaRPr>
-                    </a:p>
-                  </a:txBody>
-                  <a:tcPr marL="9525" marR="9525" marT="9525" marB="0" anchor="ctr">
-                    <a:lnL w="19050" cap="flat" cmpd="sng" algn="ctr">
-                      <a:solidFill>
-                        <a:schemeClr val="tx1"/>
-                      </a:solidFill>
-                      <a:prstDash val="solid"/>
-                      <a:round/>
-                      <a:headEnd type="none" w="med" len="med"/>
-                      <a:tailEnd type="none" w="med" len="med"/>
-                    </a:lnL>
-                    <a:lnR w="12700" cap="flat" cmpd="sng" algn="ctr">
-                      <a:solidFill>
-                        <a:schemeClr val="tx1"/>
-                      </a:solidFill>
-                      <a:prstDash val="solid"/>
-                      <a:round/>
-                      <a:headEnd type="none" w="med" len="med"/>
-                      <a:tailEnd type="none" w="med" len="med"/>
-                    </a:lnR>
-                    <a:lnT w="12700" cap="flat" cmpd="sng" algn="ctr">
-                      <a:noFill/>
-                      <a:prstDash val="solid"/>
-                      <a:round/>
-                      <a:headEnd type="none" w="med" len="med"/>
-                      <a:tailEnd type="none" w="med" len="med"/>
-                    </a:lnT>
-                    <a:lnB w="28575" cap="flat" cmpd="sng" algn="ctr">
-                      <a:solidFill>
-                        <a:schemeClr val="tx1"/>
-                      </a:solidFill>
-                      <a:prstDash val="solid"/>
-                      <a:round/>
-                      <a:headEnd type="none" w="med" len="med"/>
-                      <a:tailEnd type="none" w="med" len="med"/>
-                    </a:lnB>
-                  </a:tcPr>
-                </a:tc>
-                <a:tc>
-                  <a:txBody>
-                    <a:bodyPr/>
-                    <a:lstStyle/>
-                    <a:p>
-                      <a:pPr algn="ctr" fontAlgn="ctr"/>
-                      <a:r>
-                        <a:rPr lang="ru-RU" sz="1400" u="none" strike="noStrike" dirty="0">
-                          <a:effectLst/>
-                        </a:rPr>
-                        <a:t>_</a:t>
-                      </a:r>
-                      <a:endParaRPr lang="ru-RU" sz="1400" b="0" i="0" u="none" strike="noStrike" dirty="0">
-                        <a:solidFill>
-                          <a:srgbClr val="000000"/>
-                        </a:solidFill>
-                        <a:effectLst/>
-                        <a:latin typeface="Times New Roman" panose="02020603050405020304" pitchFamily="18" charset="0"/>
-                      </a:endParaRPr>
-                    </a:p>
-                  </a:txBody>
-                  <a:tcPr marL="9525" marR="9525" marT="9525" marB="0" anchor="ctr">
-                    <a:lnL w="12700" cap="flat" cmpd="sng" algn="ctr">
-                      <a:solidFill>
-                        <a:schemeClr val="tx1"/>
-                      </a:solidFill>
-                      <a:prstDash val="solid"/>
-                      <a:round/>
-                      <a:headEnd type="none" w="med" len="med"/>
-                      <a:tailEnd type="none" w="med" len="med"/>
-                    </a:lnL>
-                    <a:lnR w="12700" cap="flat" cmpd="sng" algn="ctr">
-                      <a:solidFill>
-                        <a:schemeClr val="tx1"/>
-                      </a:solidFill>
-                      <a:prstDash val="solid"/>
-                      <a:round/>
-                      <a:headEnd type="none" w="med" len="med"/>
-                      <a:tailEnd type="none" w="med" len="med"/>
-                    </a:lnR>
-                    <a:lnB w="28575" cap="flat" cmpd="sng" algn="ctr">
-                      <a:solidFill>
-                        <a:schemeClr val="tx1"/>
-                      </a:solidFill>
-                      <a:prstDash val="solid"/>
-                      <a:round/>
-                      <a:headEnd type="none" w="med" len="med"/>
-                      <a:tailEnd type="none" w="med" len="med"/>
-                    </a:lnB>
-                  </a:tcPr>
-                </a:tc>
-                <a:tc>
-                  <a:txBody>
-                    <a:bodyPr/>
-                    <a:lstStyle/>
-                    <a:p>
-                      <a:pPr algn="ctr" fontAlgn="ctr"/>
-                      <a:r>
-                        <a:rPr lang="ru-RU" sz="1400" u="none" strike="noStrike" dirty="0">
-                          <a:effectLst/>
-                        </a:rPr>
-                        <a:t>_</a:t>
-                      </a:r>
-                      <a:endParaRPr lang="ru-RU" sz="1400" b="0" i="0" u="none" strike="noStrike" dirty="0">
-                        <a:solidFill>
-                          <a:srgbClr val="000000"/>
-                        </a:solidFill>
-                        <a:effectLst/>
-                        <a:latin typeface="Times New Roman" panose="02020603050405020304" pitchFamily="18" charset="0"/>
-                      </a:endParaRPr>
-                    </a:p>
-                  </a:txBody>
-                  <a:tcPr marL="9525" marR="9525" marT="9525" marB="0" anchor="ctr">
-                    <a:lnL w="12700" cap="flat" cmpd="sng" algn="ctr">
-                      <a:solidFill>
-                        <a:schemeClr val="tx1"/>
-                      </a:solidFill>
-                      <a:prstDash val="solid"/>
-                      <a:round/>
-                      <a:headEnd type="none" w="med" len="med"/>
-                      <a:tailEnd type="none" w="med" len="med"/>
-                    </a:lnL>
-                    <a:lnR w="12700" cap="flat" cmpd="sng" algn="ctr">
-                      <a:solidFill>
-                        <a:schemeClr val="tx1"/>
-                      </a:solidFill>
-                      <a:prstDash val="solid"/>
-                      <a:round/>
-                      <a:headEnd type="none" w="med" len="med"/>
-                      <a:tailEnd type="none" w="med" len="med"/>
-                    </a:lnR>
-                    <a:lnB w="28575" cap="flat" cmpd="sng" algn="ctr">
-                      <a:solidFill>
-                        <a:schemeClr val="tx1"/>
-                      </a:solidFill>
-                      <a:prstDash val="solid"/>
-                      <a:round/>
-                      <a:headEnd type="none" w="med" len="med"/>
-                      <a:tailEnd type="none" w="med" len="med"/>
-                    </a:lnB>
-                  </a:tcPr>
-                </a:tc>
-                <a:tc>
-                  <a:txBody>
-                    <a:bodyPr/>
-                    <a:lstStyle/>
-                    <a:p>
-                      <a:pPr algn="ctr" fontAlgn="ctr"/>
-                      <a:r>
-                        <a:rPr lang="ru-RU" sz="1400" u="none" strike="noStrike" dirty="0">
-                          <a:effectLst/>
-                        </a:rPr>
-                        <a:t>_</a:t>
-                      </a:r>
-                      <a:endParaRPr lang="ru-RU" sz="1400" b="0" i="0" u="none" strike="noStrike" dirty="0">
-                        <a:solidFill>
-                          <a:srgbClr val="000000"/>
-                        </a:solidFill>
-                        <a:effectLst/>
-                        <a:latin typeface="Times New Roman" panose="02020603050405020304" pitchFamily="18" charset="0"/>
+                        <a:cs typeface="Times New Roman" panose="02020603050405020304" pitchFamily="18" charset="0"/>
                       </a:endParaRPr>
                     </a:p>
                   </a:txBody>
@@ -10683,14 +10370,14 @@
             <p:ph idx="1"/>
             <p:extLst>
               <p:ext uri="{D42A27DB-BD31-4B8C-83A1-F6EECF244321}">
-                <p14:modId xmlns:p14="http://schemas.microsoft.com/office/powerpoint/2010/main" val="1353180923"/>
+                <p14:modId xmlns:p14="http://schemas.microsoft.com/office/powerpoint/2010/main" val="371307357"/>
               </p:ext>
             </p:extLst>
           </p:nvPr>
         </p:nvGraphicFramePr>
         <p:xfrm>
           <a:off x="1273216" y="2141316"/>
-          <a:ext cx="10080585" cy="4051139"/>
+          <a:ext cx="10080586" cy="4051139"/>
         </p:xfrm>
         <a:graphic>
           <a:graphicData uri="http://schemas.openxmlformats.org/drawingml/2006/table">
@@ -10699,42 +10386,49 @@
                 <a:tableStyleId>{5C22544A-7EE6-4342-B048-85BDC9FD1C3A}</a:tableStyleId>
               </a:tblPr>
               <a:tblGrid>
-                <a:gridCol w="2049811">
+                <a:gridCol w="1162130">
                   <a:extLst>
                     <a:ext uri="{9D8B030D-6E8A-4147-A177-3AD203B41FA5}">
                       <a16:colId xmlns:a16="http://schemas.microsoft.com/office/drawing/2014/main" val="934025510"/>
                     </a:ext>
                   </a:extLst>
                 </a:gridCol>
-                <a:gridCol w="1642658">
+                <a:gridCol w="1851971">
+                  <a:extLst>
+                    <a:ext uri="{9D8B030D-6E8A-4147-A177-3AD203B41FA5}">
+                      <a16:colId xmlns:a16="http://schemas.microsoft.com/office/drawing/2014/main" val="793119301"/>
+                    </a:ext>
+                  </a:extLst>
+                </a:gridCol>
+                <a:gridCol w="1851971">
                   <a:extLst>
                     <a:ext uri="{9D8B030D-6E8A-4147-A177-3AD203B41FA5}">
                       <a16:colId xmlns:a16="http://schemas.microsoft.com/office/drawing/2014/main" val="1419014391"/>
                     </a:ext>
                   </a:extLst>
                 </a:gridCol>
-                <a:gridCol w="1979614">
+                <a:gridCol w="1615926">
                   <a:extLst>
                     <a:ext uri="{9D8B030D-6E8A-4147-A177-3AD203B41FA5}">
                       <a16:colId xmlns:a16="http://schemas.microsoft.com/office/drawing/2014/main" val="2541429227"/>
                     </a:ext>
                   </a:extLst>
                 </a:gridCol>
-                <a:gridCol w="1347822">
+                <a:gridCol w="1100205">
                   <a:extLst>
                     <a:ext uri="{9D8B030D-6E8A-4147-A177-3AD203B41FA5}">
                       <a16:colId xmlns:a16="http://schemas.microsoft.com/office/drawing/2014/main" val="162961496"/>
                     </a:ext>
                   </a:extLst>
                 </a:gridCol>
-                <a:gridCol w="1347822">
+                <a:gridCol w="1237705">
                   <a:extLst>
                     <a:ext uri="{9D8B030D-6E8A-4147-A177-3AD203B41FA5}">
                       <a16:colId xmlns:a16="http://schemas.microsoft.com/office/drawing/2014/main" val="4189349163"/>
                     </a:ext>
                   </a:extLst>
                 </a:gridCol>
-                <a:gridCol w="1712858">
+                <a:gridCol w="1260678">
                   <a:extLst>
                     <a:ext uri="{9D8B030D-6E8A-4147-A177-3AD203B41FA5}">
                       <a16:colId xmlns:a16="http://schemas.microsoft.com/office/drawing/2014/main" val="3182831633"/>
@@ -10806,7 +10500,7 @@
                     </a:solidFill>
                   </a:tcPr>
                 </a:tc>
-                <a:tc gridSpan="3">
+                <a:tc gridSpan="4">
                   <a:txBody>
                     <a:bodyPr/>
                     <a:lstStyle/>
@@ -10874,33 +10568,7 @@
                     <a:bodyPr/>
                     <a:lstStyle/>
                     <a:p>
-                      <a:endParaRPr lang="ru-RU"/>
-                    </a:p>
-                  </a:txBody>
-                  <a:tcPr/>
-                </a:tc>
-                <a:tc hMerge="1">
-                  <a:txBody>
-                    <a:bodyPr/>
-                    <a:lstStyle/>
-                    <a:p>
-                      <a:endParaRPr lang="ru-RU"/>
-                    </a:p>
-                  </a:txBody>
-                  <a:tcPr/>
-                </a:tc>
-                <a:tc>
-                  <a:txBody>
-                    <a:bodyPr/>
-                    <a:lstStyle/>
-                    <a:p>
                       <a:pPr algn="ctr" fontAlgn="ctr"/>
-                      <a:r>
-                        <a:rPr lang="en-US" sz="1400" u="none" strike="noStrike" dirty="0" err="1">
-                          <a:effectLst/>
-                        </a:rPr>
-                        <a:t>Gurobi</a:t>
-                      </a:r>
                       <a:endParaRPr lang="en-US" sz="1400" b="0" i="0" u="none" strike="noStrike" dirty="0">
                         <a:solidFill>
                           <a:srgbClr val="000000"/>
@@ -10911,15 +10579,22 @@
                     </a:p>
                   </a:txBody>
                   <a:tcPr marL="9525" marR="9525" marT="9525" marB="0" anchor="ctr">
-                    <a:lnL w="19050" cap="flat" cmpd="sng" algn="ctr">
-                      <a:solidFill>
-                        <a:schemeClr val="tx1"/>
-                      </a:solidFill>
+                    <a:lnL w="12700" cap="flat" cmpd="sng" algn="ctr">
+                      <a:noFill/>
                       <a:prstDash val="solid"/>
                       <a:round/>
                       <a:headEnd type="none" w="med" len="med"/>
                       <a:tailEnd type="none" w="med" len="med"/>
                     </a:lnL>
+                    <a:lnR w="19050" cap="flat" cmpd="sng" algn="ctr">
+                      <a:solidFill>
+                        <a:schemeClr val="tx1"/>
+                      </a:solidFill>
+                      <a:prstDash val="solid"/>
+                      <a:round/>
+                      <a:headEnd type="none" w="med" len="med"/>
+                      <a:tailEnd type="none" w="med" len="med"/>
+                    </a:lnR>
                     <a:lnT w="28575" cap="flat" cmpd="sng" algn="ctr">
                       <a:solidFill>
                         <a:schemeClr val="tx1"/>
@@ -10943,18 +10618,101 @@
                     </a:solidFill>
                   </a:tcPr>
                 </a:tc>
-                <a:tc>
+                <a:tc hMerge="1">
+                  <a:txBody>
+                    <a:bodyPr/>
+                    <a:lstStyle/>
+                    <a:p>
+                      <a:endParaRPr lang="ru-RU"/>
+                    </a:p>
+                  </a:txBody>
+                  <a:tcPr/>
+                </a:tc>
+                <a:tc hMerge="1">
+                  <a:txBody>
+                    <a:bodyPr/>
+                    <a:lstStyle/>
+                    <a:p>
+                      <a:endParaRPr lang="ru-RU"/>
+                    </a:p>
+                  </a:txBody>
+                  <a:tcPr/>
+                </a:tc>
+                <a:tc gridSpan="2">
                   <a:txBody>
                     <a:bodyPr/>
                     <a:lstStyle/>
                     <a:p>
                       <a:pPr algn="ctr" fontAlgn="ctr"/>
                       <a:r>
-                        <a:rPr lang="ru-RU" sz="1400" u="none" strike="noStrike" dirty="0">
+                        <a:rPr lang="en-US" sz="1400" u="none" strike="noStrike" dirty="0" smtClean="0">
                           <a:effectLst/>
                         </a:rPr>
-                        <a:t> </a:t>
-                      </a:r>
+                        <a:t>   </a:t>
+                      </a:r>
+                      <a:r>
+                        <a:rPr lang="en-US" sz="1400" u="none" strike="noStrike" dirty="0" err="1" smtClean="0">
+                          <a:effectLst/>
+                        </a:rPr>
+                        <a:t>Gurobi</a:t>
+                      </a:r>
+                      <a:endParaRPr lang="en-US" sz="1400" b="0" i="0" u="none" strike="noStrike" dirty="0">
+                        <a:solidFill>
+                          <a:srgbClr val="000000"/>
+                        </a:solidFill>
+                        <a:effectLst/>
+                        <a:latin typeface="Times New Roman" panose="02020603050405020304" pitchFamily="18" charset="0"/>
+                      </a:endParaRPr>
+                    </a:p>
+                  </a:txBody>
+                  <a:tcPr marL="9525" marR="9525" marT="9525" marB="0" anchor="ctr">
+                    <a:lnL w="19050" cap="flat" cmpd="sng" algn="ctr">
+                      <a:solidFill>
+                        <a:schemeClr val="tx1"/>
+                      </a:solidFill>
+                      <a:prstDash val="solid"/>
+                      <a:round/>
+                      <a:headEnd type="none" w="med" len="med"/>
+                      <a:tailEnd type="none" w="med" len="med"/>
+                    </a:lnL>
+                    <a:lnR w="28575" cap="flat" cmpd="sng" algn="ctr">
+                      <a:solidFill>
+                        <a:schemeClr val="tx1"/>
+                      </a:solidFill>
+                      <a:prstDash val="solid"/>
+                      <a:round/>
+                      <a:headEnd type="none" w="med" len="med"/>
+                      <a:tailEnd type="none" w="med" len="med"/>
+                    </a:lnR>
+                    <a:lnT w="28575" cap="flat" cmpd="sng" algn="ctr">
+                      <a:solidFill>
+                        <a:schemeClr val="tx1"/>
+                      </a:solidFill>
+                      <a:prstDash val="solid"/>
+                      <a:round/>
+                      <a:headEnd type="none" w="med" len="med"/>
+                      <a:tailEnd type="none" w="med" len="med"/>
+                    </a:lnT>
+                    <a:lnB w="12700" cap="flat" cmpd="sng" algn="ctr">
+                      <a:solidFill>
+                        <a:schemeClr val="tx1"/>
+                      </a:solidFill>
+                      <a:prstDash val="solid"/>
+                      <a:round/>
+                      <a:headEnd type="none" w="med" len="med"/>
+                      <a:tailEnd type="none" w="med" len="med"/>
+                    </a:lnB>
+                    <a:solidFill>
+                      <a:schemeClr val="bg1"/>
+                    </a:solidFill>
+                  </a:tcPr>
+                </a:tc>
+                <a:tc hMerge="1">
+                  <a:txBody>
+                    <a:bodyPr/>
+                    <a:lstStyle/>
+                    <a:p>
+                      <a:pPr algn="r" fontAlgn="ctr"/>
                       <a:endParaRPr lang="ru-RU" sz="1400" b="0" i="0" u="none" strike="noStrike" dirty="0">
                         <a:solidFill>
                           <a:srgbClr val="000000"/>
@@ -11080,6 +10838,73 @@
                     <a:p>
                       <a:pPr algn="ctr" fontAlgn="ctr"/>
                       <a:r>
+                        <a:rPr lang="en-US" sz="1400" b="0" i="0" u="none" strike="noStrike" dirty="0" smtClean="0">
+                          <a:solidFill>
+                            <a:srgbClr val="000000"/>
+                          </a:solidFill>
+                          <a:effectLst/>
+                          <a:latin typeface="Times New Roman" panose="02020603050405020304" pitchFamily="18" charset="0"/>
+                        </a:rPr>
+                        <a:t>Start solution</a:t>
+                      </a:r>
+                      <a:endParaRPr lang="en-US" sz="1400" b="0" i="0" u="none" strike="noStrike" dirty="0">
+                        <a:solidFill>
+                          <a:srgbClr val="000000"/>
+                        </a:solidFill>
+                        <a:effectLst/>
+                        <a:latin typeface="Times New Roman" panose="02020603050405020304" pitchFamily="18" charset="0"/>
+                      </a:endParaRPr>
+                    </a:p>
+                  </a:txBody>
+                  <a:tcPr marL="9525" marR="9525" marT="9525" marB="0" anchor="ctr">
+                    <a:lnL w="19050" cap="flat" cmpd="sng" algn="ctr">
+                      <a:solidFill>
+                        <a:schemeClr val="tx1"/>
+                      </a:solidFill>
+                      <a:prstDash val="solid"/>
+                      <a:round/>
+                      <a:headEnd type="none" w="med" len="med"/>
+                      <a:tailEnd type="none" w="med" len="med"/>
+                    </a:lnL>
+                    <a:lnR w="19050" cap="flat" cmpd="sng" algn="ctr">
+                      <a:solidFill>
+                        <a:schemeClr val="tx1"/>
+                      </a:solidFill>
+                      <a:prstDash val="solid"/>
+                      <a:round/>
+                      <a:headEnd type="none" w="med" len="med"/>
+                      <a:tailEnd type="none" w="med" len="med"/>
+                    </a:lnR>
+                    <a:lnT w="12700" cap="flat" cmpd="sng" algn="ctr">
+                      <a:solidFill>
+                        <a:schemeClr val="tx1"/>
+                      </a:solidFill>
+                      <a:prstDash val="solid"/>
+                      <a:round/>
+                      <a:headEnd type="none" w="med" len="med"/>
+                      <a:tailEnd type="none" w="med" len="med"/>
+                    </a:lnT>
+                    <a:lnB w="19050" cap="flat" cmpd="sng" algn="ctr">
+                      <a:solidFill>
+                        <a:schemeClr val="tx1"/>
+                      </a:solidFill>
+                      <a:prstDash val="solid"/>
+                      <a:round/>
+                      <a:headEnd type="none" w="med" len="med"/>
+                      <a:tailEnd type="none" w="med" len="med"/>
+                    </a:lnB>
+                    <a:solidFill>
+                      <a:schemeClr val="bg1"/>
+                    </a:solidFill>
+                  </a:tcPr>
+                </a:tc>
+                <a:tc>
+                  <a:txBody>
+                    <a:bodyPr/>
+                    <a:lstStyle/>
+                    <a:p>
+                      <a:pPr algn="ctr" fontAlgn="ctr"/>
+                      <a:r>
                         <a:rPr lang="en-US" sz="1400" u="none" strike="noStrike" dirty="0" smtClean="0">
                           <a:effectLst/>
                         </a:rPr>
@@ -11455,12 +11280,6 @@
                     <a:lstStyle/>
                     <a:p>
                       <a:pPr algn="ctr" fontAlgn="ctr"/>
-                      <a:r>
-                        <a:rPr lang="ru-RU" sz="1400" u="none" strike="noStrike" dirty="0">
-                          <a:effectLst/>
-                        </a:rPr>
-                        <a:t>434</a:t>
-                      </a:r>
                       <a:endParaRPr lang="ru-RU" sz="1400" b="0" i="0" u="none" strike="noStrike" dirty="0">
                         <a:solidFill>
                           <a:srgbClr val="000000"/>
@@ -11480,7 +11299,7 @@
                       <a:headEnd type="none" w="med" len="med"/>
                       <a:tailEnd type="none" w="med" len="med"/>
                     </a:lnL>
-                    <a:lnR w="12700" cap="flat" cmpd="sng" algn="ctr">
+                    <a:lnR w="19050" cap="flat" cmpd="sng" algn="ctr">
                       <a:solidFill>
                         <a:schemeClr val="tx1"/>
                       </a:solidFill>
@@ -11510,10 +11329,74 @@
                     <a:p>
                       <a:pPr algn="ctr" fontAlgn="ctr"/>
                       <a:r>
+                        <a:rPr lang="en-US" sz="1400" b="0" i="0" u="none" strike="noStrike" dirty="0" smtClean="0">
+                          <a:solidFill>
+                            <a:schemeClr val="dk1"/>
+                          </a:solidFill>
+                          <a:effectLst/>
+                          <a:latin typeface="+mn-lt"/>
+                        </a:rPr>
+                        <a:t>14.14</a:t>
+                      </a:r>
+                      <a:endParaRPr lang="ru-RU" sz="1400" b="0" i="0" u="none" strike="noStrike" dirty="0">
+                        <a:solidFill>
+                          <a:srgbClr val="000000"/>
+                        </a:solidFill>
+                        <a:effectLst/>
+                        <a:latin typeface="Times New Roman" panose="02020603050405020304" pitchFamily="18" charset="0"/>
+                      </a:endParaRPr>
+                    </a:p>
+                  </a:txBody>
+                  <a:tcPr marL="9525" marR="9525" marT="9525" marB="0" anchor="ctr">
+                    <a:lnL w="19050" cap="flat" cmpd="sng" algn="ctr">
+                      <a:solidFill>
+                        <a:schemeClr val="tx1"/>
+                      </a:solidFill>
+                      <a:prstDash val="solid"/>
+                      <a:round/>
+                      <a:headEnd type="none" w="med" len="med"/>
+                      <a:tailEnd type="none" w="med" len="med"/>
+                    </a:lnL>
+                    <a:lnR w="12700" cap="flat" cmpd="sng" algn="ctr">
+                      <a:solidFill>
+                        <a:schemeClr val="tx1"/>
+                      </a:solidFill>
+                      <a:prstDash val="solid"/>
+                      <a:round/>
+                      <a:headEnd type="none" w="med" len="med"/>
+                      <a:tailEnd type="none" w="med" len="med"/>
+                    </a:lnR>
+                    <a:lnT w="19050" cap="flat" cmpd="sng" algn="ctr">
+                      <a:solidFill>
+                        <a:schemeClr val="tx1"/>
+                      </a:solidFill>
+                      <a:prstDash val="solid"/>
+                      <a:round/>
+                      <a:headEnd type="none" w="med" len="med"/>
+                      <a:tailEnd type="none" w="med" len="med"/>
+                    </a:lnT>
+                    <a:solidFill>
+                      <a:schemeClr val="bg1"/>
+                    </a:solidFill>
+                  </a:tcPr>
+                </a:tc>
+                <a:tc>
+                  <a:txBody>
+                    <a:bodyPr/>
+                    <a:lstStyle/>
+                    <a:p>
+                      <a:pPr algn="ctr" fontAlgn="ctr"/>
+                      <a:r>
+                        <a:rPr lang="en-US" sz="1400" u="none" strike="noStrike" dirty="0" smtClean="0">
+                          <a:effectLst/>
+                        </a:rPr>
+                        <a:t>28.80 </a:t>
+                      </a:r>
+                      <a:r>
                         <a:rPr lang="en-US" sz="1400" u="none" strike="noStrike" dirty="0">
                           <a:effectLst/>
                         </a:rPr>
-                        <a:t>2.88 sec</a:t>
+                        <a:t>sec</a:t>
                       </a:r>
                       <a:endParaRPr lang="en-US" sz="1400" b="0" i="0" u="none" strike="noStrike" dirty="0">
                         <a:solidFill>
@@ -11777,12 +11660,6 @@
                     <a:lstStyle/>
                     <a:p>
                       <a:pPr algn="ctr" fontAlgn="ctr"/>
-                      <a:r>
-                        <a:rPr lang="ru-RU" sz="1400" u="none" strike="noStrike" dirty="0">
-                          <a:effectLst/>
-                        </a:rPr>
-                        <a:t>3255.87</a:t>
-                      </a:r>
                       <a:endParaRPr lang="ru-RU" sz="1400" b="0" i="0" u="none" strike="noStrike" dirty="0">
                         <a:solidFill>
                           <a:srgbClr val="000000"/>
@@ -11802,7 +11679,7 @@
                       <a:headEnd type="none" w="med" len="med"/>
                       <a:tailEnd type="none" w="med" len="med"/>
                     </a:lnL>
-                    <a:lnR w="12700" cap="flat" cmpd="sng" algn="ctr">
+                    <a:lnR w="19050" cap="flat" cmpd="sng" algn="ctr">
                       <a:solidFill>
                         <a:schemeClr val="tx1"/>
                       </a:solidFill>
@@ -11823,10 +11700,71 @@
                     <a:p>
                       <a:pPr algn="ctr" fontAlgn="ctr"/>
                       <a:r>
+                        <a:rPr lang="ru-RU" sz="1400" b="0" i="0" u="none" strike="noStrike" dirty="0" smtClean="0">
+                          <a:solidFill>
+                            <a:schemeClr val="dk1"/>
+                          </a:solidFill>
+                          <a:effectLst/>
+                          <a:latin typeface="+mn-lt"/>
+                        </a:rPr>
+                        <a:t>127,667</a:t>
+                      </a:r>
+                      <a:endParaRPr lang="ru-RU" sz="1400" b="0" i="0" u="none" strike="noStrike" dirty="0">
+                        <a:solidFill>
+                          <a:srgbClr val="000000"/>
+                        </a:solidFill>
+                        <a:effectLst/>
+                        <a:latin typeface="Times New Roman" panose="02020603050405020304" pitchFamily="18" charset="0"/>
+                      </a:endParaRPr>
+                    </a:p>
+                  </a:txBody>
+                  <a:tcPr marL="9525" marR="9525" marT="9525" marB="0" anchor="ctr">
+                    <a:lnL w="19050" cap="flat" cmpd="sng" algn="ctr">
+                      <a:solidFill>
+                        <a:schemeClr val="tx1"/>
+                      </a:solidFill>
+                      <a:prstDash val="solid"/>
+                      <a:round/>
+                      <a:headEnd type="none" w="med" len="med"/>
+                      <a:tailEnd type="none" w="med" len="med"/>
+                    </a:lnL>
+                    <a:lnR w="12700" cap="flat" cmpd="sng" algn="ctr">
+                      <a:solidFill>
+                        <a:schemeClr val="tx1"/>
+                      </a:solidFill>
+                      <a:prstDash val="solid"/>
+                      <a:round/>
+                      <a:headEnd type="none" w="med" len="med"/>
+                      <a:tailEnd type="none" w="med" len="med"/>
+                    </a:lnR>
+                    <a:solidFill>
+                      <a:schemeClr val="bg1"/>
+                    </a:solidFill>
+                  </a:tcPr>
+                </a:tc>
+                <a:tc>
+                  <a:txBody>
+                    <a:bodyPr/>
+                    <a:lstStyle/>
+                    <a:p>
+                      <a:pPr algn="ctr" fontAlgn="ctr"/>
+                      <a:r>
+                        <a:rPr lang="ru-RU" sz="1400" u="none" strike="noStrike" dirty="0" smtClean="0">
+                          <a:effectLst/>
+                        </a:rPr>
+                        <a:t>14,31</a:t>
+                      </a:r>
+                      <a:r>
+                        <a:rPr lang="en-US" sz="1400" u="none" strike="noStrike" dirty="0" smtClean="0">
+                          <a:effectLst/>
+                        </a:rPr>
+                        <a:t> </a:t>
+                      </a:r>
+                      <a:r>
                         <a:rPr lang="en-US" sz="1400" u="none" strike="noStrike" dirty="0">
                           <a:effectLst/>
                         </a:rPr>
-                        <a:t>6.64 min</a:t>
+                        <a:t>min</a:t>
                       </a:r>
                       <a:endParaRPr lang="en-US" sz="1400" b="0" i="0" u="none" strike="noStrike" dirty="0">
                         <a:solidFill>
@@ -11868,10 +11806,14 @@
                     <a:p>
                       <a:pPr algn="ctr" fontAlgn="ctr"/>
                       <a:r>
-                        <a:rPr lang="ru-RU" sz="1400" u="none" strike="noStrike" dirty="0">
+                        <a:rPr lang="en-US" sz="1400" b="0" i="0" u="none" strike="noStrike" dirty="0" smtClean="0">
+                          <a:solidFill>
+                            <a:schemeClr val="dk1"/>
+                          </a:solidFill>
                           <a:effectLst/>
+                          <a:latin typeface="+mn-lt"/>
                         </a:rPr>
-                        <a:t>25</a:t>
+                        <a:t>333</a:t>
                       </a:r>
                       <a:endParaRPr lang="ru-RU" sz="1400" b="0" i="0" u="none" strike="noStrike" dirty="0">
                         <a:solidFill>
@@ -12054,12 +11996,6 @@
                     <a:lstStyle/>
                     <a:p>
                       <a:pPr algn="ctr" fontAlgn="ctr"/>
-                      <a:r>
-                        <a:rPr lang="ru-RU" sz="1400" u="none" strike="noStrike" dirty="0">
-                          <a:effectLst/>
-                        </a:rPr>
-                        <a:t>_</a:t>
-                      </a:r>
                       <a:endParaRPr lang="ru-RU" sz="1400" b="0" i="0" u="none" strike="noStrike" dirty="0">
                         <a:solidFill>
                           <a:srgbClr val="000000"/>
@@ -12079,7 +12015,7 @@
                       <a:headEnd type="none" w="med" len="med"/>
                       <a:tailEnd type="none" w="med" len="med"/>
                     </a:lnL>
-                    <a:lnR w="12700" cap="flat" cmpd="sng" algn="ctr">
+                    <a:lnR w="19050" cap="flat" cmpd="sng" algn="ctr">
                       <a:solidFill>
                         <a:schemeClr val="tx1"/>
                       </a:solidFill>
@@ -12100,10 +12036,14 @@
                     <a:p>
                       <a:pPr algn="ctr" fontAlgn="ctr"/>
                       <a:r>
-                        <a:rPr lang="ru-RU" sz="1400" u="none" strike="noStrike" dirty="0">
+                        <a:rPr lang="ru-RU" sz="1400" b="0" i="0" u="none" strike="noStrike" dirty="0" smtClean="0">
+                          <a:solidFill>
+                            <a:srgbClr val="000000"/>
+                          </a:solidFill>
                           <a:effectLst/>
+                          <a:latin typeface="Times New Roman" panose="02020603050405020304" pitchFamily="18" charset="0"/>
                         </a:rPr>
-                        <a:t>_</a:t>
+                        <a:t>470,93</a:t>
                       </a:r>
                       <a:endParaRPr lang="ru-RU" sz="1400" b="0" i="0" u="none" strike="noStrike" dirty="0">
                         <a:solidFill>
@@ -12115,7 +12055,7 @@
                     </a:p>
                   </a:txBody>
                   <a:tcPr marL="9525" marR="9525" marT="9525" marB="0" anchor="ctr">
-                    <a:lnL w="12700" cap="flat" cmpd="sng" algn="ctr">
+                    <a:lnL w="19050" cap="flat" cmpd="sng" algn="ctr">
                       <a:solidFill>
                         <a:schemeClr val="tx1"/>
                       </a:solidFill>
@@ -12145,10 +12085,83 @@
                     <a:p>
                       <a:pPr algn="ctr" fontAlgn="ctr"/>
                       <a:r>
-                        <a:rPr lang="ru-RU" sz="1400" u="none" strike="noStrike" dirty="0">
+                        <a:rPr lang="ru-RU" sz="1400" b="0" i="0" u="none" strike="noStrike" dirty="0" smtClean="0">
+                          <a:solidFill>
+                            <a:srgbClr val="000000"/>
+                          </a:solidFill>
                           <a:effectLst/>
+                          <a:latin typeface="Times New Roman" panose="02020603050405020304" pitchFamily="18" charset="0"/>
                         </a:rPr>
-                        <a:t>_</a:t>
+                        <a:t>3.4</a:t>
+                      </a:r>
+                      <a:r>
+                        <a:rPr lang="ru-RU" sz="1400" b="0" i="0" u="none" strike="noStrike" baseline="0" dirty="0" smtClean="0">
+                          <a:solidFill>
+                            <a:srgbClr val="000000"/>
+                          </a:solidFill>
+                          <a:effectLst/>
+                          <a:latin typeface="Times New Roman" panose="02020603050405020304" pitchFamily="18" charset="0"/>
+                        </a:rPr>
+                        <a:t> </a:t>
+                      </a:r>
+                      <a:r>
+                        <a:rPr lang="en-US" sz="1400" b="0" i="0" u="none" strike="noStrike" baseline="0" dirty="0" smtClean="0">
+                          <a:solidFill>
+                            <a:srgbClr val="000000"/>
+                          </a:solidFill>
+                          <a:effectLst/>
+                          <a:latin typeface="Times New Roman" panose="02020603050405020304" pitchFamily="18" charset="0"/>
+                        </a:rPr>
+                        <a:t>hours</a:t>
+                      </a:r>
+                      <a:endParaRPr lang="ru-RU" sz="1400" b="0" i="0" u="none" strike="noStrike" dirty="0">
+                        <a:solidFill>
+                          <a:srgbClr val="000000"/>
+                        </a:solidFill>
+                        <a:effectLst/>
+                        <a:latin typeface="Times New Roman" panose="02020603050405020304" pitchFamily="18" charset="0"/>
+                      </a:endParaRPr>
+                    </a:p>
+                  </a:txBody>
+                  <a:tcPr marL="9525" marR="9525" marT="9525" marB="0" anchor="ctr">
+                    <a:lnL w="12700" cap="flat" cmpd="sng" algn="ctr">
+                      <a:solidFill>
+                        <a:schemeClr val="tx1"/>
+                      </a:solidFill>
+                      <a:prstDash val="solid"/>
+                      <a:round/>
+                      <a:headEnd type="none" w="med" len="med"/>
+                      <a:tailEnd type="none" w="med" len="med"/>
+                    </a:lnL>
+                    <a:lnR w="12700" cap="flat" cmpd="sng" algn="ctr">
+                      <a:solidFill>
+                        <a:schemeClr val="tx1"/>
+                      </a:solidFill>
+                      <a:prstDash val="solid"/>
+                      <a:round/>
+                      <a:headEnd type="none" w="med" len="med"/>
+                      <a:tailEnd type="none" w="med" len="med"/>
+                    </a:lnR>
+                    <a:solidFill>
+                      <a:schemeClr val="bg1"/>
+                    </a:solidFill>
+                  </a:tcPr>
+                </a:tc>
+                <a:tc>
+                  <a:txBody>
+                    <a:bodyPr/>
+                    <a:lstStyle/>
+                    <a:p>
+                      <a:pPr algn="ctr" fontAlgn="ctr"/>
+                      <a:r>
+                        <a:rPr lang="en-US" sz="1400" b="0" i="0" u="none" strike="noStrike" dirty="0" smtClean="0">
+                          <a:solidFill>
+                            <a:schemeClr val="dk1"/>
+                          </a:solidFill>
+                          <a:effectLst/>
+                          <a:latin typeface="+mn-lt"/>
+                        </a:rPr>
+                        <a:t>1020</a:t>
                       </a:r>
                       <a:endParaRPr lang="ru-RU" sz="1400" b="0" i="0" u="none" strike="noStrike" dirty="0">
                         <a:solidFill>
@@ -12289,6 +12302,12 @@
                         <a:buAutoNum type="arabicPlain" startAt="150"/>
                       </a:pPr>
                       <a:r>
+                        <a:rPr lang="en-US" sz="1400" u="none" strike="noStrike" dirty="0" smtClean="0">
+                          <a:effectLst/>
+                        </a:rPr>
+                        <a:t>          </a:t>
+                      </a:r>
+                      <a:r>
                         <a:rPr lang="ru-RU" sz="1400" u="none" strike="noStrike" dirty="0" smtClean="0">
                           <a:effectLst/>
                         </a:rPr>
@@ -12305,6 +12324,64 @@
                   </a:txBody>
                   <a:tcPr marL="9525" marR="9525" marT="9525" marB="0" anchor="ctr">
                     <a:lnL w="28575" cap="flat" cmpd="sng" algn="ctr">
+                      <a:solidFill>
+                        <a:schemeClr val="tx1"/>
+                      </a:solidFill>
+                      <a:prstDash val="solid"/>
+                      <a:round/>
+                      <a:headEnd type="none" w="med" len="med"/>
+                      <a:tailEnd type="none" w="med" len="med"/>
+                    </a:lnL>
+                    <a:lnR w="19050" cap="flat" cmpd="sng" algn="ctr">
+                      <a:solidFill>
+                        <a:schemeClr val="tx1"/>
+                      </a:solidFill>
+                      <a:prstDash val="solid"/>
+                      <a:round/>
+                      <a:headEnd type="none" w="med" len="med"/>
+                      <a:tailEnd type="none" w="med" len="med"/>
+                    </a:lnR>
+                    <a:lnB w="28575" cap="flat" cmpd="sng" algn="ctr">
+                      <a:solidFill>
+                        <a:schemeClr val="tx1"/>
+                      </a:solidFill>
+                      <a:prstDash val="solid"/>
+                      <a:round/>
+                      <a:headEnd type="none" w="med" len="med"/>
+                      <a:tailEnd type="none" w="med" len="med"/>
+                    </a:lnB>
+                    <a:solidFill>
+                      <a:schemeClr val="bg1"/>
+                    </a:solidFill>
+                  </a:tcPr>
+                </a:tc>
+                <a:tc>
+                  <a:txBody>
+                    <a:bodyPr/>
+                    <a:lstStyle/>
+                    <a:p>
+                      <a:pPr algn="ctr" fontAlgn="ctr"/>
+                      <a:r>
+                        <a:rPr lang="ru-RU" sz="1400" b="0" i="0" u="none" strike="noStrike" dirty="0" smtClean="0">
+                          <a:solidFill>
+                            <a:srgbClr val="000000"/>
+                          </a:solidFill>
+                          <a:effectLst/>
+                          <a:latin typeface="Times New Roman" panose="02020603050405020304" pitchFamily="18" charset="0"/>
+                        </a:rPr>
+                        <a:t>1806931.84</a:t>
+                      </a:r>
+                      <a:endParaRPr lang="ru-RU" sz="1400" b="0" i="0" u="none" strike="noStrike" dirty="0">
+                        <a:solidFill>
+                          <a:srgbClr val="000000"/>
+                        </a:solidFill>
+                        <a:effectLst/>
+                        <a:latin typeface="Times New Roman" panose="02020603050405020304" pitchFamily="18" charset="0"/>
+                      </a:endParaRPr>
+                    </a:p>
+                  </a:txBody>
+                  <a:tcPr marL="9525" marR="9525" marT="9525" marB="0" anchor="ctr">
+                    <a:lnL w="19050" cap="flat" cmpd="sng" algn="ctr">
                       <a:solidFill>
                         <a:schemeClr val="tx1"/>
                       </a:solidFill>
@@ -12696,148 +12773,6 @@
                 <a:latin typeface="Times New Roman" panose="02020603050405020304" pitchFamily="18" charset="0"/>
                 <a:cs typeface="Times New Roman" panose="02020603050405020304" pitchFamily="18" charset="0"/>
               </a:rPr>
-              <a:t>Дальнейшие исследования</a:t>
-            </a:r>
-            <a:r>
-              <a:rPr lang="ru-RU" dirty="0" smtClean="0"/>
-              <a:t>.</a:t>
-            </a:r>
-            <a:endParaRPr lang="ru-RU" dirty="0"/>
-          </a:p>
-        </p:txBody>
-      </p:sp>
-      <p:sp>
-        <p:nvSpPr>
-          <p:cNvPr id="3" name="Объект 2"/>
-          <p:cNvSpPr>
-            <a:spLocks noGrp="1"/>
-          </p:cNvSpPr>
-          <p:nvPr>
-            <p:ph idx="1"/>
-          </p:nvPr>
-        </p:nvSpPr>
-        <p:spPr/>
-        <p:txBody>
-          <a:bodyPr/>
-          <a:lstStyle/>
-          <a:p>
-            <a:r>
-              <a:rPr lang="ru-RU" dirty="0" smtClean="0">
-                <a:latin typeface="Times New Roman" panose="02020603050405020304" pitchFamily="18" charset="0"/>
-                <a:cs typeface="Times New Roman" panose="02020603050405020304" pitchFamily="18" charset="0"/>
-              </a:rPr>
-              <a:t>Реализовать все </a:t>
-            </a:r>
-            <a:r>
-              <a:rPr lang="ru-RU" dirty="0" err="1" smtClean="0">
-                <a:latin typeface="Times New Roman" panose="02020603050405020304" pitchFamily="18" charset="0"/>
-                <a:cs typeface="Times New Roman" panose="02020603050405020304" pitchFamily="18" charset="0"/>
-              </a:rPr>
-              <a:t>кроссоверы</a:t>
-            </a:r>
-            <a:r>
-              <a:rPr lang="ru-RU" dirty="0" smtClean="0">
-                <a:latin typeface="Times New Roman" panose="02020603050405020304" pitchFamily="18" charset="0"/>
-                <a:cs typeface="Times New Roman" panose="02020603050405020304" pitchFamily="18" charset="0"/>
-              </a:rPr>
-              <a:t>.</a:t>
-            </a:r>
-          </a:p>
-          <a:p>
-            <a:r>
-              <a:rPr lang="ru-RU" dirty="0" smtClean="0">
-                <a:latin typeface="Times New Roman" panose="02020603050405020304" pitchFamily="18" charset="0"/>
-                <a:cs typeface="Times New Roman" panose="02020603050405020304" pitchFamily="18" charset="0"/>
-              </a:rPr>
-              <a:t>Реализовать больше операторов для локального поиска.</a:t>
-            </a:r>
-            <a:endParaRPr lang="en-US" dirty="0" smtClean="0">
-              <a:latin typeface="Times New Roman" panose="02020603050405020304" pitchFamily="18" charset="0"/>
-              <a:cs typeface="Times New Roman" panose="02020603050405020304" pitchFamily="18" charset="0"/>
-            </a:endParaRPr>
-          </a:p>
-        </p:txBody>
-      </p:sp>
-      <p:sp>
-        <p:nvSpPr>
-          <p:cNvPr id="4" name="Номер слайда 3"/>
-          <p:cNvSpPr>
-            <a:spLocks noGrp="1"/>
-          </p:cNvSpPr>
-          <p:nvPr>
-            <p:ph type="sldNum" sz="quarter" idx="12"/>
-          </p:nvPr>
-        </p:nvSpPr>
-        <p:spPr/>
-        <p:txBody>
-          <a:bodyPr/>
-          <a:lstStyle/>
-          <a:p>
-            <a:fld id="{9171452A-E4C5-4FCE-999B-408265C67809}" type="slidenum">
-              <a:rPr lang="ru-RU" sz="2800" smtClean="0"/>
-              <a:t>13</a:t>
-            </a:fld>
-            <a:endParaRPr lang="ru-RU" sz="2800" dirty="0"/>
-          </a:p>
-        </p:txBody>
-      </p:sp>
-    </p:spTree>
-    <p:extLst>
-      <p:ext uri="{BB962C8B-B14F-4D97-AF65-F5344CB8AC3E}">
-        <p14:creationId xmlns:p14="http://schemas.microsoft.com/office/powerpoint/2010/main" val="2768578886"/>
-      </p:ext>
-    </p:extLst>
-  </p:cSld>
-  <p:clrMapOvr>
-    <a:masterClrMapping/>
-  </p:clrMapOvr>
-  <p:timing>
-    <p:tnLst>
-      <p:par>
-        <p:cTn id="1" dur="indefinite" restart="never" nodeType="tmRoot"/>
-      </p:par>
-    </p:tnLst>
-  </p:timing>
-</p:sld>
-</file>
-
-<file path=ppt/slides/slide14.xml><?xml version="1.0" encoding="utf-8"?>
-<p:sld xmlns:a="http://schemas.openxmlformats.org/drawingml/2006/main" xmlns:r="http://schemas.openxmlformats.org/officeDocument/2006/relationships" xmlns:p="http://schemas.openxmlformats.org/presentationml/2006/main">
-  <p:cSld>
-    <p:spTree>
-      <p:nvGrpSpPr>
-        <p:cNvPr id="1" name=""/>
-        <p:cNvGrpSpPr/>
-        <p:nvPr/>
-      </p:nvGrpSpPr>
-      <p:grpSpPr>
-        <a:xfrm>
-          <a:off x="0" y="0"/>
-          <a:ext cx="0" cy="0"/>
-          <a:chOff x="0" y="0"/>
-          <a:chExt cx="0" cy="0"/>
-        </a:xfrm>
-      </p:grpSpPr>
-      <p:sp>
-        <p:nvSpPr>
-          <p:cNvPr id="2" name="Заголовок 1"/>
-          <p:cNvSpPr>
-            <a:spLocks noGrp="1"/>
-          </p:cNvSpPr>
-          <p:nvPr>
-            <p:ph type="title"/>
-          </p:nvPr>
-        </p:nvSpPr>
-        <p:spPr/>
-        <p:txBody>
-          <a:bodyPr/>
-          <a:lstStyle/>
-          <a:p>
-            <a:r>
-              <a:rPr lang="ru-RU" dirty="0" smtClean="0">
-                <a:latin typeface="Times New Roman" panose="02020603050405020304" pitchFamily="18" charset="0"/>
-                <a:cs typeface="Times New Roman" panose="02020603050405020304" pitchFamily="18" charset="0"/>
-              </a:rPr>
               <a:t>Литература.</a:t>
             </a:r>
             <a:endParaRPr lang="ru-RU" dirty="0">
@@ -13020,7 +12955,7 @@
           <a:p>
             <a:fld id="{9171452A-E4C5-4FCE-999B-408265C67809}" type="slidenum">
               <a:rPr lang="ru-RU" sz="2800" smtClean="0"/>
-              <a:t>14</a:t>
+              <a:t>13</a:t>
             </a:fld>
             <a:endParaRPr lang="ru-RU" sz="2800" dirty="0"/>
           </a:p>
@@ -13046,7 +12981,7 @@
 </p:sld>
 </file>
 
-<file path=ppt/slides/slide15.xml><?xml version="1.0" encoding="utf-8"?>
+<file path=ppt/slides/slide14.xml><?xml version="1.0" encoding="utf-8"?>
 <p:sld xmlns:a="http://schemas.openxmlformats.org/drawingml/2006/main" xmlns:r="http://schemas.openxmlformats.org/officeDocument/2006/relationships" xmlns:p="http://schemas.openxmlformats.org/presentationml/2006/main">
   <p:cSld>
     <p:spTree>
@@ -13113,7 +13048,7 @@
           <a:p>
             <a:fld id="{9171452A-E4C5-4FCE-999B-408265C67809}" type="slidenum">
               <a:rPr lang="ru-RU" sz="2800" smtClean="0"/>
-              <a:t>15</a:t>
+              <a:t>14</a:t>
             </a:fld>
             <a:endParaRPr lang="ru-RU" sz="2800" dirty="0"/>
           </a:p>
@@ -17209,21 +17144,7 @@
                 <a:latin typeface="Times New Roman" panose="02020603050405020304" pitchFamily="18" charset="0"/>
                 <a:cs typeface="Times New Roman" panose="02020603050405020304" pitchFamily="18" charset="0"/>
               </a:rPr>
-              <a:t>Чередуем </a:t>
-            </a:r>
-            <a:r>
-              <a:rPr lang="ru-RU" dirty="0" smtClean="0">
-                <a:latin typeface="Times New Roman" panose="02020603050405020304" pitchFamily="18" charset="0"/>
-                <a:cs typeface="Times New Roman" panose="02020603050405020304" pitchFamily="18" charset="0"/>
-              </a:rPr>
-              <a:t>ребра </a:t>
-            </a:r>
-            <a:r>
-              <a:rPr lang="ru-RU" dirty="0" smtClean="0">
-                <a:latin typeface="Times New Roman" panose="02020603050405020304" pitchFamily="18" charset="0"/>
-                <a:cs typeface="Times New Roman" panose="02020603050405020304" pitchFamily="18" charset="0"/>
-              </a:rPr>
-              <a:t>из двух выбранных решений. </a:t>
+              <a:t>Чередуем ребра из двух выбранных решений. </a:t>
             </a:r>
           </a:p>
           <a:p>
@@ -18864,7 +18785,9 @@
             </p:nvSpPr>
             <p:spPr/>
             <p:txBody>
-              <a:bodyPr/>
+              <a:bodyPr>
+                <a:normAutofit lnSpcReduction="10000"/>
+              </a:bodyPr>
               <a:lstStyle/>
               <a:p>
                 <a:r>
@@ -18997,16 +18920,103 @@
                   </m:oMath>
                 </a14:m>
                 <a:r>
-                  <a:rPr lang="ru-RU" dirty="0"/>
+                  <a:rPr lang="ru-RU" dirty="0" smtClean="0"/>
                   <a:t>)</a:t>
                 </a:r>
-                <a:endParaRPr lang="en-US" dirty="0"/>
+                <a:endParaRPr lang="en-US" dirty="0" smtClean="0"/>
               </a:p>
               <a:p>
                 <a:endParaRPr lang="en-US" dirty="0" smtClean="0"/>
               </a:p>
               <a:p>
-                <a:endParaRPr lang="en-US" dirty="0" smtClean="0"/>
+                <a:r>
+                  <a:rPr lang="en-US" dirty="0" smtClean="0"/>
+                  <a:t>Exchange – </a:t>
+                </a:r>
+                <a:r>
+                  <a:rPr lang="ru-RU" dirty="0" smtClean="0"/>
+                  <a:t>предоставляет возможность обмениваться </a:t>
+                </a:r>
+                <a:r>
+                  <a:rPr lang="ru-RU" dirty="0" err="1" smtClean="0"/>
+                  <a:t>подпоследовательностями</a:t>
+                </a:r>
+                <a:r>
+                  <a:rPr lang="ru-RU" dirty="0" smtClean="0"/>
+                  <a:t> разной длины в маршрутах. </a:t>
+                </a:r>
+              </a:p>
+              <a:p>
+                <a:pPr marL="0" indent="0">
+                  <a:buNone/>
+                </a:pPr>
+                <a:r>
+                  <a:rPr lang="ru-RU" dirty="0" smtClean="0"/>
+                  <a:t>   Мощность – О</a:t>
+                </a:r>
+                <a:r>
+                  <a:rPr lang="en-US" dirty="0" smtClean="0"/>
+                  <a:t>(</a:t>
+                </a:r>
+                <a14:m>
+                  <m:oMath xmlns:m="http://schemas.openxmlformats.org/officeDocument/2006/math">
+                    <m:sSup>
+                      <m:sSupPr>
+                        <m:ctrlPr>
+                          <a:rPr lang="ru-RU" i="1" smtClean="0">
+                            <a:latin typeface="Cambria Math" panose="02040503050406030204" pitchFamily="18" charset="0"/>
+                          </a:rPr>
+                        </m:ctrlPr>
+                      </m:sSupPr>
+                      <m:e>
+                        <m:r>
+                          <a:rPr lang="en-US" b="0" i="1" smtClean="0">
+                            <a:latin typeface="Cambria Math" panose="02040503050406030204" pitchFamily="18" charset="0"/>
+                          </a:rPr>
+                          <m:t>𝑛</m:t>
+                        </m:r>
+                      </m:e>
+                      <m:sup>
+                        <m:r>
+                          <a:rPr lang="en-US" b="0" i="1" smtClean="0">
+                            <a:latin typeface="Cambria Math" panose="02040503050406030204" pitchFamily="18" charset="0"/>
+                          </a:rPr>
+                          <m:t>2</m:t>
+                        </m:r>
+                      </m:sup>
+                    </m:sSup>
+                    <m:sSup>
+                      <m:sSupPr>
+                        <m:ctrlPr>
+                          <a:rPr lang="ru-RU" i="1">
+                            <a:latin typeface="Cambria Math" panose="02040503050406030204" pitchFamily="18" charset="0"/>
+                          </a:rPr>
+                        </m:ctrlPr>
+                      </m:sSupPr>
+                      <m:e>
+                        <m:r>
+                          <a:rPr lang="en-US" b="0" i="1" smtClean="0">
+                            <a:latin typeface="Cambria Math" panose="02040503050406030204" pitchFamily="18" charset="0"/>
+                          </a:rPr>
+                          <m:t>𝑝</m:t>
+                        </m:r>
+                      </m:e>
+                      <m:sup>
+                        <m:r>
+                          <a:rPr lang="en-US" i="1">
+                            <a:latin typeface="Cambria Math" panose="02040503050406030204" pitchFamily="18" charset="0"/>
+                          </a:rPr>
+                          <m:t>2</m:t>
+                        </m:r>
+                      </m:sup>
+                    </m:sSup>
+                  </m:oMath>
+                </a14:m>
+                <a:r>
+                  <a:rPr lang="en-US" dirty="0" smtClean="0"/>
+                  <a:t>)</a:t>
+                </a:r>
+                <a:endParaRPr lang="ru-RU" dirty="0" smtClean="0"/>
               </a:p>
             </p:txBody>
           </p:sp>
@@ -19026,7 +19036,7 @@
               <a:blipFill>
                 <a:blip r:embed="rId3"/>
                 <a:stretch>
-                  <a:fillRect l="-1043" t="-2241"/>
+                  <a:fillRect l="-1043" t="-3081"/>
                 </a:stretch>
               </a:blipFill>
             </p:spPr>
